--- a/articulo 1 XAI/Apuntes/Sensitivity analysis/Presentación SA.pptx
+++ b/articulo 1 XAI/Apuntes/Sensitivity analysis/Presentación SA.pptx
@@ -5,7 +5,7 @@
     <p:sldMasterId id="2147483660" r:id="rId1"/>
   </p:sldMasterIdLst>
   <p:notesMasterIdLst>
-    <p:notesMasterId r:id="rId29"/>
+    <p:notesMasterId r:id="rId31"/>
   </p:notesMasterIdLst>
   <p:sldIdLst>
     <p:sldId id="303" r:id="rId2"/>
@@ -24,38 +24,40 @@
     <p:sldId id="354" r:id="rId15"/>
     <p:sldId id="280" r:id="rId16"/>
     <p:sldId id="357" r:id="rId17"/>
-    <p:sldId id="353" r:id="rId18"/>
-    <p:sldId id="356" r:id="rId19"/>
-    <p:sldId id="355" r:id="rId20"/>
-    <p:sldId id="306" r:id="rId21"/>
-    <p:sldId id="317" r:id="rId22"/>
-    <p:sldId id="330" r:id="rId23"/>
-    <p:sldId id="343" r:id="rId24"/>
-    <p:sldId id="331" r:id="rId25"/>
-    <p:sldId id="299" r:id="rId26"/>
-    <p:sldId id="300" r:id="rId27"/>
-    <p:sldId id="308" r:id="rId28"/>
+    <p:sldId id="358" r:id="rId18"/>
+    <p:sldId id="359" r:id="rId19"/>
+    <p:sldId id="353" r:id="rId20"/>
+    <p:sldId id="356" r:id="rId21"/>
+    <p:sldId id="355" r:id="rId22"/>
+    <p:sldId id="306" r:id="rId23"/>
+    <p:sldId id="317" r:id="rId24"/>
+    <p:sldId id="330" r:id="rId25"/>
+    <p:sldId id="343" r:id="rId26"/>
+    <p:sldId id="331" r:id="rId27"/>
+    <p:sldId id="299" r:id="rId28"/>
+    <p:sldId id="300" r:id="rId29"/>
+    <p:sldId id="308" r:id="rId30"/>
   </p:sldIdLst>
   <p:sldSz cx="18288000" cy="10288588"/>
   <p:notesSz cx="6858000" cy="9144000"/>
   <p:embeddedFontLst>
     <p:embeddedFont>
       <p:font typeface="Cambria Math" panose="02040503050406030204" pitchFamily="18" charset="0"/>
-      <p:regular r:id="rId30"/>
+      <p:regular r:id="rId32"/>
     </p:embeddedFont>
     <p:embeddedFont>
       <p:font typeface="Candara" panose="020E0502030303020204" pitchFamily="34" charset="0"/>
-      <p:regular r:id="rId31"/>
-      <p:bold r:id="rId32"/>
-      <p:italic r:id="rId33"/>
-      <p:boldItalic r:id="rId34"/>
+      <p:regular r:id="rId33"/>
+      <p:bold r:id="rId34"/>
+      <p:italic r:id="rId35"/>
+      <p:boldItalic r:id="rId36"/>
     </p:embeddedFont>
     <p:embeddedFont>
       <p:font typeface="DIN" panose="020B0604020202020204" charset="0"/>
-      <p:regular r:id="rId35"/>
-      <p:bold r:id="rId36"/>
-      <p:italic r:id="rId37"/>
-      <p:boldItalic r:id="rId38"/>
+      <p:regular r:id="rId37"/>
+      <p:bold r:id="rId38"/>
+      <p:italic r:id="rId39"/>
+      <p:boldItalic r:id="rId40"/>
     </p:embeddedFont>
   </p:embeddedFontLst>
   <p:defaultTextStyle>
@@ -2695,6 +2697,248 @@
 </p:notes>
 </file>
 
+<file path=ppt/notesSlides/notesSlide10.xml><?xml version="1.0" encoding="utf-8"?>
+<p:notes xmlns:a="http://schemas.openxmlformats.org/drawingml/2006/main" xmlns:r="http://schemas.openxmlformats.org/officeDocument/2006/relationships" xmlns:p="http://schemas.openxmlformats.org/presentationml/2006/main">
+  <p:cSld>
+    <p:spTree>
+      <p:nvGrpSpPr>
+        <p:cNvPr id="1" name=""/>
+        <p:cNvGrpSpPr/>
+        <p:nvPr/>
+      </p:nvGrpSpPr>
+      <p:grpSpPr>
+        <a:xfrm>
+          <a:off x="0" y="0"/>
+          <a:ext cx="0" cy="0"/>
+          <a:chOff x="0" y="0"/>
+          <a:chExt cx="0" cy="0"/>
+        </a:xfrm>
+      </p:grpSpPr>
+      <p:sp>
+        <p:nvSpPr>
+          <p:cNvPr id="2" name="Marcador de imagen de diapositiva 1"/>
+          <p:cNvSpPr>
+            <a:spLocks noGrp="1" noRot="1" noChangeAspect="1"/>
+          </p:cNvSpPr>
+          <p:nvPr>
+            <p:ph type="sldImg"/>
+          </p:nvPr>
+        </p:nvSpPr>
+        <p:spPr/>
+      </p:sp>
+      <p:sp>
+        <p:nvSpPr>
+          <p:cNvPr id="3" name="Marcador de notas 2"/>
+          <p:cNvSpPr>
+            <a:spLocks noGrp="1"/>
+          </p:cNvSpPr>
+          <p:nvPr>
+            <p:ph type="body" idx="1"/>
+          </p:nvPr>
+        </p:nvSpPr>
+        <p:spPr/>
+        <p:txBody>
+          <a:bodyPr/>
+          <a:lstStyle/>
+          <a:p>
+            <a:pPr marL="0" marR="0" lvl="0" indent="0" algn="l" defTabSz="1371600" rtl="0" eaLnBrk="1" fontAlgn="auto" latinLnBrk="0" hangingPunct="1">
+              <a:lnSpc>
+                <a:spcPct val="100000"/>
+              </a:lnSpc>
+              <a:spcBef>
+                <a:spcPts val="0"/>
+              </a:spcBef>
+              <a:spcAft>
+                <a:spcPts val="0"/>
+              </a:spcAft>
+              <a:buClrTx/>
+              <a:buSzTx/>
+              <a:buFontTx/>
+              <a:buNone/>
+              <a:tabLst/>
+              <a:defRPr/>
+            </a:pPr>
+            <a:r>
+              <a:rPr lang="es-ES" sz="1800" dirty="0">
+                <a:effectLst/>
+                <a:latin typeface="Calibri" panose="020F0502020204030204" pitchFamily="34" charset="0"/>
+                <a:ea typeface="Calibri" panose="020F0502020204030204" pitchFamily="34" charset="0"/>
+                <a:cs typeface="Times New Roman" panose="02020603050405020304" pitchFamily="18" charset="0"/>
+              </a:rPr>
+              <a:t>En este caso, como hemos dicho, se escoge EAT como modelo, también limitando el número de nodos hoja como se hacía con CART. En este caso, como función de pérdidas se escoge el MSE y, de este modo, al sustituir la función de perdidas en la fórmula de los </a:t>
+            </a:r>
+            <a:r>
+              <a:rPr lang="es-ES" sz="1800" dirty="0" err="1">
+                <a:effectLst/>
+                <a:latin typeface="Calibri" panose="020F0502020204030204" pitchFamily="34" charset="0"/>
+                <a:ea typeface="Calibri" panose="020F0502020204030204" pitchFamily="34" charset="0"/>
+                <a:cs typeface="Times New Roman" panose="02020603050405020304" pitchFamily="18" charset="0"/>
+              </a:rPr>
+              <a:t>pseudo-residuos</a:t>
+            </a:r>
+            <a:r>
+              <a:rPr lang="es-ES" sz="1800" dirty="0">
+                <a:effectLst/>
+                <a:latin typeface="Calibri" panose="020F0502020204030204" pitchFamily="34" charset="0"/>
+                <a:ea typeface="Calibri" panose="020F0502020204030204" pitchFamily="34" charset="0"/>
+                <a:cs typeface="Times New Roman" panose="02020603050405020304" pitchFamily="18" charset="0"/>
+              </a:rPr>
+              <a:t> nos queda que estos son la diferencia entre el valor real y el valor observado. Es importante darse cuenta de que como la función de perdidas va a envolver los datos por arriba, la predicción siempre será mayor o igual que el valor real, por lo que los valores de </a:t>
+            </a:r>
+            <a:r>
+              <a:rPr lang="es-ES" sz="1800" dirty="0" err="1">
+                <a:effectLst/>
+                <a:latin typeface="Calibri" panose="020F0502020204030204" pitchFamily="34" charset="0"/>
+                <a:ea typeface="Calibri" panose="020F0502020204030204" pitchFamily="34" charset="0"/>
+                <a:cs typeface="Times New Roman" panose="02020603050405020304" pitchFamily="18" charset="0"/>
+              </a:rPr>
+              <a:t>pseudo-residuos</a:t>
+            </a:r>
+            <a:r>
+              <a:rPr lang="es-ES" sz="1800" dirty="0">
+                <a:effectLst/>
+                <a:latin typeface="Calibri" panose="020F0502020204030204" pitchFamily="34" charset="0"/>
+                <a:ea typeface="Calibri" panose="020F0502020204030204" pitchFamily="34" charset="0"/>
+                <a:cs typeface="Times New Roman" panose="02020603050405020304" pitchFamily="18" charset="0"/>
+              </a:rPr>
+              <a:t> siempre serán negativos o cero. </a:t>
+            </a:r>
+          </a:p>
+        </p:txBody>
+      </p:sp>
+      <p:sp>
+        <p:nvSpPr>
+          <p:cNvPr id="4" name="Marcador de número de diapositiva 3"/>
+          <p:cNvSpPr>
+            <a:spLocks noGrp="1"/>
+          </p:cNvSpPr>
+          <p:nvPr>
+            <p:ph type="sldNum" sz="quarter" idx="5"/>
+          </p:nvPr>
+        </p:nvSpPr>
+        <p:spPr/>
+        <p:txBody>
+          <a:bodyPr/>
+          <a:lstStyle/>
+          <a:p>
+            <a:fld id="{CA6CDE8D-5C8C-4CEB-8086-70F298F6BBD0}" type="slidenum">
+              <a:rPr lang="es-ES" smtClean="0"/>
+              <a:t>18</a:t>
+            </a:fld>
+            <a:endParaRPr lang="es-ES"/>
+          </a:p>
+        </p:txBody>
+      </p:sp>
+    </p:spTree>
+    <p:extLst>
+      <p:ext uri="{BB962C8B-B14F-4D97-AF65-F5344CB8AC3E}">
+        <p14:creationId xmlns:p14="http://schemas.microsoft.com/office/powerpoint/2010/main" val="1661730322"/>
+      </p:ext>
+    </p:extLst>
+  </p:cSld>
+  <p:clrMapOvr>
+    <a:masterClrMapping/>
+  </p:clrMapOvr>
+</p:notes>
+</file>
+
+<file path=ppt/notesSlides/notesSlide11.xml><?xml version="1.0" encoding="utf-8"?>
+<p:notes xmlns:a="http://schemas.openxmlformats.org/drawingml/2006/main" xmlns:r="http://schemas.openxmlformats.org/officeDocument/2006/relationships" xmlns:p="http://schemas.openxmlformats.org/presentationml/2006/main">
+  <p:cSld>
+    <p:spTree>
+      <p:nvGrpSpPr>
+        <p:cNvPr id="1" name=""/>
+        <p:cNvGrpSpPr/>
+        <p:nvPr/>
+      </p:nvGrpSpPr>
+      <p:grpSpPr>
+        <a:xfrm>
+          <a:off x="0" y="0"/>
+          <a:ext cx="0" cy="0"/>
+          <a:chOff x="0" y="0"/>
+          <a:chExt cx="0" cy="0"/>
+        </a:xfrm>
+      </p:grpSpPr>
+      <p:sp>
+        <p:nvSpPr>
+          <p:cNvPr id="2" name="Marcador de imagen de diapositiva 1"/>
+          <p:cNvSpPr>
+            <a:spLocks noGrp="1" noRot="1" noChangeAspect="1"/>
+          </p:cNvSpPr>
+          <p:nvPr>
+            <p:ph type="sldImg"/>
+          </p:nvPr>
+        </p:nvSpPr>
+        <p:spPr/>
+      </p:sp>
+      <p:sp>
+        <p:nvSpPr>
+          <p:cNvPr id="3" name="Marcador de notas 2"/>
+          <p:cNvSpPr>
+            <a:spLocks noGrp="1"/>
+          </p:cNvSpPr>
+          <p:nvPr>
+            <p:ph type="body" idx="1"/>
+          </p:nvPr>
+        </p:nvSpPr>
+        <p:spPr/>
+        <p:txBody>
+          <a:bodyPr/>
+          <a:lstStyle/>
+          <a:p>
+            <a:pPr algn="just">
+              <a:lnSpc>
+                <a:spcPct val="107000"/>
+              </a:lnSpc>
+              <a:spcAft>
+                <a:spcPts val="800"/>
+              </a:spcAft>
+            </a:pPr>
+            <a:endParaRPr lang="es-ES" sz="1800" dirty="0">
+              <a:effectLst/>
+              <a:latin typeface="Calibri" panose="020F0502020204030204" pitchFamily="34" charset="0"/>
+              <a:ea typeface="Calibri" panose="020F0502020204030204" pitchFamily="34" charset="0"/>
+              <a:cs typeface="Times New Roman" panose="02020603050405020304" pitchFamily="18" charset="0"/>
+            </a:endParaRPr>
+          </a:p>
+        </p:txBody>
+      </p:sp>
+      <p:sp>
+        <p:nvSpPr>
+          <p:cNvPr id="4" name="Marcador de número de diapositiva 3"/>
+          <p:cNvSpPr>
+            <a:spLocks noGrp="1"/>
+          </p:cNvSpPr>
+          <p:nvPr>
+            <p:ph type="sldNum" sz="quarter" idx="5"/>
+          </p:nvPr>
+        </p:nvSpPr>
+        <p:spPr/>
+        <p:txBody>
+          <a:bodyPr/>
+          <a:lstStyle/>
+          <a:p>
+            <a:fld id="{CA6CDE8D-5C8C-4CEB-8086-70F298F6BBD0}" type="slidenum">
+              <a:rPr lang="es-ES" smtClean="0"/>
+              <a:t>28</a:t>
+            </a:fld>
+            <a:endParaRPr lang="es-ES"/>
+          </a:p>
+        </p:txBody>
+      </p:sp>
+    </p:spTree>
+    <p:extLst>
+      <p:ext uri="{BB962C8B-B14F-4D97-AF65-F5344CB8AC3E}">
+        <p14:creationId xmlns:p14="http://schemas.microsoft.com/office/powerpoint/2010/main" val="687364974"/>
+      </p:ext>
+    </p:extLst>
+  </p:cSld>
+  <p:clrMapOvr>
+    <a:masterClrMapping/>
+  </p:clrMapOvr>
+</p:notes>
+</file>
+
 <file path=ppt/notesSlides/notesSlide2.xml><?xml version="1.0" encoding="utf-8"?>
 <p:notes xmlns:a="http://schemas.openxmlformats.org/drawingml/2006/main" xmlns:r="http://schemas.openxmlformats.org/officeDocument/2006/relationships" xmlns:p="http://schemas.openxmlformats.org/presentationml/2006/main">
   <p:cSld>
@@ -3559,20 +3803,68 @@
           <a:bodyPr/>
           <a:lstStyle/>
           <a:p>
-            <a:pPr algn="just">
+            <a:pPr marL="0" marR="0" lvl="0" indent="0" algn="l" defTabSz="1371600" rtl="0" eaLnBrk="1" fontAlgn="auto" latinLnBrk="0" hangingPunct="1">
               <a:lnSpc>
-                <a:spcPct val="107000"/>
+                <a:spcPct val="100000"/>
               </a:lnSpc>
+              <a:spcBef>
+                <a:spcPts val="0"/>
+              </a:spcBef>
               <a:spcAft>
-                <a:spcPts val="800"/>
+                <a:spcPts val="0"/>
               </a:spcAft>
+              <a:buClrTx/>
+              <a:buSzTx/>
+              <a:buFontTx/>
+              <a:buNone/>
+              <a:tabLst/>
+              <a:defRPr/>
             </a:pPr>
-            <a:endParaRPr lang="es-ES" sz="1800" dirty="0">
-              <a:effectLst/>
-              <a:latin typeface="Calibri" panose="020F0502020204030204" pitchFamily="34" charset="0"/>
-              <a:ea typeface="Calibri" panose="020F0502020204030204" pitchFamily="34" charset="0"/>
-              <a:cs typeface="Times New Roman" panose="02020603050405020304" pitchFamily="18" charset="0"/>
-            </a:endParaRPr>
+            <a:r>
+              <a:rPr lang="es-ES" sz="1800" dirty="0">
+                <a:effectLst/>
+                <a:latin typeface="Calibri" panose="020F0502020204030204" pitchFamily="34" charset="0"/>
+                <a:ea typeface="Calibri" panose="020F0502020204030204" pitchFamily="34" charset="0"/>
+                <a:cs typeface="Times New Roman" panose="02020603050405020304" pitchFamily="18" charset="0"/>
+              </a:rPr>
+              <a:t>En este caso, como hemos dicho, se escoge EAT como modelo, también limitando el número de nodos hoja como se hacía con CART. En este caso, como función de pérdidas se escoge el MSE y, de este modo, al sustituir la función de perdidas en la fórmula de los </a:t>
+            </a:r>
+            <a:r>
+              <a:rPr lang="es-ES" sz="1800" dirty="0" err="1">
+                <a:effectLst/>
+                <a:latin typeface="Calibri" panose="020F0502020204030204" pitchFamily="34" charset="0"/>
+                <a:ea typeface="Calibri" panose="020F0502020204030204" pitchFamily="34" charset="0"/>
+                <a:cs typeface="Times New Roman" panose="02020603050405020304" pitchFamily="18" charset="0"/>
+              </a:rPr>
+              <a:t>pseudo-residuos</a:t>
+            </a:r>
+            <a:r>
+              <a:rPr lang="es-ES" sz="1800" dirty="0">
+                <a:effectLst/>
+                <a:latin typeface="Calibri" panose="020F0502020204030204" pitchFamily="34" charset="0"/>
+                <a:ea typeface="Calibri" panose="020F0502020204030204" pitchFamily="34" charset="0"/>
+                <a:cs typeface="Times New Roman" panose="02020603050405020304" pitchFamily="18" charset="0"/>
+              </a:rPr>
+              <a:t> nos queda que estos son la diferencia entre el valor real y el valor observado. Es importante darse cuenta de que como la función de perdidas va a envolver los datos por arriba, la predicción siempre será mayor o igual que el valor real, por lo que los valores de </a:t>
+            </a:r>
+            <a:r>
+              <a:rPr lang="es-ES" sz="1800" dirty="0" err="1">
+                <a:effectLst/>
+                <a:latin typeface="Calibri" panose="020F0502020204030204" pitchFamily="34" charset="0"/>
+                <a:ea typeface="Calibri" panose="020F0502020204030204" pitchFamily="34" charset="0"/>
+                <a:cs typeface="Times New Roman" panose="02020603050405020304" pitchFamily="18" charset="0"/>
+              </a:rPr>
+              <a:t>pseudo-residuos</a:t>
+            </a:r>
+            <a:r>
+              <a:rPr lang="es-ES" sz="1800" dirty="0">
+                <a:effectLst/>
+                <a:latin typeface="Calibri" panose="020F0502020204030204" pitchFamily="34" charset="0"/>
+                <a:ea typeface="Calibri" panose="020F0502020204030204" pitchFamily="34" charset="0"/>
+                <a:cs typeface="Times New Roman" panose="02020603050405020304" pitchFamily="18" charset="0"/>
+              </a:rPr>
+              <a:t> siempre serán negativos o cero. </a:t>
+            </a:r>
           </a:p>
         </p:txBody>
       </p:sp>
@@ -3593,7 +3885,7 @@
           <a:p>
             <a:fld id="{CA6CDE8D-5C8C-4CEB-8086-70F298F6BBD0}" type="slidenum">
               <a:rPr lang="es-ES" smtClean="0"/>
-              <a:t>26</a:t>
+              <a:t>17</a:t>
             </a:fld>
             <a:endParaRPr lang="es-ES"/>
           </a:p>
@@ -3602,7 +3894,7 @@
     </p:spTree>
     <p:extLst>
       <p:ext uri="{BB962C8B-B14F-4D97-AF65-F5344CB8AC3E}">
-        <p14:creationId xmlns:p14="http://schemas.microsoft.com/office/powerpoint/2010/main" val="687364974"/>
+        <p14:creationId xmlns:p14="http://schemas.microsoft.com/office/powerpoint/2010/main" val="3744764378"/>
       </p:ext>
     </p:extLst>
   </p:cSld>
@@ -17206,6 +17498,436 @@
           </a:p>
         </p:txBody>
       </p:sp>
+      <mc:AlternateContent xmlns:mc="http://schemas.openxmlformats.org/markup-compatibility/2006">
+        <mc:Choice xmlns:a14="http://schemas.microsoft.com/office/drawing/2010/main" Requires="a14">
+          <p:sp>
+            <p:nvSpPr>
+              <p:cNvPr id="3" name="Marcador de contenido 2">
+                <a:extLst>
+                  <a:ext uri="{FF2B5EF4-FFF2-40B4-BE49-F238E27FC236}">
+                    <a16:creationId xmlns:a16="http://schemas.microsoft.com/office/drawing/2014/main" id="{4494177C-73C9-19D2-B33F-3A421F270BD1}"/>
+                  </a:ext>
+                </a:extLst>
+              </p:cNvPr>
+              <p:cNvSpPr>
+                <a:spLocks noGrp="1"/>
+              </p:cNvSpPr>
+              <p:nvPr>
+                <p:ph idx="1"/>
+              </p:nvPr>
+            </p:nvSpPr>
+            <p:spPr>
+              <a:xfrm>
+                <a:off x="831520" y="3097269"/>
+                <a:ext cx="16595985" cy="5850074"/>
+              </a:xfrm>
+            </p:spPr>
+            <p:txBody>
+              <a:bodyPr>
+                <a:normAutofit/>
+              </a:bodyPr>
+              <a:lstStyle/>
+              <a:p>
+                <a:r>
+                  <a:rPr lang="en-GB" dirty="0"/>
+                  <a:t>Create a dataset of 30 DMUs</a:t>
+                </a:r>
+              </a:p>
+              <a:p>
+                <a:r>
+                  <a:rPr lang="en-GB" dirty="0"/>
+                  <a:t>Input: x1</a:t>
+                </a:r>
+              </a:p>
+              <a:p>
+                <a:r>
+                  <a:rPr lang="en-GB" dirty="0"/>
+                  <a:t>Output: y</a:t>
+                </a:r>
+              </a:p>
+              <a:p>
+                <a:endParaRPr lang="en-GB" dirty="0"/>
+              </a:p>
+              <a:p>
+                <a:r>
+                  <a:rPr lang="en-GB" dirty="0"/>
+                  <a:t>Fitted model: SVM with </a:t>
+                </a:r>
+                <a:r>
+                  <a:rPr lang="en-GB" dirty="0" err="1"/>
+                  <a:t>polynomical</a:t>
+                </a:r>
+                <a:r>
+                  <a:rPr lang="en-GB" dirty="0"/>
+                  <a:t> kernel.</a:t>
+                </a:r>
+              </a:p>
+              <a:p>
+                <a:r>
+                  <a:rPr lang="en-GB" dirty="0"/>
+                  <a:t>Hyperparameters</a:t>
+                </a:r>
+                <a:r>
+                  <a:rPr lang="en-GB" sz="4400" dirty="0">
+                    <a:effectLst/>
+                    <a:latin typeface="DIN" panose="020B0604020202020204" charset="0"/>
+                    <a:ea typeface="Aptos" panose="020B0004020202020204" pitchFamily="34" charset="0"/>
+                    <a:cs typeface="Times New Roman" panose="02020603050405020304" pitchFamily="18" charset="0"/>
+                  </a:rPr>
+                  <a:t>:</a:t>
+                </a:r>
+                <a:r>
+                  <a:rPr lang="es-ES" sz="4400" i="1" dirty="0">
+                    <a:latin typeface="Cambria Math" panose="02040503050406030204" pitchFamily="18" charset="0"/>
+                    <a:ea typeface="Aptos" panose="020B0004020202020204" pitchFamily="34" charset="0"/>
+                    <a:cs typeface="Times New Roman" panose="02020603050405020304" pitchFamily="18" charset="0"/>
+                  </a:rPr>
+                  <a:t> </a:t>
+                </a:r>
+                <a14:m>
+                  <m:oMath xmlns:m="http://schemas.openxmlformats.org/officeDocument/2006/math">
+                    <m:r>
+                      <a:rPr lang="en-US" sz="4400" i="1" smtClean="0">
+                        <a:effectLst/>
+                        <a:latin typeface="Cambria Math" panose="02040503050406030204" pitchFamily="18" charset="0"/>
+                        <a:ea typeface="Aptos" panose="020B0004020202020204" pitchFamily="34" charset="0"/>
+                        <a:cs typeface="Times New Roman" panose="02020603050405020304" pitchFamily="18" charset="0"/>
+                      </a:rPr>
+                      <m:t>𝑑𝑒𝑔𝑟𝑒𝑒</m:t>
+                    </m:r>
+                    <m:r>
+                      <a:rPr lang="es-ES" sz="4400" b="0" i="1" smtClean="0">
+                        <a:effectLst/>
+                        <a:latin typeface="Cambria Math" panose="02040503050406030204" pitchFamily="18" charset="0"/>
+                        <a:ea typeface="Aptos" panose="020B0004020202020204" pitchFamily="34" charset="0"/>
+                        <a:cs typeface="Times New Roman" panose="02020603050405020304" pitchFamily="18" charset="0"/>
+                      </a:rPr>
+                      <m:t>=</m:t>
+                    </m:r>
+                    <m:r>
+                      <a:rPr lang="en-US" sz="4400" i="1" smtClean="0">
+                        <a:effectLst/>
+                        <a:latin typeface="Cambria Math" panose="02040503050406030204" pitchFamily="18" charset="0"/>
+                        <a:ea typeface="Aptos" panose="020B0004020202020204" pitchFamily="34" charset="0"/>
+                        <a:cs typeface="Times New Roman" panose="02020603050405020304" pitchFamily="18" charset="0"/>
+                      </a:rPr>
+                      <m:t>3</m:t>
+                    </m:r>
+                  </m:oMath>
+                </a14:m>
+                <a:r>
+                  <a:rPr lang="en-US" sz="4400" dirty="0">
+                    <a:effectLst/>
+                    <a:latin typeface="Times New Roman" panose="02020603050405020304" pitchFamily="18" charset="0"/>
+                    <a:ea typeface="Times New Roman" panose="02020603050405020304" pitchFamily="18" charset="0"/>
+                  </a:rPr>
+                  <a:t>, </a:t>
+                </a:r>
+                <a14:m>
+                  <m:oMath xmlns:m="http://schemas.openxmlformats.org/officeDocument/2006/math">
+                    <m:r>
+                      <a:rPr lang="en-US" sz="4400" i="1">
+                        <a:effectLst/>
+                        <a:latin typeface="Cambria Math" panose="02040503050406030204" pitchFamily="18" charset="0"/>
+                        <a:ea typeface="Times New Roman" panose="02020603050405020304" pitchFamily="18" charset="0"/>
+                        <a:cs typeface="Times New Roman" panose="02020603050405020304" pitchFamily="18" charset="0"/>
+                      </a:rPr>
+                      <m:t>𝑑𝑎𝑡𝑎</m:t>
+                    </m:r>
+                    <m:r>
+                      <a:rPr lang="en-US" sz="4400" i="1">
+                        <a:effectLst/>
+                        <a:latin typeface="Cambria Math" panose="02040503050406030204" pitchFamily="18" charset="0"/>
+                        <a:ea typeface="Times New Roman" panose="02020603050405020304" pitchFamily="18" charset="0"/>
+                        <a:cs typeface="Times New Roman" panose="02020603050405020304" pitchFamily="18" charset="0"/>
+                      </a:rPr>
+                      <m:t> </m:t>
+                    </m:r>
+                    <m:r>
+                      <a:rPr lang="en-US" sz="4400" i="1">
+                        <a:effectLst/>
+                        <a:latin typeface="Cambria Math" panose="02040503050406030204" pitchFamily="18" charset="0"/>
+                        <a:ea typeface="Times New Roman" panose="02020603050405020304" pitchFamily="18" charset="0"/>
+                        <a:cs typeface="Times New Roman" panose="02020603050405020304" pitchFamily="18" charset="0"/>
+                      </a:rPr>
+                      <m:t>𝑠𝑐𝑎𝑙𝑖𝑛𝑔</m:t>
+                    </m:r>
+                    <m:r>
+                      <a:rPr lang="es-ES" sz="4400" b="0" i="1" smtClean="0">
+                        <a:effectLst/>
+                        <a:latin typeface="Cambria Math" panose="02040503050406030204" pitchFamily="18" charset="0"/>
+                        <a:ea typeface="Times New Roman" panose="02020603050405020304" pitchFamily="18" charset="0"/>
+                        <a:cs typeface="Times New Roman" panose="02020603050405020304" pitchFamily="18" charset="0"/>
+                      </a:rPr>
+                      <m:t>=</m:t>
+                    </m:r>
+                    <m:r>
+                      <a:rPr lang="en-US" sz="4400" i="1">
+                        <a:effectLst/>
+                        <a:latin typeface="Cambria Math" panose="02040503050406030204" pitchFamily="18" charset="0"/>
+                        <a:ea typeface="Times New Roman" panose="02020603050405020304" pitchFamily="18" charset="0"/>
+                        <a:cs typeface="Times New Roman" panose="02020603050405020304" pitchFamily="18" charset="0"/>
+                      </a:rPr>
+                      <m:t>0.1</m:t>
+                    </m:r>
+                  </m:oMath>
+                </a14:m>
+                <a:r>
+                  <a:rPr lang="en-US" sz="4400" dirty="0">
+                    <a:effectLst/>
+                    <a:latin typeface="Times New Roman" panose="02020603050405020304" pitchFamily="18" charset="0"/>
+                    <a:ea typeface="Times New Roman" panose="02020603050405020304" pitchFamily="18" charset="0"/>
+                  </a:rPr>
+                  <a:t> and </a:t>
+                </a:r>
+                <a14:m>
+                  <m:oMath xmlns:m="http://schemas.openxmlformats.org/officeDocument/2006/math">
+                    <m:r>
+                      <a:rPr lang="en-US" sz="4400" i="1">
+                        <a:effectLst/>
+                        <a:latin typeface="Cambria Math" panose="02040503050406030204" pitchFamily="18" charset="0"/>
+                        <a:ea typeface="Times New Roman" panose="02020603050405020304" pitchFamily="18" charset="0"/>
+                        <a:cs typeface="Times New Roman" panose="02020603050405020304" pitchFamily="18" charset="0"/>
+                      </a:rPr>
+                      <m:t>𝑐𝑜𝑠𝑡</m:t>
+                    </m:r>
+                    <m:r>
+                      <a:rPr lang="es-ES" sz="4400" b="0" i="1" smtClean="0">
+                        <a:effectLst/>
+                        <a:latin typeface="Cambria Math" panose="02040503050406030204" pitchFamily="18" charset="0"/>
+                        <a:ea typeface="Times New Roman" panose="02020603050405020304" pitchFamily="18" charset="0"/>
+                        <a:cs typeface="Times New Roman" panose="02020603050405020304" pitchFamily="18" charset="0"/>
+                      </a:rPr>
+                      <m:t>=</m:t>
+                    </m:r>
+                    <m:r>
+                      <a:rPr lang="en-US" sz="4400" i="1">
+                        <a:effectLst/>
+                        <a:latin typeface="Cambria Math" panose="02040503050406030204" pitchFamily="18" charset="0"/>
+                        <a:ea typeface="Times New Roman" panose="02020603050405020304" pitchFamily="18" charset="0"/>
+                        <a:cs typeface="Times New Roman" panose="02020603050405020304" pitchFamily="18" charset="0"/>
+                      </a:rPr>
+                      <m:t>1</m:t>
+                    </m:r>
+                  </m:oMath>
+                </a14:m>
+                <a:r>
+                  <a:rPr lang="en-US" sz="4400" dirty="0">
+                    <a:effectLst/>
+                    <a:latin typeface="Times New Roman" panose="02020603050405020304" pitchFamily="18" charset="0"/>
+                    <a:ea typeface="Aptos" panose="020B0004020202020204" pitchFamily="34" charset="0"/>
+                  </a:rPr>
+                  <a:t>.</a:t>
+                </a:r>
+              </a:p>
+              <a:p>
+                <a:endParaRPr lang="en-GB" dirty="0"/>
+              </a:p>
+            </p:txBody>
+          </p:sp>
+        </mc:Choice>
+        <mc:Fallback>
+          <p:sp>
+            <p:nvSpPr>
+              <p:cNvPr id="3" name="Marcador de contenido 2">
+                <a:extLst>
+                  <a:ext uri="{FF2B5EF4-FFF2-40B4-BE49-F238E27FC236}">
+                    <a16:creationId xmlns:a16="http://schemas.microsoft.com/office/drawing/2014/main" id="{4494177C-73C9-19D2-B33F-3A421F270BD1}"/>
+                  </a:ext>
+                </a:extLst>
+              </p:cNvPr>
+              <p:cNvSpPr>
+                <a:spLocks noGrp="1" noRot="1" noChangeAspect="1" noMove="1" noResize="1" noEditPoints="1" noAdjustHandles="1" noChangeArrowheads="1" noChangeShapeType="1" noTextEdit="1"/>
+              </p:cNvSpPr>
+              <p:nvPr>
+                <p:ph idx="1"/>
+              </p:nvPr>
+            </p:nvSpPr>
+            <p:spPr>
+              <a:xfrm>
+                <a:off x="831520" y="3097269"/>
+                <a:ext cx="16595985" cy="5850074"/>
+              </a:xfrm>
+              <a:blipFill>
+                <a:blip r:embed="rId3"/>
+                <a:stretch>
+                  <a:fillRect l="-1285" t="-3125"/>
+                </a:stretch>
+              </a:blipFill>
+            </p:spPr>
+            <p:txBody>
+              <a:bodyPr/>
+              <a:lstStyle/>
+              <a:p>
+                <a:r>
+                  <a:rPr lang="es-ES">
+                    <a:noFill/>
+                  </a:rPr>
+                  <a:t> </a:t>
+                </a:r>
+              </a:p>
+            </p:txBody>
+          </p:sp>
+        </mc:Fallback>
+      </mc:AlternateContent>
+    </p:spTree>
+    <p:extLst>
+      <p:ext uri="{BB962C8B-B14F-4D97-AF65-F5344CB8AC3E}">
+        <p14:creationId xmlns:p14="http://schemas.microsoft.com/office/powerpoint/2010/main" val="3088146879"/>
+      </p:ext>
+    </p:extLst>
+  </p:cSld>
+  <p:clrMapOvr>
+    <a:masterClrMapping/>
+  </p:clrMapOvr>
+</p:sld>
+</file>
+
+<file path=ppt/slides/slide17.xml><?xml version="1.0" encoding="utf-8"?>
+<p:sld xmlns:a="http://schemas.openxmlformats.org/drawingml/2006/main" xmlns:r="http://schemas.openxmlformats.org/officeDocument/2006/relationships" xmlns:p="http://schemas.openxmlformats.org/presentationml/2006/main">
+  <p:cSld>
+    <p:spTree>
+      <p:nvGrpSpPr>
+        <p:cNvPr id="1" name=""/>
+        <p:cNvGrpSpPr/>
+        <p:nvPr/>
+      </p:nvGrpSpPr>
+      <p:grpSpPr>
+        <a:xfrm>
+          <a:off x="0" y="0"/>
+          <a:ext cx="0" cy="0"/>
+          <a:chOff x="0" y="0"/>
+          <a:chExt cx="0" cy="0"/>
+        </a:xfrm>
+      </p:grpSpPr>
+      <p:sp>
+        <p:nvSpPr>
+          <p:cNvPr id="2" name="Título 1">
+            <a:extLst>
+              <a:ext uri="{FF2B5EF4-FFF2-40B4-BE49-F238E27FC236}">
+                <a16:creationId xmlns:a16="http://schemas.microsoft.com/office/drawing/2014/main" id="{86BA8BD2-2360-47C4-A428-A34D4F1BE424}"/>
+              </a:ext>
+            </a:extLst>
+          </p:cNvPr>
+          <p:cNvSpPr>
+            <a:spLocks noGrp="1"/>
+          </p:cNvSpPr>
+          <p:nvPr>
+            <p:ph type="title"/>
+          </p:nvPr>
+        </p:nvSpPr>
+        <p:spPr/>
+        <p:txBody>
+          <a:bodyPr/>
+          <a:lstStyle/>
+          <a:p>
+            <a:r>
+              <a:rPr lang="es-ES" dirty="0"/>
+              <a:t>1D-SA: </a:t>
+            </a:r>
+            <a:r>
+              <a:rPr lang="es-ES" dirty="0" err="1"/>
+              <a:t>Example</a:t>
+            </a:r>
+            <a:endParaRPr lang="en-GB" dirty="0"/>
+          </a:p>
+        </p:txBody>
+      </p:sp>
+      <p:sp>
+        <p:nvSpPr>
+          <p:cNvPr id="4" name="Marcador de pie de página 3">
+            <a:extLst>
+              <a:ext uri="{FF2B5EF4-FFF2-40B4-BE49-F238E27FC236}">
+                <a16:creationId xmlns:a16="http://schemas.microsoft.com/office/drawing/2014/main" id="{32E9E3CC-AACD-421E-ADF4-8100E3695283}"/>
+              </a:ext>
+            </a:extLst>
+          </p:cNvPr>
+          <p:cNvSpPr>
+            <a:spLocks noGrp="1"/>
+          </p:cNvSpPr>
+          <p:nvPr>
+            <p:ph type="ftr" sz="quarter" idx="11"/>
+          </p:nvPr>
+        </p:nvSpPr>
+        <p:spPr/>
+        <p:txBody>
+          <a:bodyPr/>
+          <a:lstStyle/>
+          <a:p>
+            <a:pPr algn="ctr">
+              <a:lnSpc>
+                <a:spcPct val="150000"/>
+              </a:lnSpc>
+              <a:spcAft>
+                <a:spcPts val="800"/>
+              </a:spcAft>
+            </a:pPr>
+            <a:r>
+              <a:rPr lang="en-US" sz="1800" b="1" kern="100" dirty="0">
+                <a:effectLst/>
+                <a:latin typeface="Times New Roman" panose="02020603050405020304" pitchFamily="18" charset="0"/>
+                <a:ea typeface="Aptos" panose="020B0004020202020204" pitchFamily="34" charset="0"/>
+                <a:cs typeface="Times New Roman" panose="02020603050405020304" pitchFamily="18" charset="0"/>
+              </a:rPr>
+              <a:t>Using sensitivity analysis and visualization techniques to open black box data mining models: a </a:t>
+            </a:r>
+            <a:r>
+              <a:rPr lang="en-US" sz="1800" b="1" kern="100" dirty="0" err="1">
+                <a:effectLst/>
+                <a:latin typeface="Times New Roman" panose="02020603050405020304" pitchFamily="18" charset="0"/>
+                <a:ea typeface="Aptos" panose="020B0004020202020204" pitchFamily="34" charset="0"/>
+                <a:cs typeface="Times New Roman" panose="02020603050405020304" pitchFamily="18" charset="0"/>
+              </a:rPr>
+              <a:t>rminer</a:t>
+            </a:r>
+            <a:r>
+              <a:rPr lang="en-US" sz="1800" b="1" kern="100" dirty="0">
+                <a:effectLst/>
+                <a:latin typeface="Times New Roman" panose="02020603050405020304" pitchFamily="18" charset="0"/>
+                <a:ea typeface="Aptos" panose="020B0004020202020204" pitchFamily="34" charset="0"/>
+                <a:cs typeface="Times New Roman" panose="02020603050405020304" pitchFamily="18" charset="0"/>
+              </a:rPr>
+              <a:t> example</a:t>
+            </a:r>
+            <a:endParaRPr lang="es-ES" sz="1600" kern="100" dirty="0">
+              <a:effectLst/>
+              <a:latin typeface="Times New Roman" panose="02020603050405020304" pitchFamily="18" charset="0"/>
+              <a:ea typeface="Aptos" panose="020B0004020202020204" pitchFamily="34" charset="0"/>
+              <a:cs typeface="Times New Roman" panose="02020603050405020304" pitchFamily="18" charset="0"/>
+            </a:endParaRPr>
+          </a:p>
+        </p:txBody>
+      </p:sp>
+      <p:sp>
+        <p:nvSpPr>
+          <p:cNvPr id="5" name="Marcador de número de diapositiva 4">
+            <a:extLst>
+              <a:ext uri="{FF2B5EF4-FFF2-40B4-BE49-F238E27FC236}">
+                <a16:creationId xmlns:a16="http://schemas.microsoft.com/office/drawing/2014/main" id="{5CD26059-5682-4382-89E1-677AD7B72CFE}"/>
+              </a:ext>
+            </a:extLst>
+          </p:cNvPr>
+          <p:cNvSpPr>
+            <a:spLocks noGrp="1"/>
+          </p:cNvSpPr>
+          <p:nvPr>
+            <p:ph type="sldNum" sz="quarter" idx="12"/>
+          </p:nvPr>
+        </p:nvSpPr>
+        <p:spPr/>
+        <p:txBody>
+          <a:bodyPr/>
+          <a:lstStyle/>
+          <a:p>
+            <a:fld id="{DBFF9636-A71C-488A-89F8-02E08556F10C}" type="slidenum">
+              <a:rPr lang="es-ES" smtClean="0"/>
+              <a:pPr/>
+              <a:t>17</a:t>
+            </a:fld>
+            <a:endParaRPr lang="es-ES" dirty="0"/>
+          </a:p>
+        </p:txBody>
+      </p:sp>
       <p:sp>
         <p:nvSpPr>
           <p:cNvPr id="3" name="Marcador de contenido 2">
@@ -17234,14 +17956,466 @@
           </a:bodyPr>
           <a:lstStyle/>
           <a:p>
+            <a:r>
+              <a:rPr lang="es-ES" sz="4400" dirty="0" err="1">
+                <a:latin typeface="DIN" panose="020B0604020202020204" charset="0"/>
+                <a:ea typeface="Aptos" panose="020B0004020202020204" pitchFamily="34" charset="0"/>
+              </a:rPr>
+              <a:t>Inside</a:t>
+            </a:r>
+            <a:r>
+              <a:rPr lang="es-ES" sz="4400" dirty="0">
+                <a:latin typeface="DIN" panose="020B0604020202020204" charset="0"/>
+                <a:ea typeface="Aptos" panose="020B0004020202020204" pitchFamily="34" charset="0"/>
+              </a:rPr>
+              <a:t> </a:t>
+            </a:r>
+            <a:r>
+              <a:rPr lang="es-ES" sz="4400" dirty="0" err="1">
+                <a:latin typeface="DIN" panose="020B0604020202020204" charset="0"/>
+                <a:ea typeface="Aptos" panose="020B0004020202020204" pitchFamily="34" charset="0"/>
+              </a:rPr>
+              <a:t>of</a:t>
+            </a:r>
+            <a:r>
+              <a:rPr lang="es-ES" sz="4400" dirty="0">
+                <a:latin typeface="DIN" panose="020B0604020202020204" charset="0"/>
+                <a:ea typeface="Aptos" panose="020B0004020202020204" pitchFamily="34" charset="0"/>
+              </a:rPr>
+              <a:t> 1D-SA in </a:t>
+            </a:r>
+            <a:r>
+              <a:rPr lang="es-ES" sz="4400" dirty="0" err="1">
+                <a:latin typeface="DIN" panose="020B0604020202020204" charset="0"/>
+                <a:ea typeface="Aptos" panose="020B0004020202020204" pitchFamily="34" charset="0"/>
+              </a:rPr>
+              <a:t>rminer</a:t>
+            </a:r>
+            <a:r>
+              <a:rPr lang="es-ES" sz="4400" dirty="0">
+                <a:latin typeface="DIN" panose="020B0604020202020204" charset="0"/>
+                <a:ea typeface="Aptos" panose="020B0004020202020204" pitchFamily="34" charset="0"/>
+              </a:rPr>
+              <a:t>:</a:t>
+            </a:r>
+          </a:p>
+          <a:p>
+            <a:r>
+              <a:rPr lang="en-US" sz="4400" dirty="0">
+                <a:effectLst/>
+                <a:latin typeface="DIN" panose="020B0604020202020204" charset="0"/>
+                <a:ea typeface="Aptos" panose="020B0004020202020204" pitchFamily="34" charset="0"/>
+              </a:rPr>
+              <a:t>5 Levels</a:t>
+            </a:r>
+          </a:p>
+          <a:p>
             <a:endParaRPr lang="en-GB" dirty="0"/>
           </a:p>
         </p:txBody>
       </p:sp>
+      <p:graphicFrame>
+        <p:nvGraphicFramePr>
+          <p:cNvPr id="7" name="Tabla 6">
+            <a:extLst>
+              <a:ext uri="{FF2B5EF4-FFF2-40B4-BE49-F238E27FC236}">
+                <a16:creationId xmlns:a16="http://schemas.microsoft.com/office/drawing/2014/main" id="{C855300D-4EC3-A30A-DA28-AEF12564D44C}"/>
+              </a:ext>
+            </a:extLst>
+          </p:cNvPr>
+          <p:cNvGraphicFramePr>
+            <a:graphicFrameLocks noGrp="1"/>
+          </p:cNvGraphicFramePr>
+          <p:nvPr>
+            <p:extLst>
+              <p:ext uri="{D42A27DB-BD31-4B8C-83A1-F6EECF244321}">
+                <p14:modId xmlns:p14="http://schemas.microsoft.com/office/powerpoint/2010/main" val="3980734931"/>
+              </p:ext>
+            </p:extLst>
+          </p:nvPr>
+        </p:nvGraphicFramePr>
+        <p:xfrm>
+          <a:off x="3157415" y="4800417"/>
+          <a:ext cx="12192000" cy="3520440"/>
+        </p:xfrm>
+        <a:graphic>
+          <a:graphicData uri="http://schemas.openxmlformats.org/drawingml/2006/table">
+            <a:tbl>
+              <a:tblPr firstRow="1" bandRow="1">
+                <a:tableStyleId>{9D7B26C5-4107-4FEC-AEDC-1716B250A1EF}</a:tableStyleId>
+              </a:tblPr>
+              <a:tblGrid>
+                <a:gridCol w="4064000">
+                  <a:extLst>
+                    <a:ext uri="{9D8B030D-6E8A-4147-A177-3AD203B41FA5}">
+                      <a16:colId xmlns:a16="http://schemas.microsoft.com/office/drawing/2014/main" val="3943066496"/>
+                    </a:ext>
+                  </a:extLst>
+                </a:gridCol>
+                <a:gridCol w="4064000">
+                  <a:extLst>
+                    <a:ext uri="{9D8B030D-6E8A-4147-A177-3AD203B41FA5}">
+                      <a16:colId xmlns:a16="http://schemas.microsoft.com/office/drawing/2014/main" val="465688363"/>
+                    </a:ext>
+                  </a:extLst>
+                </a:gridCol>
+                <a:gridCol w="4064000">
+                  <a:extLst>
+                    <a:ext uri="{9D8B030D-6E8A-4147-A177-3AD203B41FA5}">
+                      <a16:colId xmlns:a16="http://schemas.microsoft.com/office/drawing/2014/main" val="3387116903"/>
+                    </a:ext>
+                  </a:extLst>
+                </a:gridCol>
+              </a:tblGrid>
+              <a:tr h="370840">
+                <a:tc>
+                  <a:txBody>
+                    <a:bodyPr/>
+                    <a:lstStyle/>
+                    <a:p>
+                      <a:endParaRPr lang="es-ES" dirty="0"/>
+                    </a:p>
+                  </a:txBody>
+                  <a:tcPr/>
+                </a:tc>
+                <a:tc>
+                  <a:txBody>
+                    <a:bodyPr/>
+                    <a:lstStyle/>
+                    <a:p>
+                      <a:pPr algn="ctr"/>
+                      <a:r>
+                        <a:rPr lang="es-ES" dirty="0"/>
+                        <a:t>x1</a:t>
+                      </a:r>
+                    </a:p>
+                  </a:txBody>
+                  <a:tcPr/>
+                </a:tc>
+                <a:tc>
+                  <a:txBody>
+                    <a:bodyPr/>
+                    <a:lstStyle/>
+                    <a:p>
+                      <a:pPr algn="ctr"/>
+                      <a:r>
+                        <a:rPr lang="es-ES" dirty="0"/>
+                        <a:t>y</a:t>
+                      </a:r>
+                    </a:p>
+                  </a:txBody>
+                  <a:tcPr/>
+                </a:tc>
+                <a:extLst>
+                  <a:ext uri="{0D108BD9-81ED-4DB2-BD59-A6C34878D82A}">
+                    <a16:rowId xmlns:a16="http://schemas.microsoft.com/office/drawing/2014/main" val="2368775951"/>
+                  </a:ext>
+                </a:extLst>
+              </a:tr>
+              <a:tr h="370840">
+                <a:tc>
+                  <a:txBody>
+                    <a:bodyPr/>
+                    <a:lstStyle/>
+                    <a:p>
+                      <a:r>
+                        <a:rPr lang="es-ES" dirty="0"/>
+                        <a:t>Min.</a:t>
+                      </a:r>
+                    </a:p>
+                  </a:txBody>
+                  <a:tcPr/>
+                </a:tc>
+                <a:tc>
+                  <a:txBody>
+                    <a:bodyPr/>
+                    <a:lstStyle/>
+                    <a:p>
+                      <a:pPr algn="ctr"/>
+                      <a:r>
+                        <a:rPr lang="es-ES" dirty="0"/>
+                        <a:t>1.010</a:t>
+                      </a:r>
+                    </a:p>
+                  </a:txBody>
+                  <a:tcPr/>
+                </a:tc>
+                <a:tc>
+                  <a:txBody>
+                    <a:bodyPr/>
+                    <a:lstStyle/>
+                    <a:p>
+                      <a:pPr algn="ctr"/>
+                      <a:r>
+                        <a:rPr lang="es-ES" dirty="0"/>
+                        <a:t>2.822</a:t>
+                      </a:r>
+                    </a:p>
+                  </a:txBody>
+                  <a:tcPr/>
+                </a:tc>
+                <a:extLst>
+                  <a:ext uri="{0D108BD9-81ED-4DB2-BD59-A6C34878D82A}">
+                    <a16:rowId xmlns:a16="http://schemas.microsoft.com/office/drawing/2014/main" val="1438970243"/>
+                  </a:ext>
+                </a:extLst>
+              </a:tr>
+              <a:tr h="370840">
+                <a:tc>
+                  <a:txBody>
+                    <a:bodyPr/>
+                    <a:lstStyle/>
+                    <a:p>
+                      <a:r>
+                        <a:rPr lang="es-ES" dirty="0"/>
+                        <a:t>1st Qu.</a:t>
+                      </a:r>
+                    </a:p>
+                  </a:txBody>
+                  <a:tcPr/>
+                </a:tc>
+                <a:tc>
+                  <a:txBody>
+                    <a:bodyPr/>
+                    <a:lstStyle/>
+                    <a:p>
+                      <a:pPr algn="ctr"/>
+                      <a:r>
+                        <a:rPr lang="es-ES" dirty="0"/>
+                        <a:t>2.748</a:t>
+                      </a:r>
+                    </a:p>
+                  </a:txBody>
+                  <a:tcPr/>
+                </a:tc>
+                <a:tc>
+                  <a:txBody>
+                    <a:bodyPr/>
+                    <a:lstStyle/>
+                    <a:p>
+                      <a:pPr algn="ctr"/>
+                      <a:r>
+                        <a:rPr lang="es-ES" dirty="0"/>
+                        <a:t>3.255</a:t>
+                      </a:r>
+                    </a:p>
+                  </a:txBody>
+                  <a:tcPr/>
+                </a:tc>
+                <a:extLst>
+                  <a:ext uri="{0D108BD9-81ED-4DB2-BD59-A6C34878D82A}">
+                    <a16:rowId xmlns:a16="http://schemas.microsoft.com/office/drawing/2014/main" val="601093408"/>
+                  </a:ext>
+                </a:extLst>
+              </a:tr>
+              <a:tr h="370840">
+                <a:tc>
+                  <a:txBody>
+                    <a:bodyPr/>
+                    <a:lstStyle/>
+                    <a:p>
+                      <a:r>
+                        <a:rPr lang="es-ES" dirty="0"/>
+                        <a:t>Median</a:t>
+                      </a:r>
+                    </a:p>
+                  </a:txBody>
+                  <a:tcPr/>
+                </a:tc>
+                <a:tc>
+                  <a:txBody>
+                    <a:bodyPr/>
+                    <a:lstStyle/>
+                    <a:p>
+                      <a:pPr algn="ctr"/>
+                      <a:r>
+                        <a:rPr lang="es-ES" dirty="0"/>
+                        <a:t>5.368</a:t>
+                      </a:r>
+                    </a:p>
+                  </a:txBody>
+                  <a:tcPr/>
+                </a:tc>
+                <a:tc>
+                  <a:txBody>
+                    <a:bodyPr/>
+                    <a:lstStyle/>
+                    <a:p>
+                      <a:pPr algn="ctr"/>
+                      <a:r>
+                        <a:rPr lang="es-ES" dirty="0"/>
+                        <a:t>3.878</a:t>
+                      </a:r>
+                    </a:p>
+                  </a:txBody>
+                  <a:tcPr/>
+                </a:tc>
+                <a:extLst>
+                  <a:ext uri="{0D108BD9-81ED-4DB2-BD59-A6C34878D82A}">
+                    <a16:rowId xmlns:a16="http://schemas.microsoft.com/office/drawing/2014/main" val="2583113639"/>
+                  </a:ext>
+                </a:extLst>
+              </a:tr>
+              <a:tr h="370840">
+                <a:tc>
+                  <a:txBody>
+                    <a:bodyPr/>
+                    <a:lstStyle/>
+                    <a:p>
+                      <a:r>
+                        <a:rPr lang="es-ES" dirty="0"/>
+                        <a:t>Mean</a:t>
+                      </a:r>
+                    </a:p>
+                  </a:txBody>
+                  <a:tcPr/>
+                </a:tc>
+                <a:tc>
+                  <a:txBody>
+                    <a:bodyPr/>
+                    <a:lstStyle/>
+                    <a:p>
+                      <a:pPr algn="ctr"/>
+                      <a:r>
+                        <a:rPr lang="es-ES" dirty="0">
+                          <a:highlight>
+                            <a:srgbClr val="FFFF00"/>
+                          </a:highlight>
+                        </a:rPr>
+                        <a:t>5.245</a:t>
+                      </a:r>
+                    </a:p>
+                  </a:txBody>
+                  <a:tcPr/>
+                </a:tc>
+                <a:tc>
+                  <a:txBody>
+                    <a:bodyPr/>
+                    <a:lstStyle/>
+                    <a:p>
+                      <a:pPr algn="ctr"/>
+                      <a:r>
+                        <a:rPr lang="es-ES" dirty="0">
+                          <a:highlight>
+                            <a:srgbClr val="FFFF00"/>
+                          </a:highlight>
+                        </a:rPr>
+                        <a:t>4.606</a:t>
+                      </a:r>
+                    </a:p>
+                  </a:txBody>
+                  <a:tcPr/>
+                </a:tc>
+                <a:extLst>
+                  <a:ext uri="{0D108BD9-81ED-4DB2-BD59-A6C34878D82A}">
+                    <a16:rowId xmlns:a16="http://schemas.microsoft.com/office/drawing/2014/main" val="143781526"/>
+                  </a:ext>
+                </a:extLst>
+              </a:tr>
+              <a:tr h="370840">
+                <a:tc>
+                  <a:txBody>
+                    <a:bodyPr/>
+                    <a:lstStyle/>
+                    <a:p>
+                      <a:r>
+                        <a:rPr lang="es-ES" dirty="0"/>
+                        <a:t>3rd Qu.</a:t>
+                      </a:r>
+                    </a:p>
+                  </a:txBody>
+                  <a:tcPr/>
+                </a:tc>
+                <a:tc>
+                  <a:txBody>
+                    <a:bodyPr/>
+                    <a:lstStyle/>
+                    <a:p>
+                      <a:pPr algn="ctr"/>
+                      <a:r>
+                        <a:rPr lang="es-ES" dirty="0"/>
+                        <a:t>7.508</a:t>
+                      </a:r>
+                    </a:p>
+                  </a:txBody>
+                  <a:tcPr/>
+                </a:tc>
+                <a:tc>
+                  <a:txBody>
+                    <a:bodyPr/>
+                    <a:lstStyle/>
+                    <a:p>
+                      <a:pPr algn="ctr"/>
+                      <a:r>
+                        <a:rPr lang="es-ES" dirty="0"/>
+                        <a:t>5.458</a:t>
+                      </a:r>
+                    </a:p>
+                  </a:txBody>
+                  <a:tcPr/>
+                </a:tc>
+                <a:extLst>
+                  <a:ext uri="{0D108BD9-81ED-4DB2-BD59-A6C34878D82A}">
+                    <a16:rowId xmlns:a16="http://schemas.microsoft.com/office/drawing/2014/main" val="126782558"/>
+                  </a:ext>
+                </a:extLst>
+              </a:tr>
+              <a:tr h="370840">
+                <a:tc>
+                  <a:txBody>
+                    <a:bodyPr/>
+                    <a:lstStyle/>
+                    <a:p>
+                      <a:r>
+                        <a:rPr lang="es-ES" dirty="0"/>
+                        <a:t>Max.</a:t>
+                      </a:r>
+                    </a:p>
+                  </a:txBody>
+                  <a:tcPr/>
+                </a:tc>
+                <a:tc>
+                  <a:txBody>
+                    <a:bodyPr/>
+                    <a:lstStyle/>
+                    <a:p>
+                      <a:pPr algn="ctr"/>
+                      <a:r>
+                        <a:rPr lang="es-ES" dirty="0"/>
+                        <a:t>9.065</a:t>
+                      </a:r>
+                    </a:p>
+                  </a:txBody>
+                  <a:tcPr/>
+                </a:tc>
+                <a:tc>
+                  <a:txBody>
+                    <a:bodyPr/>
+                    <a:lstStyle/>
+                    <a:p>
+                      <a:pPr algn="ctr"/>
+                      <a:r>
+                        <a:rPr lang="es-ES" dirty="0"/>
+                        <a:t>8.905</a:t>
+                      </a:r>
+                    </a:p>
+                  </a:txBody>
+                  <a:tcPr/>
+                </a:tc>
+                <a:extLst>
+                  <a:ext uri="{0D108BD9-81ED-4DB2-BD59-A6C34878D82A}">
+                    <a16:rowId xmlns:a16="http://schemas.microsoft.com/office/drawing/2014/main" val="2317857307"/>
+                  </a:ext>
+                </a:extLst>
+              </a:tr>
+            </a:tbl>
+          </a:graphicData>
+        </a:graphic>
+      </p:graphicFrame>
     </p:spTree>
     <p:extLst>
       <p:ext uri="{BB962C8B-B14F-4D97-AF65-F5344CB8AC3E}">
-        <p14:creationId xmlns:p14="http://schemas.microsoft.com/office/powerpoint/2010/main" val="3088146879"/>
+        <p14:creationId xmlns:p14="http://schemas.microsoft.com/office/powerpoint/2010/main" val="2718312220"/>
       </p:ext>
     </p:extLst>
   </p:cSld>
@@ -17251,7 +18425,1125 @@
 </p:sld>
 </file>
 
-<file path=ppt/slides/slide17.xml><?xml version="1.0" encoding="utf-8"?>
+<file path=ppt/slides/slide18.xml><?xml version="1.0" encoding="utf-8"?>
+<p:sld xmlns:a="http://schemas.openxmlformats.org/drawingml/2006/main" xmlns:r="http://schemas.openxmlformats.org/officeDocument/2006/relationships" xmlns:p="http://schemas.openxmlformats.org/presentationml/2006/main">
+  <p:cSld>
+    <p:spTree>
+      <p:nvGrpSpPr>
+        <p:cNvPr id="1" name=""/>
+        <p:cNvGrpSpPr/>
+        <p:nvPr/>
+      </p:nvGrpSpPr>
+      <p:grpSpPr>
+        <a:xfrm>
+          <a:off x="0" y="0"/>
+          <a:ext cx="0" cy="0"/>
+          <a:chOff x="0" y="0"/>
+          <a:chExt cx="0" cy="0"/>
+        </a:xfrm>
+      </p:grpSpPr>
+      <p:sp>
+        <p:nvSpPr>
+          <p:cNvPr id="2" name="Título 1">
+            <a:extLst>
+              <a:ext uri="{FF2B5EF4-FFF2-40B4-BE49-F238E27FC236}">
+                <a16:creationId xmlns:a16="http://schemas.microsoft.com/office/drawing/2014/main" id="{86BA8BD2-2360-47C4-A428-A34D4F1BE424}"/>
+              </a:ext>
+            </a:extLst>
+          </p:cNvPr>
+          <p:cNvSpPr>
+            <a:spLocks noGrp="1"/>
+          </p:cNvSpPr>
+          <p:nvPr>
+            <p:ph type="title"/>
+          </p:nvPr>
+        </p:nvSpPr>
+        <p:spPr/>
+        <p:txBody>
+          <a:bodyPr/>
+          <a:lstStyle/>
+          <a:p>
+            <a:r>
+              <a:rPr lang="es-ES" dirty="0"/>
+              <a:t>1D-SA: </a:t>
+            </a:r>
+            <a:r>
+              <a:rPr lang="es-ES" dirty="0" err="1"/>
+              <a:t>Example</a:t>
+            </a:r>
+            <a:endParaRPr lang="en-GB" dirty="0"/>
+          </a:p>
+        </p:txBody>
+      </p:sp>
+      <p:sp>
+        <p:nvSpPr>
+          <p:cNvPr id="4" name="Marcador de pie de página 3">
+            <a:extLst>
+              <a:ext uri="{FF2B5EF4-FFF2-40B4-BE49-F238E27FC236}">
+                <a16:creationId xmlns:a16="http://schemas.microsoft.com/office/drawing/2014/main" id="{32E9E3CC-AACD-421E-ADF4-8100E3695283}"/>
+              </a:ext>
+            </a:extLst>
+          </p:cNvPr>
+          <p:cNvSpPr>
+            <a:spLocks noGrp="1"/>
+          </p:cNvSpPr>
+          <p:nvPr>
+            <p:ph type="ftr" sz="quarter" idx="11"/>
+          </p:nvPr>
+        </p:nvSpPr>
+        <p:spPr/>
+        <p:txBody>
+          <a:bodyPr/>
+          <a:lstStyle/>
+          <a:p>
+            <a:pPr algn="ctr">
+              <a:lnSpc>
+                <a:spcPct val="150000"/>
+              </a:lnSpc>
+              <a:spcAft>
+                <a:spcPts val="800"/>
+              </a:spcAft>
+            </a:pPr>
+            <a:r>
+              <a:rPr lang="en-US" sz="1800" b="1" kern="100" dirty="0">
+                <a:effectLst/>
+                <a:latin typeface="Times New Roman" panose="02020603050405020304" pitchFamily="18" charset="0"/>
+                <a:ea typeface="Aptos" panose="020B0004020202020204" pitchFamily="34" charset="0"/>
+                <a:cs typeface="Times New Roman" panose="02020603050405020304" pitchFamily="18" charset="0"/>
+              </a:rPr>
+              <a:t>Using sensitivity analysis and visualization techniques to open black box data mining models: a </a:t>
+            </a:r>
+            <a:r>
+              <a:rPr lang="en-US" sz="1800" b="1" kern="100" dirty="0" err="1">
+                <a:effectLst/>
+                <a:latin typeface="Times New Roman" panose="02020603050405020304" pitchFamily="18" charset="0"/>
+                <a:ea typeface="Aptos" panose="020B0004020202020204" pitchFamily="34" charset="0"/>
+                <a:cs typeface="Times New Roman" panose="02020603050405020304" pitchFamily="18" charset="0"/>
+              </a:rPr>
+              <a:t>rminer</a:t>
+            </a:r>
+            <a:r>
+              <a:rPr lang="en-US" sz="1800" b="1" kern="100" dirty="0">
+                <a:effectLst/>
+                <a:latin typeface="Times New Roman" panose="02020603050405020304" pitchFamily="18" charset="0"/>
+                <a:ea typeface="Aptos" panose="020B0004020202020204" pitchFamily="34" charset="0"/>
+                <a:cs typeface="Times New Roman" panose="02020603050405020304" pitchFamily="18" charset="0"/>
+              </a:rPr>
+              <a:t> example</a:t>
+            </a:r>
+            <a:endParaRPr lang="es-ES" sz="1600" kern="100" dirty="0">
+              <a:effectLst/>
+              <a:latin typeface="Times New Roman" panose="02020603050405020304" pitchFamily="18" charset="0"/>
+              <a:ea typeface="Aptos" panose="020B0004020202020204" pitchFamily="34" charset="0"/>
+              <a:cs typeface="Times New Roman" panose="02020603050405020304" pitchFamily="18" charset="0"/>
+            </a:endParaRPr>
+          </a:p>
+        </p:txBody>
+      </p:sp>
+      <p:sp>
+        <p:nvSpPr>
+          <p:cNvPr id="5" name="Marcador de número de diapositiva 4">
+            <a:extLst>
+              <a:ext uri="{FF2B5EF4-FFF2-40B4-BE49-F238E27FC236}">
+                <a16:creationId xmlns:a16="http://schemas.microsoft.com/office/drawing/2014/main" id="{5CD26059-5682-4382-89E1-677AD7B72CFE}"/>
+              </a:ext>
+            </a:extLst>
+          </p:cNvPr>
+          <p:cNvSpPr>
+            <a:spLocks noGrp="1"/>
+          </p:cNvSpPr>
+          <p:nvPr>
+            <p:ph type="sldNum" sz="quarter" idx="12"/>
+          </p:nvPr>
+        </p:nvSpPr>
+        <p:spPr/>
+        <p:txBody>
+          <a:bodyPr/>
+          <a:lstStyle/>
+          <a:p>
+            <a:fld id="{DBFF9636-A71C-488A-89F8-02E08556F10C}" type="slidenum">
+              <a:rPr lang="es-ES" smtClean="0"/>
+              <a:pPr/>
+              <a:t>18</a:t>
+            </a:fld>
+            <a:endParaRPr lang="es-ES" dirty="0"/>
+          </a:p>
+        </p:txBody>
+      </p:sp>
+      <p:sp>
+        <p:nvSpPr>
+          <p:cNvPr id="3" name="Marcador de contenido 2">
+            <a:extLst>
+              <a:ext uri="{FF2B5EF4-FFF2-40B4-BE49-F238E27FC236}">
+                <a16:creationId xmlns:a16="http://schemas.microsoft.com/office/drawing/2014/main" id="{4494177C-73C9-19D2-B33F-3A421F270BD1}"/>
+              </a:ext>
+            </a:extLst>
+          </p:cNvPr>
+          <p:cNvSpPr>
+            <a:spLocks noGrp="1"/>
+          </p:cNvSpPr>
+          <p:nvPr>
+            <p:ph idx="1"/>
+          </p:nvPr>
+        </p:nvSpPr>
+        <p:spPr>
+          <a:xfrm>
+            <a:off x="831520" y="3097269"/>
+            <a:ext cx="16595985" cy="5850074"/>
+          </a:xfrm>
+        </p:spPr>
+        <p:txBody>
+          <a:bodyPr>
+            <a:normAutofit/>
+          </a:bodyPr>
+          <a:lstStyle/>
+          <a:p>
+            <a:r>
+              <a:rPr lang="en-US" sz="4400" dirty="0">
+                <a:effectLst/>
+                <a:latin typeface="DIN" panose="020B0604020202020204" charset="0"/>
+                <a:ea typeface="Aptos" panose="020B0004020202020204" pitchFamily="34" charset="0"/>
+              </a:rPr>
+              <a:t>5 Levels for x1:</a:t>
+            </a:r>
+          </a:p>
+          <a:p>
+            <a:endParaRPr lang="en-GB" dirty="0"/>
+          </a:p>
+        </p:txBody>
+      </p:sp>
+      <mc:AlternateContent xmlns:mc="http://schemas.openxmlformats.org/markup-compatibility/2006">
+        <mc:Choice xmlns:a14="http://schemas.microsoft.com/office/drawing/2010/main" Requires="a14">
+          <p:graphicFrame>
+            <p:nvGraphicFramePr>
+              <p:cNvPr id="8" name="Tabla 7">
+                <a:extLst>
+                  <a:ext uri="{FF2B5EF4-FFF2-40B4-BE49-F238E27FC236}">
+                    <a16:creationId xmlns:a16="http://schemas.microsoft.com/office/drawing/2014/main" id="{4A5A667A-8600-BF3F-E1B5-5DE17A9F5BEF}"/>
+                  </a:ext>
+                </a:extLst>
+              </p:cNvPr>
+              <p:cNvGraphicFramePr>
+                <a:graphicFrameLocks noGrp="1"/>
+              </p:cNvGraphicFramePr>
+              <p:nvPr>
+                <p:extLst>
+                  <p:ext uri="{D42A27DB-BD31-4B8C-83A1-F6EECF244321}">
+                    <p14:modId xmlns:p14="http://schemas.microsoft.com/office/powerpoint/2010/main" val="2959815007"/>
+                  </p:ext>
+                </p:extLst>
+              </p:nvPr>
+            </p:nvGraphicFramePr>
+            <p:xfrm>
+              <a:off x="3048000" y="4397753"/>
+              <a:ext cx="12192000" cy="3017520"/>
+            </p:xfrm>
+            <a:graphic>
+              <a:graphicData uri="http://schemas.openxmlformats.org/drawingml/2006/table">
+                <a:tbl>
+                  <a:tblPr firstRow="1" bandRow="1">
+                    <a:tableStyleId>{9D7B26C5-4107-4FEC-AEDC-1716B250A1EF}</a:tableStyleId>
+                  </a:tblPr>
+                  <a:tblGrid>
+                    <a:gridCol w="3048000">
+                      <a:extLst>
+                        <a:ext uri="{9D8B030D-6E8A-4147-A177-3AD203B41FA5}">
+                          <a16:colId xmlns:a16="http://schemas.microsoft.com/office/drawing/2014/main" val="1141248781"/>
+                        </a:ext>
+                      </a:extLst>
+                    </a:gridCol>
+                    <a:gridCol w="3048000">
+                      <a:extLst>
+                        <a:ext uri="{9D8B030D-6E8A-4147-A177-3AD203B41FA5}">
+                          <a16:colId xmlns:a16="http://schemas.microsoft.com/office/drawing/2014/main" val="2109301291"/>
+                        </a:ext>
+                      </a:extLst>
+                    </a:gridCol>
+                    <a:gridCol w="3048000">
+                      <a:extLst>
+                        <a:ext uri="{9D8B030D-6E8A-4147-A177-3AD203B41FA5}">
+                          <a16:colId xmlns:a16="http://schemas.microsoft.com/office/drawing/2014/main" val="4117115380"/>
+                        </a:ext>
+                      </a:extLst>
+                    </a:gridCol>
+                    <a:gridCol w="3048000">
+                      <a:extLst>
+                        <a:ext uri="{9D8B030D-6E8A-4147-A177-3AD203B41FA5}">
+                          <a16:colId xmlns:a16="http://schemas.microsoft.com/office/drawing/2014/main" val="970864078"/>
+                        </a:ext>
+                      </a:extLst>
+                    </a:gridCol>
+                  </a:tblGrid>
+                  <a:tr h="370840">
+                    <a:tc>
+                      <a:txBody>
+                        <a:bodyPr/>
+                        <a:lstStyle/>
+                        <a:p>
+                          <a:r>
+                            <a:rPr lang="es-ES" dirty="0" err="1"/>
+                            <a:t>Levels</a:t>
+                          </a:r>
+                          <a:endParaRPr lang="es-ES" dirty="0"/>
+                        </a:p>
+                      </a:txBody>
+                      <a:tcPr/>
+                    </a:tc>
+                    <a:tc>
+                      <a:txBody>
+                        <a:bodyPr/>
+                        <a:lstStyle/>
+                        <a:p>
+                          <a:r>
+                            <a:rPr lang="es-ES" dirty="0"/>
+                            <a:t>X1 </a:t>
+                          </a:r>
+                          <a:r>
+                            <a:rPr lang="es-ES" dirty="0" err="1"/>
+                            <a:t>values</a:t>
+                          </a:r>
+                          <a:endParaRPr lang="es-ES" dirty="0"/>
+                        </a:p>
+                      </a:txBody>
+                      <a:tcPr/>
+                    </a:tc>
+                    <a:tc>
+                      <a:txBody>
+                        <a:bodyPr/>
+                        <a:lstStyle/>
+                        <a:p>
+                          <a14:m>
+                            <m:oMathPara xmlns:m="http://schemas.openxmlformats.org/officeDocument/2006/math">
+                              <m:oMathParaPr>
+                                <m:jc m:val="centerGroup"/>
+                              </m:oMathParaPr>
+                              <m:oMath xmlns:m="http://schemas.openxmlformats.org/officeDocument/2006/math">
+                                <m:acc>
+                                  <m:accPr>
+                                    <m:chr m:val="̂"/>
+                                    <m:ctrlPr>
+                                      <a:rPr lang="es-ES" smtClean="0"/>
+                                    </m:ctrlPr>
+                                  </m:accPr>
+                                  <m:e>
+                                    <m:r>
+                                      <a:rPr lang="es-ES" b="1" smtClean="0"/>
+                                      <m:t>𝒚</m:t>
+                                    </m:r>
+                                  </m:e>
+                                </m:acc>
+                              </m:oMath>
+                            </m:oMathPara>
+                          </a14:m>
+                          <a:endParaRPr lang="es-ES" dirty="0"/>
+                        </a:p>
+                      </a:txBody>
+                      <a:tcPr/>
+                    </a:tc>
+                    <a:tc>
+                      <a:txBody>
+                        <a:bodyPr/>
+                        <a:lstStyle/>
+                        <a:p>
+                          <a:r>
+                            <a:rPr lang="es-ES" dirty="0"/>
+                            <a:t>Prob. be </a:t>
+                          </a:r>
+                          <a:r>
+                            <a:rPr lang="es-ES" dirty="0" err="1"/>
+                            <a:t>efficient</a:t>
+                          </a:r>
+                          <a:endParaRPr lang="es-ES" dirty="0"/>
+                        </a:p>
+                      </a:txBody>
+                      <a:tcPr/>
+                    </a:tc>
+                    <a:extLst>
+                      <a:ext uri="{0D108BD9-81ED-4DB2-BD59-A6C34878D82A}">
+                        <a16:rowId xmlns:a16="http://schemas.microsoft.com/office/drawing/2014/main" val="4092000649"/>
+                      </a:ext>
+                    </a:extLst>
+                  </a:tr>
+                  <a:tr h="370840">
+                    <a:tc>
+                      <a:txBody>
+                        <a:bodyPr/>
+                        <a:lstStyle/>
+                        <a:p>
+                          <a:r>
+                            <a:rPr lang="es-ES" dirty="0"/>
+                            <a:t>1</a:t>
+                          </a:r>
+                        </a:p>
+                      </a:txBody>
+                      <a:tcPr/>
+                    </a:tc>
+                    <a:tc>
+                      <a:txBody>
+                        <a:bodyPr/>
+                        <a:lstStyle/>
+                        <a:p>
+                          <a:pPr algn="ctr"/>
+                          <a:r>
+                            <a:rPr lang="es-ES" dirty="0"/>
+                            <a:t>1.009995</a:t>
+                          </a:r>
+                        </a:p>
+                      </a:txBody>
+                      <a:tcPr/>
+                    </a:tc>
+                    <a:tc>
+                      <a:txBody>
+                        <a:bodyPr/>
+                        <a:lstStyle/>
+                        <a:p>
+                          <a:pPr algn="ctr"/>
+                          <a:r>
+                            <a:rPr lang="es-ES" dirty="0"/>
+                            <a:t>4.606</a:t>
+                          </a:r>
+                        </a:p>
+                      </a:txBody>
+                      <a:tcPr/>
+                    </a:tc>
+                    <a:tc>
+                      <a:txBody>
+                        <a:bodyPr/>
+                        <a:lstStyle/>
+                        <a:p>
+                          <a:pPr algn="ctr"/>
+                          <a:r>
+                            <a:rPr lang="es-ES" dirty="0"/>
+                            <a:t>0.96</a:t>
+                          </a:r>
+                        </a:p>
+                      </a:txBody>
+                      <a:tcPr/>
+                    </a:tc>
+                    <a:extLst>
+                      <a:ext uri="{0D108BD9-81ED-4DB2-BD59-A6C34878D82A}">
+                        <a16:rowId xmlns:a16="http://schemas.microsoft.com/office/drawing/2014/main" val="187936132"/>
+                      </a:ext>
+                    </a:extLst>
+                  </a:tr>
+                  <a:tr h="370840">
+                    <a:tc>
+                      <a:txBody>
+                        <a:bodyPr/>
+                        <a:lstStyle/>
+                        <a:p>
+                          <a:r>
+                            <a:rPr lang="es-ES" dirty="0"/>
+                            <a:t>2</a:t>
+                          </a:r>
+                        </a:p>
+                      </a:txBody>
+                      <a:tcPr/>
+                    </a:tc>
+                    <a:tc>
+                      <a:txBody>
+                        <a:bodyPr/>
+                        <a:lstStyle/>
+                        <a:p>
+                          <a:pPr algn="ctr"/>
+                          <a:r>
+                            <a:rPr lang="es-ES" dirty="0"/>
+                            <a:t>3.023767</a:t>
+                          </a:r>
+                        </a:p>
+                      </a:txBody>
+                      <a:tcPr/>
+                    </a:tc>
+                    <a:tc>
+                      <a:txBody>
+                        <a:bodyPr/>
+                        <a:lstStyle/>
+                        <a:p>
+                          <a:pPr algn="ctr"/>
+                          <a:r>
+                            <a:rPr lang="es-ES" dirty="0"/>
+                            <a:t>4.606</a:t>
+                          </a:r>
+                        </a:p>
+                      </a:txBody>
+                      <a:tcPr/>
+                    </a:tc>
+                    <a:tc>
+                      <a:txBody>
+                        <a:bodyPr/>
+                        <a:lstStyle/>
+                        <a:p>
+                          <a:pPr algn="ctr"/>
+                          <a:r>
+                            <a:rPr lang="es-ES" dirty="0"/>
+                            <a:t>0.62</a:t>
+                          </a:r>
+                        </a:p>
+                      </a:txBody>
+                      <a:tcPr/>
+                    </a:tc>
+                    <a:extLst>
+                      <a:ext uri="{0D108BD9-81ED-4DB2-BD59-A6C34878D82A}">
+                        <a16:rowId xmlns:a16="http://schemas.microsoft.com/office/drawing/2014/main" val="2610583558"/>
+                      </a:ext>
+                    </a:extLst>
+                  </a:tr>
+                  <a:tr h="370840">
+                    <a:tc>
+                      <a:txBody>
+                        <a:bodyPr/>
+                        <a:lstStyle/>
+                        <a:p>
+                          <a:r>
+                            <a:rPr lang="es-ES" dirty="0"/>
+                            <a:t>3</a:t>
+                          </a:r>
+                        </a:p>
+                      </a:txBody>
+                      <a:tcPr/>
+                    </a:tc>
+                    <a:tc>
+                      <a:txBody>
+                        <a:bodyPr/>
+                        <a:lstStyle/>
+                        <a:p>
+                          <a:pPr algn="ctr"/>
+                          <a:r>
+                            <a:rPr lang="es-ES" dirty="0"/>
+                            <a:t>5.037538</a:t>
+                          </a:r>
+                        </a:p>
+                      </a:txBody>
+                      <a:tcPr/>
+                    </a:tc>
+                    <a:tc>
+                      <a:txBody>
+                        <a:bodyPr/>
+                        <a:lstStyle/>
+                        <a:p>
+                          <a:pPr algn="ctr"/>
+                          <a:r>
+                            <a:rPr lang="es-ES" dirty="0"/>
+                            <a:t>4.606</a:t>
+                          </a:r>
+                        </a:p>
+                      </a:txBody>
+                      <a:tcPr/>
+                    </a:tc>
+                    <a:tc>
+                      <a:txBody>
+                        <a:bodyPr/>
+                        <a:lstStyle/>
+                        <a:p>
+                          <a:pPr algn="ctr"/>
+                          <a:r>
+                            <a:rPr lang="es-ES" dirty="0"/>
+                            <a:t>0.14</a:t>
+                          </a:r>
+                        </a:p>
+                      </a:txBody>
+                      <a:tcPr/>
+                    </a:tc>
+                    <a:extLst>
+                      <a:ext uri="{0D108BD9-81ED-4DB2-BD59-A6C34878D82A}">
+                        <a16:rowId xmlns:a16="http://schemas.microsoft.com/office/drawing/2014/main" val="3779409085"/>
+                      </a:ext>
+                    </a:extLst>
+                  </a:tr>
+                  <a:tr h="370840">
+                    <a:tc>
+                      <a:txBody>
+                        <a:bodyPr/>
+                        <a:lstStyle/>
+                        <a:p>
+                          <a:r>
+                            <a:rPr lang="es-ES" dirty="0"/>
+                            <a:t>4</a:t>
+                          </a:r>
+                        </a:p>
+                      </a:txBody>
+                      <a:tcPr/>
+                    </a:tc>
+                    <a:tc>
+                      <a:txBody>
+                        <a:bodyPr/>
+                        <a:lstStyle/>
+                        <a:p>
+                          <a:pPr algn="ctr"/>
+                          <a:r>
+                            <a:rPr lang="es-ES" dirty="0"/>
+                            <a:t>7.051310</a:t>
+                          </a:r>
+                        </a:p>
+                      </a:txBody>
+                      <a:tcPr/>
+                    </a:tc>
+                    <a:tc>
+                      <a:txBody>
+                        <a:bodyPr/>
+                        <a:lstStyle/>
+                        <a:p>
+                          <a:pPr algn="ctr"/>
+                          <a:r>
+                            <a:rPr lang="es-ES" dirty="0"/>
+                            <a:t>4.606</a:t>
+                          </a:r>
+                        </a:p>
+                      </a:txBody>
+                      <a:tcPr/>
+                    </a:tc>
+                    <a:tc>
+                      <a:txBody>
+                        <a:bodyPr/>
+                        <a:lstStyle/>
+                        <a:p>
+                          <a:pPr algn="ctr"/>
+                          <a:r>
+                            <a:rPr lang="es-ES" dirty="0"/>
+                            <a:t>0.02</a:t>
+                          </a:r>
+                        </a:p>
+                      </a:txBody>
+                      <a:tcPr/>
+                    </a:tc>
+                    <a:extLst>
+                      <a:ext uri="{0D108BD9-81ED-4DB2-BD59-A6C34878D82A}">
+                        <a16:rowId xmlns:a16="http://schemas.microsoft.com/office/drawing/2014/main" val="1090756739"/>
+                      </a:ext>
+                    </a:extLst>
+                  </a:tr>
+                  <a:tr h="370840">
+                    <a:tc>
+                      <a:txBody>
+                        <a:bodyPr/>
+                        <a:lstStyle/>
+                        <a:p>
+                          <a:r>
+                            <a:rPr lang="es-ES" dirty="0"/>
+                            <a:t>5</a:t>
+                          </a:r>
+                        </a:p>
+                      </a:txBody>
+                      <a:tcPr/>
+                    </a:tc>
+                    <a:tc>
+                      <a:txBody>
+                        <a:bodyPr/>
+                        <a:lstStyle/>
+                        <a:p>
+                          <a:pPr algn="ctr"/>
+                          <a:r>
+                            <a:rPr lang="es-ES" dirty="0"/>
+                            <a:t>9.065082</a:t>
+                          </a:r>
+                        </a:p>
+                      </a:txBody>
+                      <a:tcPr/>
+                    </a:tc>
+                    <a:tc>
+                      <a:txBody>
+                        <a:bodyPr/>
+                        <a:lstStyle/>
+                        <a:p>
+                          <a:pPr algn="ctr"/>
+                          <a:r>
+                            <a:rPr lang="es-ES" dirty="0"/>
+                            <a:t>4.606</a:t>
+                          </a:r>
+                        </a:p>
+                      </a:txBody>
+                      <a:tcPr/>
+                    </a:tc>
+                    <a:tc>
+                      <a:txBody>
+                        <a:bodyPr/>
+                        <a:lstStyle/>
+                        <a:p>
+                          <a:pPr algn="ctr"/>
+                          <a:r>
+                            <a:rPr lang="es-ES" dirty="0"/>
+                            <a:t>0.00</a:t>
+                          </a:r>
+                        </a:p>
+                      </a:txBody>
+                      <a:tcPr/>
+                    </a:tc>
+                    <a:extLst>
+                      <a:ext uri="{0D108BD9-81ED-4DB2-BD59-A6C34878D82A}">
+                        <a16:rowId xmlns:a16="http://schemas.microsoft.com/office/drawing/2014/main" val="183639519"/>
+                      </a:ext>
+                    </a:extLst>
+                  </a:tr>
+                </a:tbl>
+              </a:graphicData>
+            </a:graphic>
+          </p:graphicFrame>
+        </mc:Choice>
+        <mc:Fallback>
+          <p:graphicFrame>
+            <p:nvGraphicFramePr>
+              <p:cNvPr id="8" name="Tabla 7">
+                <a:extLst>
+                  <a:ext uri="{FF2B5EF4-FFF2-40B4-BE49-F238E27FC236}">
+                    <a16:creationId xmlns:a16="http://schemas.microsoft.com/office/drawing/2014/main" id="{4A5A667A-8600-BF3F-E1B5-5DE17A9F5BEF}"/>
+                  </a:ext>
+                </a:extLst>
+              </p:cNvPr>
+              <p:cNvGraphicFramePr>
+                <a:graphicFrameLocks noGrp="1"/>
+              </p:cNvGraphicFramePr>
+              <p:nvPr>
+                <p:extLst>
+                  <p:ext uri="{D42A27DB-BD31-4B8C-83A1-F6EECF244321}">
+                    <p14:modId xmlns:p14="http://schemas.microsoft.com/office/powerpoint/2010/main" val="2959815007"/>
+                  </p:ext>
+                </p:extLst>
+              </p:nvPr>
+            </p:nvGraphicFramePr>
+            <p:xfrm>
+              <a:off x="3048000" y="4397753"/>
+              <a:ext cx="12192000" cy="3017520"/>
+            </p:xfrm>
+            <a:graphic>
+              <a:graphicData uri="http://schemas.openxmlformats.org/drawingml/2006/table">
+                <a:tbl>
+                  <a:tblPr firstRow="1" bandRow="1">
+                    <a:tableStyleId>{9D7B26C5-4107-4FEC-AEDC-1716B250A1EF}</a:tableStyleId>
+                  </a:tblPr>
+                  <a:tblGrid>
+                    <a:gridCol w="3048000">
+                      <a:extLst>
+                        <a:ext uri="{9D8B030D-6E8A-4147-A177-3AD203B41FA5}">
+                          <a16:colId xmlns:a16="http://schemas.microsoft.com/office/drawing/2014/main" val="1141248781"/>
+                        </a:ext>
+                      </a:extLst>
+                    </a:gridCol>
+                    <a:gridCol w="3048000">
+                      <a:extLst>
+                        <a:ext uri="{9D8B030D-6E8A-4147-A177-3AD203B41FA5}">
+                          <a16:colId xmlns:a16="http://schemas.microsoft.com/office/drawing/2014/main" val="2109301291"/>
+                        </a:ext>
+                      </a:extLst>
+                    </a:gridCol>
+                    <a:gridCol w="3048000">
+                      <a:extLst>
+                        <a:ext uri="{9D8B030D-6E8A-4147-A177-3AD203B41FA5}">
+                          <a16:colId xmlns:a16="http://schemas.microsoft.com/office/drawing/2014/main" val="4117115380"/>
+                        </a:ext>
+                      </a:extLst>
+                    </a:gridCol>
+                    <a:gridCol w="3048000">
+                      <a:extLst>
+                        <a:ext uri="{9D8B030D-6E8A-4147-A177-3AD203B41FA5}">
+                          <a16:colId xmlns:a16="http://schemas.microsoft.com/office/drawing/2014/main" val="970864078"/>
+                        </a:ext>
+                      </a:extLst>
+                    </a:gridCol>
+                  </a:tblGrid>
+                  <a:tr h="502920">
+                    <a:tc>
+                      <a:txBody>
+                        <a:bodyPr/>
+                        <a:lstStyle/>
+                        <a:p>
+                          <a:r>
+                            <a:rPr lang="es-ES" dirty="0" err="1"/>
+                            <a:t>Levels</a:t>
+                          </a:r>
+                          <a:endParaRPr lang="es-ES" dirty="0"/>
+                        </a:p>
+                      </a:txBody>
+                      <a:tcPr/>
+                    </a:tc>
+                    <a:tc>
+                      <a:txBody>
+                        <a:bodyPr/>
+                        <a:lstStyle/>
+                        <a:p>
+                          <a:r>
+                            <a:rPr lang="es-ES" dirty="0"/>
+                            <a:t>X1 </a:t>
+                          </a:r>
+                          <a:r>
+                            <a:rPr lang="es-ES" dirty="0" err="1"/>
+                            <a:t>values</a:t>
+                          </a:r>
+                          <a:endParaRPr lang="es-ES" dirty="0"/>
+                        </a:p>
+                      </a:txBody>
+                      <a:tcPr/>
+                    </a:tc>
+                    <a:tc>
+                      <a:txBody>
+                        <a:bodyPr/>
+                        <a:lstStyle/>
+                        <a:p>
+                          <a:endParaRPr lang="es-ES"/>
+                        </a:p>
+                      </a:txBody>
+                      <a:tcPr>
+                        <a:blipFill>
+                          <a:blip r:embed="rId3"/>
+                          <a:stretch>
+                            <a:fillRect l="-200000" t="-9639" r="-100400" b="-528916"/>
+                          </a:stretch>
+                        </a:blipFill>
+                      </a:tcPr>
+                    </a:tc>
+                    <a:tc>
+                      <a:txBody>
+                        <a:bodyPr/>
+                        <a:lstStyle/>
+                        <a:p>
+                          <a:r>
+                            <a:rPr lang="es-ES" dirty="0"/>
+                            <a:t>Prob. be </a:t>
+                          </a:r>
+                          <a:r>
+                            <a:rPr lang="es-ES" dirty="0" err="1"/>
+                            <a:t>efficient</a:t>
+                          </a:r>
+                          <a:endParaRPr lang="es-ES" dirty="0"/>
+                        </a:p>
+                      </a:txBody>
+                      <a:tcPr/>
+                    </a:tc>
+                    <a:extLst>
+                      <a:ext uri="{0D108BD9-81ED-4DB2-BD59-A6C34878D82A}">
+                        <a16:rowId xmlns:a16="http://schemas.microsoft.com/office/drawing/2014/main" val="4092000649"/>
+                      </a:ext>
+                    </a:extLst>
+                  </a:tr>
+                  <a:tr h="502920">
+                    <a:tc>
+                      <a:txBody>
+                        <a:bodyPr/>
+                        <a:lstStyle/>
+                        <a:p>
+                          <a:r>
+                            <a:rPr lang="es-ES" dirty="0"/>
+                            <a:t>1</a:t>
+                          </a:r>
+                        </a:p>
+                      </a:txBody>
+                      <a:tcPr/>
+                    </a:tc>
+                    <a:tc>
+                      <a:txBody>
+                        <a:bodyPr/>
+                        <a:lstStyle/>
+                        <a:p>
+                          <a:pPr algn="ctr"/>
+                          <a:r>
+                            <a:rPr lang="es-ES" dirty="0"/>
+                            <a:t>1.009995</a:t>
+                          </a:r>
+                        </a:p>
+                      </a:txBody>
+                      <a:tcPr/>
+                    </a:tc>
+                    <a:tc>
+                      <a:txBody>
+                        <a:bodyPr/>
+                        <a:lstStyle/>
+                        <a:p>
+                          <a:pPr algn="ctr"/>
+                          <a:r>
+                            <a:rPr lang="es-ES" dirty="0"/>
+                            <a:t>4.606</a:t>
+                          </a:r>
+                        </a:p>
+                      </a:txBody>
+                      <a:tcPr/>
+                    </a:tc>
+                    <a:tc>
+                      <a:txBody>
+                        <a:bodyPr/>
+                        <a:lstStyle/>
+                        <a:p>
+                          <a:pPr algn="ctr"/>
+                          <a:r>
+                            <a:rPr lang="es-ES" dirty="0"/>
+                            <a:t>0.96</a:t>
+                          </a:r>
+                        </a:p>
+                      </a:txBody>
+                      <a:tcPr/>
+                    </a:tc>
+                    <a:extLst>
+                      <a:ext uri="{0D108BD9-81ED-4DB2-BD59-A6C34878D82A}">
+                        <a16:rowId xmlns:a16="http://schemas.microsoft.com/office/drawing/2014/main" val="187936132"/>
+                      </a:ext>
+                    </a:extLst>
+                  </a:tr>
+                  <a:tr h="502920">
+                    <a:tc>
+                      <a:txBody>
+                        <a:bodyPr/>
+                        <a:lstStyle/>
+                        <a:p>
+                          <a:r>
+                            <a:rPr lang="es-ES" dirty="0"/>
+                            <a:t>2</a:t>
+                          </a:r>
+                        </a:p>
+                      </a:txBody>
+                      <a:tcPr/>
+                    </a:tc>
+                    <a:tc>
+                      <a:txBody>
+                        <a:bodyPr/>
+                        <a:lstStyle/>
+                        <a:p>
+                          <a:pPr algn="ctr"/>
+                          <a:r>
+                            <a:rPr lang="es-ES" dirty="0"/>
+                            <a:t>3.023767</a:t>
+                          </a:r>
+                        </a:p>
+                      </a:txBody>
+                      <a:tcPr/>
+                    </a:tc>
+                    <a:tc>
+                      <a:txBody>
+                        <a:bodyPr/>
+                        <a:lstStyle/>
+                        <a:p>
+                          <a:pPr algn="ctr"/>
+                          <a:r>
+                            <a:rPr lang="es-ES" dirty="0"/>
+                            <a:t>4.606</a:t>
+                          </a:r>
+                        </a:p>
+                      </a:txBody>
+                      <a:tcPr/>
+                    </a:tc>
+                    <a:tc>
+                      <a:txBody>
+                        <a:bodyPr/>
+                        <a:lstStyle/>
+                        <a:p>
+                          <a:pPr algn="ctr"/>
+                          <a:r>
+                            <a:rPr lang="es-ES" dirty="0"/>
+                            <a:t>0.62</a:t>
+                          </a:r>
+                        </a:p>
+                      </a:txBody>
+                      <a:tcPr/>
+                    </a:tc>
+                    <a:extLst>
+                      <a:ext uri="{0D108BD9-81ED-4DB2-BD59-A6C34878D82A}">
+                        <a16:rowId xmlns:a16="http://schemas.microsoft.com/office/drawing/2014/main" val="2610583558"/>
+                      </a:ext>
+                    </a:extLst>
+                  </a:tr>
+                  <a:tr h="502920">
+                    <a:tc>
+                      <a:txBody>
+                        <a:bodyPr/>
+                        <a:lstStyle/>
+                        <a:p>
+                          <a:r>
+                            <a:rPr lang="es-ES" dirty="0"/>
+                            <a:t>3</a:t>
+                          </a:r>
+                        </a:p>
+                      </a:txBody>
+                      <a:tcPr/>
+                    </a:tc>
+                    <a:tc>
+                      <a:txBody>
+                        <a:bodyPr/>
+                        <a:lstStyle/>
+                        <a:p>
+                          <a:pPr algn="ctr"/>
+                          <a:r>
+                            <a:rPr lang="es-ES" dirty="0"/>
+                            <a:t>5.037538</a:t>
+                          </a:r>
+                        </a:p>
+                      </a:txBody>
+                      <a:tcPr/>
+                    </a:tc>
+                    <a:tc>
+                      <a:txBody>
+                        <a:bodyPr/>
+                        <a:lstStyle/>
+                        <a:p>
+                          <a:pPr algn="ctr"/>
+                          <a:r>
+                            <a:rPr lang="es-ES" dirty="0"/>
+                            <a:t>4.606</a:t>
+                          </a:r>
+                        </a:p>
+                      </a:txBody>
+                      <a:tcPr/>
+                    </a:tc>
+                    <a:tc>
+                      <a:txBody>
+                        <a:bodyPr/>
+                        <a:lstStyle/>
+                        <a:p>
+                          <a:pPr algn="ctr"/>
+                          <a:r>
+                            <a:rPr lang="es-ES" dirty="0"/>
+                            <a:t>0.14</a:t>
+                          </a:r>
+                        </a:p>
+                      </a:txBody>
+                      <a:tcPr/>
+                    </a:tc>
+                    <a:extLst>
+                      <a:ext uri="{0D108BD9-81ED-4DB2-BD59-A6C34878D82A}">
+                        <a16:rowId xmlns:a16="http://schemas.microsoft.com/office/drawing/2014/main" val="3779409085"/>
+                      </a:ext>
+                    </a:extLst>
+                  </a:tr>
+                  <a:tr h="502920">
+                    <a:tc>
+                      <a:txBody>
+                        <a:bodyPr/>
+                        <a:lstStyle/>
+                        <a:p>
+                          <a:r>
+                            <a:rPr lang="es-ES" dirty="0"/>
+                            <a:t>4</a:t>
+                          </a:r>
+                        </a:p>
+                      </a:txBody>
+                      <a:tcPr/>
+                    </a:tc>
+                    <a:tc>
+                      <a:txBody>
+                        <a:bodyPr/>
+                        <a:lstStyle/>
+                        <a:p>
+                          <a:pPr algn="ctr"/>
+                          <a:r>
+                            <a:rPr lang="es-ES" dirty="0"/>
+                            <a:t>7.051310</a:t>
+                          </a:r>
+                        </a:p>
+                      </a:txBody>
+                      <a:tcPr/>
+                    </a:tc>
+                    <a:tc>
+                      <a:txBody>
+                        <a:bodyPr/>
+                        <a:lstStyle/>
+                        <a:p>
+                          <a:pPr algn="ctr"/>
+                          <a:r>
+                            <a:rPr lang="es-ES" dirty="0"/>
+                            <a:t>4.606</a:t>
+                          </a:r>
+                        </a:p>
+                      </a:txBody>
+                      <a:tcPr/>
+                    </a:tc>
+                    <a:tc>
+                      <a:txBody>
+                        <a:bodyPr/>
+                        <a:lstStyle/>
+                        <a:p>
+                          <a:pPr algn="ctr"/>
+                          <a:r>
+                            <a:rPr lang="es-ES" dirty="0"/>
+                            <a:t>0.02</a:t>
+                          </a:r>
+                        </a:p>
+                      </a:txBody>
+                      <a:tcPr/>
+                    </a:tc>
+                    <a:extLst>
+                      <a:ext uri="{0D108BD9-81ED-4DB2-BD59-A6C34878D82A}">
+                        <a16:rowId xmlns:a16="http://schemas.microsoft.com/office/drawing/2014/main" val="1090756739"/>
+                      </a:ext>
+                    </a:extLst>
+                  </a:tr>
+                  <a:tr h="502920">
+                    <a:tc>
+                      <a:txBody>
+                        <a:bodyPr/>
+                        <a:lstStyle/>
+                        <a:p>
+                          <a:r>
+                            <a:rPr lang="es-ES" dirty="0"/>
+                            <a:t>5</a:t>
+                          </a:r>
+                        </a:p>
+                      </a:txBody>
+                      <a:tcPr/>
+                    </a:tc>
+                    <a:tc>
+                      <a:txBody>
+                        <a:bodyPr/>
+                        <a:lstStyle/>
+                        <a:p>
+                          <a:pPr algn="ctr"/>
+                          <a:r>
+                            <a:rPr lang="es-ES" dirty="0"/>
+                            <a:t>9.065082</a:t>
+                          </a:r>
+                        </a:p>
+                      </a:txBody>
+                      <a:tcPr/>
+                    </a:tc>
+                    <a:tc>
+                      <a:txBody>
+                        <a:bodyPr/>
+                        <a:lstStyle/>
+                        <a:p>
+                          <a:pPr algn="ctr"/>
+                          <a:r>
+                            <a:rPr lang="es-ES" dirty="0"/>
+                            <a:t>4.606</a:t>
+                          </a:r>
+                        </a:p>
+                      </a:txBody>
+                      <a:tcPr/>
+                    </a:tc>
+                    <a:tc>
+                      <a:txBody>
+                        <a:bodyPr/>
+                        <a:lstStyle/>
+                        <a:p>
+                          <a:pPr algn="ctr"/>
+                          <a:r>
+                            <a:rPr lang="es-ES" dirty="0"/>
+                            <a:t>0.00</a:t>
+                          </a:r>
+                        </a:p>
+                      </a:txBody>
+                      <a:tcPr/>
+                    </a:tc>
+                    <a:extLst>
+                      <a:ext uri="{0D108BD9-81ED-4DB2-BD59-A6C34878D82A}">
+                        <a16:rowId xmlns:a16="http://schemas.microsoft.com/office/drawing/2014/main" val="183639519"/>
+                      </a:ext>
+                    </a:extLst>
+                  </a:tr>
+                </a:tbl>
+              </a:graphicData>
+            </a:graphic>
+          </p:graphicFrame>
+        </mc:Fallback>
+      </mc:AlternateContent>
+    </p:spTree>
+    <p:extLst>
+      <p:ext uri="{BB962C8B-B14F-4D97-AF65-F5344CB8AC3E}">
+        <p14:creationId xmlns:p14="http://schemas.microsoft.com/office/powerpoint/2010/main" val="2403433448"/>
+      </p:ext>
+    </p:extLst>
+  </p:cSld>
+  <p:clrMapOvr>
+    <a:masterClrMapping/>
+  </p:clrMapOvr>
+</p:sld>
+</file>
+
+<file path=ppt/slides/slide19.xml><?xml version="1.0" encoding="utf-8"?>
 <p:sld xmlns:a="http://schemas.openxmlformats.org/drawingml/2006/main" xmlns:r="http://schemas.openxmlformats.org/officeDocument/2006/relationships" xmlns:p="http://schemas.openxmlformats.org/presentationml/2006/main">
   <p:cSld>
     <p:spTree>
@@ -17716,7 +20008,7 @@
             <a:fld id="{DBFF9636-A71C-488A-89F8-02E08556F10C}" type="slidenum">
               <a:rPr lang="es-ES" smtClean="0"/>
               <a:pPr/>
-              <a:t>17</a:t>
+              <a:t>19</a:t>
             </a:fld>
             <a:endParaRPr lang="es-ES" dirty="0"/>
           </a:p>
@@ -17735,7 +20027,252 @@
 </p:sld>
 </file>
 
-<file path=ppt/slides/slide18.xml><?xml version="1.0" encoding="utf-8"?>
+<file path=ppt/slides/slide2.xml><?xml version="1.0" encoding="utf-8"?>
+<p:sld xmlns:a="http://schemas.openxmlformats.org/drawingml/2006/main" xmlns:r="http://schemas.openxmlformats.org/officeDocument/2006/relationships" xmlns:p="http://schemas.openxmlformats.org/presentationml/2006/main">
+  <p:cSld>
+    <p:spTree>
+      <p:nvGrpSpPr>
+        <p:cNvPr id="1" name=""/>
+        <p:cNvGrpSpPr/>
+        <p:nvPr/>
+      </p:nvGrpSpPr>
+      <p:grpSpPr>
+        <a:xfrm>
+          <a:off x="0" y="0"/>
+          <a:ext cx="0" cy="0"/>
+          <a:chOff x="0" y="0"/>
+          <a:chExt cx="0" cy="0"/>
+        </a:xfrm>
+      </p:grpSpPr>
+      <p:sp>
+        <p:nvSpPr>
+          <p:cNvPr id="2" name="Título 1">
+            <a:extLst>
+              <a:ext uri="{FF2B5EF4-FFF2-40B4-BE49-F238E27FC236}">
+                <a16:creationId xmlns:a16="http://schemas.microsoft.com/office/drawing/2014/main" id="{BFE94856-9D9C-4ED9-90BF-F310B65BA2C7}"/>
+              </a:ext>
+            </a:extLst>
+          </p:cNvPr>
+          <p:cNvSpPr>
+            <a:spLocks noGrp="1"/>
+          </p:cNvSpPr>
+          <p:nvPr>
+            <p:ph type="title"/>
+          </p:nvPr>
+        </p:nvSpPr>
+        <p:spPr/>
+        <p:txBody>
+          <a:bodyPr/>
+          <a:lstStyle/>
+          <a:p>
+            <a:r>
+              <a:rPr lang="en-AU" dirty="0"/>
+              <a:t>Index</a:t>
+            </a:r>
+          </a:p>
+        </p:txBody>
+      </p:sp>
+      <p:sp>
+        <p:nvSpPr>
+          <p:cNvPr id="3" name="Marcador de contenido 2">
+            <a:extLst>
+              <a:ext uri="{FF2B5EF4-FFF2-40B4-BE49-F238E27FC236}">
+                <a16:creationId xmlns:a16="http://schemas.microsoft.com/office/drawing/2014/main" id="{92AD0A21-745E-4A0B-93F3-9909AF99A29B}"/>
+              </a:ext>
+            </a:extLst>
+          </p:cNvPr>
+          <p:cNvSpPr>
+            <a:spLocks noGrp="1"/>
+          </p:cNvSpPr>
+          <p:nvPr>
+            <p:ph idx="1"/>
+          </p:nvPr>
+        </p:nvSpPr>
+        <p:spPr/>
+        <p:txBody>
+          <a:bodyPr anchor="ctr">
+            <a:normAutofit/>
+          </a:bodyPr>
+          <a:lstStyle/>
+          <a:p>
+            <a:pPr>
+              <a:lnSpc>
+                <a:spcPct val="150000"/>
+              </a:lnSpc>
+              <a:spcBef>
+                <a:spcPts val="1200"/>
+              </a:spcBef>
+              <a:spcAft>
+                <a:spcPts val="1200"/>
+              </a:spcAft>
+            </a:pPr>
+            <a:r>
+              <a:rPr lang="en-AU" sz="4800" dirty="0"/>
+              <a:t>Introduction</a:t>
+            </a:r>
+          </a:p>
+          <a:p>
+            <a:pPr>
+              <a:lnSpc>
+                <a:spcPct val="150000"/>
+              </a:lnSpc>
+              <a:spcBef>
+                <a:spcPts val="1200"/>
+              </a:spcBef>
+              <a:spcAft>
+                <a:spcPts val="1200"/>
+              </a:spcAft>
+            </a:pPr>
+            <a:r>
+              <a:rPr lang="en-AU" sz="4800" dirty="0"/>
+              <a:t>Methodology</a:t>
+            </a:r>
+          </a:p>
+          <a:p>
+            <a:pPr>
+              <a:lnSpc>
+                <a:spcPct val="150000"/>
+              </a:lnSpc>
+              <a:spcBef>
+                <a:spcPts val="1200"/>
+              </a:spcBef>
+              <a:spcAft>
+                <a:spcPts val="1200"/>
+              </a:spcAft>
+            </a:pPr>
+            <a:r>
+              <a:rPr lang="en-AU" sz="4800" dirty="0"/>
+              <a:t>An empirical application</a:t>
+            </a:r>
+          </a:p>
+          <a:p>
+            <a:pPr>
+              <a:lnSpc>
+                <a:spcPct val="150000"/>
+              </a:lnSpc>
+              <a:spcBef>
+                <a:spcPts val="1200"/>
+              </a:spcBef>
+              <a:spcAft>
+                <a:spcPts val="1200"/>
+              </a:spcAft>
+            </a:pPr>
+            <a:r>
+              <a:rPr lang="en-AU" sz="4800" dirty="0"/>
+              <a:t>Conclusions</a:t>
+            </a:r>
+          </a:p>
+        </p:txBody>
+      </p:sp>
+      <p:sp>
+        <p:nvSpPr>
+          <p:cNvPr id="4" name="Marcador de pie de página 3">
+            <a:extLst>
+              <a:ext uri="{FF2B5EF4-FFF2-40B4-BE49-F238E27FC236}">
+                <a16:creationId xmlns:a16="http://schemas.microsoft.com/office/drawing/2014/main" id="{5F27C00A-ACDC-4E4A-984A-BDB61556F009}"/>
+              </a:ext>
+            </a:extLst>
+          </p:cNvPr>
+          <p:cNvSpPr>
+            <a:spLocks noGrp="1"/>
+          </p:cNvSpPr>
+          <p:nvPr>
+            <p:ph type="ftr" sz="quarter" idx="11"/>
+          </p:nvPr>
+        </p:nvSpPr>
+        <p:spPr/>
+        <p:txBody>
+          <a:bodyPr/>
+          <a:lstStyle/>
+          <a:p>
+            <a:pPr algn="ctr">
+              <a:lnSpc>
+                <a:spcPct val="150000"/>
+              </a:lnSpc>
+              <a:spcAft>
+                <a:spcPts val="800"/>
+              </a:spcAft>
+            </a:pPr>
+            <a:r>
+              <a:rPr lang="en-US" sz="1800" b="1" kern="100" dirty="0">
+                <a:effectLst/>
+                <a:latin typeface="Times New Roman" panose="02020603050405020304" pitchFamily="18" charset="0"/>
+                <a:ea typeface="Aptos" panose="020B0004020202020204" pitchFamily="34" charset="0"/>
+                <a:cs typeface="Times New Roman" panose="02020603050405020304" pitchFamily="18" charset="0"/>
+              </a:rPr>
+              <a:t>Using sensitivity analysis and visualization techniques to open black box data mining models: a </a:t>
+            </a:r>
+            <a:r>
+              <a:rPr lang="en-US" sz="1800" b="1" kern="100" dirty="0" err="1">
+                <a:effectLst/>
+                <a:latin typeface="Times New Roman" panose="02020603050405020304" pitchFamily="18" charset="0"/>
+                <a:ea typeface="Aptos" panose="020B0004020202020204" pitchFamily="34" charset="0"/>
+                <a:cs typeface="Times New Roman" panose="02020603050405020304" pitchFamily="18" charset="0"/>
+              </a:rPr>
+              <a:t>rminer</a:t>
+            </a:r>
+            <a:r>
+              <a:rPr lang="en-US" sz="1800" b="1" kern="100" dirty="0">
+                <a:effectLst/>
+                <a:latin typeface="Times New Roman" panose="02020603050405020304" pitchFamily="18" charset="0"/>
+                <a:ea typeface="Aptos" panose="020B0004020202020204" pitchFamily="34" charset="0"/>
+                <a:cs typeface="Times New Roman" panose="02020603050405020304" pitchFamily="18" charset="0"/>
+              </a:rPr>
+              <a:t> example</a:t>
+            </a:r>
+            <a:endParaRPr lang="es-ES" sz="1600" kern="100" dirty="0">
+              <a:effectLst/>
+              <a:latin typeface="Times New Roman" panose="02020603050405020304" pitchFamily="18" charset="0"/>
+              <a:ea typeface="Aptos" panose="020B0004020202020204" pitchFamily="34" charset="0"/>
+              <a:cs typeface="Times New Roman" panose="02020603050405020304" pitchFamily="18" charset="0"/>
+            </a:endParaRPr>
+          </a:p>
+        </p:txBody>
+      </p:sp>
+      <p:sp>
+        <p:nvSpPr>
+          <p:cNvPr id="5" name="Marcador de número de diapositiva 4">
+            <a:extLst>
+              <a:ext uri="{FF2B5EF4-FFF2-40B4-BE49-F238E27FC236}">
+                <a16:creationId xmlns:a16="http://schemas.microsoft.com/office/drawing/2014/main" id="{C9FC0917-D875-4A91-9E78-00B68053351E}"/>
+              </a:ext>
+            </a:extLst>
+          </p:cNvPr>
+          <p:cNvSpPr>
+            <a:spLocks noGrp="1"/>
+          </p:cNvSpPr>
+          <p:nvPr>
+            <p:ph type="sldNum" sz="quarter" idx="12"/>
+          </p:nvPr>
+        </p:nvSpPr>
+        <p:spPr/>
+        <p:txBody>
+          <a:bodyPr/>
+          <a:lstStyle/>
+          <a:p>
+            <a:fld id="{DBFF9636-A71C-488A-89F8-02E08556F10C}" type="slidenum">
+              <a:rPr lang="es-ES" smtClean="0"/>
+              <a:pPr/>
+              <a:t>2</a:t>
+            </a:fld>
+            <a:endParaRPr lang="es-ES" dirty="0"/>
+          </a:p>
+        </p:txBody>
+      </p:sp>
+    </p:spTree>
+    <p:extLst>
+      <p:ext uri="{BB962C8B-B14F-4D97-AF65-F5344CB8AC3E}">
+        <p14:creationId xmlns:p14="http://schemas.microsoft.com/office/powerpoint/2010/main" val="392837780"/>
+      </p:ext>
+    </p:extLst>
+  </p:cSld>
+  <p:clrMapOvr>
+    <a:masterClrMapping/>
+  </p:clrMapOvr>
+</p:sld>
+</file>
+
+<file path=ppt/slides/slide20.xml><?xml version="1.0" encoding="utf-8"?>
 <p:sld xmlns:a="http://schemas.openxmlformats.org/drawingml/2006/main" xmlns:r="http://schemas.openxmlformats.org/officeDocument/2006/relationships" xmlns:p="http://schemas.openxmlformats.org/presentationml/2006/main">
   <p:cSld>
     <p:spTree>
@@ -17869,7 +20406,7 @@
             <a:fld id="{DBFF9636-A71C-488A-89F8-02E08556F10C}" type="slidenum">
               <a:rPr lang="es-ES" smtClean="0"/>
               <a:pPr/>
-              <a:t>18</a:t>
+              <a:t>20</a:t>
             </a:fld>
             <a:endParaRPr lang="es-ES" dirty="0"/>
           </a:p>
@@ -22424,7 +24961,7 @@
 </p:sld>
 </file>
 
-<file path=ppt/slides/slide19.xml><?xml version="1.0" encoding="utf-8"?>
+<file path=ppt/slides/slide21.xml><?xml version="1.0" encoding="utf-8"?>
 <p:sld xmlns:a="http://schemas.openxmlformats.org/drawingml/2006/main" xmlns:r="http://schemas.openxmlformats.org/officeDocument/2006/relationships" xmlns:p="http://schemas.openxmlformats.org/presentationml/2006/main">
   <p:cSld>
     <p:spTree>
@@ -22544,7 +25081,7 @@
             <a:fld id="{DBFF9636-A71C-488A-89F8-02E08556F10C}" type="slidenum">
               <a:rPr lang="es-ES" smtClean="0"/>
               <a:pPr/>
-              <a:t>19</a:t>
+              <a:t>21</a:t>
             </a:fld>
             <a:endParaRPr lang="es-ES" dirty="0"/>
           </a:p>
@@ -22563,252 +25100,7 @@
 </p:sld>
 </file>
 
-<file path=ppt/slides/slide2.xml><?xml version="1.0" encoding="utf-8"?>
-<p:sld xmlns:a="http://schemas.openxmlformats.org/drawingml/2006/main" xmlns:r="http://schemas.openxmlformats.org/officeDocument/2006/relationships" xmlns:p="http://schemas.openxmlformats.org/presentationml/2006/main">
-  <p:cSld>
-    <p:spTree>
-      <p:nvGrpSpPr>
-        <p:cNvPr id="1" name=""/>
-        <p:cNvGrpSpPr/>
-        <p:nvPr/>
-      </p:nvGrpSpPr>
-      <p:grpSpPr>
-        <a:xfrm>
-          <a:off x="0" y="0"/>
-          <a:ext cx="0" cy="0"/>
-          <a:chOff x="0" y="0"/>
-          <a:chExt cx="0" cy="0"/>
-        </a:xfrm>
-      </p:grpSpPr>
-      <p:sp>
-        <p:nvSpPr>
-          <p:cNvPr id="2" name="Título 1">
-            <a:extLst>
-              <a:ext uri="{FF2B5EF4-FFF2-40B4-BE49-F238E27FC236}">
-                <a16:creationId xmlns:a16="http://schemas.microsoft.com/office/drawing/2014/main" id="{BFE94856-9D9C-4ED9-90BF-F310B65BA2C7}"/>
-              </a:ext>
-            </a:extLst>
-          </p:cNvPr>
-          <p:cNvSpPr>
-            <a:spLocks noGrp="1"/>
-          </p:cNvSpPr>
-          <p:nvPr>
-            <p:ph type="title"/>
-          </p:nvPr>
-        </p:nvSpPr>
-        <p:spPr/>
-        <p:txBody>
-          <a:bodyPr/>
-          <a:lstStyle/>
-          <a:p>
-            <a:r>
-              <a:rPr lang="en-AU" dirty="0"/>
-              <a:t>Index</a:t>
-            </a:r>
-          </a:p>
-        </p:txBody>
-      </p:sp>
-      <p:sp>
-        <p:nvSpPr>
-          <p:cNvPr id="3" name="Marcador de contenido 2">
-            <a:extLst>
-              <a:ext uri="{FF2B5EF4-FFF2-40B4-BE49-F238E27FC236}">
-                <a16:creationId xmlns:a16="http://schemas.microsoft.com/office/drawing/2014/main" id="{92AD0A21-745E-4A0B-93F3-9909AF99A29B}"/>
-              </a:ext>
-            </a:extLst>
-          </p:cNvPr>
-          <p:cNvSpPr>
-            <a:spLocks noGrp="1"/>
-          </p:cNvSpPr>
-          <p:nvPr>
-            <p:ph idx="1"/>
-          </p:nvPr>
-        </p:nvSpPr>
-        <p:spPr/>
-        <p:txBody>
-          <a:bodyPr anchor="ctr">
-            <a:normAutofit/>
-          </a:bodyPr>
-          <a:lstStyle/>
-          <a:p>
-            <a:pPr>
-              <a:lnSpc>
-                <a:spcPct val="150000"/>
-              </a:lnSpc>
-              <a:spcBef>
-                <a:spcPts val="1200"/>
-              </a:spcBef>
-              <a:spcAft>
-                <a:spcPts val="1200"/>
-              </a:spcAft>
-            </a:pPr>
-            <a:r>
-              <a:rPr lang="en-AU" sz="4800" dirty="0"/>
-              <a:t>Introduction</a:t>
-            </a:r>
-          </a:p>
-          <a:p>
-            <a:pPr>
-              <a:lnSpc>
-                <a:spcPct val="150000"/>
-              </a:lnSpc>
-              <a:spcBef>
-                <a:spcPts val="1200"/>
-              </a:spcBef>
-              <a:spcAft>
-                <a:spcPts val="1200"/>
-              </a:spcAft>
-            </a:pPr>
-            <a:r>
-              <a:rPr lang="en-AU" sz="4800" dirty="0"/>
-              <a:t>Methodology</a:t>
-            </a:r>
-          </a:p>
-          <a:p>
-            <a:pPr>
-              <a:lnSpc>
-                <a:spcPct val="150000"/>
-              </a:lnSpc>
-              <a:spcBef>
-                <a:spcPts val="1200"/>
-              </a:spcBef>
-              <a:spcAft>
-                <a:spcPts val="1200"/>
-              </a:spcAft>
-            </a:pPr>
-            <a:r>
-              <a:rPr lang="en-AU" sz="4800" dirty="0"/>
-              <a:t>An empirical application</a:t>
-            </a:r>
-          </a:p>
-          <a:p>
-            <a:pPr>
-              <a:lnSpc>
-                <a:spcPct val="150000"/>
-              </a:lnSpc>
-              <a:spcBef>
-                <a:spcPts val="1200"/>
-              </a:spcBef>
-              <a:spcAft>
-                <a:spcPts val="1200"/>
-              </a:spcAft>
-            </a:pPr>
-            <a:r>
-              <a:rPr lang="en-AU" sz="4800" dirty="0"/>
-              <a:t>Conclusions</a:t>
-            </a:r>
-          </a:p>
-        </p:txBody>
-      </p:sp>
-      <p:sp>
-        <p:nvSpPr>
-          <p:cNvPr id="4" name="Marcador de pie de página 3">
-            <a:extLst>
-              <a:ext uri="{FF2B5EF4-FFF2-40B4-BE49-F238E27FC236}">
-                <a16:creationId xmlns:a16="http://schemas.microsoft.com/office/drawing/2014/main" id="{5F27C00A-ACDC-4E4A-984A-BDB61556F009}"/>
-              </a:ext>
-            </a:extLst>
-          </p:cNvPr>
-          <p:cNvSpPr>
-            <a:spLocks noGrp="1"/>
-          </p:cNvSpPr>
-          <p:nvPr>
-            <p:ph type="ftr" sz="quarter" idx="11"/>
-          </p:nvPr>
-        </p:nvSpPr>
-        <p:spPr/>
-        <p:txBody>
-          <a:bodyPr/>
-          <a:lstStyle/>
-          <a:p>
-            <a:pPr algn="ctr">
-              <a:lnSpc>
-                <a:spcPct val="150000"/>
-              </a:lnSpc>
-              <a:spcAft>
-                <a:spcPts val="800"/>
-              </a:spcAft>
-            </a:pPr>
-            <a:r>
-              <a:rPr lang="en-US" sz="1800" b="1" kern="100" dirty="0">
-                <a:effectLst/>
-                <a:latin typeface="Times New Roman" panose="02020603050405020304" pitchFamily="18" charset="0"/>
-                <a:ea typeface="Aptos" panose="020B0004020202020204" pitchFamily="34" charset="0"/>
-                <a:cs typeface="Times New Roman" panose="02020603050405020304" pitchFamily="18" charset="0"/>
-              </a:rPr>
-              <a:t>Using sensitivity analysis and visualization techniques to open black box data mining models: a </a:t>
-            </a:r>
-            <a:r>
-              <a:rPr lang="en-US" sz="1800" b="1" kern="100" dirty="0" err="1">
-                <a:effectLst/>
-                <a:latin typeface="Times New Roman" panose="02020603050405020304" pitchFamily="18" charset="0"/>
-                <a:ea typeface="Aptos" panose="020B0004020202020204" pitchFamily="34" charset="0"/>
-                <a:cs typeface="Times New Roman" panose="02020603050405020304" pitchFamily="18" charset="0"/>
-              </a:rPr>
-              <a:t>rminer</a:t>
-            </a:r>
-            <a:r>
-              <a:rPr lang="en-US" sz="1800" b="1" kern="100" dirty="0">
-                <a:effectLst/>
-                <a:latin typeface="Times New Roman" panose="02020603050405020304" pitchFamily="18" charset="0"/>
-                <a:ea typeface="Aptos" panose="020B0004020202020204" pitchFamily="34" charset="0"/>
-                <a:cs typeface="Times New Roman" panose="02020603050405020304" pitchFamily="18" charset="0"/>
-              </a:rPr>
-              <a:t> example</a:t>
-            </a:r>
-            <a:endParaRPr lang="es-ES" sz="1600" kern="100" dirty="0">
-              <a:effectLst/>
-              <a:latin typeface="Times New Roman" panose="02020603050405020304" pitchFamily="18" charset="0"/>
-              <a:ea typeface="Aptos" panose="020B0004020202020204" pitchFamily="34" charset="0"/>
-              <a:cs typeface="Times New Roman" panose="02020603050405020304" pitchFamily="18" charset="0"/>
-            </a:endParaRPr>
-          </a:p>
-        </p:txBody>
-      </p:sp>
-      <p:sp>
-        <p:nvSpPr>
-          <p:cNvPr id="5" name="Marcador de número de diapositiva 4">
-            <a:extLst>
-              <a:ext uri="{FF2B5EF4-FFF2-40B4-BE49-F238E27FC236}">
-                <a16:creationId xmlns:a16="http://schemas.microsoft.com/office/drawing/2014/main" id="{C9FC0917-D875-4A91-9E78-00B68053351E}"/>
-              </a:ext>
-            </a:extLst>
-          </p:cNvPr>
-          <p:cNvSpPr>
-            <a:spLocks noGrp="1"/>
-          </p:cNvSpPr>
-          <p:nvPr>
-            <p:ph type="sldNum" sz="quarter" idx="12"/>
-          </p:nvPr>
-        </p:nvSpPr>
-        <p:spPr/>
-        <p:txBody>
-          <a:bodyPr/>
-          <a:lstStyle/>
-          <a:p>
-            <a:fld id="{DBFF9636-A71C-488A-89F8-02E08556F10C}" type="slidenum">
-              <a:rPr lang="es-ES" smtClean="0"/>
-              <a:pPr/>
-              <a:t>2</a:t>
-            </a:fld>
-            <a:endParaRPr lang="es-ES" dirty="0"/>
-          </a:p>
-        </p:txBody>
-      </p:sp>
-    </p:spTree>
-    <p:extLst>
-      <p:ext uri="{BB962C8B-B14F-4D97-AF65-F5344CB8AC3E}">
-        <p14:creationId xmlns:p14="http://schemas.microsoft.com/office/powerpoint/2010/main" val="392837780"/>
-      </p:ext>
-    </p:extLst>
-  </p:cSld>
-  <p:clrMapOvr>
-    <a:masterClrMapping/>
-  </p:clrMapOvr>
-</p:sld>
-</file>
-
-<file path=ppt/slides/slide20.xml><?xml version="1.0" encoding="utf-8"?>
+<file path=ppt/slides/slide22.xml><?xml version="1.0" encoding="utf-8"?>
 <p:sld xmlns:a="http://schemas.openxmlformats.org/drawingml/2006/main" xmlns:r="http://schemas.openxmlformats.org/officeDocument/2006/relationships" xmlns:p="http://schemas.openxmlformats.org/presentationml/2006/main">
   <p:cSld>
     <p:spTree>
@@ -22969,7 +25261,7 @@
             <a:fld id="{DBFF9636-A71C-488A-89F8-02E08556F10C}" type="slidenum">
               <a:rPr lang="es-ES" smtClean="0"/>
               <a:pPr/>
-              <a:t>20</a:t>
+              <a:t>22</a:t>
             </a:fld>
             <a:endParaRPr lang="es-ES" dirty="0"/>
           </a:p>
@@ -22988,7 +25280,7 @@
 </p:sld>
 </file>
 
-<file path=ppt/slides/slide21.xml><?xml version="1.0" encoding="utf-8"?>
+<file path=ppt/slides/slide23.xml><?xml version="1.0" encoding="utf-8"?>
 <p:sld xmlns:a="http://schemas.openxmlformats.org/drawingml/2006/main" xmlns:r="http://schemas.openxmlformats.org/officeDocument/2006/relationships" xmlns:p="http://schemas.openxmlformats.org/presentationml/2006/main">
   <p:cSld>
     <p:spTree>
@@ -23116,7 +25408,7 @@
             <a:fld id="{DBFF9636-A71C-488A-89F8-02E08556F10C}" type="slidenum">
               <a:rPr lang="es-ES" smtClean="0"/>
               <a:pPr/>
-              <a:t>21</a:t>
+              <a:t>23</a:t>
             </a:fld>
             <a:endParaRPr lang="es-ES" dirty="0"/>
           </a:p>
@@ -23258,7 +25550,7 @@
 </p:sld>
 </file>
 
-<file path=ppt/slides/slide22.xml><?xml version="1.0" encoding="utf-8"?>
+<file path=ppt/slides/slide24.xml><?xml version="1.0" encoding="utf-8"?>
 <p:sld xmlns:a="http://schemas.openxmlformats.org/drawingml/2006/main" xmlns:r="http://schemas.openxmlformats.org/officeDocument/2006/relationships" xmlns:p="http://schemas.openxmlformats.org/presentationml/2006/main">
   <p:cSld>
     <p:spTree>
@@ -23386,7 +25678,7 @@
             <a:fld id="{DBFF9636-A71C-488A-89F8-02E08556F10C}" type="slidenum">
               <a:rPr lang="es-ES" smtClean="0"/>
               <a:pPr/>
-              <a:t>22</a:t>
+              <a:t>24</a:t>
             </a:fld>
             <a:endParaRPr lang="es-ES" dirty="0"/>
           </a:p>
@@ -23885,7 +26177,7 @@
 </p:sld>
 </file>
 
-<file path=ppt/slides/slide23.xml><?xml version="1.0" encoding="utf-8"?>
+<file path=ppt/slides/slide25.xml><?xml version="1.0" encoding="utf-8"?>
 <p:sld xmlns:a="http://schemas.openxmlformats.org/drawingml/2006/main" xmlns:r="http://schemas.openxmlformats.org/officeDocument/2006/relationships" xmlns:p="http://schemas.openxmlformats.org/presentationml/2006/main">
   <p:cSld>
     <p:spTree>
@@ -24013,7 +26305,7 @@
             <a:fld id="{DBFF9636-A71C-488A-89F8-02E08556F10C}" type="slidenum">
               <a:rPr lang="es-ES" smtClean="0"/>
               <a:pPr/>
-              <a:t>23</a:t>
+              <a:t>25</a:t>
             </a:fld>
             <a:endParaRPr lang="es-ES" dirty="0"/>
           </a:p>
@@ -26121,7 +28413,7 @@
 </p:sld>
 </file>
 
-<file path=ppt/slides/slide24.xml><?xml version="1.0" encoding="utf-8"?>
+<file path=ppt/slides/slide26.xml><?xml version="1.0" encoding="utf-8"?>
 <p:sld xmlns:a="http://schemas.openxmlformats.org/drawingml/2006/main" xmlns:r="http://schemas.openxmlformats.org/officeDocument/2006/relationships" xmlns:p="http://schemas.openxmlformats.org/presentationml/2006/main">
   <p:cSld>
     <p:spTree>
@@ -26249,7 +28541,7 @@
             <a:fld id="{DBFF9636-A71C-488A-89F8-02E08556F10C}" type="slidenum">
               <a:rPr lang="es-ES" smtClean="0"/>
               <a:pPr/>
-              <a:t>24</a:t>
+              <a:t>26</a:t>
             </a:fld>
             <a:endParaRPr lang="es-ES" dirty="0"/>
           </a:p>
@@ -26918,7 +29210,7 @@
 </p:sld>
 </file>
 
-<file path=ppt/slides/slide25.xml><?xml version="1.0" encoding="utf-8"?>
+<file path=ppt/slides/slide27.xml><?xml version="1.0" encoding="utf-8"?>
 <p:sld xmlns:a="http://schemas.openxmlformats.org/drawingml/2006/main" xmlns:r="http://schemas.openxmlformats.org/officeDocument/2006/relationships" xmlns:p="http://schemas.openxmlformats.org/presentationml/2006/main">
   <p:cSld>
     <p:spTree>
@@ -27015,7 +29307,7 @@
             <a:fld id="{DBFF9636-A71C-488A-89F8-02E08556F10C}" type="slidenum">
               <a:rPr lang="es-ES" smtClean="0"/>
               <a:pPr/>
-              <a:t>25</a:t>
+              <a:t>27</a:t>
             </a:fld>
             <a:endParaRPr lang="es-ES" dirty="0"/>
           </a:p>
@@ -27086,7 +29378,7 @@
 </p:sld>
 </file>
 
-<file path=ppt/slides/slide26.xml><?xml version="1.0" encoding="utf-8"?>
+<file path=ppt/slides/slide28.xml><?xml version="1.0" encoding="utf-8"?>
 <p:sld xmlns:a="http://schemas.openxmlformats.org/drawingml/2006/main" xmlns:r="http://schemas.openxmlformats.org/officeDocument/2006/relationships" xmlns:p="http://schemas.openxmlformats.org/presentationml/2006/main">
   <p:cSld>
     <p:spTree>
@@ -27155,7 +29447,7 @@
             <a:fld id="{DBFF9636-A71C-488A-89F8-02E08556F10C}" type="slidenum">
               <a:rPr lang="es-ES" smtClean="0"/>
               <a:pPr/>
-              <a:t>26</a:t>
+              <a:t>28</a:t>
             </a:fld>
             <a:endParaRPr lang="es-ES" dirty="0"/>
           </a:p>
@@ -27507,7 +29799,7 @@
 </p:sld>
 </file>
 
-<file path=ppt/slides/slide27.xml><?xml version="1.0" encoding="utf-8"?>
+<file path=ppt/slides/slide29.xml><?xml version="1.0" encoding="utf-8"?>
 <p:sld xmlns:a="http://schemas.openxmlformats.org/drawingml/2006/main" xmlns:r="http://schemas.openxmlformats.org/officeDocument/2006/relationships" xmlns:p="http://schemas.openxmlformats.org/presentationml/2006/main">
   <p:cSld>
     <p:spTree>

--- a/articulo 1 XAI/Apuntes/Sensitivity analysis/Presentación SA.pptx
+++ b/articulo 1 XAI/Apuntes/Sensitivity analysis/Presentación SA.pptx
@@ -5,7 +5,7 @@
     <p:sldMasterId id="2147483660" r:id="rId1"/>
   </p:sldMasterIdLst>
   <p:notesMasterIdLst>
-    <p:notesMasterId r:id="rId31"/>
+    <p:notesMasterId r:id="rId36"/>
   </p:notesMasterIdLst>
   <p:sldIdLst>
     <p:sldId id="303" r:id="rId2"/>
@@ -26,38 +26,43 @@
     <p:sldId id="357" r:id="rId17"/>
     <p:sldId id="358" r:id="rId18"/>
     <p:sldId id="359" r:id="rId19"/>
-    <p:sldId id="353" r:id="rId20"/>
-    <p:sldId id="356" r:id="rId21"/>
-    <p:sldId id="355" r:id="rId22"/>
-    <p:sldId id="306" r:id="rId23"/>
-    <p:sldId id="317" r:id="rId24"/>
-    <p:sldId id="330" r:id="rId25"/>
-    <p:sldId id="343" r:id="rId26"/>
-    <p:sldId id="331" r:id="rId27"/>
-    <p:sldId id="299" r:id="rId28"/>
-    <p:sldId id="300" r:id="rId29"/>
-    <p:sldId id="308" r:id="rId30"/>
+    <p:sldId id="360" r:id="rId20"/>
+    <p:sldId id="361" r:id="rId21"/>
+    <p:sldId id="363" r:id="rId22"/>
+    <p:sldId id="365" r:id="rId23"/>
+    <p:sldId id="366" r:id="rId24"/>
+    <p:sldId id="353" r:id="rId25"/>
+    <p:sldId id="356" r:id="rId26"/>
+    <p:sldId id="355" r:id="rId27"/>
+    <p:sldId id="306" r:id="rId28"/>
+    <p:sldId id="317" r:id="rId29"/>
+    <p:sldId id="330" r:id="rId30"/>
+    <p:sldId id="343" r:id="rId31"/>
+    <p:sldId id="331" r:id="rId32"/>
+    <p:sldId id="299" r:id="rId33"/>
+    <p:sldId id="300" r:id="rId34"/>
+    <p:sldId id="308" r:id="rId35"/>
   </p:sldIdLst>
   <p:sldSz cx="18288000" cy="10288588"/>
   <p:notesSz cx="6858000" cy="9144000"/>
   <p:embeddedFontLst>
     <p:embeddedFont>
       <p:font typeface="Cambria Math" panose="02040503050406030204" pitchFamily="18" charset="0"/>
-      <p:regular r:id="rId32"/>
+      <p:regular r:id="rId37"/>
     </p:embeddedFont>
     <p:embeddedFont>
       <p:font typeface="Candara" panose="020E0502030303020204" pitchFamily="34" charset="0"/>
-      <p:regular r:id="rId33"/>
-      <p:bold r:id="rId34"/>
-      <p:italic r:id="rId35"/>
-      <p:boldItalic r:id="rId36"/>
+      <p:regular r:id="rId38"/>
+      <p:bold r:id="rId39"/>
+      <p:italic r:id="rId40"/>
+      <p:boldItalic r:id="rId41"/>
     </p:embeddedFont>
     <p:embeddedFont>
       <p:font typeface="DIN" panose="020B0604020202020204" charset="0"/>
-      <p:regular r:id="rId37"/>
-      <p:bold r:id="rId38"/>
-      <p:italic r:id="rId39"/>
-      <p:boldItalic r:id="rId40"/>
+      <p:regular r:id="rId42"/>
+      <p:bold r:id="rId43"/>
+      <p:italic r:id="rId44"/>
+      <p:boldItalic r:id="rId45"/>
     </p:embeddedFont>
   </p:embeddedFontLst>
   <p:defaultTextStyle>
@@ -173,7 +178,7 @@
 <file path=ppt/revisionInfo.xml><?xml version="1.0" encoding="utf-8"?>
 <p1510:revInfo xmlns:a="http://schemas.openxmlformats.org/drawingml/2006/main" xmlns:r="http://schemas.openxmlformats.org/officeDocument/2006/relationships" xmlns:p1510="http://schemas.microsoft.com/office/powerpoint/2015/10/main">
   <p1510:revLst>
-    <p1510:client id="{30CCF742-B2BE-461F-9F48-7083068267CA}" v="729" dt="2024-09-30T10:36:30.815"/>
+    <p1510:client id="{30CCF742-B2BE-461F-9F48-7083068267CA}" v="1094" dt="2024-10-01T11:38:17.052"/>
   </p1510:revLst>
 </p1510:revInfo>
 </file>
@@ -291,7 +296,7 @@
   <pc:docChgLst>
     <pc:chgData name="Gonzalez Moyano, Ricardo" userId="5b44e8b1-3a70-41c8-8d8a-36b87a296b66" providerId="ADAL" clId="{30CCF742-B2BE-461F-9F48-7083068267CA}"/>
     <pc:docChg chg="undo custSel addSld delSld modSld sldOrd">
-      <pc:chgData name="Gonzalez Moyano, Ricardo" userId="5b44e8b1-3a70-41c8-8d8a-36b87a296b66" providerId="ADAL" clId="{30CCF742-B2BE-461F-9F48-7083068267CA}" dt="2024-09-30T10:36:31.484" v="2990" actId="20577"/>
+      <pc:chgData name="Gonzalez Moyano, Ricardo" userId="5b44e8b1-3a70-41c8-8d8a-36b87a296b66" providerId="ADAL" clId="{30CCF742-B2BE-461F-9F48-7083068267CA}" dt="2024-10-01T11:46:13.367" v="3970" actId="20577"/>
       <pc:docMkLst>
         <pc:docMk/>
       </pc:docMkLst>
@@ -2141,13 +2146,13 @@
         </pc:sldMkLst>
       </pc:sldChg>
       <pc:sldChg chg="modSp add mod">
-        <pc:chgData name="Gonzalez Moyano, Ricardo" userId="5b44e8b1-3a70-41c8-8d8a-36b87a296b66" providerId="ADAL" clId="{30CCF742-B2BE-461F-9F48-7083068267CA}" dt="2024-09-30T10:36:31.484" v="2990" actId="20577"/>
+        <pc:chgData name="Gonzalez Moyano, Ricardo" userId="5b44e8b1-3a70-41c8-8d8a-36b87a296b66" providerId="ADAL" clId="{30CCF742-B2BE-461F-9F48-7083068267CA}" dt="2024-10-01T11:46:13.367" v="3970" actId="20577"/>
         <pc:sldMkLst>
           <pc:docMk/>
           <pc:sldMk cId="3088146879" sldId="357"/>
         </pc:sldMkLst>
         <pc:spChg chg="mod">
-          <ac:chgData name="Gonzalez Moyano, Ricardo" userId="5b44e8b1-3a70-41c8-8d8a-36b87a296b66" providerId="ADAL" clId="{30CCF742-B2BE-461F-9F48-7083068267CA}" dt="2024-09-30T10:36:31.484" v="2990" actId="20577"/>
+          <ac:chgData name="Gonzalez Moyano, Ricardo" userId="5b44e8b1-3a70-41c8-8d8a-36b87a296b66" providerId="ADAL" clId="{30CCF742-B2BE-461F-9F48-7083068267CA}" dt="2024-10-01T11:46:13.367" v="3970" actId="20577"/>
           <ac:spMkLst>
             <pc:docMk/>
             <pc:sldMk cId="3088146879" sldId="357"/>
@@ -2178,12 +2183,362 @@
           </ac:spMkLst>
         </pc:spChg>
       </pc:sldChg>
+      <pc:sldChg chg="modSp mod">
+        <pc:chgData name="Gonzalez Moyano, Ricardo" userId="5b44e8b1-3a70-41c8-8d8a-36b87a296b66" providerId="ADAL" clId="{30CCF742-B2BE-461F-9F48-7083068267CA}" dt="2024-10-01T07:59:12.018" v="3070"/>
+        <pc:sldMkLst>
+          <pc:docMk/>
+          <pc:sldMk cId="2718312220" sldId="358"/>
+        </pc:sldMkLst>
+        <pc:spChg chg="mod">
+          <ac:chgData name="Gonzalez Moyano, Ricardo" userId="5b44e8b1-3a70-41c8-8d8a-36b87a296b66" providerId="ADAL" clId="{30CCF742-B2BE-461F-9F48-7083068267CA}" dt="2024-10-01T07:59:12.018" v="3070"/>
+          <ac:spMkLst>
+            <pc:docMk/>
+            <pc:sldMk cId="2718312220" sldId="358"/>
+            <ac:spMk id="3" creationId="{4494177C-73C9-19D2-B33F-3A421F270BD1}"/>
+          </ac:spMkLst>
+        </pc:spChg>
+      </pc:sldChg>
       <pc:sldChg chg="add del">
         <pc:chgData name="Gonzalez Moyano, Ricardo" userId="5b44e8b1-3a70-41c8-8d8a-36b87a296b66" providerId="ADAL" clId="{30CCF742-B2BE-461F-9F48-7083068267CA}" dt="2024-09-30T10:35:15.483" v="2930" actId="47"/>
         <pc:sldMkLst>
           <pc:docMk/>
           <pc:sldMk cId="3095779401" sldId="358"/>
         </pc:sldMkLst>
+      </pc:sldChg>
+      <pc:sldChg chg="modSp mod">
+        <pc:chgData name="Gonzalez Moyano, Ricardo" userId="5b44e8b1-3a70-41c8-8d8a-36b87a296b66" providerId="ADAL" clId="{30CCF742-B2BE-461F-9F48-7083068267CA}" dt="2024-10-01T07:50:43.382" v="3008" actId="122"/>
+        <pc:sldMkLst>
+          <pc:docMk/>
+          <pc:sldMk cId="2403433448" sldId="359"/>
+        </pc:sldMkLst>
+        <pc:spChg chg="mod">
+          <ac:chgData name="Gonzalez Moyano, Ricardo" userId="5b44e8b1-3a70-41c8-8d8a-36b87a296b66" providerId="ADAL" clId="{30CCF742-B2BE-461F-9F48-7083068267CA}" dt="2024-10-01T07:50:33.813" v="3007" actId="20577"/>
+          <ac:spMkLst>
+            <pc:docMk/>
+            <pc:sldMk cId="2403433448" sldId="359"/>
+            <ac:spMk id="3" creationId="{4494177C-73C9-19D2-B33F-3A421F270BD1}"/>
+          </ac:spMkLst>
+        </pc:spChg>
+        <pc:graphicFrameChg chg="mod modGraphic">
+          <ac:chgData name="Gonzalez Moyano, Ricardo" userId="5b44e8b1-3a70-41c8-8d8a-36b87a296b66" providerId="ADAL" clId="{30CCF742-B2BE-461F-9F48-7083068267CA}" dt="2024-10-01T07:50:43.382" v="3008" actId="122"/>
+          <ac:graphicFrameMkLst>
+            <pc:docMk/>
+            <pc:sldMk cId="2403433448" sldId="359"/>
+            <ac:graphicFrameMk id="8" creationId="{4A5A667A-8600-BF3F-E1B5-5DE17A9F5BEF}"/>
+          </ac:graphicFrameMkLst>
+        </pc:graphicFrameChg>
+      </pc:sldChg>
+      <pc:sldChg chg="modSp add del mod">
+        <pc:chgData name="Gonzalez Moyano, Ricardo" userId="5b44e8b1-3a70-41c8-8d8a-36b87a296b66" providerId="ADAL" clId="{30CCF742-B2BE-461F-9F48-7083068267CA}" dt="2024-10-01T07:50:53.305" v="3009" actId="47"/>
+        <pc:sldMkLst>
+          <pc:docMk/>
+          <pc:sldMk cId="1761965190" sldId="360"/>
+        </pc:sldMkLst>
+        <pc:spChg chg="mod">
+          <ac:chgData name="Gonzalez Moyano, Ricardo" userId="5b44e8b1-3a70-41c8-8d8a-36b87a296b66" providerId="ADAL" clId="{30CCF742-B2BE-461F-9F48-7083068267CA}" dt="2024-10-01T07:50:07.100" v="2994" actId="20577"/>
+          <ac:spMkLst>
+            <pc:docMk/>
+            <pc:sldMk cId="1761965190" sldId="360"/>
+            <ac:spMk id="3" creationId="{4494177C-73C9-19D2-B33F-3A421F270BD1}"/>
+          </ac:spMkLst>
+        </pc:spChg>
+      </pc:sldChg>
+      <pc:sldChg chg="modSp add mod">
+        <pc:chgData name="Gonzalez Moyano, Ricardo" userId="5b44e8b1-3a70-41c8-8d8a-36b87a296b66" providerId="ADAL" clId="{30CCF742-B2BE-461F-9F48-7083068267CA}" dt="2024-10-01T07:57:43.676" v="3068"/>
+        <pc:sldMkLst>
+          <pc:docMk/>
+          <pc:sldMk cId="3237239099" sldId="360"/>
+        </pc:sldMkLst>
+        <pc:spChg chg="mod">
+          <ac:chgData name="Gonzalez Moyano, Ricardo" userId="5b44e8b1-3a70-41c8-8d8a-36b87a296b66" providerId="ADAL" clId="{30CCF742-B2BE-461F-9F48-7083068267CA}" dt="2024-10-01T07:51:02.385" v="3013" actId="20577"/>
+          <ac:spMkLst>
+            <pc:docMk/>
+            <pc:sldMk cId="3237239099" sldId="360"/>
+            <ac:spMk id="3" creationId="{4494177C-73C9-19D2-B33F-3A421F270BD1}"/>
+          </ac:spMkLst>
+        </pc:spChg>
+        <pc:graphicFrameChg chg="mod modGraphic">
+          <ac:chgData name="Gonzalez Moyano, Ricardo" userId="5b44e8b1-3a70-41c8-8d8a-36b87a296b66" providerId="ADAL" clId="{30CCF742-B2BE-461F-9F48-7083068267CA}" dt="2024-10-01T07:57:43.676" v="3068"/>
+          <ac:graphicFrameMkLst>
+            <pc:docMk/>
+            <pc:sldMk cId="3237239099" sldId="360"/>
+            <ac:graphicFrameMk id="8" creationId="{4A5A667A-8600-BF3F-E1B5-5DE17A9F5BEF}"/>
+          </ac:graphicFrameMkLst>
+        </pc:graphicFrameChg>
+      </pc:sldChg>
+      <pc:sldChg chg="addSp delSp modSp add mod">
+        <pc:chgData name="Gonzalez Moyano, Ricardo" userId="5b44e8b1-3a70-41c8-8d8a-36b87a296b66" providerId="ADAL" clId="{30CCF742-B2BE-461F-9F48-7083068267CA}" dt="2024-10-01T11:25:20.983" v="3754" actId="14100"/>
+        <pc:sldMkLst>
+          <pc:docMk/>
+          <pc:sldMk cId="2904291998" sldId="361"/>
+        </pc:sldMkLst>
+        <pc:spChg chg="del mod">
+          <ac:chgData name="Gonzalez Moyano, Ricardo" userId="5b44e8b1-3a70-41c8-8d8a-36b87a296b66" providerId="ADAL" clId="{30CCF742-B2BE-461F-9F48-7083068267CA}" dt="2024-10-01T09:16:29.680" v="3095"/>
+          <ac:spMkLst>
+            <pc:docMk/>
+            <pc:sldMk cId="2904291998" sldId="361"/>
+            <ac:spMk id="3" creationId="{4494177C-73C9-19D2-B33F-3A421F270BD1}"/>
+          </ac:spMkLst>
+        </pc:spChg>
+        <pc:spChg chg="add del mod">
+          <ac:chgData name="Gonzalez Moyano, Ricardo" userId="5b44e8b1-3a70-41c8-8d8a-36b87a296b66" providerId="ADAL" clId="{30CCF742-B2BE-461F-9F48-7083068267CA}" dt="2024-10-01T09:19:27.481" v="3101"/>
+          <ac:spMkLst>
+            <pc:docMk/>
+            <pc:sldMk cId="2904291998" sldId="361"/>
+            <ac:spMk id="12" creationId="{0A9D8883-4F7A-BAF1-0026-FB2BE30A5232}"/>
+          </ac:spMkLst>
+        </pc:spChg>
+        <pc:spChg chg="add mod">
+          <ac:chgData name="Gonzalez Moyano, Ricardo" userId="5b44e8b1-3a70-41c8-8d8a-36b87a296b66" providerId="ADAL" clId="{30CCF742-B2BE-461F-9F48-7083068267CA}" dt="2024-10-01T09:25:48.144" v="3211" actId="1076"/>
+          <ac:spMkLst>
+            <pc:docMk/>
+            <pc:sldMk cId="2904291998" sldId="361"/>
+            <ac:spMk id="15" creationId="{D6CB94BF-C3DE-B3E9-96CE-31FDC2C8803C}"/>
+          </ac:spMkLst>
+        </pc:spChg>
+        <pc:spChg chg="add mod">
+          <ac:chgData name="Gonzalez Moyano, Ricardo" userId="5b44e8b1-3a70-41c8-8d8a-36b87a296b66" providerId="ADAL" clId="{30CCF742-B2BE-461F-9F48-7083068267CA}" dt="2024-10-01T09:26:58.832" v="3225" actId="1076"/>
+          <ac:spMkLst>
+            <pc:docMk/>
+            <pc:sldMk cId="2904291998" sldId="361"/>
+            <ac:spMk id="16" creationId="{0EC3E581-98D6-3BC0-552F-06798A7EEA0C}"/>
+          </ac:spMkLst>
+        </pc:spChg>
+        <pc:graphicFrameChg chg="del">
+          <ac:chgData name="Gonzalez Moyano, Ricardo" userId="5b44e8b1-3a70-41c8-8d8a-36b87a296b66" providerId="ADAL" clId="{30CCF742-B2BE-461F-9F48-7083068267CA}" dt="2024-10-01T07:59:37.549" v="3087" actId="478"/>
+          <ac:graphicFrameMkLst>
+            <pc:docMk/>
+            <pc:sldMk cId="2904291998" sldId="361"/>
+            <ac:graphicFrameMk id="8" creationId="{4A5A667A-8600-BF3F-E1B5-5DE17A9F5BEF}"/>
+          </ac:graphicFrameMkLst>
+        </pc:graphicFrameChg>
+        <pc:picChg chg="add mod">
+          <ac:chgData name="Gonzalez Moyano, Ricardo" userId="5b44e8b1-3a70-41c8-8d8a-36b87a296b66" providerId="ADAL" clId="{30CCF742-B2BE-461F-9F48-7083068267CA}" dt="2024-10-01T09:19:45.225" v="3108" actId="1076"/>
+          <ac:picMkLst>
+            <pc:docMk/>
+            <pc:sldMk cId="2904291998" sldId="361"/>
+            <ac:picMk id="7" creationId="{97EF0004-17FF-766A-BA21-5E236748219A}"/>
+          </ac:picMkLst>
+        </pc:picChg>
+        <pc:picChg chg="add del mod">
+          <ac:chgData name="Gonzalez Moyano, Ricardo" userId="5b44e8b1-3a70-41c8-8d8a-36b87a296b66" providerId="ADAL" clId="{30CCF742-B2BE-461F-9F48-7083068267CA}" dt="2024-10-01T09:16:50.943" v="3100" actId="478"/>
+          <ac:picMkLst>
+            <pc:docMk/>
+            <pc:sldMk cId="2904291998" sldId="361"/>
+            <ac:picMk id="10" creationId="{3390A62D-70F2-0438-C949-3D6E66B3D27B}"/>
+          </ac:picMkLst>
+        </pc:picChg>
+        <pc:picChg chg="add mod">
+          <ac:chgData name="Gonzalez Moyano, Ricardo" userId="5b44e8b1-3a70-41c8-8d8a-36b87a296b66" providerId="ADAL" clId="{30CCF742-B2BE-461F-9F48-7083068267CA}" dt="2024-10-01T11:25:20.983" v="3754" actId="14100"/>
+          <ac:picMkLst>
+            <pc:docMk/>
+            <pc:sldMk cId="2904291998" sldId="361"/>
+            <ac:picMk id="14" creationId="{D39FE0DE-3BBD-7F5D-5F48-17F9FEA80ACF}"/>
+          </ac:picMkLst>
+        </pc:picChg>
+      </pc:sldChg>
+      <pc:sldChg chg="modSp add del mod ord">
+        <pc:chgData name="Gonzalez Moyano, Ricardo" userId="5b44e8b1-3a70-41c8-8d8a-36b87a296b66" providerId="ADAL" clId="{30CCF742-B2BE-461F-9F48-7083068267CA}" dt="2024-10-01T11:43:19.679" v="3967" actId="2696"/>
+        <pc:sldMkLst>
+          <pc:docMk/>
+          <pc:sldMk cId="1891341040" sldId="362"/>
+        </pc:sldMkLst>
+        <pc:spChg chg="mod">
+          <ac:chgData name="Gonzalez Moyano, Ricardo" userId="5b44e8b1-3a70-41c8-8d8a-36b87a296b66" providerId="ADAL" clId="{30CCF742-B2BE-461F-9F48-7083068267CA}" dt="2024-10-01T09:57:44.472" v="3340" actId="20577"/>
+          <ac:spMkLst>
+            <pc:docMk/>
+            <pc:sldMk cId="1891341040" sldId="362"/>
+            <ac:spMk id="3" creationId="{4494177C-73C9-19D2-B33F-3A421F270BD1}"/>
+          </ac:spMkLst>
+        </pc:spChg>
+        <pc:graphicFrameChg chg="mod modGraphic">
+          <ac:chgData name="Gonzalez Moyano, Ricardo" userId="5b44e8b1-3a70-41c8-8d8a-36b87a296b66" providerId="ADAL" clId="{30CCF742-B2BE-461F-9F48-7083068267CA}" dt="2024-10-01T09:57:17.015" v="3290" actId="1076"/>
+          <ac:graphicFrameMkLst>
+            <pc:docMk/>
+            <pc:sldMk cId="1891341040" sldId="362"/>
+            <ac:graphicFrameMk id="7" creationId="{C855300D-4EC3-A30A-DA28-AEF12564D44C}"/>
+          </ac:graphicFrameMkLst>
+        </pc:graphicFrameChg>
+      </pc:sldChg>
+      <pc:sldChg chg="addSp delSp modSp add mod ord">
+        <pc:chgData name="Gonzalez Moyano, Ricardo" userId="5b44e8b1-3a70-41c8-8d8a-36b87a296b66" providerId="ADAL" clId="{30CCF742-B2BE-461F-9F48-7083068267CA}" dt="2024-10-01T11:17:53.322" v="3751" actId="1076"/>
+        <pc:sldMkLst>
+          <pc:docMk/>
+          <pc:sldMk cId="223763237" sldId="363"/>
+        </pc:sldMkLst>
+        <pc:spChg chg="mod">
+          <ac:chgData name="Gonzalez Moyano, Ricardo" userId="5b44e8b1-3a70-41c8-8d8a-36b87a296b66" providerId="ADAL" clId="{30CCF742-B2BE-461F-9F48-7083068267CA}" dt="2024-10-01T11:07:13.225" v="3624" actId="21"/>
+          <ac:spMkLst>
+            <pc:docMk/>
+            <pc:sldMk cId="223763237" sldId="363"/>
+            <ac:spMk id="3" creationId="{4494177C-73C9-19D2-B33F-3A421F270BD1}"/>
+          </ac:spMkLst>
+        </pc:spChg>
+        <pc:spChg chg="add mod">
+          <ac:chgData name="Gonzalez Moyano, Ricardo" userId="5b44e8b1-3a70-41c8-8d8a-36b87a296b66" providerId="ADAL" clId="{30CCF742-B2BE-461F-9F48-7083068267CA}" dt="2024-10-01T11:15:09.882" v="3722" actId="1076"/>
+          <ac:spMkLst>
+            <pc:docMk/>
+            <pc:sldMk cId="223763237" sldId="363"/>
+            <ac:spMk id="11" creationId="{431C655E-B35E-2EA0-E775-4A607656CEE3}"/>
+          </ac:spMkLst>
+        </pc:spChg>
+        <pc:spChg chg="add">
+          <ac:chgData name="Gonzalez Moyano, Ricardo" userId="5b44e8b1-3a70-41c8-8d8a-36b87a296b66" providerId="ADAL" clId="{30CCF742-B2BE-461F-9F48-7083068267CA}" dt="2024-10-01T11:10:03.124" v="3640"/>
+          <ac:spMkLst>
+            <pc:docMk/>
+            <pc:sldMk cId="223763237" sldId="363"/>
+            <ac:spMk id="12" creationId="{39D822F9-E483-087E-6C55-6911B5983E68}"/>
+          </ac:spMkLst>
+        </pc:spChg>
+        <pc:spChg chg="add">
+          <ac:chgData name="Gonzalez Moyano, Ricardo" userId="5b44e8b1-3a70-41c8-8d8a-36b87a296b66" providerId="ADAL" clId="{30CCF742-B2BE-461F-9F48-7083068267CA}" dt="2024-10-01T11:10:28.952" v="3647"/>
+          <ac:spMkLst>
+            <pc:docMk/>
+            <pc:sldMk cId="223763237" sldId="363"/>
+            <ac:spMk id="13" creationId="{96D6157C-5FB2-E7AB-3DC5-C33EFDE345EB}"/>
+          </ac:spMkLst>
+        </pc:spChg>
+        <pc:graphicFrameChg chg="del mod">
+          <ac:chgData name="Gonzalez Moyano, Ricardo" userId="5b44e8b1-3a70-41c8-8d8a-36b87a296b66" providerId="ADAL" clId="{30CCF742-B2BE-461F-9F48-7083068267CA}" dt="2024-10-01T10:17:38.171" v="3377" actId="478"/>
+          <ac:graphicFrameMkLst>
+            <pc:docMk/>
+            <pc:sldMk cId="223763237" sldId="363"/>
+            <ac:graphicFrameMk id="8" creationId="{4A5A667A-8600-BF3F-E1B5-5DE17A9F5BEF}"/>
+          </ac:graphicFrameMkLst>
+        </pc:graphicFrameChg>
+        <pc:graphicFrameChg chg="add mod modGraphic">
+          <ac:chgData name="Gonzalez Moyano, Ricardo" userId="5b44e8b1-3a70-41c8-8d8a-36b87a296b66" providerId="ADAL" clId="{30CCF742-B2BE-461F-9F48-7083068267CA}" dt="2024-10-01T11:14:07.517" v="3707" actId="20577"/>
+          <ac:graphicFrameMkLst>
+            <pc:docMk/>
+            <pc:sldMk cId="223763237" sldId="363"/>
+            <ac:graphicFrameMk id="9" creationId="{6B44E67A-E71C-40C6-B7FC-226B244CE294}"/>
+          </ac:graphicFrameMkLst>
+        </pc:graphicFrameChg>
+        <pc:graphicFrameChg chg="add del mod modGraphic">
+          <ac:chgData name="Gonzalez Moyano, Ricardo" userId="5b44e8b1-3a70-41c8-8d8a-36b87a296b66" providerId="ADAL" clId="{30CCF742-B2BE-461F-9F48-7083068267CA}" dt="2024-10-01T11:06:46.713" v="3614" actId="3680"/>
+          <ac:graphicFrameMkLst>
+            <pc:docMk/>
+            <pc:sldMk cId="223763237" sldId="363"/>
+            <ac:graphicFrameMk id="10" creationId="{07124755-6CB0-E139-BB7F-627B5B46515B}"/>
+          </ac:graphicFrameMkLst>
+        </pc:graphicFrameChg>
+        <pc:graphicFrameChg chg="add mod modGraphic">
+          <ac:chgData name="Gonzalez Moyano, Ricardo" userId="5b44e8b1-3a70-41c8-8d8a-36b87a296b66" providerId="ADAL" clId="{30CCF742-B2BE-461F-9F48-7083068267CA}" dt="2024-10-01T11:17:53.322" v="3751" actId="1076"/>
+          <ac:graphicFrameMkLst>
+            <pc:docMk/>
+            <pc:sldMk cId="223763237" sldId="363"/>
+            <ac:graphicFrameMk id="14" creationId="{32621A4F-D0D2-554F-8A6B-DD60D1FE578C}"/>
+          </ac:graphicFrameMkLst>
+        </pc:graphicFrameChg>
+        <pc:picChg chg="add mod">
+          <ac:chgData name="Gonzalez Moyano, Ricardo" userId="5b44e8b1-3a70-41c8-8d8a-36b87a296b66" providerId="ADAL" clId="{30CCF742-B2BE-461F-9F48-7083068267CA}" dt="2024-10-01T10:31:21.172" v="3385" actId="1076"/>
+          <ac:picMkLst>
+            <pc:docMk/>
+            <pc:sldMk cId="223763237" sldId="363"/>
+            <ac:picMk id="7" creationId="{5BB63125-B126-81A3-5064-6AE562954323}"/>
+          </ac:picMkLst>
+        </pc:picChg>
+      </pc:sldChg>
+      <pc:sldChg chg="modSp add del">
+        <pc:chgData name="Gonzalez Moyano, Ricardo" userId="5b44e8b1-3a70-41c8-8d8a-36b87a296b66" providerId="ADAL" clId="{30CCF742-B2BE-461F-9F48-7083068267CA}" dt="2024-10-01T10:38:49.222" v="3444" actId="47"/>
+        <pc:sldMkLst>
+          <pc:docMk/>
+          <pc:sldMk cId="1450046107" sldId="364"/>
+        </pc:sldMkLst>
+        <pc:spChg chg="mod">
+          <ac:chgData name="Gonzalez Moyano, Ricardo" userId="5b44e8b1-3a70-41c8-8d8a-36b87a296b66" providerId="ADAL" clId="{30CCF742-B2BE-461F-9F48-7083068267CA}" dt="2024-10-01T10:32:30.654" v="3390" actId="20577"/>
+          <ac:spMkLst>
+            <pc:docMk/>
+            <pc:sldMk cId="1450046107" sldId="364"/>
+            <ac:spMk id="3" creationId="{4494177C-73C9-19D2-B33F-3A421F270BD1}"/>
+          </ac:spMkLst>
+        </pc:spChg>
+      </pc:sldChg>
+      <pc:sldChg chg="addSp delSp modSp add mod">
+        <pc:chgData name="Gonzalez Moyano, Ricardo" userId="5b44e8b1-3a70-41c8-8d8a-36b87a296b66" providerId="ADAL" clId="{30CCF742-B2BE-461F-9F48-7083068267CA}" dt="2024-10-01T11:18:04.285" v="3752"/>
+        <pc:sldMkLst>
+          <pc:docMk/>
+          <pc:sldMk cId="2945297316" sldId="365"/>
+        </pc:sldMkLst>
+        <pc:spChg chg="mod">
+          <ac:chgData name="Gonzalez Moyano, Ricardo" userId="5b44e8b1-3a70-41c8-8d8a-36b87a296b66" providerId="ADAL" clId="{30CCF742-B2BE-461F-9F48-7083068267CA}" dt="2024-10-01T10:38:57.301" v="3447" actId="6549"/>
+          <ac:spMkLst>
+            <pc:docMk/>
+            <pc:sldMk cId="2945297316" sldId="365"/>
+            <ac:spMk id="3" creationId="{4494177C-73C9-19D2-B33F-3A421F270BD1}"/>
+          </ac:spMkLst>
+        </pc:spChg>
+        <pc:spChg chg="add mod">
+          <ac:chgData name="Gonzalez Moyano, Ricardo" userId="5b44e8b1-3a70-41c8-8d8a-36b87a296b66" providerId="ADAL" clId="{30CCF742-B2BE-461F-9F48-7083068267CA}" dt="2024-10-01T11:16:30.651" v="3742" actId="20577"/>
+          <ac:spMkLst>
+            <pc:docMk/>
+            <pc:sldMk cId="2945297316" sldId="365"/>
+            <ac:spMk id="10" creationId="{23B0AA6F-119C-32FF-298A-AAEA0764138E}"/>
+          </ac:spMkLst>
+        </pc:spChg>
+        <pc:graphicFrameChg chg="mod modGraphic">
+          <ac:chgData name="Gonzalez Moyano, Ricardo" userId="5b44e8b1-3a70-41c8-8d8a-36b87a296b66" providerId="ADAL" clId="{30CCF742-B2BE-461F-9F48-7083068267CA}" dt="2024-10-01T11:14:57.861" v="3721" actId="20577"/>
+          <ac:graphicFrameMkLst>
+            <pc:docMk/>
+            <pc:sldMk cId="2945297316" sldId="365"/>
+            <ac:graphicFrameMk id="9" creationId="{6B44E67A-E71C-40C6-B7FC-226B244CE294}"/>
+          </ac:graphicFrameMkLst>
+        </pc:graphicFrameChg>
+        <pc:graphicFrameChg chg="add mod">
+          <ac:chgData name="Gonzalez Moyano, Ricardo" userId="5b44e8b1-3a70-41c8-8d8a-36b87a296b66" providerId="ADAL" clId="{30CCF742-B2BE-461F-9F48-7083068267CA}" dt="2024-10-01T11:18:04.285" v="3752"/>
+          <ac:graphicFrameMkLst>
+            <pc:docMk/>
+            <pc:sldMk cId="2945297316" sldId="365"/>
+            <ac:graphicFrameMk id="11" creationId="{62F3B594-07E0-07E8-0A3C-78B51995FBD0}"/>
+          </ac:graphicFrameMkLst>
+        </pc:graphicFrameChg>
+        <pc:picChg chg="add del mod">
+          <ac:chgData name="Gonzalez Moyano, Ricardo" userId="5b44e8b1-3a70-41c8-8d8a-36b87a296b66" providerId="ADAL" clId="{30CCF742-B2BE-461F-9F48-7083068267CA}" dt="2024-10-01T10:51:26.503" v="3571" actId="478"/>
+          <ac:picMkLst>
+            <pc:docMk/>
+            <pc:sldMk cId="2945297316" sldId="365"/>
+            <ac:picMk id="7" creationId="{5BB63125-B126-81A3-5064-6AE562954323}"/>
+          </ac:picMkLst>
+        </pc:picChg>
+        <pc:picChg chg="add del mod ord">
+          <ac:chgData name="Gonzalez Moyano, Ricardo" userId="5b44e8b1-3a70-41c8-8d8a-36b87a296b66" providerId="ADAL" clId="{30CCF742-B2BE-461F-9F48-7083068267CA}" dt="2024-10-01T10:51:36.223" v="3576" actId="29295"/>
+          <ac:picMkLst>
+            <pc:docMk/>
+            <pc:sldMk cId="2945297316" sldId="365"/>
+            <ac:picMk id="8" creationId="{B657F8C5-7B34-4D1B-2FC4-0F591720A4C7}"/>
+          </ac:picMkLst>
+        </pc:picChg>
+      </pc:sldChg>
+      <pc:sldChg chg="addSp delSp modSp add mod ord">
+        <pc:chgData name="Gonzalez Moyano, Ricardo" userId="5b44e8b1-3a70-41c8-8d8a-36b87a296b66" providerId="ADAL" clId="{30CCF742-B2BE-461F-9F48-7083068267CA}" dt="2024-10-01T11:40:35.843" v="3966" actId="20577"/>
+        <pc:sldMkLst>
+          <pc:docMk/>
+          <pc:sldMk cId="2605537814" sldId="366"/>
+        </pc:sldMkLst>
+        <pc:spChg chg="mod">
+          <ac:chgData name="Gonzalez Moyano, Ricardo" userId="5b44e8b1-3a70-41c8-8d8a-36b87a296b66" providerId="ADAL" clId="{30CCF742-B2BE-461F-9F48-7083068267CA}" dt="2024-10-01T11:39:42.472" v="3946" actId="5793"/>
+          <ac:spMkLst>
+            <pc:docMk/>
+            <pc:sldMk cId="2605537814" sldId="366"/>
+            <ac:spMk id="3" creationId="{4494177C-73C9-19D2-B33F-3A421F270BD1}"/>
+          </ac:spMkLst>
+        </pc:spChg>
+        <pc:graphicFrameChg chg="add mod modGraphic">
+          <ac:chgData name="Gonzalez Moyano, Ricardo" userId="5b44e8b1-3a70-41c8-8d8a-36b87a296b66" providerId="ADAL" clId="{30CCF742-B2BE-461F-9F48-7083068267CA}" dt="2024-10-01T11:40:35.843" v="3966" actId="20577"/>
+          <ac:graphicFrameMkLst>
+            <pc:docMk/>
+            <pc:sldMk cId="2605537814" sldId="366"/>
+            <ac:graphicFrameMk id="6" creationId="{77DF7315-AF9C-3EB1-2542-D71989CD2E2D}"/>
+          </ac:graphicFrameMkLst>
+        </pc:graphicFrameChg>
+        <pc:graphicFrameChg chg="del">
+          <ac:chgData name="Gonzalez Moyano, Ricardo" userId="5b44e8b1-3a70-41c8-8d8a-36b87a296b66" providerId="ADAL" clId="{30CCF742-B2BE-461F-9F48-7083068267CA}" dt="2024-10-01T11:31:21.127" v="3758" actId="478"/>
+          <ac:graphicFrameMkLst>
+            <pc:docMk/>
+            <pc:sldMk cId="2605537814" sldId="366"/>
+            <ac:graphicFrameMk id="7" creationId="{C855300D-4EC3-A30A-DA28-AEF12564D44C}"/>
+          </ac:graphicFrameMkLst>
+        </pc:graphicFrameChg>
       </pc:sldChg>
     </pc:docChg>
   </pc:docChgLst>
@@ -2346,7 +2701,7 @@
           <a:p>
             <a:fld id="{2DB79FB7-5658-4FB3-B98D-B463C580F970}" type="datetimeFigureOut">
               <a:rPr lang="es-ES" smtClean="0"/>
-              <a:t>30/09/2024</a:t>
+              <a:t>01/10/2024</a:t>
             </a:fld>
             <a:endParaRPr lang="es-ES"/>
           </a:p>
@@ -2886,6 +3241,731 @@
           <a:bodyPr/>
           <a:lstStyle/>
           <a:p>
+            <a:pPr marL="0" marR="0" lvl="0" indent="0" algn="l" defTabSz="1371600" rtl="0" eaLnBrk="1" fontAlgn="auto" latinLnBrk="0" hangingPunct="1">
+              <a:lnSpc>
+                <a:spcPct val="100000"/>
+              </a:lnSpc>
+              <a:spcBef>
+                <a:spcPts val="0"/>
+              </a:spcBef>
+              <a:spcAft>
+                <a:spcPts val="0"/>
+              </a:spcAft>
+              <a:buClrTx/>
+              <a:buSzTx/>
+              <a:buFontTx/>
+              <a:buNone/>
+              <a:tabLst/>
+              <a:defRPr/>
+            </a:pPr>
+            <a:r>
+              <a:rPr lang="es-ES" sz="1800" dirty="0">
+                <a:effectLst/>
+                <a:latin typeface="Calibri" panose="020F0502020204030204" pitchFamily="34" charset="0"/>
+                <a:ea typeface="Calibri" panose="020F0502020204030204" pitchFamily="34" charset="0"/>
+                <a:cs typeface="Times New Roman" panose="02020603050405020304" pitchFamily="18" charset="0"/>
+              </a:rPr>
+              <a:t>En este caso, como hemos dicho, se escoge EAT como modelo, también limitando el número de nodos hoja como se hacía con CART. En este caso, como función de pérdidas se escoge el MSE y, de este modo, al sustituir la función de perdidas en la fórmula de los </a:t>
+            </a:r>
+            <a:r>
+              <a:rPr lang="es-ES" sz="1800" dirty="0" err="1">
+                <a:effectLst/>
+                <a:latin typeface="Calibri" panose="020F0502020204030204" pitchFamily="34" charset="0"/>
+                <a:ea typeface="Calibri" panose="020F0502020204030204" pitchFamily="34" charset="0"/>
+                <a:cs typeface="Times New Roman" panose="02020603050405020304" pitchFamily="18" charset="0"/>
+              </a:rPr>
+              <a:t>pseudo-residuos</a:t>
+            </a:r>
+            <a:r>
+              <a:rPr lang="es-ES" sz="1800" dirty="0">
+                <a:effectLst/>
+                <a:latin typeface="Calibri" panose="020F0502020204030204" pitchFamily="34" charset="0"/>
+                <a:ea typeface="Calibri" panose="020F0502020204030204" pitchFamily="34" charset="0"/>
+                <a:cs typeface="Times New Roman" panose="02020603050405020304" pitchFamily="18" charset="0"/>
+              </a:rPr>
+              <a:t> nos queda que estos son la diferencia entre el valor real y el valor observado. Es importante darse cuenta de que como la función de perdidas va a envolver los datos por arriba, la predicción siempre será mayor o igual que el valor real, por lo que los valores de </a:t>
+            </a:r>
+            <a:r>
+              <a:rPr lang="es-ES" sz="1800" dirty="0" err="1">
+                <a:effectLst/>
+                <a:latin typeface="Calibri" panose="020F0502020204030204" pitchFamily="34" charset="0"/>
+                <a:ea typeface="Calibri" panose="020F0502020204030204" pitchFamily="34" charset="0"/>
+                <a:cs typeface="Times New Roman" panose="02020603050405020304" pitchFamily="18" charset="0"/>
+              </a:rPr>
+              <a:t>pseudo-residuos</a:t>
+            </a:r>
+            <a:r>
+              <a:rPr lang="es-ES" sz="1800" dirty="0">
+                <a:effectLst/>
+                <a:latin typeface="Calibri" panose="020F0502020204030204" pitchFamily="34" charset="0"/>
+                <a:ea typeface="Calibri" panose="020F0502020204030204" pitchFamily="34" charset="0"/>
+                <a:cs typeface="Times New Roman" panose="02020603050405020304" pitchFamily="18" charset="0"/>
+              </a:rPr>
+              <a:t> siempre serán negativos o cero. </a:t>
+            </a:r>
+          </a:p>
+        </p:txBody>
+      </p:sp>
+      <p:sp>
+        <p:nvSpPr>
+          <p:cNvPr id="4" name="Marcador de número de diapositiva 3"/>
+          <p:cNvSpPr>
+            <a:spLocks noGrp="1"/>
+          </p:cNvSpPr>
+          <p:nvPr>
+            <p:ph type="sldNum" sz="quarter" idx="5"/>
+          </p:nvPr>
+        </p:nvSpPr>
+        <p:spPr/>
+        <p:txBody>
+          <a:bodyPr/>
+          <a:lstStyle/>
+          <a:p>
+            <a:fld id="{CA6CDE8D-5C8C-4CEB-8086-70F298F6BBD0}" type="slidenum">
+              <a:rPr lang="es-ES" smtClean="0"/>
+              <a:t>19</a:t>
+            </a:fld>
+            <a:endParaRPr lang="es-ES"/>
+          </a:p>
+        </p:txBody>
+      </p:sp>
+    </p:spTree>
+    <p:extLst>
+      <p:ext uri="{BB962C8B-B14F-4D97-AF65-F5344CB8AC3E}">
+        <p14:creationId xmlns:p14="http://schemas.microsoft.com/office/powerpoint/2010/main" val="534820087"/>
+      </p:ext>
+    </p:extLst>
+  </p:cSld>
+  <p:clrMapOvr>
+    <a:masterClrMapping/>
+  </p:clrMapOvr>
+</p:notes>
+</file>
+
+<file path=ppt/notesSlides/notesSlide12.xml><?xml version="1.0" encoding="utf-8"?>
+<p:notes xmlns:a="http://schemas.openxmlformats.org/drawingml/2006/main" xmlns:r="http://schemas.openxmlformats.org/officeDocument/2006/relationships" xmlns:p="http://schemas.openxmlformats.org/presentationml/2006/main">
+  <p:cSld>
+    <p:spTree>
+      <p:nvGrpSpPr>
+        <p:cNvPr id="1" name=""/>
+        <p:cNvGrpSpPr/>
+        <p:nvPr/>
+      </p:nvGrpSpPr>
+      <p:grpSpPr>
+        <a:xfrm>
+          <a:off x="0" y="0"/>
+          <a:ext cx="0" cy="0"/>
+          <a:chOff x="0" y="0"/>
+          <a:chExt cx="0" cy="0"/>
+        </a:xfrm>
+      </p:grpSpPr>
+      <p:sp>
+        <p:nvSpPr>
+          <p:cNvPr id="2" name="Marcador de imagen de diapositiva 1"/>
+          <p:cNvSpPr>
+            <a:spLocks noGrp="1" noRot="1" noChangeAspect="1"/>
+          </p:cNvSpPr>
+          <p:nvPr>
+            <p:ph type="sldImg"/>
+          </p:nvPr>
+        </p:nvSpPr>
+        <p:spPr/>
+      </p:sp>
+      <p:sp>
+        <p:nvSpPr>
+          <p:cNvPr id="3" name="Marcador de notas 2"/>
+          <p:cNvSpPr>
+            <a:spLocks noGrp="1"/>
+          </p:cNvSpPr>
+          <p:nvPr>
+            <p:ph type="body" idx="1"/>
+          </p:nvPr>
+        </p:nvSpPr>
+        <p:spPr/>
+        <p:txBody>
+          <a:bodyPr/>
+          <a:lstStyle/>
+          <a:p>
+            <a:pPr marL="0" marR="0" lvl="0" indent="0" algn="l" defTabSz="1371600" rtl="0" eaLnBrk="1" fontAlgn="auto" latinLnBrk="0" hangingPunct="1">
+              <a:lnSpc>
+                <a:spcPct val="100000"/>
+              </a:lnSpc>
+              <a:spcBef>
+                <a:spcPts val="0"/>
+              </a:spcBef>
+              <a:spcAft>
+                <a:spcPts val="0"/>
+              </a:spcAft>
+              <a:buClrTx/>
+              <a:buSzTx/>
+              <a:buFontTx/>
+              <a:buNone/>
+              <a:tabLst/>
+              <a:defRPr/>
+            </a:pPr>
+            <a:r>
+              <a:rPr lang="es-ES" sz="1800" dirty="0">
+                <a:effectLst/>
+                <a:latin typeface="Calibri" panose="020F0502020204030204" pitchFamily="34" charset="0"/>
+                <a:ea typeface="Calibri" panose="020F0502020204030204" pitchFamily="34" charset="0"/>
+                <a:cs typeface="Times New Roman" panose="02020603050405020304" pitchFamily="18" charset="0"/>
+              </a:rPr>
+              <a:t>En este caso, como hemos dicho, se escoge EAT como modelo, también limitando el número de nodos hoja como se hacía con CART. En este caso, como función de pérdidas se escoge el MSE y, de este modo, al sustituir la función de perdidas en la fórmula de los </a:t>
+            </a:r>
+            <a:r>
+              <a:rPr lang="es-ES" sz="1800" dirty="0" err="1">
+                <a:effectLst/>
+                <a:latin typeface="Calibri" panose="020F0502020204030204" pitchFamily="34" charset="0"/>
+                <a:ea typeface="Calibri" panose="020F0502020204030204" pitchFamily="34" charset="0"/>
+                <a:cs typeface="Times New Roman" panose="02020603050405020304" pitchFamily="18" charset="0"/>
+              </a:rPr>
+              <a:t>pseudo-residuos</a:t>
+            </a:r>
+            <a:r>
+              <a:rPr lang="es-ES" sz="1800" dirty="0">
+                <a:effectLst/>
+                <a:latin typeface="Calibri" panose="020F0502020204030204" pitchFamily="34" charset="0"/>
+                <a:ea typeface="Calibri" panose="020F0502020204030204" pitchFamily="34" charset="0"/>
+                <a:cs typeface="Times New Roman" panose="02020603050405020304" pitchFamily="18" charset="0"/>
+              </a:rPr>
+              <a:t> nos queda que estos son la diferencia entre el valor real y el valor observado. Es importante darse cuenta de que como la función de perdidas va a envolver los datos por arriba, la predicción siempre será mayor o igual que el valor real, por lo que los valores de </a:t>
+            </a:r>
+            <a:r>
+              <a:rPr lang="es-ES" sz="1800" dirty="0" err="1">
+                <a:effectLst/>
+                <a:latin typeface="Calibri" panose="020F0502020204030204" pitchFamily="34" charset="0"/>
+                <a:ea typeface="Calibri" panose="020F0502020204030204" pitchFamily="34" charset="0"/>
+                <a:cs typeface="Times New Roman" panose="02020603050405020304" pitchFamily="18" charset="0"/>
+              </a:rPr>
+              <a:t>pseudo-residuos</a:t>
+            </a:r>
+            <a:r>
+              <a:rPr lang="es-ES" sz="1800" dirty="0">
+                <a:effectLst/>
+                <a:latin typeface="Calibri" panose="020F0502020204030204" pitchFamily="34" charset="0"/>
+                <a:ea typeface="Calibri" panose="020F0502020204030204" pitchFamily="34" charset="0"/>
+                <a:cs typeface="Times New Roman" panose="02020603050405020304" pitchFamily="18" charset="0"/>
+              </a:rPr>
+              <a:t> siempre serán negativos o cero. </a:t>
+            </a:r>
+          </a:p>
+        </p:txBody>
+      </p:sp>
+      <p:sp>
+        <p:nvSpPr>
+          <p:cNvPr id="4" name="Marcador de número de diapositiva 3"/>
+          <p:cNvSpPr>
+            <a:spLocks noGrp="1"/>
+          </p:cNvSpPr>
+          <p:nvPr>
+            <p:ph type="sldNum" sz="quarter" idx="5"/>
+          </p:nvPr>
+        </p:nvSpPr>
+        <p:spPr/>
+        <p:txBody>
+          <a:bodyPr/>
+          <a:lstStyle/>
+          <a:p>
+            <a:fld id="{CA6CDE8D-5C8C-4CEB-8086-70F298F6BBD0}" type="slidenum">
+              <a:rPr lang="es-ES" smtClean="0"/>
+              <a:t>20</a:t>
+            </a:fld>
+            <a:endParaRPr lang="es-ES"/>
+          </a:p>
+        </p:txBody>
+      </p:sp>
+    </p:spTree>
+    <p:extLst>
+      <p:ext uri="{BB962C8B-B14F-4D97-AF65-F5344CB8AC3E}">
+        <p14:creationId xmlns:p14="http://schemas.microsoft.com/office/powerpoint/2010/main" val="2425041506"/>
+      </p:ext>
+    </p:extLst>
+  </p:cSld>
+  <p:clrMapOvr>
+    <a:masterClrMapping/>
+  </p:clrMapOvr>
+</p:notes>
+</file>
+
+<file path=ppt/notesSlides/notesSlide13.xml><?xml version="1.0" encoding="utf-8"?>
+<p:notes xmlns:a="http://schemas.openxmlformats.org/drawingml/2006/main" xmlns:r="http://schemas.openxmlformats.org/officeDocument/2006/relationships" xmlns:p="http://schemas.openxmlformats.org/presentationml/2006/main">
+  <p:cSld>
+    <p:spTree>
+      <p:nvGrpSpPr>
+        <p:cNvPr id="1" name=""/>
+        <p:cNvGrpSpPr/>
+        <p:nvPr/>
+      </p:nvGrpSpPr>
+      <p:grpSpPr>
+        <a:xfrm>
+          <a:off x="0" y="0"/>
+          <a:ext cx="0" cy="0"/>
+          <a:chOff x="0" y="0"/>
+          <a:chExt cx="0" cy="0"/>
+        </a:xfrm>
+      </p:grpSpPr>
+      <p:sp>
+        <p:nvSpPr>
+          <p:cNvPr id="2" name="Marcador de imagen de diapositiva 1"/>
+          <p:cNvSpPr>
+            <a:spLocks noGrp="1" noRot="1" noChangeAspect="1"/>
+          </p:cNvSpPr>
+          <p:nvPr>
+            <p:ph type="sldImg"/>
+          </p:nvPr>
+        </p:nvSpPr>
+        <p:spPr/>
+      </p:sp>
+      <p:sp>
+        <p:nvSpPr>
+          <p:cNvPr id="3" name="Marcador de notas 2"/>
+          <p:cNvSpPr>
+            <a:spLocks noGrp="1"/>
+          </p:cNvSpPr>
+          <p:nvPr>
+            <p:ph type="body" idx="1"/>
+          </p:nvPr>
+        </p:nvSpPr>
+        <p:spPr/>
+        <p:txBody>
+          <a:bodyPr/>
+          <a:lstStyle/>
+          <a:p>
+            <a:pPr marL="0" marR="0" lvl="0" indent="0" algn="l" defTabSz="1371600" rtl="0" eaLnBrk="1" fontAlgn="auto" latinLnBrk="0" hangingPunct="1">
+              <a:lnSpc>
+                <a:spcPct val="100000"/>
+              </a:lnSpc>
+              <a:spcBef>
+                <a:spcPts val="0"/>
+              </a:spcBef>
+              <a:spcAft>
+                <a:spcPts val="0"/>
+              </a:spcAft>
+              <a:buClrTx/>
+              <a:buSzTx/>
+              <a:buFontTx/>
+              <a:buNone/>
+              <a:tabLst/>
+              <a:defRPr/>
+            </a:pPr>
+            <a:r>
+              <a:rPr lang="es-ES" sz="1800" dirty="0">
+                <a:effectLst/>
+                <a:latin typeface="Calibri" panose="020F0502020204030204" pitchFamily="34" charset="0"/>
+                <a:ea typeface="Calibri" panose="020F0502020204030204" pitchFamily="34" charset="0"/>
+                <a:cs typeface="Times New Roman" panose="02020603050405020304" pitchFamily="18" charset="0"/>
+              </a:rPr>
+              <a:t>En este caso, como hemos dicho, se escoge EAT como modelo, también limitando el número de nodos hoja como se hacía con CART. En este caso, como función de pérdidas se escoge el MSE y, de este modo, al sustituir la función de perdidas en la fórmula de los </a:t>
+            </a:r>
+            <a:r>
+              <a:rPr lang="es-ES" sz="1800" dirty="0" err="1">
+                <a:effectLst/>
+                <a:latin typeface="Calibri" panose="020F0502020204030204" pitchFamily="34" charset="0"/>
+                <a:ea typeface="Calibri" panose="020F0502020204030204" pitchFamily="34" charset="0"/>
+                <a:cs typeface="Times New Roman" panose="02020603050405020304" pitchFamily="18" charset="0"/>
+              </a:rPr>
+              <a:t>pseudo-residuos</a:t>
+            </a:r>
+            <a:r>
+              <a:rPr lang="es-ES" sz="1800" dirty="0">
+                <a:effectLst/>
+                <a:latin typeface="Calibri" panose="020F0502020204030204" pitchFamily="34" charset="0"/>
+                <a:ea typeface="Calibri" panose="020F0502020204030204" pitchFamily="34" charset="0"/>
+                <a:cs typeface="Times New Roman" panose="02020603050405020304" pitchFamily="18" charset="0"/>
+              </a:rPr>
+              <a:t> nos queda que estos son la diferencia entre el valor real y el valor observado. Es importante darse cuenta de que como la función de perdidas va a envolver los datos por arriba, la predicción siempre será mayor o igual que el valor real, por lo que los valores de </a:t>
+            </a:r>
+            <a:r>
+              <a:rPr lang="es-ES" sz="1800" dirty="0" err="1">
+                <a:effectLst/>
+                <a:latin typeface="Calibri" panose="020F0502020204030204" pitchFamily="34" charset="0"/>
+                <a:ea typeface="Calibri" panose="020F0502020204030204" pitchFamily="34" charset="0"/>
+                <a:cs typeface="Times New Roman" panose="02020603050405020304" pitchFamily="18" charset="0"/>
+              </a:rPr>
+              <a:t>pseudo-residuos</a:t>
+            </a:r>
+            <a:r>
+              <a:rPr lang="es-ES" sz="1800" dirty="0">
+                <a:effectLst/>
+                <a:latin typeface="Calibri" panose="020F0502020204030204" pitchFamily="34" charset="0"/>
+                <a:ea typeface="Calibri" panose="020F0502020204030204" pitchFamily="34" charset="0"/>
+                <a:cs typeface="Times New Roman" panose="02020603050405020304" pitchFamily="18" charset="0"/>
+              </a:rPr>
+              <a:t> siempre serán negativos o cero. </a:t>
+            </a:r>
+          </a:p>
+        </p:txBody>
+      </p:sp>
+      <p:sp>
+        <p:nvSpPr>
+          <p:cNvPr id="4" name="Marcador de número de diapositiva 3"/>
+          <p:cNvSpPr>
+            <a:spLocks noGrp="1"/>
+          </p:cNvSpPr>
+          <p:nvPr>
+            <p:ph type="sldNum" sz="quarter" idx="5"/>
+          </p:nvPr>
+        </p:nvSpPr>
+        <p:spPr/>
+        <p:txBody>
+          <a:bodyPr/>
+          <a:lstStyle/>
+          <a:p>
+            <a:fld id="{CA6CDE8D-5C8C-4CEB-8086-70F298F6BBD0}" type="slidenum">
+              <a:rPr lang="es-ES" smtClean="0"/>
+              <a:t>21</a:t>
+            </a:fld>
+            <a:endParaRPr lang="es-ES"/>
+          </a:p>
+        </p:txBody>
+      </p:sp>
+    </p:spTree>
+    <p:extLst>
+      <p:ext uri="{BB962C8B-B14F-4D97-AF65-F5344CB8AC3E}">
+        <p14:creationId xmlns:p14="http://schemas.microsoft.com/office/powerpoint/2010/main" val="2051304369"/>
+      </p:ext>
+    </p:extLst>
+  </p:cSld>
+  <p:clrMapOvr>
+    <a:masterClrMapping/>
+  </p:clrMapOvr>
+</p:notes>
+</file>
+
+<file path=ppt/notesSlides/notesSlide14.xml><?xml version="1.0" encoding="utf-8"?>
+<p:notes xmlns:a="http://schemas.openxmlformats.org/drawingml/2006/main" xmlns:r="http://schemas.openxmlformats.org/officeDocument/2006/relationships" xmlns:p="http://schemas.openxmlformats.org/presentationml/2006/main">
+  <p:cSld>
+    <p:spTree>
+      <p:nvGrpSpPr>
+        <p:cNvPr id="1" name=""/>
+        <p:cNvGrpSpPr/>
+        <p:nvPr/>
+      </p:nvGrpSpPr>
+      <p:grpSpPr>
+        <a:xfrm>
+          <a:off x="0" y="0"/>
+          <a:ext cx="0" cy="0"/>
+          <a:chOff x="0" y="0"/>
+          <a:chExt cx="0" cy="0"/>
+        </a:xfrm>
+      </p:grpSpPr>
+      <p:sp>
+        <p:nvSpPr>
+          <p:cNvPr id="2" name="Marcador de imagen de diapositiva 1"/>
+          <p:cNvSpPr>
+            <a:spLocks noGrp="1" noRot="1" noChangeAspect="1"/>
+          </p:cNvSpPr>
+          <p:nvPr>
+            <p:ph type="sldImg"/>
+          </p:nvPr>
+        </p:nvSpPr>
+        <p:spPr/>
+      </p:sp>
+      <p:sp>
+        <p:nvSpPr>
+          <p:cNvPr id="3" name="Marcador de notas 2"/>
+          <p:cNvSpPr>
+            <a:spLocks noGrp="1"/>
+          </p:cNvSpPr>
+          <p:nvPr>
+            <p:ph type="body" idx="1"/>
+          </p:nvPr>
+        </p:nvSpPr>
+        <p:spPr/>
+        <p:txBody>
+          <a:bodyPr/>
+          <a:lstStyle/>
+          <a:p>
+            <a:pPr marL="0" marR="0" lvl="0" indent="0" algn="l" defTabSz="1371600" rtl="0" eaLnBrk="1" fontAlgn="auto" latinLnBrk="0" hangingPunct="1">
+              <a:lnSpc>
+                <a:spcPct val="100000"/>
+              </a:lnSpc>
+              <a:spcBef>
+                <a:spcPts val="0"/>
+              </a:spcBef>
+              <a:spcAft>
+                <a:spcPts val="0"/>
+              </a:spcAft>
+              <a:buClrTx/>
+              <a:buSzTx/>
+              <a:buFontTx/>
+              <a:buNone/>
+              <a:tabLst/>
+              <a:defRPr/>
+            </a:pPr>
+            <a:r>
+              <a:rPr lang="es-ES" sz="1800" dirty="0">
+                <a:effectLst/>
+                <a:latin typeface="Calibri" panose="020F0502020204030204" pitchFamily="34" charset="0"/>
+                <a:ea typeface="Calibri" panose="020F0502020204030204" pitchFamily="34" charset="0"/>
+                <a:cs typeface="Times New Roman" panose="02020603050405020304" pitchFamily="18" charset="0"/>
+              </a:rPr>
+              <a:t>En este caso, como hemos dicho, se escoge EAT como modelo, también limitando el número de nodos hoja como se hacía con CART. En este caso, como función de pérdidas se escoge el MSE y, de este modo, al sustituir la función de perdidas en la fórmula de los </a:t>
+            </a:r>
+            <a:r>
+              <a:rPr lang="es-ES" sz="1800" dirty="0" err="1">
+                <a:effectLst/>
+                <a:latin typeface="Calibri" panose="020F0502020204030204" pitchFamily="34" charset="0"/>
+                <a:ea typeface="Calibri" panose="020F0502020204030204" pitchFamily="34" charset="0"/>
+                <a:cs typeface="Times New Roman" panose="02020603050405020304" pitchFamily="18" charset="0"/>
+              </a:rPr>
+              <a:t>pseudo-residuos</a:t>
+            </a:r>
+            <a:r>
+              <a:rPr lang="es-ES" sz="1800" dirty="0">
+                <a:effectLst/>
+                <a:latin typeface="Calibri" panose="020F0502020204030204" pitchFamily="34" charset="0"/>
+                <a:ea typeface="Calibri" panose="020F0502020204030204" pitchFamily="34" charset="0"/>
+                <a:cs typeface="Times New Roman" panose="02020603050405020304" pitchFamily="18" charset="0"/>
+              </a:rPr>
+              <a:t> nos queda que estos son la diferencia entre el valor real y el valor observado. Es importante darse cuenta de que como la función de perdidas va a envolver los datos por arriba, la predicción siempre será mayor o igual que el valor real, por lo que los valores de </a:t>
+            </a:r>
+            <a:r>
+              <a:rPr lang="es-ES" sz="1800" dirty="0" err="1">
+                <a:effectLst/>
+                <a:latin typeface="Calibri" panose="020F0502020204030204" pitchFamily="34" charset="0"/>
+                <a:ea typeface="Calibri" panose="020F0502020204030204" pitchFamily="34" charset="0"/>
+                <a:cs typeface="Times New Roman" panose="02020603050405020304" pitchFamily="18" charset="0"/>
+              </a:rPr>
+              <a:t>pseudo-residuos</a:t>
+            </a:r>
+            <a:r>
+              <a:rPr lang="es-ES" sz="1800" dirty="0">
+                <a:effectLst/>
+                <a:latin typeface="Calibri" panose="020F0502020204030204" pitchFamily="34" charset="0"/>
+                <a:ea typeface="Calibri" panose="020F0502020204030204" pitchFamily="34" charset="0"/>
+                <a:cs typeface="Times New Roman" panose="02020603050405020304" pitchFamily="18" charset="0"/>
+              </a:rPr>
+              <a:t> siempre serán negativos o cero. </a:t>
+            </a:r>
+          </a:p>
+        </p:txBody>
+      </p:sp>
+      <p:sp>
+        <p:nvSpPr>
+          <p:cNvPr id="4" name="Marcador de número de diapositiva 3"/>
+          <p:cNvSpPr>
+            <a:spLocks noGrp="1"/>
+          </p:cNvSpPr>
+          <p:nvPr>
+            <p:ph type="sldNum" sz="quarter" idx="5"/>
+          </p:nvPr>
+        </p:nvSpPr>
+        <p:spPr/>
+        <p:txBody>
+          <a:bodyPr/>
+          <a:lstStyle/>
+          <a:p>
+            <a:fld id="{CA6CDE8D-5C8C-4CEB-8086-70F298F6BBD0}" type="slidenum">
+              <a:rPr lang="es-ES" smtClean="0"/>
+              <a:t>22</a:t>
+            </a:fld>
+            <a:endParaRPr lang="es-ES"/>
+          </a:p>
+        </p:txBody>
+      </p:sp>
+    </p:spTree>
+    <p:extLst>
+      <p:ext uri="{BB962C8B-B14F-4D97-AF65-F5344CB8AC3E}">
+        <p14:creationId xmlns:p14="http://schemas.microsoft.com/office/powerpoint/2010/main" val="1512319718"/>
+      </p:ext>
+    </p:extLst>
+  </p:cSld>
+  <p:clrMapOvr>
+    <a:masterClrMapping/>
+  </p:clrMapOvr>
+</p:notes>
+</file>
+
+<file path=ppt/notesSlides/notesSlide15.xml><?xml version="1.0" encoding="utf-8"?>
+<p:notes xmlns:a="http://schemas.openxmlformats.org/drawingml/2006/main" xmlns:r="http://schemas.openxmlformats.org/officeDocument/2006/relationships" xmlns:p="http://schemas.openxmlformats.org/presentationml/2006/main">
+  <p:cSld>
+    <p:spTree>
+      <p:nvGrpSpPr>
+        <p:cNvPr id="1" name=""/>
+        <p:cNvGrpSpPr/>
+        <p:nvPr/>
+      </p:nvGrpSpPr>
+      <p:grpSpPr>
+        <a:xfrm>
+          <a:off x="0" y="0"/>
+          <a:ext cx="0" cy="0"/>
+          <a:chOff x="0" y="0"/>
+          <a:chExt cx="0" cy="0"/>
+        </a:xfrm>
+      </p:grpSpPr>
+      <p:sp>
+        <p:nvSpPr>
+          <p:cNvPr id="2" name="Marcador de imagen de diapositiva 1"/>
+          <p:cNvSpPr>
+            <a:spLocks noGrp="1" noRot="1" noChangeAspect="1"/>
+          </p:cNvSpPr>
+          <p:nvPr>
+            <p:ph type="sldImg"/>
+          </p:nvPr>
+        </p:nvSpPr>
+        <p:spPr/>
+      </p:sp>
+      <p:sp>
+        <p:nvSpPr>
+          <p:cNvPr id="3" name="Marcador de notas 2"/>
+          <p:cNvSpPr>
+            <a:spLocks noGrp="1"/>
+          </p:cNvSpPr>
+          <p:nvPr>
+            <p:ph type="body" idx="1"/>
+          </p:nvPr>
+        </p:nvSpPr>
+        <p:spPr/>
+        <p:txBody>
+          <a:bodyPr/>
+          <a:lstStyle/>
+          <a:p>
+            <a:pPr marL="0" marR="0" lvl="0" indent="0" algn="l" defTabSz="1371600" rtl="0" eaLnBrk="1" fontAlgn="auto" latinLnBrk="0" hangingPunct="1">
+              <a:lnSpc>
+                <a:spcPct val="100000"/>
+              </a:lnSpc>
+              <a:spcBef>
+                <a:spcPts val="0"/>
+              </a:spcBef>
+              <a:spcAft>
+                <a:spcPts val="0"/>
+              </a:spcAft>
+              <a:buClrTx/>
+              <a:buSzTx/>
+              <a:buFontTx/>
+              <a:buNone/>
+              <a:tabLst/>
+              <a:defRPr/>
+            </a:pPr>
+            <a:r>
+              <a:rPr lang="es-ES" sz="1800" dirty="0">
+                <a:effectLst/>
+                <a:latin typeface="Calibri" panose="020F0502020204030204" pitchFamily="34" charset="0"/>
+                <a:ea typeface="Calibri" panose="020F0502020204030204" pitchFamily="34" charset="0"/>
+                <a:cs typeface="Times New Roman" panose="02020603050405020304" pitchFamily="18" charset="0"/>
+              </a:rPr>
+              <a:t>En este caso, como hemos dicho, se escoge EAT como modelo, también limitando el número de nodos hoja como se hacía con CART. En este caso, como función de pérdidas se escoge el MSE y, de este modo, al sustituir la función de perdidas en la fórmula de los </a:t>
+            </a:r>
+            <a:r>
+              <a:rPr lang="es-ES" sz="1800" dirty="0" err="1">
+                <a:effectLst/>
+                <a:latin typeface="Calibri" panose="020F0502020204030204" pitchFamily="34" charset="0"/>
+                <a:ea typeface="Calibri" panose="020F0502020204030204" pitchFamily="34" charset="0"/>
+                <a:cs typeface="Times New Roman" panose="02020603050405020304" pitchFamily="18" charset="0"/>
+              </a:rPr>
+              <a:t>pseudo-residuos</a:t>
+            </a:r>
+            <a:r>
+              <a:rPr lang="es-ES" sz="1800" dirty="0">
+                <a:effectLst/>
+                <a:latin typeface="Calibri" panose="020F0502020204030204" pitchFamily="34" charset="0"/>
+                <a:ea typeface="Calibri" panose="020F0502020204030204" pitchFamily="34" charset="0"/>
+                <a:cs typeface="Times New Roman" panose="02020603050405020304" pitchFamily="18" charset="0"/>
+              </a:rPr>
+              <a:t> nos queda que estos son la diferencia entre el valor real y el valor observado. Es importante darse cuenta de que como la función de perdidas va a envolver los datos por arriba, la predicción siempre será mayor o igual que el valor real, por lo que los valores de </a:t>
+            </a:r>
+            <a:r>
+              <a:rPr lang="es-ES" sz="1800" dirty="0" err="1">
+                <a:effectLst/>
+                <a:latin typeface="Calibri" panose="020F0502020204030204" pitchFamily="34" charset="0"/>
+                <a:ea typeface="Calibri" panose="020F0502020204030204" pitchFamily="34" charset="0"/>
+                <a:cs typeface="Times New Roman" panose="02020603050405020304" pitchFamily="18" charset="0"/>
+              </a:rPr>
+              <a:t>pseudo-residuos</a:t>
+            </a:r>
+            <a:r>
+              <a:rPr lang="es-ES" sz="1800" dirty="0">
+                <a:effectLst/>
+                <a:latin typeface="Calibri" panose="020F0502020204030204" pitchFamily="34" charset="0"/>
+                <a:ea typeface="Calibri" panose="020F0502020204030204" pitchFamily="34" charset="0"/>
+                <a:cs typeface="Times New Roman" panose="02020603050405020304" pitchFamily="18" charset="0"/>
+              </a:rPr>
+              <a:t> siempre serán negativos o cero. </a:t>
+            </a:r>
+          </a:p>
+        </p:txBody>
+      </p:sp>
+      <p:sp>
+        <p:nvSpPr>
+          <p:cNvPr id="4" name="Marcador de número de diapositiva 3"/>
+          <p:cNvSpPr>
+            <a:spLocks noGrp="1"/>
+          </p:cNvSpPr>
+          <p:nvPr>
+            <p:ph type="sldNum" sz="quarter" idx="5"/>
+          </p:nvPr>
+        </p:nvSpPr>
+        <p:spPr/>
+        <p:txBody>
+          <a:bodyPr/>
+          <a:lstStyle/>
+          <a:p>
+            <a:fld id="{CA6CDE8D-5C8C-4CEB-8086-70F298F6BBD0}" type="slidenum">
+              <a:rPr lang="es-ES" smtClean="0"/>
+              <a:t>23</a:t>
+            </a:fld>
+            <a:endParaRPr lang="es-ES"/>
+          </a:p>
+        </p:txBody>
+      </p:sp>
+    </p:spTree>
+    <p:extLst>
+      <p:ext uri="{BB962C8B-B14F-4D97-AF65-F5344CB8AC3E}">
+        <p14:creationId xmlns:p14="http://schemas.microsoft.com/office/powerpoint/2010/main" val="3795341050"/>
+      </p:ext>
+    </p:extLst>
+  </p:cSld>
+  <p:clrMapOvr>
+    <a:masterClrMapping/>
+  </p:clrMapOvr>
+</p:notes>
+</file>
+
+<file path=ppt/notesSlides/notesSlide16.xml><?xml version="1.0" encoding="utf-8"?>
+<p:notes xmlns:a="http://schemas.openxmlformats.org/drawingml/2006/main" xmlns:r="http://schemas.openxmlformats.org/officeDocument/2006/relationships" xmlns:p="http://schemas.openxmlformats.org/presentationml/2006/main">
+  <p:cSld>
+    <p:spTree>
+      <p:nvGrpSpPr>
+        <p:cNvPr id="1" name=""/>
+        <p:cNvGrpSpPr/>
+        <p:nvPr/>
+      </p:nvGrpSpPr>
+      <p:grpSpPr>
+        <a:xfrm>
+          <a:off x="0" y="0"/>
+          <a:ext cx="0" cy="0"/>
+          <a:chOff x="0" y="0"/>
+          <a:chExt cx="0" cy="0"/>
+        </a:xfrm>
+      </p:grpSpPr>
+      <p:sp>
+        <p:nvSpPr>
+          <p:cNvPr id="2" name="Marcador de imagen de diapositiva 1"/>
+          <p:cNvSpPr>
+            <a:spLocks noGrp="1" noRot="1" noChangeAspect="1"/>
+          </p:cNvSpPr>
+          <p:nvPr>
+            <p:ph type="sldImg"/>
+          </p:nvPr>
+        </p:nvSpPr>
+        <p:spPr/>
+      </p:sp>
+      <p:sp>
+        <p:nvSpPr>
+          <p:cNvPr id="3" name="Marcador de notas 2"/>
+          <p:cNvSpPr>
+            <a:spLocks noGrp="1"/>
+          </p:cNvSpPr>
+          <p:nvPr>
+            <p:ph type="body" idx="1"/>
+          </p:nvPr>
+        </p:nvSpPr>
+        <p:spPr/>
+        <p:txBody>
+          <a:bodyPr/>
+          <a:lstStyle/>
+          <a:p>
             <a:pPr algn="just">
               <a:lnSpc>
                 <a:spcPct val="107000"/>
@@ -2920,7 +4000,7 @@
           <a:p>
             <a:fld id="{CA6CDE8D-5C8C-4CEB-8086-70F298F6BBD0}" type="slidenum">
               <a:rPr lang="es-ES" smtClean="0"/>
-              <a:t>28</a:t>
+              <a:t>33</a:t>
             </a:fld>
             <a:endParaRPr lang="es-ES"/>
           </a:p>
@@ -17530,19 +18610,19 @@
               <a:p>
                 <a:r>
                   <a:rPr lang="en-GB" dirty="0"/>
-                  <a:t>Create a dataset of 30 DMUs</a:t>
+                  <a:t>Create a dataset of 30 DMUs.</a:t>
                 </a:r>
               </a:p>
               <a:p>
                 <a:r>
                   <a:rPr lang="en-GB" dirty="0"/>
-                  <a:t>Input: x1</a:t>
+                  <a:t>Input: x1.</a:t>
                 </a:r>
               </a:p>
               <a:p>
                 <a:r>
                   <a:rPr lang="en-GB" dirty="0"/>
-                  <a:t>Output: y</a:t>
+                  <a:t>Output: y.</a:t>
                 </a:r>
               </a:p>
               <a:p>
@@ -18006,10 +19086,8 @@
                 <a:latin typeface="DIN" panose="020B0604020202020204" charset="0"/>
                 <a:ea typeface="Aptos" panose="020B0004020202020204" pitchFamily="34" charset="0"/>
               </a:rPr>
-              <a:t>5 Levels</a:t>
-            </a:r>
-          </a:p>
-          <a:p>
+              <a:t>Descriptive statistics</a:t>
+            </a:r>
             <a:endParaRPr lang="en-GB" dirty="0"/>
           </a:p>
         </p:txBody>
@@ -18570,48 +19648,123 @@
           </a:p>
         </p:txBody>
       </p:sp>
-      <p:sp>
-        <p:nvSpPr>
-          <p:cNvPr id="3" name="Marcador de contenido 2">
-            <a:extLst>
-              <a:ext uri="{FF2B5EF4-FFF2-40B4-BE49-F238E27FC236}">
-                <a16:creationId xmlns:a16="http://schemas.microsoft.com/office/drawing/2014/main" id="{4494177C-73C9-19D2-B33F-3A421F270BD1}"/>
-              </a:ext>
-            </a:extLst>
-          </p:cNvPr>
-          <p:cNvSpPr>
-            <a:spLocks noGrp="1"/>
-          </p:cNvSpPr>
-          <p:nvPr>
-            <p:ph idx="1"/>
-          </p:nvPr>
-        </p:nvSpPr>
-        <p:spPr>
-          <a:xfrm>
-            <a:off x="831520" y="3097269"/>
-            <a:ext cx="16595985" cy="5850074"/>
-          </a:xfrm>
-        </p:spPr>
-        <p:txBody>
-          <a:bodyPr>
-            <a:normAutofit/>
-          </a:bodyPr>
-          <a:lstStyle/>
-          <a:p>
-            <a:r>
-              <a:rPr lang="en-US" sz="4400" dirty="0">
-                <a:effectLst/>
-                <a:latin typeface="DIN" panose="020B0604020202020204" charset="0"/>
-                <a:ea typeface="Aptos" panose="020B0004020202020204" pitchFamily="34" charset="0"/>
-              </a:rPr>
-              <a:t>5 Levels for x1:</a:t>
-            </a:r>
-          </a:p>
-          <a:p>
-            <a:endParaRPr lang="en-GB" dirty="0"/>
-          </a:p>
-        </p:txBody>
-      </p:sp>
+      <mc:AlternateContent xmlns:mc="http://schemas.openxmlformats.org/markup-compatibility/2006">
+        <mc:Choice xmlns:a14="http://schemas.microsoft.com/office/drawing/2010/main" Requires="a14">
+          <p:sp>
+            <p:nvSpPr>
+              <p:cNvPr id="3" name="Marcador de contenido 2">
+                <a:extLst>
+                  <a:ext uri="{FF2B5EF4-FFF2-40B4-BE49-F238E27FC236}">
+                    <a16:creationId xmlns:a16="http://schemas.microsoft.com/office/drawing/2014/main" id="{4494177C-73C9-19D2-B33F-3A421F270BD1}"/>
+                  </a:ext>
+                </a:extLst>
+              </p:cNvPr>
+              <p:cNvSpPr>
+                <a:spLocks noGrp="1"/>
+              </p:cNvSpPr>
+              <p:nvPr>
+                <p:ph idx="1"/>
+              </p:nvPr>
+            </p:nvSpPr>
+            <p:spPr>
+              <a:xfrm>
+                <a:off x="831520" y="3097269"/>
+                <a:ext cx="16595985" cy="5850074"/>
+              </a:xfrm>
+            </p:spPr>
+            <p:txBody>
+              <a:bodyPr>
+                <a:normAutofit/>
+              </a:bodyPr>
+              <a:lstStyle/>
+              <a:p>
+                <a:r>
+                  <a:rPr lang="en-US" sz="4400" dirty="0">
+                    <a:effectLst/>
+                    <a:latin typeface="DIN" panose="020B0604020202020204" charset="0"/>
+                    <a:ea typeface="Aptos" panose="020B0004020202020204" pitchFamily="34" charset="0"/>
+                  </a:rPr>
+                  <a:t>5 Levels for </a:t>
+                </a:r>
+                <a14:m>
+                  <m:oMath xmlns:m="http://schemas.openxmlformats.org/officeDocument/2006/math">
+                    <m:r>
+                      <a:rPr lang="es-ES" sz="4400" b="0" i="1" smtClean="0">
+                        <a:effectLst/>
+                        <a:latin typeface="Cambria Math" panose="02040503050406030204" pitchFamily="18" charset="0"/>
+                        <a:ea typeface="Aptos" panose="020B0004020202020204" pitchFamily="34" charset="0"/>
+                      </a:rPr>
+                      <m:t>𝑥</m:t>
+                    </m:r>
+                    <m:r>
+                      <a:rPr lang="es-ES" sz="4400" b="0" i="1" smtClean="0">
+                        <a:effectLst/>
+                        <a:latin typeface="Cambria Math" panose="02040503050406030204" pitchFamily="18" charset="0"/>
+                        <a:ea typeface="Aptos" panose="020B0004020202020204" pitchFamily="34" charset="0"/>
+                      </a:rPr>
+                      <m:t>1</m:t>
+                    </m:r>
+                  </m:oMath>
+                </a14:m>
+                <a:r>
+                  <a:rPr lang="en-US" sz="4400" dirty="0">
+                    <a:effectLst/>
+                    <a:latin typeface="DIN" panose="020B0604020202020204" charset="0"/>
+                    <a:ea typeface="Aptos" panose="020B0004020202020204" pitchFamily="34" charset="0"/>
+                  </a:rPr>
+                  <a:t>:</a:t>
+                </a:r>
+              </a:p>
+              <a:p>
+                <a:endParaRPr lang="en-GB" dirty="0"/>
+              </a:p>
+            </p:txBody>
+          </p:sp>
+        </mc:Choice>
+        <mc:Fallback>
+          <p:sp>
+            <p:nvSpPr>
+              <p:cNvPr id="3" name="Marcador de contenido 2">
+                <a:extLst>
+                  <a:ext uri="{FF2B5EF4-FFF2-40B4-BE49-F238E27FC236}">
+                    <a16:creationId xmlns:a16="http://schemas.microsoft.com/office/drawing/2014/main" id="{4494177C-73C9-19D2-B33F-3A421F270BD1}"/>
+                  </a:ext>
+                </a:extLst>
+              </p:cNvPr>
+              <p:cNvSpPr>
+                <a:spLocks noGrp="1" noRot="1" noChangeAspect="1" noMove="1" noResize="1" noEditPoints="1" noAdjustHandles="1" noChangeArrowheads="1" noChangeShapeType="1" noTextEdit="1"/>
+              </p:cNvSpPr>
+              <p:nvPr>
+                <p:ph idx="1"/>
+              </p:nvPr>
+            </p:nvSpPr>
+            <p:spPr>
+              <a:xfrm>
+                <a:off x="831520" y="3097269"/>
+                <a:ext cx="16595985" cy="5850074"/>
+              </a:xfrm>
+              <a:blipFill>
+                <a:blip r:embed="rId3"/>
+                <a:stretch>
+                  <a:fillRect l="-1322" t="-3333"/>
+                </a:stretch>
+              </a:blipFill>
+            </p:spPr>
+            <p:txBody>
+              <a:bodyPr/>
+              <a:lstStyle/>
+              <a:p>
+                <a:r>
+                  <a:rPr lang="es-ES">
+                    <a:noFill/>
+                  </a:rPr>
+                  <a:t> </a:t>
+                </a:r>
+              </a:p>
+            </p:txBody>
+          </p:sp>
+        </mc:Fallback>
+      </mc:AlternateContent>
       <mc:AlternateContent xmlns:mc="http://schemas.openxmlformats.org/markup-compatibility/2006">
         <mc:Choice xmlns:a14="http://schemas.microsoft.com/office/drawing/2010/main" Requires="a14">
           <p:graphicFrame>
@@ -18629,7 +19782,7 @@
               <p:nvPr>
                 <p:extLst>
                   <p:ext uri="{D42A27DB-BD31-4B8C-83A1-F6EECF244321}">
-                    <p14:modId xmlns:p14="http://schemas.microsoft.com/office/powerpoint/2010/main" val="2959815007"/>
+                    <p14:modId xmlns:p14="http://schemas.microsoft.com/office/powerpoint/2010/main" val="4071962931"/>
                   </p:ext>
                 </p:extLst>
               </p:nvPr>
@@ -18694,10 +19847,29 @@
                         <a:bodyPr/>
                         <a:lstStyle/>
                         <a:p>
-                          <a:r>
-                            <a:rPr lang="es-ES" dirty="0"/>
-                            <a:t>X1 </a:t>
-                          </a:r>
+                          <a:pPr algn="ctr"/>
+                          <a14:m>
+                            <m:oMath xmlns:m="http://schemas.openxmlformats.org/officeDocument/2006/math">
+                              <m:r>
+                                <a:rPr lang="es-ES" b="1" i="1" smtClean="0">
+                                  <a:latin typeface="Cambria Math" panose="02040503050406030204" pitchFamily="18" charset="0"/>
+                                </a:rPr>
+                                <m:t>𝒙</m:t>
+                              </m:r>
+                              <m:r>
+                                <a:rPr lang="es-ES" b="1" i="1" smtClean="0">
+                                  <a:latin typeface="Cambria Math" panose="02040503050406030204" pitchFamily="18" charset="0"/>
+                                </a:rPr>
+                                <m:t>𝟏</m:t>
+                              </m:r>
+                              <m:r>
+                                <a:rPr lang="es-ES" b="1" i="1" smtClean="0">
+                                  <a:latin typeface="Cambria Math" panose="02040503050406030204" pitchFamily="18" charset="0"/>
+                                </a:rPr>
+                                <m:t> </m:t>
+                              </m:r>
+                            </m:oMath>
+                          </a14:m>
                           <a:r>
                             <a:rPr lang="es-ES" dirty="0" err="1"/>
                             <a:t>values</a:t>
@@ -18712,6 +19884,7 @@
                         <a:bodyPr/>
                         <a:lstStyle/>
                         <a:p>
+                          <a:pPr/>
                           <a14:m>
                             <m:oMathPara xmlns:m="http://schemas.openxmlformats.org/officeDocument/2006/math">
                               <m:oMathParaPr>
@@ -18722,12 +19895,16 @@
                                   <m:accPr>
                                     <m:chr m:val="̂"/>
                                     <m:ctrlPr>
-                                      <a:rPr lang="es-ES" smtClean="0"/>
+                                      <a:rPr lang="es-ES" i="1" smtClean="0">
+                                        <a:latin typeface="Cambria Math" panose="02040503050406030204" pitchFamily="18" charset="0"/>
+                                      </a:rPr>
                                     </m:ctrlPr>
                                   </m:accPr>
                                   <m:e>
                                     <m:r>
-                                      <a:rPr lang="es-ES" b="1" smtClean="0"/>
+                                      <a:rPr lang="es-ES" b="1" smtClean="0">
+                                        <a:latin typeface="Cambria Math" panose="02040503050406030204" pitchFamily="18" charset="0"/>
+                                      </a:rPr>
                                       <m:t>𝒚</m:t>
                                     </m:r>
                                   </m:e>
@@ -19095,7 +20272,7 @@
               <p:nvPr>
                 <p:extLst>
                   <p:ext uri="{D42A27DB-BD31-4B8C-83A1-F6EECF244321}">
-                    <p14:modId xmlns:p14="http://schemas.microsoft.com/office/powerpoint/2010/main" val="2959815007"/>
+                    <p14:modId xmlns:p14="http://schemas.microsoft.com/office/powerpoint/2010/main" val="4071962931"/>
                   </p:ext>
                 </p:extLst>
               </p:nvPr>
@@ -19160,18 +20337,17 @@
                         <a:bodyPr/>
                         <a:lstStyle/>
                         <a:p>
-                          <a:r>
-                            <a:rPr lang="es-ES" dirty="0"/>
-                            <a:t>X1 </a:t>
-                          </a:r>
-                          <a:r>
-                            <a:rPr lang="es-ES" dirty="0" err="1"/>
-                            <a:t>values</a:t>
-                          </a:r>
-                          <a:endParaRPr lang="es-ES" dirty="0"/>
+                          <a:endParaRPr lang="es-ES"/>
                         </a:p>
                       </a:txBody>
-                      <a:tcPr/>
+                      <a:tcPr>
+                        <a:blipFill>
+                          <a:blip r:embed="rId4"/>
+                          <a:stretch>
+                            <a:fillRect l="-100000" t="-9639" r="-200400" b="-528916"/>
+                          </a:stretch>
+                        </a:blipFill>
+                      </a:tcPr>
                     </a:tc>
                     <a:tc>
                       <a:txBody>
@@ -19183,7 +20359,7 @@
                       </a:txBody>
                       <a:tcPr>
                         <a:blipFill>
-                          <a:blip r:embed="rId3"/>
+                          <a:blip r:embed="rId4"/>
                           <a:stretch>
                             <a:fillRect l="-200000" t="-9639" r="-100400" b="-528916"/>
                           </a:stretch>
@@ -19565,6 +20741,6266 @@
           <p:cNvPr id="2" name="Título 1">
             <a:extLst>
               <a:ext uri="{FF2B5EF4-FFF2-40B4-BE49-F238E27FC236}">
+                <a16:creationId xmlns:a16="http://schemas.microsoft.com/office/drawing/2014/main" id="{86BA8BD2-2360-47C4-A428-A34D4F1BE424}"/>
+              </a:ext>
+            </a:extLst>
+          </p:cNvPr>
+          <p:cNvSpPr>
+            <a:spLocks noGrp="1"/>
+          </p:cNvSpPr>
+          <p:nvPr>
+            <p:ph type="title"/>
+          </p:nvPr>
+        </p:nvSpPr>
+        <p:spPr/>
+        <p:txBody>
+          <a:bodyPr/>
+          <a:lstStyle/>
+          <a:p>
+            <a:r>
+              <a:rPr lang="es-ES" dirty="0"/>
+              <a:t>1D-SA: </a:t>
+            </a:r>
+            <a:r>
+              <a:rPr lang="es-ES" dirty="0" err="1"/>
+              <a:t>Example</a:t>
+            </a:r>
+            <a:endParaRPr lang="en-GB" dirty="0"/>
+          </a:p>
+        </p:txBody>
+      </p:sp>
+      <p:sp>
+        <p:nvSpPr>
+          <p:cNvPr id="4" name="Marcador de pie de página 3">
+            <a:extLst>
+              <a:ext uri="{FF2B5EF4-FFF2-40B4-BE49-F238E27FC236}">
+                <a16:creationId xmlns:a16="http://schemas.microsoft.com/office/drawing/2014/main" id="{32E9E3CC-AACD-421E-ADF4-8100E3695283}"/>
+              </a:ext>
+            </a:extLst>
+          </p:cNvPr>
+          <p:cNvSpPr>
+            <a:spLocks noGrp="1"/>
+          </p:cNvSpPr>
+          <p:nvPr>
+            <p:ph type="ftr" sz="quarter" idx="11"/>
+          </p:nvPr>
+        </p:nvSpPr>
+        <p:spPr/>
+        <p:txBody>
+          <a:bodyPr/>
+          <a:lstStyle/>
+          <a:p>
+            <a:pPr algn="ctr">
+              <a:lnSpc>
+                <a:spcPct val="150000"/>
+              </a:lnSpc>
+              <a:spcAft>
+                <a:spcPts val="800"/>
+              </a:spcAft>
+            </a:pPr>
+            <a:r>
+              <a:rPr lang="en-US" sz="1800" b="1" kern="100" dirty="0">
+                <a:effectLst/>
+                <a:latin typeface="Times New Roman" panose="02020603050405020304" pitchFamily="18" charset="0"/>
+                <a:ea typeface="Aptos" panose="020B0004020202020204" pitchFamily="34" charset="0"/>
+                <a:cs typeface="Times New Roman" panose="02020603050405020304" pitchFamily="18" charset="0"/>
+              </a:rPr>
+              <a:t>Using sensitivity analysis and visualization techniques to open black box data mining models: a </a:t>
+            </a:r>
+            <a:r>
+              <a:rPr lang="en-US" sz="1800" b="1" kern="100" dirty="0" err="1">
+                <a:effectLst/>
+                <a:latin typeface="Times New Roman" panose="02020603050405020304" pitchFamily="18" charset="0"/>
+                <a:ea typeface="Aptos" panose="020B0004020202020204" pitchFamily="34" charset="0"/>
+                <a:cs typeface="Times New Roman" panose="02020603050405020304" pitchFamily="18" charset="0"/>
+              </a:rPr>
+              <a:t>rminer</a:t>
+            </a:r>
+            <a:r>
+              <a:rPr lang="en-US" sz="1800" b="1" kern="100" dirty="0">
+                <a:effectLst/>
+                <a:latin typeface="Times New Roman" panose="02020603050405020304" pitchFamily="18" charset="0"/>
+                <a:ea typeface="Aptos" panose="020B0004020202020204" pitchFamily="34" charset="0"/>
+                <a:cs typeface="Times New Roman" panose="02020603050405020304" pitchFamily="18" charset="0"/>
+              </a:rPr>
+              <a:t> example</a:t>
+            </a:r>
+            <a:endParaRPr lang="es-ES" sz="1600" kern="100" dirty="0">
+              <a:effectLst/>
+              <a:latin typeface="Times New Roman" panose="02020603050405020304" pitchFamily="18" charset="0"/>
+              <a:ea typeface="Aptos" panose="020B0004020202020204" pitchFamily="34" charset="0"/>
+              <a:cs typeface="Times New Roman" panose="02020603050405020304" pitchFamily="18" charset="0"/>
+            </a:endParaRPr>
+          </a:p>
+        </p:txBody>
+      </p:sp>
+      <p:sp>
+        <p:nvSpPr>
+          <p:cNvPr id="5" name="Marcador de número de diapositiva 4">
+            <a:extLst>
+              <a:ext uri="{FF2B5EF4-FFF2-40B4-BE49-F238E27FC236}">
+                <a16:creationId xmlns:a16="http://schemas.microsoft.com/office/drawing/2014/main" id="{5CD26059-5682-4382-89E1-677AD7B72CFE}"/>
+              </a:ext>
+            </a:extLst>
+          </p:cNvPr>
+          <p:cNvSpPr>
+            <a:spLocks noGrp="1"/>
+          </p:cNvSpPr>
+          <p:nvPr>
+            <p:ph type="sldNum" sz="quarter" idx="12"/>
+          </p:nvPr>
+        </p:nvSpPr>
+        <p:spPr/>
+        <p:txBody>
+          <a:bodyPr/>
+          <a:lstStyle/>
+          <a:p>
+            <a:fld id="{DBFF9636-A71C-488A-89F8-02E08556F10C}" type="slidenum">
+              <a:rPr lang="es-ES" smtClean="0"/>
+              <a:pPr/>
+              <a:t>19</a:t>
+            </a:fld>
+            <a:endParaRPr lang="es-ES" dirty="0"/>
+          </a:p>
+        </p:txBody>
+      </p:sp>
+      <mc:AlternateContent xmlns:mc="http://schemas.openxmlformats.org/markup-compatibility/2006">
+        <mc:Choice xmlns:a14="http://schemas.microsoft.com/office/drawing/2010/main" Requires="a14">
+          <p:sp>
+            <p:nvSpPr>
+              <p:cNvPr id="3" name="Marcador de contenido 2">
+                <a:extLst>
+                  <a:ext uri="{FF2B5EF4-FFF2-40B4-BE49-F238E27FC236}">
+                    <a16:creationId xmlns:a16="http://schemas.microsoft.com/office/drawing/2014/main" id="{4494177C-73C9-19D2-B33F-3A421F270BD1}"/>
+                  </a:ext>
+                </a:extLst>
+              </p:cNvPr>
+              <p:cNvSpPr>
+                <a:spLocks noGrp="1"/>
+              </p:cNvSpPr>
+              <p:nvPr>
+                <p:ph idx="1"/>
+              </p:nvPr>
+            </p:nvSpPr>
+            <p:spPr>
+              <a:xfrm>
+                <a:off x="831520" y="3097269"/>
+                <a:ext cx="16595985" cy="5850074"/>
+              </a:xfrm>
+            </p:spPr>
+            <p:txBody>
+              <a:bodyPr>
+                <a:normAutofit/>
+              </a:bodyPr>
+              <a:lstStyle/>
+              <a:p>
+                <a:r>
+                  <a:rPr lang="en-US" sz="4400" dirty="0">
+                    <a:effectLst/>
+                    <a:latin typeface="DIN" panose="020B0604020202020204" charset="0"/>
+                    <a:ea typeface="Aptos" panose="020B0004020202020204" pitchFamily="34" charset="0"/>
+                  </a:rPr>
+                  <a:t>5 Levels for </a:t>
+                </a:r>
+                <a14:m>
+                  <m:oMath xmlns:m="http://schemas.openxmlformats.org/officeDocument/2006/math">
+                    <m:r>
+                      <a:rPr lang="es-ES" sz="4400" b="0" i="1" smtClean="0">
+                        <a:effectLst/>
+                        <a:latin typeface="Cambria Math" panose="02040503050406030204" pitchFamily="18" charset="0"/>
+                        <a:ea typeface="Aptos" panose="020B0004020202020204" pitchFamily="34" charset="0"/>
+                      </a:rPr>
+                      <m:t>𝑦</m:t>
+                    </m:r>
+                  </m:oMath>
+                </a14:m>
+                <a:r>
+                  <a:rPr lang="en-US" sz="4400" dirty="0">
+                    <a:effectLst/>
+                    <a:latin typeface="DIN" panose="020B0604020202020204" charset="0"/>
+                    <a:ea typeface="Aptos" panose="020B0004020202020204" pitchFamily="34" charset="0"/>
+                  </a:rPr>
+                  <a:t>:</a:t>
+                </a:r>
+              </a:p>
+              <a:p>
+                <a:endParaRPr lang="en-GB" dirty="0"/>
+              </a:p>
+            </p:txBody>
+          </p:sp>
+        </mc:Choice>
+        <mc:Fallback>
+          <p:sp>
+            <p:nvSpPr>
+              <p:cNvPr id="3" name="Marcador de contenido 2">
+                <a:extLst>
+                  <a:ext uri="{FF2B5EF4-FFF2-40B4-BE49-F238E27FC236}">
+                    <a16:creationId xmlns:a16="http://schemas.microsoft.com/office/drawing/2014/main" id="{4494177C-73C9-19D2-B33F-3A421F270BD1}"/>
+                  </a:ext>
+                </a:extLst>
+              </p:cNvPr>
+              <p:cNvSpPr>
+                <a:spLocks noGrp="1" noRot="1" noChangeAspect="1" noMove="1" noResize="1" noEditPoints="1" noAdjustHandles="1" noChangeArrowheads="1" noChangeShapeType="1" noTextEdit="1"/>
+              </p:cNvSpPr>
+              <p:nvPr>
+                <p:ph idx="1"/>
+              </p:nvPr>
+            </p:nvSpPr>
+            <p:spPr>
+              <a:xfrm>
+                <a:off x="831520" y="3097269"/>
+                <a:ext cx="16595985" cy="5850074"/>
+              </a:xfrm>
+              <a:blipFill>
+                <a:blip r:embed="rId3"/>
+                <a:stretch>
+                  <a:fillRect l="-1322" t="-3333"/>
+                </a:stretch>
+              </a:blipFill>
+            </p:spPr>
+            <p:txBody>
+              <a:bodyPr/>
+              <a:lstStyle/>
+              <a:p>
+                <a:r>
+                  <a:rPr lang="es-ES">
+                    <a:noFill/>
+                  </a:rPr>
+                  <a:t> </a:t>
+                </a:r>
+              </a:p>
+            </p:txBody>
+          </p:sp>
+        </mc:Fallback>
+      </mc:AlternateContent>
+      <mc:AlternateContent xmlns:mc="http://schemas.openxmlformats.org/markup-compatibility/2006">
+        <mc:Choice xmlns:a14="http://schemas.microsoft.com/office/drawing/2010/main" Requires="a14">
+          <p:graphicFrame>
+            <p:nvGraphicFramePr>
+              <p:cNvPr id="8" name="Tabla 7">
+                <a:extLst>
+                  <a:ext uri="{FF2B5EF4-FFF2-40B4-BE49-F238E27FC236}">
+                    <a16:creationId xmlns:a16="http://schemas.microsoft.com/office/drawing/2014/main" id="{4A5A667A-8600-BF3F-E1B5-5DE17A9F5BEF}"/>
+                  </a:ext>
+                </a:extLst>
+              </p:cNvPr>
+              <p:cNvGraphicFramePr>
+                <a:graphicFrameLocks noGrp="1"/>
+              </p:cNvGraphicFramePr>
+              <p:nvPr>
+                <p:extLst>
+                  <p:ext uri="{D42A27DB-BD31-4B8C-83A1-F6EECF244321}">
+                    <p14:modId xmlns:p14="http://schemas.microsoft.com/office/powerpoint/2010/main" val="684562034"/>
+                  </p:ext>
+                </p:extLst>
+              </p:nvPr>
+            </p:nvGraphicFramePr>
+            <p:xfrm>
+              <a:off x="3048000" y="4397753"/>
+              <a:ext cx="12192000" cy="3017520"/>
+            </p:xfrm>
+            <a:graphic>
+              <a:graphicData uri="http://schemas.openxmlformats.org/drawingml/2006/table">
+                <a:tbl>
+                  <a:tblPr firstRow="1" bandRow="1">
+                    <a:tableStyleId>{9D7B26C5-4107-4FEC-AEDC-1716B250A1EF}</a:tableStyleId>
+                  </a:tblPr>
+                  <a:tblGrid>
+                    <a:gridCol w="3048000">
+                      <a:extLst>
+                        <a:ext uri="{9D8B030D-6E8A-4147-A177-3AD203B41FA5}">
+                          <a16:colId xmlns:a16="http://schemas.microsoft.com/office/drawing/2014/main" val="1141248781"/>
+                        </a:ext>
+                      </a:extLst>
+                    </a:gridCol>
+                    <a:gridCol w="3048000">
+                      <a:extLst>
+                        <a:ext uri="{9D8B030D-6E8A-4147-A177-3AD203B41FA5}">
+                          <a16:colId xmlns:a16="http://schemas.microsoft.com/office/drawing/2014/main" val="2109301291"/>
+                        </a:ext>
+                      </a:extLst>
+                    </a:gridCol>
+                    <a:gridCol w="3048000">
+                      <a:extLst>
+                        <a:ext uri="{9D8B030D-6E8A-4147-A177-3AD203B41FA5}">
+                          <a16:colId xmlns:a16="http://schemas.microsoft.com/office/drawing/2014/main" val="4117115380"/>
+                        </a:ext>
+                      </a:extLst>
+                    </a:gridCol>
+                    <a:gridCol w="3048000">
+                      <a:extLst>
+                        <a:ext uri="{9D8B030D-6E8A-4147-A177-3AD203B41FA5}">
+                          <a16:colId xmlns:a16="http://schemas.microsoft.com/office/drawing/2014/main" val="970864078"/>
+                        </a:ext>
+                      </a:extLst>
+                    </a:gridCol>
+                  </a:tblGrid>
+                  <a:tr h="370840">
+                    <a:tc>
+                      <a:txBody>
+                        <a:bodyPr/>
+                        <a:lstStyle/>
+                        <a:p>
+                          <a:r>
+                            <a:rPr lang="es-ES" dirty="0" err="1"/>
+                            <a:t>Levels</a:t>
+                          </a:r>
+                          <a:endParaRPr lang="es-ES" dirty="0"/>
+                        </a:p>
+                      </a:txBody>
+                      <a:tcPr/>
+                    </a:tc>
+                    <a:tc>
+                      <a:txBody>
+                        <a:bodyPr/>
+                        <a:lstStyle/>
+                        <a:p>
+                          <a:pPr algn="ctr"/>
+                          <a14:m>
+                            <m:oMathPara xmlns:m="http://schemas.openxmlformats.org/officeDocument/2006/math">
+                              <m:oMathParaPr>
+                                <m:jc m:val="centerGroup"/>
+                              </m:oMathParaPr>
+                              <m:oMath xmlns:m="http://schemas.openxmlformats.org/officeDocument/2006/math">
+                                <m:acc>
+                                  <m:accPr>
+                                    <m:chr m:val="̂"/>
+                                    <m:ctrlPr>
+                                      <a:rPr lang="es-ES" i="1" smtClean="0">
+                                        <a:latin typeface="Cambria Math" panose="02040503050406030204" pitchFamily="18" charset="0"/>
+                                      </a:rPr>
+                                    </m:ctrlPr>
+                                  </m:accPr>
+                                  <m:e>
+                                    <m:r>
+                                      <a:rPr lang="es-ES" b="1" i="1" smtClean="0">
+                                        <a:latin typeface="Cambria Math" panose="02040503050406030204" pitchFamily="18" charset="0"/>
+                                      </a:rPr>
+                                      <m:t>𝒙</m:t>
+                                    </m:r>
+                                  </m:e>
+                                </m:acc>
+                              </m:oMath>
+                            </m:oMathPara>
+                          </a14:m>
+                          <a:endParaRPr lang="es-ES" dirty="0"/>
+                        </a:p>
+                      </a:txBody>
+                      <a:tcPr/>
+                    </a:tc>
+                    <a:tc>
+                      <a:txBody>
+                        <a:bodyPr/>
+                        <a:lstStyle/>
+                        <a:p>
+                          <a:pPr marL="0" marR="0" lvl="0" indent="0" algn="ctr" defTabSz="1371600" rtl="0" eaLnBrk="1" fontAlgn="auto" latinLnBrk="0" hangingPunct="1">
+                            <a:lnSpc>
+                              <a:spcPct val="100000"/>
+                            </a:lnSpc>
+                            <a:spcBef>
+                              <a:spcPts val="0"/>
+                            </a:spcBef>
+                            <a:spcAft>
+                              <a:spcPts val="0"/>
+                            </a:spcAft>
+                            <a:buClrTx/>
+                            <a:buSzTx/>
+                            <a:buFontTx/>
+                            <a:buNone/>
+                            <a:tabLst/>
+                            <a:defRPr/>
+                          </a:pPr>
+                          <a14:m>
+                            <m:oMath xmlns:m="http://schemas.openxmlformats.org/officeDocument/2006/math">
+                              <m:r>
+                                <a:rPr lang="es-ES" b="1" i="1" smtClean="0">
+                                  <a:latin typeface="Cambria Math" panose="02040503050406030204" pitchFamily="18" charset="0"/>
+                                </a:rPr>
+                                <m:t>𝒚</m:t>
+                              </m:r>
+                              <m:r>
+                                <a:rPr lang="es-ES" b="1" i="1" smtClean="0">
+                                  <a:latin typeface="Cambria Math" panose="02040503050406030204" pitchFamily="18" charset="0"/>
+                                </a:rPr>
+                                <m:t> </m:t>
+                              </m:r>
+                            </m:oMath>
+                          </a14:m>
+                          <a:r>
+                            <a:rPr lang="es-ES" dirty="0"/>
+                            <a:t>values</a:t>
+                          </a:r>
+                        </a:p>
+                      </a:txBody>
+                      <a:tcPr/>
+                    </a:tc>
+                    <a:tc>
+                      <a:txBody>
+                        <a:bodyPr/>
+                        <a:lstStyle/>
+                        <a:p>
+                          <a:pPr algn="ctr"/>
+                          <a:r>
+                            <a:rPr lang="es-ES" dirty="0"/>
+                            <a:t>Prob. be </a:t>
+                          </a:r>
+                          <a:r>
+                            <a:rPr lang="es-ES" dirty="0" err="1"/>
+                            <a:t>efficient</a:t>
+                          </a:r>
+                          <a:endParaRPr lang="es-ES" dirty="0"/>
+                        </a:p>
+                      </a:txBody>
+                      <a:tcPr/>
+                    </a:tc>
+                    <a:extLst>
+                      <a:ext uri="{0D108BD9-81ED-4DB2-BD59-A6C34878D82A}">
+                        <a16:rowId xmlns:a16="http://schemas.microsoft.com/office/drawing/2014/main" val="4092000649"/>
+                      </a:ext>
+                    </a:extLst>
+                  </a:tr>
+                  <a:tr h="370840">
+                    <a:tc>
+                      <a:txBody>
+                        <a:bodyPr/>
+                        <a:lstStyle/>
+                        <a:p>
+                          <a:r>
+                            <a:rPr lang="es-ES" dirty="0"/>
+                            <a:t>1</a:t>
+                          </a:r>
+                        </a:p>
+                      </a:txBody>
+                      <a:tcPr/>
+                    </a:tc>
+                    <a:tc>
+                      <a:txBody>
+                        <a:bodyPr/>
+                        <a:lstStyle/>
+                        <a:p>
+                          <a:pPr algn="ctr"/>
+                          <a:r>
+                            <a:rPr lang="es-ES" dirty="0"/>
+                            <a:t>5.245</a:t>
+                          </a:r>
+                        </a:p>
+                      </a:txBody>
+                      <a:tcPr/>
+                    </a:tc>
+                    <a:tc>
+                      <a:txBody>
+                        <a:bodyPr/>
+                        <a:lstStyle/>
+                        <a:p>
+                          <a:pPr algn="ctr"/>
+                          <a:r>
+                            <a:rPr lang="es-ES" dirty="0"/>
+                            <a:t>2.822103</a:t>
+                          </a:r>
+                        </a:p>
+                      </a:txBody>
+                      <a:tcPr/>
+                    </a:tc>
+                    <a:tc>
+                      <a:txBody>
+                        <a:bodyPr/>
+                        <a:lstStyle/>
+                        <a:p>
+                          <a:pPr algn="ctr"/>
+                          <a:r>
+                            <a:rPr lang="es-ES" dirty="0">
+                              <a:effectLst/>
+                            </a:rPr>
+                            <a:t>0.02 </a:t>
+                          </a:r>
+                          <a:endParaRPr lang="es-ES" dirty="0"/>
+                        </a:p>
+                      </a:txBody>
+                      <a:tcPr/>
+                    </a:tc>
+                    <a:extLst>
+                      <a:ext uri="{0D108BD9-81ED-4DB2-BD59-A6C34878D82A}">
+                        <a16:rowId xmlns:a16="http://schemas.microsoft.com/office/drawing/2014/main" val="187936132"/>
+                      </a:ext>
+                    </a:extLst>
+                  </a:tr>
+                  <a:tr h="370840">
+                    <a:tc>
+                      <a:txBody>
+                        <a:bodyPr/>
+                        <a:lstStyle/>
+                        <a:p>
+                          <a:r>
+                            <a:rPr lang="es-ES" dirty="0"/>
+                            <a:t>2</a:t>
+                          </a:r>
+                        </a:p>
+                      </a:txBody>
+                      <a:tcPr/>
+                    </a:tc>
+                    <a:tc>
+                      <a:txBody>
+                        <a:bodyPr/>
+                        <a:lstStyle/>
+                        <a:p>
+                          <a:pPr algn="ctr"/>
+                          <a:r>
+                            <a:rPr lang="es-ES" dirty="0"/>
+                            <a:t>5.245</a:t>
+                          </a:r>
+                        </a:p>
+                      </a:txBody>
+                      <a:tcPr/>
+                    </a:tc>
+                    <a:tc>
+                      <a:txBody>
+                        <a:bodyPr/>
+                        <a:lstStyle/>
+                        <a:p>
+                          <a:pPr algn="ctr"/>
+                          <a:r>
+                            <a:rPr lang="es-ES" dirty="0"/>
+                            <a:t>4.342776 </a:t>
+                          </a:r>
+                        </a:p>
+                      </a:txBody>
+                      <a:tcPr/>
+                    </a:tc>
+                    <a:tc>
+                      <a:txBody>
+                        <a:bodyPr/>
+                        <a:lstStyle/>
+                        <a:p>
+                          <a:pPr algn="ctr"/>
+                          <a:r>
+                            <a:rPr lang="es-ES" dirty="0">
+                              <a:effectLst/>
+                            </a:rPr>
+                            <a:t>0.09 </a:t>
+                          </a:r>
+                          <a:endParaRPr lang="es-ES" dirty="0"/>
+                        </a:p>
+                      </a:txBody>
+                      <a:tcPr/>
+                    </a:tc>
+                    <a:extLst>
+                      <a:ext uri="{0D108BD9-81ED-4DB2-BD59-A6C34878D82A}">
+                        <a16:rowId xmlns:a16="http://schemas.microsoft.com/office/drawing/2014/main" val="2610583558"/>
+                      </a:ext>
+                    </a:extLst>
+                  </a:tr>
+                  <a:tr h="370840">
+                    <a:tc>
+                      <a:txBody>
+                        <a:bodyPr/>
+                        <a:lstStyle/>
+                        <a:p>
+                          <a:r>
+                            <a:rPr lang="es-ES" dirty="0"/>
+                            <a:t>3</a:t>
+                          </a:r>
+                        </a:p>
+                      </a:txBody>
+                      <a:tcPr/>
+                    </a:tc>
+                    <a:tc>
+                      <a:txBody>
+                        <a:bodyPr/>
+                        <a:lstStyle/>
+                        <a:p>
+                          <a:pPr algn="ctr"/>
+                          <a:r>
+                            <a:rPr lang="es-ES" dirty="0"/>
+                            <a:t>5.245</a:t>
+                          </a:r>
+                        </a:p>
+                      </a:txBody>
+                      <a:tcPr/>
+                    </a:tc>
+                    <a:tc>
+                      <a:txBody>
+                        <a:bodyPr/>
+                        <a:lstStyle/>
+                        <a:p>
+                          <a:pPr algn="ctr"/>
+                          <a:r>
+                            <a:rPr lang="es-ES" dirty="0"/>
+                            <a:t>5.863450 </a:t>
+                          </a:r>
+                        </a:p>
+                      </a:txBody>
+                      <a:tcPr/>
+                    </a:tc>
+                    <a:tc>
+                      <a:txBody>
+                        <a:bodyPr/>
+                        <a:lstStyle/>
+                        <a:p>
+                          <a:pPr algn="ctr"/>
+                          <a:r>
+                            <a:rPr lang="es-ES" dirty="0">
+                              <a:effectLst/>
+                            </a:rPr>
+                            <a:t>0.47 </a:t>
+                          </a:r>
+                          <a:endParaRPr lang="es-ES" dirty="0"/>
+                        </a:p>
+                      </a:txBody>
+                      <a:tcPr/>
+                    </a:tc>
+                    <a:extLst>
+                      <a:ext uri="{0D108BD9-81ED-4DB2-BD59-A6C34878D82A}">
+                        <a16:rowId xmlns:a16="http://schemas.microsoft.com/office/drawing/2014/main" val="3779409085"/>
+                      </a:ext>
+                    </a:extLst>
+                  </a:tr>
+                  <a:tr h="370840">
+                    <a:tc>
+                      <a:txBody>
+                        <a:bodyPr/>
+                        <a:lstStyle/>
+                        <a:p>
+                          <a:r>
+                            <a:rPr lang="es-ES" dirty="0"/>
+                            <a:t>4</a:t>
+                          </a:r>
+                        </a:p>
+                      </a:txBody>
+                      <a:tcPr/>
+                    </a:tc>
+                    <a:tc>
+                      <a:txBody>
+                        <a:bodyPr/>
+                        <a:lstStyle/>
+                        <a:p>
+                          <a:pPr algn="ctr"/>
+                          <a:r>
+                            <a:rPr lang="es-ES" dirty="0"/>
+                            <a:t>5.245</a:t>
+                          </a:r>
+                        </a:p>
+                      </a:txBody>
+                      <a:tcPr/>
+                    </a:tc>
+                    <a:tc>
+                      <a:txBody>
+                        <a:bodyPr/>
+                        <a:lstStyle/>
+                        <a:p>
+                          <a:pPr algn="ctr"/>
+                          <a:r>
+                            <a:rPr lang="es-ES" dirty="0"/>
+                            <a:t>7.384123 </a:t>
+                          </a:r>
+                        </a:p>
+                      </a:txBody>
+                      <a:tcPr/>
+                    </a:tc>
+                    <a:tc>
+                      <a:txBody>
+                        <a:bodyPr/>
+                        <a:lstStyle/>
+                        <a:p>
+                          <a:pPr algn="ctr"/>
+                          <a:r>
+                            <a:rPr lang="es-ES" dirty="0">
+                              <a:effectLst/>
+                            </a:rPr>
+                            <a:t>0.93  </a:t>
+                          </a:r>
+                          <a:endParaRPr lang="es-ES" dirty="0"/>
+                        </a:p>
+                      </a:txBody>
+                      <a:tcPr/>
+                    </a:tc>
+                    <a:extLst>
+                      <a:ext uri="{0D108BD9-81ED-4DB2-BD59-A6C34878D82A}">
+                        <a16:rowId xmlns:a16="http://schemas.microsoft.com/office/drawing/2014/main" val="1090756739"/>
+                      </a:ext>
+                    </a:extLst>
+                  </a:tr>
+                  <a:tr h="370840">
+                    <a:tc>
+                      <a:txBody>
+                        <a:bodyPr/>
+                        <a:lstStyle/>
+                        <a:p>
+                          <a:r>
+                            <a:rPr lang="es-ES" dirty="0"/>
+                            <a:t>5</a:t>
+                          </a:r>
+                        </a:p>
+                      </a:txBody>
+                      <a:tcPr/>
+                    </a:tc>
+                    <a:tc>
+                      <a:txBody>
+                        <a:bodyPr/>
+                        <a:lstStyle/>
+                        <a:p>
+                          <a:pPr algn="ctr"/>
+                          <a:r>
+                            <a:rPr lang="es-ES" dirty="0"/>
+                            <a:t>5.245</a:t>
+                          </a:r>
+                        </a:p>
+                      </a:txBody>
+                      <a:tcPr/>
+                    </a:tc>
+                    <a:tc>
+                      <a:txBody>
+                        <a:bodyPr/>
+                        <a:lstStyle/>
+                        <a:p>
+                          <a:pPr algn="ctr"/>
+                          <a:r>
+                            <a:rPr lang="es-ES" dirty="0"/>
+                            <a:t>8.904796</a:t>
+                          </a:r>
+                        </a:p>
+                      </a:txBody>
+                      <a:tcPr/>
+                    </a:tc>
+                    <a:tc>
+                      <a:txBody>
+                        <a:bodyPr/>
+                        <a:lstStyle/>
+                        <a:p>
+                          <a:pPr algn="ctr"/>
+                          <a:r>
+                            <a:rPr lang="es-ES" dirty="0">
+                              <a:effectLst/>
+                            </a:rPr>
+                            <a:t>1.00 </a:t>
+                          </a:r>
+                          <a:endParaRPr lang="es-ES" dirty="0"/>
+                        </a:p>
+                      </a:txBody>
+                      <a:tcPr/>
+                    </a:tc>
+                    <a:extLst>
+                      <a:ext uri="{0D108BD9-81ED-4DB2-BD59-A6C34878D82A}">
+                        <a16:rowId xmlns:a16="http://schemas.microsoft.com/office/drawing/2014/main" val="183639519"/>
+                      </a:ext>
+                    </a:extLst>
+                  </a:tr>
+                </a:tbl>
+              </a:graphicData>
+            </a:graphic>
+          </p:graphicFrame>
+        </mc:Choice>
+        <mc:Fallback>
+          <p:graphicFrame>
+            <p:nvGraphicFramePr>
+              <p:cNvPr id="8" name="Tabla 7">
+                <a:extLst>
+                  <a:ext uri="{FF2B5EF4-FFF2-40B4-BE49-F238E27FC236}">
+                    <a16:creationId xmlns:a16="http://schemas.microsoft.com/office/drawing/2014/main" id="{4A5A667A-8600-BF3F-E1B5-5DE17A9F5BEF}"/>
+                  </a:ext>
+                </a:extLst>
+              </p:cNvPr>
+              <p:cNvGraphicFramePr>
+                <a:graphicFrameLocks noGrp="1"/>
+              </p:cNvGraphicFramePr>
+              <p:nvPr>
+                <p:extLst>
+                  <p:ext uri="{D42A27DB-BD31-4B8C-83A1-F6EECF244321}">
+                    <p14:modId xmlns:p14="http://schemas.microsoft.com/office/powerpoint/2010/main" val="684562034"/>
+                  </p:ext>
+                </p:extLst>
+              </p:nvPr>
+            </p:nvGraphicFramePr>
+            <p:xfrm>
+              <a:off x="3048000" y="4397753"/>
+              <a:ext cx="12192000" cy="3017520"/>
+            </p:xfrm>
+            <a:graphic>
+              <a:graphicData uri="http://schemas.openxmlformats.org/drawingml/2006/table">
+                <a:tbl>
+                  <a:tblPr firstRow="1" bandRow="1">
+                    <a:tableStyleId>{9D7B26C5-4107-4FEC-AEDC-1716B250A1EF}</a:tableStyleId>
+                  </a:tblPr>
+                  <a:tblGrid>
+                    <a:gridCol w="3048000">
+                      <a:extLst>
+                        <a:ext uri="{9D8B030D-6E8A-4147-A177-3AD203B41FA5}">
+                          <a16:colId xmlns:a16="http://schemas.microsoft.com/office/drawing/2014/main" val="1141248781"/>
+                        </a:ext>
+                      </a:extLst>
+                    </a:gridCol>
+                    <a:gridCol w="3048000">
+                      <a:extLst>
+                        <a:ext uri="{9D8B030D-6E8A-4147-A177-3AD203B41FA5}">
+                          <a16:colId xmlns:a16="http://schemas.microsoft.com/office/drawing/2014/main" val="2109301291"/>
+                        </a:ext>
+                      </a:extLst>
+                    </a:gridCol>
+                    <a:gridCol w="3048000">
+                      <a:extLst>
+                        <a:ext uri="{9D8B030D-6E8A-4147-A177-3AD203B41FA5}">
+                          <a16:colId xmlns:a16="http://schemas.microsoft.com/office/drawing/2014/main" val="4117115380"/>
+                        </a:ext>
+                      </a:extLst>
+                    </a:gridCol>
+                    <a:gridCol w="3048000">
+                      <a:extLst>
+                        <a:ext uri="{9D8B030D-6E8A-4147-A177-3AD203B41FA5}">
+                          <a16:colId xmlns:a16="http://schemas.microsoft.com/office/drawing/2014/main" val="970864078"/>
+                        </a:ext>
+                      </a:extLst>
+                    </a:gridCol>
+                  </a:tblGrid>
+                  <a:tr h="502920">
+                    <a:tc>
+                      <a:txBody>
+                        <a:bodyPr/>
+                        <a:lstStyle/>
+                        <a:p>
+                          <a:r>
+                            <a:rPr lang="es-ES" dirty="0" err="1"/>
+                            <a:t>Levels</a:t>
+                          </a:r>
+                          <a:endParaRPr lang="es-ES" dirty="0"/>
+                        </a:p>
+                      </a:txBody>
+                      <a:tcPr/>
+                    </a:tc>
+                    <a:tc>
+                      <a:txBody>
+                        <a:bodyPr/>
+                        <a:lstStyle/>
+                        <a:p>
+                          <a:endParaRPr lang="es-ES"/>
+                        </a:p>
+                      </a:txBody>
+                      <a:tcPr>
+                        <a:blipFill>
+                          <a:blip r:embed="rId4"/>
+                          <a:stretch>
+                            <a:fillRect l="-100000" t="-9639" r="-200400" b="-528916"/>
+                          </a:stretch>
+                        </a:blipFill>
+                      </a:tcPr>
+                    </a:tc>
+                    <a:tc>
+                      <a:txBody>
+                        <a:bodyPr/>
+                        <a:lstStyle/>
+                        <a:p>
+                          <a:endParaRPr lang="es-ES"/>
+                        </a:p>
+                      </a:txBody>
+                      <a:tcPr>
+                        <a:blipFill>
+                          <a:blip r:embed="rId4"/>
+                          <a:stretch>
+                            <a:fillRect l="-200000" t="-9639" r="-100400" b="-528916"/>
+                          </a:stretch>
+                        </a:blipFill>
+                      </a:tcPr>
+                    </a:tc>
+                    <a:tc>
+                      <a:txBody>
+                        <a:bodyPr/>
+                        <a:lstStyle/>
+                        <a:p>
+                          <a:pPr algn="ctr"/>
+                          <a:r>
+                            <a:rPr lang="es-ES" dirty="0"/>
+                            <a:t>Prob. be </a:t>
+                          </a:r>
+                          <a:r>
+                            <a:rPr lang="es-ES" dirty="0" err="1"/>
+                            <a:t>efficient</a:t>
+                          </a:r>
+                          <a:endParaRPr lang="es-ES" dirty="0"/>
+                        </a:p>
+                      </a:txBody>
+                      <a:tcPr/>
+                    </a:tc>
+                    <a:extLst>
+                      <a:ext uri="{0D108BD9-81ED-4DB2-BD59-A6C34878D82A}">
+                        <a16:rowId xmlns:a16="http://schemas.microsoft.com/office/drawing/2014/main" val="4092000649"/>
+                      </a:ext>
+                    </a:extLst>
+                  </a:tr>
+                  <a:tr h="502920">
+                    <a:tc>
+                      <a:txBody>
+                        <a:bodyPr/>
+                        <a:lstStyle/>
+                        <a:p>
+                          <a:r>
+                            <a:rPr lang="es-ES" dirty="0"/>
+                            <a:t>1</a:t>
+                          </a:r>
+                        </a:p>
+                      </a:txBody>
+                      <a:tcPr/>
+                    </a:tc>
+                    <a:tc>
+                      <a:txBody>
+                        <a:bodyPr/>
+                        <a:lstStyle/>
+                        <a:p>
+                          <a:pPr algn="ctr"/>
+                          <a:r>
+                            <a:rPr lang="es-ES" dirty="0"/>
+                            <a:t>5.245</a:t>
+                          </a:r>
+                        </a:p>
+                      </a:txBody>
+                      <a:tcPr/>
+                    </a:tc>
+                    <a:tc>
+                      <a:txBody>
+                        <a:bodyPr/>
+                        <a:lstStyle/>
+                        <a:p>
+                          <a:pPr algn="ctr"/>
+                          <a:r>
+                            <a:rPr lang="es-ES" dirty="0"/>
+                            <a:t>2.822103</a:t>
+                          </a:r>
+                        </a:p>
+                      </a:txBody>
+                      <a:tcPr/>
+                    </a:tc>
+                    <a:tc>
+                      <a:txBody>
+                        <a:bodyPr/>
+                        <a:lstStyle/>
+                        <a:p>
+                          <a:pPr algn="ctr"/>
+                          <a:r>
+                            <a:rPr lang="es-ES" dirty="0">
+                              <a:effectLst/>
+                            </a:rPr>
+                            <a:t>0.02 </a:t>
+                          </a:r>
+                          <a:endParaRPr lang="es-ES" dirty="0"/>
+                        </a:p>
+                      </a:txBody>
+                      <a:tcPr/>
+                    </a:tc>
+                    <a:extLst>
+                      <a:ext uri="{0D108BD9-81ED-4DB2-BD59-A6C34878D82A}">
+                        <a16:rowId xmlns:a16="http://schemas.microsoft.com/office/drawing/2014/main" val="187936132"/>
+                      </a:ext>
+                    </a:extLst>
+                  </a:tr>
+                  <a:tr h="502920">
+                    <a:tc>
+                      <a:txBody>
+                        <a:bodyPr/>
+                        <a:lstStyle/>
+                        <a:p>
+                          <a:r>
+                            <a:rPr lang="es-ES" dirty="0"/>
+                            <a:t>2</a:t>
+                          </a:r>
+                        </a:p>
+                      </a:txBody>
+                      <a:tcPr/>
+                    </a:tc>
+                    <a:tc>
+                      <a:txBody>
+                        <a:bodyPr/>
+                        <a:lstStyle/>
+                        <a:p>
+                          <a:pPr algn="ctr"/>
+                          <a:r>
+                            <a:rPr lang="es-ES" dirty="0"/>
+                            <a:t>5.245</a:t>
+                          </a:r>
+                        </a:p>
+                      </a:txBody>
+                      <a:tcPr/>
+                    </a:tc>
+                    <a:tc>
+                      <a:txBody>
+                        <a:bodyPr/>
+                        <a:lstStyle/>
+                        <a:p>
+                          <a:pPr algn="ctr"/>
+                          <a:r>
+                            <a:rPr lang="es-ES" dirty="0"/>
+                            <a:t>4.342776 </a:t>
+                          </a:r>
+                        </a:p>
+                      </a:txBody>
+                      <a:tcPr/>
+                    </a:tc>
+                    <a:tc>
+                      <a:txBody>
+                        <a:bodyPr/>
+                        <a:lstStyle/>
+                        <a:p>
+                          <a:pPr algn="ctr"/>
+                          <a:r>
+                            <a:rPr lang="es-ES" dirty="0">
+                              <a:effectLst/>
+                            </a:rPr>
+                            <a:t>0.09 </a:t>
+                          </a:r>
+                          <a:endParaRPr lang="es-ES" dirty="0"/>
+                        </a:p>
+                      </a:txBody>
+                      <a:tcPr/>
+                    </a:tc>
+                    <a:extLst>
+                      <a:ext uri="{0D108BD9-81ED-4DB2-BD59-A6C34878D82A}">
+                        <a16:rowId xmlns:a16="http://schemas.microsoft.com/office/drawing/2014/main" val="2610583558"/>
+                      </a:ext>
+                    </a:extLst>
+                  </a:tr>
+                  <a:tr h="502920">
+                    <a:tc>
+                      <a:txBody>
+                        <a:bodyPr/>
+                        <a:lstStyle/>
+                        <a:p>
+                          <a:r>
+                            <a:rPr lang="es-ES" dirty="0"/>
+                            <a:t>3</a:t>
+                          </a:r>
+                        </a:p>
+                      </a:txBody>
+                      <a:tcPr/>
+                    </a:tc>
+                    <a:tc>
+                      <a:txBody>
+                        <a:bodyPr/>
+                        <a:lstStyle/>
+                        <a:p>
+                          <a:pPr algn="ctr"/>
+                          <a:r>
+                            <a:rPr lang="es-ES" dirty="0"/>
+                            <a:t>5.245</a:t>
+                          </a:r>
+                        </a:p>
+                      </a:txBody>
+                      <a:tcPr/>
+                    </a:tc>
+                    <a:tc>
+                      <a:txBody>
+                        <a:bodyPr/>
+                        <a:lstStyle/>
+                        <a:p>
+                          <a:pPr algn="ctr"/>
+                          <a:r>
+                            <a:rPr lang="es-ES" dirty="0"/>
+                            <a:t>5.863450 </a:t>
+                          </a:r>
+                        </a:p>
+                      </a:txBody>
+                      <a:tcPr/>
+                    </a:tc>
+                    <a:tc>
+                      <a:txBody>
+                        <a:bodyPr/>
+                        <a:lstStyle/>
+                        <a:p>
+                          <a:pPr algn="ctr"/>
+                          <a:r>
+                            <a:rPr lang="es-ES" dirty="0">
+                              <a:effectLst/>
+                            </a:rPr>
+                            <a:t>0.47 </a:t>
+                          </a:r>
+                          <a:endParaRPr lang="es-ES" dirty="0"/>
+                        </a:p>
+                      </a:txBody>
+                      <a:tcPr/>
+                    </a:tc>
+                    <a:extLst>
+                      <a:ext uri="{0D108BD9-81ED-4DB2-BD59-A6C34878D82A}">
+                        <a16:rowId xmlns:a16="http://schemas.microsoft.com/office/drawing/2014/main" val="3779409085"/>
+                      </a:ext>
+                    </a:extLst>
+                  </a:tr>
+                  <a:tr h="502920">
+                    <a:tc>
+                      <a:txBody>
+                        <a:bodyPr/>
+                        <a:lstStyle/>
+                        <a:p>
+                          <a:r>
+                            <a:rPr lang="es-ES" dirty="0"/>
+                            <a:t>4</a:t>
+                          </a:r>
+                        </a:p>
+                      </a:txBody>
+                      <a:tcPr/>
+                    </a:tc>
+                    <a:tc>
+                      <a:txBody>
+                        <a:bodyPr/>
+                        <a:lstStyle/>
+                        <a:p>
+                          <a:pPr algn="ctr"/>
+                          <a:r>
+                            <a:rPr lang="es-ES" dirty="0"/>
+                            <a:t>5.245</a:t>
+                          </a:r>
+                        </a:p>
+                      </a:txBody>
+                      <a:tcPr/>
+                    </a:tc>
+                    <a:tc>
+                      <a:txBody>
+                        <a:bodyPr/>
+                        <a:lstStyle/>
+                        <a:p>
+                          <a:pPr algn="ctr"/>
+                          <a:r>
+                            <a:rPr lang="es-ES" dirty="0"/>
+                            <a:t>7.384123 </a:t>
+                          </a:r>
+                        </a:p>
+                      </a:txBody>
+                      <a:tcPr/>
+                    </a:tc>
+                    <a:tc>
+                      <a:txBody>
+                        <a:bodyPr/>
+                        <a:lstStyle/>
+                        <a:p>
+                          <a:pPr algn="ctr"/>
+                          <a:r>
+                            <a:rPr lang="es-ES" dirty="0">
+                              <a:effectLst/>
+                            </a:rPr>
+                            <a:t>0.93  </a:t>
+                          </a:r>
+                          <a:endParaRPr lang="es-ES" dirty="0"/>
+                        </a:p>
+                      </a:txBody>
+                      <a:tcPr/>
+                    </a:tc>
+                    <a:extLst>
+                      <a:ext uri="{0D108BD9-81ED-4DB2-BD59-A6C34878D82A}">
+                        <a16:rowId xmlns:a16="http://schemas.microsoft.com/office/drawing/2014/main" val="1090756739"/>
+                      </a:ext>
+                    </a:extLst>
+                  </a:tr>
+                  <a:tr h="502920">
+                    <a:tc>
+                      <a:txBody>
+                        <a:bodyPr/>
+                        <a:lstStyle/>
+                        <a:p>
+                          <a:r>
+                            <a:rPr lang="es-ES" dirty="0"/>
+                            <a:t>5</a:t>
+                          </a:r>
+                        </a:p>
+                      </a:txBody>
+                      <a:tcPr/>
+                    </a:tc>
+                    <a:tc>
+                      <a:txBody>
+                        <a:bodyPr/>
+                        <a:lstStyle/>
+                        <a:p>
+                          <a:pPr algn="ctr"/>
+                          <a:r>
+                            <a:rPr lang="es-ES" dirty="0"/>
+                            <a:t>5.245</a:t>
+                          </a:r>
+                        </a:p>
+                      </a:txBody>
+                      <a:tcPr/>
+                    </a:tc>
+                    <a:tc>
+                      <a:txBody>
+                        <a:bodyPr/>
+                        <a:lstStyle/>
+                        <a:p>
+                          <a:pPr algn="ctr"/>
+                          <a:r>
+                            <a:rPr lang="es-ES" dirty="0"/>
+                            <a:t>8.904796</a:t>
+                          </a:r>
+                        </a:p>
+                      </a:txBody>
+                      <a:tcPr/>
+                    </a:tc>
+                    <a:tc>
+                      <a:txBody>
+                        <a:bodyPr/>
+                        <a:lstStyle/>
+                        <a:p>
+                          <a:pPr algn="ctr"/>
+                          <a:r>
+                            <a:rPr lang="es-ES" dirty="0">
+                              <a:effectLst/>
+                            </a:rPr>
+                            <a:t>1.00 </a:t>
+                          </a:r>
+                          <a:endParaRPr lang="es-ES" dirty="0"/>
+                        </a:p>
+                      </a:txBody>
+                      <a:tcPr/>
+                    </a:tc>
+                    <a:extLst>
+                      <a:ext uri="{0D108BD9-81ED-4DB2-BD59-A6C34878D82A}">
+                        <a16:rowId xmlns:a16="http://schemas.microsoft.com/office/drawing/2014/main" val="183639519"/>
+                      </a:ext>
+                    </a:extLst>
+                  </a:tr>
+                </a:tbl>
+              </a:graphicData>
+            </a:graphic>
+          </p:graphicFrame>
+        </mc:Fallback>
+      </mc:AlternateContent>
+    </p:spTree>
+    <p:extLst>
+      <p:ext uri="{BB962C8B-B14F-4D97-AF65-F5344CB8AC3E}">
+        <p14:creationId xmlns:p14="http://schemas.microsoft.com/office/powerpoint/2010/main" val="3237239099"/>
+      </p:ext>
+    </p:extLst>
+  </p:cSld>
+  <p:clrMapOvr>
+    <a:masterClrMapping/>
+  </p:clrMapOvr>
+</p:sld>
+</file>
+
+<file path=ppt/slides/slide2.xml><?xml version="1.0" encoding="utf-8"?>
+<p:sld xmlns:a="http://schemas.openxmlformats.org/drawingml/2006/main" xmlns:r="http://schemas.openxmlformats.org/officeDocument/2006/relationships" xmlns:p="http://schemas.openxmlformats.org/presentationml/2006/main">
+  <p:cSld>
+    <p:spTree>
+      <p:nvGrpSpPr>
+        <p:cNvPr id="1" name=""/>
+        <p:cNvGrpSpPr/>
+        <p:nvPr/>
+      </p:nvGrpSpPr>
+      <p:grpSpPr>
+        <a:xfrm>
+          <a:off x="0" y="0"/>
+          <a:ext cx="0" cy="0"/>
+          <a:chOff x="0" y="0"/>
+          <a:chExt cx="0" cy="0"/>
+        </a:xfrm>
+      </p:grpSpPr>
+      <p:sp>
+        <p:nvSpPr>
+          <p:cNvPr id="2" name="Título 1">
+            <a:extLst>
+              <a:ext uri="{FF2B5EF4-FFF2-40B4-BE49-F238E27FC236}">
+                <a16:creationId xmlns:a16="http://schemas.microsoft.com/office/drawing/2014/main" id="{BFE94856-9D9C-4ED9-90BF-F310B65BA2C7}"/>
+              </a:ext>
+            </a:extLst>
+          </p:cNvPr>
+          <p:cNvSpPr>
+            <a:spLocks noGrp="1"/>
+          </p:cNvSpPr>
+          <p:nvPr>
+            <p:ph type="title"/>
+          </p:nvPr>
+        </p:nvSpPr>
+        <p:spPr/>
+        <p:txBody>
+          <a:bodyPr/>
+          <a:lstStyle/>
+          <a:p>
+            <a:r>
+              <a:rPr lang="en-AU" dirty="0"/>
+              <a:t>Index</a:t>
+            </a:r>
+          </a:p>
+        </p:txBody>
+      </p:sp>
+      <p:sp>
+        <p:nvSpPr>
+          <p:cNvPr id="3" name="Marcador de contenido 2">
+            <a:extLst>
+              <a:ext uri="{FF2B5EF4-FFF2-40B4-BE49-F238E27FC236}">
+                <a16:creationId xmlns:a16="http://schemas.microsoft.com/office/drawing/2014/main" id="{92AD0A21-745E-4A0B-93F3-9909AF99A29B}"/>
+              </a:ext>
+            </a:extLst>
+          </p:cNvPr>
+          <p:cNvSpPr>
+            <a:spLocks noGrp="1"/>
+          </p:cNvSpPr>
+          <p:nvPr>
+            <p:ph idx="1"/>
+          </p:nvPr>
+        </p:nvSpPr>
+        <p:spPr/>
+        <p:txBody>
+          <a:bodyPr anchor="ctr">
+            <a:normAutofit/>
+          </a:bodyPr>
+          <a:lstStyle/>
+          <a:p>
+            <a:pPr>
+              <a:lnSpc>
+                <a:spcPct val="150000"/>
+              </a:lnSpc>
+              <a:spcBef>
+                <a:spcPts val="1200"/>
+              </a:spcBef>
+              <a:spcAft>
+                <a:spcPts val="1200"/>
+              </a:spcAft>
+            </a:pPr>
+            <a:r>
+              <a:rPr lang="en-AU" sz="4800" dirty="0"/>
+              <a:t>Introduction</a:t>
+            </a:r>
+          </a:p>
+          <a:p>
+            <a:pPr>
+              <a:lnSpc>
+                <a:spcPct val="150000"/>
+              </a:lnSpc>
+              <a:spcBef>
+                <a:spcPts val="1200"/>
+              </a:spcBef>
+              <a:spcAft>
+                <a:spcPts val="1200"/>
+              </a:spcAft>
+            </a:pPr>
+            <a:r>
+              <a:rPr lang="en-AU" sz="4800" dirty="0"/>
+              <a:t>Methodology</a:t>
+            </a:r>
+          </a:p>
+          <a:p>
+            <a:pPr>
+              <a:lnSpc>
+                <a:spcPct val="150000"/>
+              </a:lnSpc>
+              <a:spcBef>
+                <a:spcPts val="1200"/>
+              </a:spcBef>
+              <a:spcAft>
+                <a:spcPts val="1200"/>
+              </a:spcAft>
+            </a:pPr>
+            <a:r>
+              <a:rPr lang="en-AU" sz="4800" dirty="0"/>
+              <a:t>An empirical application</a:t>
+            </a:r>
+          </a:p>
+          <a:p>
+            <a:pPr>
+              <a:lnSpc>
+                <a:spcPct val="150000"/>
+              </a:lnSpc>
+              <a:spcBef>
+                <a:spcPts val="1200"/>
+              </a:spcBef>
+              <a:spcAft>
+                <a:spcPts val="1200"/>
+              </a:spcAft>
+            </a:pPr>
+            <a:r>
+              <a:rPr lang="en-AU" sz="4800" dirty="0"/>
+              <a:t>Conclusions</a:t>
+            </a:r>
+          </a:p>
+        </p:txBody>
+      </p:sp>
+      <p:sp>
+        <p:nvSpPr>
+          <p:cNvPr id="4" name="Marcador de pie de página 3">
+            <a:extLst>
+              <a:ext uri="{FF2B5EF4-FFF2-40B4-BE49-F238E27FC236}">
+                <a16:creationId xmlns:a16="http://schemas.microsoft.com/office/drawing/2014/main" id="{5F27C00A-ACDC-4E4A-984A-BDB61556F009}"/>
+              </a:ext>
+            </a:extLst>
+          </p:cNvPr>
+          <p:cNvSpPr>
+            <a:spLocks noGrp="1"/>
+          </p:cNvSpPr>
+          <p:nvPr>
+            <p:ph type="ftr" sz="quarter" idx="11"/>
+          </p:nvPr>
+        </p:nvSpPr>
+        <p:spPr/>
+        <p:txBody>
+          <a:bodyPr/>
+          <a:lstStyle/>
+          <a:p>
+            <a:pPr algn="ctr">
+              <a:lnSpc>
+                <a:spcPct val="150000"/>
+              </a:lnSpc>
+              <a:spcAft>
+                <a:spcPts val="800"/>
+              </a:spcAft>
+            </a:pPr>
+            <a:r>
+              <a:rPr lang="en-US" sz="1800" b="1" kern="100" dirty="0">
+                <a:effectLst/>
+                <a:latin typeface="Times New Roman" panose="02020603050405020304" pitchFamily="18" charset="0"/>
+                <a:ea typeface="Aptos" panose="020B0004020202020204" pitchFamily="34" charset="0"/>
+                <a:cs typeface="Times New Roman" panose="02020603050405020304" pitchFamily="18" charset="0"/>
+              </a:rPr>
+              <a:t>Using sensitivity analysis and visualization techniques to open black box data mining models: a </a:t>
+            </a:r>
+            <a:r>
+              <a:rPr lang="en-US" sz="1800" b="1" kern="100" dirty="0" err="1">
+                <a:effectLst/>
+                <a:latin typeface="Times New Roman" panose="02020603050405020304" pitchFamily="18" charset="0"/>
+                <a:ea typeface="Aptos" panose="020B0004020202020204" pitchFamily="34" charset="0"/>
+                <a:cs typeface="Times New Roman" panose="02020603050405020304" pitchFamily="18" charset="0"/>
+              </a:rPr>
+              <a:t>rminer</a:t>
+            </a:r>
+            <a:r>
+              <a:rPr lang="en-US" sz="1800" b="1" kern="100" dirty="0">
+                <a:effectLst/>
+                <a:latin typeface="Times New Roman" panose="02020603050405020304" pitchFamily="18" charset="0"/>
+                <a:ea typeface="Aptos" panose="020B0004020202020204" pitchFamily="34" charset="0"/>
+                <a:cs typeface="Times New Roman" panose="02020603050405020304" pitchFamily="18" charset="0"/>
+              </a:rPr>
+              <a:t> example</a:t>
+            </a:r>
+            <a:endParaRPr lang="es-ES" sz="1600" kern="100" dirty="0">
+              <a:effectLst/>
+              <a:latin typeface="Times New Roman" panose="02020603050405020304" pitchFamily="18" charset="0"/>
+              <a:ea typeface="Aptos" panose="020B0004020202020204" pitchFamily="34" charset="0"/>
+              <a:cs typeface="Times New Roman" panose="02020603050405020304" pitchFamily="18" charset="0"/>
+            </a:endParaRPr>
+          </a:p>
+        </p:txBody>
+      </p:sp>
+      <p:sp>
+        <p:nvSpPr>
+          <p:cNvPr id="5" name="Marcador de número de diapositiva 4">
+            <a:extLst>
+              <a:ext uri="{FF2B5EF4-FFF2-40B4-BE49-F238E27FC236}">
+                <a16:creationId xmlns:a16="http://schemas.microsoft.com/office/drawing/2014/main" id="{C9FC0917-D875-4A91-9E78-00B68053351E}"/>
+              </a:ext>
+            </a:extLst>
+          </p:cNvPr>
+          <p:cNvSpPr>
+            <a:spLocks noGrp="1"/>
+          </p:cNvSpPr>
+          <p:nvPr>
+            <p:ph type="sldNum" sz="quarter" idx="12"/>
+          </p:nvPr>
+        </p:nvSpPr>
+        <p:spPr/>
+        <p:txBody>
+          <a:bodyPr/>
+          <a:lstStyle/>
+          <a:p>
+            <a:fld id="{DBFF9636-A71C-488A-89F8-02E08556F10C}" type="slidenum">
+              <a:rPr lang="es-ES" smtClean="0"/>
+              <a:pPr/>
+              <a:t>2</a:t>
+            </a:fld>
+            <a:endParaRPr lang="es-ES" dirty="0"/>
+          </a:p>
+        </p:txBody>
+      </p:sp>
+    </p:spTree>
+    <p:extLst>
+      <p:ext uri="{BB962C8B-B14F-4D97-AF65-F5344CB8AC3E}">
+        <p14:creationId xmlns:p14="http://schemas.microsoft.com/office/powerpoint/2010/main" val="392837780"/>
+      </p:ext>
+    </p:extLst>
+  </p:cSld>
+  <p:clrMapOvr>
+    <a:masterClrMapping/>
+  </p:clrMapOvr>
+</p:sld>
+</file>
+
+<file path=ppt/slides/slide20.xml><?xml version="1.0" encoding="utf-8"?>
+<p:sld xmlns:a="http://schemas.openxmlformats.org/drawingml/2006/main" xmlns:r="http://schemas.openxmlformats.org/officeDocument/2006/relationships" xmlns:p="http://schemas.openxmlformats.org/presentationml/2006/main">
+  <p:cSld>
+    <p:spTree>
+      <p:nvGrpSpPr>
+        <p:cNvPr id="1" name=""/>
+        <p:cNvGrpSpPr/>
+        <p:nvPr/>
+      </p:nvGrpSpPr>
+      <p:grpSpPr>
+        <a:xfrm>
+          <a:off x="0" y="0"/>
+          <a:ext cx="0" cy="0"/>
+          <a:chOff x="0" y="0"/>
+          <a:chExt cx="0" cy="0"/>
+        </a:xfrm>
+      </p:grpSpPr>
+      <p:sp>
+        <p:nvSpPr>
+          <p:cNvPr id="2" name="Título 1">
+            <a:extLst>
+              <a:ext uri="{FF2B5EF4-FFF2-40B4-BE49-F238E27FC236}">
+                <a16:creationId xmlns:a16="http://schemas.microsoft.com/office/drawing/2014/main" id="{86BA8BD2-2360-47C4-A428-A34D4F1BE424}"/>
+              </a:ext>
+            </a:extLst>
+          </p:cNvPr>
+          <p:cNvSpPr>
+            <a:spLocks noGrp="1"/>
+          </p:cNvSpPr>
+          <p:nvPr>
+            <p:ph type="title"/>
+          </p:nvPr>
+        </p:nvSpPr>
+        <p:spPr/>
+        <p:txBody>
+          <a:bodyPr/>
+          <a:lstStyle/>
+          <a:p>
+            <a:r>
+              <a:rPr lang="es-ES" dirty="0"/>
+              <a:t>1D-SA: </a:t>
+            </a:r>
+            <a:r>
+              <a:rPr lang="es-ES" dirty="0" err="1"/>
+              <a:t>Example</a:t>
+            </a:r>
+            <a:endParaRPr lang="en-GB" dirty="0"/>
+          </a:p>
+        </p:txBody>
+      </p:sp>
+      <p:sp>
+        <p:nvSpPr>
+          <p:cNvPr id="4" name="Marcador de pie de página 3">
+            <a:extLst>
+              <a:ext uri="{FF2B5EF4-FFF2-40B4-BE49-F238E27FC236}">
+                <a16:creationId xmlns:a16="http://schemas.microsoft.com/office/drawing/2014/main" id="{32E9E3CC-AACD-421E-ADF4-8100E3695283}"/>
+              </a:ext>
+            </a:extLst>
+          </p:cNvPr>
+          <p:cNvSpPr>
+            <a:spLocks noGrp="1"/>
+          </p:cNvSpPr>
+          <p:nvPr>
+            <p:ph type="ftr" sz="quarter" idx="11"/>
+          </p:nvPr>
+        </p:nvSpPr>
+        <p:spPr/>
+        <p:txBody>
+          <a:bodyPr/>
+          <a:lstStyle/>
+          <a:p>
+            <a:pPr algn="ctr">
+              <a:lnSpc>
+                <a:spcPct val="150000"/>
+              </a:lnSpc>
+              <a:spcAft>
+                <a:spcPts val="800"/>
+              </a:spcAft>
+            </a:pPr>
+            <a:r>
+              <a:rPr lang="en-US" sz="1800" b="1" kern="100" dirty="0">
+                <a:effectLst/>
+                <a:latin typeface="Times New Roman" panose="02020603050405020304" pitchFamily="18" charset="0"/>
+                <a:ea typeface="Aptos" panose="020B0004020202020204" pitchFamily="34" charset="0"/>
+                <a:cs typeface="Times New Roman" panose="02020603050405020304" pitchFamily="18" charset="0"/>
+              </a:rPr>
+              <a:t>Using sensitivity analysis and visualization techniques to open black box data mining models: a </a:t>
+            </a:r>
+            <a:r>
+              <a:rPr lang="en-US" sz="1800" b="1" kern="100" dirty="0" err="1">
+                <a:effectLst/>
+                <a:latin typeface="Times New Roman" panose="02020603050405020304" pitchFamily="18" charset="0"/>
+                <a:ea typeface="Aptos" panose="020B0004020202020204" pitchFamily="34" charset="0"/>
+                <a:cs typeface="Times New Roman" panose="02020603050405020304" pitchFamily="18" charset="0"/>
+              </a:rPr>
+              <a:t>rminer</a:t>
+            </a:r>
+            <a:r>
+              <a:rPr lang="en-US" sz="1800" b="1" kern="100" dirty="0">
+                <a:effectLst/>
+                <a:latin typeface="Times New Roman" panose="02020603050405020304" pitchFamily="18" charset="0"/>
+                <a:ea typeface="Aptos" panose="020B0004020202020204" pitchFamily="34" charset="0"/>
+                <a:cs typeface="Times New Roman" panose="02020603050405020304" pitchFamily="18" charset="0"/>
+              </a:rPr>
+              <a:t> example</a:t>
+            </a:r>
+            <a:endParaRPr lang="es-ES" sz="1600" kern="100" dirty="0">
+              <a:effectLst/>
+              <a:latin typeface="Times New Roman" panose="02020603050405020304" pitchFamily="18" charset="0"/>
+              <a:ea typeface="Aptos" panose="020B0004020202020204" pitchFamily="34" charset="0"/>
+              <a:cs typeface="Times New Roman" panose="02020603050405020304" pitchFamily="18" charset="0"/>
+            </a:endParaRPr>
+          </a:p>
+        </p:txBody>
+      </p:sp>
+      <p:sp>
+        <p:nvSpPr>
+          <p:cNvPr id="5" name="Marcador de número de diapositiva 4">
+            <a:extLst>
+              <a:ext uri="{FF2B5EF4-FFF2-40B4-BE49-F238E27FC236}">
+                <a16:creationId xmlns:a16="http://schemas.microsoft.com/office/drawing/2014/main" id="{5CD26059-5682-4382-89E1-677AD7B72CFE}"/>
+              </a:ext>
+            </a:extLst>
+          </p:cNvPr>
+          <p:cNvSpPr>
+            <a:spLocks noGrp="1"/>
+          </p:cNvSpPr>
+          <p:nvPr>
+            <p:ph type="sldNum" sz="quarter" idx="12"/>
+          </p:nvPr>
+        </p:nvSpPr>
+        <p:spPr/>
+        <p:txBody>
+          <a:bodyPr/>
+          <a:lstStyle/>
+          <a:p>
+            <a:fld id="{DBFF9636-A71C-488A-89F8-02E08556F10C}" type="slidenum">
+              <a:rPr lang="es-ES" smtClean="0"/>
+              <a:pPr/>
+              <a:t>20</a:t>
+            </a:fld>
+            <a:endParaRPr lang="es-ES" dirty="0"/>
+          </a:p>
+        </p:txBody>
+      </p:sp>
+      <p:pic>
+        <p:nvPicPr>
+          <p:cNvPr id="7" name="Imagen 6" descr="Gráfico, Gráfico de líneas&#10;&#10;Descripción generada automáticamente">
+            <a:extLst>
+              <a:ext uri="{FF2B5EF4-FFF2-40B4-BE49-F238E27FC236}">
+                <a16:creationId xmlns:a16="http://schemas.microsoft.com/office/drawing/2014/main" id="{97EF0004-17FF-766A-BA21-5E236748219A}"/>
+              </a:ext>
+            </a:extLst>
+          </p:cNvPr>
+          <p:cNvPicPr>
+            <a:picLocks noChangeAspect="1"/>
+          </p:cNvPicPr>
+          <p:nvPr/>
+        </p:nvPicPr>
+        <p:blipFill>
+          <a:blip r:embed="rId3">
+            <a:extLst>
+              <a:ext uri="{28A0092B-C50C-407E-A947-70E740481C1C}">
+                <a14:useLocalDpi xmlns:a14="http://schemas.microsoft.com/office/drawing/2010/main" val="0"/>
+              </a:ext>
+            </a:extLst>
+          </a:blip>
+          <a:stretch>
+            <a:fillRect/>
+          </a:stretch>
+        </p:blipFill>
+        <p:spPr>
+          <a:xfrm>
+            <a:off x="1653085" y="2789816"/>
+            <a:ext cx="7162292" cy="5648665"/>
+          </a:xfrm>
+          <a:prstGeom prst="rect">
+            <a:avLst/>
+          </a:prstGeom>
+        </p:spPr>
+      </p:pic>
+      <p:pic>
+        <p:nvPicPr>
+          <p:cNvPr id="14" name="Marcador de contenido 13" descr="Interfaz de usuario gráfica, Gráfico&#10;&#10;Descripción generada automáticamente">
+            <a:extLst>
+              <a:ext uri="{FF2B5EF4-FFF2-40B4-BE49-F238E27FC236}">
+                <a16:creationId xmlns:a16="http://schemas.microsoft.com/office/drawing/2014/main" id="{D39FE0DE-3BBD-7F5D-5F48-17F9FEA80ACF}"/>
+              </a:ext>
+            </a:extLst>
+          </p:cNvPr>
+          <p:cNvPicPr>
+            <a:picLocks noGrp="1" noChangeAspect="1"/>
+          </p:cNvPicPr>
+          <p:nvPr>
+            <p:ph idx="1"/>
+          </p:nvPr>
+        </p:nvPicPr>
+        <p:blipFill>
+          <a:blip r:embed="rId4">
+            <a:extLst>
+              <a:ext uri="{28A0092B-C50C-407E-A947-70E740481C1C}">
+                <a14:useLocalDpi xmlns:a14="http://schemas.microsoft.com/office/drawing/2010/main" val="0"/>
+              </a:ext>
+            </a:extLst>
+          </a:blip>
+          <a:stretch>
+            <a:fillRect/>
+          </a:stretch>
+        </p:blipFill>
+        <p:spPr>
+          <a:xfrm>
+            <a:off x="9472625" y="2633418"/>
+            <a:ext cx="7558075" cy="5961460"/>
+          </a:xfrm>
+        </p:spPr>
+      </p:pic>
+      <p:sp>
+        <p:nvSpPr>
+          <p:cNvPr id="15" name="CuadroTexto 14">
+            <a:extLst>
+              <a:ext uri="{FF2B5EF4-FFF2-40B4-BE49-F238E27FC236}">
+                <a16:creationId xmlns:a16="http://schemas.microsoft.com/office/drawing/2014/main" id="{D6CB94BF-C3DE-B3E9-96CE-31FDC2C8803C}"/>
+              </a:ext>
+            </a:extLst>
+          </p:cNvPr>
+          <p:cNvSpPr txBox="1"/>
+          <p:nvPr/>
+        </p:nvSpPr>
+        <p:spPr>
+          <a:xfrm>
+            <a:off x="2052033" y="8575654"/>
+            <a:ext cx="6364396" cy="507831"/>
+          </a:xfrm>
+          <a:prstGeom prst="rect">
+            <a:avLst/>
+          </a:prstGeom>
+          <a:noFill/>
+        </p:spPr>
+        <p:txBody>
+          <a:bodyPr wrap="square" rtlCol="0">
+            <a:spAutoFit/>
+          </a:bodyPr>
+          <a:lstStyle/>
+          <a:p>
+            <a:r>
+              <a:rPr lang="en-US" dirty="0">
+                <a:latin typeface="DIN" panose="020B0604020202020204" charset="0"/>
+              </a:rPr>
+              <a:t>Density plot based on probability levels.</a:t>
+            </a:r>
+            <a:endParaRPr lang="es-ES" dirty="0">
+              <a:latin typeface="DIN" panose="020B0604020202020204" charset="0"/>
+            </a:endParaRPr>
+          </a:p>
+        </p:txBody>
+      </p:sp>
+      <p:sp>
+        <p:nvSpPr>
+          <p:cNvPr id="16" name="CuadroTexto 15">
+            <a:extLst>
+              <a:ext uri="{FF2B5EF4-FFF2-40B4-BE49-F238E27FC236}">
+                <a16:creationId xmlns:a16="http://schemas.microsoft.com/office/drawing/2014/main" id="{0EC3E581-98D6-3BC0-552F-06798A7EEA0C}"/>
+              </a:ext>
+            </a:extLst>
+          </p:cNvPr>
+          <p:cNvSpPr txBox="1"/>
+          <p:nvPr/>
+        </p:nvSpPr>
+        <p:spPr>
+          <a:xfrm>
+            <a:off x="9843674" y="8575654"/>
+            <a:ext cx="6815975" cy="507831"/>
+          </a:xfrm>
+          <a:prstGeom prst="rect">
+            <a:avLst/>
+          </a:prstGeom>
+          <a:noFill/>
+        </p:spPr>
+        <p:txBody>
+          <a:bodyPr wrap="square" rtlCol="0">
+            <a:spAutoFit/>
+          </a:bodyPr>
+          <a:lstStyle/>
+          <a:p>
+            <a:r>
+              <a:rPr lang="en-US" dirty="0">
+                <a:latin typeface="DIN" panose="020B0604020202020204" charset="0"/>
+              </a:rPr>
+              <a:t>Relative importance of variables </a:t>
+            </a:r>
+            <a:r>
+              <a:rPr lang="es-ES" dirty="0">
+                <a:latin typeface="DIN" panose="020B0604020202020204" charset="0"/>
+              </a:rPr>
+              <a:t>in 1D-SA.</a:t>
+            </a:r>
+          </a:p>
+        </p:txBody>
+      </p:sp>
+    </p:spTree>
+    <p:extLst>
+      <p:ext uri="{BB962C8B-B14F-4D97-AF65-F5344CB8AC3E}">
+        <p14:creationId xmlns:p14="http://schemas.microsoft.com/office/powerpoint/2010/main" val="2904291998"/>
+      </p:ext>
+    </p:extLst>
+  </p:cSld>
+  <p:clrMapOvr>
+    <a:masterClrMapping/>
+  </p:clrMapOvr>
+</p:sld>
+</file>
+
+<file path=ppt/slides/slide21.xml><?xml version="1.0" encoding="utf-8"?>
+<p:sld xmlns:a="http://schemas.openxmlformats.org/drawingml/2006/main" xmlns:r="http://schemas.openxmlformats.org/officeDocument/2006/relationships" xmlns:p="http://schemas.openxmlformats.org/presentationml/2006/main">
+  <p:cSld>
+    <p:spTree>
+      <p:nvGrpSpPr>
+        <p:cNvPr id="1" name=""/>
+        <p:cNvGrpSpPr/>
+        <p:nvPr/>
+      </p:nvGrpSpPr>
+      <p:grpSpPr>
+        <a:xfrm>
+          <a:off x="0" y="0"/>
+          <a:ext cx="0" cy="0"/>
+          <a:chOff x="0" y="0"/>
+          <a:chExt cx="0" cy="0"/>
+        </a:xfrm>
+      </p:grpSpPr>
+      <p:sp>
+        <p:nvSpPr>
+          <p:cNvPr id="2" name="Título 1">
+            <a:extLst>
+              <a:ext uri="{FF2B5EF4-FFF2-40B4-BE49-F238E27FC236}">
+                <a16:creationId xmlns:a16="http://schemas.microsoft.com/office/drawing/2014/main" id="{86BA8BD2-2360-47C4-A428-A34D4F1BE424}"/>
+              </a:ext>
+            </a:extLst>
+          </p:cNvPr>
+          <p:cNvSpPr>
+            <a:spLocks noGrp="1"/>
+          </p:cNvSpPr>
+          <p:nvPr>
+            <p:ph type="title"/>
+          </p:nvPr>
+        </p:nvSpPr>
+        <p:spPr/>
+        <p:txBody>
+          <a:bodyPr/>
+          <a:lstStyle/>
+          <a:p>
+            <a:r>
+              <a:rPr lang="es-ES" dirty="0"/>
+              <a:t>1D-SA: </a:t>
+            </a:r>
+            <a:r>
+              <a:rPr lang="es-ES" dirty="0" err="1"/>
+              <a:t>Example</a:t>
+            </a:r>
+            <a:endParaRPr lang="en-GB" dirty="0"/>
+          </a:p>
+        </p:txBody>
+      </p:sp>
+      <p:sp>
+        <p:nvSpPr>
+          <p:cNvPr id="4" name="Marcador de pie de página 3">
+            <a:extLst>
+              <a:ext uri="{FF2B5EF4-FFF2-40B4-BE49-F238E27FC236}">
+                <a16:creationId xmlns:a16="http://schemas.microsoft.com/office/drawing/2014/main" id="{32E9E3CC-AACD-421E-ADF4-8100E3695283}"/>
+              </a:ext>
+            </a:extLst>
+          </p:cNvPr>
+          <p:cNvSpPr>
+            <a:spLocks noGrp="1"/>
+          </p:cNvSpPr>
+          <p:nvPr>
+            <p:ph type="ftr" sz="quarter" idx="11"/>
+          </p:nvPr>
+        </p:nvSpPr>
+        <p:spPr/>
+        <p:txBody>
+          <a:bodyPr/>
+          <a:lstStyle/>
+          <a:p>
+            <a:pPr algn="ctr">
+              <a:lnSpc>
+                <a:spcPct val="150000"/>
+              </a:lnSpc>
+              <a:spcAft>
+                <a:spcPts val="800"/>
+              </a:spcAft>
+            </a:pPr>
+            <a:r>
+              <a:rPr lang="en-US" sz="1800" b="1" kern="100" dirty="0">
+                <a:effectLst/>
+                <a:latin typeface="Times New Roman" panose="02020603050405020304" pitchFamily="18" charset="0"/>
+                <a:ea typeface="Aptos" panose="020B0004020202020204" pitchFamily="34" charset="0"/>
+                <a:cs typeface="Times New Roman" panose="02020603050405020304" pitchFamily="18" charset="0"/>
+              </a:rPr>
+              <a:t>Using sensitivity analysis and visualization techniques to open black box data mining models: a </a:t>
+            </a:r>
+            <a:r>
+              <a:rPr lang="en-US" sz="1800" b="1" kern="100" dirty="0" err="1">
+                <a:effectLst/>
+                <a:latin typeface="Times New Roman" panose="02020603050405020304" pitchFamily="18" charset="0"/>
+                <a:ea typeface="Aptos" panose="020B0004020202020204" pitchFamily="34" charset="0"/>
+                <a:cs typeface="Times New Roman" panose="02020603050405020304" pitchFamily="18" charset="0"/>
+              </a:rPr>
+              <a:t>rminer</a:t>
+            </a:r>
+            <a:r>
+              <a:rPr lang="en-US" sz="1800" b="1" kern="100" dirty="0">
+                <a:effectLst/>
+                <a:latin typeface="Times New Roman" panose="02020603050405020304" pitchFamily="18" charset="0"/>
+                <a:ea typeface="Aptos" panose="020B0004020202020204" pitchFamily="34" charset="0"/>
+                <a:cs typeface="Times New Roman" panose="02020603050405020304" pitchFamily="18" charset="0"/>
+              </a:rPr>
+              <a:t> example</a:t>
+            </a:r>
+            <a:endParaRPr lang="es-ES" sz="1600" kern="100" dirty="0">
+              <a:effectLst/>
+              <a:latin typeface="Times New Roman" panose="02020603050405020304" pitchFamily="18" charset="0"/>
+              <a:ea typeface="Aptos" panose="020B0004020202020204" pitchFamily="34" charset="0"/>
+              <a:cs typeface="Times New Roman" panose="02020603050405020304" pitchFamily="18" charset="0"/>
+            </a:endParaRPr>
+          </a:p>
+        </p:txBody>
+      </p:sp>
+      <p:sp>
+        <p:nvSpPr>
+          <p:cNvPr id="5" name="Marcador de número de diapositiva 4">
+            <a:extLst>
+              <a:ext uri="{FF2B5EF4-FFF2-40B4-BE49-F238E27FC236}">
+                <a16:creationId xmlns:a16="http://schemas.microsoft.com/office/drawing/2014/main" id="{5CD26059-5682-4382-89E1-677AD7B72CFE}"/>
+              </a:ext>
+            </a:extLst>
+          </p:cNvPr>
+          <p:cNvSpPr>
+            <a:spLocks noGrp="1"/>
+          </p:cNvSpPr>
+          <p:nvPr>
+            <p:ph type="sldNum" sz="quarter" idx="12"/>
+          </p:nvPr>
+        </p:nvSpPr>
+        <p:spPr/>
+        <p:txBody>
+          <a:bodyPr/>
+          <a:lstStyle/>
+          <a:p>
+            <a:fld id="{DBFF9636-A71C-488A-89F8-02E08556F10C}" type="slidenum">
+              <a:rPr lang="es-ES" smtClean="0"/>
+              <a:pPr/>
+              <a:t>21</a:t>
+            </a:fld>
+            <a:endParaRPr lang="es-ES" dirty="0"/>
+          </a:p>
+        </p:txBody>
+      </p:sp>
+      <mc:AlternateContent xmlns:mc="http://schemas.openxmlformats.org/markup-compatibility/2006">
+        <mc:Choice xmlns:a14="http://schemas.microsoft.com/office/drawing/2010/main" Requires="a14">
+          <p:sp>
+            <p:nvSpPr>
+              <p:cNvPr id="3" name="Marcador de contenido 2">
+                <a:extLst>
+                  <a:ext uri="{FF2B5EF4-FFF2-40B4-BE49-F238E27FC236}">
+                    <a16:creationId xmlns:a16="http://schemas.microsoft.com/office/drawing/2014/main" id="{4494177C-73C9-19D2-B33F-3A421F270BD1}"/>
+                  </a:ext>
+                </a:extLst>
+              </p:cNvPr>
+              <p:cNvSpPr>
+                <a:spLocks noGrp="1"/>
+              </p:cNvSpPr>
+              <p:nvPr>
+                <p:ph idx="1"/>
+              </p:nvPr>
+            </p:nvSpPr>
+            <p:spPr>
+              <a:xfrm>
+                <a:off x="831520" y="3097269"/>
+                <a:ext cx="4270567" cy="5850074"/>
+              </a:xfrm>
+            </p:spPr>
+            <p:txBody>
+              <a:bodyPr>
+                <a:normAutofit/>
+              </a:bodyPr>
+              <a:lstStyle/>
+              <a:p>
+                <a:r>
+                  <a:rPr lang="en-US" sz="4400" dirty="0">
+                    <a:effectLst/>
+                    <a:latin typeface="DIN" panose="020B0604020202020204" charset="0"/>
+                    <a:ea typeface="Aptos" panose="020B0004020202020204" pitchFamily="34" charset="0"/>
+                  </a:rPr>
+                  <a:t>5 Levels for </a:t>
+                </a:r>
+                <a14:m>
+                  <m:oMath xmlns:m="http://schemas.openxmlformats.org/officeDocument/2006/math">
+                    <m:r>
+                      <a:rPr lang="es-ES" sz="4400" b="0" i="1" smtClean="0">
+                        <a:effectLst/>
+                        <a:latin typeface="Cambria Math" panose="02040503050406030204" pitchFamily="18" charset="0"/>
+                        <a:ea typeface="Aptos" panose="020B0004020202020204" pitchFamily="34" charset="0"/>
+                      </a:rPr>
+                      <m:t>𝑥</m:t>
+                    </m:r>
+                    <m:r>
+                      <a:rPr lang="es-ES" sz="4400" b="0" i="1" smtClean="0">
+                        <a:effectLst/>
+                        <a:latin typeface="Cambria Math" panose="02040503050406030204" pitchFamily="18" charset="0"/>
+                        <a:ea typeface="Aptos" panose="020B0004020202020204" pitchFamily="34" charset="0"/>
+                      </a:rPr>
+                      <m:t>1</m:t>
+                    </m:r>
+                  </m:oMath>
+                </a14:m>
+                <a:r>
+                  <a:rPr lang="en-US" sz="4400" dirty="0">
+                    <a:effectLst/>
+                    <a:latin typeface="DIN" panose="020B0604020202020204" charset="0"/>
+                    <a:ea typeface="Aptos" panose="020B0004020202020204" pitchFamily="34" charset="0"/>
+                  </a:rPr>
+                  <a:t> for each DMU:</a:t>
+                </a:r>
+              </a:p>
+              <a:p>
+                <a:endParaRPr lang="en-GB" dirty="0"/>
+              </a:p>
+            </p:txBody>
+          </p:sp>
+        </mc:Choice>
+        <mc:Fallback>
+          <p:sp>
+            <p:nvSpPr>
+              <p:cNvPr id="3" name="Marcador de contenido 2">
+                <a:extLst>
+                  <a:ext uri="{FF2B5EF4-FFF2-40B4-BE49-F238E27FC236}">
+                    <a16:creationId xmlns:a16="http://schemas.microsoft.com/office/drawing/2014/main" id="{4494177C-73C9-19D2-B33F-3A421F270BD1}"/>
+                  </a:ext>
+                </a:extLst>
+              </p:cNvPr>
+              <p:cNvSpPr>
+                <a:spLocks noGrp="1" noRot="1" noChangeAspect="1" noMove="1" noResize="1" noEditPoints="1" noAdjustHandles="1" noChangeArrowheads="1" noChangeShapeType="1" noTextEdit="1"/>
+              </p:cNvSpPr>
+              <p:nvPr>
+                <p:ph idx="1"/>
+              </p:nvPr>
+            </p:nvSpPr>
+            <p:spPr>
+              <a:xfrm>
+                <a:off x="831520" y="3097269"/>
+                <a:ext cx="4270567" cy="5850074"/>
+              </a:xfrm>
+              <a:blipFill>
+                <a:blip r:embed="rId3"/>
+                <a:stretch>
+                  <a:fillRect l="-5136" t="-3333" r="-1141"/>
+                </a:stretch>
+              </a:blipFill>
+            </p:spPr>
+            <p:txBody>
+              <a:bodyPr/>
+              <a:lstStyle/>
+              <a:p>
+                <a:r>
+                  <a:rPr lang="es-ES">
+                    <a:noFill/>
+                  </a:rPr>
+                  <a:t> </a:t>
+                </a:r>
+              </a:p>
+            </p:txBody>
+          </p:sp>
+        </mc:Fallback>
+      </mc:AlternateContent>
+      <p:pic>
+        <p:nvPicPr>
+          <p:cNvPr id="7" name="Imagen 6" descr="Gráfico, Gráfico de líneas&#10;&#10;Descripción generada automáticamente">
+            <a:extLst>
+              <a:ext uri="{FF2B5EF4-FFF2-40B4-BE49-F238E27FC236}">
+                <a16:creationId xmlns:a16="http://schemas.microsoft.com/office/drawing/2014/main" id="{5BB63125-B126-81A3-5064-6AE562954323}"/>
+              </a:ext>
+            </a:extLst>
+          </p:cNvPr>
+          <p:cNvPicPr>
+            <a:picLocks noChangeAspect="1"/>
+          </p:cNvPicPr>
+          <p:nvPr/>
+        </p:nvPicPr>
+        <p:blipFill>
+          <a:blip r:embed="rId4">
+            <a:extLst>
+              <a:ext uri="{28A0092B-C50C-407E-A947-70E740481C1C}">
+                <a14:useLocalDpi xmlns:a14="http://schemas.microsoft.com/office/drawing/2010/main" val="0"/>
+              </a:ext>
+            </a:extLst>
+          </a:blip>
+          <a:stretch>
+            <a:fillRect/>
+          </a:stretch>
+        </p:blipFill>
+        <p:spPr>
+          <a:xfrm>
+            <a:off x="8468139" y="2588970"/>
+            <a:ext cx="8706678" cy="6866672"/>
+          </a:xfrm>
+          <a:prstGeom prst="rect">
+            <a:avLst/>
+          </a:prstGeom>
+        </p:spPr>
+      </p:pic>
+      <mc:AlternateContent xmlns:mc="http://schemas.openxmlformats.org/markup-compatibility/2006">
+        <mc:Choice xmlns:a14="http://schemas.microsoft.com/office/drawing/2010/main" Requires="a14">
+          <p:graphicFrame>
+            <p:nvGraphicFramePr>
+              <p:cNvPr id="9" name="Tabla 8">
+                <a:extLst>
+                  <a:ext uri="{FF2B5EF4-FFF2-40B4-BE49-F238E27FC236}">
+                    <a16:creationId xmlns:a16="http://schemas.microsoft.com/office/drawing/2014/main" id="{6B44E67A-E71C-40C6-B7FC-226B244CE294}"/>
+                  </a:ext>
+                </a:extLst>
+              </p:cNvPr>
+              <p:cNvGraphicFramePr>
+                <a:graphicFrameLocks noGrp="1"/>
+              </p:cNvGraphicFramePr>
+              <p:nvPr>
+                <p:extLst>
+                  <p:ext uri="{D42A27DB-BD31-4B8C-83A1-F6EECF244321}">
+                    <p14:modId xmlns:p14="http://schemas.microsoft.com/office/powerpoint/2010/main" val="2146451390"/>
+                  </p:ext>
+                </p:extLst>
+              </p:nvPr>
+            </p:nvGraphicFramePr>
+            <p:xfrm>
+              <a:off x="831520" y="5144294"/>
+              <a:ext cx="6093705" cy="2918982"/>
+            </p:xfrm>
+            <a:graphic>
+              <a:graphicData uri="http://schemas.openxmlformats.org/drawingml/2006/table">
+                <a:tbl>
+                  <a:tblPr firstRow="1" bandRow="1">
+                    <a:tableStyleId>{9D7B26C5-4107-4FEC-AEDC-1716B250A1EF}</a:tableStyleId>
+                  </a:tblPr>
+                  <a:tblGrid>
+                    <a:gridCol w="2031235">
+                      <a:extLst>
+                        <a:ext uri="{9D8B030D-6E8A-4147-A177-3AD203B41FA5}">
+                          <a16:colId xmlns:a16="http://schemas.microsoft.com/office/drawing/2014/main" val="3943066496"/>
+                        </a:ext>
+                      </a:extLst>
+                    </a:gridCol>
+                    <a:gridCol w="2031235">
+                      <a:extLst>
+                        <a:ext uri="{9D8B030D-6E8A-4147-A177-3AD203B41FA5}">
+                          <a16:colId xmlns:a16="http://schemas.microsoft.com/office/drawing/2014/main" val="465688363"/>
+                        </a:ext>
+                      </a:extLst>
+                    </a:gridCol>
+                    <a:gridCol w="2031235">
+                      <a:extLst>
+                        <a:ext uri="{9D8B030D-6E8A-4147-A177-3AD203B41FA5}">
+                          <a16:colId xmlns:a16="http://schemas.microsoft.com/office/drawing/2014/main" val="3387116903"/>
+                        </a:ext>
+                      </a:extLst>
+                    </a:gridCol>
+                  </a:tblGrid>
+                  <a:tr h="576396">
+                    <a:tc>
+                      <a:txBody>
+                        <a:bodyPr/>
+                        <a:lstStyle/>
+                        <a:p>
+                          <a:endParaRPr lang="es-ES" dirty="0"/>
+                        </a:p>
+                      </a:txBody>
+                      <a:tcPr/>
+                    </a:tc>
+                    <a:tc>
+                      <a:txBody>
+                        <a:bodyPr/>
+                        <a:lstStyle/>
+                        <a:p>
+                          <a:pPr algn="ctr"/>
+                          <a14:m>
+                            <m:oMathPara xmlns:m="http://schemas.openxmlformats.org/officeDocument/2006/math">
+                              <m:oMathParaPr>
+                                <m:jc m:val="centerGroup"/>
+                              </m:oMathParaPr>
+                              <m:oMath xmlns:m="http://schemas.openxmlformats.org/officeDocument/2006/math">
+                                <m:r>
+                                  <a:rPr lang="es-ES" b="1" i="1" smtClean="0">
+                                    <a:latin typeface="Cambria Math" panose="02040503050406030204" pitchFamily="18" charset="0"/>
+                                  </a:rPr>
+                                  <m:t>𝒙</m:t>
+                                </m:r>
+                                <m:r>
+                                  <a:rPr lang="es-ES" b="1" i="1" smtClean="0">
+                                    <a:latin typeface="Cambria Math" panose="02040503050406030204" pitchFamily="18" charset="0"/>
+                                  </a:rPr>
+                                  <m:t>𝟏</m:t>
+                                </m:r>
+                              </m:oMath>
+                            </m:oMathPara>
+                          </a14:m>
+                          <a:endParaRPr lang="es-ES" dirty="0"/>
+                        </a:p>
+                      </a:txBody>
+                      <a:tcPr/>
+                    </a:tc>
+                    <a:tc>
+                      <a:txBody>
+                        <a:bodyPr/>
+                        <a:lstStyle/>
+                        <a:p>
+                          <a:pPr algn="ctr"/>
+                          <a14:m>
+                            <m:oMathPara xmlns:m="http://schemas.openxmlformats.org/officeDocument/2006/math">
+                              <m:oMathParaPr>
+                                <m:jc m:val="centerGroup"/>
+                              </m:oMathParaPr>
+                              <m:oMath xmlns:m="http://schemas.openxmlformats.org/officeDocument/2006/math">
+                                <m:r>
+                                  <a:rPr lang="es-ES" b="1" i="1" smtClean="0">
+                                    <a:latin typeface="Cambria Math" panose="02040503050406030204" pitchFamily="18" charset="0"/>
+                                  </a:rPr>
+                                  <m:t>𝒚</m:t>
+                                </m:r>
+                              </m:oMath>
+                            </m:oMathPara>
+                          </a14:m>
+                          <a:endParaRPr lang="es-ES" dirty="0"/>
+                        </a:p>
+                      </a:txBody>
+                      <a:tcPr/>
+                    </a:tc>
+                    <a:extLst>
+                      <a:ext uri="{0D108BD9-81ED-4DB2-BD59-A6C34878D82A}">
+                        <a16:rowId xmlns:a16="http://schemas.microsoft.com/office/drawing/2014/main" val="2368775951"/>
+                      </a:ext>
+                    </a:extLst>
+                  </a:tr>
+                  <a:tr h="576396">
+                    <a:tc>
+                      <a:txBody>
+                        <a:bodyPr/>
+                        <a:lstStyle/>
+                        <a:p>
+                          <a:r>
+                            <a:rPr lang="es-ES" dirty="0"/>
+                            <a:t>Mean </a:t>
+                          </a:r>
+                          <a:r>
+                            <a:rPr lang="es-ES" dirty="0" err="1"/>
+                            <a:t>values</a:t>
+                          </a:r>
+                          <a:endParaRPr lang="es-ES" dirty="0"/>
+                        </a:p>
+                      </a:txBody>
+                      <a:tcPr/>
+                    </a:tc>
+                    <a:tc>
+                      <a:txBody>
+                        <a:bodyPr/>
+                        <a:lstStyle/>
+                        <a:p>
+                          <a:pPr algn="ctr"/>
+                          <a:r>
+                            <a:rPr lang="es-ES" dirty="0"/>
+                            <a:t>5.245</a:t>
+                          </a:r>
+                        </a:p>
+                      </a:txBody>
+                      <a:tcPr/>
+                    </a:tc>
+                    <a:tc>
+                      <a:txBody>
+                        <a:bodyPr/>
+                        <a:lstStyle/>
+                        <a:p>
+                          <a:pPr algn="ctr"/>
+                          <a:r>
+                            <a:rPr lang="es-ES" dirty="0"/>
+                            <a:t>4.606</a:t>
+                          </a:r>
+                        </a:p>
+                      </a:txBody>
+                      <a:tcPr/>
+                    </a:tc>
+                    <a:extLst>
+                      <a:ext uri="{0D108BD9-81ED-4DB2-BD59-A6C34878D82A}">
+                        <a16:rowId xmlns:a16="http://schemas.microsoft.com/office/drawing/2014/main" val="935370882"/>
+                      </a:ext>
+                    </a:extLst>
+                  </a:tr>
+                  <a:tr h="576396">
+                    <a:tc>
+                      <a:txBody>
+                        <a:bodyPr/>
+                        <a:lstStyle/>
+                        <a:p>
+                          <a:r>
+                            <a:rPr lang="es-ES" dirty="0"/>
+                            <a:t>1st DMU</a:t>
+                          </a:r>
+                        </a:p>
+                      </a:txBody>
+                      <a:tcPr/>
+                    </a:tc>
+                    <a:tc>
+                      <a:txBody>
+                        <a:bodyPr/>
+                        <a:lstStyle/>
+                        <a:p>
+                          <a:pPr algn="ctr"/>
+                          <a14:m>
+                            <m:oMathPara xmlns:m="http://schemas.openxmlformats.org/officeDocument/2006/math">
+                              <m:oMathParaPr>
+                                <m:jc m:val="centerGroup"/>
+                              </m:oMathParaPr>
+                              <m:oMath xmlns:m="http://schemas.openxmlformats.org/officeDocument/2006/math">
+                                <m:sSub>
+                                  <m:sSubPr>
+                                    <m:ctrlPr>
+                                      <a:rPr lang="es-ES" b="0" i="1" smtClean="0">
+                                        <a:latin typeface="Cambria Math" panose="02040503050406030204" pitchFamily="18" charset="0"/>
+                                      </a:rPr>
+                                    </m:ctrlPr>
+                                  </m:sSubPr>
+                                  <m:e>
+                                    <m:r>
+                                      <a:rPr lang="es-ES" b="1" i="1" smtClean="0">
+                                        <a:latin typeface="Cambria Math" panose="02040503050406030204" pitchFamily="18" charset="0"/>
+                                      </a:rPr>
+                                      <m:t>𝒙</m:t>
+                                    </m:r>
+                                  </m:e>
+                                  <m:sub>
+                                    <m:sSub>
+                                      <m:sSubPr>
+                                        <m:ctrlPr>
+                                          <a:rPr lang="es-ES" b="0" i="1" smtClean="0">
+                                            <a:latin typeface="Cambria Math" panose="02040503050406030204" pitchFamily="18" charset="0"/>
+                                          </a:rPr>
+                                        </m:ctrlPr>
+                                      </m:sSubPr>
+                                      <m:e>
+                                        <m:r>
+                                          <a:rPr lang="es-ES" b="0" i="1" smtClean="0">
+                                            <a:latin typeface="Cambria Math" panose="02040503050406030204" pitchFamily="18" charset="0"/>
+                                          </a:rPr>
+                                          <m:t>𝑥</m:t>
+                                        </m:r>
+                                        <m:r>
+                                          <a:rPr lang="es-ES" b="0" i="1" smtClean="0">
+                                            <a:latin typeface="Cambria Math" panose="02040503050406030204" pitchFamily="18" charset="0"/>
+                                          </a:rPr>
+                                          <m:t>1</m:t>
+                                        </m:r>
+                                      </m:e>
+                                      <m:sub>
+                                        <m:sSub>
+                                          <m:sSubPr>
+                                            <m:ctrlPr>
+                                              <a:rPr lang="es-ES" b="0" i="1" smtClean="0">
+                                                <a:latin typeface="Cambria Math" panose="02040503050406030204" pitchFamily="18" charset="0"/>
+                                              </a:rPr>
+                                            </m:ctrlPr>
+                                          </m:sSubPr>
+                                          <m:e>
+                                            <m:r>
+                                              <a:rPr lang="es-ES" b="0" i="1" smtClean="0">
+                                                <a:latin typeface="Cambria Math" panose="02040503050406030204" pitchFamily="18" charset="0"/>
+                                              </a:rPr>
+                                              <m:t>𝑗</m:t>
+                                            </m:r>
+                                          </m:e>
+                                          <m:sub>
+                                            <m:r>
+                                              <a:rPr lang="es-ES" b="0" i="1" smtClean="0">
+                                                <a:latin typeface="Cambria Math" panose="02040503050406030204" pitchFamily="18" charset="0"/>
+                                              </a:rPr>
+                                              <m:t>1</m:t>
+                                            </m:r>
+                                          </m:sub>
+                                        </m:sSub>
+                                      </m:sub>
+                                    </m:sSub>
+                                  </m:sub>
+                                </m:sSub>
+                              </m:oMath>
+                            </m:oMathPara>
+                          </a14:m>
+                          <a:endParaRPr lang="es-ES" b="0" dirty="0"/>
+                        </a:p>
+                      </a:txBody>
+                      <a:tcPr/>
+                    </a:tc>
+                    <a:tc>
+                      <a:txBody>
+                        <a:bodyPr/>
+                        <a:lstStyle/>
+                        <a:p>
+                          <a:pPr algn="ctr"/>
+                          <a:r>
+                            <a:rPr lang="es-ES" b="0" dirty="0">
+                              <a:effectLst/>
+                            </a:rPr>
+                            <a:t>2.829</a:t>
+                          </a:r>
+                          <a:endParaRPr lang="es-ES" b="0" dirty="0"/>
+                        </a:p>
+                      </a:txBody>
+                      <a:tcPr/>
+                    </a:tc>
+                    <a:extLst>
+                      <a:ext uri="{0D108BD9-81ED-4DB2-BD59-A6C34878D82A}">
+                        <a16:rowId xmlns:a16="http://schemas.microsoft.com/office/drawing/2014/main" val="601093408"/>
+                      </a:ext>
+                    </a:extLst>
+                  </a:tr>
+                  <a:tr h="576396">
+                    <a:tc>
+                      <a:txBody>
+                        <a:bodyPr/>
+                        <a:lstStyle/>
+                        <a:p>
+                          <a:r>
+                            <a:rPr lang="es-ES" dirty="0"/>
+                            <a:t>4th DMU</a:t>
+                          </a:r>
+                        </a:p>
+                      </a:txBody>
+                      <a:tcPr/>
+                    </a:tc>
+                    <a:tc>
+                      <a:txBody>
+                        <a:bodyPr/>
+                        <a:lstStyle/>
+                        <a:p>
+                          <a:pPr algn="ctr"/>
+                          <a14:m>
+                            <m:oMathPara xmlns:m="http://schemas.openxmlformats.org/officeDocument/2006/math">
+                              <m:oMathParaPr>
+                                <m:jc m:val="centerGroup"/>
+                              </m:oMathParaPr>
+                              <m:oMath xmlns:m="http://schemas.openxmlformats.org/officeDocument/2006/math">
+                                <m:sSub>
+                                  <m:sSubPr>
+                                    <m:ctrlPr>
+                                      <a:rPr lang="es-ES" b="0" i="1" smtClean="0">
+                                        <a:latin typeface="Cambria Math" panose="02040503050406030204" pitchFamily="18" charset="0"/>
+                                      </a:rPr>
+                                    </m:ctrlPr>
+                                  </m:sSubPr>
+                                  <m:e>
+                                    <m:r>
+                                      <a:rPr lang="es-ES" b="1" i="1" smtClean="0">
+                                        <a:latin typeface="Cambria Math" panose="02040503050406030204" pitchFamily="18" charset="0"/>
+                                      </a:rPr>
+                                      <m:t>𝒙</m:t>
+                                    </m:r>
+                                  </m:e>
+                                  <m:sub>
+                                    <m:sSub>
+                                      <m:sSubPr>
+                                        <m:ctrlPr>
+                                          <a:rPr lang="es-ES" b="0" i="1" smtClean="0">
+                                            <a:latin typeface="Cambria Math" panose="02040503050406030204" pitchFamily="18" charset="0"/>
+                                          </a:rPr>
+                                        </m:ctrlPr>
+                                      </m:sSubPr>
+                                      <m:e>
+                                        <m:r>
+                                          <a:rPr lang="es-ES" b="0" i="1" smtClean="0">
+                                            <a:latin typeface="Cambria Math" panose="02040503050406030204" pitchFamily="18" charset="0"/>
+                                          </a:rPr>
+                                          <m:t>𝑥</m:t>
+                                        </m:r>
+                                        <m:r>
+                                          <a:rPr lang="es-ES" b="0" i="1" smtClean="0">
+                                            <a:latin typeface="Cambria Math" panose="02040503050406030204" pitchFamily="18" charset="0"/>
+                                          </a:rPr>
+                                          <m:t>1</m:t>
+                                        </m:r>
+                                      </m:e>
+                                      <m:sub>
+                                        <m:sSub>
+                                          <m:sSubPr>
+                                            <m:ctrlPr>
+                                              <a:rPr lang="es-ES" b="0" i="1" smtClean="0">
+                                                <a:latin typeface="Cambria Math" panose="02040503050406030204" pitchFamily="18" charset="0"/>
+                                              </a:rPr>
+                                            </m:ctrlPr>
+                                          </m:sSubPr>
+                                          <m:e>
+                                            <m:r>
+                                              <a:rPr lang="es-ES" b="0" i="1" smtClean="0">
+                                                <a:latin typeface="Cambria Math" panose="02040503050406030204" pitchFamily="18" charset="0"/>
+                                              </a:rPr>
+                                              <m:t>𝑗</m:t>
+                                            </m:r>
+                                          </m:e>
+                                          <m:sub>
+                                            <m:r>
+                                              <a:rPr lang="es-ES" b="0" i="1" smtClean="0">
+                                                <a:latin typeface="Cambria Math" panose="02040503050406030204" pitchFamily="18" charset="0"/>
+                                              </a:rPr>
+                                              <m:t>4</m:t>
+                                            </m:r>
+                                          </m:sub>
+                                        </m:sSub>
+                                      </m:sub>
+                                    </m:sSub>
+                                  </m:sub>
+                                </m:sSub>
+                              </m:oMath>
+                            </m:oMathPara>
+                          </a14:m>
+                          <a:endParaRPr lang="es-ES" b="0" dirty="0"/>
+                        </a:p>
+                      </a:txBody>
+                      <a:tcPr/>
+                    </a:tc>
+                    <a:tc>
+                      <a:txBody>
+                        <a:bodyPr/>
+                        <a:lstStyle/>
+                        <a:p>
+                          <a:pPr algn="ctr"/>
+                          <a:r>
+                            <a:rPr lang="es-ES" b="0" dirty="0">
+                              <a:effectLst/>
+                            </a:rPr>
+                            <a:t>5.049</a:t>
+                          </a:r>
+                          <a:endParaRPr lang="es-ES" b="0" dirty="0"/>
+                        </a:p>
+                      </a:txBody>
+                      <a:tcPr/>
+                    </a:tc>
+                    <a:extLst>
+                      <a:ext uri="{0D108BD9-81ED-4DB2-BD59-A6C34878D82A}">
+                        <a16:rowId xmlns:a16="http://schemas.microsoft.com/office/drawing/2014/main" val="547169358"/>
+                      </a:ext>
+                    </a:extLst>
+                  </a:tr>
+                  <a:tr h="576396">
+                    <a:tc>
+                      <a:txBody>
+                        <a:bodyPr/>
+                        <a:lstStyle/>
+                        <a:p>
+                          <a:r>
+                            <a:rPr lang="es-ES" dirty="0"/>
+                            <a:t>13th DMU</a:t>
+                          </a:r>
+                        </a:p>
+                      </a:txBody>
+                      <a:tcPr/>
+                    </a:tc>
+                    <a:tc>
+                      <a:txBody>
+                        <a:bodyPr/>
+                        <a:lstStyle/>
+                        <a:p>
+                          <a:pPr algn="ctr"/>
+                          <a14:m>
+                            <m:oMathPara xmlns:m="http://schemas.openxmlformats.org/officeDocument/2006/math">
+                              <m:oMathParaPr>
+                                <m:jc m:val="centerGroup"/>
+                              </m:oMathParaPr>
+                              <m:oMath xmlns:m="http://schemas.openxmlformats.org/officeDocument/2006/math">
+                                <m:sSub>
+                                  <m:sSubPr>
+                                    <m:ctrlPr>
+                                      <a:rPr lang="es-ES" b="0" i="1" smtClean="0">
+                                        <a:latin typeface="Cambria Math" panose="02040503050406030204" pitchFamily="18" charset="0"/>
+                                      </a:rPr>
+                                    </m:ctrlPr>
+                                  </m:sSubPr>
+                                  <m:e>
+                                    <m:r>
+                                      <a:rPr lang="es-ES" b="1" i="1" smtClean="0">
+                                        <a:latin typeface="Cambria Math" panose="02040503050406030204" pitchFamily="18" charset="0"/>
+                                      </a:rPr>
+                                      <m:t>𝒙</m:t>
+                                    </m:r>
+                                  </m:e>
+                                  <m:sub>
+                                    <m:sSub>
+                                      <m:sSubPr>
+                                        <m:ctrlPr>
+                                          <a:rPr lang="es-ES" b="0" i="1" smtClean="0">
+                                            <a:latin typeface="Cambria Math" panose="02040503050406030204" pitchFamily="18" charset="0"/>
+                                          </a:rPr>
+                                        </m:ctrlPr>
+                                      </m:sSubPr>
+                                      <m:e>
+                                        <m:r>
+                                          <a:rPr lang="es-ES" b="0" i="1" smtClean="0">
+                                            <a:latin typeface="Cambria Math" panose="02040503050406030204" pitchFamily="18" charset="0"/>
+                                          </a:rPr>
+                                          <m:t>𝑥</m:t>
+                                        </m:r>
+                                        <m:r>
+                                          <a:rPr lang="es-ES" b="0" i="1" smtClean="0">
+                                            <a:latin typeface="Cambria Math" panose="02040503050406030204" pitchFamily="18" charset="0"/>
+                                          </a:rPr>
+                                          <m:t>1</m:t>
+                                        </m:r>
+                                      </m:e>
+                                      <m:sub>
+                                        <m:sSub>
+                                          <m:sSubPr>
+                                            <m:ctrlPr>
+                                              <a:rPr lang="es-ES" b="0" i="1" smtClean="0">
+                                                <a:latin typeface="Cambria Math" panose="02040503050406030204" pitchFamily="18" charset="0"/>
+                                              </a:rPr>
+                                            </m:ctrlPr>
+                                          </m:sSubPr>
+                                          <m:e>
+                                            <m:r>
+                                              <a:rPr lang="es-ES" b="0" i="1" smtClean="0">
+                                                <a:latin typeface="Cambria Math" panose="02040503050406030204" pitchFamily="18" charset="0"/>
+                                              </a:rPr>
+                                              <m:t>𝑗</m:t>
+                                            </m:r>
+                                          </m:e>
+                                          <m:sub>
+                                            <m:r>
+                                              <a:rPr lang="es-ES" b="0" i="1" smtClean="0">
+                                                <a:latin typeface="Cambria Math" panose="02040503050406030204" pitchFamily="18" charset="0"/>
+                                              </a:rPr>
+                                              <m:t>1</m:t>
+                                            </m:r>
+                                            <m:r>
+                                              <a:rPr lang="es-ES" b="0" i="1" smtClean="0">
+                                                <a:latin typeface="Cambria Math" panose="02040503050406030204" pitchFamily="18" charset="0"/>
+                                              </a:rPr>
+                                              <m:t>3</m:t>
+                                            </m:r>
+                                          </m:sub>
+                                        </m:sSub>
+                                      </m:sub>
+                                    </m:sSub>
+                                  </m:sub>
+                                </m:sSub>
+                              </m:oMath>
+                            </m:oMathPara>
+                          </a14:m>
+                          <a:endParaRPr lang="es-ES" b="0" dirty="0"/>
+                        </a:p>
+                      </a:txBody>
+                      <a:tcPr/>
+                    </a:tc>
+                    <a:tc>
+                      <a:txBody>
+                        <a:bodyPr/>
+                        <a:lstStyle/>
+                        <a:p>
+                          <a:pPr algn="ctr"/>
+                          <a:r>
+                            <a:rPr lang="es-ES" b="0" dirty="0">
+                              <a:effectLst/>
+                            </a:rPr>
+                            <a:t>8.905</a:t>
+                          </a:r>
+                          <a:endParaRPr lang="es-ES" b="0" dirty="0"/>
+                        </a:p>
+                      </a:txBody>
+                      <a:tcPr/>
+                    </a:tc>
+                    <a:extLst>
+                      <a:ext uri="{0D108BD9-81ED-4DB2-BD59-A6C34878D82A}">
+                        <a16:rowId xmlns:a16="http://schemas.microsoft.com/office/drawing/2014/main" val="4053852611"/>
+                      </a:ext>
+                    </a:extLst>
+                  </a:tr>
+                </a:tbl>
+              </a:graphicData>
+            </a:graphic>
+          </p:graphicFrame>
+        </mc:Choice>
+        <mc:Fallback>
+          <p:graphicFrame>
+            <p:nvGraphicFramePr>
+              <p:cNvPr id="9" name="Tabla 8">
+                <a:extLst>
+                  <a:ext uri="{FF2B5EF4-FFF2-40B4-BE49-F238E27FC236}">
+                    <a16:creationId xmlns:a16="http://schemas.microsoft.com/office/drawing/2014/main" id="{6B44E67A-E71C-40C6-B7FC-226B244CE294}"/>
+                  </a:ext>
+                </a:extLst>
+              </p:cNvPr>
+              <p:cNvGraphicFramePr>
+                <a:graphicFrameLocks noGrp="1"/>
+              </p:cNvGraphicFramePr>
+              <p:nvPr>
+                <p:extLst>
+                  <p:ext uri="{D42A27DB-BD31-4B8C-83A1-F6EECF244321}">
+                    <p14:modId xmlns:p14="http://schemas.microsoft.com/office/powerpoint/2010/main" val="2146451390"/>
+                  </p:ext>
+                </p:extLst>
+              </p:nvPr>
+            </p:nvGraphicFramePr>
+            <p:xfrm>
+              <a:off x="831520" y="5144294"/>
+              <a:ext cx="6093705" cy="2918982"/>
+            </p:xfrm>
+            <a:graphic>
+              <a:graphicData uri="http://schemas.openxmlformats.org/drawingml/2006/table">
+                <a:tbl>
+                  <a:tblPr firstRow="1" bandRow="1">
+                    <a:tableStyleId>{9D7B26C5-4107-4FEC-AEDC-1716B250A1EF}</a:tableStyleId>
+                  </a:tblPr>
+                  <a:tblGrid>
+                    <a:gridCol w="2031235">
+                      <a:extLst>
+                        <a:ext uri="{9D8B030D-6E8A-4147-A177-3AD203B41FA5}">
+                          <a16:colId xmlns:a16="http://schemas.microsoft.com/office/drawing/2014/main" val="3943066496"/>
+                        </a:ext>
+                      </a:extLst>
+                    </a:gridCol>
+                    <a:gridCol w="2031235">
+                      <a:extLst>
+                        <a:ext uri="{9D8B030D-6E8A-4147-A177-3AD203B41FA5}">
+                          <a16:colId xmlns:a16="http://schemas.microsoft.com/office/drawing/2014/main" val="465688363"/>
+                        </a:ext>
+                      </a:extLst>
+                    </a:gridCol>
+                    <a:gridCol w="2031235">
+                      <a:extLst>
+                        <a:ext uri="{9D8B030D-6E8A-4147-A177-3AD203B41FA5}">
+                          <a16:colId xmlns:a16="http://schemas.microsoft.com/office/drawing/2014/main" val="3387116903"/>
+                        </a:ext>
+                      </a:extLst>
+                    </a:gridCol>
+                  </a:tblGrid>
+                  <a:tr h="576396">
+                    <a:tc>
+                      <a:txBody>
+                        <a:bodyPr/>
+                        <a:lstStyle/>
+                        <a:p>
+                          <a:endParaRPr lang="es-ES" dirty="0"/>
+                        </a:p>
+                      </a:txBody>
+                      <a:tcPr/>
+                    </a:tc>
+                    <a:tc>
+                      <a:txBody>
+                        <a:bodyPr/>
+                        <a:lstStyle/>
+                        <a:p>
+                          <a:endParaRPr lang="es-ES"/>
+                        </a:p>
+                      </a:txBody>
+                      <a:tcPr>
+                        <a:blipFill>
+                          <a:blip r:embed="rId5"/>
+                          <a:stretch>
+                            <a:fillRect l="-100300" t="-1053" r="-100601" b="-417895"/>
+                          </a:stretch>
+                        </a:blipFill>
+                      </a:tcPr>
+                    </a:tc>
+                    <a:tc>
+                      <a:txBody>
+                        <a:bodyPr/>
+                        <a:lstStyle/>
+                        <a:p>
+                          <a:endParaRPr lang="es-ES"/>
+                        </a:p>
+                      </a:txBody>
+                      <a:tcPr>
+                        <a:blipFill>
+                          <a:blip r:embed="rId5"/>
+                          <a:stretch>
+                            <a:fillRect l="-199701" t="-1053" r="-299" b="-417895"/>
+                          </a:stretch>
+                        </a:blipFill>
+                      </a:tcPr>
+                    </a:tc>
+                    <a:extLst>
+                      <a:ext uri="{0D108BD9-81ED-4DB2-BD59-A6C34878D82A}">
+                        <a16:rowId xmlns:a16="http://schemas.microsoft.com/office/drawing/2014/main" val="2368775951"/>
+                      </a:ext>
+                    </a:extLst>
+                  </a:tr>
+                  <a:tr h="576396">
+                    <a:tc>
+                      <a:txBody>
+                        <a:bodyPr/>
+                        <a:lstStyle/>
+                        <a:p>
+                          <a:r>
+                            <a:rPr lang="es-ES" dirty="0"/>
+                            <a:t>Mean </a:t>
+                          </a:r>
+                          <a:r>
+                            <a:rPr lang="es-ES" dirty="0" err="1"/>
+                            <a:t>values</a:t>
+                          </a:r>
+                          <a:endParaRPr lang="es-ES" dirty="0"/>
+                        </a:p>
+                      </a:txBody>
+                      <a:tcPr/>
+                    </a:tc>
+                    <a:tc>
+                      <a:txBody>
+                        <a:bodyPr/>
+                        <a:lstStyle/>
+                        <a:p>
+                          <a:pPr algn="ctr"/>
+                          <a:r>
+                            <a:rPr lang="es-ES" dirty="0"/>
+                            <a:t>5.245</a:t>
+                          </a:r>
+                        </a:p>
+                      </a:txBody>
+                      <a:tcPr/>
+                    </a:tc>
+                    <a:tc>
+                      <a:txBody>
+                        <a:bodyPr/>
+                        <a:lstStyle/>
+                        <a:p>
+                          <a:pPr algn="ctr"/>
+                          <a:r>
+                            <a:rPr lang="es-ES" dirty="0"/>
+                            <a:t>4.606</a:t>
+                          </a:r>
+                        </a:p>
+                      </a:txBody>
+                      <a:tcPr/>
+                    </a:tc>
+                    <a:extLst>
+                      <a:ext uri="{0D108BD9-81ED-4DB2-BD59-A6C34878D82A}">
+                        <a16:rowId xmlns:a16="http://schemas.microsoft.com/office/drawing/2014/main" val="935370882"/>
+                      </a:ext>
+                    </a:extLst>
+                  </a:tr>
+                  <a:tr h="588010">
+                    <a:tc>
+                      <a:txBody>
+                        <a:bodyPr/>
+                        <a:lstStyle/>
+                        <a:p>
+                          <a:r>
+                            <a:rPr lang="es-ES" dirty="0"/>
+                            <a:t>1st DMU</a:t>
+                          </a:r>
+                        </a:p>
+                      </a:txBody>
+                      <a:tcPr/>
+                    </a:tc>
+                    <a:tc>
+                      <a:txBody>
+                        <a:bodyPr/>
+                        <a:lstStyle/>
+                        <a:p>
+                          <a:endParaRPr lang="es-ES"/>
+                        </a:p>
+                      </a:txBody>
+                      <a:tcPr>
+                        <a:blipFill>
+                          <a:blip r:embed="rId5"/>
+                          <a:stretch>
+                            <a:fillRect l="-100300" t="-198958" r="-100601" b="-214583"/>
+                          </a:stretch>
+                        </a:blipFill>
+                      </a:tcPr>
+                    </a:tc>
+                    <a:tc>
+                      <a:txBody>
+                        <a:bodyPr/>
+                        <a:lstStyle/>
+                        <a:p>
+                          <a:pPr algn="ctr"/>
+                          <a:r>
+                            <a:rPr lang="es-ES" b="0" dirty="0">
+                              <a:effectLst/>
+                            </a:rPr>
+                            <a:t>2.829</a:t>
+                          </a:r>
+                          <a:endParaRPr lang="es-ES" b="0" dirty="0"/>
+                        </a:p>
+                      </a:txBody>
+                      <a:tcPr/>
+                    </a:tc>
+                    <a:extLst>
+                      <a:ext uri="{0D108BD9-81ED-4DB2-BD59-A6C34878D82A}">
+                        <a16:rowId xmlns:a16="http://schemas.microsoft.com/office/drawing/2014/main" val="601093408"/>
+                      </a:ext>
+                    </a:extLst>
+                  </a:tr>
+                  <a:tr h="587312">
+                    <a:tc>
+                      <a:txBody>
+                        <a:bodyPr/>
+                        <a:lstStyle/>
+                        <a:p>
+                          <a:r>
+                            <a:rPr lang="es-ES" dirty="0"/>
+                            <a:t>4th DMU</a:t>
+                          </a:r>
+                        </a:p>
+                      </a:txBody>
+                      <a:tcPr/>
+                    </a:tc>
+                    <a:tc>
+                      <a:txBody>
+                        <a:bodyPr/>
+                        <a:lstStyle/>
+                        <a:p>
+                          <a:endParaRPr lang="es-ES"/>
+                        </a:p>
+                      </a:txBody>
+                      <a:tcPr>
+                        <a:blipFill>
+                          <a:blip r:embed="rId5"/>
+                          <a:stretch>
+                            <a:fillRect l="-100300" t="-295876" r="-100601" b="-112371"/>
+                          </a:stretch>
+                        </a:blipFill>
+                      </a:tcPr>
+                    </a:tc>
+                    <a:tc>
+                      <a:txBody>
+                        <a:bodyPr/>
+                        <a:lstStyle/>
+                        <a:p>
+                          <a:pPr algn="ctr"/>
+                          <a:r>
+                            <a:rPr lang="es-ES" b="0" dirty="0">
+                              <a:effectLst/>
+                            </a:rPr>
+                            <a:t>5.049</a:t>
+                          </a:r>
+                          <a:endParaRPr lang="es-ES" b="0" dirty="0"/>
+                        </a:p>
+                      </a:txBody>
+                      <a:tcPr/>
+                    </a:tc>
+                    <a:extLst>
+                      <a:ext uri="{0D108BD9-81ED-4DB2-BD59-A6C34878D82A}">
+                        <a16:rowId xmlns:a16="http://schemas.microsoft.com/office/drawing/2014/main" val="547169358"/>
+                      </a:ext>
+                    </a:extLst>
+                  </a:tr>
+                  <a:tr h="590868">
+                    <a:tc>
+                      <a:txBody>
+                        <a:bodyPr/>
+                        <a:lstStyle/>
+                        <a:p>
+                          <a:r>
+                            <a:rPr lang="es-ES" dirty="0"/>
+                            <a:t>13th DMU</a:t>
+                          </a:r>
+                        </a:p>
+                      </a:txBody>
+                      <a:tcPr/>
+                    </a:tc>
+                    <a:tc>
+                      <a:txBody>
+                        <a:bodyPr/>
+                        <a:lstStyle/>
+                        <a:p>
+                          <a:endParaRPr lang="es-ES"/>
+                        </a:p>
+                      </a:txBody>
+                      <a:tcPr>
+                        <a:blipFill>
+                          <a:blip r:embed="rId5"/>
+                          <a:stretch>
+                            <a:fillRect l="-100300" t="-395876" r="-100601" b="-12371"/>
+                          </a:stretch>
+                        </a:blipFill>
+                      </a:tcPr>
+                    </a:tc>
+                    <a:tc>
+                      <a:txBody>
+                        <a:bodyPr/>
+                        <a:lstStyle/>
+                        <a:p>
+                          <a:pPr algn="ctr"/>
+                          <a:r>
+                            <a:rPr lang="es-ES" b="0" dirty="0">
+                              <a:effectLst/>
+                            </a:rPr>
+                            <a:t>8.905</a:t>
+                          </a:r>
+                          <a:endParaRPr lang="es-ES" b="0" dirty="0"/>
+                        </a:p>
+                      </a:txBody>
+                      <a:tcPr/>
+                    </a:tc>
+                    <a:extLst>
+                      <a:ext uri="{0D108BD9-81ED-4DB2-BD59-A6C34878D82A}">
+                        <a16:rowId xmlns:a16="http://schemas.microsoft.com/office/drawing/2014/main" val="4053852611"/>
+                      </a:ext>
+                    </a:extLst>
+                  </a:tr>
+                </a:tbl>
+              </a:graphicData>
+            </a:graphic>
+          </p:graphicFrame>
+        </mc:Fallback>
+      </mc:AlternateContent>
+      <mc:AlternateContent xmlns:mc="http://schemas.openxmlformats.org/markup-compatibility/2006">
+        <mc:Choice xmlns:a14="http://schemas.microsoft.com/office/drawing/2010/main" Requires="a14">
+          <p:sp>
+            <p:nvSpPr>
+              <p:cNvPr id="11" name="CuadroTexto 10">
+                <a:extLst>
+                  <a:ext uri="{FF2B5EF4-FFF2-40B4-BE49-F238E27FC236}">
+                    <a16:creationId xmlns:a16="http://schemas.microsoft.com/office/drawing/2014/main" id="{431C655E-B35E-2EA0-E775-4A607656CEE3}"/>
+                  </a:ext>
+                </a:extLst>
+              </p:cNvPr>
+              <p:cNvSpPr txBox="1"/>
+              <p:nvPr/>
+            </p:nvSpPr>
+            <p:spPr>
+              <a:xfrm>
+                <a:off x="831520" y="8486448"/>
+                <a:ext cx="7080581" cy="460895"/>
+              </a:xfrm>
+              <a:prstGeom prst="rect">
+                <a:avLst/>
+              </a:prstGeom>
+              <a:noFill/>
+            </p:spPr>
+            <p:txBody>
+              <a:bodyPr wrap="square" rtlCol="0">
+                <a:spAutoFit/>
+              </a:bodyPr>
+              <a:lstStyle/>
+              <a:p>
+                <a:r>
+                  <a:rPr lang="es-ES" sz="2000" dirty="0"/>
+                  <a:t>Range </a:t>
+                </a:r>
+                <a14:m>
+                  <m:oMath xmlns:m="http://schemas.openxmlformats.org/officeDocument/2006/math">
+                    <m:sSub>
+                      <m:sSubPr>
+                        <m:ctrlPr>
+                          <a:rPr lang="en-US" sz="2000" i="1">
+                            <a:latin typeface="Cambria Math" panose="02040503050406030204" pitchFamily="18" charset="0"/>
+                          </a:rPr>
+                        </m:ctrlPr>
+                      </m:sSubPr>
+                      <m:e>
+                        <m:r>
+                          <a:rPr lang="es-ES" sz="2000" b="1" i="1">
+                            <a:latin typeface="Cambria Math" panose="02040503050406030204" pitchFamily="18" charset="0"/>
+                          </a:rPr>
+                          <m:t>𝒙</m:t>
+                        </m:r>
+                      </m:e>
+                      <m:sub>
+                        <m:sSub>
+                          <m:sSubPr>
+                            <m:ctrlPr>
+                              <a:rPr lang="es-ES" sz="2000" i="1">
+                                <a:latin typeface="Cambria Math" panose="02040503050406030204" pitchFamily="18" charset="0"/>
+                              </a:rPr>
+                            </m:ctrlPr>
+                          </m:sSubPr>
+                          <m:e>
+                            <m:r>
+                              <a:rPr lang="es-ES" sz="2000" b="0" i="1" smtClean="0">
+                                <a:latin typeface="Cambria Math" panose="02040503050406030204" pitchFamily="18" charset="0"/>
+                              </a:rPr>
+                              <m:t>𝑥</m:t>
+                            </m:r>
+                            <m:r>
+                              <a:rPr lang="es-ES" sz="2000" b="0" i="1" smtClean="0">
+                                <a:latin typeface="Cambria Math" panose="02040503050406030204" pitchFamily="18" charset="0"/>
+                              </a:rPr>
+                              <m:t>1</m:t>
+                            </m:r>
+                          </m:e>
+                          <m:sub>
+                            <m:r>
+                              <a:rPr lang="es-ES" sz="2000" i="1">
+                                <a:latin typeface="Cambria Math" panose="02040503050406030204" pitchFamily="18" charset="0"/>
+                              </a:rPr>
+                              <m:t>𝑗</m:t>
+                            </m:r>
+                          </m:sub>
+                        </m:sSub>
+                      </m:sub>
+                    </m:sSub>
+                    <m:r>
+                      <a:rPr lang="es-ES" sz="2000" i="1">
+                        <a:latin typeface="Cambria Math" panose="02040503050406030204" pitchFamily="18" charset="0"/>
+                      </a:rPr>
+                      <m:t>:</m:t>
+                    </m:r>
+                    <m:r>
+                      <a:rPr lang="es-ES" sz="2000" i="1">
+                        <a:latin typeface="Cambria Math" panose="02040503050406030204" pitchFamily="18" charset="0"/>
+                      </a:rPr>
+                      <m:t>𝑗</m:t>
+                    </m:r>
+                    <m:r>
+                      <a:rPr lang="es-ES" sz="2000" i="1">
+                        <a:latin typeface="Cambria Math" panose="02040503050406030204" pitchFamily="18" charset="0"/>
+                        <a:ea typeface="Cambria Math" panose="02040503050406030204" pitchFamily="18" charset="0"/>
+                      </a:rPr>
+                      <m:t>∈</m:t>
+                    </m:r>
+                    <m:d>
+                      <m:dPr>
+                        <m:begChr m:val="{"/>
+                        <m:endChr m:val="}"/>
+                        <m:ctrlPr>
+                          <a:rPr lang="es-ES" sz="2000" i="1" smtClean="0">
+                            <a:latin typeface="Cambria Math" panose="02040503050406030204" pitchFamily="18" charset="0"/>
+                            <a:ea typeface="Cambria Math" panose="02040503050406030204" pitchFamily="18" charset="0"/>
+                          </a:rPr>
+                        </m:ctrlPr>
+                      </m:dPr>
+                      <m:e>
+                        <m:r>
+                          <a:rPr lang="es-ES" sz="2000" i="1">
+                            <a:latin typeface="Cambria Math" panose="02040503050406030204" pitchFamily="18" charset="0"/>
+                            <a:ea typeface="Cambria Math" panose="02040503050406030204" pitchFamily="18" charset="0"/>
+                          </a:rPr>
+                          <m:t>1.010, </m:t>
+                        </m:r>
+                        <m:r>
+                          <a:rPr lang="es-ES" sz="2000" b="0" i="1" smtClean="0">
+                            <a:latin typeface="Cambria Math" panose="02040503050406030204" pitchFamily="18" charset="0"/>
+                            <a:ea typeface="Cambria Math" panose="02040503050406030204" pitchFamily="18" charset="0"/>
+                          </a:rPr>
+                          <m:t> </m:t>
+                        </m:r>
+                        <m:r>
+                          <a:rPr lang="es-ES" sz="2000" i="1">
+                            <a:latin typeface="Cambria Math" panose="02040503050406030204" pitchFamily="18" charset="0"/>
+                            <a:ea typeface="Cambria Math" panose="02040503050406030204" pitchFamily="18" charset="0"/>
+                          </a:rPr>
+                          <m:t>3.024</m:t>
+                        </m:r>
+                        <m:r>
+                          <a:rPr lang="es-ES" sz="2000" i="1">
+                            <a:latin typeface="Cambria Math" panose="02040503050406030204" pitchFamily="18" charset="0"/>
+                            <a:ea typeface="Cambria Math" panose="02040503050406030204" pitchFamily="18" charset="0"/>
+                          </a:rPr>
+                          <m:t>, </m:t>
+                        </m:r>
+                        <m:r>
+                          <a:rPr lang="es-ES" sz="2000" b="0" i="1" smtClean="0">
+                            <a:latin typeface="Cambria Math" panose="02040503050406030204" pitchFamily="18" charset="0"/>
+                            <a:ea typeface="Cambria Math" panose="02040503050406030204" pitchFamily="18" charset="0"/>
+                          </a:rPr>
+                          <m:t> </m:t>
+                        </m:r>
+                        <m:r>
+                          <a:rPr lang="es-ES" sz="2000" i="1">
+                            <a:latin typeface="Cambria Math" panose="02040503050406030204" pitchFamily="18" charset="0"/>
+                            <a:ea typeface="Cambria Math" panose="02040503050406030204" pitchFamily="18" charset="0"/>
+                          </a:rPr>
+                          <m:t>5.038,</m:t>
+                        </m:r>
+                        <m:r>
+                          <a:rPr lang="es-ES" sz="2000" i="1">
+                            <a:latin typeface="Cambria Math" panose="02040503050406030204" pitchFamily="18" charset="0"/>
+                            <a:ea typeface="Cambria Math" panose="02040503050406030204" pitchFamily="18" charset="0"/>
+                          </a:rPr>
+                          <m:t> </m:t>
+                        </m:r>
+                        <m:r>
+                          <a:rPr lang="es-ES" sz="2000" b="0" i="1" smtClean="0">
+                            <a:latin typeface="Cambria Math" panose="02040503050406030204" pitchFamily="18" charset="0"/>
+                            <a:ea typeface="Cambria Math" panose="02040503050406030204" pitchFamily="18" charset="0"/>
+                          </a:rPr>
+                          <m:t> </m:t>
+                        </m:r>
+                        <m:r>
+                          <a:rPr lang="es-ES" sz="2000" i="1">
+                            <a:latin typeface="Cambria Math" panose="02040503050406030204" pitchFamily="18" charset="0"/>
+                            <a:ea typeface="Cambria Math" panose="02040503050406030204" pitchFamily="18" charset="0"/>
+                          </a:rPr>
+                          <m:t>7.051,</m:t>
+                        </m:r>
+                        <m:r>
+                          <a:rPr lang="es-ES" sz="2000" b="0" i="1" smtClean="0">
+                            <a:latin typeface="Cambria Math" panose="02040503050406030204" pitchFamily="18" charset="0"/>
+                            <a:ea typeface="Cambria Math" panose="02040503050406030204" pitchFamily="18" charset="0"/>
+                          </a:rPr>
+                          <m:t>  </m:t>
+                        </m:r>
+                        <m:r>
+                          <a:rPr lang="es-ES" sz="2000" i="1">
+                            <a:latin typeface="Cambria Math" panose="02040503050406030204" pitchFamily="18" charset="0"/>
+                            <a:ea typeface="Cambria Math" panose="02040503050406030204" pitchFamily="18" charset="0"/>
+                          </a:rPr>
+                          <m:t>9.065</m:t>
+                        </m:r>
+                      </m:e>
+                    </m:d>
+                  </m:oMath>
+                </a14:m>
+                <a:endParaRPr lang="es-ES" sz="2000" dirty="0"/>
+              </a:p>
+            </p:txBody>
+          </p:sp>
+        </mc:Choice>
+        <mc:Fallback>
+          <p:sp>
+            <p:nvSpPr>
+              <p:cNvPr id="11" name="CuadroTexto 10">
+                <a:extLst>
+                  <a:ext uri="{FF2B5EF4-FFF2-40B4-BE49-F238E27FC236}">
+                    <a16:creationId xmlns:a16="http://schemas.microsoft.com/office/drawing/2014/main" id="{431C655E-B35E-2EA0-E775-4A607656CEE3}"/>
+                  </a:ext>
+                </a:extLst>
+              </p:cNvPr>
+              <p:cNvSpPr txBox="1">
+                <a:spLocks noRot="1" noChangeAspect="1" noMove="1" noResize="1" noEditPoints="1" noAdjustHandles="1" noChangeArrowheads="1" noChangeShapeType="1" noTextEdit="1"/>
+              </p:cNvSpPr>
+              <p:nvPr/>
+            </p:nvSpPr>
+            <p:spPr>
+              <a:xfrm>
+                <a:off x="831520" y="8486448"/>
+                <a:ext cx="7080581" cy="460895"/>
+              </a:xfrm>
+              <a:prstGeom prst="rect">
+                <a:avLst/>
+              </a:prstGeom>
+              <a:blipFill>
+                <a:blip r:embed="rId6"/>
+                <a:stretch>
+                  <a:fillRect l="-861" t="-5263" b="-10526"/>
+                </a:stretch>
+              </a:blipFill>
+            </p:spPr>
+            <p:txBody>
+              <a:bodyPr/>
+              <a:lstStyle/>
+              <a:p>
+                <a:r>
+                  <a:rPr lang="es-ES">
+                    <a:noFill/>
+                  </a:rPr>
+                  <a:t> </a:t>
+                </a:r>
+              </a:p>
+            </p:txBody>
+          </p:sp>
+        </mc:Fallback>
+      </mc:AlternateContent>
+      <p:graphicFrame>
+        <p:nvGraphicFramePr>
+          <p:cNvPr id="14" name="Tabla 13">
+            <a:extLst>
+              <a:ext uri="{FF2B5EF4-FFF2-40B4-BE49-F238E27FC236}">
+                <a16:creationId xmlns:a16="http://schemas.microsoft.com/office/drawing/2014/main" id="{32621A4F-D0D2-554F-8A6B-DD60D1FE578C}"/>
+              </a:ext>
+            </a:extLst>
+          </p:cNvPr>
+          <p:cNvGraphicFramePr>
+            <a:graphicFrameLocks noGrp="1"/>
+          </p:cNvGraphicFramePr>
+          <p:nvPr>
+            <p:extLst>
+              <p:ext uri="{D42A27DB-BD31-4B8C-83A1-F6EECF244321}">
+                <p14:modId xmlns:p14="http://schemas.microsoft.com/office/powerpoint/2010/main" val="2629085404"/>
+              </p:ext>
+            </p:extLst>
+          </p:nvPr>
+        </p:nvGraphicFramePr>
+        <p:xfrm>
+          <a:off x="9499601" y="374476"/>
+          <a:ext cx="5956299" cy="1676400"/>
+        </p:xfrm>
+        <a:graphic>
+          <a:graphicData uri="http://schemas.openxmlformats.org/drawingml/2006/table">
+            <a:tbl>
+              <a:tblPr firstRow="1" bandRow="1">
+                <a:tableStyleId>{9D7B26C5-4107-4FEC-AEDC-1716B250A1EF}</a:tableStyleId>
+              </a:tblPr>
+              <a:tblGrid>
+                <a:gridCol w="1985433">
+                  <a:extLst>
+                    <a:ext uri="{9D8B030D-6E8A-4147-A177-3AD203B41FA5}">
+                      <a16:colId xmlns:a16="http://schemas.microsoft.com/office/drawing/2014/main" val="2591213547"/>
+                    </a:ext>
+                  </a:extLst>
+                </a:gridCol>
+                <a:gridCol w="1985433">
+                  <a:extLst>
+                    <a:ext uri="{9D8B030D-6E8A-4147-A177-3AD203B41FA5}">
+                      <a16:colId xmlns:a16="http://schemas.microsoft.com/office/drawing/2014/main" val="3586798924"/>
+                    </a:ext>
+                  </a:extLst>
+                </a:gridCol>
+                <a:gridCol w="1985433">
+                  <a:extLst>
+                    <a:ext uri="{9D8B030D-6E8A-4147-A177-3AD203B41FA5}">
+                      <a16:colId xmlns:a16="http://schemas.microsoft.com/office/drawing/2014/main" val="3125230139"/>
+                    </a:ext>
+                  </a:extLst>
+                </a:gridCol>
+              </a:tblGrid>
+              <a:tr h="320525">
+                <a:tc>
+                  <a:txBody>
+                    <a:bodyPr/>
+                    <a:lstStyle/>
+                    <a:p>
+                      <a:endParaRPr lang="es-ES" sz="1600" dirty="0"/>
+                    </a:p>
+                  </a:txBody>
+                  <a:tcPr/>
+                </a:tc>
+                <a:tc>
+                  <a:txBody>
+                    <a:bodyPr/>
+                    <a:lstStyle/>
+                    <a:p>
+                      <a:pPr algn="ctr"/>
+                      <a:r>
+                        <a:rPr lang="es-ES" sz="1600" dirty="0"/>
+                        <a:t>x1</a:t>
+                      </a:r>
+                    </a:p>
+                  </a:txBody>
+                  <a:tcPr/>
+                </a:tc>
+                <a:tc>
+                  <a:txBody>
+                    <a:bodyPr/>
+                    <a:lstStyle/>
+                    <a:p>
+                      <a:pPr algn="ctr"/>
+                      <a:r>
+                        <a:rPr lang="es-ES" sz="1600" dirty="0"/>
+                        <a:t>y</a:t>
+                      </a:r>
+                    </a:p>
+                  </a:txBody>
+                  <a:tcPr/>
+                </a:tc>
+                <a:extLst>
+                  <a:ext uri="{0D108BD9-81ED-4DB2-BD59-A6C34878D82A}">
+                    <a16:rowId xmlns:a16="http://schemas.microsoft.com/office/drawing/2014/main" val="3609767503"/>
+                  </a:ext>
+                </a:extLst>
+              </a:tr>
+              <a:tr h="320525">
+                <a:tc>
+                  <a:txBody>
+                    <a:bodyPr/>
+                    <a:lstStyle/>
+                    <a:p>
+                      <a:r>
+                        <a:rPr lang="es-ES" sz="1600" dirty="0"/>
+                        <a:t>Mean </a:t>
+                      </a:r>
+                      <a:r>
+                        <a:rPr lang="es-ES" sz="1600" dirty="0" err="1"/>
+                        <a:t>values</a:t>
+                      </a:r>
+                      <a:endParaRPr lang="es-ES" sz="1600" dirty="0"/>
+                    </a:p>
+                  </a:txBody>
+                  <a:tcPr/>
+                </a:tc>
+                <a:tc>
+                  <a:txBody>
+                    <a:bodyPr/>
+                    <a:lstStyle/>
+                    <a:p>
+                      <a:pPr algn="ctr"/>
+                      <a:r>
+                        <a:rPr lang="es-ES" sz="1600" dirty="0"/>
+                        <a:t>5.245</a:t>
+                      </a:r>
+                    </a:p>
+                  </a:txBody>
+                  <a:tcPr/>
+                </a:tc>
+                <a:tc>
+                  <a:txBody>
+                    <a:bodyPr/>
+                    <a:lstStyle/>
+                    <a:p>
+                      <a:pPr algn="ctr"/>
+                      <a:r>
+                        <a:rPr lang="es-ES" sz="1600" dirty="0"/>
+                        <a:t>4.606</a:t>
+                      </a:r>
+                    </a:p>
+                  </a:txBody>
+                  <a:tcPr/>
+                </a:tc>
+                <a:extLst>
+                  <a:ext uri="{0D108BD9-81ED-4DB2-BD59-A6C34878D82A}">
+                    <a16:rowId xmlns:a16="http://schemas.microsoft.com/office/drawing/2014/main" val="1130052224"/>
+                  </a:ext>
+                </a:extLst>
+              </a:tr>
+              <a:tr h="320525">
+                <a:tc>
+                  <a:txBody>
+                    <a:bodyPr/>
+                    <a:lstStyle/>
+                    <a:p>
+                      <a:r>
+                        <a:rPr lang="es-ES" sz="1600" dirty="0"/>
+                        <a:t>1st DMU</a:t>
+                      </a:r>
+                    </a:p>
+                  </a:txBody>
+                  <a:tcPr/>
+                </a:tc>
+                <a:tc>
+                  <a:txBody>
+                    <a:bodyPr/>
+                    <a:lstStyle/>
+                    <a:p>
+                      <a:pPr algn="ctr"/>
+                      <a:r>
+                        <a:rPr lang="es-ES" sz="1600" dirty="0"/>
+                        <a:t>2.993</a:t>
+                      </a:r>
+                    </a:p>
+                  </a:txBody>
+                  <a:tcPr/>
+                </a:tc>
+                <a:tc>
+                  <a:txBody>
+                    <a:bodyPr/>
+                    <a:lstStyle/>
+                    <a:p>
+                      <a:pPr algn="ctr"/>
+                      <a:r>
+                        <a:rPr lang="es-ES" sz="1600" dirty="0">
+                          <a:effectLst/>
+                        </a:rPr>
+                        <a:t>2.829</a:t>
+                      </a:r>
+                      <a:endParaRPr lang="es-ES" sz="1600" dirty="0"/>
+                    </a:p>
+                  </a:txBody>
+                  <a:tcPr/>
+                </a:tc>
+                <a:extLst>
+                  <a:ext uri="{0D108BD9-81ED-4DB2-BD59-A6C34878D82A}">
+                    <a16:rowId xmlns:a16="http://schemas.microsoft.com/office/drawing/2014/main" val="3946281185"/>
+                  </a:ext>
+                </a:extLst>
+              </a:tr>
+              <a:tr h="320525">
+                <a:tc>
+                  <a:txBody>
+                    <a:bodyPr/>
+                    <a:lstStyle/>
+                    <a:p>
+                      <a:r>
+                        <a:rPr lang="es-ES" sz="1600" dirty="0"/>
+                        <a:t>4th DMU</a:t>
+                      </a:r>
+                    </a:p>
+                  </a:txBody>
+                  <a:tcPr/>
+                </a:tc>
+                <a:tc>
+                  <a:txBody>
+                    <a:bodyPr/>
+                    <a:lstStyle/>
+                    <a:p>
+                      <a:pPr algn="ctr"/>
+                      <a:r>
+                        <a:rPr lang="es-ES" sz="1600" dirty="0">
+                          <a:effectLst/>
+                        </a:rPr>
+                        <a:t>7.822</a:t>
+                      </a:r>
+                      <a:endParaRPr lang="es-ES" sz="1600" dirty="0"/>
+                    </a:p>
+                  </a:txBody>
+                  <a:tcPr/>
+                </a:tc>
+                <a:tc>
+                  <a:txBody>
+                    <a:bodyPr/>
+                    <a:lstStyle/>
+                    <a:p>
+                      <a:pPr algn="ctr"/>
+                      <a:r>
+                        <a:rPr lang="es-ES" sz="1600" dirty="0">
+                          <a:effectLst/>
+                        </a:rPr>
+                        <a:t>5.049</a:t>
+                      </a:r>
+                      <a:endParaRPr lang="es-ES" sz="1600" dirty="0"/>
+                    </a:p>
+                  </a:txBody>
+                  <a:tcPr/>
+                </a:tc>
+                <a:extLst>
+                  <a:ext uri="{0D108BD9-81ED-4DB2-BD59-A6C34878D82A}">
+                    <a16:rowId xmlns:a16="http://schemas.microsoft.com/office/drawing/2014/main" val="1209380637"/>
+                  </a:ext>
+                </a:extLst>
+              </a:tr>
+              <a:tr h="320525">
+                <a:tc>
+                  <a:txBody>
+                    <a:bodyPr/>
+                    <a:lstStyle/>
+                    <a:p>
+                      <a:r>
+                        <a:rPr lang="es-ES" sz="1600" dirty="0"/>
+                        <a:t>13th DMU</a:t>
+                      </a:r>
+                    </a:p>
+                  </a:txBody>
+                  <a:tcPr/>
+                </a:tc>
+                <a:tc>
+                  <a:txBody>
+                    <a:bodyPr/>
+                    <a:lstStyle/>
+                    <a:p>
+                      <a:pPr algn="ctr"/>
+                      <a:r>
+                        <a:rPr lang="es-ES" sz="1600" dirty="0">
+                          <a:effectLst/>
+                        </a:rPr>
+                        <a:t>9.065</a:t>
+                      </a:r>
+                      <a:endParaRPr lang="es-ES" sz="1600" dirty="0"/>
+                    </a:p>
+                  </a:txBody>
+                  <a:tcPr/>
+                </a:tc>
+                <a:tc>
+                  <a:txBody>
+                    <a:bodyPr/>
+                    <a:lstStyle/>
+                    <a:p>
+                      <a:pPr algn="ctr"/>
+                      <a:r>
+                        <a:rPr lang="es-ES" sz="1600" dirty="0">
+                          <a:effectLst/>
+                        </a:rPr>
+                        <a:t>8.905</a:t>
+                      </a:r>
+                      <a:endParaRPr lang="es-ES" sz="1600" dirty="0"/>
+                    </a:p>
+                  </a:txBody>
+                  <a:tcPr/>
+                </a:tc>
+                <a:extLst>
+                  <a:ext uri="{0D108BD9-81ED-4DB2-BD59-A6C34878D82A}">
+                    <a16:rowId xmlns:a16="http://schemas.microsoft.com/office/drawing/2014/main" val="3529383614"/>
+                  </a:ext>
+                </a:extLst>
+              </a:tr>
+            </a:tbl>
+          </a:graphicData>
+        </a:graphic>
+      </p:graphicFrame>
+    </p:spTree>
+    <p:extLst>
+      <p:ext uri="{BB962C8B-B14F-4D97-AF65-F5344CB8AC3E}">
+        <p14:creationId xmlns:p14="http://schemas.microsoft.com/office/powerpoint/2010/main" val="223763237"/>
+      </p:ext>
+    </p:extLst>
+  </p:cSld>
+  <p:clrMapOvr>
+    <a:masterClrMapping/>
+  </p:clrMapOvr>
+</p:sld>
+</file>
+
+<file path=ppt/slides/slide22.xml><?xml version="1.0" encoding="utf-8"?>
+<p:sld xmlns:a="http://schemas.openxmlformats.org/drawingml/2006/main" xmlns:r="http://schemas.openxmlformats.org/officeDocument/2006/relationships" xmlns:p="http://schemas.openxmlformats.org/presentationml/2006/main">
+  <p:cSld>
+    <p:spTree>
+      <p:nvGrpSpPr>
+        <p:cNvPr id="1" name=""/>
+        <p:cNvGrpSpPr/>
+        <p:nvPr/>
+      </p:nvGrpSpPr>
+      <p:grpSpPr>
+        <a:xfrm>
+          <a:off x="0" y="0"/>
+          <a:ext cx="0" cy="0"/>
+          <a:chOff x="0" y="0"/>
+          <a:chExt cx="0" cy="0"/>
+        </a:xfrm>
+      </p:grpSpPr>
+      <p:pic>
+        <p:nvPicPr>
+          <p:cNvPr id="8" name="Imagen 7" descr="Gráfico, Gráfico de líneas&#10;&#10;Descripción generada automáticamente">
+            <a:extLst>
+              <a:ext uri="{FF2B5EF4-FFF2-40B4-BE49-F238E27FC236}">
+                <a16:creationId xmlns:a16="http://schemas.microsoft.com/office/drawing/2014/main" id="{B657F8C5-7B34-4D1B-2FC4-0F591720A4C7}"/>
+              </a:ext>
+            </a:extLst>
+          </p:cNvPr>
+          <p:cNvPicPr>
+            <a:picLocks noChangeAspect="1"/>
+          </p:cNvPicPr>
+          <p:nvPr/>
+        </p:nvPicPr>
+        <p:blipFill>
+          <a:blip r:embed="rId3">
+            <a:alphaModFix/>
+            <a:extLst>
+              <a:ext uri="{28A0092B-C50C-407E-A947-70E740481C1C}">
+                <a14:useLocalDpi xmlns:a14="http://schemas.microsoft.com/office/drawing/2010/main" val="0"/>
+              </a:ext>
+            </a:extLst>
+          </a:blip>
+          <a:stretch>
+            <a:fillRect/>
+          </a:stretch>
+        </p:blipFill>
+        <p:spPr>
+          <a:xfrm>
+            <a:off x="8468140" y="2588971"/>
+            <a:ext cx="8706678" cy="6866672"/>
+          </a:xfrm>
+          <a:prstGeom prst="rect">
+            <a:avLst/>
+          </a:prstGeom>
+        </p:spPr>
+      </p:pic>
+      <p:sp>
+        <p:nvSpPr>
+          <p:cNvPr id="2" name="Título 1">
+            <a:extLst>
+              <a:ext uri="{FF2B5EF4-FFF2-40B4-BE49-F238E27FC236}">
+                <a16:creationId xmlns:a16="http://schemas.microsoft.com/office/drawing/2014/main" id="{86BA8BD2-2360-47C4-A428-A34D4F1BE424}"/>
+              </a:ext>
+            </a:extLst>
+          </p:cNvPr>
+          <p:cNvSpPr>
+            <a:spLocks noGrp="1"/>
+          </p:cNvSpPr>
+          <p:nvPr>
+            <p:ph type="title"/>
+          </p:nvPr>
+        </p:nvSpPr>
+        <p:spPr/>
+        <p:txBody>
+          <a:bodyPr/>
+          <a:lstStyle/>
+          <a:p>
+            <a:r>
+              <a:rPr lang="es-ES" dirty="0"/>
+              <a:t>1D-SA: </a:t>
+            </a:r>
+            <a:r>
+              <a:rPr lang="es-ES" dirty="0" err="1"/>
+              <a:t>Example</a:t>
+            </a:r>
+            <a:endParaRPr lang="en-GB" dirty="0"/>
+          </a:p>
+        </p:txBody>
+      </p:sp>
+      <p:sp>
+        <p:nvSpPr>
+          <p:cNvPr id="4" name="Marcador de pie de página 3">
+            <a:extLst>
+              <a:ext uri="{FF2B5EF4-FFF2-40B4-BE49-F238E27FC236}">
+                <a16:creationId xmlns:a16="http://schemas.microsoft.com/office/drawing/2014/main" id="{32E9E3CC-AACD-421E-ADF4-8100E3695283}"/>
+              </a:ext>
+            </a:extLst>
+          </p:cNvPr>
+          <p:cNvSpPr>
+            <a:spLocks noGrp="1"/>
+          </p:cNvSpPr>
+          <p:nvPr>
+            <p:ph type="ftr" sz="quarter" idx="11"/>
+          </p:nvPr>
+        </p:nvSpPr>
+        <p:spPr/>
+        <p:txBody>
+          <a:bodyPr/>
+          <a:lstStyle/>
+          <a:p>
+            <a:pPr algn="ctr">
+              <a:lnSpc>
+                <a:spcPct val="150000"/>
+              </a:lnSpc>
+              <a:spcAft>
+                <a:spcPts val="800"/>
+              </a:spcAft>
+            </a:pPr>
+            <a:r>
+              <a:rPr lang="en-US" sz="1800" b="1" kern="100" dirty="0">
+                <a:effectLst/>
+                <a:latin typeface="Times New Roman" panose="02020603050405020304" pitchFamily="18" charset="0"/>
+                <a:ea typeface="Aptos" panose="020B0004020202020204" pitchFamily="34" charset="0"/>
+                <a:cs typeface="Times New Roman" panose="02020603050405020304" pitchFamily="18" charset="0"/>
+              </a:rPr>
+              <a:t>Using sensitivity analysis and visualization techniques to open black box data mining models: a </a:t>
+            </a:r>
+            <a:r>
+              <a:rPr lang="en-US" sz="1800" b="1" kern="100" dirty="0" err="1">
+                <a:effectLst/>
+                <a:latin typeface="Times New Roman" panose="02020603050405020304" pitchFamily="18" charset="0"/>
+                <a:ea typeface="Aptos" panose="020B0004020202020204" pitchFamily="34" charset="0"/>
+                <a:cs typeface="Times New Roman" panose="02020603050405020304" pitchFamily="18" charset="0"/>
+              </a:rPr>
+              <a:t>rminer</a:t>
+            </a:r>
+            <a:r>
+              <a:rPr lang="en-US" sz="1800" b="1" kern="100" dirty="0">
+                <a:effectLst/>
+                <a:latin typeface="Times New Roman" panose="02020603050405020304" pitchFamily="18" charset="0"/>
+                <a:ea typeface="Aptos" panose="020B0004020202020204" pitchFamily="34" charset="0"/>
+                <a:cs typeface="Times New Roman" panose="02020603050405020304" pitchFamily="18" charset="0"/>
+              </a:rPr>
+              <a:t> example</a:t>
+            </a:r>
+            <a:endParaRPr lang="es-ES" sz="1600" kern="100" dirty="0">
+              <a:effectLst/>
+              <a:latin typeface="Times New Roman" panose="02020603050405020304" pitchFamily="18" charset="0"/>
+              <a:ea typeface="Aptos" panose="020B0004020202020204" pitchFamily="34" charset="0"/>
+              <a:cs typeface="Times New Roman" panose="02020603050405020304" pitchFamily="18" charset="0"/>
+            </a:endParaRPr>
+          </a:p>
+        </p:txBody>
+      </p:sp>
+      <p:sp>
+        <p:nvSpPr>
+          <p:cNvPr id="5" name="Marcador de número de diapositiva 4">
+            <a:extLst>
+              <a:ext uri="{FF2B5EF4-FFF2-40B4-BE49-F238E27FC236}">
+                <a16:creationId xmlns:a16="http://schemas.microsoft.com/office/drawing/2014/main" id="{5CD26059-5682-4382-89E1-677AD7B72CFE}"/>
+              </a:ext>
+            </a:extLst>
+          </p:cNvPr>
+          <p:cNvSpPr>
+            <a:spLocks noGrp="1"/>
+          </p:cNvSpPr>
+          <p:nvPr>
+            <p:ph type="sldNum" sz="quarter" idx="12"/>
+          </p:nvPr>
+        </p:nvSpPr>
+        <p:spPr/>
+        <p:txBody>
+          <a:bodyPr/>
+          <a:lstStyle/>
+          <a:p>
+            <a:fld id="{DBFF9636-A71C-488A-89F8-02E08556F10C}" type="slidenum">
+              <a:rPr lang="es-ES" smtClean="0"/>
+              <a:pPr/>
+              <a:t>22</a:t>
+            </a:fld>
+            <a:endParaRPr lang="es-ES" dirty="0"/>
+          </a:p>
+        </p:txBody>
+      </p:sp>
+      <mc:AlternateContent xmlns:mc="http://schemas.openxmlformats.org/markup-compatibility/2006">
+        <mc:Choice xmlns:a14="http://schemas.microsoft.com/office/drawing/2010/main" Requires="a14">
+          <p:sp>
+            <p:nvSpPr>
+              <p:cNvPr id="3" name="Marcador de contenido 2">
+                <a:extLst>
+                  <a:ext uri="{FF2B5EF4-FFF2-40B4-BE49-F238E27FC236}">
+                    <a16:creationId xmlns:a16="http://schemas.microsoft.com/office/drawing/2014/main" id="{4494177C-73C9-19D2-B33F-3A421F270BD1}"/>
+                  </a:ext>
+                </a:extLst>
+              </p:cNvPr>
+              <p:cNvSpPr>
+                <a:spLocks noGrp="1"/>
+              </p:cNvSpPr>
+              <p:nvPr>
+                <p:ph idx="1"/>
+              </p:nvPr>
+            </p:nvSpPr>
+            <p:spPr>
+              <a:xfrm>
+                <a:off x="831520" y="3097269"/>
+                <a:ext cx="4270567" cy="5850074"/>
+              </a:xfrm>
+            </p:spPr>
+            <p:txBody>
+              <a:bodyPr>
+                <a:normAutofit/>
+              </a:bodyPr>
+              <a:lstStyle/>
+              <a:p>
+                <a:r>
+                  <a:rPr lang="en-US" sz="4400" dirty="0">
+                    <a:effectLst/>
+                    <a:latin typeface="DIN" panose="020B0604020202020204" charset="0"/>
+                    <a:ea typeface="Aptos" panose="020B0004020202020204" pitchFamily="34" charset="0"/>
+                  </a:rPr>
+                  <a:t>5 Levels for </a:t>
+                </a:r>
+                <a14:m>
+                  <m:oMath xmlns:m="http://schemas.openxmlformats.org/officeDocument/2006/math">
+                    <m:r>
+                      <m:rPr>
+                        <m:sty m:val="p"/>
+                      </m:rPr>
+                      <a:rPr lang="es-ES" sz="4400" b="0" i="0" smtClean="0">
+                        <a:effectLst/>
+                        <a:latin typeface="Cambria Math" panose="02040503050406030204" pitchFamily="18" charset="0"/>
+                        <a:ea typeface="Aptos" panose="020B0004020202020204" pitchFamily="34" charset="0"/>
+                      </a:rPr>
+                      <m:t>y</m:t>
+                    </m:r>
+                  </m:oMath>
+                </a14:m>
+                <a:r>
+                  <a:rPr lang="en-US" sz="4400" dirty="0">
+                    <a:effectLst/>
+                    <a:latin typeface="DIN" panose="020B0604020202020204" charset="0"/>
+                    <a:ea typeface="Aptos" panose="020B0004020202020204" pitchFamily="34" charset="0"/>
+                  </a:rPr>
+                  <a:t> for each DMU:</a:t>
+                </a:r>
+              </a:p>
+              <a:p>
+                <a:endParaRPr lang="en-GB" dirty="0"/>
+              </a:p>
+            </p:txBody>
+          </p:sp>
+        </mc:Choice>
+        <mc:Fallback>
+          <p:sp>
+            <p:nvSpPr>
+              <p:cNvPr id="3" name="Marcador de contenido 2">
+                <a:extLst>
+                  <a:ext uri="{FF2B5EF4-FFF2-40B4-BE49-F238E27FC236}">
+                    <a16:creationId xmlns:a16="http://schemas.microsoft.com/office/drawing/2014/main" id="{4494177C-73C9-19D2-B33F-3A421F270BD1}"/>
+                  </a:ext>
+                </a:extLst>
+              </p:cNvPr>
+              <p:cNvSpPr>
+                <a:spLocks noGrp="1" noRot="1" noChangeAspect="1" noMove="1" noResize="1" noEditPoints="1" noAdjustHandles="1" noChangeArrowheads="1" noChangeShapeType="1" noTextEdit="1"/>
+              </p:cNvSpPr>
+              <p:nvPr>
+                <p:ph idx="1"/>
+              </p:nvPr>
+            </p:nvSpPr>
+            <p:spPr>
+              <a:xfrm>
+                <a:off x="831520" y="3097269"/>
+                <a:ext cx="4270567" cy="5850074"/>
+              </a:xfrm>
+              <a:blipFill>
+                <a:blip r:embed="rId4"/>
+                <a:stretch>
+                  <a:fillRect l="-5136" t="-3333" r="-1141"/>
+                </a:stretch>
+              </a:blipFill>
+            </p:spPr>
+            <p:txBody>
+              <a:bodyPr/>
+              <a:lstStyle/>
+              <a:p>
+                <a:r>
+                  <a:rPr lang="es-ES">
+                    <a:noFill/>
+                  </a:rPr>
+                  <a:t> </a:t>
+                </a:r>
+              </a:p>
+            </p:txBody>
+          </p:sp>
+        </mc:Fallback>
+      </mc:AlternateContent>
+      <mc:AlternateContent xmlns:mc="http://schemas.openxmlformats.org/markup-compatibility/2006">
+        <mc:Choice xmlns:a14="http://schemas.microsoft.com/office/drawing/2010/main" Requires="a14">
+          <p:graphicFrame>
+            <p:nvGraphicFramePr>
+              <p:cNvPr id="9" name="Tabla 8">
+                <a:extLst>
+                  <a:ext uri="{FF2B5EF4-FFF2-40B4-BE49-F238E27FC236}">
+                    <a16:creationId xmlns:a16="http://schemas.microsoft.com/office/drawing/2014/main" id="{6B44E67A-E71C-40C6-B7FC-226B244CE294}"/>
+                  </a:ext>
+                </a:extLst>
+              </p:cNvPr>
+              <p:cNvGraphicFramePr>
+                <a:graphicFrameLocks noGrp="1"/>
+              </p:cNvGraphicFramePr>
+              <p:nvPr>
+                <p:extLst>
+                  <p:ext uri="{D42A27DB-BD31-4B8C-83A1-F6EECF244321}">
+                    <p14:modId xmlns:p14="http://schemas.microsoft.com/office/powerpoint/2010/main" val="3200546135"/>
+                  </p:ext>
+                </p:extLst>
+              </p:nvPr>
+            </p:nvGraphicFramePr>
+            <p:xfrm>
+              <a:off x="831520" y="5144294"/>
+              <a:ext cx="6093705" cy="2918982"/>
+            </p:xfrm>
+            <a:graphic>
+              <a:graphicData uri="http://schemas.openxmlformats.org/drawingml/2006/table">
+                <a:tbl>
+                  <a:tblPr firstRow="1" bandRow="1">
+                    <a:tableStyleId>{9D7B26C5-4107-4FEC-AEDC-1716B250A1EF}</a:tableStyleId>
+                  </a:tblPr>
+                  <a:tblGrid>
+                    <a:gridCol w="2031235">
+                      <a:extLst>
+                        <a:ext uri="{9D8B030D-6E8A-4147-A177-3AD203B41FA5}">
+                          <a16:colId xmlns:a16="http://schemas.microsoft.com/office/drawing/2014/main" val="3943066496"/>
+                        </a:ext>
+                      </a:extLst>
+                    </a:gridCol>
+                    <a:gridCol w="2031235">
+                      <a:extLst>
+                        <a:ext uri="{9D8B030D-6E8A-4147-A177-3AD203B41FA5}">
+                          <a16:colId xmlns:a16="http://schemas.microsoft.com/office/drawing/2014/main" val="465688363"/>
+                        </a:ext>
+                      </a:extLst>
+                    </a:gridCol>
+                    <a:gridCol w="2031235">
+                      <a:extLst>
+                        <a:ext uri="{9D8B030D-6E8A-4147-A177-3AD203B41FA5}">
+                          <a16:colId xmlns:a16="http://schemas.microsoft.com/office/drawing/2014/main" val="3387116903"/>
+                        </a:ext>
+                      </a:extLst>
+                    </a:gridCol>
+                  </a:tblGrid>
+                  <a:tr h="576396">
+                    <a:tc>
+                      <a:txBody>
+                        <a:bodyPr/>
+                        <a:lstStyle/>
+                        <a:p>
+                          <a:endParaRPr lang="es-ES" dirty="0"/>
+                        </a:p>
+                      </a:txBody>
+                      <a:tcPr/>
+                    </a:tc>
+                    <a:tc>
+                      <a:txBody>
+                        <a:bodyPr/>
+                        <a:lstStyle/>
+                        <a:p>
+                          <a:pPr algn="ctr"/>
+                          <a14:m>
+                            <m:oMathPara xmlns:m="http://schemas.openxmlformats.org/officeDocument/2006/math">
+                              <m:oMathParaPr>
+                                <m:jc m:val="centerGroup"/>
+                              </m:oMathParaPr>
+                              <m:oMath xmlns:m="http://schemas.openxmlformats.org/officeDocument/2006/math">
+                                <m:r>
+                                  <a:rPr lang="es-ES" b="1" i="1" smtClean="0">
+                                    <a:latin typeface="Cambria Math" panose="02040503050406030204" pitchFamily="18" charset="0"/>
+                                  </a:rPr>
+                                  <m:t>𝒙</m:t>
+                                </m:r>
+                                <m:r>
+                                  <a:rPr lang="es-ES" b="1" i="1" smtClean="0">
+                                    <a:latin typeface="Cambria Math" panose="02040503050406030204" pitchFamily="18" charset="0"/>
+                                  </a:rPr>
+                                  <m:t>𝟏</m:t>
+                                </m:r>
+                              </m:oMath>
+                            </m:oMathPara>
+                          </a14:m>
+                          <a:endParaRPr lang="es-ES" dirty="0"/>
+                        </a:p>
+                      </a:txBody>
+                      <a:tcPr/>
+                    </a:tc>
+                    <a:tc>
+                      <a:txBody>
+                        <a:bodyPr/>
+                        <a:lstStyle/>
+                        <a:p>
+                          <a:pPr algn="ctr"/>
+                          <a14:m>
+                            <m:oMathPara xmlns:m="http://schemas.openxmlformats.org/officeDocument/2006/math">
+                              <m:oMathParaPr>
+                                <m:jc m:val="centerGroup"/>
+                              </m:oMathParaPr>
+                              <m:oMath xmlns:m="http://schemas.openxmlformats.org/officeDocument/2006/math">
+                                <m:r>
+                                  <a:rPr lang="es-ES" b="1" i="1" smtClean="0">
+                                    <a:latin typeface="Cambria Math" panose="02040503050406030204" pitchFamily="18" charset="0"/>
+                                  </a:rPr>
+                                  <m:t>𝒚</m:t>
+                                </m:r>
+                              </m:oMath>
+                            </m:oMathPara>
+                          </a14:m>
+                          <a:endParaRPr lang="es-ES" dirty="0"/>
+                        </a:p>
+                      </a:txBody>
+                      <a:tcPr/>
+                    </a:tc>
+                    <a:extLst>
+                      <a:ext uri="{0D108BD9-81ED-4DB2-BD59-A6C34878D82A}">
+                        <a16:rowId xmlns:a16="http://schemas.microsoft.com/office/drawing/2014/main" val="2368775951"/>
+                      </a:ext>
+                    </a:extLst>
+                  </a:tr>
+                  <a:tr h="576396">
+                    <a:tc>
+                      <a:txBody>
+                        <a:bodyPr/>
+                        <a:lstStyle/>
+                        <a:p>
+                          <a:r>
+                            <a:rPr lang="es-ES" dirty="0"/>
+                            <a:t>Mean </a:t>
+                          </a:r>
+                          <a:r>
+                            <a:rPr lang="es-ES" dirty="0" err="1"/>
+                            <a:t>values</a:t>
+                          </a:r>
+                          <a:endParaRPr lang="es-ES" dirty="0"/>
+                        </a:p>
+                      </a:txBody>
+                      <a:tcPr/>
+                    </a:tc>
+                    <a:tc>
+                      <a:txBody>
+                        <a:bodyPr/>
+                        <a:lstStyle/>
+                        <a:p>
+                          <a:pPr algn="ctr"/>
+                          <a:r>
+                            <a:rPr lang="es-ES" dirty="0"/>
+                            <a:t>5.245</a:t>
+                          </a:r>
+                        </a:p>
+                      </a:txBody>
+                      <a:tcPr/>
+                    </a:tc>
+                    <a:tc>
+                      <a:txBody>
+                        <a:bodyPr/>
+                        <a:lstStyle/>
+                        <a:p>
+                          <a:pPr algn="ctr"/>
+                          <a:r>
+                            <a:rPr lang="es-ES" dirty="0"/>
+                            <a:t>4.606</a:t>
+                          </a:r>
+                        </a:p>
+                      </a:txBody>
+                      <a:tcPr/>
+                    </a:tc>
+                    <a:extLst>
+                      <a:ext uri="{0D108BD9-81ED-4DB2-BD59-A6C34878D82A}">
+                        <a16:rowId xmlns:a16="http://schemas.microsoft.com/office/drawing/2014/main" val="935370882"/>
+                      </a:ext>
+                    </a:extLst>
+                  </a:tr>
+                  <a:tr h="576396">
+                    <a:tc>
+                      <a:txBody>
+                        <a:bodyPr/>
+                        <a:lstStyle/>
+                        <a:p>
+                          <a:r>
+                            <a:rPr lang="es-ES" dirty="0"/>
+                            <a:t>1st DMU</a:t>
+                          </a:r>
+                        </a:p>
+                      </a:txBody>
+                      <a:tcPr/>
+                    </a:tc>
+                    <a:tc>
+                      <a:txBody>
+                        <a:bodyPr/>
+                        <a:lstStyle/>
+                        <a:p>
+                          <a:pPr algn="ctr"/>
+                          <a:r>
+                            <a:rPr lang="es-ES" dirty="0"/>
+                            <a:t>2.993</a:t>
+                          </a:r>
+                        </a:p>
+                      </a:txBody>
+                      <a:tcPr/>
+                    </a:tc>
+                    <a:tc>
+                      <a:txBody>
+                        <a:bodyPr/>
+                        <a:lstStyle/>
+                        <a:p>
+                          <a:pPr algn="ctr"/>
+                          <a14:m>
+                            <m:oMathPara xmlns:m="http://schemas.openxmlformats.org/officeDocument/2006/math">
+                              <m:oMathParaPr>
+                                <m:jc m:val="centerGroup"/>
+                              </m:oMathParaPr>
+                              <m:oMath xmlns:m="http://schemas.openxmlformats.org/officeDocument/2006/math">
+                                <m:sSub>
+                                  <m:sSubPr>
+                                    <m:ctrlPr>
+                                      <a:rPr lang="es-ES" i="1" smtClean="0">
+                                        <a:latin typeface="Cambria Math" panose="02040503050406030204" pitchFamily="18" charset="0"/>
+                                      </a:rPr>
+                                    </m:ctrlPr>
+                                  </m:sSubPr>
+                                  <m:e>
+                                    <m:r>
+                                      <a:rPr lang="es-ES" b="1" i="1" smtClean="0">
+                                        <a:latin typeface="Cambria Math" panose="02040503050406030204" pitchFamily="18" charset="0"/>
+                                      </a:rPr>
+                                      <m:t>𝒙</m:t>
+                                    </m:r>
+                                  </m:e>
+                                  <m:sub>
+                                    <m:sSub>
+                                      <m:sSubPr>
+                                        <m:ctrlPr>
+                                          <a:rPr lang="es-ES" i="1" smtClean="0">
+                                            <a:latin typeface="Cambria Math" panose="02040503050406030204" pitchFamily="18" charset="0"/>
+                                          </a:rPr>
+                                        </m:ctrlPr>
+                                      </m:sSubPr>
+                                      <m:e>
+                                        <m:r>
+                                          <a:rPr lang="es-ES" b="0" i="1" smtClean="0">
+                                            <a:latin typeface="Cambria Math" panose="02040503050406030204" pitchFamily="18" charset="0"/>
+                                          </a:rPr>
+                                          <m:t>𝑦</m:t>
+                                        </m:r>
+                                      </m:e>
+                                      <m:sub>
+                                        <m:sSub>
+                                          <m:sSubPr>
+                                            <m:ctrlPr>
+                                              <a:rPr lang="es-ES" i="1" smtClean="0">
+                                                <a:latin typeface="Cambria Math" panose="02040503050406030204" pitchFamily="18" charset="0"/>
+                                              </a:rPr>
+                                            </m:ctrlPr>
+                                          </m:sSubPr>
+                                          <m:e>
+                                            <m:r>
+                                              <a:rPr lang="es-ES" b="0" i="1" smtClean="0">
+                                                <a:latin typeface="Cambria Math" panose="02040503050406030204" pitchFamily="18" charset="0"/>
+                                              </a:rPr>
+                                              <m:t>𝑗</m:t>
+                                            </m:r>
+                                          </m:e>
+                                          <m:sub>
+                                            <m:r>
+                                              <a:rPr lang="es-ES" b="0" i="1" smtClean="0">
+                                                <a:latin typeface="Cambria Math" panose="02040503050406030204" pitchFamily="18" charset="0"/>
+                                              </a:rPr>
+                                              <m:t>1</m:t>
+                                            </m:r>
+                                          </m:sub>
+                                        </m:sSub>
+                                      </m:sub>
+                                    </m:sSub>
+                                    <m:r>
+                                      <m:rPr>
+                                        <m:nor/>
+                                      </m:rPr>
+                                      <a:rPr lang="es-ES" dirty="0"/>
+                                      <m:t> </m:t>
+                                    </m:r>
+                                  </m:sub>
+                                </m:sSub>
+                              </m:oMath>
+                            </m:oMathPara>
+                          </a14:m>
+                          <a:endParaRPr lang="es-ES" dirty="0"/>
+                        </a:p>
+                      </a:txBody>
+                      <a:tcPr/>
+                    </a:tc>
+                    <a:extLst>
+                      <a:ext uri="{0D108BD9-81ED-4DB2-BD59-A6C34878D82A}">
+                        <a16:rowId xmlns:a16="http://schemas.microsoft.com/office/drawing/2014/main" val="601093408"/>
+                      </a:ext>
+                    </a:extLst>
+                  </a:tr>
+                  <a:tr h="576396">
+                    <a:tc>
+                      <a:txBody>
+                        <a:bodyPr/>
+                        <a:lstStyle/>
+                        <a:p>
+                          <a:r>
+                            <a:rPr lang="es-ES" dirty="0"/>
+                            <a:t>4th DMU</a:t>
+                          </a:r>
+                        </a:p>
+                      </a:txBody>
+                      <a:tcPr/>
+                    </a:tc>
+                    <a:tc>
+                      <a:txBody>
+                        <a:bodyPr/>
+                        <a:lstStyle/>
+                        <a:p>
+                          <a:pPr algn="ctr"/>
+                          <a:r>
+                            <a:rPr lang="es-ES" dirty="0">
+                              <a:effectLst/>
+                            </a:rPr>
+                            <a:t>7.822</a:t>
+                          </a:r>
+                          <a:endParaRPr lang="es-ES" dirty="0"/>
+                        </a:p>
+                      </a:txBody>
+                      <a:tcPr/>
+                    </a:tc>
+                    <a:tc>
+                      <a:txBody>
+                        <a:bodyPr/>
+                        <a:lstStyle/>
+                        <a:p>
+                          <a:pPr marL="0" marR="0" lvl="0" indent="0" algn="ctr" defTabSz="1371600" rtl="0" eaLnBrk="1" fontAlgn="auto" latinLnBrk="0" hangingPunct="1">
+                            <a:lnSpc>
+                              <a:spcPct val="100000"/>
+                            </a:lnSpc>
+                            <a:spcBef>
+                              <a:spcPts val="0"/>
+                            </a:spcBef>
+                            <a:spcAft>
+                              <a:spcPts val="0"/>
+                            </a:spcAft>
+                            <a:buClrTx/>
+                            <a:buSzTx/>
+                            <a:buFontTx/>
+                            <a:buNone/>
+                            <a:tabLst/>
+                            <a:defRPr/>
+                          </a:pPr>
+                          <a14:m>
+                            <m:oMathPara xmlns:m="http://schemas.openxmlformats.org/officeDocument/2006/math">
+                              <m:oMathParaPr>
+                                <m:jc m:val="centerGroup"/>
+                              </m:oMathParaPr>
+                              <m:oMath xmlns:m="http://schemas.openxmlformats.org/officeDocument/2006/math">
+                                <m:sSub>
+                                  <m:sSubPr>
+                                    <m:ctrlPr>
+                                      <a:rPr lang="es-ES" i="1" smtClean="0">
+                                        <a:latin typeface="Cambria Math" panose="02040503050406030204" pitchFamily="18" charset="0"/>
+                                      </a:rPr>
+                                    </m:ctrlPr>
+                                  </m:sSubPr>
+                                  <m:e>
+                                    <m:r>
+                                      <a:rPr lang="es-ES" b="1" i="1" smtClean="0">
+                                        <a:latin typeface="Cambria Math" panose="02040503050406030204" pitchFamily="18" charset="0"/>
+                                      </a:rPr>
+                                      <m:t>𝒙</m:t>
+                                    </m:r>
+                                  </m:e>
+                                  <m:sub>
+                                    <m:sSub>
+                                      <m:sSubPr>
+                                        <m:ctrlPr>
+                                          <a:rPr lang="es-ES" i="1" smtClean="0">
+                                            <a:latin typeface="Cambria Math" panose="02040503050406030204" pitchFamily="18" charset="0"/>
+                                          </a:rPr>
+                                        </m:ctrlPr>
+                                      </m:sSubPr>
+                                      <m:e>
+                                        <m:r>
+                                          <a:rPr lang="es-ES" b="0" i="1" smtClean="0">
+                                            <a:latin typeface="Cambria Math" panose="02040503050406030204" pitchFamily="18" charset="0"/>
+                                          </a:rPr>
+                                          <m:t>𝑦</m:t>
+                                        </m:r>
+                                      </m:e>
+                                      <m:sub>
+                                        <m:sSub>
+                                          <m:sSubPr>
+                                            <m:ctrlPr>
+                                              <a:rPr lang="es-ES" i="1" smtClean="0">
+                                                <a:latin typeface="Cambria Math" panose="02040503050406030204" pitchFamily="18" charset="0"/>
+                                              </a:rPr>
+                                            </m:ctrlPr>
+                                          </m:sSubPr>
+                                          <m:e>
+                                            <m:r>
+                                              <a:rPr lang="es-ES" b="0" i="1" smtClean="0">
+                                                <a:latin typeface="Cambria Math" panose="02040503050406030204" pitchFamily="18" charset="0"/>
+                                              </a:rPr>
+                                              <m:t>𝑗</m:t>
+                                            </m:r>
+                                          </m:e>
+                                          <m:sub>
+                                            <m:r>
+                                              <a:rPr lang="es-ES" b="0" i="1" smtClean="0">
+                                                <a:latin typeface="Cambria Math" panose="02040503050406030204" pitchFamily="18" charset="0"/>
+                                              </a:rPr>
+                                              <m:t>4</m:t>
+                                            </m:r>
+                                          </m:sub>
+                                        </m:sSub>
+                                      </m:sub>
+                                    </m:sSub>
+                                    <m:r>
+                                      <m:rPr>
+                                        <m:nor/>
+                                      </m:rPr>
+                                      <a:rPr lang="es-ES" dirty="0"/>
+                                      <m:t> </m:t>
+                                    </m:r>
+                                  </m:sub>
+                                </m:sSub>
+                              </m:oMath>
+                            </m:oMathPara>
+                          </a14:m>
+                          <a:endParaRPr lang="es-ES" dirty="0"/>
+                        </a:p>
+                      </a:txBody>
+                      <a:tcPr/>
+                    </a:tc>
+                    <a:extLst>
+                      <a:ext uri="{0D108BD9-81ED-4DB2-BD59-A6C34878D82A}">
+                        <a16:rowId xmlns:a16="http://schemas.microsoft.com/office/drawing/2014/main" val="547169358"/>
+                      </a:ext>
+                    </a:extLst>
+                  </a:tr>
+                  <a:tr h="576396">
+                    <a:tc>
+                      <a:txBody>
+                        <a:bodyPr/>
+                        <a:lstStyle/>
+                        <a:p>
+                          <a:r>
+                            <a:rPr lang="es-ES" dirty="0"/>
+                            <a:t>13th DMU</a:t>
+                          </a:r>
+                        </a:p>
+                      </a:txBody>
+                      <a:tcPr/>
+                    </a:tc>
+                    <a:tc>
+                      <a:txBody>
+                        <a:bodyPr/>
+                        <a:lstStyle/>
+                        <a:p>
+                          <a:pPr algn="ctr"/>
+                          <a:r>
+                            <a:rPr lang="es-ES" dirty="0">
+                              <a:effectLst/>
+                            </a:rPr>
+                            <a:t>9.065</a:t>
+                          </a:r>
+                          <a:endParaRPr lang="es-ES" dirty="0"/>
+                        </a:p>
+                      </a:txBody>
+                      <a:tcPr/>
+                    </a:tc>
+                    <a:tc>
+                      <a:txBody>
+                        <a:bodyPr/>
+                        <a:lstStyle/>
+                        <a:p>
+                          <a:pPr marL="0" marR="0" lvl="0" indent="0" algn="ctr" defTabSz="1371600" rtl="0" eaLnBrk="1" fontAlgn="auto" latinLnBrk="0" hangingPunct="1">
+                            <a:lnSpc>
+                              <a:spcPct val="100000"/>
+                            </a:lnSpc>
+                            <a:spcBef>
+                              <a:spcPts val="0"/>
+                            </a:spcBef>
+                            <a:spcAft>
+                              <a:spcPts val="0"/>
+                            </a:spcAft>
+                            <a:buClrTx/>
+                            <a:buSzTx/>
+                            <a:buFontTx/>
+                            <a:buNone/>
+                            <a:tabLst/>
+                            <a:defRPr/>
+                          </a:pPr>
+                          <a14:m>
+                            <m:oMathPara xmlns:m="http://schemas.openxmlformats.org/officeDocument/2006/math">
+                              <m:oMathParaPr>
+                                <m:jc m:val="centerGroup"/>
+                              </m:oMathParaPr>
+                              <m:oMath xmlns:m="http://schemas.openxmlformats.org/officeDocument/2006/math">
+                                <m:sSub>
+                                  <m:sSubPr>
+                                    <m:ctrlPr>
+                                      <a:rPr lang="es-ES" i="1" smtClean="0">
+                                        <a:latin typeface="Cambria Math" panose="02040503050406030204" pitchFamily="18" charset="0"/>
+                                      </a:rPr>
+                                    </m:ctrlPr>
+                                  </m:sSubPr>
+                                  <m:e>
+                                    <m:r>
+                                      <a:rPr lang="es-ES" b="1" i="1" smtClean="0">
+                                        <a:latin typeface="Cambria Math" panose="02040503050406030204" pitchFamily="18" charset="0"/>
+                                      </a:rPr>
+                                      <m:t>𝒙</m:t>
+                                    </m:r>
+                                  </m:e>
+                                  <m:sub>
+                                    <m:sSub>
+                                      <m:sSubPr>
+                                        <m:ctrlPr>
+                                          <a:rPr lang="es-ES" i="1" smtClean="0">
+                                            <a:latin typeface="Cambria Math" panose="02040503050406030204" pitchFamily="18" charset="0"/>
+                                          </a:rPr>
+                                        </m:ctrlPr>
+                                      </m:sSubPr>
+                                      <m:e>
+                                        <m:r>
+                                          <a:rPr lang="es-ES" b="0" i="1" smtClean="0">
+                                            <a:latin typeface="Cambria Math" panose="02040503050406030204" pitchFamily="18" charset="0"/>
+                                          </a:rPr>
+                                          <m:t>𝑦</m:t>
+                                        </m:r>
+                                      </m:e>
+                                      <m:sub>
+                                        <m:sSub>
+                                          <m:sSubPr>
+                                            <m:ctrlPr>
+                                              <a:rPr lang="es-ES" i="1" smtClean="0">
+                                                <a:latin typeface="Cambria Math" panose="02040503050406030204" pitchFamily="18" charset="0"/>
+                                              </a:rPr>
+                                            </m:ctrlPr>
+                                          </m:sSubPr>
+                                          <m:e>
+                                            <m:r>
+                                              <a:rPr lang="es-ES" b="0" i="1" smtClean="0">
+                                                <a:latin typeface="Cambria Math" panose="02040503050406030204" pitchFamily="18" charset="0"/>
+                                              </a:rPr>
+                                              <m:t>𝑗</m:t>
+                                            </m:r>
+                                          </m:e>
+                                          <m:sub>
+                                            <m:r>
+                                              <a:rPr lang="es-ES" b="0" i="1" smtClean="0">
+                                                <a:latin typeface="Cambria Math" panose="02040503050406030204" pitchFamily="18" charset="0"/>
+                                              </a:rPr>
+                                              <m:t>1</m:t>
+                                            </m:r>
+                                            <m:r>
+                                              <a:rPr lang="es-ES" b="0" i="1" smtClean="0">
+                                                <a:latin typeface="Cambria Math" panose="02040503050406030204" pitchFamily="18" charset="0"/>
+                                              </a:rPr>
+                                              <m:t>3</m:t>
+                                            </m:r>
+                                          </m:sub>
+                                        </m:sSub>
+                                      </m:sub>
+                                    </m:sSub>
+                                    <m:r>
+                                      <m:rPr>
+                                        <m:nor/>
+                                      </m:rPr>
+                                      <a:rPr lang="es-ES" dirty="0"/>
+                                      <m:t> </m:t>
+                                    </m:r>
+                                  </m:sub>
+                                </m:sSub>
+                              </m:oMath>
+                            </m:oMathPara>
+                          </a14:m>
+                          <a:endParaRPr lang="es-ES" dirty="0"/>
+                        </a:p>
+                      </a:txBody>
+                      <a:tcPr/>
+                    </a:tc>
+                    <a:extLst>
+                      <a:ext uri="{0D108BD9-81ED-4DB2-BD59-A6C34878D82A}">
+                        <a16:rowId xmlns:a16="http://schemas.microsoft.com/office/drawing/2014/main" val="4053852611"/>
+                      </a:ext>
+                    </a:extLst>
+                  </a:tr>
+                </a:tbl>
+              </a:graphicData>
+            </a:graphic>
+          </p:graphicFrame>
+        </mc:Choice>
+        <mc:Fallback>
+          <p:graphicFrame>
+            <p:nvGraphicFramePr>
+              <p:cNvPr id="9" name="Tabla 8">
+                <a:extLst>
+                  <a:ext uri="{FF2B5EF4-FFF2-40B4-BE49-F238E27FC236}">
+                    <a16:creationId xmlns:a16="http://schemas.microsoft.com/office/drawing/2014/main" id="{6B44E67A-E71C-40C6-B7FC-226B244CE294}"/>
+                  </a:ext>
+                </a:extLst>
+              </p:cNvPr>
+              <p:cNvGraphicFramePr>
+                <a:graphicFrameLocks noGrp="1"/>
+              </p:cNvGraphicFramePr>
+              <p:nvPr>
+                <p:extLst>
+                  <p:ext uri="{D42A27DB-BD31-4B8C-83A1-F6EECF244321}">
+                    <p14:modId xmlns:p14="http://schemas.microsoft.com/office/powerpoint/2010/main" val="3200546135"/>
+                  </p:ext>
+                </p:extLst>
+              </p:nvPr>
+            </p:nvGraphicFramePr>
+            <p:xfrm>
+              <a:off x="831520" y="5144294"/>
+              <a:ext cx="6093705" cy="2918982"/>
+            </p:xfrm>
+            <a:graphic>
+              <a:graphicData uri="http://schemas.openxmlformats.org/drawingml/2006/table">
+                <a:tbl>
+                  <a:tblPr firstRow="1" bandRow="1">
+                    <a:tableStyleId>{9D7B26C5-4107-4FEC-AEDC-1716B250A1EF}</a:tableStyleId>
+                  </a:tblPr>
+                  <a:tblGrid>
+                    <a:gridCol w="2031235">
+                      <a:extLst>
+                        <a:ext uri="{9D8B030D-6E8A-4147-A177-3AD203B41FA5}">
+                          <a16:colId xmlns:a16="http://schemas.microsoft.com/office/drawing/2014/main" val="3943066496"/>
+                        </a:ext>
+                      </a:extLst>
+                    </a:gridCol>
+                    <a:gridCol w="2031235">
+                      <a:extLst>
+                        <a:ext uri="{9D8B030D-6E8A-4147-A177-3AD203B41FA5}">
+                          <a16:colId xmlns:a16="http://schemas.microsoft.com/office/drawing/2014/main" val="465688363"/>
+                        </a:ext>
+                      </a:extLst>
+                    </a:gridCol>
+                    <a:gridCol w="2031235">
+                      <a:extLst>
+                        <a:ext uri="{9D8B030D-6E8A-4147-A177-3AD203B41FA5}">
+                          <a16:colId xmlns:a16="http://schemas.microsoft.com/office/drawing/2014/main" val="3387116903"/>
+                        </a:ext>
+                      </a:extLst>
+                    </a:gridCol>
+                  </a:tblGrid>
+                  <a:tr h="576396">
+                    <a:tc>
+                      <a:txBody>
+                        <a:bodyPr/>
+                        <a:lstStyle/>
+                        <a:p>
+                          <a:endParaRPr lang="es-ES" dirty="0"/>
+                        </a:p>
+                      </a:txBody>
+                      <a:tcPr/>
+                    </a:tc>
+                    <a:tc>
+                      <a:txBody>
+                        <a:bodyPr/>
+                        <a:lstStyle/>
+                        <a:p>
+                          <a:endParaRPr lang="es-ES"/>
+                        </a:p>
+                      </a:txBody>
+                      <a:tcPr>
+                        <a:blipFill>
+                          <a:blip r:embed="rId5"/>
+                          <a:stretch>
+                            <a:fillRect l="-100300" t="-1053" r="-100601" b="-417895"/>
+                          </a:stretch>
+                        </a:blipFill>
+                      </a:tcPr>
+                    </a:tc>
+                    <a:tc>
+                      <a:txBody>
+                        <a:bodyPr/>
+                        <a:lstStyle/>
+                        <a:p>
+                          <a:endParaRPr lang="es-ES"/>
+                        </a:p>
+                      </a:txBody>
+                      <a:tcPr>
+                        <a:blipFill>
+                          <a:blip r:embed="rId5"/>
+                          <a:stretch>
+                            <a:fillRect l="-199701" t="-1053" r="-299" b="-417895"/>
+                          </a:stretch>
+                        </a:blipFill>
+                      </a:tcPr>
+                    </a:tc>
+                    <a:extLst>
+                      <a:ext uri="{0D108BD9-81ED-4DB2-BD59-A6C34878D82A}">
+                        <a16:rowId xmlns:a16="http://schemas.microsoft.com/office/drawing/2014/main" val="2368775951"/>
+                      </a:ext>
+                    </a:extLst>
+                  </a:tr>
+                  <a:tr h="576396">
+                    <a:tc>
+                      <a:txBody>
+                        <a:bodyPr/>
+                        <a:lstStyle/>
+                        <a:p>
+                          <a:r>
+                            <a:rPr lang="es-ES" dirty="0"/>
+                            <a:t>Mean </a:t>
+                          </a:r>
+                          <a:r>
+                            <a:rPr lang="es-ES" dirty="0" err="1"/>
+                            <a:t>values</a:t>
+                          </a:r>
+                          <a:endParaRPr lang="es-ES" dirty="0"/>
+                        </a:p>
+                      </a:txBody>
+                      <a:tcPr/>
+                    </a:tc>
+                    <a:tc>
+                      <a:txBody>
+                        <a:bodyPr/>
+                        <a:lstStyle/>
+                        <a:p>
+                          <a:pPr algn="ctr"/>
+                          <a:r>
+                            <a:rPr lang="es-ES" dirty="0"/>
+                            <a:t>5.245</a:t>
+                          </a:r>
+                        </a:p>
+                      </a:txBody>
+                      <a:tcPr/>
+                    </a:tc>
+                    <a:tc>
+                      <a:txBody>
+                        <a:bodyPr/>
+                        <a:lstStyle/>
+                        <a:p>
+                          <a:pPr algn="ctr"/>
+                          <a:r>
+                            <a:rPr lang="es-ES" dirty="0"/>
+                            <a:t>4.606</a:t>
+                          </a:r>
+                        </a:p>
+                      </a:txBody>
+                      <a:tcPr/>
+                    </a:tc>
+                    <a:extLst>
+                      <a:ext uri="{0D108BD9-81ED-4DB2-BD59-A6C34878D82A}">
+                        <a16:rowId xmlns:a16="http://schemas.microsoft.com/office/drawing/2014/main" val="935370882"/>
+                      </a:ext>
+                    </a:extLst>
+                  </a:tr>
+                  <a:tr h="588010">
+                    <a:tc>
+                      <a:txBody>
+                        <a:bodyPr/>
+                        <a:lstStyle/>
+                        <a:p>
+                          <a:r>
+                            <a:rPr lang="es-ES" dirty="0"/>
+                            <a:t>1st DMU</a:t>
+                          </a:r>
+                        </a:p>
+                      </a:txBody>
+                      <a:tcPr/>
+                    </a:tc>
+                    <a:tc>
+                      <a:txBody>
+                        <a:bodyPr/>
+                        <a:lstStyle/>
+                        <a:p>
+                          <a:pPr algn="ctr"/>
+                          <a:r>
+                            <a:rPr lang="es-ES" dirty="0"/>
+                            <a:t>2.993</a:t>
+                          </a:r>
+                        </a:p>
+                      </a:txBody>
+                      <a:tcPr/>
+                    </a:tc>
+                    <a:tc>
+                      <a:txBody>
+                        <a:bodyPr/>
+                        <a:lstStyle/>
+                        <a:p>
+                          <a:endParaRPr lang="es-ES"/>
+                        </a:p>
+                      </a:txBody>
+                      <a:tcPr>
+                        <a:blipFill>
+                          <a:blip r:embed="rId5"/>
+                          <a:stretch>
+                            <a:fillRect l="-199701" t="-198958" r="-299" b="-214583"/>
+                          </a:stretch>
+                        </a:blipFill>
+                      </a:tcPr>
+                    </a:tc>
+                    <a:extLst>
+                      <a:ext uri="{0D108BD9-81ED-4DB2-BD59-A6C34878D82A}">
+                        <a16:rowId xmlns:a16="http://schemas.microsoft.com/office/drawing/2014/main" val="601093408"/>
+                      </a:ext>
+                    </a:extLst>
+                  </a:tr>
+                  <a:tr h="587312">
+                    <a:tc>
+                      <a:txBody>
+                        <a:bodyPr/>
+                        <a:lstStyle/>
+                        <a:p>
+                          <a:r>
+                            <a:rPr lang="es-ES" dirty="0"/>
+                            <a:t>4th DMU</a:t>
+                          </a:r>
+                        </a:p>
+                      </a:txBody>
+                      <a:tcPr/>
+                    </a:tc>
+                    <a:tc>
+                      <a:txBody>
+                        <a:bodyPr/>
+                        <a:lstStyle/>
+                        <a:p>
+                          <a:pPr algn="ctr"/>
+                          <a:r>
+                            <a:rPr lang="es-ES" dirty="0">
+                              <a:effectLst/>
+                            </a:rPr>
+                            <a:t>7.822</a:t>
+                          </a:r>
+                          <a:endParaRPr lang="es-ES" dirty="0"/>
+                        </a:p>
+                      </a:txBody>
+                      <a:tcPr/>
+                    </a:tc>
+                    <a:tc>
+                      <a:txBody>
+                        <a:bodyPr/>
+                        <a:lstStyle/>
+                        <a:p>
+                          <a:endParaRPr lang="es-ES"/>
+                        </a:p>
+                      </a:txBody>
+                      <a:tcPr>
+                        <a:blipFill>
+                          <a:blip r:embed="rId5"/>
+                          <a:stretch>
+                            <a:fillRect l="-199701" t="-295876" r="-299" b="-112371"/>
+                          </a:stretch>
+                        </a:blipFill>
+                      </a:tcPr>
+                    </a:tc>
+                    <a:extLst>
+                      <a:ext uri="{0D108BD9-81ED-4DB2-BD59-A6C34878D82A}">
+                        <a16:rowId xmlns:a16="http://schemas.microsoft.com/office/drawing/2014/main" val="547169358"/>
+                      </a:ext>
+                    </a:extLst>
+                  </a:tr>
+                  <a:tr h="590868">
+                    <a:tc>
+                      <a:txBody>
+                        <a:bodyPr/>
+                        <a:lstStyle/>
+                        <a:p>
+                          <a:r>
+                            <a:rPr lang="es-ES" dirty="0"/>
+                            <a:t>13th DMU</a:t>
+                          </a:r>
+                        </a:p>
+                      </a:txBody>
+                      <a:tcPr/>
+                    </a:tc>
+                    <a:tc>
+                      <a:txBody>
+                        <a:bodyPr/>
+                        <a:lstStyle/>
+                        <a:p>
+                          <a:pPr algn="ctr"/>
+                          <a:r>
+                            <a:rPr lang="es-ES" dirty="0">
+                              <a:effectLst/>
+                            </a:rPr>
+                            <a:t>9.065</a:t>
+                          </a:r>
+                          <a:endParaRPr lang="es-ES" dirty="0"/>
+                        </a:p>
+                      </a:txBody>
+                      <a:tcPr/>
+                    </a:tc>
+                    <a:tc>
+                      <a:txBody>
+                        <a:bodyPr/>
+                        <a:lstStyle/>
+                        <a:p>
+                          <a:endParaRPr lang="es-ES"/>
+                        </a:p>
+                      </a:txBody>
+                      <a:tcPr>
+                        <a:blipFill>
+                          <a:blip r:embed="rId5"/>
+                          <a:stretch>
+                            <a:fillRect l="-199701" t="-395876" r="-299" b="-12371"/>
+                          </a:stretch>
+                        </a:blipFill>
+                      </a:tcPr>
+                    </a:tc>
+                    <a:extLst>
+                      <a:ext uri="{0D108BD9-81ED-4DB2-BD59-A6C34878D82A}">
+                        <a16:rowId xmlns:a16="http://schemas.microsoft.com/office/drawing/2014/main" val="4053852611"/>
+                      </a:ext>
+                    </a:extLst>
+                  </a:tr>
+                </a:tbl>
+              </a:graphicData>
+            </a:graphic>
+          </p:graphicFrame>
+        </mc:Fallback>
+      </mc:AlternateContent>
+      <mc:AlternateContent xmlns:mc="http://schemas.openxmlformats.org/markup-compatibility/2006">
+        <mc:Choice xmlns:a14="http://schemas.microsoft.com/office/drawing/2010/main" Requires="a14">
+          <p:sp>
+            <p:nvSpPr>
+              <p:cNvPr id="10" name="CuadroTexto 9">
+                <a:extLst>
+                  <a:ext uri="{FF2B5EF4-FFF2-40B4-BE49-F238E27FC236}">
+                    <a16:creationId xmlns:a16="http://schemas.microsoft.com/office/drawing/2014/main" id="{23B0AA6F-119C-32FF-298A-AAEA0764138E}"/>
+                  </a:ext>
+                </a:extLst>
+              </p:cNvPr>
+              <p:cNvSpPr txBox="1"/>
+              <p:nvPr/>
+            </p:nvSpPr>
+            <p:spPr>
+              <a:xfrm>
+                <a:off x="831520" y="8486448"/>
+                <a:ext cx="7080581" cy="460895"/>
+              </a:xfrm>
+              <a:prstGeom prst="rect">
+                <a:avLst/>
+              </a:prstGeom>
+              <a:noFill/>
+            </p:spPr>
+            <p:txBody>
+              <a:bodyPr wrap="square" rtlCol="0">
+                <a:spAutoFit/>
+              </a:bodyPr>
+              <a:lstStyle/>
+              <a:p>
+                <a:r>
+                  <a:rPr lang="es-ES" sz="2000" dirty="0"/>
+                  <a:t>Range </a:t>
+                </a:r>
+                <a14:m>
+                  <m:oMath xmlns:m="http://schemas.openxmlformats.org/officeDocument/2006/math">
+                    <m:sSub>
+                      <m:sSubPr>
+                        <m:ctrlPr>
+                          <a:rPr lang="en-US" sz="2000" i="1">
+                            <a:latin typeface="Cambria Math" panose="02040503050406030204" pitchFamily="18" charset="0"/>
+                          </a:rPr>
+                        </m:ctrlPr>
+                      </m:sSubPr>
+                      <m:e>
+                        <m:r>
+                          <a:rPr lang="es-ES" sz="2000" b="1" i="1">
+                            <a:latin typeface="Cambria Math" panose="02040503050406030204" pitchFamily="18" charset="0"/>
+                          </a:rPr>
+                          <m:t>𝒙</m:t>
+                        </m:r>
+                      </m:e>
+                      <m:sub>
+                        <m:sSub>
+                          <m:sSubPr>
+                            <m:ctrlPr>
+                              <a:rPr lang="es-ES" sz="2000" i="1">
+                                <a:latin typeface="Cambria Math" panose="02040503050406030204" pitchFamily="18" charset="0"/>
+                              </a:rPr>
+                            </m:ctrlPr>
+                          </m:sSubPr>
+                          <m:e>
+                            <m:r>
+                              <a:rPr lang="es-ES" sz="2000" b="0" i="1" smtClean="0">
+                                <a:latin typeface="Cambria Math" panose="02040503050406030204" pitchFamily="18" charset="0"/>
+                              </a:rPr>
+                              <m:t>𝑦</m:t>
+                            </m:r>
+                          </m:e>
+                          <m:sub>
+                            <m:r>
+                              <a:rPr lang="es-ES" sz="2000" i="1">
+                                <a:latin typeface="Cambria Math" panose="02040503050406030204" pitchFamily="18" charset="0"/>
+                              </a:rPr>
+                              <m:t>𝑗</m:t>
+                            </m:r>
+                          </m:sub>
+                        </m:sSub>
+                      </m:sub>
+                    </m:sSub>
+                    <m:r>
+                      <a:rPr lang="es-ES" sz="2000" i="1">
+                        <a:latin typeface="Cambria Math" panose="02040503050406030204" pitchFamily="18" charset="0"/>
+                      </a:rPr>
+                      <m:t>:</m:t>
+                    </m:r>
+                    <m:r>
+                      <a:rPr lang="es-ES" sz="2000" i="1">
+                        <a:latin typeface="Cambria Math" panose="02040503050406030204" pitchFamily="18" charset="0"/>
+                      </a:rPr>
+                      <m:t>𝑗</m:t>
+                    </m:r>
+                    <m:r>
+                      <a:rPr lang="es-ES" sz="2000" i="1">
+                        <a:latin typeface="Cambria Math" panose="02040503050406030204" pitchFamily="18" charset="0"/>
+                        <a:ea typeface="Cambria Math" panose="02040503050406030204" pitchFamily="18" charset="0"/>
+                      </a:rPr>
+                      <m:t>∈</m:t>
+                    </m:r>
+                    <m:d>
+                      <m:dPr>
+                        <m:begChr m:val="{"/>
+                        <m:endChr m:val="}"/>
+                        <m:ctrlPr>
+                          <a:rPr lang="es-ES" sz="2000" i="1" smtClean="0">
+                            <a:latin typeface="Cambria Math" panose="02040503050406030204" pitchFamily="18" charset="0"/>
+                            <a:ea typeface="Cambria Math" panose="02040503050406030204" pitchFamily="18" charset="0"/>
+                          </a:rPr>
+                        </m:ctrlPr>
+                      </m:dPr>
+                      <m:e>
+                        <m:r>
+                          <a:rPr lang="es-ES" sz="2000" i="1">
+                            <a:latin typeface="Cambria Math" panose="02040503050406030204" pitchFamily="18" charset="0"/>
+                            <a:ea typeface="Cambria Math" panose="02040503050406030204" pitchFamily="18" charset="0"/>
+                          </a:rPr>
+                          <m:t>2.822,</m:t>
+                        </m:r>
+                        <m:r>
+                          <a:rPr lang="es-ES" sz="2000" b="0" i="1" smtClean="0">
+                            <a:latin typeface="Cambria Math" panose="02040503050406030204" pitchFamily="18" charset="0"/>
+                            <a:ea typeface="Cambria Math" panose="02040503050406030204" pitchFamily="18" charset="0"/>
+                          </a:rPr>
+                          <m:t>  </m:t>
+                        </m:r>
+                        <m:r>
+                          <a:rPr lang="es-ES" sz="2000" i="1">
+                            <a:latin typeface="Cambria Math" panose="02040503050406030204" pitchFamily="18" charset="0"/>
+                            <a:ea typeface="Cambria Math" panose="02040503050406030204" pitchFamily="18" charset="0"/>
+                          </a:rPr>
+                          <m:t>4.343,</m:t>
+                        </m:r>
+                        <m:r>
+                          <a:rPr lang="es-ES" sz="2000" b="0" i="1" smtClean="0">
+                            <a:latin typeface="Cambria Math" panose="02040503050406030204" pitchFamily="18" charset="0"/>
+                            <a:ea typeface="Cambria Math" panose="02040503050406030204" pitchFamily="18" charset="0"/>
+                          </a:rPr>
+                          <m:t>  </m:t>
+                        </m:r>
+                        <m:r>
+                          <a:rPr lang="es-ES" sz="2000" i="1">
+                            <a:latin typeface="Cambria Math" panose="02040503050406030204" pitchFamily="18" charset="0"/>
+                            <a:ea typeface="Cambria Math" panose="02040503050406030204" pitchFamily="18" charset="0"/>
+                          </a:rPr>
+                          <m:t>5.863</m:t>
+                        </m:r>
+                        <m:r>
+                          <a:rPr lang="es-ES" sz="2000" i="1">
+                            <a:latin typeface="Cambria Math" panose="02040503050406030204" pitchFamily="18" charset="0"/>
+                            <a:ea typeface="Cambria Math" panose="02040503050406030204" pitchFamily="18" charset="0"/>
+                          </a:rPr>
+                          <m:t>,</m:t>
+                        </m:r>
+                        <m:r>
+                          <a:rPr lang="es-ES" sz="2000" b="0" i="1" smtClean="0">
+                            <a:latin typeface="Cambria Math" panose="02040503050406030204" pitchFamily="18" charset="0"/>
+                            <a:ea typeface="Cambria Math" panose="02040503050406030204" pitchFamily="18" charset="0"/>
+                          </a:rPr>
+                          <m:t>  </m:t>
+                        </m:r>
+                        <m:r>
+                          <a:rPr lang="es-ES" sz="2000" i="1">
+                            <a:latin typeface="Cambria Math" panose="02040503050406030204" pitchFamily="18" charset="0"/>
+                            <a:ea typeface="Cambria Math" panose="02040503050406030204" pitchFamily="18" charset="0"/>
+                          </a:rPr>
+                          <m:t>7.384</m:t>
+                        </m:r>
+                        <m:r>
+                          <a:rPr lang="es-ES" sz="2000" i="1">
+                            <a:latin typeface="Cambria Math" panose="02040503050406030204" pitchFamily="18" charset="0"/>
+                            <a:ea typeface="Cambria Math" panose="02040503050406030204" pitchFamily="18" charset="0"/>
+                          </a:rPr>
+                          <m:t>,</m:t>
+                        </m:r>
+                        <m:r>
+                          <a:rPr lang="es-ES" sz="2000" b="0" i="1" smtClean="0">
+                            <a:latin typeface="Cambria Math" panose="02040503050406030204" pitchFamily="18" charset="0"/>
+                            <a:ea typeface="Cambria Math" panose="02040503050406030204" pitchFamily="18" charset="0"/>
+                          </a:rPr>
+                          <m:t>  </m:t>
+                        </m:r>
+                        <m:r>
+                          <a:rPr lang="es-ES" sz="2000" i="1">
+                            <a:latin typeface="Cambria Math" panose="02040503050406030204" pitchFamily="18" charset="0"/>
+                            <a:ea typeface="Cambria Math" panose="02040503050406030204" pitchFamily="18" charset="0"/>
+                          </a:rPr>
+                          <m:t>8.905</m:t>
+                        </m:r>
+                      </m:e>
+                    </m:d>
+                  </m:oMath>
+                </a14:m>
+                <a:endParaRPr lang="es-ES" sz="2000" dirty="0"/>
+              </a:p>
+            </p:txBody>
+          </p:sp>
+        </mc:Choice>
+        <mc:Fallback>
+          <p:sp>
+            <p:nvSpPr>
+              <p:cNvPr id="10" name="CuadroTexto 9">
+                <a:extLst>
+                  <a:ext uri="{FF2B5EF4-FFF2-40B4-BE49-F238E27FC236}">
+                    <a16:creationId xmlns:a16="http://schemas.microsoft.com/office/drawing/2014/main" id="{23B0AA6F-119C-32FF-298A-AAEA0764138E}"/>
+                  </a:ext>
+                </a:extLst>
+              </p:cNvPr>
+              <p:cNvSpPr txBox="1">
+                <a:spLocks noRot="1" noChangeAspect="1" noMove="1" noResize="1" noEditPoints="1" noAdjustHandles="1" noChangeArrowheads="1" noChangeShapeType="1" noTextEdit="1"/>
+              </p:cNvSpPr>
+              <p:nvPr/>
+            </p:nvSpPr>
+            <p:spPr>
+              <a:xfrm>
+                <a:off x="831520" y="8486448"/>
+                <a:ext cx="7080581" cy="460895"/>
+              </a:xfrm>
+              <a:prstGeom prst="rect">
+                <a:avLst/>
+              </a:prstGeom>
+              <a:blipFill>
+                <a:blip r:embed="rId6"/>
+                <a:stretch>
+                  <a:fillRect l="-861" t="-5263" b="-10526"/>
+                </a:stretch>
+              </a:blipFill>
+            </p:spPr>
+            <p:txBody>
+              <a:bodyPr/>
+              <a:lstStyle/>
+              <a:p>
+                <a:r>
+                  <a:rPr lang="es-ES">
+                    <a:noFill/>
+                  </a:rPr>
+                  <a:t> </a:t>
+                </a:r>
+              </a:p>
+            </p:txBody>
+          </p:sp>
+        </mc:Fallback>
+      </mc:AlternateContent>
+      <p:graphicFrame>
+        <p:nvGraphicFramePr>
+          <p:cNvPr id="11" name="Tabla 10">
+            <a:extLst>
+              <a:ext uri="{FF2B5EF4-FFF2-40B4-BE49-F238E27FC236}">
+                <a16:creationId xmlns:a16="http://schemas.microsoft.com/office/drawing/2014/main" id="{62F3B594-07E0-07E8-0A3C-78B51995FBD0}"/>
+              </a:ext>
+            </a:extLst>
+          </p:cNvPr>
+          <p:cNvGraphicFramePr>
+            <a:graphicFrameLocks noGrp="1"/>
+          </p:cNvGraphicFramePr>
+          <p:nvPr>
+            <p:extLst>
+              <p:ext uri="{D42A27DB-BD31-4B8C-83A1-F6EECF244321}">
+                <p14:modId xmlns:p14="http://schemas.microsoft.com/office/powerpoint/2010/main" val="4144465674"/>
+              </p:ext>
+            </p:extLst>
+          </p:nvPr>
+        </p:nvGraphicFramePr>
+        <p:xfrm>
+          <a:off x="9499601" y="374476"/>
+          <a:ext cx="5956299" cy="1676400"/>
+        </p:xfrm>
+        <a:graphic>
+          <a:graphicData uri="http://schemas.openxmlformats.org/drawingml/2006/table">
+            <a:tbl>
+              <a:tblPr firstRow="1" bandRow="1">
+                <a:tableStyleId>{9D7B26C5-4107-4FEC-AEDC-1716B250A1EF}</a:tableStyleId>
+              </a:tblPr>
+              <a:tblGrid>
+                <a:gridCol w="1985433">
+                  <a:extLst>
+                    <a:ext uri="{9D8B030D-6E8A-4147-A177-3AD203B41FA5}">
+                      <a16:colId xmlns:a16="http://schemas.microsoft.com/office/drawing/2014/main" val="2591213547"/>
+                    </a:ext>
+                  </a:extLst>
+                </a:gridCol>
+                <a:gridCol w="1985433">
+                  <a:extLst>
+                    <a:ext uri="{9D8B030D-6E8A-4147-A177-3AD203B41FA5}">
+                      <a16:colId xmlns:a16="http://schemas.microsoft.com/office/drawing/2014/main" val="3586798924"/>
+                    </a:ext>
+                  </a:extLst>
+                </a:gridCol>
+                <a:gridCol w="1985433">
+                  <a:extLst>
+                    <a:ext uri="{9D8B030D-6E8A-4147-A177-3AD203B41FA5}">
+                      <a16:colId xmlns:a16="http://schemas.microsoft.com/office/drawing/2014/main" val="3125230139"/>
+                    </a:ext>
+                  </a:extLst>
+                </a:gridCol>
+              </a:tblGrid>
+              <a:tr h="320525">
+                <a:tc>
+                  <a:txBody>
+                    <a:bodyPr/>
+                    <a:lstStyle/>
+                    <a:p>
+                      <a:endParaRPr lang="es-ES" sz="1600" dirty="0"/>
+                    </a:p>
+                  </a:txBody>
+                  <a:tcPr/>
+                </a:tc>
+                <a:tc>
+                  <a:txBody>
+                    <a:bodyPr/>
+                    <a:lstStyle/>
+                    <a:p>
+                      <a:pPr algn="ctr"/>
+                      <a:r>
+                        <a:rPr lang="es-ES" sz="1600" dirty="0"/>
+                        <a:t>x1</a:t>
+                      </a:r>
+                    </a:p>
+                  </a:txBody>
+                  <a:tcPr/>
+                </a:tc>
+                <a:tc>
+                  <a:txBody>
+                    <a:bodyPr/>
+                    <a:lstStyle/>
+                    <a:p>
+                      <a:pPr algn="ctr"/>
+                      <a:r>
+                        <a:rPr lang="es-ES" sz="1600" dirty="0"/>
+                        <a:t>y</a:t>
+                      </a:r>
+                    </a:p>
+                  </a:txBody>
+                  <a:tcPr/>
+                </a:tc>
+                <a:extLst>
+                  <a:ext uri="{0D108BD9-81ED-4DB2-BD59-A6C34878D82A}">
+                    <a16:rowId xmlns:a16="http://schemas.microsoft.com/office/drawing/2014/main" val="3609767503"/>
+                  </a:ext>
+                </a:extLst>
+              </a:tr>
+              <a:tr h="320525">
+                <a:tc>
+                  <a:txBody>
+                    <a:bodyPr/>
+                    <a:lstStyle/>
+                    <a:p>
+                      <a:r>
+                        <a:rPr lang="es-ES" sz="1600" dirty="0"/>
+                        <a:t>Mean </a:t>
+                      </a:r>
+                      <a:r>
+                        <a:rPr lang="es-ES" sz="1600" dirty="0" err="1"/>
+                        <a:t>values</a:t>
+                      </a:r>
+                      <a:endParaRPr lang="es-ES" sz="1600" dirty="0"/>
+                    </a:p>
+                  </a:txBody>
+                  <a:tcPr/>
+                </a:tc>
+                <a:tc>
+                  <a:txBody>
+                    <a:bodyPr/>
+                    <a:lstStyle/>
+                    <a:p>
+                      <a:pPr algn="ctr"/>
+                      <a:r>
+                        <a:rPr lang="es-ES" sz="1600" dirty="0"/>
+                        <a:t>5.245</a:t>
+                      </a:r>
+                    </a:p>
+                  </a:txBody>
+                  <a:tcPr/>
+                </a:tc>
+                <a:tc>
+                  <a:txBody>
+                    <a:bodyPr/>
+                    <a:lstStyle/>
+                    <a:p>
+                      <a:pPr algn="ctr"/>
+                      <a:r>
+                        <a:rPr lang="es-ES" sz="1600" dirty="0"/>
+                        <a:t>4.606</a:t>
+                      </a:r>
+                    </a:p>
+                  </a:txBody>
+                  <a:tcPr/>
+                </a:tc>
+                <a:extLst>
+                  <a:ext uri="{0D108BD9-81ED-4DB2-BD59-A6C34878D82A}">
+                    <a16:rowId xmlns:a16="http://schemas.microsoft.com/office/drawing/2014/main" val="1130052224"/>
+                  </a:ext>
+                </a:extLst>
+              </a:tr>
+              <a:tr h="320525">
+                <a:tc>
+                  <a:txBody>
+                    <a:bodyPr/>
+                    <a:lstStyle/>
+                    <a:p>
+                      <a:r>
+                        <a:rPr lang="es-ES" sz="1600" dirty="0"/>
+                        <a:t>1st DMU</a:t>
+                      </a:r>
+                    </a:p>
+                  </a:txBody>
+                  <a:tcPr/>
+                </a:tc>
+                <a:tc>
+                  <a:txBody>
+                    <a:bodyPr/>
+                    <a:lstStyle/>
+                    <a:p>
+                      <a:pPr algn="ctr"/>
+                      <a:r>
+                        <a:rPr lang="es-ES" sz="1600" dirty="0"/>
+                        <a:t>2.993</a:t>
+                      </a:r>
+                    </a:p>
+                  </a:txBody>
+                  <a:tcPr/>
+                </a:tc>
+                <a:tc>
+                  <a:txBody>
+                    <a:bodyPr/>
+                    <a:lstStyle/>
+                    <a:p>
+                      <a:pPr algn="ctr"/>
+                      <a:r>
+                        <a:rPr lang="es-ES" sz="1600" dirty="0">
+                          <a:effectLst/>
+                        </a:rPr>
+                        <a:t>2.829</a:t>
+                      </a:r>
+                      <a:endParaRPr lang="es-ES" sz="1600" dirty="0"/>
+                    </a:p>
+                  </a:txBody>
+                  <a:tcPr/>
+                </a:tc>
+                <a:extLst>
+                  <a:ext uri="{0D108BD9-81ED-4DB2-BD59-A6C34878D82A}">
+                    <a16:rowId xmlns:a16="http://schemas.microsoft.com/office/drawing/2014/main" val="3946281185"/>
+                  </a:ext>
+                </a:extLst>
+              </a:tr>
+              <a:tr h="320525">
+                <a:tc>
+                  <a:txBody>
+                    <a:bodyPr/>
+                    <a:lstStyle/>
+                    <a:p>
+                      <a:r>
+                        <a:rPr lang="es-ES" sz="1600" dirty="0"/>
+                        <a:t>4th DMU</a:t>
+                      </a:r>
+                    </a:p>
+                  </a:txBody>
+                  <a:tcPr/>
+                </a:tc>
+                <a:tc>
+                  <a:txBody>
+                    <a:bodyPr/>
+                    <a:lstStyle/>
+                    <a:p>
+                      <a:pPr algn="ctr"/>
+                      <a:r>
+                        <a:rPr lang="es-ES" sz="1600" dirty="0">
+                          <a:effectLst/>
+                        </a:rPr>
+                        <a:t>7.822</a:t>
+                      </a:r>
+                      <a:endParaRPr lang="es-ES" sz="1600" dirty="0"/>
+                    </a:p>
+                  </a:txBody>
+                  <a:tcPr/>
+                </a:tc>
+                <a:tc>
+                  <a:txBody>
+                    <a:bodyPr/>
+                    <a:lstStyle/>
+                    <a:p>
+                      <a:pPr algn="ctr"/>
+                      <a:r>
+                        <a:rPr lang="es-ES" sz="1600" dirty="0">
+                          <a:effectLst/>
+                        </a:rPr>
+                        <a:t>5.049</a:t>
+                      </a:r>
+                      <a:endParaRPr lang="es-ES" sz="1600" dirty="0"/>
+                    </a:p>
+                  </a:txBody>
+                  <a:tcPr/>
+                </a:tc>
+                <a:extLst>
+                  <a:ext uri="{0D108BD9-81ED-4DB2-BD59-A6C34878D82A}">
+                    <a16:rowId xmlns:a16="http://schemas.microsoft.com/office/drawing/2014/main" val="1209380637"/>
+                  </a:ext>
+                </a:extLst>
+              </a:tr>
+              <a:tr h="320525">
+                <a:tc>
+                  <a:txBody>
+                    <a:bodyPr/>
+                    <a:lstStyle/>
+                    <a:p>
+                      <a:r>
+                        <a:rPr lang="es-ES" sz="1600" dirty="0"/>
+                        <a:t>13th DMU</a:t>
+                      </a:r>
+                    </a:p>
+                  </a:txBody>
+                  <a:tcPr/>
+                </a:tc>
+                <a:tc>
+                  <a:txBody>
+                    <a:bodyPr/>
+                    <a:lstStyle/>
+                    <a:p>
+                      <a:pPr algn="ctr"/>
+                      <a:r>
+                        <a:rPr lang="es-ES" sz="1600" dirty="0">
+                          <a:effectLst/>
+                        </a:rPr>
+                        <a:t>9.065</a:t>
+                      </a:r>
+                      <a:endParaRPr lang="es-ES" sz="1600" dirty="0"/>
+                    </a:p>
+                  </a:txBody>
+                  <a:tcPr/>
+                </a:tc>
+                <a:tc>
+                  <a:txBody>
+                    <a:bodyPr/>
+                    <a:lstStyle/>
+                    <a:p>
+                      <a:pPr algn="ctr"/>
+                      <a:r>
+                        <a:rPr lang="es-ES" sz="1600" dirty="0">
+                          <a:effectLst/>
+                        </a:rPr>
+                        <a:t>8.905</a:t>
+                      </a:r>
+                      <a:endParaRPr lang="es-ES" sz="1600" dirty="0"/>
+                    </a:p>
+                  </a:txBody>
+                  <a:tcPr/>
+                </a:tc>
+                <a:extLst>
+                  <a:ext uri="{0D108BD9-81ED-4DB2-BD59-A6C34878D82A}">
+                    <a16:rowId xmlns:a16="http://schemas.microsoft.com/office/drawing/2014/main" val="3529383614"/>
+                  </a:ext>
+                </a:extLst>
+              </a:tr>
+            </a:tbl>
+          </a:graphicData>
+        </a:graphic>
+      </p:graphicFrame>
+    </p:spTree>
+    <p:extLst>
+      <p:ext uri="{BB962C8B-B14F-4D97-AF65-F5344CB8AC3E}">
+        <p14:creationId xmlns:p14="http://schemas.microsoft.com/office/powerpoint/2010/main" val="2945297316"/>
+      </p:ext>
+    </p:extLst>
+  </p:cSld>
+  <p:clrMapOvr>
+    <a:masterClrMapping/>
+  </p:clrMapOvr>
+</p:sld>
+</file>
+
+<file path=ppt/slides/slide23.xml><?xml version="1.0" encoding="utf-8"?>
+<p:sld xmlns:a="http://schemas.openxmlformats.org/drawingml/2006/main" xmlns:r="http://schemas.openxmlformats.org/officeDocument/2006/relationships" xmlns:p="http://schemas.openxmlformats.org/presentationml/2006/main">
+  <p:cSld>
+    <p:spTree>
+      <p:nvGrpSpPr>
+        <p:cNvPr id="1" name=""/>
+        <p:cNvGrpSpPr/>
+        <p:nvPr/>
+      </p:nvGrpSpPr>
+      <p:grpSpPr>
+        <a:xfrm>
+          <a:off x="0" y="0"/>
+          <a:ext cx="0" cy="0"/>
+          <a:chOff x="0" y="0"/>
+          <a:chExt cx="0" cy="0"/>
+        </a:xfrm>
+      </p:grpSpPr>
+      <p:sp>
+        <p:nvSpPr>
+          <p:cNvPr id="2" name="Título 1">
+            <a:extLst>
+              <a:ext uri="{FF2B5EF4-FFF2-40B4-BE49-F238E27FC236}">
+                <a16:creationId xmlns:a16="http://schemas.microsoft.com/office/drawing/2014/main" id="{86BA8BD2-2360-47C4-A428-A34D4F1BE424}"/>
+              </a:ext>
+            </a:extLst>
+          </p:cNvPr>
+          <p:cNvSpPr>
+            <a:spLocks noGrp="1"/>
+          </p:cNvSpPr>
+          <p:nvPr>
+            <p:ph type="title"/>
+          </p:nvPr>
+        </p:nvSpPr>
+        <p:spPr/>
+        <p:txBody>
+          <a:bodyPr/>
+          <a:lstStyle/>
+          <a:p>
+            <a:r>
+              <a:rPr lang="es-ES" dirty="0"/>
+              <a:t>1D-SA: </a:t>
+            </a:r>
+            <a:r>
+              <a:rPr lang="es-ES" dirty="0" err="1"/>
+              <a:t>Example</a:t>
+            </a:r>
+            <a:endParaRPr lang="en-GB" dirty="0"/>
+          </a:p>
+        </p:txBody>
+      </p:sp>
+      <p:sp>
+        <p:nvSpPr>
+          <p:cNvPr id="4" name="Marcador de pie de página 3">
+            <a:extLst>
+              <a:ext uri="{FF2B5EF4-FFF2-40B4-BE49-F238E27FC236}">
+                <a16:creationId xmlns:a16="http://schemas.microsoft.com/office/drawing/2014/main" id="{32E9E3CC-AACD-421E-ADF4-8100E3695283}"/>
+              </a:ext>
+            </a:extLst>
+          </p:cNvPr>
+          <p:cNvSpPr>
+            <a:spLocks noGrp="1"/>
+          </p:cNvSpPr>
+          <p:nvPr>
+            <p:ph type="ftr" sz="quarter" idx="11"/>
+          </p:nvPr>
+        </p:nvSpPr>
+        <p:spPr/>
+        <p:txBody>
+          <a:bodyPr/>
+          <a:lstStyle/>
+          <a:p>
+            <a:pPr algn="ctr">
+              <a:lnSpc>
+                <a:spcPct val="150000"/>
+              </a:lnSpc>
+              <a:spcAft>
+                <a:spcPts val="800"/>
+              </a:spcAft>
+            </a:pPr>
+            <a:r>
+              <a:rPr lang="en-US" sz="1800" b="1" kern="100" dirty="0">
+                <a:effectLst/>
+                <a:latin typeface="Times New Roman" panose="02020603050405020304" pitchFamily="18" charset="0"/>
+                <a:ea typeface="Aptos" panose="020B0004020202020204" pitchFamily="34" charset="0"/>
+                <a:cs typeface="Times New Roman" panose="02020603050405020304" pitchFamily="18" charset="0"/>
+              </a:rPr>
+              <a:t>Using sensitivity analysis and visualization techniques to open black box data mining models: a </a:t>
+            </a:r>
+            <a:r>
+              <a:rPr lang="en-US" sz="1800" b="1" kern="100" dirty="0" err="1">
+                <a:effectLst/>
+                <a:latin typeface="Times New Roman" panose="02020603050405020304" pitchFamily="18" charset="0"/>
+                <a:ea typeface="Aptos" panose="020B0004020202020204" pitchFamily="34" charset="0"/>
+                <a:cs typeface="Times New Roman" panose="02020603050405020304" pitchFamily="18" charset="0"/>
+              </a:rPr>
+              <a:t>rminer</a:t>
+            </a:r>
+            <a:r>
+              <a:rPr lang="en-US" sz="1800" b="1" kern="100" dirty="0">
+                <a:effectLst/>
+                <a:latin typeface="Times New Roman" panose="02020603050405020304" pitchFamily="18" charset="0"/>
+                <a:ea typeface="Aptos" panose="020B0004020202020204" pitchFamily="34" charset="0"/>
+                <a:cs typeface="Times New Roman" panose="02020603050405020304" pitchFamily="18" charset="0"/>
+              </a:rPr>
+              <a:t> example</a:t>
+            </a:r>
+            <a:endParaRPr lang="es-ES" sz="1600" kern="100" dirty="0">
+              <a:effectLst/>
+              <a:latin typeface="Times New Roman" panose="02020603050405020304" pitchFamily="18" charset="0"/>
+              <a:ea typeface="Aptos" panose="020B0004020202020204" pitchFamily="34" charset="0"/>
+              <a:cs typeface="Times New Roman" panose="02020603050405020304" pitchFamily="18" charset="0"/>
+            </a:endParaRPr>
+          </a:p>
+        </p:txBody>
+      </p:sp>
+      <p:sp>
+        <p:nvSpPr>
+          <p:cNvPr id="5" name="Marcador de número de diapositiva 4">
+            <a:extLst>
+              <a:ext uri="{FF2B5EF4-FFF2-40B4-BE49-F238E27FC236}">
+                <a16:creationId xmlns:a16="http://schemas.microsoft.com/office/drawing/2014/main" id="{5CD26059-5682-4382-89E1-677AD7B72CFE}"/>
+              </a:ext>
+            </a:extLst>
+          </p:cNvPr>
+          <p:cNvSpPr>
+            <a:spLocks noGrp="1"/>
+          </p:cNvSpPr>
+          <p:nvPr>
+            <p:ph type="sldNum" sz="quarter" idx="12"/>
+          </p:nvPr>
+        </p:nvSpPr>
+        <p:spPr/>
+        <p:txBody>
+          <a:bodyPr/>
+          <a:lstStyle/>
+          <a:p>
+            <a:fld id="{DBFF9636-A71C-488A-89F8-02E08556F10C}" type="slidenum">
+              <a:rPr lang="es-ES" smtClean="0"/>
+              <a:pPr/>
+              <a:t>23</a:t>
+            </a:fld>
+            <a:endParaRPr lang="es-ES" dirty="0"/>
+          </a:p>
+        </p:txBody>
+      </p:sp>
+      <p:sp>
+        <p:nvSpPr>
+          <p:cNvPr id="3" name="Marcador de contenido 2">
+            <a:extLst>
+              <a:ext uri="{FF2B5EF4-FFF2-40B4-BE49-F238E27FC236}">
+                <a16:creationId xmlns:a16="http://schemas.microsoft.com/office/drawing/2014/main" id="{4494177C-73C9-19D2-B33F-3A421F270BD1}"/>
+              </a:ext>
+            </a:extLst>
+          </p:cNvPr>
+          <p:cNvSpPr>
+            <a:spLocks noGrp="1"/>
+          </p:cNvSpPr>
+          <p:nvPr>
+            <p:ph idx="1"/>
+          </p:nvPr>
+        </p:nvSpPr>
+        <p:spPr>
+          <a:xfrm>
+            <a:off x="831520" y="3097269"/>
+            <a:ext cx="16595985" cy="5850074"/>
+          </a:xfrm>
+        </p:spPr>
+        <p:txBody>
+          <a:bodyPr>
+            <a:normAutofit/>
+          </a:bodyPr>
+          <a:lstStyle/>
+          <a:p>
+            <a:r>
+              <a:rPr lang="en-US" sz="4400" dirty="0">
+                <a:latin typeface="DIN" panose="020B0604020202020204" charset="0"/>
+                <a:ea typeface="Aptos" panose="020B0004020202020204" pitchFamily="34" charset="0"/>
+              </a:rPr>
+              <a:t>The relative importance of the variables can be measured for each DMU</a:t>
+            </a:r>
+            <a:r>
+              <a:rPr lang="es-ES" sz="4400" dirty="0">
+                <a:latin typeface="DIN" panose="020B0604020202020204" charset="0"/>
+                <a:ea typeface="Aptos" panose="020B0004020202020204" pitchFamily="34" charset="0"/>
+              </a:rPr>
+              <a:t>.</a:t>
+            </a:r>
+          </a:p>
+          <a:p>
+            <a:pPr marL="685800" lvl="1" indent="0">
+              <a:buNone/>
+            </a:pPr>
+            <a:endParaRPr lang="en-GB" dirty="0"/>
+          </a:p>
+        </p:txBody>
+      </p:sp>
+      <mc:AlternateContent xmlns:mc="http://schemas.openxmlformats.org/markup-compatibility/2006">
+        <mc:Choice xmlns:a14="http://schemas.microsoft.com/office/drawing/2010/main" Requires="a14">
+          <p:graphicFrame>
+            <p:nvGraphicFramePr>
+              <p:cNvPr id="6" name="Tabla 5">
+                <a:extLst>
+                  <a:ext uri="{FF2B5EF4-FFF2-40B4-BE49-F238E27FC236}">
+                    <a16:creationId xmlns:a16="http://schemas.microsoft.com/office/drawing/2014/main" id="{77DF7315-AF9C-3EB1-2542-D71989CD2E2D}"/>
+                  </a:ext>
+                </a:extLst>
+              </p:cNvPr>
+              <p:cNvGraphicFramePr>
+                <a:graphicFrameLocks noGrp="1"/>
+              </p:cNvGraphicFramePr>
+              <p:nvPr>
+                <p:extLst>
+                  <p:ext uri="{D42A27DB-BD31-4B8C-83A1-F6EECF244321}">
+                    <p14:modId xmlns:p14="http://schemas.microsoft.com/office/powerpoint/2010/main" val="1185500770"/>
+                  </p:ext>
+                </p:extLst>
+              </p:nvPr>
+            </p:nvGraphicFramePr>
+            <p:xfrm>
+              <a:off x="3048000" y="5144294"/>
+              <a:ext cx="12192000" cy="2547112"/>
+            </p:xfrm>
+            <a:graphic>
+              <a:graphicData uri="http://schemas.openxmlformats.org/drawingml/2006/table">
+                <a:tbl>
+                  <a:tblPr firstRow="1" bandRow="1">
+                    <a:tableStyleId>{9D7B26C5-4107-4FEC-AEDC-1716B250A1EF}</a:tableStyleId>
+                  </a:tblPr>
+                  <a:tblGrid>
+                    <a:gridCol w="4064000">
+                      <a:extLst>
+                        <a:ext uri="{9D8B030D-6E8A-4147-A177-3AD203B41FA5}">
+                          <a16:colId xmlns:a16="http://schemas.microsoft.com/office/drawing/2014/main" val="3943066496"/>
+                        </a:ext>
+                      </a:extLst>
+                    </a:gridCol>
+                    <a:gridCol w="4064000">
+                      <a:extLst>
+                        <a:ext uri="{9D8B030D-6E8A-4147-A177-3AD203B41FA5}">
+                          <a16:colId xmlns:a16="http://schemas.microsoft.com/office/drawing/2014/main" val="465688363"/>
+                        </a:ext>
+                      </a:extLst>
+                    </a:gridCol>
+                    <a:gridCol w="4064000">
+                      <a:extLst>
+                        <a:ext uri="{9D8B030D-6E8A-4147-A177-3AD203B41FA5}">
+                          <a16:colId xmlns:a16="http://schemas.microsoft.com/office/drawing/2014/main" val="3387116903"/>
+                        </a:ext>
+                      </a:extLst>
+                    </a:gridCol>
+                  </a:tblGrid>
+                  <a:tr h="370840">
+                    <a:tc>
+                      <a:txBody>
+                        <a:bodyPr/>
+                        <a:lstStyle/>
+                        <a:p>
+                          <a:r>
+                            <a:rPr lang="es-ES" dirty="0" err="1"/>
+                            <a:t>Features</a:t>
+                          </a:r>
+                          <a:endParaRPr lang="es-ES" dirty="0"/>
+                        </a:p>
+                      </a:txBody>
+                      <a:tcPr/>
+                    </a:tc>
+                    <a:tc>
+                      <a:txBody>
+                        <a:bodyPr/>
+                        <a:lstStyle/>
+                        <a:p>
+                          <a:pPr algn="ctr"/>
+                          <a14:m>
+                            <m:oMathPara xmlns:m="http://schemas.openxmlformats.org/officeDocument/2006/math">
+                              <m:oMathParaPr>
+                                <m:jc m:val="centerGroup"/>
+                              </m:oMathParaPr>
+                              <m:oMath xmlns:m="http://schemas.openxmlformats.org/officeDocument/2006/math">
+                                <m:sSub>
+                                  <m:sSubPr>
+                                    <m:ctrlPr>
+                                      <a:rPr lang="es-ES" b="0" i="1" smtClean="0">
+                                        <a:latin typeface="Cambria Math" panose="02040503050406030204" pitchFamily="18" charset="0"/>
+                                      </a:rPr>
+                                    </m:ctrlPr>
+                                  </m:sSubPr>
+                                  <m:e>
+                                    <m:r>
+                                      <a:rPr lang="es-ES" b="1" i="1" smtClean="0">
+                                        <a:latin typeface="Cambria Math" panose="02040503050406030204" pitchFamily="18" charset="0"/>
+                                      </a:rPr>
+                                      <m:t>𝒙</m:t>
+                                    </m:r>
+                                  </m:e>
+                                  <m:sub>
+                                    <m:r>
+                                      <a:rPr lang="es-ES" b="0" i="1" smtClean="0">
+                                        <a:latin typeface="Cambria Math" panose="02040503050406030204" pitchFamily="18" charset="0"/>
+                                      </a:rPr>
+                                      <m:t>𝑥</m:t>
+                                    </m:r>
+                                    <m:r>
+                                      <a:rPr lang="es-ES" b="0" i="1" smtClean="0">
+                                        <a:latin typeface="Cambria Math" panose="02040503050406030204" pitchFamily="18" charset="0"/>
+                                      </a:rPr>
+                                      <m:t>1</m:t>
+                                    </m:r>
+                                  </m:sub>
+                                </m:sSub>
+                              </m:oMath>
+                            </m:oMathPara>
+                          </a14:m>
+                          <a:endParaRPr lang="es-ES" b="0" dirty="0"/>
+                        </a:p>
+                      </a:txBody>
+                      <a:tcPr/>
+                    </a:tc>
+                    <a:tc>
+                      <a:txBody>
+                        <a:bodyPr/>
+                        <a:lstStyle/>
+                        <a:p>
+                          <a:pPr algn="ctr"/>
+                          <a14:m>
+                            <m:oMathPara xmlns:m="http://schemas.openxmlformats.org/officeDocument/2006/math">
+                              <m:oMathParaPr>
+                                <m:jc m:val="centerGroup"/>
+                              </m:oMathParaPr>
+                              <m:oMath xmlns:m="http://schemas.openxmlformats.org/officeDocument/2006/math">
+                                <m:sSub>
+                                  <m:sSubPr>
+                                    <m:ctrlPr>
+                                      <a:rPr lang="es-ES" b="0" i="1" smtClean="0">
+                                        <a:latin typeface="Cambria Math" panose="02040503050406030204" pitchFamily="18" charset="0"/>
+                                      </a:rPr>
+                                    </m:ctrlPr>
+                                  </m:sSubPr>
+                                  <m:e>
+                                    <m:r>
+                                      <a:rPr lang="es-ES" b="1" i="1" smtClean="0">
+                                        <a:latin typeface="Cambria Math" panose="02040503050406030204" pitchFamily="18" charset="0"/>
+                                      </a:rPr>
+                                      <m:t>𝒙</m:t>
+                                    </m:r>
+                                  </m:e>
+                                  <m:sub>
+                                    <m:r>
+                                      <a:rPr lang="es-ES" b="0" i="1" smtClean="0">
+                                        <a:latin typeface="Cambria Math" panose="02040503050406030204" pitchFamily="18" charset="0"/>
+                                      </a:rPr>
+                                      <m:t>𝑦</m:t>
+                                    </m:r>
+                                  </m:sub>
+                                </m:sSub>
+                              </m:oMath>
+                            </m:oMathPara>
+                          </a14:m>
+                          <a:endParaRPr lang="es-ES" dirty="0"/>
+                        </a:p>
+                      </a:txBody>
+                      <a:tcPr/>
+                    </a:tc>
+                    <a:extLst>
+                      <a:ext uri="{0D108BD9-81ED-4DB2-BD59-A6C34878D82A}">
+                        <a16:rowId xmlns:a16="http://schemas.microsoft.com/office/drawing/2014/main" val="2368775951"/>
+                      </a:ext>
+                    </a:extLst>
+                  </a:tr>
+                  <a:tr h="370840">
+                    <a:tc>
+                      <a:txBody>
+                        <a:bodyPr/>
+                        <a:lstStyle/>
+                        <a:p>
+                          <a:r>
+                            <a:rPr lang="es-ES" dirty="0" err="1"/>
+                            <a:t>Using</a:t>
+                          </a:r>
+                          <a:r>
+                            <a:rPr lang="es-ES" dirty="0"/>
+                            <a:t> mean</a:t>
+                          </a:r>
+                        </a:p>
+                      </a:txBody>
+                      <a:tcPr/>
+                    </a:tc>
+                    <a:tc>
+                      <a:txBody>
+                        <a:bodyPr/>
+                        <a:lstStyle/>
+                        <a:p>
+                          <a:pPr algn="ctr"/>
+                          <a:r>
+                            <a:rPr lang="es-ES" dirty="0"/>
+                            <a:t>0.46</a:t>
+                          </a:r>
+                        </a:p>
+                      </a:txBody>
+                      <a:tcPr/>
+                    </a:tc>
+                    <a:tc>
+                      <a:txBody>
+                        <a:bodyPr/>
+                        <a:lstStyle/>
+                        <a:p>
+                          <a:pPr algn="ctr"/>
+                          <a:r>
+                            <a:rPr lang="es-ES" dirty="0"/>
+                            <a:t>0.54</a:t>
+                          </a:r>
+                        </a:p>
+                      </a:txBody>
+                      <a:tcPr/>
+                    </a:tc>
+                    <a:extLst>
+                      <a:ext uri="{0D108BD9-81ED-4DB2-BD59-A6C34878D82A}">
+                        <a16:rowId xmlns:a16="http://schemas.microsoft.com/office/drawing/2014/main" val="1438970243"/>
+                      </a:ext>
+                    </a:extLst>
+                  </a:tr>
+                  <a:tr h="370840">
+                    <a:tc>
+                      <a:txBody>
+                        <a:bodyPr/>
+                        <a:lstStyle/>
+                        <a:p>
+                          <a:r>
+                            <a:rPr lang="es-ES" dirty="0"/>
+                            <a:t>1st DMU</a:t>
+                          </a:r>
+                        </a:p>
+                      </a:txBody>
+                      <a:tcPr/>
+                    </a:tc>
+                    <a:tc>
+                      <a:txBody>
+                        <a:bodyPr/>
+                        <a:lstStyle/>
+                        <a:p>
+                          <a:pPr algn="ctr"/>
+                          <a:r>
+                            <a:rPr lang="es-ES" dirty="0"/>
+                            <a:t>0.41</a:t>
+                          </a:r>
+                        </a:p>
+                      </a:txBody>
+                      <a:tcPr/>
+                    </a:tc>
+                    <a:tc>
+                      <a:txBody>
+                        <a:bodyPr/>
+                        <a:lstStyle/>
+                        <a:p>
+                          <a:pPr algn="ctr"/>
+                          <a:r>
+                            <a:rPr lang="es-ES" dirty="0"/>
+                            <a:t>0.59</a:t>
+                          </a:r>
+                        </a:p>
+                      </a:txBody>
+                      <a:tcPr/>
+                    </a:tc>
+                    <a:extLst>
+                      <a:ext uri="{0D108BD9-81ED-4DB2-BD59-A6C34878D82A}">
+                        <a16:rowId xmlns:a16="http://schemas.microsoft.com/office/drawing/2014/main" val="601093408"/>
+                      </a:ext>
+                    </a:extLst>
+                  </a:tr>
+                  <a:tr h="370840">
+                    <a:tc>
+                      <a:txBody>
+                        <a:bodyPr/>
+                        <a:lstStyle/>
+                        <a:p>
+                          <a:r>
+                            <a:rPr lang="es-ES" dirty="0"/>
+                            <a:t>4th DMU</a:t>
+                          </a:r>
+                        </a:p>
+                      </a:txBody>
+                      <a:tcPr/>
+                    </a:tc>
+                    <a:tc>
+                      <a:txBody>
+                        <a:bodyPr/>
+                        <a:lstStyle/>
+                        <a:p>
+                          <a:pPr algn="ctr"/>
+                          <a:r>
+                            <a:rPr lang="es-ES" dirty="0"/>
+                            <a:t>0.54</a:t>
+                          </a:r>
+                        </a:p>
+                      </a:txBody>
+                      <a:tcPr/>
+                    </a:tc>
+                    <a:tc>
+                      <a:txBody>
+                        <a:bodyPr/>
+                        <a:lstStyle/>
+                        <a:p>
+                          <a:pPr algn="ctr"/>
+                          <a:r>
+                            <a:rPr lang="es-ES" dirty="0"/>
+                            <a:t>0.46</a:t>
+                          </a:r>
+                        </a:p>
+                      </a:txBody>
+                      <a:tcPr/>
+                    </a:tc>
+                    <a:extLst>
+                      <a:ext uri="{0D108BD9-81ED-4DB2-BD59-A6C34878D82A}">
+                        <a16:rowId xmlns:a16="http://schemas.microsoft.com/office/drawing/2014/main" val="547169358"/>
+                      </a:ext>
+                    </a:extLst>
+                  </a:tr>
+                  <a:tr h="370840">
+                    <a:tc>
+                      <a:txBody>
+                        <a:bodyPr/>
+                        <a:lstStyle/>
+                        <a:p>
+                          <a:r>
+                            <a:rPr lang="es-ES" dirty="0"/>
+                            <a:t>13th DMU</a:t>
+                          </a:r>
+                        </a:p>
+                      </a:txBody>
+                      <a:tcPr/>
+                    </a:tc>
+                    <a:tc>
+                      <a:txBody>
+                        <a:bodyPr/>
+                        <a:lstStyle/>
+                        <a:p>
+                          <a:pPr algn="ctr"/>
+                          <a:r>
+                            <a:rPr lang="es-ES" dirty="0"/>
+                            <a:t>0.14</a:t>
+                          </a:r>
+                        </a:p>
+                      </a:txBody>
+                      <a:tcPr/>
+                    </a:tc>
+                    <a:tc>
+                      <a:txBody>
+                        <a:bodyPr/>
+                        <a:lstStyle/>
+                        <a:p>
+                          <a:pPr algn="ctr"/>
+                          <a:r>
+                            <a:rPr lang="es-ES" dirty="0"/>
+                            <a:t>0.86</a:t>
+                          </a:r>
+                        </a:p>
+                      </a:txBody>
+                      <a:tcPr/>
+                    </a:tc>
+                    <a:extLst>
+                      <a:ext uri="{0D108BD9-81ED-4DB2-BD59-A6C34878D82A}">
+                        <a16:rowId xmlns:a16="http://schemas.microsoft.com/office/drawing/2014/main" val="4053852611"/>
+                      </a:ext>
+                    </a:extLst>
+                  </a:tr>
+                </a:tbl>
+              </a:graphicData>
+            </a:graphic>
+          </p:graphicFrame>
+        </mc:Choice>
+        <mc:Fallback>
+          <p:graphicFrame>
+            <p:nvGraphicFramePr>
+              <p:cNvPr id="6" name="Tabla 5">
+                <a:extLst>
+                  <a:ext uri="{FF2B5EF4-FFF2-40B4-BE49-F238E27FC236}">
+                    <a16:creationId xmlns:a16="http://schemas.microsoft.com/office/drawing/2014/main" id="{77DF7315-AF9C-3EB1-2542-D71989CD2E2D}"/>
+                  </a:ext>
+                </a:extLst>
+              </p:cNvPr>
+              <p:cNvGraphicFramePr>
+                <a:graphicFrameLocks noGrp="1"/>
+              </p:cNvGraphicFramePr>
+              <p:nvPr>
+                <p:extLst>
+                  <p:ext uri="{D42A27DB-BD31-4B8C-83A1-F6EECF244321}">
+                    <p14:modId xmlns:p14="http://schemas.microsoft.com/office/powerpoint/2010/main" val="1185500770"/>
+                  </p:ext>
+                </p:extLst>
+              </p:nvPr>
+            </p:nvGraphicFramePr>
+            <p:xfrm>
+              <a:off x="3048000" y="5144294"/>
+              <a:ext cx="12192000" cy="2547112"/>
+            </p:xfrm>
+            <a:graphic>
+              <a:graphicData uri="http://schemas.openxmlformats.org/drawingml/2006/table">
+                <a:tbl>
+                  <a:tblPr firstRow="1" bandRow="1">
+                    <a:tableStyleId>{9D7B26C5-4107-4FEC-AEDC-1716B250A1EF}</a:tableStyleId>
+                  </a:tblPr>
+                  <a:tblGrid>
+                    <a:gridCol w="4064000">
+                      <a:extLst>
+                        <a:ext uri="{9D8B030D-6E8A-4147-A177-3AD203B41FA5}">
+                          <a16:colId xmlns:a16="http://schemas.microsoft.com/office/drawing/2014/main" val="3943066496"/>
+                        </a:ext>
+                      </a:extLst>
+                    </a:gridCol>
+                    <a:gridCol w="4064000">
+                      <a:extLst>
+                        <a:ext uri="{9D8B030D-6E8A-4147-A177-3AD203B41FA5}">
+                          <a16:colId xmlns:a16="http://schemas.microsoft.com/office/drawing/2014/main" val="465688363"/>
+                        </a:ext>
+                      </a:extLst>
+                    </a:gridCol>
+                    <a:gridCol w="4064000">
+                      <a:extLst>
+                        <a:ext uri="{9D8B030D-6E8A-4147-A177-3AD203B41FA5}">
+                          <a16:colId xmlns:a16="http://schemas.microsoft.com/office/drawing/2014/main" val="3387116903"/>
+                        </a:ext>
+                      </a:extLst>
+                    </a:gridCol>
+                  </a:tblGrid>
+                  <a:tr h="535432">
+                    <a:tc>
+                      <a:txBody>
+                        <a:bodyPr/>
+                        <a:lstStyle/>
+                        <a:p>
+                          <a:r>
+                            <a:rPr lang="es-ES" dirty="0" err="1"/>
+                            <a:t>Features</a:t>
+                          </a:r>
+                          <a:endParaRPr lang="es-ES" dirty="0"/>
+                        </a:p>
+                      </a:txBody>
+                      <a:tcPr/>
+                    </a:tc>
+                    <a:tc>
+                      <a:txBody>
+                        <a:bodyPr/>
+                        <a:lstStyle/>
+                        <a:p>
+                          <a:endParaRPr lang="es-ES"/>
+                        </a:p>
+                      </a:txBody>
+                      <a:tcPr>
+                        <a:blipFill>
+                          <a:blip r:embed="rId3"/>
+                          <a:stretch>
+                            <a:fillRect l="-100150" t="-9091" r="-100450" b="-406818"/>
+                          </a:stretch>
+                        </a:blipFill>
+                      </a:tcPr>
+                    </a:tc>
+                    <a:tc>
+                      <a:txBody>
+                        <a:bodyPr/>
+                        <a:lstStyle/>
+                        <a:p>
+                          <a:endParaRPr lang="es-ES"/>
+                        </a:p>
+                      </a:txBody>
+                      <a:tcPr>
+                        <a:blipFill>
+                          <a:blip r:embed="rId3"/>
+                          <a:stretch>
+                            <a:fillRect l="-199850" t="-9091" r="-300" b="-406818"/>
+                          </a:stretch>
+                        </a:blipFill>
+                      </a:tcPr>
+                    </a:tc>
+                    <a:extLst>
+                      <a:ext uri="{0D108BD9-81ED-4DB2-BD59-A6C34878D82A}">
+                        <a16:rowId xmlns:a16="http://schemas.microsoft.com/office/drawing/2014/main" val="2368775951"/>
+                      </a:ext>
+                    </a:extLst>
+                  </a:tr>
+                  <a:tr h="502920">
+                    <a:tc>
+                      <a:txBody>
+                        <a:bodyPr/>
+                        <a:lstStyle/>
+                        <a:p>
+                          <a:r>
+                            <a:rPr lang="es-ES" dirty="0" err="1"/>
+                            <a:t>Using</a:t>
+                          </a:r>
+                          <a:r>
+                            <a:rPr lang="es-ES" dirty="0"/>
+                            <a:t> mean</a:t>
+                          </a:r>
+                        </a:p>
+                      </a:txBody>
+                      <a:tcPr/>
+                    </a:tc>
+                    <a:tc>
+                      <a:txBody>
+                        <a:bodyPr/>
+                        <a:lstStyle/>
+                        <a:p>
+                          <a:pPr algn="ctr"/>
+                          <a:r>
+                            <a:rPr lang="es-ES" dirty="0"/>
+                            <a:t>0.46</a:t>
+                          </a:r>
+                        </a:p>
+                      </a:txBody>
+                      <a:tcPr/>
+                    </a:tc>
+                    <a:tc>
+                      <a:txBody>
+                        <a:bodyPr/>
+                        <a:lstStyle/>
+                        <a:p>
+                          <a:pPr algn="ctr"/>
+                          <a:r>
+                            <a:rPr lang="es-ES" dirty="0"/>
+                            <a:t>0.54</a:t>
+                          </a:r>
+                        </a:p>
+                      </a:txBody>
+                      <a:tcPr/>
+                    </a:tc>
+                    <a:extLst>
+                      <a:ext uri="{0D108BD9-81ED-4DB2-BD59-A6C34878D82A}">
+                        <a16:rowId xmlns:a16="http://schemas.microsoft.com/office/drawing/2014/main" val="1438970243"/>
+                      </a:ext>
+                    </a:extLst>
+                  </a:tr>
+                  <a:tr h="502920">
+                    <a:tc>
+                      <a:txBody>
+                        <a:bodyPr/>
+                        <a:lstStyle/>
+                        <a:p>
+                          <a:r>
+                            <a:rPr lang="es-ES" dirty="0"/>
+                            <a:t>1st DMU</a:t>
+                          </a:r>
+                        </a:p>
+                      </a:txBody>
+                      <a:tcPr/>
+                    </a:tc>
+                    <a:tc>
+                      <a:txBody>
+                        <a:bodyPr/>
+                        <a:lstStyle/>
+                        <a:p>
+                          <a:pPr algn="ctr"/>
+                          <a:r>
+                            <a:rPr lang="es-ES" dirty="0"/>
+                            <a:t>0.41</a:t>
+                          </a:r>
+                        </a:p>
+                      </a:txBody>
+                      <a:tcPr/>
+                    </a:tc>
+                    <a:tc>
+                      <a:txBody>
+                        <a:bodyPr/>
+                        <a:lstStyle/>
+                        <a:p>
+                          <a:pPr algn="ctr"/>
+                          <a:r>
+                            <a:rPr lang="es-ES" dirty="0"/>
+                            <a:t>0.59</a:t>
+                          </a:r>
+                        </a:p>
+                      </a:txBody>
+                      <a:tcPr/>
+                    </a:tc>
+                    <a:extLst>
+                      <a:ext uri="{0D108BD9-81ED-4DB2-BD59-A6C34878D82A}">
+                        <a16:rowId xmlns:a16="http://schemas.microsoft.com/office/drawing/2014/main" val="601093408"/>
+                      </a:ext>
+                    </a:extLst>
+                  </a:tr>
+                  <a:tr h="502920">
+                    <a:tc>
+                      <a:txBody>
+                        <a:bodyPr/>
+                        <a:lstStyle/>
+                        <a:p>
+                          <a:r>
+                            <a:rPr lang="es-ES" dirty="0"/>
+                            <a:t>4th DMU</a:t>
+                          </a:r>
+                        </a:p>
+                      </a:txBody>
+                      <a:tcPr/>
+                    </a:tc>
+                    <a:tc>
+                      <a:txBody>
+                        <a:bodyPr/>
+                        <a:lstStyle/>
+                        <a:p>
+                          <a:pPr algn="ctr"/>
+                          <a:r>
+                            <a:rPr lang="es-ES" dirty="0"/>
+                            <a:t>0.54</a:t>
+                          </a:r>
+                        </a:p>
+                      </a:txBody>
+                      <a:tcPr/>
+                    </a:tc>
+                    <a:tc>
+                      <a:txBody>
+                        <a:bodyPr/>
+                        <a:lstStyle/>
+                        <a:p>
+                          <a:pPr algn="ctr"/>
+                          <a:r>
+                            <a:rPr lang="es-ES" dirty="0"/>
+                            <a:t>0.46</a:t>
+                          </a:r>
+                        </a:p>
+                      </a:txBody>
+                      <a:tcPr/>
+                    </a:tc>
+                    <a:extLst>
+                      <a:ext uri="{0D108BD9-81ED-4DB2-BD59-A6C34878D82A}">
+                        <a16:rowId xmlns:a16="http://schemas.microsoft.com/office/drawing/2014/main" val="547169358"/>
+                      </a:ext>
+                    </a:extLst>
+                  </a:tr>
+                  <a:tr h="502920">
+                    <a:tc>
+                      <a:txBody>
+                        <a:bodyPr/>
+                        <a:lstStyle/>
+                        <a:p>
+                          <a:r>
+                            <a:rPr lang="es-ES" dirty="0"/>
+                            <a:t>13th DMU</a:t>
+                          </a:r>
+                        </a:p>
+                      </a:txBody>
+                      <a:tcPr/>
+                    </a:tc>
+                    <a:tc>
+                      <a:txBody>
+                        <a:bodyPr/>
+                        <a:lstStyle/>
+                        <a:p>
+                          <a:pPr algn="ctr"/>
+                          <a:r>
+                            <a:rPr lang="es-ES" dirty="0"/>
+                            <a:t>0.14</a:t>
+                          </a:r>
+                        </a:p>
+                      </a:txBody>
+                      <a:tcPr/>
+                    </a:tc>
+                    <a:tc>
+                      <a:txBody>
+                        <a:bodyPr/>
+                        <a:lstStyle/>
+                        <a:p>
+                          <a:pPr algn="ctr"/>
+                          <a:r>
+                            <a:rPr lang="es-ES" dirty="0"/>
+                            <a:t>0.86</a:t>
+                          </a:r>
+                        </a:p>
+                      </a:txBody>
+                      <a:tcPr/>
+                    </a:tc>
+                    <a:extLst>
+                      <a:ext uri="{0D108BD9-81ED-4DB2-BD59-A6C34878D82A}">
+                        <a16:rowId xmlns:a16="http://schemas.microsoft.com/office/drawing/2014/main" val="4053852611"/>
+                      </a:ext>
+                    </a:extLst>
+                  </a:tr>
+                </a:tbl>
+              </a:graphicData>
+            </a:graphic>
+          </p:graphicFrame>
+        </mc:Fallback>
+      </mc:AlternateContent>
+    </p:spTree>
+    <p:extLst>
+      <p:ext uri="{BB962C8B-B14F-4D97-AF65-F5344CB8AC3E}">
+        <p14:creationId xmlns:p14="http://schemas.microsoft.com/office/powerpoint/2010/main" val="2605537814"/>
+      </p:ext>
+    </p:extLst>
+  </p:cSld>
+  <p:clrMapOvr>
+    <a:masterClrMapping/>
+  </p:clrMapOvr>
+</p:sld>
+</file>
+
+<file path=ppt/slides/slide24.xml><?xml version="1.0" encoding="utf-8"?>
+<p:sld xmlns:a="http://schemas.openxmlformats.org/drawingml/2006/main" xmlns:r="http://schemas.openxmlformats.org/officeDocument/2006/relationships" xmlns:p="http://schemas.openxmlformats.org/presentationml/2006/main">
+  <p:cSld>
+    <p:spTree>
+      <p:nvGrpSpPr>
+        <p:cNvPr id="1" name=""/>
+        <p:cNvGrpSpPr/>
+        <p:nvPr/>
+      </p:nvGrpSpPr>
+      <p:grpSpPr>
+        <a:xfrm>
+          <a:off x="0" y="0"/>
+          <a:ext cx="0" cy="0"/>
+          <a:chOff x="0" y="0"/>
+          <a:chExt cx="0" cy="0"/>
+        </a:xfrm>
+      </p:grpSpPr>
+      <p:sp>
+        <p:nvSpPr>
+          <p:cNvPr id="2" name="Título 1">
+            <a:extLst>
+              <a:ext uri="{FF2B5EF4-FFF2-40B4-BE49-F238E27FC236}">
                 <a16:creationId xmlns:a16="http://schemas.microsoft.com/office/drawing/2014/main" id="{C1EA5FF0-233C-9766-7379-A46D6B168167}"/>
               </a:ext>
             </a:extLst>
@@ -20008,7 +27444,7 @@
             <a:fld id="{DBFF9636-A71C-488A-89F8-02E08556F10C}" type="slidenum">
               <a:rPr lang="es-ES" smtClean="0"/>
               <a:pPr/>
-              <a:t>19</a:t>
+              <a:t>24</a:t>
             </a:fld>
             <a:endParaRPr lang="es-ES" dirty="0"/>
           </a:p>
@@ -20027,252 +27463,7 @@
 </p:sld>
 </file>
 
-<file path=ppt/slides/slide2.xml><?xml version="1.0" encoding="utf-8"?>
-<p:sld xmlns:a="http://schemas.openxmlformats.org/drawingml/2006/main" xmlns:r="http://schemas.openxmlformats.org/officeDocument/2006/relationships" xmlns:p="http://schemas.openxmlformats.org/presentationml/2006/main">
-  <p:cSld>
-    <p:spTree>
-      <p:nvGrpSpPr>
-        <p:cNvPr id="1" name=""/>
-        <p:cNvGrpSpPr/>
-        <p:nvPr/>
-      </p:nvGrpSpPr>
-      <p:grpSpPr>
-        <a:xfrm>
-          <a:off x="0" y="0"/>
-          <a:ext cx="0" cy="0"/>
-          <a:chOff x="0" y="0"/>
-          <a:chExt cx="0" cy="0"/>
-        </a:xfrm>
-      </p:grpSpPr>
-      <p:sp>
-        <p:nvSpPr>
-          <p:cNvPr id="2" name="Título 1">
-            <a:extLst>
-              <a:ext uri="{FF2B5EF4-FFF2-40B4-BE49-F238E27FC236}">
-                <a16:creationId xmlns:a16="http://schemas.microsoft.com/office/drawing/2014/main" id="{BFE94856-9D9C-4ED9-90BF-F310B65BA2C7}"/>
-              </a:ext>
-            </a:extLst>
-          </p:cNvPr>
-          <p:cNvSpPr>
-            <a:spLocks noGrp="1"/>
-          </p:cNvSpPr>
-          <p:nvPr>
-            <p:ph type="title"/>
-          </p:nvPr>
-        </p:nvSpPr>
-        <p:spPr/>
-        <p:txBody>
-          <a:bodyPr/>
-          <a:lstStyle/>
-          <a:p>
-            <a:r>
-              <a:rPr lang="en-AU" dirty="0"/>
-              <a:t>Index</a:t>
-            </a:r>
-          </a:p>
-        </p:txBody>
-      </p:sp>
-      <p:sp>
-        <p:nvSpPr>
-          <p:cNvPr id="3" name="Marcador de contenido 2">
-            <a:extLst>
-              <a:ext uri="{FF2B5EF4-FFF2-40B4-BE49-F238E27FC236}">
-                <a16:creationId xmlns:a16="http://schemas.microsoft.com/office/drawing/2014/main" id="{92AD0A21-745E-4A0B-93F3-9909AF99A29B}"/>
-              </a:ext>
-            </a:extLst>
-          </p:cNvPr>
-          <p:cNvSpPr>
-            <a:spLocks noGrp="1"/>
-          </p:cNvSpPr>
-          <p:nvPr>
-            <p:ph idx="1"/>
-          </p:nvPr>
-        </p:nvSpPr>
-        <p:spPr/>
-        <p:txBody>
-          <a:bodyPr anchor="ctr">
-            <a:normAutofit/>
-          </a:bodyPr>
-          <a:lstStyle/>
-          <a:p>
-            <a:pPr>
-              <a:lnSpc>
-                <a:spcPct val="150000"/>
-              </a:lnSpc>
-              <a:spcBef>
-                <a:spcPts val="1200"/>
-              </a:spcBef>
-              <a:spcAft>
-                <a:spcPts val="1200"/>
-              </a:spcAft>
-            </a:pPr>
-            <a:r>
-              <a:rPr lang="en-AU" sz="4800" dirty="0"/>
-              <a:t>Introduction</a:t>
-            </a:r>
-          </a:p>
-          <a:p>
-            <a:pPr>
-              <a:lnSpc>
-                <a:spcPct val="150000"/>
-              </a:lnSpc>
-              <a:spcBef>
-                <a:spcPts val="1200"/>
-              </a:spcBef>
-              <a:spcAft>
-                <a:spcPts val="1200"/>
-              </a:spcAft>
-            </a:pPr>
-            <a:r>
-              <a:rPr lang="en-AU" sz="4800" dirty="0"/>
-              <a:t>Methodology</a:t>
-            </a:r>
-          </a:p>
-          <a:p>
-            <a:pPr>
-              <a:lnSpc>
-                <a:spcPct val="150000"/>
-              </a:lnSpc>
-              <a:spcBef>
-                <a:spcPts val="1200"/>
-              </a:spcBef>
-              <a:spcAft>
-                <a:spcPts val="1200"/>
-              </a:spcAft>
-            </a:pPr>
-            <a:r>
-              <a:rPr lang="en-AU" sz="4800" dirty="0"/>
-              <a:t>An empirical application</a:t>
-            </a:r>
-          </a:p>
-          <a:p>
-            <a:pPr>
-              <a:lnSpc>
-                <a:spcPct val="150000"/>
-              </a:lnSpc>
-              <a:spcBef>
-                <a:spcPts val="1200"/>
-              </a:spcBef>
-              <a:spcAft>
-                <a:spcPts val="1200"/>
-              </a:spcAft>
-            </a:pPr>
-            <a:r>
-              <a:rPr lang="en-AU" sz="4800" dirty="0"/>
-              <a:t>Conclusions</a:t>
-            </a:r>
-          </a:p>
-        </p:txBody>
-      </p:sp>
-      <p:sp>
-        <p:nvSpPr>
-          <p:cNvPr id="4" name="Marcador de pie de página 3">
-            <a:extLst>
-              <a:ext uri="{FF2B5EF4-FFF2-40B4-BE49-F238E27FC236}">
-                <a16:creationId xmlns:a16="http://schemas.microsoft.com/office/drawing/2014/main" id="{5F27C00A-ACDC-4E4A-984A-BDB61556F009}"/>
-              </a:ext>
-            </a:extLst>
-          </p:cNvPr>
-          <p:cNvSpPr>
-            <a:spLocks noGrp="1"/>
-          </p:cNvSpPr>
-          <p:nvPr>
-            <p:ph type="ftr" sz="quarter" idx="11"/>
-          </p:nvPr>
-        </p:nvSpPr>
-        <p:spPr/>
-        <p:txBody>
-          <a:bodyPr/>
-          <a:lstStyle/>
-          <a:p>
-            <a:pPr algn="ctr">
-              <a:lnSpc>
-                <a:spcPct val="150000"/>
-              </a:lnSpc>
-              <a:spcAft>
-                <a:spcPts val="800"/>
-              </a:spcAft>
-            </a:pPr>
-            <a:r>
-              <a:rPr lang="en-US" sz="1800" b="1" kern="100" dirty="0">
-                <a:effectLst/>
-                <a:latin typeface="Times New Roman" panose="02020603050405020304" pitchFamily="18" charset="0"/>
-                <a:ea typeface="Aptos" panose="020B0004020202020204" pitchFamily="34" charset="0"/>
-                <a:cs typeface="Times New Roman" panose="02020603050405020304" pitchFamily="18" charset="0"/>
-              </a:rPr>
-              <a:t>Using sensitivity analysis and visualization techniques to open black box data mining models: a </a:t>
-            </a:r>
-            <a:r>
-              <a:rPr lang="en-US" sz="1800" b="1" kern="100" dirty="0" err="1">
-                <a:effectLst/>
-                <a:latin typeface="Times New Roman" panose="02020603050405020304" pitchFamily="18" charset="0"/>
-                <a:ea typeface="Aptos" panose="020B0004020202020204" pitchFamily="34" charset="0"/>
-                <a:cs typeface="Times New Roman" panose="02020603050405020304" pitchFamily="18" charset="0"/>
-              </a:rPr>
-              <a:t>rminer</a:t>
-            </a:r>
-            <a:r>
-              <a:rPr lang="en-US" sz="1800" b="1" kern="100" dirty="0">
-                <a:effectLst/>
-                <a:latin typeface="Times New Roman" panose="02020603050405020304" pitchFamily="18" charset="0"/>
-                <a:ea typeface="Aptos" panose="020B0004020202020204" pitchFamily="34" charset="0"/>
-                <a:cs typeface="Times New Roman" panose="02020603050405020304" pitchFamily="18" charset="0"/>
-              </a:rPr>
-              <a:t> example</a:t>
-            </a:r>
-            <a:endParaRPr lang="es-ES" sz="1600" kern="100" dirty="0">
-              <a:effectLst/>
-              <a:latin typeface="Times New Roman" panose="02020603050405020304" pitchFamily="18" charset="0"/>
-              <a:ea typeface="Aptos" panose="020B0004020202020204" pitchFamily="34" charset="0"/>
-              <a:cs typeface="Times New Roman" panose="02020603050405020304" pitchFamily="18" charset="0"/>
-            </a:endParaRPr>
-          </a:p>
-        </p:txBody>
-      </p:sp>
-      <p:sp>
-        <p:nvSpPr>
-          <p:cNvPr id="5" name="Marcador de número de diapositiva 4">
-            <a:extLst>
-              <a:ext uri="{FF2B5EF4-FFF2-40B4-BE49-F238E27FC236}">
-                <a16:creationId xmlns:a16="http://schemas.microsoft.com/office/drawing/2014/main" id="{C9FC0917-D875-4A91-9E78-00B68053351E}"/>
-              </a:ext>
-            </a:extLst>
-          </p:cNvPr>
-          <p:cNvSpPr>
-            <a:spLocks noGrp="1"/>
-          </p:cNvSpPr>
-          <p:nvPr>
-            <p:ph type="sldNum" sz="quarter" idx="12"/>
-          </p:nvPr>
-        </p:nvSpPr>
-        <p:spPr/>
-        <p:txBody>
-          <a:bodyPr/>
-          <a:lstStyle/>
-          <a:p>
-            <a:fld id="{DBFF9636-A71C-488A-89F8-02E08556F10C}" type="slidenum">
-              <a:rPr lang="es-ES" smtClean="0"/>
-              <a:pPr/>
-              <a:t>2</a:t>
-            </a:fld>
-            <a:endParaRPr lang="es-ES" dirty="0"/>
-          </a:p>
-        </p:txBody>
-      </p:sp>
-    </p:spTree>
-    <p:extLst>
-      <p:ext uri="{BB962C8B-B14F-4D97-AF65-F5344CB8AC3E}">
-        <p14:creationId xmlns:p14="http://schemas.microsoft.com/office/powerpoint/2010/main" val="392837780"/>
-      </p:ext>
-    </p:extLst>
-  </p:cSld>
-  <p:clrMapOvr>
-    <a:masterClrMapping/>
-  </p:clrMapOvr>
-</p:sld>
-</file>
-
-<file path=ppt/slides/slide20.xml><?xml version="1.0" encoding="utf-8"?>
+<file path=ppt/slides/slide25.xml><?xml version="1.0" encoding="utf-8"?>
 <p:sld xmlns:a="http://schemas.openxmlformats.org/drawingml/2006/main" xmlns:r="http://schemas.openxmlformats.org/officeDocument/2006/relationships" xmlns:p="http://schemas.openxmlformats.org/presentationml/2006/main">
   <p:cSld>
     <p:spTree>
@@ -20406,7 +27597,7 @@
             <a:fld id="{DBFF9636-A71C-488A-89F8-02E08556F10C}" type="slidenum">
               <a:rPr lang="es-ES" smtClean="0"/>
               <a:pPr/>
-              <a:t>20</a:t>
+              <a:t>25</a:t>
             </a:fld>
             <a:endParaRPr lang="es-ES" dirty="0"/>
           </a:p>
@@ -24961,7 +32152,7 @@
 </p:sld>
 </file>
 
-<file path=ppt/slides/slide21.xml><?xml version="1.0" encoding="utf-8"?>
+<file path=ppt/slides/slide26.xml><?xml version="1.0" encoding="utf-8"?>
 <p:sld xmlns:a="http://schemas.openxmlformats.org/drawingml/2006/main" xmlns:r="http://schemas.openxmlformats.org/officeDocument/2006/relationships" xmlns:p="http://schemas.openxmlformats.org/presentationml/2006/main">
   <p:cSld>
     <p:spTree>
@@ -25081,7 +32272,7 @@
             <a:fld id="{DBFF9636-A71C-488A-89F8-02E08556F10C}" type="slidenum">
               <a:rPr lang="es-ES" smtClean="0"/>
               <a:pPr/>
-              <a:t>21</a:t>
+              <a:t>26</a:t>
             </a:fld>
             <a:endParaRPr lang="es-ES" dirty="0"/>
           </a:p>
@@ -25100,7 +32291,7 @@
 </p:sld>
 </file>
 
-<file path=ppt/slides/slide22.xml><?xml version="1.0" encoding="utf-8"?>
+<file path=ppt/slides/slide27.xml><?xml version="1.0" encoding="utf-8"?>
 <p:sld xmlns:a="http://schemas.openxmlformats.org/drawingml/2006/main" xmlns:r="http://schemas.openxmlformats.org/officeDocument/2006/relationships" xmlns:p="http://schemas.openxmlformats.org/presentationml/2006/main">
   <p:cSld>
     <p:spTree>
@@ -25261,7 +32452,7 @@
             <a:fld id="{DBFF9636-A71C-488A-89F8-02E08556F10C}" type="slidenum">
               <a:rPr lang="es-ES" smtClean="0"/>
               <a:pPr/>
-              <a:t>22</a:t>
+              <a:t>27</a:t>
             </a:fld>
             <a:endParaRPr lang="es-ES" dirty="0"/>
           </a:p>
@@ -25280,7 +32471,7 @@
 </p:sld>
 </file>
 
-<file path=ppt/slides/slide23.xml><?xml version="1.0" encoding="utf-8"?>
+<file path=ppt/slides/slide28.xml><?xml version="1.0" encoding="utf-8"?>
 <p:sld xmlns:a="http://schemas.openxmlformats.org/drawingml/2006/main" xmlns:r="http://schemas.openxmlformats.org/officeDocument/2006/relationships" xmlns:p="http://schemas.openxmlformats.org/presentationml/2006/main">
   <p:cSld>
     <p:spTree>
@@ -25408,7 +32599,7 @@
             <a:fld id="{DBFF9636-A71C-488A-89F8-02E08556F10C}" type="slidenum">
               <a:rPr lang="es-ES" smtClean="0"/>
               <a:pPr/>
-              <a:t>23</a:t>
+              <a:t>28</a:t>
             </a:fld>
             <a:endParaRPr lang="es-ES" dirty="0"/>
           </a:p>
@@ -25550,7 +32741,7 @@
 </p:sld>
 </file>
 
-<file path=ppt/slides/slide24.xml><?xml version="1.0" encoding="utf-8"?>
+<file path=ppt/slides/slide29.xml><?xml version="1.0" encoding="utf-8"?>
 <p:sld xmlns:a="http://schemas.openxmlformats.org/drawingml/2006/main" xmlns:r="http://schemas.openxmlformats.org/officeDocument/2006/relationships" xmlns:p="http://schemas.openxmlformats.org/presentationml/2006/main">
   <p:cSld>
     <p:spTree>
@@ -25678,7 +32869,7 @@
             <a:fld id="{DBFF9636-A71C-488A-89F8-02E08556F10C}" type="slidenum">
               <a:rPr lang="es-ES" smtClean="0"/>
               <a:pPr/>
-              <a:t>24</a:t>
+              <a:t>29</a:t>
             </a:fld>
             <a:endParaRPr lang="es-ES" dirty="0"/>
           </a:p>
@@ -26177,7 +33368,431 @@
 </p:sld>
 </file>
 
-<file path=ppt/slides/slide25.xml><?xml version="1.0" encoding="utf-8"?>
+<file path=ppt/slides/slide3.xml><?xml version="1.0" encoding="utf-8"?>
+<p:sld xmlns:a="http://schemas.openxmlformats.org/drawingml/2006/main" xmlns:r="http://schemas.openxmlformats.org/officeDocument/2006/relationships" xmlns:p="http://schemas.openxmlformats.org/presentationml/2006/main">
+  <p:cSld>
+    <p:spTree>
+      <p:nvGrpSpPr>
+        <p:cNvPr id="1" name=""/>
+        <p:cNvGrpSpPr/>
+        <p:nvPr/>
+      </p:nvGrpSpPr>
+      <p:grpSpPr>
+        <a:xfrm>
+          <a:off x="0" y="0"/>
+          <a:ext cx="0" cy="0"/>
+          <a:chOff x="0" y="0"/>
+          <a:chExt cx="0" cy="0"/>
+        </a:xfrm>
+      </p:grpSpPr>
+      <p:sp>
+        <p:nvSpPr>
+          <p:cNvPr id="2" name="Título 1">
+            <a:extLst>
+              <a:ext uri="{FF2B5EF4-FFF2-40B4-BE49-F238E27FC236}">
+                <a16:creationId xmlns:a16="http://schemas.microsoft.com/office/drawing/2014/main" id="{BFE94856-9D9C-4ED9-90BF-F310B65BA2C7}"/>
+              </a:ext>
+            </a:extLst>
+          </p:cNvPr>
+          <p:cNvSpPr>
+            <a:spLocks noGrp="1"/>
+          </p:cNvSpPr>
+          <p:nvPr>
+            <p:ph type="title"/>
+          </p:nvPr>
+        </p:nvSpPr>
+        <p:spPr/>
+        <p:txBody>
+          <a:bodyPr/>
+          <a:lstStyle/>
+          <a:p>
+            <a:r>
+              <a:rPr lang="en-AU" dirty="0"/>
+              <a:t>Bibliography</a:t>
+            </a:r>
+          </a:p>
+        </p:txBody>
+      </p:sp>
+      <p:sp>
+        <p:nvSpPr>
+          <p:cNvPr id="3" name="Marcador de contenido 2">
+            <a:extLst>
+              <a:ext uri="{FF2B5EF4-FFF2-40B4-BE49-F238E27FC236}">
+                <a16:creationId xmlns:a16="http://schemas.microsoft.com/office/drawing/2014/main" id="{92AD0A21-745E-4A0B-93F3-9909AF99A29B}"/>
+              </a:ext>
+            </a:extLst>
+          </p:cNvPr>
+          <p:cNvSpPr>
+            <a:spLocks noGrp="1"/>
+          </p:cNvSpPr>
+          <p:nvPr>
+            <p:ph idx="1"/>
+          </p:nvPr>
+        </p:nvSpPr>
+        <p:spPr/>
+        <p:txBody>
+          <a:bodyPr anchor="ctr">
+            <a:normAutofit/>
+          </a:bodyPr>
+          <a:lstStyle/>
+          <a:p>
+            <a:pPr>
+              <a:lnSpc>
+                <a:spcPct val="150000"/>
+              </a:lnSpc>
+              <a:spcBef>
+                <a:spcPts val="1200"/>
+              </a:spcBef>
+              <a:spcAft>
+                <a:spcPts val="1200"/>
+              </a:spcAft>
+            </a:pPr>
+            <a:r>
+              <a:rPr lang="en-US" sz="1800" b="0" i="0" dirty="0">
+                <a:solidFill>
+                  <a:srgbClr val="222222"/>
+                </a:solidFill>
+                <a:effectLst/>
+                <a:latin typeface="Arial" panose="020B0604020202020204" pitchFamily="34" charset="0"/>
+              </a:rPr>
+              <a:t>Cortez, P., &amp; </a:t>
+            </a:r>
+            <a:r>
+              <a:rPr lang="en-US" sz="1800" b="0" i="0" dirty="0" err="1">
+                <a:solidFill>
+                  <a:srgbClr val="222222"/>
+                </a:solidFill>
+                <a:effectLst/>
+                <a:latin typeface="Arial" panose="020B0604020202020204" pitchFamily="34" charset="0"/>
+              </a:rPr>
+              <a:t>Embrechts</a:t>
+            </a:r>
+            <a:r>
+              <a:rPr lang="en-US" sz="1800" b="0" i="0" dirty="0">
+                <a:solidFill>
+                  <a:srgbClr val="222222"/>
+                </a:solidFill>
+                <a:effectLst/>
+                <a:latin typeface="Arial" panose="020B0604020202020204" pitchFamily="34" charset="0"/>
+              </a:rPr>
+              <a:t>, M. J. (2013). Using sensitivity analysis and visualization techniques to open black box data mining models. </a:t>
+            </a:r>
+            <a:r>
+              <a:rPr lang="en-US" sz="1800" b="0" i="1" dirty="0">
+                <a:solidFill>
+                  <a:srgbClr val="222222"/>
+                </a:solidFill>
+                <a:effectLst/>
+                <a:latin typeface="Arial" panose="020B0604020202020204" pitchFamily="34" charset="0"/>
+              </a:rPr>
+              <a:t>Information Sciences</a:t>
+            </a:r>
+            <a:r>
+              <a:rPr lang="en-US" sz="1800" b="0" i="0" dirty="0">
+                <a:solidFill>
+                  <a:srgbClr val="222222"/>
+                </a:solidFill>
+                <a:effectLst/>
+                <a:latin typeface="Arial" panose="020B0604020202020204" pitchFamily="34" charset="0"/>
+              </a:rPr>
+              <a:t>, </a:t>
+            </a:r>
+            <a:r>
+              <a:rPr lang="en-US" sz="1800" b="0" i="1" dirty="0">
+                <a:solidFill>
+                  <a:srgbClr val="222222"/>
+                </a:solidFill>
+                <a:effectLst/>
+                <a:latin typeface="Arial" panose="020B0604020202020204" pitchFamily="34" charset="0"/>
+              </a:rPr>
+              <a:t>225</a:t>
+            </a:r>
+            <a:r>
+              <a:rPr lang="en-US" sz="1800" b="0" i="0" dirty="0">
+                <a:solidFill>
+                  <a:srgbClr val="222222"/>
+                </a:solidFill>
+                <a:effectLst/>
+                <a:latin typeface="Arial" panose="020B0604020202020204" pitchFamily="34" charset="0"/>
+              </a:rPr>
+              <a:t>, 1-17. </a:t>
+            </a:r>
+            <a:r>
+              <a:rPr lang="es-ES" sz="1800" b="0" i="0" u="none" strike="noStrike" dirty="0">
+                <a:effectLst/>
+                <a:latin typeface="ElsevierSans"/>
+                <a:hlinkClick r:id="rId2" tooltip="Persistent link using digital object identifier"/>
+              </a:rPr>
+              <a:t>https://doi.org/10.1016/j.ins.2012.10.039</a:t>
+            </a:r>
+            <a:endParaRPr lang="es-ES" sz="1800" b="0" i="0" u="none" strike="noStrike" dirty="0">
+              <a:effectLst/>
+              <a:latin typeface="ElsevierSans"/>
+            </a:endParaRPr>
+          </a:p>
+          <a:p>
+            <a:pPr>
+              <a:lnSpc>
+                <a:spcPct val="150000"/>
+              </a:lnSpc>
+              <a:spcBef>
+                <a:spcPts val="1200"/>
+              </a:spcBef>
+              <a:spcAft>
+                <a:spcPts val="1200"/>
+              </a:spcAft>
+            </a:pPr>
+            <a:r>
+              <a:rPr lang="en-US" sz="1800" b="0" i="0" dirty="0" err="1">
+                <a:solidFill>
+                  <a:srgbClr val="222222"/>
+                </a:solidFill>
+                <a:effectLst/>
+                <a:latin typeface="Arial" panose="020B0604020202020204" pitchFamily="34" charset="0"/>
+              </a:rPr>
+              <a:t>Kondapaneni</a:t>
+            </a:r>
+            <a:r>
+              <a:rPr lang="en-US" sz="1800" b="0" i="0" dirty="0">
+                <a:solidFill>
+                  <a:srgbClr val="222222"/>
+                </a:solidFill>
+                <a:effectLst/>
+                <a:latin typeface="Arial" panose="020B0604020202020204" pitchFamily="34" charset="0"/>
+              </a:rPr>
+              <a:t>, I., </a:t>
+            </a:r>
+            <a:r>
+              <a:rPr lang="en-US" sz="1800" b="0" i="0" dirty="0" err="1">
+                <a:solidFill>
+                  <a:srgbClr val="222222"/>
+                </a:solidFill>
+                <a:effectLst/>
+                <a:latin typeface="Arial" panose="020B0604020202020204" pitchFamily="34" charset="0"/>
+              </a:rPr>
+              <a:t>Kordík</a:t>
+            </a:r>
+            <a:r>
+              <a:rPr lang="en-US" sz="1800" b="0" i="0" dirty="0">
+                <a:solidFill>
+                  <a:srgbClr val="222222"/>
+                </a:solidFill>
+                <a:effectLst/>
+                <a:latin typeface="Arial" panose="020B0604020202020204" pitchFamily="34" charset="0"/>
+              </a:rPr>
+              <a:t>, P., &amp; </a:t>
+            </a:r>
+            <a:r>
+              <a:rPr lang="en-US" sz="1800" b="0" i="0" dirty="0" err="1">
+                <a:solidFill>
+                  <a:srgbClr val="222222"/>
+                </a:solidFill>
+                <a:effectLst/>
+                <a:latin typeface="Arial" panose="020B0604020202020204" pitchFamily="34" charset="0"/>
+              </a:rPr>
+              <a:t>Slavík</a:t>
+            </a:r>
+            <a:r>
+              <a:rPr lang="en-US" sz="1800" b="0" i="0" dirty="0">
+                <a:solidFill>
+                  <a:srgbClr val="222222"/>
+                </a:solidFill>
+                <a:effectLst/>
+                <a:latin typeface="Arial" panose="020B0604020202020204" pitchFamily="34" charset="0"/>
+              </a:rPr>
+              <a:t>, P. (2007, December). Visualization techniques utilizing the sensitivity analysis of models. In 2007 Winter Simulation Conference (pp. 730-737). IEEE. </a:t>
+            </a:r>
+            <a:r>
+              <a:rPr lang="en-US" sz="1800" b="0" i="0" dirty="0">
+                <a:solidFill>
+                  <a:srgbClr val="222222"/>
+                </a:solidFill>
+                <a:effectLst/>
+                <a:latin typeface="Arial" panose="020B0604020202020204" pitchFamily="34" charset="0"/>
+                <a:hlinkClick r:id="rId3"/>
+              </a:rPr>
+              <a:t>https://ieeexplore.ieee.org/abstract/document/4419667</a:t>
+            </a:r>
+            <a:endParaRPr lang="en-US" sz="1800" b="0" i="0" dirty="0">
+              <a:solidFill>
+                <a:srgbClr val="222222"/>
+              </a:solidFill>
+              <a:effectLst/>
+              <a:latin typeface="Arial" panose="020B0604020202020204" pitchFamily="34" charset="0"/>
+            </a:endParaRPr>
+          </a:p>
+          <a:p>
+            <a:pPr>
+              <a:lnSpc>
+                <a:spcPct val="150000"/>
+              </a:lnSpc>
+              <a:spcBef>
+                <a:spcPts val="1200"/>
+              </a:spcBef>
+              <a:spcAft>
+                <a:spcPts val="1200"/>
+              </a:spcAft>
+            </a:pPr>
+            <a:r>
+              <a:rPr lang="en-US" sz="1800" b="0" i="0" dirty="0">
+                <a:solidFill>
+                  <a:srgbClr val="222222"/>
+                </a:solidFill>
+                <a:effectLst/>
+                <a:latin typeface="Arial" panose="020B0604020202020204" pitchFamily="34" charset="0"/>
+              </a:rPr>
+              <a:t>Tzeng, F. Y., &amp; Ma, K. L. (2005). Opening the black box-data driven visualization of neural networks (pp. 383-390). IEEE. </a:t>
+            </a:r>
+            <a:r>
+              <a:rPr lang="en-US" sz="1800" b="0" i="0" dirty="0">
+                <a:solidFill>
+                  <a:srgbClr val="222222"/>
+                </a:solidFill>
+                <a:effectLst/>
+                <a:latin typeface="Arial" panose="020B0604020202020204" pitchFamily="34" charset="0"/>
+                <a:hlinkClick r:id="rId4"/>
+              </a:rPr>
+              <a:t>https://ieeexplore.ieee.org/abstract/document/1532820</a:t>
+            </a:r>
+            <a:endParaRPr lang="en-US" sz="1800" b="0" i="0" dirty="0">
+              <a:solidFill>
+                <a:srgbClr val="222222"/>
+              </a:solidFill>
+              <a:effectLst/>
+              <a:latin typeface="Arial" panose="020B0604020202020204" pitchFamily="34" charset="0"/>
+            </a:endParaRPr>
+          </a:p>
+          <a:p>
+            <a:pPr>
+              <a:lnSpc>
+                <a:spcPct val="150000"/>
+              </a:lnSpc>
+              <a:spcBef>
+                <a:spcPts val="1200"/>
+              </a:spcBef>
+              <a:spcAft>
+                <a:spcPts val="1200"/>
+              </a:spcAft>
+            </a:pPr>
+            <a:endParaRPr lang="en-US" sz="1800" b="0" i="0" dirty="0">
+              <a:solidFill>
+                <a:srgbClr val="222222"/>
+              </a:solidFill>
+              <a:effectLst/>
+              <a:latin typeface="Arial" panose="020B0604020202020204" pitchFamily="34" charset="0"/>
+            </a:endParaRPr>
+          </a:p>
+        </p:txBody>
+      </p:sp>
+      <p:sp>
+        <p:nvSpPr>
+          <p:cNvPr id="4" name="Marcador de pie de página 3">
+            <a:extLst>
+              <a:ext uri="{FF2B5EF4-FFF2-40B4-BE49-F238E27FC236}">
+                <a16:creationId xmlns:a16="http://schemas.microsoft.com/office/drawing/2014/main" id="{5F27C00A-ACDC-4E4A-984A-BDB61556F009}"/>
+              </a:ext>
+            </a:extLst>
+          </p:cNvPr>
+          <p:cNvSpPr>
+            <a:spLocks noGrp="1"/>
+          </p:cNvSpPr>
+          <p:nvPr>
+            <p:ph type="ftr" sz="quarter" idx="11"/>
+          </p:nvPr>
+        </p:nvSpPr>
+        <p:spPr/>
+        <p:txBody>
+          <a:bodyPr/>
+          <a:lstStyle/>
+          <a:p>
+            <a:pPr algn="ctr">
+              <a:lnSpc>
+                <a:spcPct val="150000"/>
+              </a:lnSpc>
+              <a:spcAft>
+                <a:spcPts val="800"/>
+              </a:spcAft>
+            </a:pPr>
+            <a:r>
+              <a:rPr lang="en-US" sz="1800" b="1" kern="100" dirty="0">
+                <a:effectLst/>
+                <a:latin typeface="Times New Roman" panose="02020603050405020304" pitchFamily="18" charset="0"/>
+                <a:ea typeface="Aptos" panose="020B0004020202020204" pitchFamily="34" charset="0"/>
+                <a:cs typeface="Times New Roman" panose="02020603050405020304" pitchFamily="18" charset="0"/>
+              </a:rPr>
+              <a:t>Using sensitivity analysis and visualization techniques to open black box data mining models: a </a:t>
+            </a:r>
+            <a:r>
+              <a:rPr lang="en-US" sz="1800" b="1" kern="100" dirty="0" err="1">
+                <a:effectLst/>
+                <a:latin typeface="Times New Roman" panose="02020603050405020304" pitchFamily="18" charset="0"/>
+                <a:ea typeface="Aptos" panose="020B0004020202020204" pitchFamily="34" charset="0"/>
+                <a:cs typeface="Times New Roman" panose="02020603050405020304" pitchFamily="18" charset="0"/>
+              </a:rPr>
+              <a:t>rminer</a:t>
+            </a:r>
+            <a:r>
+              <a:rPr lang="en-US" sz="1800" b="1" kern="100" dirty="0">
+                <a:effectLst/>
+                <a:latin typeface="Times New Roman" panose="02020603050405020304" pitchFamily="18" charset="0"/>
+                <a:ea typeface="Aptos" panose="020B0004020202020204" pitchFamily="34" charset="0"/>
+                <a:cs typeface="Times New Roman" panose="02020603050405020304" pitchFamily="18" charset="0"/>
+              </a:rPr>
+              <a:t> example</a:t>
+            </a:r>
+            <a:endParaRPr lang="es-ES" sz="1600" kern="100" dirty="0">
+              <a:effectLst/>
+              <a:latin typeface="Times New Roman" panose="02020603050405020304" pitchFamily="18" charset="0"/>
+              <a:ea typeface="Aptos" panose="020B0004020202020204" pitchFamily="34" charset="0"/>
+              <a:cs typeface="Times New Roman" panose="02020603050405020304" pitchFamily="18" charset="0"/>
+            </a:endParaRPr>
+          </a:p>
+        </p:txBody>
+      </p:sp>
+      <p:sp>
+        <p:nvSpPr>
+          <p:cNvPr id="5" name="Marcador de número de diapositiva 4">
+            <a:extLst>
+              <a:ext uri="{FF2B5EF4-FFF2-40B4-BE49-F238E27FC236}">
+                <a16:creationId xmlns:a16="http://schemas.microsoft.com/office/drawing/2014/main" id="{C9FC0917-D875-4A91-9E78-00B68053351E}"/>
+              </a:ext>
+            </a:extLst>
+          </p:cNvPr>
+          <p:cNvSpPr>
+            <a:spLocks noGrp="1"/>
+          </p:cNvSpPr>
+          <p:nvPr>
+            <p:ph type="sldNum" sz="quarter" idx="12"/>
+          </p:nvPr>
+        </p:nvSpPr>
+        <p:spPr/>
+        <p:txBody>
+          <a:bodyPr/>
+          <a:lstStyle/>
+          <a:p>
+            <a:fld id="{DBFF9636-A71C-488A-89F8-02E08556F10C}" type="slidenum">
+              <a:rPr lang="es-ES" smtClean="0"/>
+              <a:pPr/>
+              <a:t>3</a:t>
+            </a:fld>
+            <a:endParaRPr lang="es-ES" dirty="0"/>
+          </a:p>
+        </p:txBody>
+      </p:sp>
+    </p:spTree>
+    <p:extLst>
+      <p:ext uri="{BB962C8B-B14F-4D97-AF65-F5344CB8AC3E}">
+        <p14:creationId xmlns:p14="http://schemas.microsoft.com/office/powerpoint/2010/main" val="613830064"/>
+      </p:ext>
+    </p:extLst>
+  </p:cSld>
+  <p:clrMapOvr>
+    <a:masterClrMapping/>
+  </p:clrMapOvr>
+</p:sld>
+</file>
+
+<file path=ppt/slides/slide30.xml><?xml version="1.0" encoding="utf-8"?>
 <p:sld xmlns:a="http://schemas.openxmlformats.org/drawingml/2006/main" xmlns:r="http://schemas.openxmlformats.org/officeDocument/2006/relationships" xmlns:p="http://schemas.openxmlformats.org/presentationml/2006/main">
   <p:cSld>
     <p:spTree>
@@ -26305,7 +33920,7 @@
             <a:fld id="{DBFF9636-A71C-488A-89F8-02E08556F10C}" type="slidenum">
               <a:rPr lang="es-ES" smtClean="0"/>
               <a:pPr/>
-              <a:t>25</a:t>
+              <a:t>30</a:t>
             </a:fld>
             <a:endParaRPr lang="es-ES" dirty="0"/>
           </a:p>
@@ -28413,7 +36028,7 @@
 </p:sld>
 </file>
 
-<file path=ppt/slides/slide26.xml><?xml version="1.0" encoding="utf-8"?>
+<file path=ppt/slides/slide31.xml><?xml version="1.0" encoding="utf-8"?>
 <p:sld xmlns:a="http://schemas.openxmlformats.org/drawingml/2006/main" xmlns:r="http://schemas.openxmlformats.org/officeDocument/2006/relationships" xmlns:p="http://schemas.openxmlformats.org/presentationml/2006/main">
   <p:cSld>
     <p:spTree>
@@ -28541,7 +36156,7 @@
             <a:fld id="{DBFF9636-A71C-488A-89F8-02E08556F10C}" type="slidenum">
               <a:rPr lang="es-ES" smtClean="0"/>
               <a:pPr/>
-              <a:t>26</a:t>
+              <a:t>31</a:t>
             </a:fld>
             <a:endParaRPr lang="es-ES" dirty="0"/>
           </a:p>
@@ -29210,7 +36825,7 @@
 </p:sld>
 </file>
 
-<file path=ppt/slides/slide27.xml><?xml version="1.0" encoding="utf-8"?>
+<file path=ppt/slides/slide32.xml><?xml version="1.0" encoding="utf-8"?>
 <p:sld xmlns:a="http://schemas.openxmlformats.org/drawingml/2006/main" xmlns:r="http://schemas.openxmlformats.org/officeDocument/2006/relationships" xmlns:p="http://schemas.openxmlformats.org/presentationml/2006/main">
   <p:cSld>
     <p:spTree>
@@ -29307,7 +36922,7 @@
             <a:fld id="{DBFF9636-A71C-488A-89F8-02E08556F10C}" type="slidenum">
               <a:rPr lang="es-ES" smtClean="0"/>
               <a:pPr/>
-              <a:t>27</a:t>
+              <a:t>32</a:t>
             </a:fld>
             <a:endParaRPr lang="es-ES" dirty="0"/>
           </a:p>
@@ -29378,7 +36993,7 @@
 </p:sld>
 </file>
 
-<file path=ppt/slides/slide28.xml><?xml version="1.0" encoding="utf-8"?>
+<file path=ppt/slides/slide33.xml><?xml version="1.0" encoding="utf-8"?>
 <p:sld xmlns:a="http://schemas.openxmlformats.org/drawingml/2006/main" xmlns:r="http://schemas.openxmlformats.org/officeDocument/2006/relationships" xmlns:p="http://schemas.openxmlformats.org/presentationml/2006/main">
   <p:cSld>
     <p:spTree>
@@ -29447,7 +37062,7 @@
             <a:fld id="{DBFF9636-A71C-488A-89F8-02E08556F10C}" type="slidenum">
               <a:rPr lang="es-ES" smtClean="0"/>
               <a:pPr/>
-              <a:t>28</a:t>
+              <a:t>33</a:t>
             </a:fld>
             <a:endParaRPr lang="es-ES" dirty="0"/>
           </a:p>
@@ -29799,7 +37414,7 @@
 </p:sld>
 </file>
 
-<file path=ppt/slides/slide29.xml><?xml version="1.0" encoding="utf-8"?>
+<file path=ppt/slides/slide34.xml><?xml version="1.0" encoding="utf-8"?>
 <p:sld xmlns:a="http://schemas.openxmlformats.org/drawingml/2006/main" xmlns:r="http://schemas.openxmlformats.org/officeDocument/2006/relationships" xmlns:p="http://schemas.openxmlformats.org/presentationml/2006/main">
   <p:cSld>
     <p:spTree>
@@ -29943,430 +37558,6 @@
     <p:extLst>
       <p:ext uri="{BB962C8B-B14F-4D97-AF65-F5344CB8AC3E}">
         <p14:creationId xmlns:p14="http://schemas.microsoft.com/office/powerpoint/2010/main" val="3320482811"/>
-      </p:ext>
-    </p:extLst>
-  </p:cSld>
-  <p:clrMapOvr>
-    <a:masterClrMapping/>
-  </p:clrMapOvr>
-</p:sld>
-</file>
-
-<file path=ppt/slides/slide3.xml><?xml version="1.0" encoding="utf-8"?>
-<p:sld xmlns:a="http://schemas.openxmlformats.org/drawingml/2006/main" xmlns:r="http://schemas.openxmlformats.org/officeDocument/2006/relationships" xmlns:p="http://schemas.openxmlformats.org/presentationml/2006/main">
-  <p:cSld>
-    <p:spTree>
-      <p:nvGrpSpPr>
-        <p:cNvPr id="1" name=""/>
-        <p:cNvGrpSpPr/>
-        <p:nvPr/>
-      </p:nvGrpSpPr>
-      <p:grpSpPr>
-        <a:xfrm>
-          <a:off x="0" y="0"/>
-          <a:ext cx="0" cy="0"/>
-          <a:chOff x="0" y="0"/>
-          <a:chExt cx="0" cy="0"/>
-        </a:xfrm>
-      </p:grpSpPr>
-      <p:sp>
-        <p:nvSpPr>
-          <p:cNvPr id="2" name="Título 1">
-            <a:extLst>
-              <a:ext uri="{FF2B5EF4-FFF2-40B4-BE49-F238E27FC236}">
-                <a16:creationId xmlns:a16="http://schemas.microsoft.com/office/drawing/2014/main" id="{BFE94856-9D9C-4ED9-90BF-F310B65BA2C7}"/>
-              </a:ext>
-            </a:extLst>
-          </p:cNvPr>
-          <p:cNvSpPr>
-            <a:spLocks noGrp="1"/>
-          </p:cNvSpPr>
-          <p:nvPr>
-            <p:ph type="title"/>
-          </p:nvPr>
-        </p:nvSpPr>
-        <p:spPr/>
-        <p:txBody>
-          <a:bodyPr/>
-          <a:lstStyle/>
-          <a:p>
-            <a:r>
-              <a:rPr lang="en-AU" dirty="0"/>
-              <a:t>Bibliography</a:t>
-            </a:r>
-          </a:p>
-        </p:txBody>
-      </p:sp>
-      <p:sp>
-        <p:nvSpPr>
-          <p:cNvPr id="3" name="Marcador de contenido 2">
-            <a:extLst>
-              <a:ext uri="{FF2B5EF4-FFF2-40B4-BE49-F238E27FC236}">
-                <a16:creationId xmlns:a16="http://schemas.microsoft.com/office/drawing/2014/main" id="{92AD0A21-745E-4A0B-93F3-9909AF99A29B}"/>
-              </a:ext>
-            </a:extLst>
-          </p:cNvPr>
-          <p:cNvSpPr>
-            <a:spLocks noGrp="1"/>
-          </p:cNvSpPr>
-          <p:nvPr>
-            <p:ph idx="1"/>
-          </p:nvPr>
-        </p:nvSpPr>
-        <p:spPr/>
-        <p:txBody>
-          <a:bodyPr anchor="ctr">
-            <a:normAutofit/>
-          </a:bodyPr>
-          <a:lstStyle/>
-          <a:p>
-            <a:pPr>
-              <a:lnSpc>
-                <a:spcPct val="150000"/>
-              </a:lnSpc>
-              <a:spcBef>
-                <a:spcPts val="1200"/>
-              </a:spcBef>
-              <a:spcAft>
-                <a:spcPts val="1200"/>
-              </a:spcAft>
-            </a:pPr>
-            <a:r>
-              <a:rPr lang="en-US" sz="1800" b="0" i="0" dirty="0">
-                <a:solidFill>
-                  <a:srgbClr val="222222"/>
-                </a:solidFill>
-                <a:effectLst/>
-                <a:latin typeface="Arial" panose="020B0604020202020204" pitchFamily="34" charset="0"/>
-              </a:rPr>
-              <a:t>Cortez, P., &amp; </a:t>
-            </a:r>
-            <a:r>
-              <a:rPr lang="en-US" sz="1800" b="0" i="0" dirty="0" err="1">
-                <a:solidFill>
-                  <a:srgbClr val="222222"/>
-                </a:solidFill>
-                <a:effectLst/>
-                <a:latin typeface="Arial" panose="020B0604020202020204" pitchFamily="34" charset="0"/>
-              </a:rPr>
-              <a:t>Embrechts</a:t>
-            </a:r>
-            <a:r>
-              <a:rPr lang="en-US" sz="1800" b="0" i="0" dirty="0">
-                <a:solidFill>
-                  <a:srgbClr val="222222"/>
-                </a:solidFill>
-                <a:effectLst/>
-                <a:latin typeface="Arial" panose="020B0604020202020204" pitchFamily="34" charset="0"/>
-              </a:rPr>
-              <a:t>, M. J. (2013). Using sensitivity analysis and visualization techniques to open black box data mining models. </a:t>
-            </a:r>
-            <a:r>
-              <a:rPr lang="en-US" sz="1800" b="0" i="1" dirty="0">
-                <a:solidFill>
-                  <a:srgbClr val="222222"/>
-                </a:solidFill>
-                <a:effectLst/>
-                <a:latin typeface="Arial" panose="020B0604020202020204" pitchFamily="34" charset="0"/>
-              </a:rPr>
-              <a:t>Information Sciences</a:t>
-            </a:r>
-            <a:r>
-              <a:rPr lang="en-US" sz="1800" b="0" i="0" dirty="0">
-                <a:solidFill>
-                  <a:srgbClr val="222222"/>
-                </a:solidFill>
-                <a:effectLst/>
-                <a:latin typeface="Arial" panose="020B0604020202020204" pitchFamily="34" charset="0"/>
-              </a:rPr>
-              <a:t>, </a:t>
-            </a:r>
-            <a:r>
-              <a:rPr lang="en-US" sz="1800" b="0" i="1" dirty="0">
-                <a:solidFill>
-                  <a:srgbClr val="222222"/>
-                </a:solidFill>
-                <a:effectLst/>
-                <a:latin typeface="Arial" panose="020B0604020202020204" pitchFamily="34" charset="0"/>
-              </a:rPr>
-              <a:t>225</a:t>
-            </a:r>
-            <a:r>
-              <a:rPr lang="en-US" sz="1800" b="0" i="0" dirty="0">
-                <a:solidFill>
-                  <a:srgbClr val="222222"/>
-                </a:solidFill>
-                <a:effectLst/>
-                <a:latin typeface="Arial" panose="020B0604020202020204" pitchFamily="34" charset="0"/>
-              </a:rPr>
-              <a:t>, 1-17. </a:t>
-            </a:r>
-            <a:r>
-              <a:rPr lang="es-ES" sz="1800" b="0" i="0" u="none" strike="noStrike" dirty="0">
-                <a:effectLst/>
-                <a:latin typeface="ElsevierSans"/>
-                <a:hlinkClick r:id="rId2" tooltip="Persistent link using digital object identifier"/>
-              </a:rPr>
-              <a:t>https://doi.org/10.1016/j.ins.2012.10.039</a:t>
-            </a:r>
-            <a:endParaRPr lang="es-ES" sz="1800" b="0" i="0" u="none" strike="noStrike" dirty="0">
-              <a:effectLst/>
-              <a:latin typeface="ElsevierSans"/>
-            </a:endParaRPr>
-          </a:p>
-          <a:p>
-            <a:pPr>
-              <a:lnSpc>
-                <a:spcPct val="150000"/>
-              </a:lnSpc>
-              <a:spcBef>
-                <a:spcPts val="1200"/>
-              </a:spcBef>
-              <a:spcAft>
-                <a:spcPts val="1200"/>
-              </a:spcAft>
-            </a:pPr>
-            <a:r>
-              <a:rPr lang="en-US" sz="1800" b="0" i="0" dirty="0" err="1">
-                <a:solidFill>
-                  <a:srgbClr val="222222"/>
-                </a:solidFill>
-                <a:effectLst/>
-                <a:latin typeface="Arial" panose="020B0604020202020204" pitchFamily="34" charset="0"/>
-              </a:rPr>
-              <a:t>Kondapaneni</a:t>
-            </a:r>
-            <a:r>
-              <a:rPr lang="en-US" sz="1800" b="0" i="0" dirty="0">
-                <a:solidFill>
-                  <a:srgbClr val="222222"/>
-                </a:solidFill>
-                <a:effectLst/>
-                <a:latin typeface="Arial" panose="020B0604020202020204" pitchFamily="34" charset="0"/>
-              </a:rPr>
-              <a:t>, I., </a:t>
-            </a:r>
-            <a:r>
-              <a:rPr lang="en-US" sz="1800" b="0" i="0" dirty="0" err="1">
-                <a:solidFill>
-                  <a:srgbClr val="222222"/>
-                </a:solidFill>
-                <a:effectLst/>
-                <a:latin typeface="Arial" panose="020B0604020202020204" pitchFamily="34" charset="0"/>
-              </a:rPr>
-              <a:t>Kordík</a:t>
-            </a:r>
-            <a:r>
-              <a:rPr lang="en-US" sz="1800" b="0" i="0" dirty="0">
-                <a:solidFill>
-                  <a:srgbClr val="222222"/>
-                </a:solidFill>
-                <a:effectLst/>
-                <a:latin typeface="Arial" panose="020B0604020202020204" pitchFamily="34" charset="0"/>
-              </a:rPr>
-              <a:t>, P., &amp; </a:t>
-            </a:r>
-            <a:r>
-              <a:rPr lang="en-US" sz="1800" b="0" i="0" dirty="0" err="1">
-                <a:solidFill>
-                  <a:srgbClr val="222222"/>
-                </a:solidFill>
-                <a:effectLst/>
-                <a:latin typeface="Arial" panose="020B0604020202020204" pitchFamily="34" charset="0"/>
-              </a:rPr>
-              <a:t>Slavík</a:t>
-            </a:r>
-            <a:r>
-              <a:rPr lang="en-US" sz="1800" b="0" i="0" dirty="0">
-                <a:solidFill>
-                  <a:srgbClr val="222222"/>
-                </a:solidFill>
-                <a:effectLst/>
-                <a:latin typeface="Arial" panose="020B0604020202020204" pitchFamily="34" charset="0"/>
-              </a:rPr>
-              <a:t>, P. (2007, December). Visualization techniques utilizing the sensitivity analysis of models. In 2007 Winter Simulation Conference (pp. 730-737). IEEE. </a:t>
-            </a:r>
-            <a:r>
-              <a:rPr lang="en-US" sz="1800" b="0" i="0" dirty="0">
-                <a:solidFill>
-                  <a:srgbClr val="222222"/>
-                </a:solidFill>
-                <a:effectLst/>
-                <a:latin typeface="Arial" panose="020B0604020202020204" pitchFamily="34" charset="0"/>
-                <a:hlinkClick r:id="rId3"/>
-              </a:rPr>
-              <a:t>https://ieeexplore.ieee.org/abstract/document/4419667</a:t>
-            </a:r>
-            <a:endParaRPr lang="en-US" sz="1800" b="0" i="0" dirty="0">
-              <a:solidFill>
-                <a:srgbClr val="222222"/>
-              </a:solidFill>
-              <a:effectLst/>
-              <a:latin typeface="Arial" panose="020B0604020202020204" pitchFamily="34" charset="0"/>
-            </a:endParaRPr>
-          </a:p>
-          <a:p>
-            <a:pPr>
-              <a:lnSpc>
-                <a:spcPct val="150000"/>
-              </a:lnSpc>
-              <a:spcBef>
-                <a:spcPts val="1200"/>
-              </a:spcBef>
-              <a:spcAft>
-                <a:spcPts val="1200"/>
-              </a:spcAft>
-            </a:pPr>
-            <a:r>
-              <a:rPr lang="en-US" sz="1800" b="0" i="0" dirty="0">
-                <a:solidFill>
-                  <a:srgbClr val="222222"/>
-                </a:solidFill>
-                <a:effectLst/>
-                <a:latin typeface="Arial" panose="020B0604020202020204" pitchFamily="34" charset="0"/>
-              </a:rPr>
-              <a:t>Tzeng, F. Y., &amp; Ma, K. L. (2005). Opening the black box-data driven visualization of neural networks (pp. 383-390). IEEE. </a:t>
-            </a:r>
-            <a:r>
-              <a:rPr lang="en-US" sz="1800" b="0" i="0" dirty="0">
-                <a:solidFill>
-                  <a:srgbClr val="222222"/>
-                </a:solidFill>
-                <a:effectLst/>
-                <a:latin typeface="Arial" panose="020B0604020202020204" pitchFamily="34" charset="0"/>
-                <a:hlinkClick r:id="rId4"/>
-              </a:rPr>
-              <a:t>https://ieeexplore.ieee.org/abstract/document/1532820</a:t>
-            </a:r>
-            <a:endParaRPr lang="en-US" sz="1800" b="0" i="0" dirty="0">
-              <a:solidFill>
-                <a:srgbClr val="222222"/>
-              </a:solidFill>
-              <a:effectLst/>
-              <a:latin typeface="Arial" panose="020B0604020202020204" pitchFamily="34" charset="0"/>
-            </a:endParaRPr>
-          </a:p>
-          <a:p>
-            <a:pPr>
-              <a:lnSpc>
-                <a:spcPct val="150000"/>
-              </a:lnSpc>
-              <a:spcBef>
-                <a:spcPts val="1200"/>
-              </a:spcBef>
-              <a:spcAft>
-                <a:spcPts val="1200"/>
-              </a:spcAft>
-            </a:pPr>
-            <a:endParaRPr lang="en-US" sz="1800" b="0" i="0" dirty="0">
-              <a:solidFill>
-                <a:srgbClr val="222222"/>
-              </a:solidFill>
-              <a:effectLst/>
-              <a:latin typeface="Arial" panose="020B0604020202020204" pitchFamily="34" charset="0"/>
-            </a:endParaRPr>
-          </a:p>
-        </p:txBody>
-      </p:sp>
-      <p:sp>
-        <p:nvSpPr>
-          <p:cNvPr id="4" name="Marcador de pie de página 3">
-            <a:extLst>
-              <a:ext uri="{FF2B5EF4-FFF2-40B4-BE49-F238E27FC236}">
-                <a16:creationId xmlns:a16="http://schemas.microsoft.com/office/drawing/2014/main" id="{5F27C00A-ACDC-4E4A-984A-BDB61556F009}"/>
-              </a:ext>
-            </a:extLst>
-          </p:cNvPr>
-          <p:cNvSpPr>
-            <a:spLocks noGrp="1"/>
-          </p:cNvSpPr>
-          <p:nvPr>
-            <p:ph type="ftr" sz="quarter" idx="11"/>
-          </p:nvPr>
-        </p:nvSpPr>
-        <p:spPr/>
-        <p:txBody>
-          <a:bodyPr/>
-          <a:lstStyle/>
-          <a:p>
-            <a:pPr algn="ctr">
-              <a:lnSpc>
-                <a:spcPct val="150000"/>
-              </a:lnSpc>
-              <a:spcAft>
-                <a:spcPts val="800"/>
-              </a:spcAft>
-            </a:pPr>
-            <a:r>
-              <a:rPr lang="en-US" sz="1800" b="1" kern="100" dirty="0">
-                <a:effectLst/>
-                <a:latin typeface="Times New Roman" panose="02020603050405020304" pitchFamily="18" charset="0"/>
-                <a:ea typeface="Aptos" panose="020B0004020202020204" pitchFamily="34" charset="0"/>
-                <a:cs typeface="Times New Roman" panose="02020603050405020304" pitchFamily="18" charset="0"/>
-              </a:rPr>
-              <a:t>Using sensitivity analysis and visualization techniques to open black box data mining models: a </a:t>
-            </a:r>
-            <a:r>
-              <a:rPr lang="en-US" sz="1800" b="1" kern="100" dirty="0" err="1">
-                <a:effectLst/>
-                <a:latin typeface="Times New Roman" panose="02020603050405020304" pitchFamily="18" charset="0"/>
-                <a:ea typeface="Aptos" panose="020B0004020202020204" pitchFamily="34" charset="0"/>
-                <a:cs typeface="Times New Roman" panose="02020603050405020304" pitchFamily="18" charset="0"/>
-              </a:rPr>
-              <a:t>rminer</a:t>
-            </a:r>
-            <a:r>
-              <a:rPr lang="en-US" sz="1800" b="1" kern="100" dirty="0">
-                <a:effectLst/>
-                <a:latin typeface="Times New Roman" panose="02020603050405020304" pitchFamily="18" charset="0"/>
-                <a:ea typeface="Aptos" panose="020B0004020202020204" pitchFamily="34" charset="0"/>
-                <a:cs typeface="Times New Roman" panose="02020603050405020304" pitchFamily="18" charset="0"/>
-              </a:rPr>
-              <a:t> example</a:t>
-            </a:r>
-            <a:endParaRPr lang="es-ES" sz="1600" kern="100" dirty="0">
-              <a:effectLst/>
-              <a:latin typeface="Times New Roman" panose="02020603050405020304" pitchFamily="18" charset="0"/>
-              <a:ea typeface="Aptos" panose="020B0004020202020204" pitchFamily="34" charset="0"/>
-              <a:cs typeface="Times New Roman" panose="02020603050405020304" pitchFamily="18" charset="0"/>
-            </a:endParaRPr>
-          </a:p>
-        </p:txBody>
-      </p:sp>
-      <p:sp>
-        <p:nvSpPr>
-          <p:cNvPr id="5" name="Marcador de número de diapositiva 4">
-            <a:extLst>
-              <a:ext uri="{FF2B5EF4-FFF2-40B4-BE49-F238E27FC236}">
-                <a16:creationId xmlns:a16="http://schemas.microsoft.com/office/drawing/2014/main" id="{C9FC0917-D875-4A91-9E78-00B68053351E}"/>
-              </a:ext>
-            </a:extLst>
-          </p:cNvPr>
-          <p:cNvSpPr>
-            <a:spLocks noGrp="1"/>
-          </p:cNvSpPr>
-          <p:nvPr>
-            <p:ph type="sldNum" sz="quarter" idx="12"/>
-          </p:nvPr>
-        </p:nvSpPr>
-        <p:spPr/>
-        <p:txBody>
-          <a:bodyPr/>
-          <a:lstStyle/>
-          <a:p>
-            <a:fld id="{DBFF9636-A71C-488A-89F8-02E08556F10C}" type="slidenum">
-              <a:rPr lang="es-ES" smtClean="0"/>
-              <a:pPr/>
-              <a:t>3</a:t>
-            </a:fld>
-            <a:endParaRPr lang="es-ES" dirty="0"/>
-          </a:p>
-        </p:txBody>
-      </p:sp>
-    </p:spTree>
-    <p:extLst>
-      <p:ext uri="{BB962C8B-B14F-4D97-AF65-F5344CB8AC3E}">
-        <p14:creationId xmlns:p14="http://schemas.microsoft.com/office/powerpoint/2010/main" val="613830064"/>
       </p:ext>
     </p:extLst>
   </p:cSld>

--- a/articulo 1 XAI/Apuntes/Sensitivity analysis/Presentación SA.pptx
+++ b/articulo 1 XAI/Apuntes/Sensitivity analysis/Presentación SA.pptx
@@ -178,7 +178,7 @@
 <file path=ppt/revisionInfo.xml><?xml version="1.0" encoding="utf-8"?>
 <p1510:revInfo xmlns:a="http://schemas.openxmlformats.org/drawingml/2006/main" xmlns:r="http://schemas.openxmlformats.org/officeDocument/2006/relationships" xmlns:p1510="http://schemas.microsoft.com/office/powerpoint/2015/10/main">
   <p1510:revLst>
-    <p1510:client id="{30CCF742-B2BE-461F-9F48-7083068267CA}" v="1094" dt="2024-10-01T11:38:17.052"/>
+    <p1510:client id="{30CCF742-B2BE-461F-9F48-7083068267CA}" v="1138" dt="2024-10-02T09:04:21.999"/>
   </p1510:revLst>
 </p1510:revInfo>
 </file>
@@ -296,7 +296,7 @@
   <pc:docChgLst>
     <pc:chgData name="Gonzalez Moyano, Ricardo" userId="5b44e8b1-3a70-41c8-8d8a-36b87a296b66" providerId="ADAL" clId="{30CCF742-B2BE-461F-9F48-7083068267CA}"/>
     <pc:docChg chg="undo custSel addSld delSld modSld sldOrd">
-      <pc:chgData name="Gonzalez Moyano, Ricardo" userId="5b44e8b1-3a70-41c8-8d8a-36b87a296b66" providerId="ADAL" clId="{30CCF742-B2BE-461F-9F48-7083068267CA}" dt="2024-10-01T11:46:13.367" v="3970" actId="20577"/>
+      <pc:chgData name="Gonzalez Moyano, Ricardo" userId="5b44e8b1-3a70-41c8-8d8a-36b87a296b66" providerId="ADAL" clId="{30CCF742-B2BE-461F-9F48-7083068267CA}" dt="2024-10-02T09:05:24.729" v="4016" actId="1076"/>
       <pc:docMkLst>
         <pc:docMk/>
       </pc:docMkLst>
@@ -1301,7 +1301,7 @@
         </pc:sldMkLst>
       </pc:sldChg>
       <pc:sldChg chg="addSp delSp modSp add mod ord">
-        <pc:chgData name="Gonzalez Moyano, Ricardo" userId="5b44e8b1-3a70-41c8-8d8a-36b87a296b66" providerId="ADAL" clId="{30CCF742-B2BE-461F-9F48-7083068267CA}" dt="2024-09-27T12:04:47.210" v="2832" actId="1076"/>
+        <pc:chgData name="Gonzalez Moyano, Ricardo" userId="5b44e8b1-3a70-41c8-8d8a-36b87a296b66" providerId="ADAL" clId="{30CCF742-B2BE-461F-9F48-7083068267CA}" dt="2024-10-02T09:05:24.729" v="4016" actId="1076"/>
         <pc:sldMkLst>
           <pc:docMk/>
           <pc:sldMk cId="1714612745" sldId="356"/>
@@ -1312,6 +1312,14 @@
             <pc:docMk/>
             <pc:sldMk cId="1714612745" sldId="356"/>
             <ac:spMk id="3" creationId="{B7960068-E182-A0CB-FAF6-893830475CE8}"/>
+          </ac:spMkLst>
+        </pc:spChg>
+        <pc:spChg chg="add mod">
+          <ac:chgData name="Gonzalez Moyano, Ricardo" userId="5b44e8b1-3a70-41c8-8d8a-36b87a296b66" providerId="ADAL" clId="{30CCF742-B2BE-461F-9F48-7083068267CA}" dt="2024-10-02T09:05:24.729" v="4016" actId="1076"/>
+          <ac:spMkLst>
+            <pc:docMk/>
+            <pc:sldMk cId="1714612745" sldId="356"/>
+            <ac:spMk id="6" creationId="{CA271BB0-837C-5846-AC78-329C7DE02BDC}"/>
           </ac:spMkLst>
         </pc:spChg>
         <pc:spChg chg="del mod">
@@ -1451,7 +1459,7 @@
           </ac:spMkLst>
         </pc:spChg>
         <pc:spChg chg="mod">
-          <ac:chgData name="Gonzalez Moyano, Ricardo" userId="5b44e8b1-3a70-41c8-8d8a-36b87a296b66" providerId="ADAL" clId="{30CCF742-B2BE-461F-9F48-7083068267CA}" dt="2024-09-27T11:51:09.027" v="2705" actId="1076"/>
+          <ac:chgData name="Gonzalez Moyano, Ricardo" userId="5b44e8b1-3a70-41c8-8d8a-36b87a296b66" providerId="ADAL" clId="{30CCF742-B2BE-461F-9F48-7083068267CA}" dt="2024-10-02T08:57:58.170" v="3972" actId="20577"/>
           <ac:spMkLst>
             <pc:docMk/>
             <pc:sldMk cId="1714612745" sldId="356"/>
@@ -1739,7 +1747,7 @@
           </ac:spMkLst>
         </pc:spChg>
         <pc:spChg chg="add mod">
-          <ac:chgData name="Gonzalez Moyano, Ricardo" userId="5b44e8b1-3a70-41c8-8d8a-36b87a296b66" providerId="ADAL" clId="{30CCF742-B2BE-461F-9F48-7083068267CA}" dt="2024-09-27T11:53:41.050" v="2742" actId="1076"/>
+          <ac:chgData name="Gonzalez Moyano, Ricardo" userId="5b44e8b1-3a70-41c8-8d8a-36b87a296b66" providerId="ADAL" clId="{30CCF742-B2BE-461F-9F48-7083068267CA}" dt="2024-10-02T08:58:13.804" v="3974" actId="20577"/>
           <ac:spMkLst>
             <pc:docMk/>
             <pc:sldMk cId="1714612745" sldId="356"/>
@@ -1747,7 +1755,7 @@
           </ac:spMkLst>
         </pc:spChg>
         <pc:spChg chg="add mod">
-          <ac:chgData name="Gonzalez Moyano, Ricardo" userId="5b44e8b1-3a70-41c8-8d8a-36b87a296b66" providerId="ADAL" clId="{30CCF742-B2BE-461F-9F48-7083068267CA}" dt="2024-09-27T11:52:36.379" v="2722" actId="1076"/>
+          <ac:chgData name="Gonzalez Moyano, Ricardo" userId="5b44e8b1-3a70-41c8-8d8a-36b87a296b66" providerId="ADAL" clId="{30CCF742-B2BE-461F-9F48-7083068267CA}" dt="2024-10-02T08:59:17.860" v="3976" actId="20577"/>
           <ac:spMkLst>
             <pc:docMk/>
             <pc:sldMk cId="1714612745" sldId="356"/>
@@ -1755,7 +1763,7 @@
           </ac:spMkLst>
         </pc:spChg>
         <pc:spChg chg="add mod">
-          <ac:chgData name="Gonzalez Moyano, Ricardo" userId="5b44e8b1-3a70-41c8-8d8a-36b87a296b66" providerId="ADAL" clId="{30CCF742-B2BE-461F-9F48-7083068267CA}" dt="2024-09-27T11:52:36.379" v="2722" actId="1076"/>
+          <ac:chgData name="Gonzalez Moyano, Ricardo" userId="5b44e8b1-3a70-41c8-8d8a-36b87a296b66" providerId="ADAL" clId="{30CCF742-B2BE-461F-9F48-7083068267CA}" dt="2024-10-02T08:59:21.388" v="3978" actId="20577"/>
           <ac:spMkLst>
             <pc:docMk/>
             <pc:sldMk cId="1714612745" sldId="356"/>
@@ -2701,7 +2709,7 @@
           <a:p>
             <a:fld id="{2DB79FB7-5658-4FB3-B98D-B463C580F970}" type="datetimeFigureOut">
               <a:rPr lang="es-ES" smtClean="0"/>
-              <a:t>01/10/2024</a:t>
+              <a:t>02/10/2024</a:t>
             </a:fld>
             <a:endParaRPr lang="es-ES"/>
           </a:p>
@@ -18578,8 +18586,8 @@
           </a:p>
         </p:txBody>
       </p:sp>
-      <mc:AlternateContent xmlns:mc="http://schemas.openxmlformats.org/markup-compatibility/2006">
-        <mc:Choice xmlns:a14="http://schemas.microsoft.com/office/drawing/2010/main" Requires="a14">
+      <mc:AlternateContent xmlns:mc="http://schemas.openxmlformats.org/markup-compatibility/2006" xmlns:a14="http://schemas.microsoft.com/office/drawing/2010/main">
+        <mc:Choice Requires="a14">
           <p:sp>
             <p:nvSpPr>
               <p:cNvPr id="3" name="Marcador de contenido 2">
@@ -18806,7 +18814,7 @@
             </p:txBody>
           </p:sp>
         </mc:Choice>
-        <mc:Fallback>
+        <mc:Fallback xmlns="">
           <p:sp>
             <p:nvSpPr>
               <p:cNvPr id="3" name="Marcador de contenido 2">
@@ -19648,8 +19656,8 @@
           </a:p>
         </p:txBody>
       </p:sp>
-      <mc:AlternateContent xmlns:mc="http://schemas.openxmlformats.org/markup-compatibility/2006">
-        <mc:Choice xmlns:a14="http://schemas.microsoft.com/office/drawing/2010/main" Requires="a14">
+      <mc:AlternateContent xmlns:mc="http://schemas.openxmlformats.org/markup-compatibility/2006" xmlns:a14="http://schemas.microsoft.com/office/drawing/2010/main">
+        <mc:Choice Requires="a14">
           <p:sp>
             <p:nvSpPr>
               <p:cNvPr id="3" name="Marcador de contenido 2">
@@ -19721,7 +19729,7 @@
             </p:txBody>
           </p:sp>
         </mc:Choice>
-        <mc:Fallback>
+        <mc:Fallback xmlns="">
           <p:sp>
             <p:nvSpPr>
               <p:cNvPr id="3" name="Marcador de contenido 2">
@@ -19765,8 +19773,8 @@
           </p:sp>
         </mc:Fallback>
       </mc:AlternateContent>
-      <mc:AlternateContent xmlns:mc="http://schemas.openxmlformats.org/markup-compatibility/2006">
-        <mc:Choice xmlns:a14="http://schemas.microsoft.com/office/drawing/2010/main" Requires="a14">
+      <mc:AlternateContent xmlns:mc="http://schemas.openxmlformats.org/markup-compatibility/2006" xmlns:a14="http://schemas.microsoft.com/office/drawing/2010/main">
+        <mc:Choice Requires="a14">
           <p:graphicFrame>
             <p:nvGraphicFramePr>
               <p:cNvPr id="8" name="Tabla 7">
@@ -20256,7 +20264,7 @@
             </a:graphic>
           </p:graphicFrame>
         </mc:Choice>
-        <mc:Fallback>
+        <mc:Fallback xmlns="">
           <p:graphicFrame>
             <p:nvGraphicFramePr>
               <p:cNvPr id="8" name="Tabla 7">
@@ -20864,8 +20872,8 @@
           </a:p>
         </p:txBody>
       </p:sp>
-      <mc:AlternateContent xmlns:mc="http://schemas.openxmlformats.org/markup-compatibility/2006">
-        <mc:Choice xmlns:a14="http://schemas.microsoft.com/office/drawing/2010/main" Requires="a14">
+      <mc:AlternateContent xmlns:mc="http://schemas.openxmlformats.org/markup-compatibility/2006" xmlns:a14="http://schemas.microsoft.com/office/drawing/2010/main">
+        <mc:Choice Requires="a14">
           <p:sp>
             <p:nvSpPr>
               <p:cNvPr id="3" name="Marcador de contenido 2">
@@ -20929,7 +20937,7 @@
             </p:txBody>
           </p:sp>
         </mc:Choice>
-        <mc:Fallback>
+        <mc:Fallback xmlns="">
           <p:sp>
             <p:nvSpPr>
               <p:cNvPr id="3" name="Marcador de contenido 2">
@@ -20973,8 +20981,8 @@
           </p:sp>
         </mc:Fallback>
       </mc:AlternateContent>
-      <mc:AlternateContent xmlns:mc="http://schemas.openxmlformats.org/markup-compatibility/2006">
-        <mc:Choice xmlns:a14="http://schemas.microsoft.com/office/drawing/2010/main" Requires="a14">
+      <mc:AlternateContent xmlns:mc="http://schemas.openxmlformats.org/markup-compatibility/2006" xmlns:a14="http://schemas.microsoft.com/office/drawing/2010/main">
+        <mc:Choice Requires="a14">
           <p:graphicFrame>
             <p:nvGraphicFramePr>
               <p:cNvPr id="8" name="Tabla 7">
@@ -21489,7 +21497,7 @@
             </a:graphic>
           </p:graphicFrame>
         </mc:Choice>
-        <mc:Fallback>
+        <mc:Fallback xmlns="">
           <p:graphicFrame>
             <p:nvGraphicFramePr>
               <p:cNvPr id="8" name="Tabla 7">
@@ -22670,8 +22678,8 @@
           </a:p>
         </p:txBody>
       </p:sp>
-      <mc:AlternateContent xmlns:mc="http://schemas.openxmlformats.org/markup-compatibility/2006">
-        <mc:Choice xmlns:a14="http://schemas.microsoft.com/office/drawing/2010/main" Requires="a14">
+      <mc:AlternateContent xmlns:mc="http://schemas.openxmlformats.org/markup-compatibility/2006" xmlns:a14="http://schemas.microsoft.com/office/drawing/2010/main">
+        <mc:Choice Requires="a14">
           <p:sp>
             <p:nvSpPr>
               <p:cNvPr id="3" name="Marcador de contenido 2">
@@ -22743,7 +22751,7 @@
             </p:txBody>
           </p:sp>
         </mc:Choice>
-        <mc:Fallback>
+        <mc:Fallback xmlns="">
           <p:sp>
             <p:nvSpPr>
               <p:cNvPr id="3" name="Marcador de contenido 2">
@@ -22823,8 +22831,8 @@
           </a:prstGeom>
         </p:spPr>
       </p:pic>
-      <mc:AlternateContent xmlns:mc="http://schemas.openxmlformats.org/markup-compatibility/2006">
-        <mc:Choice xmlns:a14="http://schemas.microsoft.com/office/drawing/2010/main" Requires="a14">
+      <mc:AlternateContent xmlns:mc="http://schemas.openxmlformats.org/markup-compatibility/2006" xmlns:a14="http://schemas.microsoft.com/office/drawing/2010/main">
+        <mc:Choice Requires="a14">
           <p:graphicFrame>
             <p:nvGraphicFramePr>
               <p:cNvPr id="9" name="Tabla 8">
@@ -23345,13 +23353,7 @@
                                               <a:rPr lang="es-ES" b="0" i="1" smtClean="0">
                                                 <a:latin typeface="Cambria Math" panose="02040503050406030204" pitchFamily="18" charset="0"/>
                                               </a:rPr>
-                                              <m:t>1</m:t>
-                                            </m:r>
-                                            <m:r>
-                                              <a:rPr lang="es-ES" b="0" i="1" smtClean="0">
-                                                <a:latin typeface="Cambria Math" panose="02040503050406030204" pitchFamily="18" charset="0"/>
-                                              </a:rPr>
-                                              <m:t>3</m:t>
+                                              <m:t>13</m:t>
                                             </m:r>
                                           </m:sub>
                                         </m:sSub>
@@ -23395,7 +23397,7 @@
             </a:graphic>
           </p:graphicFrame>
         </mc:Choice>
-        <mc:Fallback>
+        <mc:Fallback xmlns="">
           <p:graphicFrame>
             <p:nvGraphicFramePr>
               <p:cNvPr id="9" name="Tabla 8">
@@ -23721,8 +23723,8 @@
           </p:graphicFrame>
         </mc:Fallback>
       </mc:AlternateContent>
-      <mc:AlternateContent xmlns:mc="http://schemas.openxmlformats.org/markup-compatibility/2006">
-        <mc:Choice xmlns:a14="http://schemas.microsoft.com/office/drawing/2010/main" Requires="a14">
+      <mc:AlternateContent xmlns:mc="http://schemas.openxmlformats.org/markup-compatibility/2006" xmlns:a14="http://schemas.microsoft.com/office/drawing/2010/main">
+        <mc:Choice Requires="a14">
           <p:sp>
             <p:nvSpPr>
               <p:cNvPr id="11" name="CuadroTexto 10">
@@ -23857,14 +23859,7 @@
                             <a:latin typeface="Cambria Math" panose="02040503050406030204" pitchFamily="18" charset="0"/>
                             <a:ea typeface="Cambria Math" panose="02040503050406030204" pitchFamily="18" charset="0"/>
                           </a:rPr>
-                          <m:t>3.024</m:t>
-                        </m:r>
-                        <m:r>
-                          <a:rPr lang="es-ES" sz="2000" i="1">
-                            <a:latin typeface="Cambria Math" panose="02040503050406030204" pitchFamily="18" charset="0"/>
-                            <a:ea typeface="Cambria Math" panose="02040503050406030204" pitchFamily="18" charset="0"/>
-                          </a:rPr>
-                          <m:t>, </m:t>
+                          <m:t>3.024, </m:t>
                         </m:r>
                         <m:r>
                           <a:rPr lang="es-ES" sz="2000" b="0" i="1" smtClean="0">
@@ -23878,14 +23873,7 @@
                             <a:latin typeface="Cambria Math" panose="02040503050406030204" pitchFamily="18" charset="0"/>
                             <a:ea typeface="Cambria Math" panose="02040503050406030204" pitchFamily="18" charset="0"/>
                           </a:rPr>
-                          <m:t>5.038,</m:t>
-                        </m:r>
-                        <m:r>
-                          <a:rPr lang="es-ES" sz="2000" i="1">
-                            <a:latin typeface="Cambria Math" panose="02040503050406030204" pitchFamily="18" charset="0"/>
-                            <a:ea typeface="Cambria Math" panose="02040503050406030204" pitchFamily="18" charset="0"/>
-                          </a:rPr>
-                          <m:t> </m:t>
+                          <m:t>5.038, </m:t>
                         </m:r>
                         <m:r>
                           <a:rPr lang="es-ES" sz="2000" b="0" i="1" smtClean="0">
@@ -23924,7 +23912,7 @@
             </p:txBody>
           </p:sp>
         </mc:Choice>
-        <mc:Fallback>
+        <mc:Fallback xmlns="">
           <p:sp>
             <p:nvSpPr>
               <p:cNvPr id="11" name="CuadroTexto 10">
@@ -24478,8 +24466,8 @@
           </a:p>
         </p:txBody>
       </p:sp>
-      <mc:AlternateContent xmlns:mc="http://schemas.openxmlformats.org/markup-compatibility/2006">
-        <mc:Choice xmlns:a14="http://schemas.microsoft.com/office/drawing/2010/main" Requires="a14">
+      <mc:AlternateContent xmlns:mc="http://schemas.openxmlformats.org/markup-compatibility/2006" xmlns:a14="http://schemas.microsoft.com/office/drawing/2010/main">
+        <mc:Choice Requires="a14">
           <p:sp>
             <p:nvSpPr>
               <p:cNvPr id="3" name="Marcador de contenido 2">
@@ -24546,7 +24534,7 @@
             </p:txBody>
           </p:sp>
         </mc:Choice>
-        <mc:Fallback>
+        <mc:Fallback xmlns="">
           <p:sp>
             <p:nvSpPr>
               <p:cNvPr id="3" name="Marcador de contenido 2">
@@ -24590,8 +24578,8 @@
           </p:sp>
         </mc:Fallback>
       </mc:AlternateContent>
-      <mc:AlternateContent xmlns:mc="http://schemas.openxmlformats.org/markup-compatibility/2006">
-        <mc:Choice xmlns:a14="http://schemas.microsoft.com/office/drawing/2010/main" Requires="a14">
+      <mc:AlternateContent xmlns:mc="http://schemas.openxmlformats.org/markup-compatibility/2006" xmlns:a14="http://schemas.microsoft.com/office/drawing/2010/main">
+        <mc:Choice Requires="a14">
           <p:graphicFrame>
             <p:nvGraphicFramePr>
               <p:cNvPr id="9" name="Tabla 8">
@@ -25154,13 +25142,7 @@
                                               <a:rPr lang="es-ES" b="0" i="1" smtClean="0">
                                                 <a:latin typeface="Cambria Math" panose="02040503050406030204" pitchFamily="18" charset="0"/>
                                               </a:rPr>
-                                              <m:t>1</m:t>
-                                            </m:r>
-                                            <m:r>
-                                              <a:rPr lang="es-ES" b="0" i="1" smtClean="0">
-                                                <a:latin typeface="Cambria Math" panose="02040503050406030204" pitchFamily="18" charset="0"/>
-                                              </a:rPr>
-                                              <m:t>3</m:t>
+                                              <m:t>13</m:t>
                                             </m:r>
                                           </m:sub>
                                         </m:sSub>
@@ -25194,7 +25176,7 @@
             </a:graphic>
           </p:graphicFrame>
         </mc:Choice>
-        <mc:Fallback>
+        <mc:Fallback xmlns="">
           <p:graphicFrame>
             <p:nvGraphicFramePr>
               <p:cNvPr id="9" name="Tabla 8">
@@ -25517,8 +25499,8 @@
           </p:graphicFrame>
         </mc:Fallback>
       </mc:AlternateContent>
-      <mc:AlternateContent xmlns:mc="http://schemas.openxmlformats.org/markup-compatibility/2006">
-        <mc:Choice xmlns:a14="http://schemas.microsoft.com/office/drawing/2010/main" Requires="a14">
+      <mc:AlternateContent xmlns:mc="http://schemas.openxmlformats.org/markup-compatibility/2006" xmlns:a14="http://schemas.microsoft.com/office/drawing/2010/main">
+        <mc:Choice Requires="a14">
           <p:sp>
             <p:nvSpPr>
               <p:cNvPr id="10" name="CuadroTexto 9">
@@ -25661,14 +25643,7 @@
                             <a:latin typeface="Cambria Math" panose="02040503050406030204" pitchFamily="18" charset="0"/>
                             <a:ea typeface="Cambria Math" panose="02040503050406030204" pitchFamily="18" charset="0"/>
                           </a:rPr>
-                          <m:t>5.863</m:t>
-                        </m:r>
-                        <m:r>
-                          <a:rPr lang="es-ES" sz="2000" i="1">
-                            <a:latin typeface="Cambria Math" panose="02040503050406030204" pitchFamily="18" charset="0"/>
-                            <a:ea typeface="Cambria Math" panose="02040503050406030204" pitchFamily="18" charset="0"/>
-                          </a:rPr>
-                          <m:t>,</m:t>
+                          <m:t>5.863,</m:t>
                         </m:r>
                         <m:r>
                           <a:rPr lang="es-ES" sz="2000" b="0" i="1" smtClean="0">
@@ -25682,14 +25657,7 @@
                             <a:latin typeface="Cambria Math" panose="02040503050406030204" pitchFamily="18" charset="0"/>
                             <a:ea typeface="Cambria Math" panose="02040503050406030204" pitchFamily="18" charset="0"/>
                           </a:rPr>
-                          <m:t>7.384</m:t>
-                        </m:r>
-                        <m:r>
-                          <a:rPr lang="es-ES" sz="2000" i="1">
-                            <a:latin typeface="Cambria Math" panose="02040503050406030204" pitchFamily="18" charset="0"/>
-                            <a:ea typeface="Cambria Math" panose="02040503050406030204" pitchFamily="18" charset="0"/>
-                          </a:rPr>
-                          <m:t>,</m:t>
+                          <m:t>7.384,</m:t>
                         </m:r>
                         <m:r>
                           <a:rPr lang="es-ES" sz="2000" b="0" i="1" smtClean="0">
@@ -25714,7 +25682,7 @@
             </p:txBody>
           </p:sp>
         </mc:Choice>
-        <mc:Fallback>
+        <mc:Fallback xmlns="">
           <p:sp>
             <p:nvSpPr>
               <p:cNvPr id="10" name="CuadroTexto 9">
@@ -26282,8 +26250,8 @@
           </a:p>
         </p:txBody>
       </p:sp>
-      <mc:AlternateContent xmlns:mc="http://schemas.openxmlformats.org/markup-compatibility/2006">
-        <mc:Choice xmlns:a14="http://schemas.microsoft.com/office/drawing/2010/main" Requires="a14">
+      <mc:AlternateContent xmlns:mc="http://schemas.openxmlformats.org/markup-compatibility/2006" xmlns:a14="http://schemas.microsoft.com/office/drawing/2010/main">
+        <mc:Choice Requires="a14">
           <p:graphicFrame>
             <p:nvGraphicFramePr>
               <p:cNvPr id="6" name="Tabla 5">
@@ -26655,7 +26623,7 @@
             </a:graphic>
           </p:graphicFrame>
         </mc:Choice>
-        <mc:Fallback>
+        <mc:Fallback xmlns="">
           <p:graphicFrame>
             <p:nvGraphicFramePr>
               <p:cNvPr id="6" name="Tabla 5">
@@ -28636,8 +28604,8 @@
           </p:sp>
         </mc:Fallback>
       </mc:AlternateContent>
-      <mc:AlternateContent xmlns:mc="http://schemas.openxmlformats.org/markup-compatibility/2006" xmlns:a14="http://schemas.microsoft.com/office/drawing/2010/main">
-        <mc:Choice Requires="a14">
+      <mc:AlternateContent xmlns:mc="http://schemas.openxmlformats.org/markup-compatibility/2006">
+        <mc:Choice xmlns:a14="http://schemas.microsoft.com/office/drawing/2010/main" Requires="a14">
           <p:sp>
             <p:nvSpPr>
               <p:cNvPr id="24" name="CuadroTexto 23">
@@ -28653,7 +28621,7 @@
             <p:spPr>
               <a:xfrm>
                 <a:off x="2937491" y="7139339"/>
-                <a:ext cx="2095500" cy="590098"/>
+                <a:ext cx="2095500" cy="559833"/>
               </a:xfrm>
               <a:prstGeom prst="rect">
                 <a:avLst/>
@@ -28711,7 +28679,7 @@
                                 <a:rPr lang="es-ES" b="0" i="1" smtClean="0">
                                   <a:latin typeface="Cambria Math" panose="02040503050406030204" pitchFamily="18" charset="0"/>
                                 </a:rPr>
-                                <m:t>𝑗</m:t>
+                                <m:t>𝑖</m:t>
                               </m:r>
                             </m:sub>
                           </m:sSub>
@@ -28725,7 +28693,7 @@
             </p:txBody>
           </p:sp>
         </mc:Choice>
-        <mc:Fallback xmlns="">
+        <mc:Fallback>
           <p:sp>
             <p:nvSpPr>
               <p:cNvPr id="24" name="CuadroTexto 23">
@@ -28743,7 +28711,7 @@
             <p:spPr>
               <a:xfrm>
                 <a:off x="2937491" y="7139339"/>
-                <a:ext cx="2095500" cy="590098"/>
+                <a:ext cx="2095500" cy="559833"/>
               </a:xfrm>
               <a:prstGeom prst="rect">
                 <a:avLst/>
@@ -30500,8 +30468,8 @@
           </p:sp>
         </mc:Fallback>
       </mc:AlternateContent>
-      <mc:AlternateContent xmlns:mc="http://schemas.openxmlformats.org/markup-compatibility/2006" xmlns:a14="http://schemas.microsoft.com/office/drawing/2010/main">
-        <mc:Choice Requires="a14">
+      <mc:AlternateContent xmlns:mc="http://schemas.openxmlformats.org/markup-compatibility/2006">
+        <mc:Choice xmlns:a14="http://schemas.microsoft.com/office/drawing/2010/main" Requires="a14">
           <p:sp>
             <p:nvSpPr>
               <p:cNvPr id="61" name="CuadroTexto 60">
@@ -30517,7 +30485,7 @@
             <p:spPr>
               <a:xfrm>
                 <a:off x="12878160" y="5490636"/>
-                <a:ext cx="2095500" cy="590098"/>
+                <a:ext cx="2095500" cy="559833"/>
               </a:xfrm>
               <a:prstGeom prst="rect">
                 <a:avLst/>
@@ -30572,10 +30540,10 @@
                             </m:e>
                             <m:sub>
                               <m:r>
-                                <a:rPr lang="es-ES" i="1">
+                                <a:rPr lang="es-ES" b="0" i="1" smtClean="0">
                                   <a:latin typeface="Cambria Math" panose="02040503050406030204" pitchFamily="18" charset="0"/>
                                 </a:rPr>
-                                <m:t>𝑗</m:t>
+                                <m:t>𝑖</m:t>
                               </m:r>
                             </m:sub>
                           </m:sSub>
@@ -30589,7 +30557,7 @@
             </p:txBody>
           </p:sp>
         </mc:Choice>
-        <mc:Fallback xmlns="">
+        <mc:Fallback>
           <p:sp>
             <p:nvSpPr>
               <p:cNvPr id="61" name="CuadroTexto 60">
@@ -30607,7 +30575,7 @@
             <p:spPr>
               <a:xfrm>
                 <a:off x="12878160" y="5490636"/>
-                <a:ext cx="2095500" cy="590098"/>
+                <a:ext cx="2095500" cy="559833"/>
               </a:xfrm>
               <a:prstGeom prst="rect">
                 <a:avLst/>
@@ -30634,8 +30602,8 @@
           </p:sp>
         </mc:Fallback>
       </mc:AlternateContent>
-      <mc:AlternateContent xmlns:mc="http://schemas.openxmlformats.org/markup-compatibility/2006" xmlns:a14="http://schemas.microsoft.com/office/drawing/2010/main">
-        <mc:Choice Requires="a14">
+      <mc:AlternateContent xmlns:mc="http://schemas.openxmlformats.org/markup-compatibility/2006">
+        <mc:Choice xmlns:a14="http://schemas.microsoft.com/office/drawing/2010/main" Requires="a14">
           <p:sp>
             <p:nvSpPr>
               <p:cNvPr id="62" name="CuadroTexto 61">
@@ -30651,7 +30619,7 @@
             <p:spPr>
               <a:xfrm>
                 <a:off x="12878160" y="6313029"/>
-                <a:ext cx="2095500" cy="590098"/>
+                <a:ext cx="2095500" cy="559833"/>
               </a:xfrm>
               <a:prstGeom prst="rect">
                 <a:avLst/>
@@ -30709,7 +30677,7 @@
                                 <a:rPr lang="es-ES" b="0" i="1" smtClean="0">
                                   <a:latin typeface="Cambria Math" panose="02040503050406030204" pitchFamily="18" charset="0"/>
                                 </a:rPr>
-                                <m:t>𝑗</m:t>
+                                <m:t>𝑘</m:t>
                               </m:r>
                             </m:sub>
                           </m:sSub>
@@ -30723,7 +30691,7 @@
             </p:txBody>
           </p:sp>
         </mc:Choice>
-        <mc:Fallback xmlns="">
+        <mc:Fallback>
           <p:sp>
             <p:nvSpPr>
               <p:cNvPr id="62" name="CuadroTexto 61">
@@ -30741,7 +30709,7 @@
             <p:spPr>
               <a:xfrm>
                 <a:off x="12878160" y="6313029"/>
-                <a:ext cx="2095500" cy="590098"/>
+                <a:ext cx="2095500" cy="559833"/>
               </a:xfrm>
               <a:prstGeom prst="rect">
                 <a:avLst/>
@@ -30768,8 +30736,8 @@
           </p:sp>
         </mc:Fallback>
       </mc:AlternateContent>
-      <mc:AlternateContent xmlns:mc="http://schemas.openxmlformats.org/markup-compatibility/2006" xmlns:a14="http://schemas.microsoft.com/office/drawing/2010/main">
-        <mc:Choice Requires="a14">
+      <mc:AlternateContent xmlns:mc="http://schemas.openxmlformats.org/markup-compatibility/2006">
+        <mc:Choice xmlns:a14="http://schemas.microsoft.com/office/drawing/2010/main" Requires="a14">
           <p:sp>
             <p:nvSpPr>
               <p:cNvPr id="63" name="CuadroTexto 62">
@@ -30785,7 +30753,7 @@
             <p:spPr>
               <a:xfrm>
                 <a:off x="12878160" y="7140534"/>
-                <a:ext cx="2095500" cy="590098"/>
+                <a:ext cx="2095500" cy="559833"/>
               </a:xfrm>
               <a:prstGeom prst="rect">
                 <a:avLst/>
@@ -30843,7 +30811,7 @@
                                 <a:rPr lang="es-ES" b="0" i="1" smtClean="0">
                                   <a:latin typeface="Cambria Math" panose="02040503050406030204" pitchFamily="18" charset="0"/>
                                 </a:rPr>
-                                <m:t>𝑗</m:t>
+                                <m:t>𝑙</m:t>
                               </m:r>
                             </m:sub>
                           </m:sSub>
@@ -30857,7 +30825,7 @@
             </p:txBody>
           </p:sp>
         </mc:Choice>
-        <mc:Fallback xmlns="">
+        <mc:Fallback>
           <p:sp>
             <p:nvSpPr>
               <p:cNvPr id="63" name="CuadroTexto 62">
@@ -30875,7 +30843,7 @@
             <p:spPr>
               <a:xfrm>
                 <a:off x="12878160" y="7140534"/>
-                <a:ext cx="2095500" cy="590098"/>
+                <a:ext cx="2095500" cy="559833"/>
               </a:xfrm>
               <a:prstGeom prst="rect">
                 <a:avLst/>
@@ -32139,6 +32107,243 @@
           </a:p>
         </p:txBody>
       </p:sp>
+      <mc:AlternateContent xmlns:mc="http://schemas.openxmlformats.org/markup-compatibility/2006">
+        <mc:Choice xmlns:a14="http://schemas.microsoft.com/office/drawing/2010/main" Requires="a14">
+          <p:sp>
+            <p:nvSpPr>
+              <p:cNvPr id="6" name="CuadroTexto 5">
+                <a:extLst>
+                  <a:ext uri="{FF2B5EF4-FFF2-40B4-BE49-F238E27FC236}">
+                    <a16:creationId xmlns:a16="http://schemas.microsoft.com/office/drawing/2014/main" id="{CA271BB0-837C-5846-AC78-329C7DE02BDC}"/>
+                  </a:ext>
+                </a:extLst>
+              </p:cNvPr>
+              <p:cNvSpPr txBox="1"/>
+              <p:nvPr/>
+            </p:nvSpPr>
+            <p:spPr>
+              <a:xfrm>
+                <a:off x="4124070" y="8593583"/>
+                <a:ext cx="9169400" cy="507831"/>
+              </a:xfrm>
+              <a:prstGeom prst="rect">
+                <a:avLst/>
+              </a:prstGeom>
+              <a:noFill/>
+            </p:spPr>
+            <p:txBody>
+              <a:bodyPr wrap="square">
+                <a:spAutoFit/>
+              </a:bodyPr>
+              <a:lstStyle/>
+              <a:p>
+                <a:pPr/>
+                <a14:m>
+                  <m:oMathPara xmlns:m="http://schemas.openxmlformats.org/officeDocument/2006/math">
+                    <m:oMathParaPr>
+                      <m:jc m:val="centerGroup"/>
+                    </m:oMathParaPr>
+                    <m:oMath xmlns:m="http://schemas.openxmlformats.org/officeDocument/2006/math">
+                      <m:r>
+                        <a:rPr lang="es-ES" b="0" i="1" smtClean="0">
+                          <a:latin typeface="Cambria Math" panose="02040503050406030204" pitchFamily="18" charset="0"/>
+                          <a:ea typeface="Cambria Math" panose="02040503050406030204" pitchFamily="18" charset="0"/>
+                        </a:rPr>
+                        <m:t>𝑗</m:t>
+                      </m:r>
+                      <m:r>
+                        <a:rPr lang="es-ES" b="0" i="1" smtClean="0">
+                          <a:latin typeface="Cambria Math" panose="02040503050406030204" pitchFamily="18" charset="0"/>
+                          <a:ea typeface="Cambria Math" panose="02040503050406030204" pitchFamily="18" charset="0"/>
+                        </a:rPr>
+                        <m:t>,</m:t>
+                      </m:r>
+                      <m:r>
+                        <a:rPr lang="es-ES" b="0" i="1" smtClean="0">
+                          <a:latin typeface="Cambria Math" panose="02040503050406030204" pitchFamily="18" charset="0"/>
+                          <a:ea typeface="Cambria Math" panose="02040503050406030204" pitchFamily="18" charset="0"/>
+                        </a:rPr>
+                        <m:t>𝑖</m:t>
+                      </m:r>
+                      <m:r>
+                        <a:rPr lang="es-ES" b="0" i="1" smtClean="0">
+                          <a:latin typeface="Cambria Math" panose="02040503050406030204" pitchFamily="18" charset="0"/>
+                          <a:ea typeface="Cambria Math" panose="02040503050406030204" pitchFamily="18" charset="0"/>
+                        </a:rPr>
+                        <m:t>,</m:t>
+                      </m:r>
+                      <m:r>
+                        <a:rPr lang="es-ES" b="0" i="1" smtClean="0">
+                          <a:latin typeface="Cambria Math" panose="02040503050406030204" pitchFamily="18" charset="0"/>
+                          <a:ea typeface="Cambria Math" panose="02040503050406030204" pitchFamily="18" charset="0"/>
+                        </a:rPr>
+                        <m:t>𝑘</m:t>
+                      </m:r>
+                      <m:r>
+                        <a:rPr lang="es-ES" b="0" i="1" smtClean="0">
+                          <a:latin typeface="Cambria Math" panose="02040503050406030204" pitchFamily="18" charset="0"/>
+                          <a:ea typeface="Cambria Math" panose="02040503050406030204" pitchFamily="18" charset="0"/>
+                        </a:rPr>
+                        <m:t>,</m:t>
+                      </m:r>
+                      <m:r>
+                        <a:rPr lang="es-ES" b="0" i="1" smtClean="0">
+                          <a:latin typeface="Cambria Math" panose="02040503050406030204" pitchFamily="18" charset="0"/>
+                          <a:ea typeface="Cambria Math" panose="02040503050406030204" pitchFamily="18" charset="0"/>
+                        </a:rPr>
+                        <m:t>𝑙</m:t>
+                      </m:r>
+                      <m:r>
+                        <a:rPr lang="es-ES" b="0" i="1" smtClean="0">
+                          <a:latin typeface="Cambria Math" panose="02040503050406030204" pitchFamily="18" charset="0"/>
+                          <a:ea typeface="Cambria Math" panose="02040503050406030204" pitchFamily="18" charset="0"/>
+                        </a:rPr>
+                        <m:t>∈</m:t>
+                      </m:r>
+                      <m:d>
+                        <m:dPr>
+                          <m:begChr m:val="{"/>
+                          <m:endChr m:val=""/>
+                          <m:ctrlPr>
+                            <a:rPr lang="es-ES" b="0" i="1" smtClean="0">
+                              <a:latin typeface="Cambria Math" panose="02040503050406030204" pitchFamily="18" charset="0"/>
+                              <a:ea typeface="Cambria Math" panose="02040503050406030204" pitchFamily="18" charset="0"/>
+                            </a:rPr>
+                          </m:ctrlPr>
+                        </m:dPr>
+                        <m:e>
+                          <m:d>
+                            <m:dPr>
+                              <m:begChr m:val=""/>
+                              <m:endChr m:val="}"/>
+                              <m:ctrlPr>
+                                <a:rPr lang="es-ES" b="0" i="1" smtClean="0">
+                                  <a:latin typeface="Cambria Math" panose="02040503050406030204" pitchFamily="18" charset="0"/>
+                                  <a:ea typeface="Cambria Math" panose="02040503050406030204" pitchFamily="18" charset="0"/>
+                                </a:rPr>
+                              </m:ctrlPr>
+                            </m:dPr>
+                            <m:e>
+                              <m:r>
+                                <a:rPr lang="es-ES" b="0" i="1" smtClean="0">
+                                  <a:latin typeface="Cambria Math" panose="02040503050406030204" pitchFamily="18" charset="0"/>
+                                  <a:ea typeface="Cambria Math" panose="02040503050406030204" pitchFamily="18" charset="0"/>
+                                </a:rPr>
+                                <m:t>1</m:t>
+                              </m:r>
+                              <m:r>
+                                <a:rPr lang="es-ES" b="0" i="1" smtClean="0">
+                                  <a:latin typeface="Cambria Math" panose="02040503050406030204" pitchFamily="18" charset="0"/>
+                                  <a:ea typeface="Cambria Math" panose="02040503050406030204" pitchFamily="18" charset="0"/>
+                                </a:rPr>
+                                <m:t>, </m:t>
+                              </m:r>
+                              <m:r>
+                                <a:rPr lang="es-ES" b="0" i="1" smtClean="0">
+                                  <a:latin typeface="Cambria Math" panose="02040503050406030204" pitchFamily="18" charset="0"/>
+                                  <a:ea typeface="Cambria Math" panose="02040503050406030204" pitchFamily="18" charset="0"/>
+                                </a:rPr>
+                                <m:t>2</m:t>
+                              </m:r>
+                              <m:r>
+                                <a:rPr lang="es-ES" b="0" i="1" smtClean="0">
+                                  <a:latin typeface="Cambria Math" panose="02040503050406030204" pitchFamily="18" charset="0"/>
+                                  <a:ea typeface="Cambria Math" panose="02040503050406030204" pitchFamily="18" charset="0"/>
+                                </a:rPr>
+                                <m:t>, </m:t>
+                              </m:r>
+                              <m:r>
+                                <a:rPr lang="es-ES" b="0" i="1" smtClean="0">
+                                  <a:latin typeface="Cambria Math" panose="02040503050406030204" pitchFamily="18" charset="0"/>
+                                  <a:ea typeface="Cambria Math" panose="02040503050406030204" pitchFamily="18" charset="0"/>
+                                </a:rPr>
+                                <m:t>3,</m:t>
+                              </m:r>
+                              <m:r>
+                                <a:rPr lang="es-ES" b="0" i="1" smtClean="0">
+                                  <a:latin typeface="Cambria Math" panose="02040503050406030204" pitchFamily="18" charset="0"/>
+                                  <a:ea typeface="Cambria Math" panose="02040503050406030204" pitchFamily="18" charset="0"/>
+                                </a:rPr>
+                                <m:t> </m:t>
+                              </m:r>
+                              <m:r>
+                                <a:rPr lang="es-ES" b="0" i="1" smtClean="0">
+                                  <a:latin typeface="Cambria Math" panose="02040503050406030204" pitchFamily="18" charset="0"/>
+                                  <a:ea typeface="Cambria Math" panose="02040503050406030204" pitchFamily="18" charset="0"/>
+                                </a:rPr>
+                                <m:t>4</m:t>
+                              </m:r>
+                              <m:r>
+                                <a:rPr lang="es-ES" b="0" i="1" smtClean="0">
+                                  <a:latin typeface="Cambria Math" panose="02040503050406030204" pitchFamily="18" charset="0"/>
+                                  <a:ea typeface="Cambria Math" panose="02040503050406030204" pitchFamily="18" charset="0"/>
+                                </a:rPr>
+                                <m:t>, </m:t>
+                              </m:r>
+                              <m:r>
+                                <a:rPr lang="es-ES" b="0" i="1" smtClean="0">
+                                  <a:latin typeface="Cambria Math" panose="02040503050406030204" pitchFamily="18" charset="0"/>
+                                  <a:ea typeface="Cambria Math" panose="02040503050406030204" pitchFamily="18" charset="0"/>
+                                </a:rPr>
+                                <m:t>5</m:t>
+                              </m:r>
+                            </m:e>
+                          </m:d>
+                        </m:e>
+                      </m:d>
+                    </m:oMath>
+                  </m:oMathPara>
+                </a14:m>
+                <a:endParaRPr lang="es-ES" dirty="0"/>
+              </a:p>
+            </p:txBody>
+          </p:sp>
+        </mc:Choice>
+        <mc:Fallback>
+          <p:sp>
+            <p:nvSpPr>
+              <p:cNvPr id="6" name="CuadroTexto 5">
+                <a:extLst>
+                  <a:ext uri="{FF2B5EF4-FFF2-40B4-BE49-F238E27FC236}">
+                    <a16:creationId xmlns:a16="http://schemas.microsoft.com/office/drawing/2014/main" id="{CA271BB0-837C-5846-AC78-329C7DE02BDC}"/>
+                  </a:ext>
+                </a:extLst>
+              </p:cNvPr>
+              <p:cNvSpPr txBox="1">
+                <a:spLocks noRot="1" noChangeAspect="1" noMove="1" noResize="1" noEditPoints="1" noAdjustHandles="1" noChangeArrowheads="1" noChangeShapeType="1" noTextEdit="1"/>
+              </p:cNvSpPr>
+              <p:nvPr/>
+            </p:nvSpPr>
+            <p:spPr>
+              <a:xfrm>
+                <a:off x="4124070" y="8593583"/>
+                <a:ext cx="9169400" cy="507831"/>
+              </a:xfrm>
+              <a:prstGeom prst="rect">
+                <a:avLst/>
+              </a:prstGeom>
+              <a:blipFill>
+                <a:blip r:embed="rId28"/>
+                <a:stretch>
+                  <a:fillRect/>
+                </a:stretch>
+              </a:blipFill>
+            </p:spPr>
+            <p:txBody>
+              <a:bodyPr/>
+              <a:lstStyle/>
+              <a:p>
+                <a:r>
+                  <a:rPr lang="es-ES">
+                    <a:noFill/>
+                  </a:rPr>
+                  <a:t> </a:t>
+                </a:r>
+              </a:p>
+            </p:txBody>
+          </p:sp>
+        </mc:Fallback>
+      </mc:AlternateContent>
     </p:spTree>
     <p:extLst>
       <p:ext uri="{BB962C8B-B14F-4D97-AF65-F5344CB8AC3E}">

--- a/articulo 1 XAI/Apuntes/Sensitivity analysis/Presentación SA.pptx
+++ b/articulo 1 XAI/Apuntes/Sensitivity analysis/Presentación SA.pptx
@@ -5,7 +5,7 @@
     <p:sldMasterId id="2147483660" r:id="rId1"/>
   </p:sldMasterIdLst>
   <p:notesMasterIdLst>
-    <p:notesMasterId r:id="rId36"/>
+    <p:notesMasterId r:id="rId37"/>
   </p:notesMasterIdLst>
   <p:sldIdLst>
     <p:sldId id="303" r:id="rId2"/>
@@ -34,35 +34,36 @@
     <p:sldId id="353" r:id="rId25"/>
     <p:sldId id="356" r:id="rId26"/>
     <p:sldId id="355" r:id="rId27"/>
-    <p:sldId id="306" r:id="rId28"/>
-    <p:sldId id="317" r:id="rId29"/>
-    <p:sldId id="330" r:id="rId30"/>
-    <p:sldId id="343" r:id="rId31"/>
-    <p:sldId id="331" r:id="rId32"/>
-    <p:sldId id="299" r:id="rId33"/>
-    <p:sldId id="300" r:id="rId34"/>
-    <p:sldId id="308" r:id="rId35"/>
+    <p:sldId id="367" r:id="rId28"/>
+    <p:sldId id="306" r:id="rId29"/>
+    <p:sldId id="317" r:id="rId30"/>
+    <p:sldId id="330" r:id="rId31"/>
+    <p:sldId id="343" r:id="rId32"/>
+    <p:sldId id="331" r:id="rId33"/>
+    <p:sldId id="299" r:id="rId34"/>
+    <p:sldId id="300" r:id="rId35"/>
+    <p:sldId id="308" r:id="rId36"/>
   </p:sldIdLst>
   <p:sldSz cx="18288000" cy="10288588"/>
   <p:notesSz cx="6858000" cy="9144000"/>
   <p:embeddedFontLst>
     <p:embeddedFont>
       <p:font typeface="Cambria Math" panose="02040503050406030204" pitchFamily="18" charset="0"/>
-      <p:regular r:id="rId37"/>
+      <p:regular r:id="rId38"/>
     </p:embeddedFont>
     <p:embeddedFont>
       <p:font typeface="Candara" panose="020E0502030303020204" pitchFamily="34" charset="0"/>
-      <p:regular r:id="rId38"/>
-      <p:bold r:id="rId39"/>
-      <p:italic r:id="rId40"/>
-      <p:boldItalic r:id="rId41"/>
+      <p:regular r:id="rId39"/>
+      <p:bold r:id="rId40"/>
+      <p:italic r:id="rId41"/>
+      <p:boldItalic r:id="rId42"/>
     </p:embeddedFont>
     <p:embeddedFont>
       <p:font typeface="DIN" panose="020B0604020202020204" charset="0"/>
-      <p:regular r:id="rId42"/>
-      <p:bold r:id="rId43"/>
-      <p:italic r:id="rId44"/>
-      <p:boldItalic r:id="rId45"/>
+      <p:regular r:id="rId43"/>
+      <p:bold r:id="rId44"/>
+      <p:italic r:id="rId45"/>
+      <p:boldItalic r:id="rId46"/>
     </p:embeddedFont>
   </p:embeddedFontLst>
   <p:defaultTextStyle>
@@ -2709,7 +2710,7 @@
           <a:p>
             <a:fld id="{2DB79FB7-5658-4FB3-B98D-B463C580F970}" type="datetimeFigureOut">
               <a:rPr lang="es-ES" smtClean="0"/>
-              <a:t>02/10/2024</a:t>
+              <a:t>10/10/2024</a:t>
             </a:fld>
             <a:endParaRPr lang="es-ES"/>
           </a:p>
@@ -4008,7 +4009,7 @@
           <a:p>
             <a:fld id="{CA6CDE8D-5C8C-4CEB-8086-70F298F6BBD0}" type="slidenum">
               <a:rPr lang="es-ES" smtClean="0"/>
-              <a:t>33</a:t>
+              <a:t>34</a:t>
             </a:fld>
             <a:endParaRPr lang="es-ES"/>
           </a:p>
@@ -22381,7 +22382,7 @@
           <p:nvPr/>
         </p:nvPicPr>
         <p:blipFill>
-          <a:blip r:embed="rId3">
+          <a:blip r:embed="rId3" cstate="print">
             <a:extLst>
               <a:ext uri="{28A0092B-C50C-407E-A947-70E740481C1C}">
                 <a14:useLocalDpi xmlns:a14="http://schemas.microsoft.com/office/drawing/2010/main" val="0"/>
@@ -22810,7 +22811,7 @@
           <p:nvPr/>
         </p:nvPicPr>
         <p:blipFill>
-          <a:blip r:embed="rId4">
+          <a:blip r:embed="rId4" cstate="print">
             <a:extLst>
               <a:ext uri="{28A0092B-C50C-407E-A947-70E740481C1C}">
                 <a14:useLocalDpi xmlns:a14="http://schemas.microsoft.com/office/drawing/2010/main" val="0"/>
@@ -24316,7 +24317,7 @@
           <p:nvPr/>
         </p:nvPicPr>
         <p:blipFill>
-          <a:blip r:embed="rId3">
+          <a:blip r:embed="rId3" cstate="print">
             <a:alphaModFix/>
             <a:extLst>
               <a:ext uri="{28A0092B-C50C-407E-A947-70E740481C1C}">
@@ -27471,7 +27472,7 @@
           <a:p>
             <a:r>
               <a:rPr lang="es-ES" dirty="0"/>
-              <a:t>1D-SA</a:t>
+              <a:t>Global SA (GSA)</a:t>
             </a:r>
           </a:p>
         </p:txBody>
@@ -28604,8 +28605,8 @@
           </p:sp>
         </mc:Fallback>
       </mc:AlternateContent>
-      <mc:AlternateContent xmlns:mc="http://schemas.openxmlformats.org/markup-compatibility/2006">
-        <mc:Choice xmlns:a14="http://schemas.microsoft.com/office/drawing/2010/main" Requires="a14">
+      <mc:AlternateContent xmlns:mc="http://schemas.openxmlformats.org/markup-compatibility/2006" xmlns:a14="http://schemas.microsoft.com/office/drawing/2010/main">
+        <mc:Choice Requires="a14">
           <p:sp>
             <p:nvSpPr>
               <p:cNvPr id="24" name="CuadroTexto 23">
@@ -28693,7 +28694,7 @@
             </p:txBody>
           </p:sp>
         </mc:Choice>
-        <mc:Fallback>
+        <mc:Fallback xmlns="">
           <p:sp>
             <p:nvSpPr>
               <p:cNvPr id="24" name="CuadroTexto 23">
@@ -30468,8 +30469,8 @@
           </p:sp>
         </mc:Fallback>
       </mc:AlternateContent>
-      <mc:AlternateContent xmlns:mc="http://schemas.openxmlformats.org/markup-compatibility/2006">
-        <mc:Choice xmlns:a14="http://schemas.microsoft.com/office/drawing/2010/main" Requires="a14">
+      <mc:AlternateContent xmlns:mc="http://schemas.openxmlformats.org/markup-compatibility/2006" xmlns:a14="http://schemas.microsoft.com/office/drawing/2010/main">
+        <mc:Choice Requires="a14">
           <p:sp>
             <p:nvSpPr>
               <p:cNvPr id="61" name="CuadroTexto 60">
@@ -30557,7 +30558,7 @@
             </p:txBody>
           </p:sp>
         </mc:Choice>
-        <mc:Fallback>
+        <mc:Fallback xmlns="">
           <p:sp>
             <p:nvSpPr>
               <p:cNvPr id="61" name="CuadroTexto 60">
@@ -30602,8 +30603,8 @@
           </p:sp>
         </mc:Fallback>
       </mc:AlternateContent>
-      <mc:AlternateContent xmlns:mc="http://schemas.openxmlformats.org/markup-compatibility/2006">
-        <mc:Choice xmlns:a14="http://schemas.microsoft.com/office/drawing/2010/main" Requires="a14">
+      <mc:AlternateContent xmlns:mc="http://schemas.openxmlformats.org/markup-compatibility/2006" xmlns:a14="http://schemas.microsoft.com/office/drawing/2010/main">
+        <mc:Choice Requires="a14">
           <p:sp>
             <p:nvSpPr>
               <p:cNvPr id="62" name="CuadroTexto 61">
@@ -30691,7 +30692,7 @@
             </p:txBody>
           </p:sp>
         </mc:Choice>
-        <mc:Fallback>
+        <mc:Fallback xmlns="">
           <p:sp>
             <p:nvSpPr>
               <p:cNvPr id="62" name="CuadroTexto 61">
@@ -30736,8 +30737,8 @@
           </p:sp>
         </mc:Fallback>
       </mc:AlternateContent>
-      <mc:AlternateContent xmlns:mc="http://schemas.openxmlformats.org/markup-compatibility/2006">
-        <mc:Choice xmlns:a14="http://schemas.microsoft.com/office/drawing/2010/main" Requires="a14">
+      <mc:AlternateContent xmlns:mc="http://schemas.openxmlformats.org/markup-compatibility/2006" xmlns:a14="http://schemas.microsoft.com/office/drawing/2010/main">
+        <mc:Choice Requires="a14">
           <p:sp>
             <p:nvSpPr>
               <p:cNvPr id="63" name="CuadroTexto 62">
@@ -30825,7 +30826,7 @@
             </p:txBody>
           </p:sp>
         </mc:Choice>
-        <mc:Fallback>
+        <mc:Fallback xmlns="">
           <p:sp>
             <p:nvSpPr>
               <p:cNvPr id="63" name="CuadroTexto 62">
@@ -32107,8 +32108,8 @@
           </a:p>
         </p:txBody>
       </p:sp>
-      <mc:AlternateContent xmlns:mc="http://schemas.openxmlformats.org/markup-compatibility/2006">
-        <mc:Choice xmlns:a14="http://schemas.microsoft.com/office/drawing/2010/main" Requires="a14">
+      <mc:AlternateContent xmlns:mc="http://schemas.openxmlformats.org/markup-compatibility/2006" xmlns:a14="http://schemas.microsoft.com/office/drawing/2010/main">
+        <mc:Choice Requires="a14">
           <p:sp>
             <p:nvSpPr>
               <p:cNvPr id="6" name="CuadroTexto 5">
@@ -32229,63 +32230,7 @@
                                   <a:latin typeface="Cambria Math" panose="02040503050406030204" pitchFamily="18" charset="0"/>
                                   <a:ea typeface="Cambria Math" panose="02040503050406030204" pitchFamily="18" charset="0"/>
                                 </a:rPr>
-                                <m:t>1</m:t>
-                              </m:r>
-                              <m:r>
-                                <a:rPr lang="es-ES" b="0" i="1" smtClean="0">
-                                  <a:latin typeface="Cambria Math" panose="02040503050406030204" pitchFamily="18" charset="0"/>
-                                  <a:ea typeface="Cambria Math" panose="02040503050406030204" pitchFamily="18" charset="0"/>
-                                </a:rPr>
-                                <m:t>, </m:t>
-                              </m:r>
-                              <m:r>
-                                <a:rPr lang="es-ES" b="0" i="1" smtClean="0">
-                                  <a:latin typeface="Cambria Math" panose="02040503050406030204" pitchFamily="18" charset="0"/>
-                                  <a:ea typeface="Cambria Math" panose="02040503050406030204" pitchFamily="18" charset="0"/>
-                                </a:rPr>
-                                <m:t>2</m:t>
-                              </m:r>
-                              <m:r>
-                                <a:rPr lang="es-ES" b="0" i="1" smtClean="0">
-                                  <a:latin typeface="Cambria Math" panose="02040503050406030204" pitchFamily="18" charset="0"/>
-                                  <a:ea typeface="Cambria Math" panose="02040503050406030204" pitchFamily="18" charset="0"/>
-                                </a:rPr>
-                                <m:t>, </m:t>
-                              </m:r>
-                              <m:r>
-                                <a:rPr lang="es-ES" b="0" i="1" smtClean="0">
-                                  <a:latin typeface="Cambria Math" panose="02040503050406030204" pitchFamily="18" charset="0"/>
-                                  <a:ea typeface="Cambria Math" panose="02040503050406030204" pitchFamily="18" charset="0"/>
-                                </a:rPr>
-                                <m:t>3,</m:t>
-                              </m:r>
-                              <m:r>
-                                <a:rPr lang="es-ES" b="0" i="1" smtClean="0">
-                                  <a:latin typeface="Cambria Math" panose="02040503050406030204" pitchFamily="18" charset="0"/>
-                                  <a:ea typeface="Cambria Math" panose="02040503050406030204" pitchFamily="18" charset="0"/>
-                                </a:rPr>
-                                <m:t> </m:t>
-                              </m:r>
-                              <m:r>
-                                <a:rPr lang="es-ES" b="0" i="1" smtClean="0">
-                                  <a:latin typeface="Cambria Math" panose="02040503050406030204" pitchFamily="18" charset="0"/>
-                                  <a:ea typeface="Cambria Math" panose="02040503050406030204" pitchFamily="18" charset="0"/>
-                                </a:rPr>
-                                <m:t>4</m:t>
-                              </m:r>
-                              <m:r>
-                                <a:rPr lang="es-ES" b="0" i="1" smtClean="0">
-                                  <a:latin typeface="Cambria Math" panose="02040503050406030204" pitchFamily="18" charset="0"/>
-                                  <a:ea typeface="Cambria Math" panose="02040503050406030204" pitchFamily="18" charset="0"/>
-                                </a:rPr>
-                                <m:t>, </m:t>
-                              </m:r>
-                              <m:r>
-                                <a:rPr lang="es-ES" b="0" i="1" smtClean="0">
-                                  <a:latin typeface="Cambria Math" panose="02040503050406030204" pitchFamily="18" charset="0"/>
-                                  <a:ea typeface="Cambria Math" panose="02040503050406030204" pitchFamily="18" charset="0"/>
-                                </a:rPr>
-                                <m:t>5</m:t>
+                                <m:t>1, 2, 3, 4, 5</m:t>
                               </m:r>
                             </m:e>
                           </m:d>
@@ -32299,7 +32244,7 @@
             </p:txBody>
           </p:sp>
         </mc:Choice>
-        <mc:Fallback>
+        <mc:Fallback xmlns="">
           <p:sp>
             <p:nvSpPr>
               <p:cNvPr id="6" name="CuadroTexto 5">
@@ -32395,35 +32340,262 @@
           <a:bodyPr/>
           <a:lstStyle/>
           <a:p>
-            <a:endParaRPr lang="es-ES"/>
+            <a:r>
+              <a:rPr lang="es-ES" dirty="0"/>
+              <a:t>Global SA (GSA)</a:t>
+            </a:r>
           </a:p>
         </p:txBody>
       </p:sp>
-      <p:sp>
-        <p:nvSpPr>
-          <p:cNvPr id="3" name="Marcador de contenido 2">
-            <a:extLst>
-              <a:ext uri="{FF2B5EF4-FFF2-40B4-BE49-F238E27FC236}">
-                <a16:creationId xmlns:a16="http://schemas.microsoft.com/office/drawing/2014/main" id="{F89BA901-1B4F-C4CC-10E3-603EDC15B188}"/>
-              </a:ext>
-            </a:extLst>
-          </p:cNvPr>
-          <p:cNvSpPr>
-            <a:spLocks noGrp="1"/>
-          </p:cNvSpPr>
-          <p:nvPr>
-            <p:ph idx="1"/>
-          </p:nvPr>
-        </p:nvSpPr>
-        <p:spPr/>
-        <p:txBody>
-          <a:bodyPr/>
-          <a:lstStyle/>
-          <a:p>
-            <a:endParaRPr lang="es-ES"/>
-          </a:p>
-        </p:txBody>
-      </p:sp>
+      <mc:AlternateContent xmlns:mc="http://schemas.openxmlformats.org/markup-compatibility/2006">
+        <mc:Choice xmlns:a14="http://schemas.microsoft.com/office/drawing/2010/main" Requires="a14">
+          <p:sp>
+            <p:nvSpPr>
+              <p:cNvPr id="3" name="Marcador de contenido 2">
+                <a:extLst>
+                  <a:ext uri="{FF2B5EF4-FFF2-40B4-BE49-F238E27FC236}">
+                    <a16:creationId xmlns:a16="http://schemas.microsoft.com/office/drawing/2014/main" id="{F89BA901-1B4F-C4CC-10E3-603EDC15B188}"/>
+                  </a:ext>
+                </a:extLst>
+              </p:cNvPr>
+              <p:cNvSpPr>
+                <a:spLocks noGrp="1"/>
+              </p:cNvSpPr>
+              <p:nvPr>
+                <p:ph idx="1"/>
+              </p:nvPr>
+            </p:nvSpPr>
+            <p:spPr/>
+            <p:txBody>
+              <a:bodyPr>
+                <a:normAutofit lnSpcReduction="10000"/>
+              </a:bodyPr>
+              <a:lstStyle/>
+              <a:p>
+                <a:r>
+                  <a:rPr lang="es-ES" dirty="0"/>
+                  <a:t>In </a:t>
+                </a:r>
+                <a:r>
+                  <a:rPr lang="es-ES" dirty="0" err="1"/>
+                  <a:t>our</a:t>
+                </a:r>
+                <a:r>
+                  <a:rPr lang="es-ES" dirty="0"/>
+                  <a:t> </a:t>
+                </a:r>
+                <a:r>
+                  <a:rPr lang="es-ES" dirty="0" err="1"/>
+                  <a:t>dataset</a:t>
+                </a:r>
+                <a:r>
+                  <a:rPr lang="es-ES" dirty="0"/>
+                  <a:t> </a:t>
+                </a:r>
+                <a:r>
+                  <a:rPr lang="es-ES" dirty="0" err="1"/>
+                  <a:t>example</a:t>
+                </a:r>
+                <a:r>
+                  <a:rPr lang="es-ES" dirty="0"/>
+                  <a:t> </a:t>
+                </a:r>
+                <a:r>
+                  <a:rPr lang="es-ES" dirty="0" err="1"/>
+                  <a:t>with</a:t>
+                </a:r>
+                <a:r>
+                  <a:rPr lang="es-ES" dirty="0"/>
+                  <a:t> variables </a:t>
+                </a:r>
+                <a14:m>
+                  <m:oMath xmlns:m="http://schemas.openxmlformats.org/officeDocument/2006/math">
+                    <m:r>
+                      <a:rPr lang="es-ES" b="0" i="1" smtClean="0">
+                        <a:latin typeface="Cambria Math" panose="02040503050406030204" pitchFamily="18" charset="0"/>
+                      </a:rPr>
+                      <m:t>𝑥</m:t>
+                    </m:r>
+                    <m:r>
+                      <a:rPr lang="es-ES" b="0" i="1" smtClean="0">
+                        <a:latin typeface="Cambria Math" panose="02040503050406030204" pitchFamily="18" charset="0"/>
+                      </a:rPr>
+                      <m:t>1</m:t>
+                    </m:r>
+                  </m:oMath>
+                </a14:m>
+                <a:r>
+                  <a:rPr lang="es-ES" dirty="0"/>
+                  <a:t> and </a:t>
+                </a:r>
+                <a14:m>
+                  <m:oMath xmlns:m="http://schemas.openxmlformats.org/officeDocument/2006/math">
+                    <m:r>
+                      <a:rPr lang="es-ES" b="0" i="1" smtClean="0">
+                        <a:latin typeface="Cambria Math" panose="02040503050406030204" pitchFamily="18" charset="0"/>
+                      </a:rPr>
+                      <m:t>𝑦</m:t>
+                    </m:r>
+                  </m:oMath>
+                </a14:m>
+                <a:r>
+                  <a:rPr lang="es-ES" dirty="0"/>
+                  <a:t>, </a:t>
+                </a:r>
+                <a:r>
+                  <a:rPr lang="es-ES" dirty="0" err="1"/>
+                  <a:t>using</a:t>
+                </a:r>
+                <a:r>
+                  <a:rPr lang="es-ES" dirty="0"/>
+                  <a:t> 5 </a:t>
+                </a:r>
+                <a:r>
+                  <a:rPr lang="es-ES" dirty="0" err="1"/>
+                  <a:t>levels</a:t>
+                </a:r>
+                <a:r>
+                  <a:rPr lang="es-ES" dirty="0"/>
+                  <a:t>, </a:t>
+                </a:r>
+                <a:r>
+                  <a:rPr lang="es-ES" dirty="0" err="1"/>
+                  <a:t>we</a:t>
+                </a:r>
+                <a:r>
+                  <a:rPr lang="es-ES" dirty="0"/>
+                  <a:t> </a:t>
+                </a:r>
+                <a:r>
+                  <a:rPr lang="es-ES" dirty="0" err="1"/>
+                  <a:t>obtain</a:t>
+                </a:r>
+                <a:r>
+                  <a:rPr lang="es-ES" dirty="0"/>
+                  <a:t> 25 </a:t>
+                </a:r>
+                <a:r>
+                  <a:rPr lang="es-ES" dirty="0" err="1"/>
+                  <a:t>combinatios</a:t>
+                </a:r>
+                <a:r>
+                  <a:rPr lang="es-ES" dirty="0"/>
+                  <a:t>. </a:t>
+                </a:r>
+                <a:r>
+                  <a:rPr lang="es-ES" dirty="0" err="1"/>
+                  <a:t>This</a:t>
+                </a:r>
+                <a:r>
+                  <a:rPr lang="es-ES" dirty="0"/>
+                  <a:t> </a:t>
+                </a:r>
+                <a:r>
+                  <a:rPr lang="es-ES" dirty="0" err="1"/>
+                  <a:t>contrasts</a:t>
+                </a:r>
+                <a:r>
+                  <a:rPr lang="es-ES" dirty="0"/>
+                  <a:t> </a:t>
+                </a:r>
+                <a:r>
+                  <a:rPr lang="es-ES" dirty="0" err="1"/>
+                  <a:t>with</a:t>
+                </a:r>
+                <a:r>
+                  <a:rPr lang="es-ES" dirty="0"/>
+                  <a:t> 1D-SA, </a:t>
+                </a:r>
+                <a:r>
+                  <a:rPr lang="es-ES" dirty="0" err="1"/>
+                  <a:t>wich</a:t>
+                </a:r>
+                <a:r>
+                  <a:rPr lang="es-ES" dirty="0"/>
+                  <a:t> </a:t>
+                </a:r>
+                <a:r>
+                  <a:rPr lang="es-ES" dirty="0" err="1"/>
+                  <a:t>only</a:t>
+                </a:r>
+                <a:r>
+                  <a:rPr lang="es-ES" dirty="0"/>
+                  <a:t> compute 10 </a:t>
+                </a:r>
+                <a:r>
+                  <a:rPr lang="es-ES" dirty="0" err="1"/>
+                  <a:t>scenarios</a:t>
+                </a:r>
+                <a:r>
+                  <a:rPr lang="es-ES" dirty="0"/>
+                  <a:t>. </a:t>
+                </a:r>
+              </a:p>
+              <a:p>
+                <a:endParaRPr lang="es-ES" dirty="0"/>
+              </a:p>
+              <a:p>
+                <a:endParaRPr lang="en-US" dirty="0"/>
+              </a:p>
+              <a:p>
+                <a:endParaRPr lang="en-US" dirty="0"/>
+              </a:p>
+              <a:p>
+                <a:r>
+                  <a:rPr lang="en-US" dirty="0"/>
+                  <a:t>The aggregated information does not allow us to observe changes at the individual DMU level.</a:t>
+                </a:r>
+              </a:p>
+              <a:p>
+                <a:r>
+                  <a:rPr lang="en-US" dirty="0"/>
+                  <a:t>This method should be avoided due to the significant computational effort required.</a:t>
+                </a:r>
+                <a:endParaRPr lang="es-ES" dirty="0"/>
+              </a:p>
+            </p:txBody>
+          </p:sp>
+        </mc:Choice>
+        <mc:Fallback>
+          <p:sp>
+            <p:nvSpPr>
+              <p:cNvPr id="3" name="Marcador de contenido 2">
+                <a:extLst>
+                  <a:ext uri="{FF2B5EF4-FFF2-40B4-BE49-F238E27FC236}">
+                    <a16:creationId xmlns:a16="http://schemas.microsoft.com/office/drawing/2014/main" id="{F89BA901-1B4F-C4CC-10E3-603EDC15B188}"/>
+                  </a:ext>
+                </a:extLst>
+              </p:cNvPr>
+              <p:cNvSpPr>
+                <a:spLocks noGrp="1" noRot="1" noChangeAspect="1" noMove="1" noResize="1" noEditPoints="1" noAdjustHandles="1" noChangeArrowheads="1" noChangeShapeType="1" noTextEdit="1"/>
+              </p:cNvSpPr>
+              <p:nvPr>
+                <p:ph idx="1"/>
+              </p:nvPr>
+            </p:nvSpPr>
+            <p:spPr>
+              <a:blipFill>
+                <a:blip r:embed="rId2"/>
+                <a:stretch>
+                  <a:fillRect l="-1352" t="-3828"/>
+                </a:stretch>
+              </a:blipFill>
+            </p:spPr>
+            <p:txBody>
+              <a:bodyPr/>
+              <a:lstStyle/>
+              <a:p>
+                <a:r>
+                  <a:rPr lang="es-ES">
+                    <a:noFill/>
+                  </a:rPr>
+                  <a:t> </a:t>
+                </a:r>
+              </a:p>
+            </p:txBody>
+          </p:sp>
+        </mc:Fallback>
+      </mc:AlternateContent>
       <p:sp>
         <p:nvSpPr>
           <p:cNvPr id="4" name="Marcador de pie de página 3">
@@ -32445,11 +32617,47 @@
           <a:bodyPr/>
           <a:lstStyle/>
           <a:p>
-            <a:r>
-              <a:rPr lang="es-ES"/>
-              <a:t>PIE DE PÁGINA</a:t>
-            </a:r>
-            <a:endParaRPr lang="es-ES" dirty="0"/>
+            <a:pPr algn="ctr">
+              <a:lnSpc>
+                <a:spcPct val="150000"/>
+              </a:lnSpc>
+              <a:spcAft>
+                <a:spcPts val="800"/>
+              </a:spcAft>
+            </a:pPr>
+            <a:r>
+              <a:rPr lang="en-US" sz="1800" b="1" kern="100" dirty="0">
+                <a:effectLst/>
+                <a:latin typeface="Times New Roman" panose="02020603050405020304" pitchFamily="18" charset="0"/>
+                <a:ea typeface="Aptos" panose="020B0004020202020204" pitchFamily="34" charset="0"/>
+                <a:cs typeface="Times New Roman" panose="02020603050405020304" pitchFamily="18" charset="0"/>
+              </a:rPr>
+              <a:t>Using sensitivity analysis and visualization techniques to open black box data mining models: a </a:t>
+            </a:r>
+            <a:r>
+              <a:rPr lang="en-US" sz="1800" b="1" kern="100" dirty="0" err="1">
+                <a:effectLst/>
+                <a:latin typeface="Times New Roman" panose="02020603050405020304" pitchFamily="18" charset="0"/>
+                <a:ea typeface="Aptos" panose="020B0004020202020204" pitchFamily="34" charset="0"/>
+                <a:cs typeface="Times New Roman" panose="02020603050405020304" pitchFamily="18" charset="0"/>
+              </a:rPr>
+              <a:t>rminer</a:t>
+            </a:r>
+            <a:r>
+              <a:rPr lang="en-US" sz="1800" b="1" kern="100" dirty="0">
+                <a:effectLst/>
+                <a:latin typeface="Times New Roman" panose="02020603050405020304" pitchFamily="18" charset="0"/>
+                <a:ea typeface="Aptos" panose="020B0004020202020204" pitchFamily="34" charset="0"/>
+                <a:cs typeface="Times New Roman" panose="02020603050405020304" pitchFamily="18" charset="0"/>
+              </a:rPr>
+              <a:t> example</a:t>
+            </a:r>
+            <a:endParaRPr lang="es-ES" sz="1600" kern="100" dirty="0">
+              <a:effectLst/>
+              <a:latin typeface="Times New Roman" panose="02020603050405020304" pitchFamily="18" charset="0"/>
+              <a:ea typeface="Aptos" panose="020B0004020202020204" pitchFamily="34" charset="0"/>
+              <a:cs typeface="Times New Roman" panose="02020603050405020304" pitchFamily="18" charset="0"/>
+            </a:endParaRPr>
           </a:p>
         </p:txBody>
       </p:sp>
@@ -32483,6 +32691,472 @@
           </a:p>
         </p:txBody>
       </p:sp>
+      <mc:AlternateContent xmlns:mc="http://schemas.openxmlformats.org/markup-compatibility/2006">
+        <mc:Choice xmlns:a14="http://schemas.microsoft.com/office/drawing/2010/main" Requires="a14">
+          <p:graphicFrame>
+            <p:nvGraphicFramePr>
+              <p:cNvPr id="6" name="Tabla 5">
+                <a:extLst>
+                  <a:ext uri="{FF2B5EF4-FFF2-40B4-BE49-F238E27FC236}">
+                    <a16:creationId xmlns:a16="http://schemas.microsoft.com/office/drawing/2014/main" id="{A84E4F4F-5B5D-384B-F76B-BC69EC2FC0C0}"/>
+                  </a:ext>
+                </a:extLst>
+              </p:cNvPr>
+              <p:cNvGraphicFramePr>
+                <a:graphicFrameLocks noGrp="1"/>
+              </p:cNvGraphicFramePr>
+              <p:nvPr>
+                <p:extLst>
+                  <p:ext uri="{D42A27DB-BD31-4B8C-83A1-F6EECF244321}">
+                    <p14:modId xmlns:p14="http://schemas.microsoft.com/office/powerpoint/2010/main" val="3860399139"/>
+                  </p:ext>
+                </p:extLst>
+              </p:nvPr>
+            </p:nvGraphicFramePr>
+            <p:xfrm>
+              <a:off x="3048000" y="4613203"/>
+              <a:ext cx="12192000" cy="1546352"/>
+            </p:xfrm>
+            <a:graphic>
+              <a:graphicData uri="http://schemas.openxmlformats.org/drawingml/2006/table">
+                <a:tbl>
+                  <a:tblPr firstRow="1" bandRow="1">
+                    <a:tableStyleId>{9D7B26C5-4107-4FEC-AEDC-1716B250A1EF}</a:tableStyleId>
+                  </a:tblPr>
+                  <a:tblGrid>
+                    <a:gridCol w="4064000">
+                      <a:extLst>
+                        <a:ext uri="{9D8B030D-6E8A-4147-A177-3AD203B41FA5}">
+                          <a16:colId xmlns:a16="http://schemas.microsoft.com/office/drawing/2014/main" val="565072992"/>
+                        </a:ext>
+                      </a:extLst>
+                    </a:gridCol>
+                    <a:gridCol w="4064000">
+                      <a:extLst>
+                        <a:ext uri="{9D8B030D-6E8A-4147-A177-3AD203B41FA5}">
+                          <a16:colId xmlns:a16="http://schemas.microsoft.com/office/drawing/2014/main" val="3714311927"/>
+                        </a:ext>
+                      </a:extLst>
+                    </a:gridCol>
+                    <a:gridCol w="4064000">
+                      <a:extLst>
+                        <a:ext uri="{9D8B030D-6E8A-4147-A177-3AD203B41FA5}">
+                          <a16:colId xmlns:a16="http://schemas.microsoft.com/office/drawing/2014/main" val="3600416966"/>
+                        </a:ext>
+                      </a:extLst>
+                    </a:gridCol>
+                  </a:tblGrid>
+                  <a:tr h="370840">
+                    <a:tc>
+                      <a:txBody>
+                        <a:bodyPr/>
+                        <a:lstStyle/>
+                        <a:p>
+                          <a:r>
+                            <a:rPr lang="es-ES" dirty="0"/>
+                            <a:t>Method</a:t>
+                          </a:r>
+                        </a:p>
+                      </a:txBody>
+                      <a:tcPr/>
+                    </a:tc>
+                    <a:tc>
+                      <a:txBody>
+                        <a:bodyPr/>
+                        <a:lstStyle/>
+                        <a:p>
+                          <a14:m>
+                            <m:oMathPara xmlns:m="http://schemas.openxmlformats.org/officeDocument/2006/math">
+                              <m:oMathParaPr>
+                                <m:jc m:val="centerGroup"/>
+                              </m:oMathParaPr>
+                              <m:oMath xmlns:m="http://schemas.openxmlformats.org/officeDocument/2006/math">
+                                <m:sSub>
+                                  <m:sSubPr>
+                                    <m:ctrlPr>
+                                      <a:rPr lang="es-ES" b="0" smtClean="0"/>
+                                    </m:ctrlPr>
+                                  </m:sSubPr>
+                                  <m:e>
+                                    <m:r>
+                                      <a:rPr lang="es-ES" b="1" smtClean="0"/>
+                                      <m:t>𝒙</m:t>
+                                    </m:r>
+                                  </m:e>
+                                  <m:sub>
+                                    <m:r>
+                                      <a:rPr lang="es-ES" b="0" smtClean="0"/>
+                                      <m:t>𝑥</m:t>
+                                    </m:r>
+                                    <m:r>
+                                      <a:rPr lang="es-ES" b="0" smtClean="0"/>
+                                      <m:t>1</m:t>
+                                    </m:r>
+                                  </m:sub>
+                                </m:sSub>
+                              </m:oMath>
+                            </m:oMathPara>
+                          </a14:m>
+                          <a:endParaRPr lang="es-ES" dirty="0"/>
+                        </a:p>
+                      </a:txBody>
+                      <a:tcPr/>
+                    </a:tc>
+                    <a:tc>
+                      <a:txBody>
+                        <a:bodyPr/>
+                        <a:lstStyle/>
+                        <a:p>
+                          <a14:m>
+                            <m:oMathPara xmlns:m="http://schemas.openxmlformats.org/officeDocument/2006/math">
+                              <m:oMathParaPr>
+                                <m:jc m:val="centerGroup"/>
+                              </m:oMathParaPr>
+                              <m:oMath xmlns:m="http://schemas.openxmlformats.org/officeDocument/2006/math">
+                                <m:sSub>
+                                  <m:sSubPr>
+                                    <m:ctrlPr>
+                                      <a:rPr lang="es-ES" b="0" smtClean="0"/>
+                                    </m:ctrlPr>
+                                  </m:sSubPr>
+                                  <m:e>
+                                    <m:r>
+                                      <a:rPr lang="es-ES" b="1" smtClean="0"/>
+                                      <m:t>𝒙</m:t>
+                                    </m:r>
+                                  </m:e>
+                                  <m:sub>
+                                    <m:r>
+                                      <a:rPr lang="es-ES" b="0" smtClean="0"/>
+                                      <m:t>𝑦</m:t>
+                                    </m:r>
+                                  </m:sub>
+                                </m:sSub>
+                              </m:oMath>
+                            </m:oMathPara>
+                          </a14:m>
+                          <a:endParaRPr lang="es-ES" dirty="0"/>
+                        </a:p>
+                      </a:txBody>
+                      <a:tcPr/>
+                    </a:tc>
+                    <a:extLst>
+                      <a:ext uri="{0D108BD9-81ED-4DB2-BD59-A6C34878D82A}">
+                        <a16:rowId xmlns:a16="http://schemas.microsoft.com/office/drawing/2014/main" val="3081208129"/>
+                      </a:ext>
+                    </a:extLst>
+                  </a:tr>
+                  <a:tr h="370840">
+                    <a:tc>
+                      <a:txBody>
+                        <a:bodyPr/>
+                        <a:lstStyle/>
+                        <a:p>
+                          <a:r>
+                            <a:rPr lang="es-ES" dirty="0"/>
+                            <a:t>1D-SA</a:t>
+                          </a:r>
+                        </a:p>
+                      </a:txBody>
+                      <a:tcPr/>
+                    </a:tc>
+                    <a:tc>
+                      <a:txBody>
+                        <a:bodyPr/>
+                        <a:lstStyle/>
+                        <a:p>
+                          <a:pPr algn="ctr"/>
+                          <a:r>
+                            <a:rPr lang="es-ES" dirty="0"/>
+                            <a:t>0.46</a:t>
+                          </a:r>
+                        </a:p>
+                      </a:txBody>
+                      <a:tcPr/>
+                    </a:tc>
+                    <a:tc>
+                      <a:txBody>
+                        <a:bodyPr/>
+                        <a:lstStyle/>
+                        <a:p>
+                          <a:pPr algn="ctr"/>
+                          <a:r>
+                            <a:rPr lang="es-ES" dirty="0"/>
+                            <a:t>0.54</a:t>
+                          </a:r>
+                        </a:p>
+                      </a:txBody>
+                      <a:tcPr/>
+                    </a:tc>
+                    <a:extLst>
+                      <a:ext uri="{0D108BD9-81ED-4DB2-BD59-A6C34878D82A}">
+                        <a16:rowId xmlns:a16="http://schemas.microsoft.com/office/drawing/2014/main" val="3493144764"/>
+                      </a:ext>
+                    </a:extLst>
+                  </a:tr>
+                  <a:tr h="370840">
+                    <a:tc>
+                      <a:txBody>
+                        <a:bodyPr/>
+                        <a:lstStyle/>
+                        <a:p>
+                          <a:r>
+                            <a:rPr lang="es-ES" dirty="0"/>
+                            <a:t>GSA (#F=2)</a:t>
+                          </a:r>
+                        </a:p>
+                      </a:txBody>
+                      <a:tcPr/>
+                    </a:tc>
+                    <a:tc>
+                      <a:txBody>
+                        <a:bodyPr/>
+                        <a:lstStyle/>
+                        <a:p>
+                          <a:pPr algn="ctr"/>
+                          <a:r>
+                            <a:rPr lang="es-ES" dirty="0"/>
+                            <a:t>0.50</a:t>
+                          </a:r>
+                        </a:p>
+                      </a:txBody>
+                      <a:tcPr/>
+                    </a:tc>
+                    <a:tc>
+                      <a:txBody>
+                        <a:bodyPr/>
+                        <a:lstStyle/>
+                        <a:p>
+                          <a:pPr algn="ctr"/>
+                          <a:r>
+                            <a:rPr lang="es-ES" dirty="0"/>
+                            <a:t>0.50</a:t>
+                          </a:r>
+                        </a:p>
+                      </a:txBody>
+                      <a:tcPr/>
+                    </a:tc>
+                    <a:extLst>
+                      <a:ext uri="{0D108BD9-81ED-4DB2-BD59-A6C34878D82A}">
+                        <a16:rowId xmlns:a16="http://schemas.microsoft.com/office/drawing/2014/main" val="3341117997"/>
+                      </a:ext>
+                    </a:extLst>
+                  </a:tr>
+                </a:tbl>
+              </a:graphicData>
+            </a:graphic>
+          </p:graphicFrame>
+        </mc:Choice>
+        <mc:Fallback>
+          <p:graphicFrame>
+            <p:nvGraphicFramePr>
+              <p:cNvPr id="6" name="Tabla 5">
+                <a:extLst>
+                  <a:ext uri="{FF2B5EF4-FFF2-40B4-BE49-F238E27FC236}">
+                    <a16:creationId xmlns:a16="http://schemas.microsoft.com/office/drawing/2014/main" id="{A84E4F4F-5B5D-384B-F76B-BC69EC2FC0C0}"/>
+                  </a:ext>
+                </a:extLst>
+              </p:cNvPr>
+              <p:cNvGraphicFramePr>
+                <a:graphicFrameLocks noGrp="1"/>
+              </p:cNvGraphicFramePr>
+              <p:nvPr>
+                <p:extLst>
+                  <p:ext uri="{D42A27DB-BD31-4B8C-83A1-F6EECF244321}">
+                    <p14:modId xmlns:p14="http://schemas.microsoft.com/office/powerpoint/2010/main" val="3860399139"/>
+                  </p:ext>
+                </p:extLst>
+              </p:nvPr>
+            </p:nvGraphicFramePr>
+            <p:xfrm>
+              <a:off x="3048000" y="4613203"/>
+              <a:ext cx="12192000" cy="1546352"/>
+            </p:xfrm>
+            <a:graphic>
+              <a:graphicData uri="http://schemas.openxmlformats.org/drawingml/2006/table">
+                <a:tbl>
+                  <a:tblPr firstRow="1" bandRow="1">
+                    <a:tableStyleId>{9D7B26C5-4107-4FEC-AEDC-1716B250A1EF}</a:tableStyleId>
+                  </a:tblPr>
+                  <a:tblGrid>
+                    <a:gridCol w="4064000">
+                      <a:extLst>
+                        <a:ext uri="{9D8B030D-6E8A-4147-A177-3AD203B41FA5}">
+                          <a16:colId xmlns:a16="http://schemas.microsoft.com/office/drawing/2014/main" val="565072992"/>
+                        </a:ext>
+                      </a:extLst>
+                    </a:gridCol>
+                    <a:gridCol w="4064000">
+                      <a:extLst>
+                        <a:ext uri="{9D8B030D-6E8A-4147-A177-3AD203B41FA5}">
+                          <a16:colId xmlns:a16="http://schemas.microsoft.com/office/drawing/2014/main" val="3714311927"/>
+                        </a:ext>
+                      </a:extLst>
+                    </a:gridCol>
+                    <a:gridCol w="4064000">
+                      <a:extLst>
+                        <a:ext uri="{9D8B030D-6E8A-4147-A177-3AD203B41FA5}">
+                          <a16:colId xmlns:a16="http://schemas.microsoft.com/office/drawing/2014/main" val="3600416966"/>
+                        </a:ext>
+                      </a:extLst>
+                    </a:gridCol>
+                  </a:tblGrid>
+                  <a:tr h="540512">
+                    <a:tc>
+                      <a:txBody>
+                        <a:bodyPr/>
+                        <a:lstStyle/>
+                        <a:p>
+                          <a:r>
+                            <a:rPr lang="es-ES" dirty="0"/>
+                            <a:t>Method</a:t>
+                          </a:r>
+                        </a:p>
+                      </a:txBody>
+                      <a:tcPr/>
+                    </a:tc>
+                    <a:tc>
+                      <a:txBody>
+                        <a:bodyPr/>
+                        <a:lstStyle/>
+                        <a:p>
+                          <a:endParaRPr lang="es-ES"/>
+                        </a:p>
+                      </a:txBody>
+                      <a:tcPr>
+                        <a:blipFill>
+                          <a:blip r:embed="rId3"/>
+                          <a:stretch>
+                            <a:fillRect l="-100150" t="-8989" r="-100450" b="-215730"/>
+                          </a:stretch>
+                        </a:blipFill>
+                      </a:tcPr>
+                    </a:tc>
+                    <a:tc>
+                      <a:txBody>
+                        <a:bodyPr/>
+                        <a:lstStyle/>
+                        <a:p>
+                          <a:endParaRPr lang="es-ES"/>
+                        </a:p>
+                      </a:txBody>
+                      <a:tcPr>
+                        <a:blipFill>
+                          <a:blip r:embed="rId3"/>
+                          <a:stretch>
+                            <a:fillRect l="-199850" t="-8989" r="-300" b="-215730"/>
+                          </a:stretch>
+                        </a:blipFill>
+                      </a:tcPr>
+                    </a:tc>
+                    <a:extLst>
+                      <a:ext uri="{0D108BD9-81ED-4DB2-BD59-A6C34878D82A}">
+                        <a16:rowId xmlns:a16="http://schemas.microsoft.com/office/drawing/2014/main" val="3081208129"/>
+                      </a:ext>
+                    </a:extLst>
+                  </a:tr>
+                  <a:tr h="502920">
+                    <a:tc>
+                      <a:txBody>
+                        <a:bodyPr/>
+                        <a:lstStyle/>
+                        <a:p>
+                          <a:r>
+                            <a:rPr lang="es-ES" dirty="0"/>
+                            <a:t>1D-SA</a:t>
+                          </a:r>
+                        </a:p>
+                      </a:txBody>
+                      <a:tcPr/>
+                    </a:tc>
+                    <a:tc>
+                      <a:txBody>
+                        <a:bodyPr/>
+                        <a:lstStyle/>
+                        <a:p>
+                          <a:pPr algn="ctr"/>
+                          <a:r>
+                            <a:rPr lang="es-ES" dirty="0"/>
+                            <a:t>0.46</a:t>
+                          </a:r>
+                        </a:p>
+                      </a:txBody>
+                      <a:tcPr/>
+                    </a:tc>
+                    <a:tc>
+                      <a:txBody>
+                        <a:bodyPr/>
+                        <a:lstStyle/>
+                        <a:p>
+                          <a:pPr algn="ctr"/>
+                          <a:r>
+                            <a:rPr lang="es-ES" dirty="0"/>
+                            <a:t>0.54</a:t>
+                          </a:r>
+                        </a:p>
+                      </a:txBody>
+                      <a:tcPr/>
+                    </a:tc>
+                    <a:extLst>
+                      <a:ext uri="{0D108BD9-81ED-4DB2-BD59-A6C34878D82A}">
+                        <a16:rowId xmlns:a16="http://schemas.microsoft.com/office/drawing/2014/main" val="3493144764"/>
+                      </a:ext>
+                    </a:extLst>
+                  </a:tr>
+                  <a:tr h="502920">
+                    <a:tc>
+                      <a:txBody>
+                        <a:bodyPr/>
+                        <a:lstStyle/>
+                        <a:p>
+                          <a:r>
+                            <a:rPr lang="es-ES" dirty="0"/>
+                            <a:t>GSA (#F=2)</a:t>
+                          </a:r>
+                        </a:p>
+                      </a:txBody>
+                      <a:tcPr/>
+                    </a:tc>
+                    <a:tc>
+                      <a:txBody>
+                        <a:bodyPr/>
+                        <a:lstStyle/>
+                        <a:p>
+                          <a:pPr algn="ctr"/>
+                          <a:r>
+                            <a:rPr lang="es-ES" dirty="0"/>
+                            <a:t>0.50</a:t>
+                          </a:r>
+                        </a:p>
+                      </a:txBody>
+                      <a:tcPr/>
+                    </a:tc>
+                    <a:tc>
+                      <a:txBody>
+                        <a:bodyPr/>
+                        <a:lstStyle/>
+                        <a:p>
+                          <a:pPr algn="ctr"/>
+                          <a:r>
+                            <a:rPr lang="es-ES" dirty="0"/>
+                            <a:t>0.50</a:t>
+                          </a:r>
+                        </a:p>
+                      </a:txBody>
+                      <a:tcPr/>
+                    </a:tc>
+                    <a:extLst>
+                      <a:ext uri="{0D108BD9-81ED-4DB2-BD59-A6C34878D82A}">
+                        <a16:rowId xmlns:a16="http://schemas.microsoft.com/office/drawing/2014/main" val="3341117997"/>
+                      </a:ext>
+                    </a:extLst>
+                  </a:tr>
+                </a:tbl>
+              </a:graphicData>
+            </a:graphic>
+          </p:graphicFrame>
+        </mc:Fallback>
+      </mc:AlternateContent>
     </p:spTree>
     <p:extLst>
       <p:ext uri="{BB962C8B-B14F-4D97-AF65-F5344CB8AC3E}">
@@ -32497,6 +33171,887 @@
 </file>
 
 <file path=ppt/slides/slide27.xml><?xml version="1.0" encoding="utf-8"?>
+<p:sld xmlns:a="http://schemas.openxmlformats.org/drawingml/2006/main" xmlns:r="http://schemas.openxmlformats.org/officeDocument/2006/relationships" xmlns:p="http://schemas.openxmlformats.org/presentationml/2006/main">
+  <p:cSld>
+    <p:spTree>
+      <p:nvGrpSpPr>
+        <p:cNvPr id="1" name=""/>
+        <p:cNvGrpSpPr/>
+        <p:nvPr/>
+      </p:nvGrpSpPr>
+      <p:grpSpPr>
+        <a:xfrm>
+          <a:off x="0" y="0"/>
+          <a:ext cx="0" cy="0"/>
+          <a:chOff x="0" y="0"/>
+          <a:chExt cx="0" cy="0"/>
+        </a:xfrm>
+      </p:grpSpPr>
+      <p:sp>
+        <p:nvSpPr>
+          <p:cNvPr id="2" name="Título 1">
+            <a:extLst>
+              <a:ext uri="{FF2B5EF4-FFF2-40B4-BE49-F238E27FC236}">
+                <a16:creationId xmlns:a16="http://schemas.microsoft.com/office/drawing/2014/main" id="{EFA3559C-B19D-7748-9F2B-B49DF3937433}"/>
+              </a:ext>
+            </a:extLst>
+          </p:cNvPr>
+          <p:cNvSpPr>
+            <a:spLocks noGrp="1"/>
+          </p:cNvSpPr>
+          <p:nvPr>
+            <p:ph type="title"/>
+          </p:nvPr>
+        </p:nvSpPr>
+        <p:spPr/>
+        <p:txBody>
+          <a:bodyPr/>
+          <a:lstStyle/>
+          <a:p>
+            <a:r>
+              <a:rPr lang="es-ES" dirty="0"/>
+              <a:t>Data-</a:t>
+            </a:r>
+            <a:r>
+              <a:rPr lang="es-ES" dirty="0" err="1"/>
+              <a:t>based</a:t>
+            </a:r>
+            <a:r>
+              <a:rPr lang="es-ES"/>
+              <a:t> SA (DSA)</a:t>
+            </a:r>
+            <a:endParaRPr lang="es-ES" dirty="0"/>
+          </a:p>
+        </p:txBody>
+      </p:sp>
+      <mc:AlternateContent xmlns:mc="http://schemas.openxmlformats.org/markup-compatibility/2006">
+        <mc:Choice xmlns:a14="http://schemas.microsoft.com/office/drawing/2010/main" Requires="a14">
+          <p:sp>
+            <p:nvSpPr>
+              <p:cNvPr id="3" name="Marcador de contenido 2">
+                <a:extLst>
+                  <a:ext uri="{FF2B5EF4-FFF2-40B4-BE49-F238E27FC236}">
+                    <a16:creationId xmlns:a16="http://schemas.microsoft.com/office/drawing/2014/main" id="{F89BA901-1B4F-C4CC-10E3-603EDC15B188}"/>
+                  </a:ext>
+                </a:extLst>
+              </p:cNvPr>
+              <p:cNvSpPr>
+                <a:spLocks noGrp="1"/>
+              </p:cNvSpPr>
+              <p:nvPr>
+                <p:ph idx="1"/>
+              </p:nvPr>
+            </p:nvSpPr>
+            <p:spPr/>
+            <p:txBody>
+              <a:bodyPr>
+                <a:normAutofit lnSpcReduction="10000"/>
+              </a:bodyPr>
+              <a:lstStyle/>
+              <a:p>
+                <a:r>
+                  <a:rPr lang="es-ES" dirty="0"/>
+                  <a:t>In </a:t>
+                </a:r>
+                <a:r>
+                  <a:rPr lang="es-ES" dirty="0" err="1"/>
+                  <a:t>our</a:t>
+                </a:r>
+                <a:r>
+                  <a:rPr lang="es-ES" dirty="0"/>
+                  <a:t> </a:t>
+                </a:r>
+                <a:r>
+                  <a:rPr lang="es-ES" dirty="0" err="1"/>
+                  <a:t>dataset</a:t>
+                </a:r>
+                <a:r>
+                  <a:rPr lang="es-ES" dirty="0"/>
+                  <a:t> </a:t>
+                </a:r>
+                <a:r>
+                  <a:rPr lang="es-ES" dirty="0" err="1"/>
+                  <a:t>example</a:t>
+                </a:r>
+                <a:r>
+                  <a:rPr lang="es-ES" dirty="0"/>
+                  <a:t> </a:t>
+                </a:r>
+                <a:r>
+                  <a:rPr lang="es-ES" dirty="0" err="1"/>
+                  <a:t>with</a:t>
+                </a:r>
+                <a:r>
+                  <a:rPr lang="es-ES" dirty="0"/>
+                  <a:t> variables </a:t>
+                </a:r>
+                <a14:m>
+                  <m:oMath xmlns:m="http://schemas.openxmlformats.org/officeDocument/2006/math">
+                    <m:r>
+                      <a:rPr lang="es-ES" b="0" i="1" smtClean="0">
+                        <a:latin typeface="Cambria Math" panose="02040503050406030204" pitchFamily="18" charset="0"/>
+                      </a:rPr>
+                      <m:t>𝑥</m:t>
+                    </m:r>
+                    <m:r>
+                      <a:rPr lang="es-ES" b="0" i="1" smtClean="0">
+                        <a:latin typeface="Cambria Math" panose="02040503050406030204" pitchFamily="18" charset="0"/>
+                      </a:rPr>
+                      <m:t>1</m:t>
+                    </m:r>
+                  </m:oMath>
+                </a14:m>
+                <a:r>
+                  <a:rPr lang="es-ES" dirty="0"/>
+                  <a:t> and </a:t>
+                </a:r>
+                <a14:m>
+                  <m:oMath xmlns:m="http://schemas.openxmlformats.org/officeDocument/2006/math">
+                    <m:r>
+                      <a:rPr lang="es-ES" b="0" i="1" smtClean="0">
+                        <a:latin typeface="Cambria Math" panose="02040503050406030204" pitchFamily="18" charset="0"/>
+                      </a:rPr>
+                      <m:t>𝑦</m:t>
+                    </m:r>
+                  </m:oMath>
+                </a14:m>
+                <a:r>
+                  <a:rPr lang="es-ES" dirty="0"/>
+                  <a:t>, </a:t>
+                </a:r>
+                <a:r>
+                  <a:rPr lang="es-ES" dirty="0" err="1"/>
+                  <a:t>using</a:t>
+                </a:r>
+                <a:r>
+                  <a:rPr lang="es-ES" dirty="0"/>
+                  <a:t> 5 </a:t>
+                </a:r>
+                <a:r>
+                  <a:rPr lang="es-ES" dirty="0" err="1"/>
+                  <a:t>levels</a:t>
+                </a:r>
+                <a:r>
+                  <a:rPr lang="es-ES" dirty="0"/>
+                  <a:t>, </a:t>
+                </a:r>
+                <a:r>
+                  <a:rPr lang="es-ES" dirty="0" err="1"/>
+                  <a:t>we</a:t>
+                </a:r>
+                <a:r>
+                  <a:rPr lang="es-ES" dirty="0"/>
+                  <a:t> </a:t>
+                </a:r>
+                <a:r>
+                  <a:rPr lang="es-ES" dirty="0" err="1"/>
+                  <a:t>obtain</a:t>
+                </a:r>
+                <a:r>
+                  <a:rPr lang="es-ES" dirty="0"/>
+                  <a:t> 25 </a:t>
+                </a:r>
+                <a:r>
+                  <a:rPr lang="es-ES" dirty="0" err="1"/>
+                  <a:t>combinatios</a:t>
+                </a:r>
+                <a:r>
+                  <a:rPr lang="es-ES" dirty="0"/>
+                  <a:t>. </a:t>
+                </a:r>
+                <a:r>
+                  <a:rPr lang="es-ES" dirty="0" err="1"/>
+                  <a:t>This</a:t>
+                </a:r>
+                <a:r>
+                  <a:rPr lang="es-ES" dirty="0"/>
+                  <a:t> </a:t>
+                </a:r>
+                <a:r>
+                  <a:rPr lang="es-ES" dirty="0" err="1"/>
+                  <a:t>contrasts</a:t>
+                </a:r>
+                <a:r>
+                  <a:rPr lang="es-ES" dirty="0"/>
+                  <a:t> </a:t>
+                </a:r>
+                <a:r>
+                  <a:rPr lang="es-ES" dirty="0" err="1"/>
+                  <a:t>with</a:t>
+                </a:r>
+                <a:r>
+                  <a:rPr lang="es-ES" dirty="0"/>
+                  <a:t> 1D-SA, </a:t>
+                </a:r>
+                <a:r>
+                  <a:rPr lang="es-ES" dirty="0" err="1"/>
+                  <a:t>wich</a:t>
+                </a:r>
+                <a:r>
+                  <a:rPr lang="es-ES" dirty="0"/>
+                  <a:t> </a:t>
+                </a:r>
+                <a:r>
+                  <a:rPr lang="es-ES" dirty="0" err="1"/>
+                  <a:t>only</a:t>
+                </a:r>
+                <a:r>
+                  <a:rPr lang="es-ES" dirty="0"/>
+                  <a:t> compute 10 </a:t>
+                </a:r>
+                <a:r>
+                  <a:rPr lang="es-ES" dirty="0" err="1"/>
+                  <a:t>scenarios</a:t>
+                </a:r>
+                <a:r>
+                  <a:rPr lang="es-ES" dirty="0"/>
+                  <a:t>. </a:t>
+                </a:r>
+              </a:p>
+              <a:p>
+                <a:endParaRPr lang="es-ES" dirty="0"/>
+              </a:p>
+              <a:p>
+                <a:endParaRPr lang="en-US" dirty="0"/>
+              </a:p>
+              <a:p>
+                <a:endParaRPr lang="en-US" dirty="0"/>
+              </a:p>
+              <a:p>
+                <a:r>
+                  <a:rPr lang="en-US" dirty="0"/>
+                  <a:t>The aggregated information does not allow us to observe changes at the individual DMU level.</a:t>
+                </a:r>
+              </a:p>
+              <a:p>
+                <a:r>
+                  <a:rPr lang="en-US" dirty="0"/>
+                  <a:t>This method should be avoided due to the significant computational effort required.</a:t>
+                </a:r>
+                <a:endParaRPr lang="es-ES" dirty="0"/>
+              </a:p>
+            </p:txBody>
+          </p:sp>
+        </mc:Choice>
+        <mc:Fallback>
+          <p:sp>
+            <p:nvSpPr>
+              <p:cNvPr id="3" name="Marcador de contenido 2">
+                <a:extLst>
+                  <a:ext uri="{FF2B5EF4-FFF2-40B4-BE49-F238E27FC236}">
+                    <a16:creationId xmlns:a16="http://schemas.microsoft.com/office/drawing/2014/main" id="{F89BA901-1B4F-C4CC-10E3-603EDC15B188}"/>
+                  </a:ext>
+                </a:extLst>
+              </p:cNvPr>
+              <p:cNvSpPr>
+                <a:spLocks noGrp="1" noRot="1" noChangeAspect="1" noMove="1" noResize="1" noEditPoints="1" noAdjustHandles="1" noChangeArrowheads="1" noChangeShapeType="1" noTextEdit="1"/>
+              </p:cNvSpPr>
+              <p:nvPr>
+                <p:ph idx="1"/>
+              </p:nvPr>
+            </p:nvSpPr>
+            <p:spPr>
+              <a:blipFill>
+                <a:blip r:embed="rId2"/>
+                <a:stretch>
+                  <a:fillRect l="-1352" t="-3828"/>
+                </a:stretch>
+              </a:blipFill>
+            </p:spPr>
+            <p:txBody>
+              <a:bodyPr/>
+              <a:lstStyle/>
+              <a:p>
+                <a:r>
+                  <a:rPr lang="es-ES">
+                    <a:noFill/>
+                  </a:rPr>
+                  <a:t> </a:t>
+                </a:r>
+              </a:p>
+            </p:txBody>
+          </p:sp>
+        </mc:Fallback>
+      </mc:AlternateContent>
+      <p:sp>
+        <p:nvSpPr>
+          <p:cNvPr id="4" name="Marcador de pie de página 3">
+            <a:extLst>
+              <a:ext uri="{FF2B5EF4-FFF2-40B4-BE49-F238E27FC236}">
+                <a16:creationId xmlns:a16="http://schemas.microsoft.com/office/drawing/2014/main" id="{38B0C3F3-DF84-ABE6-7262-11AC687E7802}"/>
+              </a:ext>
+            </a:extLst>
+          </p:cNvPr>
+          <p:cNvSpPr>
+            <a:spLocks noGrp="1"/>
+          </p:cNvSpPr>
+          <p:nvPr>
+            <p:ph type="ftr" sz="quarter" idx="11"/>
+          </p:nvPr>
+        </p:nvSpPr>
+        <p:spPr/>
+        <p:txBody>
+          <a:bodyPr/>
+          <a:lstStyle/>
+          <a:p>
+            <a:pPr algn="ctr">
+              <a:lnSpc>
+                <a:spcPct val="150000"/>
+              </a:lnSpc>
+              <a:spcAft>
+                <a:spcPts val="800"/>
+              </a:spcAft>
+            </a:pPr>
+            <a:r>
+              <a:rPr lang="en-US" sz="1800" b="1" kern="100" dirty="0">
+                <a:effectLst/>
+                <a:latin typeface="Times New Roman" panose="02020603050405020304" pitchFamily="18" charset="0"/>
+                <a:ea typeface="Aptos" panose="020B0004020202020204" pitchFamily="34" charset="0"/>
+                <a:cs typeface="Times New Roman" panose="02020603050405020304" pitchFamily="18" charset="0"/>
+              </a:rPr>
+              <a:t>Using sensitivity analysis and visualization techniques to open black box data mining models: a </a:t>
+            </a:r>
+            <a:r>
+              <a:rPr lang="en-US" sz="1800" b="1" kern="100" dirty="0" err="1">
+                <a:effectLst/>
+                <a:latin typeface="Times New Roman" panose="02020603050405020304" pitchFamily="18" charset="0"/>
+                <a:ea typeface="Aptos" panose="020B0004020202020204" pitchFamily="34" charset="0"/>
+                <a:cs typeface="Times New Roman" panose="02020603050405020304" pitchFamily="18" charset="0"/>
+              </a:rPr>
+              <a:t>rminer</a:t>
+            </a:r>
+            <a:r>
+              <a:rPr lang="en-US" sz="1800" b="1" kern="100" dirty="0">
+                <a:effectLst/>
+                <a:latin typeface="Times New Roman" panose="02020603050405020304" pitchFamily="18" charset="0"/>
+                <a:ea typeface="Aptos" panose="020B0004020202020204" pitchFamily="34" charset="0"/>
+                <a:cs typeface="Times New Roman" panose="02020603050405020304" pitchFamily="18" charset="0"/>
+              </a:rPr>
+              <a:t> example</a:t>
+            </a:r>
+            <a:endParaRPr lang="es-ES" sz="1600" kern="100" dirty="0">
+              <a:effectLst/>
+              <a:latin typeface="Times New Roman" panose="02020603050405020304" pitchFamily="18" charset="0"/>
+              <a:ea typeface="Aptos" panose="020B0004020202020204" pitchFamily="34" charset="0"/>
+              <a:cs typeface="Times New Roman" panose="02020603050405020304" pitchFamily="18" charset="0"/>
+            </a:endParaRPr>
+          </a:p>
+        </p:txBody>
+      </p:sp>
+      <p:sp>
+        <p:nvSpPr>
+          <p:cNvPr id="5" name="Marcador de número de diapositiva 4">
+            <a:extLst>
+              <a:ext uri="{FF2B5EF4-FFF2-40B4-BE49-F238E27FC236}">
+                <a16:creationId xmlns:a16="http://schemas.microsoft.com/office/drawing/2014/main" id="{F811842D-C9BE-93E8-1152-B7297C5CF176}"/>
+              </a:ext>
+            </a:extLst>
+          </p:cNvPr>
+          <p:cNvSpPr>
+            <a:spLocks noGrp="1"/>
+          </p:cNvSpPr>
+          <p:nvPr>
+            <p:ph type="sldNum" sz="quarter" idx="12"/>
+          </p:nvPr>
+        </p:nvSpPr>
+        <p:spPr/>
+        <p:txBody>
+          <a:bodyPr/>
+          <a:lstStyle/>
+          <a:p>
+            <a:fld id="{DBFF9636-A71C-488A-89F8-02E08556F10C}" type="slidenum">
+              <a:rPr lang="es-ES" smtClean="0"/>
+              <a:pPr/>
+              <a:t>27</a:t>
+            </a:fld>
+            <a:endParaRPr lang="es-ES" dirty="0"/>
+          </a:p>
+        </p:txBody>
+      </p:sp>
+      <mc:AlternateContent xmlns:mc="http://schemas.openxmlformats.org/markup-compatibility/2006">
+        <mc:Choice xmlns:a14="http://schemas.microsoft.com/office/drawing/2010/main" Requires="a14">
+          <p:graphicFrame>
+            <p:nvGraphicFramePr>
+              <p:cNvPr id="6" name="Tabla 5">
+                <a:extLst>
+                  <a:ext uri="{FF2B5EF4-FFF2-40B4-BE49-F238E27FC236}">
+                    <a16:creationId xmlns:a16="http://schemas.microsoft.com/office/drawing/2014/main" id="{A84E4F4F-5B5D-384B-F76B-BC69EC2FC0C0}"/>
+                  </a:ext>
+                </a:extLst>
+              </p:cNvPr>
+              <p:cNvGraphicFramePr>
+                <a:graphicFrameLocks noGrp="1"/>
+              </p:cNvGraphicFramePr>
+              <p:nvPr/>
+            </p:nvGraphicFramePr>
+            <p:xfrm>
+              <a:off x="3048000" y="4613203"/>
+              <a:ext cx="12192000" cy="1541272"/>
+            </p:xfrm>
+            <a:graphic>
+              <a:graphicData uri="http://schemas.openxmlformats.org/drawingml/2006/table">
+                <a:tbl>
+                  <a:tblPr firstRow="1" bandRow="1">
+                    <a:tableStyleId>{9D7B26C5-4107-4FEC-AEDC-1716B250A1EF}</a:tableStyleId>
+                  </a:tblPr>
+                  <a:tblGrid>
+                    <a:gridCol w="4064000">
+                      <a:extLst>
+                        <a:ext uri="{9D8B030D-6E8A-4147-A177-3AD203B41FA5}">
+                          <a16:colId xmlns:a16="http://schemas.microsoft.com/office/drawing/2014/main" val="565072992"/>
+                        </a:ext>
+                      </a:extLst>
+                    </a:gridCol>
+                    <a:gridCol w="4064000">
+                      <a:extLst>
+                        <a:ext uri="{9D8B030D-6E8A-4147-A177-3AD203B41FA5}">
+                          <a16:colId xmlns:a16="http://schemas.microsoft.com/office/drawing/2014/main" val="3714311927"/>
+                        </a:ext>
+                      </a:extLst>
+                    </a:gridCol>
+                    <a:gridCol w="4064000">
+                      <a:extLst>
+                        <a:ext uri="{9D8B030D-6E8A-4147-A177-3AD203B41FA5}">
+                          <a16:colId xmlns:a16="http://schemas.microsoft.com/office/drawing/2014/main" val="3600416966"/>
+                        </a:ext>
+                      </a:extLst>
+                    </a:gridCol>
+                  </a:tblGrid>
+                  <a:tr h="370840">
+                    <a:tc>
+                      <a:txBody>
+                        <a:bodyPr/>
+                        <a:lstStyle/>
+                        <a:p>
+                          <a:r>
+                            <a:rPr lang="es-ES" dirty="0"/>
+                            <a:t>Method</a:t>
+                          </a:r>
+                        </a:p>
+                      </a:txBody>
+                      <a:tcPr/>
+                    </a:tc>
+                    <a:tc>
+                      <a:txBody>
+                        <a:bodyPr/>
+                        <a:lstStyle/>
+                        <a:p>
+                          <a:pPr/>
+                          <a14:m>
+                            <m:oMathPara xmlns:m="http://schemas.openxmlformats.org/officeDocument/2006/math">
+                              <m:oMathParaPr>
+                                <m:jc m:val="centerGroup"/>
+                              </m:oMathParaPr>
+                              <m:oMath xmlns:m="http://schemas.openxmlformats.org/officeDocument/2006/math">
+                                <m:sSub>
+                                  <m:sSubPr>
+                                    <m:ctrlPr>
+                                      <a:rPr lang="es-ES" b="0" i="1" smtClean="0">
+                                        <a:latin typeface="Cambria Math" panose="02040503050406030204" pitchFamily="18" charset="0"/>
+                                      </a:rPr>
+                                    </m:ctrlPr>
+                                  </m:sSubPr>
+                                  <m:e>
+                                    <m:r>
+                                      <a:rPr lang="es-ES" b="1" smtClean="0">
+                                        <a:latin typeface="Cambria Math" panose="02040503050406030204" pitchFamily="18" charset="0"/>
+                                      </a:rPr>
+                                      <m:t>𝒙</m:t>
+                                    </m:r>
+                                  </m:e>
+                                  <m:sub>
+                                    <m:r>
+                                      <a:rPr lang="es-ES" b="0" smtClean="0">
+                                        <a:latin typeface="Cambria Math" panose="02040503050406030204" pitchFamily="18" charset="0"/>
+                                      </a:rPr>
+                                      <m:t>𝑥</m:t>
+                                    </m:r>
+                                    <m:r>
+                                      <a:rPr lang="es-ES" b="0" smtClean="0">
+                                        <a:latin typeface="Cambria Math" panose="02040503050406030204" pitchFamily="18" charset="0"/>
+                                      </a:rPr>
+                                      <m:t>1</m:t>
+                                    </m:r>
+                                  </m:sub>
+                                </m:sSub>
+                              </m:oMath>
+                            </m:oMathPara>
+                          </a14:m>
+                          <a:endParaRPr lang="es-ES" dirty="0"/>
+                        </a:p>
+                      </a:txBody>
+                      <a:tcPr/>
+                    </a:tc>
+                    <a:tc>
+                      <a:txBody>
+                        <a:bodyPr/>
+                        <a:lstStyle/>
+                        <a:p>
+                          <a:pPr/>
+                          <a14:m>
+                            <m:oMathPara xmlns:m="http://schemas.openxmlformats.org/officeDocument/2006/math">
+                              <m:oMathParaPr>
+                                <m:jc m:val="centerGroup"/>
+                              </m:oMathParaPr>
+                              <m:oMath xmlns:m="http://schemas.openxmlformats.org/officeDocument/2006/math">
+                                <m:sSub>
+                                  <m:sSubPr>
+                                    <m:ctrlPr>
+                                      <a:rPr lang="es-ES" b="0" i="1" smtClean="0">
+                                        <a:latin typeface="Cambria Math" panose="02040503050406030204" pitchFamily="18" charset="0"/>
+                                      </a:rPr>
+                                    </m:ctrlPr>
+                                  </m:sSubPr>
+                                  <m:e>
+                                    <m:r>
+                                      <a:rPr lang="es-ES" b="1" smtClean="0">
+                                        <a:latin typeface="Cambria Math" panose="02040503050406030204" pitchFamily="18" charset="0"/>
+                                      </a:rPr>
+                                      <m:t>𝒙</m:t>
+                                    </m:r>
+                                  </m:e>
+                                  <m:sub>
+                                    <m:r>
+                                      <a:rPr lang="es-ES" b="0" smtClean="0">
+                                        <a:latin typeface="Cambria Math" panose="02040503050406030204" pitchFamily="18" charset="0"/>
+                                      </a:rPr>
+                                      <m:t>𝑦</m:t>
+                                    </m:r>
+                                  </m:sub>
+                                </m:sSub>
+                              </m:oMath>
+                            </m:oMathPara>
+                          </a14:m>
+                          <a:endParaRPr lang="es-ES" dirty="0"/>
+                        </a:p>
+                      </a:txBody>
+                      <a:tcPr/>
+                    </a:tc>
+                    <a:extLst>
+                      <a:ext uri="{0D108BD9-81ED-4DB2-BD59-A6C34878D82A}">
+                        <a16:rowId xmlns:a16="http://schemas.microsoft.com/office/drawing/2014/main" val="3081208129"/>
+                      </a:ext>
+                    </a:extLst>
+                  </a:tr>
+                  <a:tr h="370840">
+                    <a:tc>
+                      <a:txBody>
+                        <a:bodyPr/>
+                        <a:lstStyle/>
+                        <a:p>
+                          <a:r>
+                            <a:rPr lang="es-ES" dirty="0"/>
+                            <a:t>1D-SA</a:t>
+                          </a:r>
+                        </a:p>
+                      </a:txBody>
+                      <a:tcPr/>
+                    </a:tc>
+                    <a:tc>
+                      <a:txBody>
+                        <a:bodyPr/>
+                        <a:lstStyle/>
+                        <a:p>
+                          <a:pPr algn="ctr"/>
+                          <a:r>
+                            <a:rPr lang="es-ES" dirty="0"/>
+                            <a:t>0.46</a:t>
+                          </a:r>
+                        </a:p>
+                      </a:txBody>
+                      <a:tcPr/>
+                    </a:tc>
+                    <a:tc>
+                      <a:txBody>
+                        <a:bodyPr/>
+                        <a:lstStyle/>
+                        <a:p>
+                          <a:pPr algn="ctr"/>
+                          <a:r>
+                            <a:rPr lang="es-ES" dirty="0"/>
+                            <a:t>0.54</a:t>
+                          </a:r>
+                        </a:p>
+                      </a:txBody>
+                      <a:tcPr/>
+                    </a:tc>
+                    <a:extLst>
+                      <a:ext uri="{0D108BD9-81ED-4DB2-BD59-A6C34878D82A}">
+                        <a16:rowId xmlns:a16="http://schemas.microsoft.com/office/drawing/2014/main" val="3493144764"/>
+                      </a:ext>
+                    </a:extLst>
+                  </a:tr>
+                  <a:tr h="370840">
+                    <a:tc>
+                      <a:txBody>
+                        <a:bodyPr/>
+                        <a:lstStyle/>
+                        <a:p>
+                          <a:r>
+                            <a:rPr lang="es-ES" dirty="0"/>
+                            <a:t>GSA (#F=2)</a:t>
+                          </a:r>
+                        </a:p>
+                      </a:txBody>
+                      <a:tcPr/>
+                    </a:tc>
+                    <a:tc>
+                      <a:txBody>
+                        <a:bodyPr/>
+                        <a:lstStyle/>
+                        <a:p>
+                          <a:pPr algn="ctr"/>
+                          <a:r>
+                            <a:rPr lang="es-ES" dirty="0"/>
+                            <a:t>0.50</a:t>
+                          </a:r>
+                        </a:p>
+                      </a:txBody>
+                      <a:tcPr/>
+                    </a:tc>
+                    <a:tc>
+                      <a:txBody>
+                        <a:bodyPr/>
+                        <a:lstStyle/>
+                        <a:p>
+                          <a:pPr algn="ctr"/>
+                          <a:r>
+                            <a:rPr lang="es-ES" dirty="0"/>
+                            <a:t>0.50</a:t>
+                          </a:r>
+                        </a:p>
+                      </a:txBody>
+                      <a:tcPr/>
+                    </a:tc>
+                    <a:extLst>
+                      <a:ext uri="{0D108BD9-81ED-4DB2-BD59-A6C34878D82A}">
+                        <a16:rowId xmlns:a16="http://schemas.microsoft.com/office/drawing/2014/main" val="3341117997"/>
+                      </a:ext>
+                    </a:extLst>
+                  </a:tr>
+                </a:tbl>
+              </a:graphicData>
+            </a:graphic>
+          </p:graphicFrame>
+        </mc:Choice>
+        <mc:Fallback>
+          <p:graphicFrame>
+            <p:nvGraphicFramePr>
+              <p:cNvPr id="6" name="Tabla 5">
+                <a:extLst>
+                  <a:ext uri="{FF2B5EF4-FFF2-40B4-BE49-F238E27FC236}">
+                    <a16:creationId xmlns:a16="http://schemas.microsoft.com/office/drawing/2014/main" id="{A84E4F4F-5B5D-384B-F76B-BC69EC2FC0C0}"/>
+                  </a:ext>
+                </a:extLst>
+              </p:cNvPr>
+              <p:cNvGraphicFramePr>
+                <a:graphicFrameLocks noGrp="1"/>
+              </p:cNvGraphicFramePr>
+              <p:nvPr/>
+            </p:nvGraphicFramePr>
+            <p:xfrm>
+              <a:off x="3048000" y="4613203"/>
+              <a:ext cx="12192000" cy="1541272"/>
+            </p:xfrm>
+            <a:graphic>
+              <a:graphicData uri="http://schemas.openxmlformats.org/drawingml/2006/table">
+                <a:tbl>
+                  <a:tblPr firstRow="1" bandRow="1">
+                    <a:tableStyleId>{9D7B26C5-4107-4FEC-AEDC-1716B250A1EF}</a:tableStyleId>
+                  </a:tblPr>
+                  <a:tblGrid>
+                    <a:gridCol w="4064000">
+                      <a:extLst>
+                        <a:ext uri="{9D8B030D-6E8A-4147-A177-3AD203B41FA5}">
+                          <a16:colId xmlns:a16="http://schemas.microsoft.com/office/drawing/2014/main" val="565072992"/>
+                        </a:ext>
+                      </a:extLst>
+                    </a:gridCol>
+                    <a:gridCol w="4064000">
+                      <a:extLst>
+                        <a:ext uri="{9D8B030D-6E8A-4147-A177-3AD203B41FA5}">
+                          <a16:colId xmlns:a16="http://schemas.microsoft.com/office/drawing/2014/main" val="3714311927"/>
+                        </a:ext>
+                      </a:extLst>
+                    </a:gridCol>
+                    <a:gridCol w="4064000">
+                      <a:extLst>
+                        <a:ext uri="{9D8B030D-6E8A-4147-A177-3AD203B41FA5}">
+                          <a16:colId xmlns:a16="http://schemas.microsoft.com/office/drawing/2014/main" val="3600416966"/>
+                        </a:ext>
+                      </a:extLst>
+                    </a:gridCol>
+                  </a:tblGrid>
+                  <a:tr h="535432">
+                    <a:tc>
+                      <a:txBody>
+                        <a:bodyPr/>
+                        <a:lstStyle/>
+                        <a:p>
+                          <a:r>
+                            <a:rPr lang="es-ES" dirty="0"/>
+                            <a:t>Method</a:t>
+                          </a:r>
+                        </a:p>
+                      </a:txBody>
+                      <a:tcPr/>
+                    </a:tc>
+                    <a:tc>
+                      <a:txBody>
+                        <a:bodyPr/>
+                        <a:lstStyle/>
+                        <a:p>
+                          <a:endParaRPr lang="es-ES"/>
+                        </a:p>
+                      </a:txBody>
+                      <a:tcPr>
+                        <a:blipFill>
+                          <a:blip r:embed="rId3"/>
+                          <a:stretch>
+                            <a:fillRect l="-100150" t="-9091" r="-100450" b="-219318"/>
+                          </a:stretch>
+                        </a:blipFill>
+                      </a:tcPr>
+                    </a:tc>
+                    <a:tc>
+                      <a:txBody>
+                        <a:bodyPr/>
+                        <a:lstStyle/>
+                        <a:p>
+                          <a:endParaRPr lang="es-ES"/>
+                        </a:p>
+                      </a:txBody>
+                      <a:tcPr>
+                        <a:blipFill>
+                          <a:blip r:embed="rId3"/>
+                          <a:stretch>
+                            <a:fillRect l="-199850" t="-9091" r="-300" b="-219318"/>
+                          </a:stretch>
+                        </a:blipFill>
+                      </a:tcPr>
+                    </a:tc>
+                    <a:extLst>
+                      <a:ext uri="{0D108BD9-81ED-4DB2-BD59-A6C34878D82A}">
+                        <a16:rowId xmlns:a16="http://schemas.microsoft.com/office/drawing/2014/main" val="3081208129"/>
+                      </a:ext>
+                    </a:extLst>
+                  </a:tr>
+                  <a:tr h="502920">
+                    <a:tc>
+                      <a:txBody>
+                        <a:bodyPr/>
+                        <a:lstStyle/>
+                        <a:p>
+                          <a:r>
+                            <a:rPr lang="es-ES" dirty="0"/>
+                            <a:t>1D-SA</a:t>
+                          </a:r>
+                        </a:p>
+                      </a:txBody>
+                      <a:tcPr/>
+                    </a:tc>
+                    <a:tc>
+                      <a:txBody>
+                        <a:bodyPr/>
+                        <a:lstStyle/>
+                        <a:p>
+                          <a:pPr algn="ctr"/>
+                          <a:r>
+                            <a:rPr lang="es-ES" dirty="0"/>
+                            <a:t>0.46</a:t>
+                          </a:r>
+                        </a:p>
+                      </a:txBody>
+                      <a:tcPr/>
+                    </a:tc>
+                    <a:tc>
+                      <a:txBody>
+                        <a:bodyPr/>
+                        <a:lstStyle/>
+                        <a:p>
+                          <a:pPr algn="ctr"/>
+                          <a:r>
+                            <a:rPr lang="es-ES" dirty="0"/>
+                            <a:t>0.54</a:t>
+                          </a:r>
+                        </a:p>
+                      </a:txBody>
+                      <a:tcPr/>
+                    </a:tc>
+                    <a:extLst>
+                      <a:ext uri="{0D108BD9-81ED-4DB2-BD59-A6C34878D82A}">
+                        <a16:rowId xmlns:a16="http://schemas.microsoft.com/office/drawing/2014/main" val="3493144764"/>
+                      </a:ext>
+                    </a:extLst>
+                  </a:tr>
+                  <a:tr h="502920">
+                    <a:tc>
+                      <a:txBody>
+                        <a:bodyPr/>
+                        <a:lstStyle/>
+                        <a:p>
+                          <a:r>
+                            <a:rPr lang="es-ES" dirty="0"/>
+                            <a:t>GSA (#F=2)</a:t>
+                          </a:r>
+                        </a:p>
+                      </a:txBody>
+                      <a:tcPr/>
+                    </a:tc>
+                    <a:tc>
+                      <a:txBody>
+                        <a:bodyPr/>
+                        <a:lstStyle/>
+                        <a:p>
+                          <a:pPr algn="ctr"/>
+                          <a:r>
+                            <a:rPr lang="es-ES" dirty="0"/>
+                            <a:t>0.50</a:t>
+                          </a:r>
+                        </a:p>
+                      </a:txBody>
+                      <a:tcPr/>
+                    </a:tc>
+                    <a:tc>
+                      <a:txBody>
+                        <a:bodyPr/>
+                        <a:lstStyle/>
+                        <a:p>
+                          <a:pPr algn="ctr"/>
+                          <a:r>
+                            <a:rPr lang="es-ES" dirty="0"/>
+                            <a:t>0.50</a:t>
+                          </a:r>
+                        </a:p>
+                      </a:txBody>
+                      <a:tcPr/>
+                    </a:tc>
+                    <a:extLst>
+                      <a:ext uri="{0D108BD9-81ED-4DB2-BD59-A6C34878D82A}">
+                        <a16:rowId xmlns:a16="http://schemas.microsoft.com/office/drawing/2014/main" val="3341117997"/>
+                      </a:ext>
+                    </a:extLst>
+                  </a:tr>
+                </a:tbl>
+              </a:graphicData>
+            </a:graphic>
+          </p:graphicFrame>
+        </mc:Fallback>
+      </mc:AlternateContent>
+    </p:spTree>
+    <p:extLst>
+      <p:ext uri="{BB962C8B-B14F-4D97-AF65-F5344CB8AC3E}">
+        <p14:creationId xmlns:p14="http://schemas.microsoft.com/office/powerpoint/2010/main" val="3968785600"/>
+      </p:ext>
+    </p:extLst>
+  </p:cSld>
+  <p:clrMapOvr>
+    <a:masterClrMapping/>
+  </p:clrMapOvr>
+</p:sld>
+</file>
+
+<file path=ppt/slides/slide28.xml><?xml version="1.0" encoding="utf-8"?>
 <p:sld xmlns:a="http://schemas.openxmlformats.org/drawingml/2006/main" xmlns:r="http://schemas.openxmlformats.org/officeDocument/2006/relationships" xmlns:p="http://schemas.openxmlformats.org/presentationml/2006/main">
   <p:cSld>
     <p:spTree>
@@ -32657,7 +34212,7 @@
             <a:fld id="{DBFF9636-A71C-488A-89F8-02E08556F10C}" type="slidenum">
               <a:rPr lang="es-ES" smtClean="0"/>
               <a:pPr/>
-              <a:t>27</a:t>
+              <a:t>28</a:t>
             </a:fld>
             <a:endParaRPr lang="es-ES" dirty="0"/>
           </a:p>
@@ -32667,276 +34222,6 @@
     <p:extLst>
       <p:ext uri="{BB962C8B-B14F-4D97-AF65-F5344CB8AC3E}">
         <p14:creationId xmlns:p14="http://schemas.microsoft.com/office/powerpoint/2010/main" val="3071165109"/>
-      </p:ext>
-    </p:extLst>
-  </p:cSld>
-  <p:clrMapOvr>
-    <a:masterClrMapping/>
-  </p:clrMapOvr>
-</p:sld>
-</file>
-
-<file path=ppt/slides/slide28.xml><?xml version="1.0" encoding="utf-8"?>
-<p:sld xmlns:a="http://schemas.openxmlformats.org/drawingml/2006/main" xmlns:r="http://schemas.openxmlformats.org/officeDocument/2006/relationships" xmlns:p="http://schemas.openxmlformats.org/presentationml/2006/main">
-  <p:cSld>
-    <p:spTree>
-      <p:nvGrpSpPr>
-        <p:cNvPr id="1" name=""/>
-        <p:cNvGrpSpPr/>
-        <p:nvPr/>
-      </p:nvGrpSpPr>
-      <p:grpSpPr>
-        <a:xfrm>
-          <a:off x="0" y="0"/>
-          <a:ext cx="0" cy="0"/>
-          <a:chOff x="0" y="0"/>
-          <a:chExt cx="0" cy="0"/>
-        </a:xfrm>
-      </p:grpSpPr>
-      <p:sp>
-        <p:nvSpPr>
-          <p:cNvPr id="2" name="Título 1">
-            <a:extLst>
-              <a:ext uri="{FF2B5EF4-FFF2-40B4-BE49-F238E27FC236}">
-                <a16:creationId xmlns:a16="http://schemas.microsoft.com/office/drawing/2014/main" id="{8DA03B8B-503C-2AD5-0C58-C6F2AD684972}"/>
-              </a:ext>
-            </a:extLst>
-          </p:cNvPr>
-          <p:cNvSpPr>
-            <a:spLocks noGrp="1"/>
-          </p:cNvSpPr>
-          <p:nvPr>
-            <p:ph type="title"/>
-          </p:nvPr>
-        </p:nvSpPr>
-        <p:spPr/>
-        <p:txBody>
-          <a:bodyPr/>
-          <a:lstStyle/>
-          <a:p>
-            <a:r>
-              <a:rPr lang="en-US" b="1" dirty="0">
-                <a:latin typeface="Times New Roman" panose="02020603050405020304" pitchFamily="18" charset="0"/>
-                <a:ea typeface="Aptos" panose="020B0004020202020204" pitchFamily="34" charset="0"/>
-              </a:rPr>
-              <a:t>T</a:t>
-            </a:r>
-            <a:r>
-              <a:rPr lang="en-US" sz="6600" b="1" dirty="0">
-                <a:effectLst/>
-                <a:latin typeface="Times New Roman" panose="02020603050405020304" pitchFamily="18" charset="0"/>
-                <a:ea typeface="Aptos" panose="020B0004020202020204" pitchFamily="34" charset="0"/>
-              </a:rPr>
-              <a:t>he efficiency assessment of the Spanish educational sector</a:t>
-            </a:r>
-            <a:endParaRPr lang="en-GB" dirty="0"/>
-          </a:p>
-        </p:txBody>
-      </p:sp>
-      <p:sp>
-        <p:nvSpPr>
-          <p:cNvPr id="4" name="Marcador de pie de página 3">
-            <a:extLst>
-              <a:ext uri="{FF2B5EF4-FFF2-40B4-BE49-F238E27FC236}">
-                <a16:creationId xmlns:a16="http://schemas.microsoft.com/office/drawing/2014/main" id="{87703923-EE12-C293-D06F-AFF34520FABA}"/>
-              </a:ext>
-            </a:extLst>
-          </p:cNvPr>
-          <p:cNvSpPr>
-            <a:spLocks noGrp="1"/>
-          </p:cNvSpPr>
-          <p:nvPr>
-            <p:ph type="ftr" sz="quarter" idx="11"/>
-          </p:nvPr>
-        </p:nvSpPr>
-        <p:spPr/>
-        <p:txBody>
-          <a:bodyPr/>
-          <a:lstStyle/>
-          <a:p>
-            <a:pPr algn="ctr">
-              <a:lnSpc>
-                <a:spcPct val="150000"/>
-              </a:lnSpc>
-              <a:spcAft>
-                <a:spcPts val="800"/>
-              </a:spcAft>
-            </a:pPr>
-            <a:r>
-              <a:rPr lang="en-US" sz="1800" b="1" kern="100" dirty="0">
-                <a:effectLst/>
-                <a:latin typeface="Times New Roman" panose="02020603050405020304" pitchFamily="18" charset="0"/>
-                <a:ea typeface="Aptos" panose="020B0004020202020204" pitchFamily="34" charset="0"/>
-                <a:cs typeface="Times New Roman" panose="02020603050405020304" pitchFamily="18" charset="0"/>
-              </a:rPr>
-              <a:t>A novel approach for efficiency evaluation through the integration of standard Machine Learning classification models and Data Envelopment Analysis</a:t>
-            </a:r>
-            <a:endParaRPr lang="es-ES" sz="1600" kern="100" dirty="0">
-              <a:effectLst/>
-              <a:latin typeface="Times New Roman" panose="02020603050405020304" pitchFamily="18" charset="0"/>
-              <a:ea typeface="Aptos" panose="020B0004020202020204" pitchFamily="34" charset="0"/>
-              <a:cs typeface="Times New Roman" panose="02020603050405020304" pitchFamily="18" charset="0"/>
-            </a:endParaRPr>
-          </a:p>
-        </p:txBody>
-      </p:sp>
-      <p:sp>
-        <p:nvSpPr>
-          <p:cNvPr id="5" name="Marcador de número de diapositiva 4">
-            <a:extLst>
-              <a:ext uri="{FF2B5EF4-FFF2-40B4-BE49-F238E27FC236}">
-                <a16:creationId xmlns:a16="http://schemas.microsoft.com/office/drawing/2014/main" id="{0C3F2C01-39A2-4C46-9D03-67A37C26B66E}"/>
-              </a:ext>
-            </a:extLst>
-          </p:cNvPr>
-          <p:cNvSpPr>
-            <a:spLocks noGrp="1"/>
-          </p:cNvSpPr>
-          <p:nvPr>
-            <p:ph type="sldNum" sz="quarter" idx="12"/>
-          </p:nvPr>
-        </p:nvSpPr>
-        <p:spPr/>
-        <p:txBody>
-          <a:bodyPr/>
-          <a:lstStyle/>
-          <a:p>
-            <a:fld id="{DBFF9636-A71C-488A-89F8-02E08556F10C}" type="slidenum">
-              <a:rPr lang="es-ES" smtClean="0"/>
-              <a:pPr/>
-              <a:t>28</a:t>
-            </a:fld>
-            <a:endParaRPr lang="es-ES" dirty="0"/>
-          </a:p>
-        </p:txBody>
-      </p:sp>
-      <p:sp>
-        <p:nvSpPr>
-          <p:cNvPr id="3" name="Marcador de contenido 2">
-            <a:extLst>
-              <a:ext uri="{FF2B5EF4-FFF2-40B4-BE49-F238E27FC236}">
-                <a16:creationId xmlns:a16="http://schemas.microsoft.com/office/drawing/2014/main" id="{6DFA8D77-6114-5058-4500-99FF53E70859}"/>
-              </a:ext>
-            </a:extLst>
-          </p:cNvPr>
-          <p:cNvSpPr>
-            <a:spLocks noGrp="1"/>
-          </p:cNvSpPr>
-          <p:nvPr>
-            <p:ph idx="1"/>
-          </p:nvPr>
-        </p:nvSpPr>
-        <p:spPr>
-          <a:xfrm>
-            <a:off x="831520" y="3097269"/>
-            <a:ext cx="16595985" cy="5850074"/>
-          </a:xfrm>
-        </p:spPr>
-        <p:txBody>
-          <a:bodyPr>
-            <a:normAutofit/>
-          </a:bodyPr>
-          <a:lstStyle/>
-          <a:p>
-            <a:r>
-              <a:rPr lang="es-ES" dirty="0"/>
-              <a:t>A </a:t>
-            </a:r>
-            <a:r>
-              <a:rPr lang="es-ES" dirty="0" err="1"/>
-              <a:t>dataset</a:t>
-            </a:r>
-            <a:r>
-              <a:rPr lang="es-ES" dirty="0"/>
-              <a:t> </a:t>
-            </a:r>
-            <a:r>
-              <a:rPr lang="es-ES" dirty="0" err="1"/>
-              <a:t>obtained</a:t>
-            </a:r>
-            <a:r>
-              <a:rPr lang="es-ES" dirty="0"/>
-              <a:t> </a:t>
-            </a:r>
-            <a:r>
-              <a:rPr lang="es-ES" dirty="0" err="1"/>
-              <a:t>from</a:t>
-            </a:r>
-            <a:r>
-              <a:rPr lang="es-ES" dirty="0"/>
-              <a:t> </a:t>
-            </a:r>
-            <a:r>
-              <a:rPr lang="es-ES" dirty="0" err="1"/>
-              <a:t>the</a:t>
-            </a:r>
-            <a:r>
-              <a:rPr lang="es-ES" dirty="0"/>
-              <a:t> </a:t>
-            </a:r>
-            <a:r>
-              <a:rPr lang="es-ES" dirty="0" err="1"/>
-              <a:t>Programme</a:t>
-            </a:r>
-            <a:r>
-              <a:rPr lang="es-ES" dirty="0"/>
-              <a:t> </a:t>
-            </a:r>
-            <a:r>
-              <a:rPr lang="es-ES" dirty="0" err="1"/>
-              <a:t>for</a:t>
-            </a:r>
-            <a:r>
-              <a:rPr lang="es-ES" dirty="0"/>
-              <a:t> International </a:t>
-            </a:r>
-            <a:r>
-              <a:rPr lang="es-ES" dirty="0" err="1"/>
-              <a:t>Student</a:t>
-            </a:r>
-            <a:r>
-              <a:rPr lang="es-ES" dirty="0"/>
-              <a:t> </a:t>
-            </a:r>
-            <a:r>
-              <a:rPr lang="es-ES" dirty="0" err="1"/>
-              <a:t>Assessment</a:t>
-            </a:r>
-            <a:r>
-              <a:rPr lang="es-ES" dirty="0"/>
-              <a:t> (PISA).</a:t>
-            </a:r>
-          </a:p>
-          <a:p>
-            <a:r>
-              <a:rPr lang="en-US" dirty="0"/>
-              <a:t>The dataset utilized encompasses data from the year 2018, comprising anonymized records from 999 Spanish schools randomly selected by the OECD.</a:t>
-            </a:r>
-          </a:p>
-          <a:p>
-            <a:r>
-              <a:rPr lang="en-GB" dirty="0"/>
-              <a:t>Input variables: EDUQUAL, ESCS and TSRATIO.</a:t>
-            </a:r>
-          </a:p>
-          <a:p>
-            <a:r>
-              <a:rPr lang="en-GB" dirty="0"/>
-              <a:t>Output variables: PVMATH, PVREAD and PVSCIE.</a:t>
-            </a:r>
-          </a:p>
-          <a:p>
-            <a:r>
-              <a:rPr lang="en-GB" dirty="0"/>
-              <a:t>Contextual variables: REGION and SCHLTYPE.</a:t>
-            </a:r>
-          </a:p>
-        </p:txBody>
-      </p:sp>
-    </p:spTree>
-    <p:extLst>
-      <p:ext uri="{BB962C8B-B14F-4D97-AF65-F5344CB8AC3E}">
-        <p14:creationId xmlns:p14="http://schemas.microsoft.com/office/powerpoint/2010/main" val="842433755"/>
       </p:ext>
     </p:extLst>
   </p:cSld>
@@ -33075,6 +34360,700 @@
               <a:rPr lang="es-ES" smtClean="0"/>
               <a:pPr/>
               <a:t>29</a:t>
+            </a:fld>
+            <a:endParaRPr lang="es-ES" dirty="0"/>
+          </a:p>
+        </p:txBody>
+      </p:sp>
+      <p:sp>
+        <p:nvSpPr>
+          <p:cNvPr id="3" name="Marcador de contenido 2">
+            <a:extLst>
+              <a:ext uri="{FF2B5EF4-FFF2-40B4-BE49-F238E27FC236}">
+                <a16:creationId xmlns:a16="http://schemas.microsoft.com/office/drawing/2014/main" id="{6DFA8D77-6114-5058-4500-99FF53E70859}"/>
+              </a:ext>
+            </a:extLst>
+          </p:cNvPr>
+          <p:cNvSpPr>
+            <a:spLocks noGrp="1"/>
+          </p:cNvSpPr>
+          <p:nvPr>
+            <p:ph idx="1"/>
+          </p:nvPr>
+        </p:nvSpPr>
+        <p:spPr>
+          <a:xfrm>
+            <a:off x="831520" y="3097269"/>
+            <a:ext cx="16595985" cy="5850074"/>
+          </a:xfrm>
+        </p:spPr>
+        <p:txBody>
+          <a:bodyPr>
+            <a:normAutofit/>
+          </a:bodyPr>
+          <a:lstStyle/>
+          <a:p>
+            <a:r>
+              <a:rPr lang="es-ES" dirty="0"/>
+              <a:t>A </a:t>
+            </a:r>
+            <a:r>
+              <a:rPr lang="es-ES" dirty="0" err="1"/>
+              <a:t>dataset</a:t>
+            </a:r>
+            <a:r>
+              <a:rPr lang="es-ES" dirty="0"/>
+              <a:t> </a:t>
+            </a:r>
+            <a:r>
+              <a:rPr lang="es-ES" dirty="0" err="1"/>
+              <a:t>obtained</a:t>
+            </a:r>
+            <a:r>
+              <a:rPr lang="es-ES" dirty="0"/>
+              <a:t> </a:t>
+            </a:r>
+            <a:r>
+              <a:rPr lang="es-ES" dirty="0" err="1"/>
+              <a:t>from</a:t>
+            </a:r>
+            <a:r>
+              <a:rPr lang="es-ES" dirty="0"/>
+              <a:t> </a:t>
+            </a:r>
+            <a:r>
+              <a:rPr lang="es-ES" dirty="0" err="1"/>
+              <a:t>the</a:t>
+            </a:r>
+            <a:r>
+              <a:rPr lang="es-ES" dirty="0"/>
+              <a:t> </a:t>
+            </a:r>
+            <a:r>
+              <a:rPr lang="es-ES" dirty="0" err="1"/>
+              <a:t>Programme</a:t>
+            </a:r>
+            <a:r>
+              <a:rPr lang="es-ES" dirty="0"/>
+              <a:t> </a:t>
+            </a:r>
+            <a:r>
+              <a:rPr lang="es-ES" dirty="0" err="1"/>
+              <a:t>for</a:t>
+            </a:r>
+            <a:r>
+              <a:rPr lang="es-ES" dirty="0"/>
+              <a:t> International </a:t>
+            </a:r>
+            <a:r>
+              <a:rPr lang="es-ES" dirty="0" err="1"/>
+              <a:t>Student</a:t>
+            </a:r>
+            <a:r>
+              <a:rPr lang="es-ES" dirty="0"/>
+              <a:t> </a:t>
+            </a:r>
+            <a:r>
+              <a:rPr lang="es-ES" dirty="0" err="1"/>
+              <a:t>Assessment</a:t>
+            </a:r>
+            <a:r>
+              <a:rPr lang="es-ES" dirty="0"/>
+              <a:t> (PISA).</a:t>
+            </a:r>
+          </a:p>
+          <a:p>
+            <a:r>
+              <a:rPr lang="en-US" dirty="0"/>
+              <a:t>The dataset utilized encompasses data from the year 2018, comprising anonymized records from 999 Spanish schools randomly selected by the OECD.</a:t>
+            </a:r>
+          </a:p>
+          <a:p>
+            <a:r>
+              <a:rPr lang="en-GB" dirty="0"/>
+              <a:t>Input variables: EDUQUAL, ESCS and TSRATIO.</a:t>
+            </a:r>
+          </a:p>
+          <a:p>
+            <a:r>
+              <a:rPr lang="en-GB" dirty="0"/>
+              <a:t>Output variables: PVMATH, PVREAD and PVSCIE.</a:t>
+            </a:r>
+          </a:p>
+          <a:p>
+            <a:r>
+              <a:rPr lang="en-GB" dirty="0"/>
+              <a:t>Contextual variables: REGION and SCHLTYPE.</a:t>
+            </a:r>
+          </a:p>
+        </p:txBody>
+      </p:sp>
+    </p:spTree>
+    <p:extLst>
+      <p:ext uri="{BB962C8B-B14F-4D97-AF65-F5344CB8AC3E}">
+        <p14:creationId xmlns:p14="http://schemas.microsoft.com/office/powerpoint/2010/main" val="842433755"/>
+      </p:ext>
+    </p:extLst>
+  </p:cSld>
+  <p:clrMapOvr>
+    <a:masterClrMapping/>
+  </p:clrMapOvr>
+</p:sld>
+</file>
+
+<file path=ppt/slides/slide3.xml><?xml version="1.0" encoding="utf-8"?>
+<p:sld xmlns:a="http://schemas.openxmlformats.org/drawingml/2006/main" xmlns:r="http://schemas.openxmlformats.org/officeDocument/2006/relationships" xmlns:p="http://schemas.openxmlformats.org/presentationml/2006/main">
+  <p:cSld>
+    <p:spTree>
+      <p:nvGrpSpPr>
+        <p:cNvPr id="1" name=""/>
+        <p:cNvGrpSpPr/>
+        <p:nvPr/>
+      </p:nvGrpSpPr>
+      <p:grpSpPr>
+        <a:xfrm>
+          <a:off x="0" y="0"/>
+          <a:ext cx="0" cy="0"/>
+          <a:chOff x="0" y="0"/>
+          <a:chExt cx="0" cy="0"/>
+        </a:xfrm>
+      </p:grpSpPr>
+      <p:sp>
+        <p:nvSpPr>
+          <p:cNvPr id="2" name="Título 1">
+            <a:extLst>
+              <a:ext uri="{FF2B5EF4-FFF2-40B4-BE49-F238E27FC236}">
+                <a16:creationId xmlns:a16="http://schemas.microsoft.com/office/drawing/2014/main" id="{BFE94856-9D9C-4ED9-90BF-F310B65BA2C7}"/>
+              </a:ext>
+            </a:extLst>
+          </p:cNvPr>
+          <p:cNvSpPr>
+            <a:spLocks noGrp="1"/>
+          </p:cNvSpPr>
+          <p:nvPr>
+            <p:ph type="title"/>
+          </p:nvPr>
+        </p:nvSpPr>
+        <p:spPr/>
+        <p:txBody>
+          <a:bodyPr/>
+          <a:lstStyle/>
+          <a:p>
+            <a:r>
+              <a:rPr lang="en-AU" dirty="0"/>
+              <a:t>Bibliography</a:t>
+            </a:r>
+          </a:p>
+        </p:txBody>
+      </p:sp>
+      <p:sp>
+        <p:nvSpPr>
+          <p:cNvPr id="3" name="Marcador de contenido 2">
+            <a:extLst>
+              <a:ext uri="{FF2B5EF4-FFF2-40B4-BE49-F238E27FC236}">
+                <a16:creationId xmlns:a16="http://schemas.microsoft.com/office/drawing/2014/main" id="{92AD0A21-745E-4A0B-93F3-9909AF99A29B}"/>
+              </a:ext>
+            </a:extLst>
+          </p:cNvPr>
+          <p:cNvSpPr>
+            <a:spLocks noGrp="1"/>
+          </p:cNvSpPr>
+          <p:nvPr>
+            <p:ph idx="1"/>
+          </p:nvPr>
+        </p:nvSpPr>
+        <p:spPr/>
+        <p:txBody>
+          <a:bodyPr anchor="ctr">
+            <a:normAutofit/>
+          </a:bodyPr>
+          <a:lstStyle/>
+          <a:p>
+            <a:pPr>
+              <a:lnSpc>
+                <a:spcPct val="150000"/>
+              </a:lnSpc>
+              <a:spcBef>
+                <a:spcPts val="1200"/>
+              </a:spcBef>
+              <a:spcAft>
+                <a:spcPts val="1200"/>
+              </a:spcAft>
+            </a:pPr>
+            <a:r>
+              <a:rPr lang="en-US" sz="1800" b="0" i="0" dirty="0">
+                <a:solidFill>
+                  <a:srgbClr val="222222"/>
+                </a:solidFill>
+                <a:effectLst/>
+                <a:latin typeface="Arial" panose="020B0604020202020204" pitchFamily="34" charset="0"/>
+              </a:rPr>
+              <a:t>Cortez, P., &amp; </a:t>
+            </a:r>
+            <a:r>
+              <a:rPr lang="en-US" sz="1800" b="0" i="0" dirty="0" err="1">
+                <a:solidFill>
+                  <a:srgbClr val="222222"/>
+                </a:solidFill>
+                <a:effectLst/>
+                <a:latin typeface="Arial" panose="020B0604020202020204" pitchFamily="34" charset="0"/>
+              </a:rPr>
+              <a:t>Embrechts</a:t>
+            </a:r>
+            <a:r>
+              <a:rPr lang="en-US" sz="1800" b="0" i="0" dirty="0">
+                <a:solidFill>
+                  <a:srgbClr val="222222"/>
+                </a:solidFill>
+                <a:effectLst/>
+                <a:latin typeface="Arial" panose="020B0604020202020204" pitchFamily="34" charset="0"/>
+              </a:rPr>
+              <a:t>, M. J. (2013). Using sensitivity analysis and visualization techniques to open black box data mining models. </a:t>
+            </a:r>
+            <a:r>
+              <a:rPr lang="en-US" sz="1800" b="0" i="1" dirty="0">
+                <a:solidFill>
+                  <a:srgbClr val="222222"/>
+                </a:solidFill>
+                <a:effectLst/>
+                <a:latin typeface="Arial" panose="020B0604020202020204" pitchFamily="34" charset="0"/>
+              </a:rPr>
+              <a:t>Information Sciences</a:t>
+            </a:r>
+            <a:r>
+              <a:rPr lang="en-US" sz="1800" b="0" i="0" dirty="0">
+                <a:solidFill>
+                  <a:srgbClr val="222222"/>
+                </a:solidFill>
+                <a:effectLst/>
+                <a:latin typeface="Arial" panose="020B0604020202020204" pitchFamily="34" charset="0"/>
+              </a:rPr>
+              <a:t>, </a:t>
+            </a:r>
+            <a:r>
+              <a:rPr lang="en-US" sz="1800" b="0" i="1" dirty="0">
+                <a:solidFill>
+                  <a:srgbClr val="222222"/>
+                </a:solidFill>
+                <a:effectLst/>
+                <a:latin typeface="Arial" panose="020B0604020202020204" pitchFamily="34" charset="0"/>
+              </a:rPr>
+              <a:t>225</a:t>
+            </a:r>
+            <a:r>
+              <a:rPr lang="en-US" sz="1800" b="0" i="0" dirty="0">
+                <a:solidFill>
+                  <a:srgbClr val="222222"/>
+                </a:solidFill>
+                <a:effectLst/>
+                <a:latin typeface="Arial" panose="020B0604020202020204" pitchFamily="34" charset="0"/>
+              </a:rPr>
+              <a:t>, 1-17. </a:t>
+            </a:r>
+            <a:r>
+              <a:rPr lang="es-ES" sz="1800" b="0" i="0" u="none" strike="noStrike" dirty="0">
+                <a:effectLst/>
+                <a:latin typeface="ElsevierSans"/>
+                <a:hlinkClick r:id="rId2" tooltip="Persistent link using digital object identifier"/>
+              </a:rPr>
+              <a:t>https://doi.org/10.1016/j.ins.2012.10.039</a:t>
+            </a:r>
+            <a:endParaRPr lang="es-ES" sz="1800" b="0" i="0" u="none" strike="noStrike" dirty="0">
+              <a:effectLst/>
+              <a:latin typeface="ElsevierSans"/>
+            </a:endParaRPr>
+          </a:p>
+          <a:p>
+            <a:pPr>
+              <a:lnSpc>
+                <a:spcPct val="150000"/>
+              </a:lnSpc>
+              <a:spcBef>
+                <a:spcPts val="1200"/>
+              </a:spcBef>
+              <a:spcAft>
+                <a:spcPts val="1200"/>
+              </a:spcAft>
+            </a:pPr>
+            <a:r>
+              <a:rPr lang="en-US" sz="1800" b="0" i="0" dirty="0" err="1">
+                <a:solidFill>
+                  <a:srgbClr val="222222"/>
+                </a:solidFill>
+                <a:effectLst/>
+                <a:latin typeface="Arial" panose="020B0604020202020204" pitchFamily="34" charset="0"/>
+              </a:rPr>
+              <a:t>Kondapaneni</a:t>
+            </a:r>
+            <a:r>
+              <a:rPr lang="en-US" sz="1800" b="0" i="0" dirty="0">
+                <a:solidFill>
+                  <a:srgbClr val="222222"/>
+                </a:solidFill>
+                <a:effectLst/>
+                <a:latin typeface="Arial" panose="020B0604020202020204" pitchFamily="34" charset="0"/>
+              </a:rPr>
+              <a:t>, I., </a:t>
+            </a:r>
+            <a:r>
+              <a:rPr lang="en-US" sz="1800" b="0" i="0" dirty="0" err="1">
+                <a:solidFill>
+                  <a:srgbClr val="222222"/>
+                </a:solidFill>
+                <a:effectLst/>
+                <a:latin typeface="Arial" panose="020B0604020202020204" pitchFamily="34" charset="0"/>
+              </a:rPr>
+              <a:t>Kordík</a:t>
+            </a:r>
+            <a:r>
+              <a:rPr lang="en-US" sz="1800" b="0" i="0" dirty="0">
+                <a:solidFill>
+                  <a:srgbClr val="222222"/>
+                </a:solidFill>
+                <a:effectLst/>
+                <a:latin typeface="Arial" panose="020B0604020202020204" pitchFamily="34" charset="0"/>
+              </a:rPr>
+              <a:t>, P., &amp; </a:t>
+            </a:r>
+            <a:r>
+              <a:rPr lang="en-US" sz="1800" b="0" i="0" dirty="0" err="1">
+                <a:solidFill>
+                  <a:srgbClr val="222222"/>
+                </a:solidFill>
+                <a:effectLst/>
+                <a:latin typeface="Arial" panose="020B0604020202020204" pitchFamily="34" charset="0"/>
+              </a:rPr>
+              <a:t>Slavík</a:t>
+            </a:r>
+            <a:r>
+              <a:rPr lang="en-US" sz="1800" b="0" i="0" dirty="0">
+                <a:solidFill>
+                  <a:srgbClr val="222222"/>
+                </a:solidFill>
+                <a:effectLst/>
+                <a:latin typeface="Arial" panose="020B0604020202020204" pitchFamily="34" charset="0"/>
+              </a:rPr>
+              <a:t>, P. (2007, December). Visualization techniques utilizing the sensitivity analysis of models. In 2007 Winter Simulation Conference (pp. 730-737). IEEE. </a:t>
+            </a:r>
+            <a:r>
+              <a:rPr lang="en-US" sz="1800" b="0" i="0" dirty="0">
+                <a:solidFill>
+                  <a:srgbClr val="222222"/>
+                </a:solidFill>
+                <a:effectLst/>
+                <a:latin typeface="Arial" panose="020B0604020202020204" pitchFamily="34" charset="0"/>
+                <a:hlinkClick r:id="rId3"/>
+              </a:rPr>
+              <a:t>https://ieeexplore.ieee.org/abstract/document/4419667</a:t>
+            </a:r>
+            <a:endParaRPr lang="en-US" sz="1800" b="0" i="0" dirty="0">
+              <a:solidFill>
+                <a:srgbClr val="222222"/>
+              </a:solidFill>
+              <a:effectLst/>
+              <a:latin typeface="Arial" panose="020B0604020202020204" pitchFamily="34" charset="0"/>
+            </a:endParaRPr>
+          </a:p>
+          <a:p>
+            <a:pPr>
+              <a:lnSpc>
+                <a:spcPct val="150000"/>
+              </a:lnSpc>
+              <a:spcBef>
+                <a:spcPts val="1200"/>
+              </a:spcBef>
+              <a:spcAft>
+                <a:spcPts val="1200"/>
+              </a:spcAft>
+            </a:pPr>
+            <a:r>
+              <a:rPr lang="en-US" sz="1800" b="0" i="0" dirty="0">
+                <a:solidFill>
+                  <a:srgbClr val="222222"/>
+                </a:solidFill>
+                <a:effectLst/>
+                <a:latin typeface="Arial" panose="020B0604020202020204" pitchFamily="34" charset="0"/>
+              </a:rPr>
+              <a:t>Tzeng, F. Y., &amp; Ma, K. L. (2005). Opening the black box-data driven visualization of neural networks (pp. 383-390). IEEE. </a:t>
+            </a:r>
+            <a:r>
+              <a:rPr lang="en-US" sz="1800" b="0" i="0" dirty="0">
+                <a:solidFill>
+                  <a:srgbClr val="222222"/>
+                </a:solidFill>
+                <a:effectLst/>
+                <a:latin typeface="Arial" panose="020B0604020202020204" pitchFamily="34" charset="0"/>
+                <a:hlinkClick r:id="rId4"/>
+              </a:rPr>
+              <a:t>https://ieeexplore.ieee.org/abstract/document/1532820</a:t>
+            </a:r>
+            <a:endParaRPr lang="en-US" sz="1800" b="0" i="0" dirty="0">
+              <a:solidFill>
+                <a:srgbClr val="222222"/>
+              </a:solidFill>
+              <a:effectLst/>
+              <a:latin typeface="Arial" panose="020B0604020202020204" pitchFamily="34" charset="0"/>
+            </a:endParaRPr>
+          </a:p>
+          <a:p>
+            <a:pPr>
+              <a:lnSpc>
+                <a:spcPct val="150000"/>
+              </a:lnSpc>
+              <a:spcBef>
+                <a:spcPts val="1200"/>
+              </a:spcBef>
+              <a:spcAft>
+                <a:spcPts val="1200"/>
+              </a:spcAft>
+            </a:pPr>
+            <a:endParaRPr lang="en-US" sz="1800" b="0" i="0" dirty="0">
+              <a:solidFill>
+                <a:srgbClr val="222222"/>
+              </a:solidFill>
+              <a:effectLst/>
+              <a:latin typeface="Arial" panose="020B0604020202020204" pitchFamily="34" charset="0"/>
+            </a:endParaRPr>
+          </a:p>
+        </p:txBody>
+      </p:sp>
+      <p:sp>
+        <p:nvSpPr>
+          <p:cNvPr id="4" name="Marcador de pie de página 3">
+            <a:extLst>
+              <a:ext uri="{FF2B5EF4-FFF2-40B4-BE49-F238E27FC236}">
+                <a16:creationId xmlns:a16="http://schemas.microsoft.com/office/drawing/2014/main" id="{5F27C00A-ACDC-4E4A-984A-BDB61556F009}"/>
+              </a:ext>
+            </a:extLst>
+          </p:cNvPr>
+          <p:cNvSpPr>
+            <a:spLocks noGrp="1"/>
+          </p:cNvSpPr>
+          <p:nvPr>
+            <p:ph type="ftr" sz="quarter" idx="11"/>
+          </p:nvPr>
+        </p:nvSpPr>
+        <p:spPr/>
+        <p:txBody>
+          <a:bodyPr/>
+          <a:lstStyle/>
+          <a:p>
+            <a:pPr algn="ctr">
+              <a:lnSpc>
+                <a:spcPct val="150000"/>
+              </a:lnSpc>
+              <a:spcAft>
+                <a:spcPts val="800"/>
+              </a:spcAft>
+            </a:pPr>
+            <a:r>
+              <a:rPr lang="en-US" sz="1800" b="1" kern="100" dirty="0">
+                <a:effectLst/>
+                <a:latin typeface="Times New Roman" panose="02020603050405020304" pitchFamily="18" charset="0"/>
+                <a:ea typeface="Aptos" panose="020B0004020202020204" pitchFamily="34" charset="0"/>
+                <a:cs typeface="Times New Roman" panose="02020603050405020304" pitchFamily="18" charset="0"/>
+              </a:rPr>
+              <a:t>Using sensitivity analysis and visualization techniques to open black box data mining models: a </a:t>
+            </a:r>
+            <a:r>
+              <a:rPr lang="en-US" sz="1800" b="1" kern="100" dirty="0" err="1">
+                <a:effectLst/>
+                <a:latin typeface="Times New Roman" panose="02020603050405020304" pitchFamily="18" charset="0"/>
+                <a:ea typeface="Aptos" panose="020B0004020202020204" pitchFamily="34" charset="0"/>
+                <a:cs typeface="Times New Roman" panose="02020603050405020304" pitchFamily="18" charset="0"/>
+              </a:rPr>
+              <a:t>rminer</a:t>
+            </a:r>
+            <a:r>
+              <a:rPr lang="en-US" sz="1800" b="1" kern="100" dirty="0">
+                <a:effectLst/>
+                <a:latin typeface="Times New Roman" panose="02020603050405020304" pitchFamily="18" charset="0"/>
+                <a:ea typeface="Aptos" panose="020B0004020202020204" pitchFamily="34" charset="0"/>
+                <a:cs typeface="Times New Roman" panose="02020603050405020304" pitchFamily="18" charset="0"/>
+              </a:rPr>
+              <a:t> example</a:t>
+            </a:r>
+            <a:endParaRPr lang="es-ES" sz="1600" kern="100" dirty="0">
+              <a:effectLst/>
+              <a:latin typeface="Times New Roman" panose="02020603050405020304" pitchFamily="18" charset="0"/>
+              <a:ea typeface="Aptos" panose="020B0004020202020204" pitchFamily="34" charset="0"/>
+              <a:cs typeface="Times New Roman" panose="02020603050405020304" pitchFamily="18" charset="0"/>
+            </a:endParaRPr>
+          </a:p>
+        </p:txBody>
+      </p:sp>
+      <p:sp>
+        <p:nvSpPr>
+          <p:cNvPr id="5" name="Marcador de número de diapositiva 4">
+            <a:extLst>
+              <a:ext uri="{FF2B5EF4-FFF2-40B4-BE49-F238E27FC236}">
+                <a16:creationId xmlns:a16="http://schemas.microsoft.com/office/drawing/2014/main" id="{C9FC0917-D875-4A91-9E78-00B68053351E}"/>
+              </a:ext>
+            </a:extLst>
+          </p:cNvPr>
+          <p:cNvSpPr>
+            <a:spLocks noGrp="1"/>
+          </p:cNvSpPr>
+          <p:nvPr>
+            <p:ph type="sldNum" sz="quarter" idx="12"/>
+          </p:nvPr>
+        </p:nvSpPr>
+        <p:spPr/>
+        <p:txBody>
+          <a:bodyPr/>
+          <a:lstStyle/>
+          <a:p>
+            <a:fld id="{DBFF9636-A71C-488A-89F8-02E08556F10C}" type="slidenum">
+              <a:rPr lang="es-ES" smtClean="0"/>
+              <a:pPr/>
+              <a:t>3</a:t>
+            </a:fld>
+            <a:endParaRPr lang="es-ES" dirty="0"/>
+          </a:p>
+        </p:txBody>
+      </p:sp>
+    </p:spTree>
+    <p:extLst>
+      <p:ext uri="{BB962C8B-B14F-4D97-AF65-F5344CB8AC3E}">
+        <p14:creationId xmlns:p14="http://schemas.microsoft.com/office/powerpoint/2010/main" val="613830064"/>
+      </p:ext>
+    </p:extLst>
+  </p:cSld>
+  <p:clrMapOvr>
+    <a:masterClrMapping/>
+  </p:clrMapOvr>
+</p:sld>
+</file>
+
+<file path=ppt/slides/slide30.xml><?xml version="1.0" encoding="utf-8"?>
+<p:sld xmlns:a="http://schemas.openxmlformats.org/drawingml/2006/main" xmlns:r="http://schemas.openxmlformats.org/officeDocument/2006/relationships" xmlns:p="http://schemas.openxmlformats.org/presentationml/2006/main">
+  <p:cSld>
+    <p:spTree>
+      <p:nvGrpSpPr>
+        <p:cNvPr id="1" name=""/>
+        <p:cNvGrpSpPr/>
+        <p:nvPr/>
+      </p:nvGrpSpPr>
+      <p:grpSpPr>
+        <a:xfrm>
+          <a:off x="0" y="0"/>
+          <a:ext cx="0" cy="0"/>
+          <a:chOff x="0" y="0"/>
+          <a:chExt cx="0" cy="0"/>
+        </a:xfrm>
+      </p:grpSpPr>
+      <p:sp>
+        <p:nvSpPr>
+          <p:cNvPr id="2" name="Título 1">
+            <a:extLst>
+              <a:ext uri="{FF2B5EF4-FFF2-40B4-BE49-F238E27FC236}">
+                <a16:creationId xmlns:a16="http://schemas.microsoft.com/office/drawing/2014/main" id="{8DA03B8B-503C-2AD5-0C58-C6F2AD684972}"/>
+              </a:ext>
+            </a:extLst>
+          </p:cNvPr>
+          <p:cNvSpPr>
+            <a:spLocks noGrp="1"/>
+          </p:cNvSpPr>
+          <p:nvPr>
+            <p:ph type="title"/>
+          </p:nvPr>
+        </p:nvSpPr>
+        <p:spPr/>
+        <p:txBody>
+          <a:bodyPr/>
+          <a:lstStyle/>
+          <a:p>
+            <a:r>
+              <a:rPr lang="en-US" b="1" dirty="0">
+                <a:latin typeface="Times New Roman" panose="02020603050405020304" pitchFamily="18" charset="0"/>
+                <a:ea typeface="Aptos" panose="020B0004020202020204" pitchFamily="34" charset="0"/>
+              </a:rPr>
+              <a:t>T</a:t>
+            </a:r>
+            <a:r>
+              <a:rPr lang="en-US" sz="6600" b="1" dirty="0">
+                <a:effectLst/>
+                <a:latin typeface="Times New Roman" panose="02020603050405020304" pitchFamily="18" charset="0"/>
+                <a:ea typeface="Aptos" panose="020B0004020202020204" pitchFamily="34" charset="0"/>
+              </a:rPr>
+              <a:t>he efficiency assessment of the Spanish educational sector</a:t>
+            </a:r>
+            <a:endParaRPr lang="en-GB" dirty="0"/>
+          </a:p>
+        </p:txBody>
+      </p:sp>
+      <p:sp>
+        <p:nvSpPr>
+          <p:cNvPr id="4" name="Marcador de pie de página 3">
+            <a:extLst>
+              <a:ext uri="{FF2B5EF4-FFF2-40B4-BE49-F238E27FC236}">
+                <a16:creationId xmlns:a16="http://schemas.microsoft.com/office/drawing/2014/main" id="{87703923-EE12-C293-D06F-AFF34520FABA}"/>
+              </a:ext>
+            </a:extLst>
+          </p:cNvPr>
+          <p:cNvSpPr>
+            <a:spLocks noGrp="1"/>
+          </p:cNvSpPr>
+          <p:nvPr>
+            <p:ph type="ftr" sz="quarter" idx="11"/>
+          </p:nvPr>
+        </p:nvSpPr>
+        <p:spPr/>
+        <p:txBody>
+          <a:bodyPr/>
+          <a:lstStyle/>
+          <a:p>
+            <a:pPr algn="ctr">
+              <a:lnSpc>
+                <a:spcPct val="150000"/>
+              </a:lnSpc>
+              <a:spcAft>
+                <a:spcPts val="800"/>
+              </a:spcAft>
+            </a:pPr>
+            <a:r>
+              <a:rPr lang="en-US" sz="1800" b="1" kern="100" dirty="0">
+                <a:effectLst/>
+                <a:latin typeface="Times New Roman" panose="02020603050405020304" pitchFamily="18" charset="0"/>
+                <a:ea typeface="Aptos" panose="020B0004020202020204" pitchFamily="34" charset="0"/>
+                <a:cs typeface="Times New Roman" panose="02020603050405020304" pitchFamily="18" charset="0"/>
+              </a:rPr>
+              <a:t>A novel approach for efficiency evaluation through the integration of standard Machine Learning classification models and Data Envelopment Analysis</a:t>
+            </a:r>
+            <a:endParaRPr lang="es-ES" sz="1600" kern="100" dirty="0">
+              <a:effectLst/>
+              <a:latin typeface="Times New Roman" panose="02020603050405020304" pitchFamily="18" charset="0"/>
+              <a:ea typeface="Aptos" panose="020B0004020202020204" pitchFamily="34" charset="0"/>
+              <a:cs typeface="Times New Roman" panose="02020603050405020304" pitchFamily="18" charset="0"/>
+            </a:endParaRPr>
+          </a:p>
+        </p:txBody>
+      </p:sp>
+      <p:sp>
+        <p:nvSpPr>
+          <p:cNvPr id="5" name="Marcador de número de diapositiva 4">
+            <a:extLst>
+              <a:ext uri="{FF2B5EF4-FFF2-40B4-BE49-F238E27FC236}">
+                <a16:creationId xmlns:a16="http://schemas.microsoft.com/office/drawing/2014/main" id="{0C3F2C01-39A2-4C46-9D03-67A37C26B66E}"/>
+              </a:ext>
+            </a:extLst>
+          </p:cNvPr>
+          <p:cNvSpPr>
+            <a:spLocks noGrp="1"/>
+          </p:cNvSpPr>
+          <p:nvPr>
+            <p:ph type="sldNum" sz="quarter" idx="12"/>
+          </p:nvPr>
+        </p:nvSpPr>
+        <p:spPr/>
+        <p:txBody>
+          <a:bodyPr/>
+          <a:lstStyle/>
+          <a:p>
+            <a:fld id="{DBFF9636-A71C-488A-89F8-02E08556F10C}" type="slidenum">
+              <a:rPr lang="es-ES" smtClean="0"/>
+              <a:pPr/>
+              <a:t>30</a:t>
             </a:fld>
             <a:endParaRPr lang="es-ES" dirty="0"/>
           </a:p>
@@ -33573,431 +35552,7 @@
 </p:sld>
 </file>
 
-<file path=ppt/slides/slide3.xml><?xml version="1.0" encoding="utf-8"?>
-<p:sld xmlns:a="http://schemas.openxmlformats.org/drawingml/2006/main" xmlns:r="http://schemas.openxmlformats.org/officeDocument/2006/relationships" xmlns:p="http://schemas.openxmlformats.org/presentationml/2006/main">
-  <p:cSld>
-    <p:spTree>
-      <p:nvGrpSpPr>
-        <p:cNvPr id="1" name=""/>
-        <p:cNvGrpSpPr/>
-        <p:nvPr/>
-      </p:nvGrpSpPr>
-      <p:grpSpPr>
-        <a:xfrm>
-          <a:off x="0" y="0"/>
-          <a:ext cx="0" cy="0"/>
-          <a:chOff x="0" y="0"/>
-          <a:chExt cx="0" cy="0"/>
-        </a:xfrm>
-      </p:grpSpPr>
-      <p:sp>
-        <p:nvSpPr>
-          <p:cNvPr id="2" name="Título 1">
-            <a:extLst>
-              <a:ext uri="{FF2B5EF4-FFF2-40B4-BE49-F238E27FC236}">
-                <a16:creationId xmlns:a16="http://schemas.microsoft.com/office/drawing/2014/main" id="{BFE94856-9D9C-4ED9-90BF-F310B65BA2C7}"/>
-              </a:ext>
-            </a:extLst>
-          </p:cNvPr>
-          <p:cNvSpPr>
-            <a:spLocks noGrp="1"/>
-          </p:cNvSpPr>
-          <p:nvPr>
-            <p:ph type="title"/>
-          </p:nvPr>
-        </p:nvSpPr>
-        <p:spPr/>
-        <p:txBody>
-          <a:bodyPr/>
-          <a:lstStyle/>
-          <a:p>
-            <a:r>
-              <a:rPr lang="en-AU" dirty="0"/>
-              <a:t>Bibliography</a:t>
-            </a:r>
-          </a:p>
-        </p:txBody>
-      </p:sp>
-      <p:sp>
-        <p:nvSpPr>
-          <p:cNvPr id="3" name="Marcador de contenido 2">
-            <a:extLst>
-              <a:ext uri="{FF2B5EF4-FFF2-40B4-BE49-F238E27FC236}">
-                <a16:creationId xmlns:a16="http://schemas.microsoft.com/office/drawing/2014/main" id="{92AD0A21-745E-4A0B-93F3-9909AF99A29B}"/>
-              </a:ext>
-            </a:extLst>
-          </p:cNvPr>
-          <p:cNvSpPr>
-            <a:spLocks noGrp="1"/>
-          </p:cNvSpPr>
-          <p:nvPr>
-            <p:ph idx="1"/>
-          </p:nvPr>
-        </p:nvSpPr>
-        <p:spPr/>
-        <p:txBody>
-          <a:bodyPr anchor="ctr">
-            <a:normAutofit/>
-          </a:bodyPr>
-          <a:lstStyle/>
-          <a:p>
-            <a:pPr>
-              <a:lnSpc>
-                <a:spcPct val="150000"/>
-              </a:lnSpc>
-              <a:spcBef>
-                <a:spcPts val="1200"/>
-              </a:spcBef>
-              <a:spcAft>
-                <a:spcPts val="1200"/>
-              </a:spcAft>
-            </a:pPr>
-            <a:r>
-              <a:rPr lang="en-US" sz="1800" b="0" i="0" dirty="0">
-                <a:solidFill>
-                  <a:srgbClr val="222222"/>
-                </a:solidFill>
-                <a:effectLst/>
-                <a:latin typeface="Arial" panose="020B0604020202020204" pitchFamily="34" charset="0"/>
-              </a:rPr>
-              <a:t>Cortez, P., &amp; </a:t>
-            </a:r>
-            <a:r>
-              <a:rPr lang="en-US" sz="1800" b="0" i="0" dirty="0" err="1">
-                <a:solidFill>
-                  <a:srgbClr val="222222"/>
-                </a:solidFill>
-                <a:effectLst/>
-                <a:latin typeface="Arial" panose="020B0604020202020204" pitchFamily="34" charset="0"/>
-              </a:rPr>
-              <a:t>Embrechts</a:t>
-            </a:r>
-            <a:r>
-              <a:rPr lang="en-US" sz="1800" b="0" i="0" dirty="0">
-                <a:solidFill>
-                  <a:srgbClr val="222222"/>
-                </a:solidFill>
-                <a:effectLst/>
-                <a:latin typeface="Arial" panose="020B0604020202020204" pitchFamily="34" charset="0"/>
-              </a:rPr>
-              <a:t>, M. J. (2013). Using sensitivity analysis and visualization techniques to open black box data mining models. </a:t>
-            </a:r>
-            <a:r>
-              <a:rPr lang="en-US" sz="1800" b="0" i="1" dirty="0">
-                <a:solidFill>
-                  <a:srgbClr val="222222"/>
-                </a:solidFill>
-                <a:effectLst/>
-                <a:latin typeface="Arial" panose="020B0604020202020204" pitchFamily="34" charset="0"/>
-              </a:rPr>
-              <a:t>Information Sciences</a:t>
-            </a:r>
-            <a:r>
-              <a:rPr lang="en-US" sz="1800" b="0" i="0" dirty="0">
-                <a:solidFill>
-                  <a:srgbClr val="222222"/>
-                </a:solidFill>
-                <a:effectLst/>
-                <a:latin typeface="Arial" panose="020B0604020202020204" pitchFamily="34" charset="0"/>
-              </a:rPr>
-              <a:t>, </a:t>
-            </a:r>
-            <a:r>
-              <a:rPr lang="en-US" sz="1800" b="0" i="1" dirty="0">
-                <a:solidFill>
-                  <a:srgbClr val="222222"/>
-                </a:solidFill>
-                <a:effectLst/>
-                <a:latin typeface="Arial" panose="020B0604020202020204" pitchFamily="34" charset="0"/>
-              </a:rPr>
-              <a:t>225</a:t>
-            </a:r>
-            <a:r>
-              <a:rPr lang="en-US" sz="1800" b="0" i="0" dirty="0">
-                <a:solidFill>
-                  <a:srgbClr val="222222"/>
-                </a:solidFill>
-                <a:effectLst/>
-                <a:latin typeface="Arial" panose="020B0604020202020204" pitchFamily="34" charset="0"/>
-              </a:rPr>
-              <a:t>, 1-17. </a:t>
-            </a:r>
-            <a:r>
-              <a:rPr lang="es-ES" sz="1800" b="0" i="0" u="none" strike="noStrike" dirty="0">
-                <a:effectLst/>
-                <a:latin typeface="ElsevierSans"/>
-                <a:hlinkClick r:id="rId2" tooltip="Persistent link using digital object identifier"/>
-              </a:rPr>
-              <a:t>https://doi.org/10.1016/j.ins.2012.10.039</a:t>
-            </a:r>
-            <a:endParaRPr lang="es-ES" sz="1800" b="0" i="0" u="none" strike="noStrike" dirty="0">
-              <a:effectLst/>
-              <a:latin typeface="ElsevierSans"/>
-            </a:endParaRPr>
-          </a:p>
-          <a:p>
-            <a:pPr>
-              <a:lnSpc>
-                <a:spcPct val="150000"/>
-              </a:lnSpc>
-              <a:spcBef>
-                <a:spcPts val="1200"/>
-              </a:spcBef>
-              <a:spcAft>
-                <a:spcPts val="1200"/>
-              </a:spcAft>
-            </a:pPr>
-            <a:r>
-              <a:rPr lang="en-US" sz="1800" b="0" i="0" dirty="0" err="1">
-                <a:solidFill>
-                  <a:srgbClr val="222222"/>
-                </a:solidFill>
-                <a:effectLst/>
-                <a:latin typeface="Arial" panose="020B0604020202020204" pitchFamily="34" charset="0"/>
-              </a:rPr>
-              <a:t>Kondapaneni</a:t>
-            </a:r>
-            <a:r>
-              <a:rPr lang="en-US" sz="1800" b="0" i="0" dirty="0">
-                <a:solidFill>
-                  <a:srgbClr val="222222"/>
-                </a:solidFill>
-                <a:effectLst/>
-                <a:latin typeface="Arial" panose="020B0604020202020204" pitchFamily="34" charset="0"/>
-              </a:rPr>
-              <a:t>, I., </a:t>
-            </a:r>
-            <a:r>
-              <a:rPr lang="en-US" sz="1800" b="0" i="0" dirty="0" err="1">
-                <a:solidFill>
-                  <a:srgbClr val="222222"/>
-                </a:solidFill>
-                <a:effectLst/>
-                <a:latin typeface="Arial" panose="020B0604020202020204" pitchFamily="34" charset="0"/>
-              </a:rPr>
-              <a:t>Kordík</a:t>
-            </a:r>
-            <a:r>
-              <a:rPr lang="en-US" sz="1800" b="0" i="0" dirty="0">
-                <a:solidFill>
-                  <a:srgbClr val="222222"/>
-                </a:solidFill>
-                <a:effectLst/>
-                <a:latin typeface="Arial" panose="020B0604020202020204" pitchFamily="34" charset="0"/>
-              </a:rPr>
-              <a:t>, P., &amp; </a:t>
-            </a:r>
-            <a:r>
-              <a:rPr lang="en-US" sz="1800" b="0" i="0" dirty="0" err="1">
-                <a:solidFill>
-                  <a:srgbClr val="222222"/>
-                </a:solidFill>
-                <a:effectLst/>
-                <a:latin typeface="Arial" panose="020B0604020202020204" pitchFamily="34" charset="0"/>
-              </a:rPr>
-              <a:t>Slavík</a:t>
-            </a:r>
-            <a:r>
-              <a:rPr lang="en-US" sz="1800" b="0" i="0" dirty="0">
-                <a:solidFill>
-                  <a:srgbClr val="222222"/>
-                </a:solidFill>
-                <a:effectLst/>
-                <a:latin typeface="Arial" panose="020B0604020202020204" pitchFamily="34" charset="0"/>
-              </a:rPr>
-              <a:t>, P. (2007, December). Visualization techniques utilizing the sensitivity analysis of models. In 2007 Winter Simulation Conference (pp. 730-737). IEEE. </a:t>
-            </a:r>
-            <a:r>
-              <a:rPr lang="en-US" sz="1800" b="0" i="0" dirty="0">
-                <a:solidFill>
-                  <a:srgbClr val="222222"/>
-                </a:solidFill>
-                <a:effectLst/>
-                <a:latin typeface="Arial" panose="020B0604020202020204" pitchFamily="34" charset="0"/>
-                <a:hlinkClick r:id="rId3"/>
-              </a:rPr>
-              <a:t>https://ieeexplore.ieee.org/abstract/document/4419667</a:t>
-            </a:r>
-            <a:endParaRPr lang="en-US" sz="1800" b="0" i="0" dirty="0">
-              <a:solidFill>
-                <a:srgbClr val="222222"/>
-              </a:solidFill>
-              <a:effectLst/>
-              <a:latin typeface="Arial" panose="020B0604020202020204" pitchFamily="34" charset="0"/>
-            </a:endParaRPr>
-          </a:p>
-          <a:p>
-            <a:pPr>
-              <a:lnSpc>
-                <a:spcPct val="150000"/>
-              </a:lnSpc>
-              <a:spcBef>
-                <a:spcPts val="1200"/>
-              </a:spcBef>
-              <a:spcAft>
-                <a:spcPts val="1200"/>
-              </a:spcAft>
-            </a:pPr>
-            <a:r>
-              <a:rPr lang="en-US" sz="1800" b="0" i="0" dirty="0">
-                <a:solidFill>
-                  <a:srgbClr val="222222"/>
-                </a:solidFill>
-                <a:effectLst/>
-                <a:latin typeface="Arial" panose="020B0604020202020204" pitchFamily="34" charset="0"/>
-              </a:rPr>
-              <a:t>Tzeng, F. Y., &amp; Ma, K. L. (2005). Opening the black box-data driven visualization of neural networks (pp. 383-390). IEEE. </a:t>
-            </a:r>
-            <a:r>
-              <a:rPr lang="en-US" sz="1800" b="0" i="0" dirty="0">
-                <a:solidFill>
-                  <a:srgbClr val="222222"/>
-                </a:solidFill>
-                <a:effectLst/>
-                <a:latin typeface="Arial" panose="020B0604020202020204" pitchFamily="34" charset="0"/>
-                <a:hlinkClick r:id="rId4"/>
-              </a:rPr>
-              <a:t>https://ieeexplore.ieee.org/abstract/document/1532820</a:t>
-            </a:r>
-            <a:endParaRPr lang="en-US" sz="1800" b="0" i="0" dirty="0">
-              <a:solidFill>
-                <a:srgbClr val="222222"/>
-              </a:solidFill>
-              <a:effectLst/>
-              <a:latin typeface="Arial" panose="020B0604020202020204" pitchFamily="34" charset="0"/>
-            </a:endParaRPr>
-          </a:p>
-          <a:p>
-            <a:pPr>
-              <a:lnSpc>
-                <a:spcPct val="150000"/>
-              </a:lnSpc>
-              <a:spcBef>
-                <a:spcPts val="1200"/>
-              </a:spcBef>
-              <a:spcAft>
-                <a:spcPts val="1200"/>
-              </a:spcAft>
-            </a:pPr>
-            <a:endParaRPr lang="en-US" sz="1800" b="0" i="0" dirty="0">
-              <a:solidFill>
-                <a:srgbClr val="222222"/>
-              </a:solidFill>
-              <a:effectLst/>
-              <a:latin typeface="Arial" panose="020B0604020202020204" pitchFamily="34" charset="0"/>
-            </a:endParaRPr>
-          </a:p>
-        </p:txBody>
-      </p:sp>
-      <p:sp>
-        <p:nvSpPr>
-          <p:cNvPr id="4" name="Marcador de pie de página 3">
-            <a:extLst>
-              <a:ext uri="{FF2B5EF4-FFF2-40B4-BE49-F238E27FC236}">
-                <a16:creationId xmlns:a16="http://schemas.microsoft.com/office/drawing/2014/main" id="{5F27C00A-ACDC-4E4A-984A-BDB61556F009}"/>
-              </a:ext>
-            </a:extLst>
-          </p:cNvPr>
-          <p:cNvSpPr>
-            <a:spLocks noGrp="1"/>
-          </p:cNvSpPr>
-          <p:nvPr>
-            <p:ph type="ftr" sz="quarter" idx="11"/>
-          </p:nvPr>
-        </p:nvSpPr>
-        <p:spPr/>
-        <p:txBody>
-          <a:bodyPr/>
-          <a:lstStyle/>
-          <a:p>
-            <a:pPr algn="ctr">
-              <a:lnSpc>
-                <a:spcPct val="150000"/>
-              </a:lnSpc>
-              <a:spcAft>
-                <a:spcPts val="800"/>
-              </a:spcAft>
-            </a:pPr>
-            <a:r>
-              <a:rPr lang="en-US" sz="1800" b="1" kern="100" dirty="0">
-                <a:effectLst/>
-                <a:latin typeface="Times New Roman" panose="02020603050405020304" pitchFamily="18" charset="0"/>
-                <a:ea typeface="Aptos" panose="020B0004020202020204" pitchFamily="34" charset="0"/>
-                <a:cs typeface="Times New Roman" panose="02020603050405020304" pitchFamily="18" charset="0"/>
-              </a:rPr>
-              <a:t>Using sensitivity analysis and visualization techniques to open black box data mining models: a </a:t>
-            </a:r>
-            <a:r>
-              <a:rPr lang="en-US" sz="1800" b="1" kern="100" dirty="0" err="1">
-                <a:effectLst/>
-                <a:latin typeface="Times New Roman" panose="02020603050405020304" pitchFamily="18" charset="0"/>
-                <a:ea typeface="Aptos" panose="020B0004020202020204" pitchFamily="34" charset="0"/>
-                <a:cs typeface="Times New Roman" panose="02020603050405020304" pitchFamily="18" charset="0"/>
-              </a:rPr>
-              <a:t>rminer</a:t>
-            </a:r>
-            <a:r>
-              <a:rPr lang="en-US" sz="1800" b="1" kern="100" dirty="0">
-                <a:effectLst/>
-                <a:latin typeface="Times New Roman" panose="02020603050405020304" pitchFamily="18" charset="0"/>
-                <a:ea typeface="Aptos" panose="020B0004020202020204" pitchFamily="34" charset="0"/>
-                <a:cs typeface="Times New Roman" panose="02020603050405020304" pitchFamily="18" charset="0"/>
-              </a:rPr>
-              <a:t> example</a:t>
-            </a:r>
-            <a:endParaRPr lang="es-ES" sz="1600" kern="100" dirty="0">
-              <a:effectLst/>
-              <a:latin typeface="Times New Roman" panose="02020603050405020304" pitchFamily="18" charset="0"/>
-              <a:ea typeface="Aptos" panose="020B0004020202020204" pitchFamily="34" charset="0"/>
-              <a:cs typeface="Times New Roman" panose="02020603050405020304" pitchFamily="18" charset="0"/>
-            </a:endParaRPr>
-          </a:p>
-        </p:txBody>
-      </p:sp>
-      <p:sp>
-        <p:nvSpPr>
-          <p:cNvPr id="5" name="Marcador de número de diapositiva 4">
-            <a:extLst>
-              <a:ext uri="{FF2B5EF4-FFF2-40B4-BE49-F238E27FC236}">
-                <a16:creationId xmlns:a16="http://schemas.microsoft.com/office/drawing/2014/main" id="{C9FC0917-D875-4A91-9E78-00B68053351E}"/>
-              </a:ext>
-            </a:extLst>
-          </p:cNvPr>
-          <p:cNvSpPr>
-            <a:spLocks noGrp="1"/>
-          </p:cNvSpPr>
-          <p:nvPr>
-            <p:ph type="sldNum" sz="quarter" idx="12"/>
-          </p:nvPr>
-        </p:nvSpPr>
-        <p:spPr/>
-        <p:txBody>
-          <a:bodyPr/>
-          <a:lstStyle/>
-          <a:p>
-            <a:fld id="{DBFF9636-A71C-488A-89F8-02E08556F10C}" type="slidenum">
-              <a:rPr lang="es-ES" smtClean="0"/>
-              <a:pPr/>
-              <a:t>3</a:t>
-            </a:fld>
-            <a:endParaRPr lang="es-ES" dirty="0"/>
-          </a:p>
-        </p:txBody>
-      </p:sp>
-    </p:spTree>
-    <p:extLst>
-      <p:ext uri="{BB962C8B-B14F-4D97-AF65-F5344CB8AC3E}">
-        <p14:creationId xmlns:p14="http://schemas.microsoft.com/office/powerpoint/2010/main" val="613830064"/>
-      </p:ext>
-    </p:extLst>
-  </p:cSld>
-  <p:clrMapOvr>
-    <a:masterClrMapping/>
-  </p:clrMapOvr>
-</p:sld>
-</file>
-
-<file path=ppt/slides/slide30.xml><?xml version="1.0" encoding="utf-8"?>
+<file path=ppt/slides/slide31.xml><?xml version="1.0" encoding="utf-8"?>
 <p:sld xmlns:a="http://schemas.openxmlformats.org/drawingml/2006/main" xmlns:r="http://schemas.openxmlformats.org/officeDocument/2006/relationships" xmlns:p="http://schemas.openxmlformats.org/presentationml/2006/main">
   <p:cSld>
     <p:spTree>
@@ -34125,7 +35680,7 @@
             <a:fld id="{DBFF9636-A71C-488A-89F8-02E08556F10C}" type="slidenum">
               <a:rPr lang="es-ES" smtClean="0"/>
               <a:pPr/>
-              <a:t>30</a:t>
+              <a:t>31</a:t>
             </a:fld>
             <a:endParaRPr lang="es-ES" dirty="0"/>
           </a:p>
@@ -36233,7 +37788,7 @@
 </p:sld>
 </file>
 
-<file path=ppt/slides/slide31.xml><?xml version="1.0" encoding="utf-8"?>
+<file path=ppt/slides/slide32.xml><?xml version="1.0" encoding="utf-8"?>
 <p:sld xmlns:a="http://schemas.openxmlformats.org/drawingml/2006/main" xmlns:r="http://schemas.openxmlformats.org/officeDocument/2006/relationships" xmlns:p="http://schemas.openxmlformats.org/presentationml/2006/main">
   <p:cSld>
     <p:spTree>
@@ -36361,7 +37916,7 @@
             <a:fld id="{DBFF9636-A71C-488A-89F8-02E08556F10C}" type="slidenum">
               <a:rPr lang="es-ES" smtClean="0"/>
               <a:pPr/>
-              <a:t>31</a:t>
+              <a:t>32</a:t>
             </a:fld>
             <a:endParaRPr lang="es-ES" dirty="0"/>
           </a:p>
@@ -37030,7 +38585,7 @@
 </p:sld>
 </file>
 
-<file path=ppt/slides/slide32.xml><?xml version="1.0" encoding="utf-8"?>
+<file path=ppt/slides/slide33.xml><?xml version="1.0" encoding="utf-8"?>
 <p:sld xmlns:a="http://schemas.openxmlformats.org/drawingml/2006/main" xmlns:r="http://schemas.openxmlformats.org/officeDocument/2006/relationships" xmlns:p="http://schemas.openxmlformats.org/presentationml/2006/main">
   <p:cSld>
     <p:spTree>
@@ -37127,7 +38682,7 @@
             <a:fld id="{DBFF9636-A71C-488A-89F8-02E08556F10C}" type="slidenum">
               <a:rPr lang="es-ES" smtClean="0"/>
               <a:pPr/>
-              <a:t>32</a:t>
+              <a:t>33</a:t>
             </a:fld>
             <a:endParaRPr lang="es-ES" dirty="0"/>
           </a:p>
@@ -37198,7 +38753,7 @@
 </p:sld>
 </file>
 
-<file path=ppt/slides/slide33.xml><?xml version="1.0" encoding="utf-8"?>
+<file path=ppt/slides/slide34.xml><?xml version="1.0" encoding="utf-8"?>
 <p:sld xmlns:a="http://schemas.openxmlformats.org/drawingml/2006/main" xmlns:r="http://schemas.openxmlformats.org/officeDocument/2006/relationships" xmlns:p="http://schemas.openxmlformats.org/presentationml/2006/main">
   <p:cSld>
     <p:spTree>
@@ -37267,7 +38822,7 @@
             <a:fld id="{DBFF9636-A71C-488A-89F8-02E08556F10C}" type="slidenum">
               <a:rPr lang="es-ES" smtClean="0"/>
               <a:pPr/>
-              <a:t>33</a:t>
+              <a:t>34</a:t>
             </a:fld>
             <a:endParaRPr lang="es-ES" dirty="0"/>
           </a:p>
@@ -37619,7 +39174,7 @@
 </p:sld>
 </file>
 
-<file path=ppt/slides/slide34.xml><?xml version="1.0" encoding="utf-8"?>
+<file path=ppt/slides/slide35.xml><?xml version="1.0" encoding="utf-8"?>
 <p:sld xmlns:a="http://schemas.openxmlformats.org/drawingml/2006/main" xmlns:r="http://schemas.openxmlformats.org/officeDocument/2006/relationships" xmlns:p="http://schemas.openxmlformats.org/presentationml/2006/main">
   <p:cSld>
     <p:spTree>

--- a/articulo 1 XAI/Apuntes/Sensitivity analysis/Presentación SA.pptx
+++ b/articulo 1 XAI/Apuntes/Sensitivity analysis/Presentación SA.pptx
@@ -179,7 +179,7 @@
 <file path=ppt/revisionInfo.xml><?xml version="1.0" encoding="utf-8"?>
 <p1510:revInfo xmlns:a="http://schemas.openxmlformats.org/drawingml/2006/main" xmlns:r="http://schemas.openxmlformats.org/officeDocument/2006/relationships" xmlns:p1510="http://schemas.microsoft.com/office/powerpoint/2015/10/main">
   <p1510:revLst>
-    <p1510:client id="{30CCF742-B2BE-461F-9F48-7083068267CA}" v="1138" dt="2024-10-02T09:04:21.999"/>
+    <p1510:client id="{30CCF742-B2BE-461F-9F48-7083068267CA}" v="1293" dt="2024-10-15T11:54:51.533"/>
   </p1510:revLst>
 </p1510:revInfo>
 </file>
@@ -297,7 +297,7 @@
   <pc:docChgLst>
     <pc:chgData name="Gonzalez Moyano, Ricardo" userId="5b44e8b1-3a70-41c8-8d8a-36b87a296b66" providerId="ADAL" clId="{30CCF742-B2BE-461F-9F48-7083068267CA}"/>
     <pc:docChg chg="undo custSel addSld delSld modSld sldOrd">
-      <pc:chgData name="Gonzalez Moyano, Ricardo" userId="5b44e8b1-3a70-41c8-8d8a-36b87a296b66" providerId="ADAL" clId="{30CCF742-B2BE-461F-9F48-7083068267CA}" dt="2024-10-02T09:05:24.729" v="4016" actId="1076"/>
+      <pc:chgData name="Gonzalez Moyano, Ricardo" userId="5b44e8b1-3a70-41c8-8d8a-36b87a296b66" providerId="ADAL" clId="{30CCF742-B2BE-461F-9F48-7083068267CA}" dt="2024-10-15T11:55:29.298" v="4434" actId="5793"/>
       <pc:docMkLst>
         <pc:docMk/>
       </pc:docMkLst>
@@ -1294,12 +1294,20 @@
           </ac:spMkLst>
         </pc:spChg>
       </pc:sldChg>
-      <pc:sldChg chg="new">
-        <pc:chgData name="Gonzalez Moyano, Ricardo" userId="5b44e8b1-3a70-41c8-8d8a-36b87a296b66" providerId="ADAL" clId="{30CCF742-B2BE-461F-9F48-7083068267CA}" dt="2024-09-27T11:43:01.425" v="2662" actId="680"/>
+      <pc:sldChg chg="modSp new">
+        <pc:chgData name="Gonzalez Moyano, Ricardo" userId="5b44e8b1-3a70-41c8-8d8a-36b87a296b66" providerId="ADAL" clId="{30CCF742-B2BE-461F-9F48-7083068267CA}" dt="2024-10-15T11:35:55.738" v="4025"/>
         <pc:sldMkLst>
           <pc:docMk/>
           <pc:sldMk cId="602926084" sldId="355"/>
         </pc:sldMkLst>
+        <pc:graphicFrameChg chg="mod">
+          <ac:chgData name="Gonzalez Moyano, Ricardo" userId="5b44e8b1-3a70-41c8-8d8a-36b87a296b66" providerId="ADAL" clId="{30CCF742-B2BE-461F-9F48-7083068267CA}" dt="2024-10-15T11:35:55.738" v="4025"/>
+          <ac:graphicFrameMkLst>
+            <pc:docMk/>
+            <pc:sldMk cId="602926084" sldId="355"/>
+            <ac:graphicFrameMk id="6" creationId="{A84E4F4F-5B5D-384B-F76B-BC69EC2FC0C0}"/>
+          </ac:graphicFrameMkLst>
+        </pc:graphicFrameChg>
       </pc:sldChg>
       <pc:sldChg chg="addSp delSp modSp add mod ord">
         <pc:chgData name="Gonzalez Moyano, Ricardo" userId="5b44e8b1-3a70-41c8-8d8a-36b87a296b66" providerId="ADAL" clId="{30CCF742-B2BE-461F-9F48-7083068267CA}" dt="2024-10-02T09:05:24.729" v="4016" actId="1076"/>
@@ -2549,6 +2557,29 @@
           </ac:graphicFrameMkLst>
         </pc:graphicFrameChg>
       </pc:sldChg>
+      <pc:sldChg chg="delSp modSp mod">
+        <pc:chgData name="Gonzalez Moyano, Ricardo" userId="5b44e8b1-3a70-41c8-8d8a-36b87a296b66" providerId="ADAL" clId="{30CCF742-B2BE-461F-9F48-7083068267CA}" dt="2024-10-15T11:55:29.298" v="4434" actId="5793"/>
+        <pc:sldMkLst>
+          <pc:docMk/>
+          <pc:sldMk cId="3968785600" sldId="367"/>
+        </pc:sldMkLst>
+        <pc:spChg chg="mod">
+          <ac:chgData name="Gonzalez Moyano, Ricardo" userId="5b44e8b1-3a70-41c8-8d8a-36b87a296b66" providerId="ADAL" clId="{30CCF742-B2BE-461F-9F48-7083068267CA}" dt="2024-10-15T11:55:29.298" v="4434" actId="5793"/>
+          <ac:spMkLst>
+            <pc:docMk/>
+            <pc:sldMk cId="3968785600" sldId="367"/>
+            <ac:spMk id="3" creationId="{F89BA901-1B4F-C4CC-10E3-603EDC15B188}"/>
+          </ac:spMkLst>
+        </pc:spChg>
+        <pc:graphicFrameChg chg="del modGraphic">
+          <ac:chgData name="Gonzalez Moyano, Ricardo" userId="5b44e8b1-3a70-41c8-8d8a-36b87a296b66" providerId="ADAL" clId="{30CCF742-B2BE-461F-9F48-7083068267CA}" dt="2024-10-15T11:37:11.581" v="4038" actId="478"/>
+          <ac:graphicFrameMkLst>
+            <pc:docMk/>
+            <pc:sldMk cId="3968785600" sldId="367"/>
+            <ac:graphicFrameMk id="6" creationId="{A84E4F4F-5B5D-384B-F76B-BC69EC2FC0C0}"/>
+          </ac:graphicFrameMkLst>
+        </pc:graphicFrameChg>
+      </pc:sldChg>
     </pc:docChg>
   </pc:docChgLst>
 </pc:chgInfo>
@@ -2710,7 +2741,7 @@
           <a:p>
             <a:fld id="{2DB79FB7-5658-4FB3-B98D-B463C580F970}" type="datetimeFigureOut">
               <a:rPr lang="es-ES" smtClean="0"/>
-              <a:t>10/10/2024</a:t>
+              <a:t>15/10/2024</a:t>
             </a:fld>
             <a:endParaRPr lang="es-ES"/>
           </a:p>
@@ -32347,8 +32378,8 @@
           </a:p>
         </p:txBody>
       </p:sp>
-      <mc:AlternateContent xmlns:mc="http://schemas.openxmlformats.org/markup-compatibility/2006">
-        <mc:Choice xmlns:a14="http://schemas.microsoft.com/office/drawing/2010/main" Requires="a14">
+      <mc:AlternateContent xmlns:mc="http://schemas.openxmlformats.org/markup-compatibility/2006" xmlns:a14="http://schemas.microsoft.com/office/drawing/2010/main">
+        <mc:Choice Requires="a14">
           <p:sp>
             <p:nvSpPr>
               <p:cNvPr id="3" name="Marcador de contenido 2">
@@ -32556,7 +32587,7 @@
             </p:txBody>
           </p:sp>
         </mc:Choice>
-        <mc:Fallback>
+        <mc:Fallback xmlns="">
           <p:sp>
             <p:nvSpPr>
               <p:cNvPr id="3" name="Marcador de contenido 2">
@@ -32708,881 +32739,10 @@
               <p:nvPr>
                 <p:extLst>
                   <p:ext uri="{D42A27DB-BD31-4B8C-83A1-F6EECF244321}">
-                    <p14:modId xmlns:p14="http://schemas.microsoft.com/office/powerpoint/2010/main" val="3860399139"/>
+                    <p14:modId xmlns:p14="http://schemas.microsoft.com/office/powerpoint/2010/main" val="2612396123"/>
                   </p:ext>
                 </p:extLst>
               </p:nvPr>
-            </p:nvGraphicFramePr>
-            <p:xfrm>
-              <a:off x="3048000" y="4613203"/>
-              <a:ext cx="12192000" cy="1546352"/>
-            </p:xfrm>
-            <a:graphic>
-              <a:graphicData uri="http://schemas.openxmlformats.org/drawingml/2006/table">
-                <a:tbl>
-                  <a:tblPr firstRow="1" bandRow="1">
-                    <a:tableStyleId>{9D7B26C5-4107-4FEC-AEDC-1716B250A1EF}</a:tableStyleId>
-                  </a:tblPr>
-                  <a:tblGrid>
-                    <a:gridCol w="4064000">
-                      <a:extLst>
-                        <a:ext uri="{9D8B030D-6E8A-4147-A177-3AD203B41FA5}">
-                          <a16:colId xmlns:a16="http://schemas.microsoft.com/office/drawing/2014/main" val="565072992"/>
-                        </a:ext>
-                      </a:extLst>
-                    </a:gridCol>
-                    <a:gridCol w="4064000">
-                      <a:extLst>
-                        <a:ext uri="{9D8B030D-6E8A-4147-A177-3AD203B41FA5}">
-                          <a16:colId xmlns:a16="http://schemas.microsoft.com/office/drawing/2014/main" val="3714311927"/>
-                        </a:ext>
-                      </a:extLst>
-                    </a:gridCol>
-                    <a:gridCol w="4064000">
-                      <a:extLst>
-                        <a:ext uri="{9D8B030D-6E8A-4147-A177-3AD203B41FA5}">
-                          <a16:colId xmlns:a16="http://schemas.microsoft.com/office/drawing/2014/main" val="3600416966"/>
-                        </a:ext>
-                      </a:extLst>
-                    </a:gridCol>
-                  </a:tblGrid>
-                  <a:tr h="370840">
-                    <a:tc>
-                      <a:txBody>
-                        <a:bodyPr/>
-                        <a:lstStyle/>
-                        <a:p>
-                          <a:r>
-                            <a:rPr lang="es-ES" dirty="0"/>
-                            <a:t>Method</a:t>
-                          </a:r>
-                        </a:p>
-                      </a:txBody>
-                      <a:tcPr/>
-                    </a:tc>
-                    <a:tc>
-                      <a:txBody>
-                        <a:bodyPr/>
-                        <a:lstStyle/>
-                        <a:p>
-                          <a14:m>
-                            <m:oMathPara xmlns:m="http://schemas.openxmlformats.org/officeDocument/2006/math">
-                              <m:oMathParaPr>
-                                <m:jc m:val="centerGroup"/>
-                              </m:oMathParaPr>
-                              <m:oMath xmlns:m="http://schemas.openxmlformats.org/officeDocument/2006/math">
-                                <m:sSub>
-                                  <m:sSubPr>
-                                    <m:ctrlPr>
-                                      <a:rPr lang="es-ES" b="0" smtClean="0"/>
-                                    </m:ctrlPr>
-                                  </m:sSubPr>
-                                  <m:e>
-                                    <m:r>
-                                      <a:rPr lang="es-ES" b="1" smtClean="0"/>
-                                      <m:t>𝒙</m:t>
-                                    </m:r>
-                                  </m:e>
-                                  <m:sub>
-                                    <m:r>
-                                      <a:rPr lang="es-ES" b="0" smtClean="0"/>
-                                      <m:t>𝑥</m:t>
-                                    </m:r>
-                                    <m:r>
-                                      <a:rPr lang="es-ES" b="0" smtClean="0"/>
-                                      <m:t>1</m:t>
-                                    </m:r>
-                                  </m:sub>
-                                </m:sSub>
-                              </m:oMath>
-                            </m:oMathPara>
-                          </a14:m>
-                          <a:endParaRPr lang="es-ES" dirty="0"/>
-                        </a:p>
-                      </a:txBody>
-                      <a:tcPr/>
-                    </a:tc>
-                    <a:tc>
-                      <a:txBody>
-                        <a:bodyPr/>
-                        <a:lstStyle/>
-                        <a:p>
-                          <a14:m>
-                            <m:oMathPara xmlns:m="http://schemas.openxmlformats.org/officeDocument/2006/math">
-                              <m:oMathParaPr>
-                                <m:jc m:val="centerGroup"/>
-                              </m:oMathParaPr>
-                              <m:oMath xmlns:m="http://schemas.openxmlformats.org/officeDocument/2006/math">
-                                <m:sSub>
-                                  <m:sSubPr>
-                                    <m:ctrlPr>
-                                      <a:rPr lang="es-ES" b="0" smtClean="0"/>
-                                    </m:ctrlPr>
-                                  </m:sSubPr>
-                                  <m:e>
-                                    <m:r>
-                                      <a:rPr lang="es-ES" b="1" smtClean="0"/>
-                                      <m:t>𝒙</m:t>
-                                    </m:r>
-                                  </m:e>
-                                  <m:sub>
-                                    <m:r>
-                                      <a:rPr lang="es-ES" b="0" smtClean="0"/>
-                                      <m:t>𝑦</m:t>
-                                    </m:r>
-                                  </m:sub>
-                                </m:sSub>
-                              </m:oMath>
-                            </m:oMathPara>
-                          </a14:m>
-                          <a:endParaRPr lang="es-ES" dirty="0"/>
-                        </a:p>
-                      </a:txBody>
-                      <a:tcPr/>
-                    </a:tc>
-                    <a:extLst>
-                      <a:ext uri="{0D108BD9-81ED-4DB2-BD59-A6C34878D82A}">
-                        <a16:rowId xmlns:a16="http://schemas.microsoft.com/office/drawing/2014/main" val="3081208129"/>
-                      </a:ext>
-                    </a:extLst>
-                  </a:tr>
-                  <a:tr h="370840">
-                    <a:tc>
-                      <a:txBody>
-                        <a:bodyPr/>
-                        <a:lstStyle/>
-                        <a:p>
-                          <a:r>
-                            <a:rPr lang="es-ES" dirty="0"/>
-                            <a:t>1D-SA</a:t>
-                          </a:r>
-                        </a:p>
-                      </a:txBody>
-                      <a:tcPr/>
-                    </a:tc>
-                    <a:tc>
-                      <a:txBody>
-                        <a:bodyPr/>
-                        <a:lstStyle/>
-                        <a:p>
-                          <a:pPr algn="ctr"/>
-                          <a:r>
-                            <a:rPr lang="es-ES" dirty="0"/>
-                            <a:t>0.46</a:t>
-                          </a:r>
-                        </a:p>
-                      </a:txBody>
-                      <a:tcPr/>
-                    </a:tc>
-                    <a:tc>
-                      <a:txBody>
-                        <a:bodyPr/>
-                        <a:lstStyle/>
-                        <a:p>
-                          <a:pPr algn="ctr"/>
-                          <a:r>
-                            <a:rPr lang="es-ES" dirty="0"/>
-                            <a:t>0.54</a:t>
-                          </a:r>
-                        </a:p>
-                      </a:txBody>
-                      <a:tcPr/>
-                    </a:tc>
-                    <a:extLst>
-                      <a:ext uri="{0D108BD9-81ED-4DB2-BD59-A6C34878D82A}">
-                        <a16:rowId xmlns:a16="http://schemas.microsoft.com/office/drawing/2014/main" val="3493144764"/>
-                      </a:ext>
-                    </a:extLst>
-                  </a:tr>
-                  <a:tr h="370840">
-                    <a:tc>
-                      <a:txBody>
-                        <a:bodyPr/>
-                        <a:lstStyle/>
-                        <a:p>
-                          <a:r>
-                            <a:rPr lang="es-ES" dirty="0"/>
-                            <a:t>GSA (#F=2)</a:t>
-                          </a:r>
-                        </a:p>
-                      </a:txBody>
-                      <a:tcPr/>
-                    </a:tc>
-                    <a:tc>
-                      <a:txBody>
-                        <a:bodyPr/>
-                        <a:lstStyle/>
-                        <a:p>
-                          <a:pPr algn="ctr"/>
-                          <a:r>
-                            <a:rPr lang="es-ES" dirty="0"/>
-                            <a:t>0.50</a:t>
-                          </a:r>
-                        </a:p>
-                      </a:txBody>
-                      <a:tcPr/>
-                    </a:tc>
-                    <a:tc>
-                      <a:txBody>
-                        <a:bodyPr/>
-                        <a:lstStyle/>
-                        <a:p>
-                          <a:pPr algn="ctr"/>
-                          <a:r>
-                            <a:rPr lang="es-ES" dirty="0"/>
-                            <a:t>0.50</a:t>
-                          </a:r>
-                        </a:p>
-                      </a:txBody>
-                      <a:tcPr/>
-                    </a:tc>
-                    <a:extLst>
-                      <a:ext uri="{0D108BD9-81ED-4DB2-BD59-A6C34878D82A}">
-                        <a16:rowId xmlns:a16="http://schemas.microsoft.com/office/drawing/2014/main" val="3341117997"/>
-                      </a:ext>
-                    </a:extLst>
-                  </a:tr>
-                </a:tbl>
-              </a:graphicData>
-            </a:graphic>
-          </p:graphicFrame>
-        </mc:Choice>
-        <mc:Fallback>
-          <p:graphicFrame>
-            <p:nvGraphicFramePr>
-              <p:cNvPr id="6" name="Tabla 5">
-                <a:extLst>
-                  <a:ext uri="{FF2B5EF4-FFF2-40B4-BE49-F238E27FC236}">
-                    <a16:creationId xmlns:a16="http://schemas.microsoft.com/office/drawing/2014/main" id="{A84E4F4F-5B5D-384B-F76B-BC69EC2FC0C0}"/>
-                  </a:ext>
-                </a:extLst>
-              </p:cNvPr>
-              <p:cNvGraphicFramePr>
-                <a:graphicFrameLocks noGrp="1"/>
-              </p:cNvGraphicFramePr>
-              <p:nvPr>
-                <p:extLst>
-                  <p:ext uri="{D42A27DB-BD31-4B8C-83A1-F6EECF244321}">
-                    <p14:modId xmlns:p14="http://schemas.microsoft.com/office/powerpoint/2010/main" val="3860399139"/>
-                  </p:ext>
-                </p:extLst>
-              </p:nvPr>
-            </p:nvGraphicFramePr>
-            <p:xfrm>
-              <a:off x="3048000" y="4613203"/>
-              <a:ext cx="12192000" cy="1546352"/>
-            </p:xfrm>
-            <a:graphic>
-              <a:graphicData uri="http://schemas.openxmlformats.org/drawingml/2006/table">
-                <a:tbl>
-                  <a:tblPr firstRow="1" bandRow="1">
-                    <a:tableStyleId>{9D7B26C5-4107-4FEC-AEDC-1716B250A1EF}</a:tableStyleId>
-                  </a:tblPr>
-                  <a:tblGrid>
-                    <a:gridCol w="4064000">
-                      <a:extLst>
-                        <a:ext uri="{9D8B030D-6E8A-4147-A177-3AD203B41FA5}">
-                          <a16:colId xmlns:a16="http://schemas.microsoft.com/office/drawing/2014/main" val="565072992"/>
-                        </a:ext>
-                      </a:extLst>
-                    </a:gridCol>
-                    <a:gridCol w="4064000">
-                      <a:extLst>
-                        <a:ext uri="{9D8B030D-6E8A-4147-A177-3AD203B41FA5}">
-                          <a16:colId xmlns:a16="http://schemas.microsoft.com/office/drawing/2014/main" val="3714311927"/>
-                        </a:ext>
-                      </a:extLst>
-                    </a:gridCol>
-                    <a:gridCol w="4064000">
-                      <a:extLst>
-                        <a:ext uri="{9D8B030D-6E8A-4147-A177-3AD203B41FA5}">
-                          <a16:colId xmlns:a16="http://schemas.microsoft.com/office/drawing/2014/main" val="3600416966"/>
-                        </a:ext>
-                      </a:extLst>
-                    </a:gridCol>
-                  </a:tblGrid>
-                  <a:tr h="540512">
-                    <a:tc>
-                      <a:txBody>
-                        <a:bodyPr/>
-                        <a:lstStyle/>
-                        <a:p>
-                          <a:r>
-                            <a:rPr lang="es-ES" dirty="0"/>
-                            <a:t>Method</a:t>
-                          </a:r>
-                        </a:p>
-                      </a:txBody>
-                      <a:tcPr/>
-                    </a:tc>
-                    <a:tc>
-                      <a:txBody>
-                        <a:bodyPr/>
-                        <a:lstStyle/>
-                        <a:p>
-                          <a:endParaRPr lang="es-ES"/>
-                        </a:p>
-                      </a:txBody>
-                      <a:tcPr>
-                        <a:blipFill>
-                          <a:blip r:embed="rId3"/>
-                          <a:stretch>
-                            <a:fillRect l="-100150" t="-8989" r="-100450" b="-215730"/>
-                          </a:stretch>
-                        </a:blipFill>
-                      </a:tcPr>
-                    </a:tc>
-                    <a:tc>
-                      <a:txBody>
-                        <a:bodyPr/>
-                        <a:lstStyle/>
-                        <a:p>
-                          <a:endParaRPr lang="es-ES"/>
-                        </a:p>
-                      </a:txBody>
-                      <a:tcPr>
-                        <a:blipFill>
-                          <a:blip r:embed="rId3"/>
-                          <a:stretch>
-                            <a:fillRect l="-199850" t="-8989" r="-300" b="-215730"/>
-                          </a:stretch>
-                        </a:blipFill>
-                      </a:tcPr>
-                    </a:tc>
-                    <a:extLst>
-                      <a:ext uri="{0D108BD9-81ED-4DB2-BD59-A6C34878D82A}">
-                        <a16:rowId xmlns:a16="http://schemas.microsoft.com/office/drawing/2014/main" val="3081208129"/>
-                      </a:ext>
-                    </a:extLst>
-                  </a:tr>
-                  <a:tr h="502920">
-                    <a:tc>
-                      <a:txBody>
-                        <a:bodyPr/>
-                        <a:lstStyle/>
-                        <a:p>
-                          <a:r>
-                            <a:rPr lang="es-ES" dirty="0"/>
-                            <a:t>1D-SA</a:t>
-                          </a:r>
-                        </a:p>
-                      </a:txBody>
-                      <a:tcPr/>
-                    </a:tc>
-                    <a:tc>
-                      <a:txBody>
-                        <a:bodyPr/>
-                        <a:lstStyle/>
-                        <a:p>
-                          <a:pPr algn="ctr"/>
-                          <a:r>
-                            <a:rPr lang="es-ES" dirty="0"/>
-                            <a:t>0.46</a:t>
-                          </a:r>
-                        </a:p>
-                      </a:txBody>
-                      <a:tcPr/>
-                    </a:tc>
-                    <a:tc>
-                      <a:txBody>
-                        <a:bodyPr/>
-                        <a:lstStyle/>
-                        <a:p>
-                          <a:pPr algn="ctr"/>
-                          <a:r>
-                            <a:rPr lang="es-ES" dirty="0"/>
-                            <a:t>0.54</a:t>
-                          </a:r>
-                        </a:p>
-                      </a:txBody>
-                      <a:tcPr/>
-                    </a:tc>
-                    <a:extLst>
-                      <a:ext uri="{0D108BD9-81ED-4DB2-BD59-A6C34878D82A}">
-                        <a16:rowId xmlns:a16="http://schemas.microsoft.com/office/drawing/2014/main" val="3493144764"/>
-                      </a:ext>
-                    </a:extLst>
-                  </a:tr>
-                  <a:tr h="502920">
-                    <a:tc>
-                      <a:txBody>
-                        <a:bodyPr/>
-                        <a:lstStyle/>
-                        <a:p>
-                          <a:r>
-                            <a:rPr lang="es-ES" dirty="0"/>
-                            <a:t>GSA (#F=2)</a:t>
-                          </a:r>
-                        </a:p>
-                      </a:txBody>
-                      <a:tcPr/>
-                    </a:tc>
-                    <a:tc>
-                      <a:txBody>
-                        <a:bodyPr/>
-                        <a:lstStyle/>
-                        <a:p>
-                          <a:pPr algn="ctr"/>
-                          <a:r>
-                            <a:rPr lang="es-ES" dirty="0"/>
-                            <a:t>0.50</a:t>
-                          </a:r>
-                        </a:p>
-                      </a:txBody>
-                      <a:tcPr/>
-                    </a:tc>
-                    <a:tc>
-                      <a:txBody>
-                        <a:bodyPr/>
-                        <a:lstStyle/>
-                        <a:p>
-                          <a:pPr algn="ctr"/>
-                          <a:r>
-                            <a:rPr lang="es-ES" dirty="0"/>
-                            <a:t>0.50</a:t>
-                          </a:r>
-                        </a:p>
-                      </a:txBody>
-                      <a:tcPr/>
-                    </a:tc>
-                    <a:extLst>
-                      <a:ext uri="{0D108BD9-81ED-4DB2-BD59-A6C34878D82A}">
-                        <a16:rowId xmlns:a16="http://schemas.microsoft.com/office/drawing/2014/main" val="3341117997"/>
-                      </a:ext>
-                    </a:extLst>
-                  </a:tr>
-                </a:tbl>
-              </a:graphicData>
-            </a:graphic>
-          </p:graphicFrame>
-        </mc:Fallback>
-      </mc:AlternateContent>
-    </p:spTree>
-    <p:extLst>
-      <p:ext uri="{BB962C8B-B14F-4D97-AF65-F5344CB8AC3E}">
-        <p14:creationId xmlns:p14="http://schemas.microsoft.com/office/powerpoint/2010/main" val="602926084"/>
-      </p:ext>
-    </p:extLst>
-  </p:cSld>
-  <p:clrMapOvr>
-    <a:masterClrMapping/>
-  </p:clrMapOvr>
-</p:sld>
-</file>
-
-<file path=ppt/slides/slide27.xml><?xml version="1.0" encoding="utf-8"?>
-<p:sld xmlns:a="http://schemas.openxmlformats.org/drawingml/2006/main" xmlns:r="http://schemas.openxmlformats.org/officeDocument/2006/relationships" xmlns:p="http://schemas.openxmlformats.org/presentationml/2006/main">
-  <p:cSld>
-    <p:spTree>
-      <p:nvGrpSpPr>
-        <p:cNvPr id="1" name=""/>
-        <p:cNvGrpSpPr/>
-        <p:nvPr/>
-      </p:nvGrpSpPr>
-      <p:grpSpPr>
-        <a:xfrm>
-          <a:off x="0" y="0"/>
-          <a:ext cx="0" cy="0"/>
-          <a:chOff x="0" y="0"/>
-          <a:chExt cx="0" cy="0"/>
-        </a:xfrm>
-      </p:grpSpPr>
-      <p:sp>
-        <p:nvSpPr>
-          <p:cNvPr id="2" name="Título 1">
-            <a:extLst>
-              <a:ext uri="{FF2B5EF4-FFF2-40B4-BE49-F238E27FC236}">
-                <a16:creationId xmlns:a16="http://schemas.microsoft.com/office/drawing/2014/main" id="{EFA3559C-B19D-7748-9F2B-B49DF3937433}"/>
-              </a:ext>
-            </a:extLst>
-          </p:cNvPr>
-          <p:cNvSpPr>
-            <a:spLocks noGrp="1"/>
-          </p:cNvSpPr>
-          <p:nvPr>
-            <p:ph type="title"/>
-          </p:nvPr>
-        </p:nvSpPr>
-        <p:spPr/>
-        <p:txBody>
-          <a:bodyPr/>
-          <a:lstStyle/>
-          <a:p>
-            <a:r>
-              <a:rPr lang="es-ES" dirty="0"/>
-              <a:t>Data-</a:t>
-            </a:r>
-            <a:r>
-              <a:rPr lang="es-ES" dirty="0" err="1"/>
-              <a:t>based</a:t>
-            </a:r>
-            <a:r>
-              <a:rPr lang="es-ES"/>
-              <a:t> SA (DSA)</a:t>
-            </a:r>
-            <a:endParaRPr lang="es-ES" dirty="0"/>
-          </a:p>
-        </p:txBody>
-      </p:sp>
-      <mc:AlternateContent xmlns:mc="http://schemas.openxmlformats.org/markup-compatibility/2006">
-        <mc:Choice xmlns:a14="http://schemas.microsoft.com/office/drawing/2010/main" Requires="a14">
-          <p:sp>
-            <p:nvSpPr>
-              <p:cNvPr id="3" name="Marcador de contenido 2">
-                <a:extLst>
-                  <a:ext uri="{FF2B5EF4-FFF2-40B4-BE49-F238E27FC236}">
-                    <a16:creationId xmlns:a16="http://schemas.microsoft.com/office/drawing/2014/main" id="{F89BA901-1B4F-C4CC-10E3-603EDC15B188}"/>
-                  </a:ext>
-                </a:extLst>
-              </p:cNvPr>
-              <p:cNvSpPr>
-                <a:spLocks noGrp="1"/>
-              </p:cNvSpPr>
-              <p:nvPr>
-                <p:ph idx="1"/>
-              </p:nvPr>
-            </p:nvSpPr>
-            <p:spPr/>
-            <p:txBody>
-              <a:bodyPr>
-                <a:normAutofit lnSpcReduction="10000"/>
-              </a:bodyPr>
-              <a:lstStyle/>
-              <a:p>
-                <a:r>
-                  <a:rPr lang="es-ES" dirty="0"/>
-                  <a:t>In </a:t>
-                </a:r>
-                <a:r>
-                  <a:rPr lang="es-ES" dirty="0" err="1"/>
-                  <a:t>our</a:t>
-                </a:r>
-                <a:r>
-                  <a:rPr lang="es-ES" dirty="0"/>
-                  <a:t> </a:t>
-                </a:r>
-                <a:r>
-                  <a:rPr lang="es-ES" dirty="0" err="1"/>
-                  <a:t>dataset</a:t>
-                </a:r>
-                <a:r>
-                  <a:rPr lang="es-ES" dirty="0"/>
-                  <a:t> </a:t>
-                </a:r>
-                <a:r>
-                  <a:rPr lang="es-ES" dirty="0" err="1"/>
-                  <a:t>example</a:t>
-                </a:r>
-                <a:r>
-                  <a:rPr lang="es-ES" dirty="0"/>
-                  <a:t> </a:t>
-                </a:r>
-                <a:r>
-                  <a:rPr lang="es-ES" dirty="0" err="1"/>
-                  <a:t>with</a:t>
-                </a:r>
-                <a:r>
-                  <a:rPr lang="es-ES" dirty="0"/>
-                  <a:t> variables </a:t>
-                </a:r>
-                <a14:m>
-                  <m:oMath xmlns:m="http://schemas.openxmlformats.org/officeDocument/2006/math">
-                    <m:r>
-                      <a:rPr lang="es-ES" b="0" i="1" smtClean="0">
-                        <a:latin typeface="Cambria Math" panose="02040503050406030204" pitchFamily="18" charset="0"/>
-                      </a:rPr>
-                      <m:t>𝑥</m:t>
-                    </m:r>
-                    <m:r>
-                      <a:rPr lang="es-ES" b="0" i="1" smtClean="0">
-                        <a:latin typeface="Cambria Math" panose="02040503050406030204" pitchFamily="18" charset="0"/>
-                      </a:rPr>
-                      <m:t>1</m:t>
-                    </m:r>
-                  </m:oMath>
-                </a14:m>
-                <a:r>
-                  <a:rPr lang="es-ES" dirty="0"/>
-                  <a:t> and </a:t>
-                </a:r>
-                <a14:m>
-                  <m:oMath xmlns:m="http://schemas.openxmlformats.org/officeDocument/2006/math">
-                    <m:r>
-                      <a:rPr lang="es-ES" b="0" i="1" smtClean="0">
-                        <a:latin typeface="Cambria Math" panose="02040503050406030204" pitchFamily="18" charset="0"/>
-                      </a:rPr>
-                      <m:t>𝑦</m:t>
-                    </m:r>
-                  </m:oMath>
-                </a14:m>
-                <a:r>
-                  <a:rPr lang="es-ES" dirty="0"/>
-                  <a:t>, </a:t>
-                </a:r>
-                <a:r>
-                  <a:rPr lang="es-ES" dirty="0" err="1"/>
-                  <a:t>using</a:t>
-                </a:r>
-                <a:r>
-                  <a:rPr lang="es-ES" dirty="0"/>
-                  <a:t> 5 </a:t>
-                </a:r>
-                <a:r>
-                  <a:rPr lang="es-ES" dirty="0" err="1"/>
-                  <a:t>levels</a:t>
-                </a:r>
-                <a:r>
-                  <a:rPr lang="es-ES" dirty="0"/>
-                  <a:t>, </a:t>
-                </a:r>
-                <a:r>
-                  <a:rPr lang="es-ES" dirty="0" err="1"/>
-                  <a:t>we</a:t>
-                </a:r>
-                <a:r>
-                  <a:rPr lang="es-ES" dirty="0"/>
-                  <a:t> </a:t>
-                </a:r>
-                <a:r>
-                  <a:rPr lang="es-ES" dirty="0" err="1"/>
-                  <a:t>obtain</a:t>
-                </a:r>
-                <a:r>
-                  <a:rPr lang="es-ES" dirty="0"/>
-                  <a:t> 25 </a:t>
-                </a:r>
-                <a:r>
-                  <a:rPr lang="es-ES" dirty="0" err="1"/>
-                  <a:t>combinatios</a:t>
-                </a:r>
-                <a:r>
-                  <a:rPr lang="es-ES" dirty="0"/>
-                  <a:t>. </a:t>
-                </a:r>
-                <a:r>
-                  <a:rPr lang="es-ES" dirty="0" err="1"/>
-                  <a:t>This</a:t>
-                </a:r>
-                <a:r>
-                  <a:rPr lang="es-ES" dirty="0"/>
-                  <a:t> </a:t>
-                </a:r>
-                <a:r>
-                  <a:rPr lang="es-ES" dirty="0" err="1"/>
-                  <a:t>contrasts</a:t>
-                </a:r>
-                <a:r>
-                  <a:rPr lang="es-ES" dirty="0"/>
-                  <a:t> </a:t>
-                </a:r>
-                <a:r>
-                  <a:rPr lang="es-ES" dirty="0" err="1"/>
-                  <a:t>with</a:t>
-                </a:r>
-                <a:r>
-                  <a:rPr lang="es-ES" dirty="0"/>
-                  <a:t> 1D-SA, </a:t>
-                </a:r>
-                <a:r>
-                  <a:rPr lang="es-ES" dirty="0" err="1"/>
-                  <a:t>wich</a:t>
-                </a:r>
-                <a:r>
-                  <a:rPr lang="es-ES" dirty="0"/>
-                  <a:t> </a:t>
-                </a:r>
-                <a:r>
-                  <a:rPr lang="es-ES" dirty="0" err="1"/>
-                  <a:t>only</a:t>
-                </a:r>
-                <a:r>
-                  <a:rPr lang="es-ES" dirty="0"/>
-                  <a:t> compute 10 </a:t>
-                </a:r>
-                <a:r>
-                  <a:rPr lang="es-ES" dirty="0" err="1"/>
-                  <a:t>scenarios</a:t>
-                </a:r>
-                <a:r>
-                  <a:rPr lang="es-ES" dirty="0"/>
-                  <a:t>. </a:t>
-                </a:r>
-              </a:p>
-              <a:p>
-                <a:endParaRPr lang="es-ES" dirty="0"/>
-              </a:p>
-              <a:p>
-                <a:endParaRPr lang="en-US" dirty="0"/>
-              </a:p>
-              <a:p>
-                <a:endParaRPr lang="en-US" dirty="0"/>
-              </a:p>
-              <a:p>
-                <a:r>
-                  <a:rPr lang="en-US" dirty="0"/>
-                  <a:t>The aggregated information does not allow us to observe changes at the individual DMU level.</a:t>
-                </a:r>
-              </a:p>
-              <a:p>
-                <a:r>
-                  <a:rPr lang="en-US" dirty="0"/>
-                  <a:t>This method should be avoided due to the significant computational effort required.</a:t>
-                </a:r>
-                <a:endParaRPr lang="es-ES" dirty="0"/>
-              </a:p>
-            </p:txBody>
-          </p:sp>
-        </mc:Choice>
-        <mc:Fallback>
-          <p:sp>
-            <p:nvSpPr>
-              <p:cNvPr id="3" name="Marcador de contenido 2">
-                <a:extLst>
-                  <a:ext uri="{FF2B5EF4-FFF2-40B4-BE49-F238E27FC236}">
-                    <a16:creationId xmlns:a16="http://schemas.microsoft.com/office/drawing/2014/main" id="{F89BA901-1B4F-C4CC-10E3-603EDC15B188}"/>
-                  </a:ext>
-                </a:extLst>
-              </p:cNvPr>
-              <p:cNvSpPr>
-                <a:spLocks noGrp="1" noRot="1" noChangeAspect="1" noMove="1" noResize="1" noEditPoints="1" noAdjustHandles="1" noChangeArrowheads="1" noChangeShapeType="1" noTextEdit="1"/>
-              </p:cNvSpPr>
-              <p:nvPr>
-                <p:ph idx="1"/>
-              </p:nvPr>
-            </p:nvSpPr>
-            <p:spPr>
-              <a:blipFill>
-                <a:blip r:embed="rId2"/>
-                <a:stretch>
-                  <a:fillRect l="-1352" t="-3828"/>
-                </a:stretch>
-              </a:blipFill>
-            </p:spPr>
-            <p:txBody>
-              <a:bodyPr/>
-              <a:lstStyle/>
-              <a:p>
-                <a:r>
-                  <a:rPr lang="es-ES">
-                    <a:noFill/>
-                  </a:rPr>
-                  <a:t> </a:t>
-                </a:r>
-              </a:p>
-            </p:txBody>
-          </p:sp>
-        </mc:Fallback>
-      </mc:AlternateContent>
-      <p:sp>
-        <p:nvSpPr>
-          <p:cNvPr id="4" name="Marcador de pie de página 3">
-            <a:extLst>
-              <a:ext uri="{FF2B5EF4-FFF2-40B4-BE49-F238E27FC236}">
-                <a16:creationId xmlns:a16="http://schemas.microsoft.com/office/drawing/2014/main" id="{38B0C3F3-DF84-ABE6-7262-11AC687E7802}"/>
-              </a:ext>
-            </a:extLst>
-          </p:cNvPr>
-          <p:cNvSpPr>
-            <a:spLocks noGrp="1"/>
-          </p:cNvSpPr>
-          <p:nvPr>
-            <p:ph type="ftr" sz="quarter" idx="11"/>
-          </p:nvPr>
-        </p:nvSpPr>
-        <p:spPr/>
-        <p:txBody>
-          <a:bodyPr/>
-          <a:lstStyle/>
-          <a:p>
-            <a:pPr algn="ctr">
-              <a:lnSpc>
-                <a:spcPct val="150000"/>
-              </a:lnSpc>
-              <a:spcAft>
-                <a:spcPts val="800"/>
-              </a:spcAft>
-            </a:pPr>
-            <a:r>
-              <a:rPr lang="en-US" sz="1800" b="1" kern="100" dirty="0">
-                <a:effectLst/>
-                <a:latin typeface="Times New Roman" panose="02020603050405020304" pitchFamily="18" charset="0"/>
-                <a:ea typeface="Aptos" panose="020B0004020202020204" pitchFamily="34" charset="0"/>
-                <a:cs typeface="Times New Roman" panose="02020603050405020304" pitchFamily="18" charset="0"/>
-              </a:rPr>
-              <a:t>Using sensitivity analysis and visualization techniques to open black box data mining models: a </a:t>
-            </a:r>
-            <a:r>
-              <a:rPr lang="en-US" sz="1800" b="1" kern="100" dirty="0" err="1">
-                <a:effectLst/>
-                <a:latin typeface="Times New Roman" panose="02020603050405020304" pitchFamily="18" charset="0"/>
-                <a:ea typeface="Aptos" panose="020B0004020202020204" pitchFamily="34" charset="0"/>
-                <a:cs typeface="Times New Roman" panose="02020603050405020304" pitchFamily="18" charset="0"/>
-              </a:rPr>
-              <a:t>rminer</a:t>
-            </a:r>
-            <a:r>
-              <a:rPr lang="en-US" sz="1800" b="1" kern="100" dirty="0">
-                <a:effectLst/>
-                <a:latin typeface="Times New Roman" panose="02020603050405020304" pitchFamily="18" charset="0"/>
-                <a:ea typeface="Aptos" panose="020B0004020202020204" pitchFamily="34" charset="0"/>
-                <a:cs typeface="Times New Roman" panose="02020603050405020304" pitchFamily="18" charset="0"/>
-              </a:rPr>
-              <a:t> example</a:t>
-            </a:r>
-            <a:endParaRPr lang="es-ES" sz="1600" kern="100" dirty="0">
-              <a:effectLst/>
-              <a:latin typeface="Times New Roman" panose="02020603050405020304" pitchFamily="18" charset="0"/>
-              <a:ea typeface="Aptos" panose="020B0004020202020204" pitchFamily="34" charset="0"/>
-              <a:cs typeface="Times New Roman" panose="02020603050405020304" pitchFamily="18" charset="0"/>
-            </a:endParaRPr>
-          </a:p>
-        </p:txBody>
-      </p:sp>
-      <p:sp>
-        <p:nvSpPr>
-          <p:cNvPr id="5" name="Marcador de número de diapositiva 4">
-            <a:extLst>
-              <a:ext uri="{FF2B5EF4-FFF2-40B4-BE49-F238E27FC236}">
-                <a16:creationId xmlns:a16="http://schemas.microsoft.com/office/drawing/2014/main" id="{F811842D-C9BE-93E8-1152-B7297C5CF176}"/>
-              </a:ext>
-            </a:extLst>
-          </p:cNvPr>
-          <p:cNvSpPr>
-            <a:spLocks noGrp="1"/>
-          </p:cNvSpPr>
-          <p:nvPr>
-            <p:ph type="sldNum" sz="quarter" idx="12"/>
-          </p:nvPr>
-        </p:nvSpPr>
-        <p:spPr/>
-        <p:txBody>
-          <a:bodyPr/>
-          <a:lstStyle/>
-          <a:p>
-            <a:fld id="{DBFF9636-A71C-488A-89F8-02E08556F10C}" type="slidenum">
-              <a:rPr lang="es-ES" smtClean="0"/>
-              <a:pPr/>
-              <a:t>27</a:t>
-            </a:fld>
-            <a:endParaRPr lang="es-ES" dirty="0"/>
-          </a:p>
-        </p:txBody>
-      </p:sp>
-      <mc:AlternateContent xmlns:mc="http://schemas.openxmlformats.org/markup-compatibility/2006">
-        <mc:Choice xmlns:a14="http://schemas.microsoft.com/office/drawing/2010/main" Requires="a14">
-          <p:graphicFrame>
-            <p:nvGraphicFramePr>
-              <p:cNvPr id="6" name="Tabla 5">
-                <a:extLst>
-                  <a:ext uri="{FF2B5EF4-FFF2-40B4-BE49-F238E27FC236}">
-                    <a16:creationId xmlns:a16="http://schemas.microsoft.com/office/drawing/2014/main" id="{A84E4F4F-5B5D-384B-F76B-BC69EC2FC0C0}"/>
-                  </a:ext>
-                </a:extLst>
-              </p:cNvPr>
-              <p:cNvGraphicFramePr>
-                <a:graphicFrameLocks noGrp="1"/>
-              </p:cNvGraphicFramePr>
-              <p:nvPr/>
             </p:nvGraphicFramePr>
             <p:xfrm>
               <a:off x="3048000" y="4613203"/>
@@ -33803,7 +32963,7 @@
                           <a:pPr algn="ctr"/>
                           <a:r>
                             <a:rPr lang="es-ES" dirty="0"/>
-                            <a:t>0.50</a:t>
+                            <a:t>0.45</a:t>
                           </a:r>
                         </a:p>
                       </a:txBody>
@@ -33817,7 +32977,7 @@
                           <a:pPr algn="ctr"/>
                           <a:r>
                             <a:rPr lang="es-ES" dirty="0"/>
-                            <a:t>0.50</a:t>
+                            <a:t>0.55</a:t>
                           </a:r>
                         </a:p>
                       </a:txBody>
@@ -33847,7 +33007,13 @@
               <p:cNvGraphicFramePr>
                 <a:graphicFrameLocks noGrp="1"/>
               </p:cNvGraphicFramePr>
-              <p:nvPr/>
+              <p:nvPr>
+                <p:extLst>
+                  <p:ext uri="{D42A27DB-BD31-4B8C-83A1-F6EECF244321}">
+                    <p14:modId xmlns:p14="http://schemas.microsoft.com/office/powerpoint/2010/main" val="2612396123"/>
+                  </p:ext>
+                </p:extLst>
+              </p:nvPr>
             </p:nvGraphicFramePr>
             <p:xfrm>
               <a:off x="3048000" y="4613203"/>
@@ -34006,7 +33172,7 @@
                           <a:pPr algn="ctr"/>
                           <a:r>
                             <a:rPr lang="es-ES" dirty="0"/>
-                            <a:t>0.50</a:t>
+                            <a:t>0.45</a:t>
                           </a:r>
                         </a:p>
                       </a:txBody>
@@ -34020,7 +33186,7 @@
                           <a:pPr algn="ctr"/>
                           <a:r>
                             <a:rPr lang="es-ES" dirty="0"/>
-                            <a:t>0.50</a:t>
+                            <a:t>0.55</a:t>
                           </a:r>
                         </a:p>
                       </a:txBody>
@@ -34038,6 +33204,643 @@
           </p:graphicFrame>
         </mc:Fallback>
       </mc:AlternateContent>
+    </p:spTree>
+    <p:extLst>
+      <p:ext uri="{BB962C8B-B14F-4D97-AF65-F5344CB8AC3E}">
+        <p14:creationId xmlns:p14="http://schemas.microsoft.com/office/powerpoint/2010/main" val="602926084"/>
+      </p:ext>
+    </p:extLst>
+  </p:cSld>
+  <p:clrMapOvr>
+    <a:masterClrMapping/>
+  </p:clrMapOvr>
+</p:sld>
+</file>
+
+<file path=ppt/slides/slide27.xml><?xml version="1.0" encoding="utf-8"?>
+<p:sld xmlns:a="http://schemas.openxmlformats.org/drawingml/2006/main" xmlns:r="http://schemas.openxmlformats.org/officeDocument/2006/relationships" xmlns:p="http://schemas.openxmlformats.org/presentationml/2006/main">
+  <p:cSld>
+    <p:spTree>
+      <p:nvGrpSpPr>
+        <p:cNvPr id="1" name=""/>
+        <p:cNvGrpSpPr/>
+        <p:nvPr/>
+      </p:nvGrpSpPr>
+      <p:grpSpPr>
+        <a:xfrm>
+          <a:off x="0" y="0"/>
+          <a:ext cx="0" cy="0"/>
+          <a:chOff x="0" y="0"/>
+          <a:chExt cx="0" cy="0"/>
+        </a:xfrm>
+      </p:grpSpPr>
+      <p:sp>
+        <p:nvSpPr>
+          <p:cNvPr id="2" name="Título 1">
+            <a:extLst>
+              <a:ext uri="{FF2B5EF4-FFF2-40B4-BE49-F238E27FC236}">
+                <a16:creationId xmlns:a16="http://schemas.microsoft.com/office/drawing/2014/main" id="{EFA3559C-B19D-7748-9F2B-B49DF3937433}"/>
+              </a:ext>
+            </a:extLst>
+          </p:cNvPr>
+          <p:cNvSpPr>
+            <a:spLocks noGrp="1"/>
+          </p:cNvSpPr>
+          <p:nvPr>
+            <p:ph type="title"/>
+          </p:nvPr>
+        </p:nvSpPr>
+        <p:spPr/>
+        <p:txBody>
+          <a:bodyPr/>
+          <a:lstStyle/>
+          <a:p>
+            <a:r>
+              <a:rPr lang="es-ES" dirty="0"/>
+              <a:t>Data-</a:t>
+            </a:r>
+            <a:r>
+              <a:rPr lang="es-ES" dirty="0" err="1"/>
+              <a:t>based</a:t>
+            </a:r>
+            <a:r>
+              <a:rPr lang="es-ES"/>
+              <a:t> SA (DSA)</a:t>
+            </a:r>
+            <a:endParaRPr lang="es-ES" dirty="0"/>
+          </a:p>
+        </p:txBody>
+      </p:sp>
+      <mc:AlternateContent xmlns:mc="http://schemas.openxmlformats.org/markup-compatibility/2006">
+        <mc:Choice xmlns:a14="http://schemas.microsoft.com/office/drawing/2010/main" Requires="a14">
+          <p:sp>
+            <p:nvSpPr>
+              <p:cNvPr id="3" name="Marcador de contenido 2">
+                <a:extLst>
+                  <a:ext uri="{FF2B5EF4-FFF2-40B4-BE49-F238E27FC236}">
+                    <a16:creationId xmlns:a16="http://schemas.microsoft.com/office/drawing/2014/main" id="{F89BA901-1B4F-C4CC-10E3-603EDC15B188}"/>
+                  </a:ext>
+                </a:extLst>
+              </p:cNvPr>
+              <p:cNvSpPr>
+                <a:spLocks noGrp="1"/>
+              </p:cNvSpPr>
+              <p:nvPr>
+                <p:ph idx="1"/>
+              </p:nvPr>
+            </p:nvSpPr>
+            <p:spPr/>
+            <p:txBody>
+              <a:bodyPr>
+                <a:normAutofit/>
+              </a:bodyPr>
+              <a:lstStyle/>
+              <a:p>
+                <a:r>
+                  <a:rPr lang="es-ES" dirty="0"/>
+                  <a:t>Similar </a:t>
+                </a:r>
+                <a:r>
+                  <a:rPr lang="es-ES" dirty="0" err="1"/>
+                  <a:t>to</a:t>
+                </a:r>
+                <a:r>
+                  <a:rPr lang="es-ES" dirty="0"/>
+                  <a:t> 1D-SA, </a:t>
+                </a:r>
+                <a:r>
+                  <a:rPr lang="es-ES" dirty="0" err="1"/>
+                  <a:t>but</a:t>
+                </a:r>
+                <a:r>
+                  <a:rPr lang="es-ES" dirty="0"/>
+                  <a:t> </a:t>
+                </a:r>
+                <a:r>
+                  <a:rPr lang="es-ES" dirty="0" err="1"/>
+                  <a:t>this</a:t>
+                </a:r>
+                <a:r>
+                  <a:rPr lang="es-ES" dirty="0"/>
+                  <a:t> </a:t>
+                </a:r>
+                <a:r>
+                  <a:rPr lang="es-ES" dirty="0" err="1"/>
+                  <a:t>method</a:t>
+                </a:r>
+                <a:r>
+                  <a:rPr lang="es-ES" dirty="0"/>
+                  <a:t> uses </a:t>
+                </a:r>
+                <a:r>
+                  <a:rPr lang="es-ES" dirty="0" err="1"/>
+                  <a:t>several</a:t>
+                </a:r>
+                <a:r>
+                  <a:rPr lang="es-ES" dirty="0"/>
+                  <a:t> training simples </a:t>
+                </a:r>
+                <a:r>
+                  <a:rPr lang="es-ES" dirty="0" err="1"/>
+                  <a:t>instead</a:t>
+                </a:r>
+                <a:r>
+                  <a:rPr lang="es-ES" dirty="0"/>
+                  <a:t> </a:t>
+                </a:r>
+                <a:r>
+                  <a:rPr lang="es-ES" dirty="0" err="1"/>
+                  <a:t>of</a:t>
+                </a:r>
+                <a:r>
+                  <a:rPr lang="es-ES" dirty="0"/>
+                  <a:t> </a:t>
+                </a:r>
+                <a:r>
+                  <a:rPr lang="es-ES" dirty="0" err="1"/>
+                  <a:t>the</a:t>
+                </a:r>
+                <a:r>
+                  <a:rPr lang="es-ES" dirty="0"/>
+                  <a:t> </a:t>
+                </a:r>
+                <a:r>
+                  <a:rPr lang="es-ES" dirty="0" err="1"/>
+                  <a:t>baseline</a:t>
+                </a:r>
+                <a:r>
+                  <a:rPr lang="es-ES" dirty="0"/>
+                  <a:t> vector.</a:t>
+                </a:r>
+              </a:p>
+              <a:p>
+                <a:r>
+                  <a:rPr lang="es-ES" dirty="0" err="1"/>
+                  <a:t>The</a:t>
+                </a:r>
+                <a:r>
+                  <a:rPr lang="es-ES" dirty="0"/>
+                  <a:t> </a:t>
+                </a:r>
+                <a:r>
+                  <a:rPr lang="es-ES" dirty="0" err="1"/>
+                  <a:t>objective</a:t>
+                </a:r>
+                <a:r>
+                  <a:rPr lang="es-ES" dirty="0"/>
+                  <a:t> </a:t>
+                </a:r>
+                <a:r>
+                  <a:rPr lang="es-ES" dirty="0" err="1"/>
+                  <a:t>is</a:t>
+                </a:r>
+                <a:r>
+                  <a:rPr lang="es-ES" dirty="0"/>
+                  <a:t> capture input </a:t>
+                </a:r>
+                <a:r>
+                  <a:rPr lang="es-ES" dirty="0" err="1"/>
+                  <a:t>interactions</a:t>
+                </a:r>
+                <a:r>
+                  <a:rPr lang="es-ES" dirty="0"/>
+                  <a:t> (as GSA) </a:t>
+                </a:r>
+                <a:r>
+                  <a:rPr lang="es-ES" dirty="0" err="1"/>
+                  <a:t>but</a:t>
+                </a:r>
+                <a:r>
+                  <a:rPr lang="es-ES" dirty="0"/>
+                  <a:t> </a:t>
+                </a:r>
+                <a:r>
+                  <a:rPr lang="es-ES" dirty="0" err="1"/>
+                  <a:t>with</a:t>
+                </a:r>
+                <a:r>
+                  <a:rPr lang="es-ES" dirty="0"/>
+                  <a:t> </a:t>
+                </a:r>
+                <a:r>
+                  <a:rPr lang="es-ES" dirty="0" err="1"/>
+                  <a:t>less</a:t>
+                </a:r>
+                <a:r>
+                  <a:rPr lang="es-ES" dirty="0"/>
+                  <a:t> </a:t>
+                </a:r>
+                <a:r>
+                  <a:rPr lang="es-ES" dirty="0" err="1"/>
+                  <a:t>computational</a:t>
+                </a:r>
+                <a:r>
+                  <a:rPr lang="es-ES" dirty="0"/>
+                  <a:t> </a:t>
+                </a:r>
+                <a:r>
+                  <a:rPr lang="es-ES" dirty="0" err="1"/>
+                  <a:t>effort</a:t>
+                </a:r>
+                <a:r>
+                  <a:rPr lang="es-ES" dirty="0"/>
+                  <a:t>. </a:t>
+                </a:r>
+              </a:p>
+              <a:p>
+                <a:r>
+                  <a:rPr lang="es-ES" dirty="0" err="1"/>
+                  <a:t>Procedure</a:t>
+                </a:r>
+                <a:r>
+                  <a:rPr lang="es-ES" dirty="0"/>
+                  <a:t>:</a:t>
+                </a:r>
+              </a:p>
+              <a:p>
+                <a:pPr lvl="1"/>
+                <a:r>
+                  <a:rPr lang="es-ES" dirty="0"/>
+                  <a:t>SA </a:t>
+                </a:r>
+                <a:r>
+                  <a:rPr lang="es-ES" dirty="0" err="1"/>
+                  <a:t>dataset</a:t>
+                </a:r>
+                <a:r>
+                  <a:rPr lang="es-ES" dirty="0"/>
+                  <a:t> </a:t>
+                </a:r>
+                <a:r>
+                  <a:rPr lang="es-ES" dirty="0" err="1"/>
+                  <a:t>is</a:t>
+                </a:r>
+                <a:r>
+                  <a:rPr lang="es-ES" dirty="0"/>
+                  <a:t> </a:t>
+                </a:r>
+                <a:r>
+                  <a:rPr lang="es-ES" dirty="0" err="1"/>
+                  <a:t>composed</a:t>
+                </a:r>
+                <a:r>
+                  <a:rPr lang="es-ES" dirty="0"/>
+                  <a:t> </a:t>
+                </a:r>
+                <a:r>
+                  <a:rPr lang="es-ES" dirty="0" err="1"/>
+                  <a:t>of</a:t>
+                </a:r>
+                <a:r>
+                  <a:rPr lang="es-ES" dirty="0"/>
+                  <a:t> </a:t>
+                </a:r>
+                <a14:m>
+                  <m:oMath xmlns:m="http://schemas.openxmlformats.org/officeDocument/2006/math">
+                    <m:sSub>
+                      <m:sSubPr>
+                        <m:ctrlPr>
+                          <a:rPr lang="es-ES" i="1" smtClean="0">
+                            <a:latin typeface="Cambria Math" panose="02040503050406030204" pitchFamily="18" charset="0"/>
+                          </a:rPr>
+                        </m:ctrlPr>
+                      </m:sSubPr>
+                      <m:e>
+                        <m:r>
+                          <a:rPr lang="es-ES" b="0" i="1" smtClean="0">
+                            <a:latin typeface="Cambria Math" panose="02040503050406030204" pitchFamily="18" charset="0"/>
+                          </a:rPr>
+                          <m:t>𝑁</m:t>
+                        </m:r>
+                      </m:e>
+                      <m:sub>
+                        <m:r>
+                          <a:rPr lang="es-ES" b="0" i="1" smtClean="0">
+                            <a:latin typeface="Cambria Math" panose="02040503050406030204" pitchFamily="18" charset="0"/>
+                          </a:rPr>
+                          <m:t>𝑠</m:t>
+                        </m:r>
+                      </m:sub>
+                    </m:sSub>
+                  </m:oMath>
+                </a14:m>
+                <a:r>
+                  <a:rPr lang="es-ES" dirty="0"/>
+                  <a:t> </a:t>
+                </a:r>
+                <a:r>
+                  <a:rPr lang="es-ES" dirty="0" err="1"/>
+                  <a:t>random</a:t>
+                </a:r>
+                <a:r>
+                  <a:rPr lang="es-ES" dirty="0"/>
+                  <a:t> simples </a:t>
+                </a:r>
+                <a:r>
+                  <a:rPr lang="es-ES" dirty="0" err="1"/>
+                  <a:t>taken</a:t>
+                </a:r>
+                <a:r>
+                  <a:rPr lang="es-ES" dirty="0"/>
+                  <a:t> </a:t>
+                </a:r>
+                <a:r>
+                  <a:rPr lang="es-ES" dirty="0" err="1"/>
+                  <a:t>from</a:t>
+                </a:r>
+                <a:r>
+                  <a:rPr lang="es-ES" dirty="0"/>
+                  <a:t> </a:t>
+                </a:r>
+                <a:r>
+                  <a:rPr lang="es-ES" dirty="0" err="1"/>
+                  <a:t>the</a:t>
+                </a:r>
+                <a:r>
+                  <a:rPr lang="es-ES" dirty="0"/>
+                  <a:t> original </a:t>
+                </a:r>
+                <a:r>
+                  <a:rPr lang="es-ES" dirty="0" err="1"/>
+                  <a:t>dataset</a:t>
+                </a:r>
+                <a:r>
+                  <a:rPr lang="es-ES" dirty="0"/>
+                  <a:t>.</a:t>
+                </a:r>
+              </a:p>
+              <a:p>
+                <a:pPr lvl="1"/>
+                <a14:m>
+                  <m:oMath xmlns:m="http://schemas.openxmlformats.org/officeDocument/2006/math">
+                    <m:sSub>
+                      <m:sSubPr>
+                        <m:ctrlPr>
+                          <a:rPr lang="es-ES" i="1" smtClean="0">
+                            <a:latin typeface="Cambria Math" panose="02040503050406030204" pitchFamily="18" charset="0"/>
+                          </a:rPr>
+                        </m:ctrlPr>
+                      </m:sSubPr>
+                      <m:e>
+                        <m:r>
+                          <a:rPr lang="es-ES" b="1" i="1" smtClean="0">
+                            <a:latin typeface="Cambria Math" panose="02040503050406030204" pitchFamily="18" charset="0"/>
+                          </a:rPr>
+                          <m:t>𝒙</m:t>
+                        </m:r>
+                      </m:e>
+                      <m:sub>
+                        <m:r>
+                          <a:rPr lang="es-ES" b="0" i="1" smtClean="0">
+                            <a:latin typeface="Cambria Math" panose="02040503050406030204" pitchFamily="18" charset="0"/>
+                          </a:rPr>
+                          <m:t>𝑎</m:t>
+                        </m:r>
+                      </m:sub>
+                    </m:sSub>
+                  </m:oMath>
+                </a14:m>
+                <a:r>
+                  <a:rPr lang="es-ES" dirty="0"/>
+                  <a:t> </a:t>
+                </a:r>
+                <a:r>
+                  <a:rPr lang="es-ES" dirty="0" err="1"/>
+                  <a:t>values</a:t>
+                </a:r>
+                <a:r>
+                  <a:rPr lang="es-ES" dirty="0"/>
+                  <a:t> are </a:t>
+                </a:r>
+                <a:r>
+                  <a:rPr lang="es-ES" dirty="0" err="1"/>
+                  <a:t>replaced</a:t>
+                </a:r>
+                <a:r>
+                  <a:rPr lang="es-ES" dirty="0"/>
+                  <a:t> </a:t>
+                </a:r>
+                <a:r>
+                  <a:rPr lang="es-ES" dirty="0" err="1"/>
+                  <a:t>by</a:t>
+                </a:r>
+                <a:r>
+                  <a:rPr lang="es-ES" dirty="0"/>
+                  <a:t> </a:t>
+                </a:r>
+                <a14:m>
+                  <m:oMath xmlns:m="http://schemas.openxmlformats.org/officeDocument/2006/math">
+                    <m:sSub>
+                      <m:sSubPr>
+                        <m:ctrlPr>
+                          <a:rPr lang="es-ES" i="1" smtClean="0">
+                            <a:latin typeface="Cambria Math" panose="02040503050406030204" pitchFamily="18" charset="0"/>
+                          </a:rPr>
+                        </m:ctrlPr>
+                      </m:sSubPr>
+                      <m:e>
+                        <m:r>
+                          <a:rPr lang="es-ES" b="0" i="1">
+                            <a:latin typeface="Cambria Math" panose="02040503050406030204" pitchFamily="18" charset="0"/>
+                          </a:rPr>
+                          <m:t>𝑥</m:t>
+                        </m:r>
+                      </m:e>
+                      <m:sub>
+                        <m:sSub>
+                          <m:sSubPr>
+                            <m:ctrlPr>
+                              <a:rPr lang="es-ES" b="1" i="1" smtClean="0">
+                                <a:latin typeface="Cambria Math" panose="02040503050406030204" pitchFamily="18" charset="0"/>
+                              </a:rPr>
+                            </m:ctrlPr>
+                          </m:sSubPr>
+                          <m:e>
+                            <m:r>
+                              <a:rPr lang="es-ES" b="1" i="1" smtClean="0">
+                                <a:latin typeface="Cambria Math" panose="02040503050406030204" pitchFamily="18" charset="0"/>
+                              </a:rPr>
+                              <m:t>𝒂</m:t>
+                            </m:r>
+                          </m:e>
+                          <m:sub>
+                            <m:r>
+                              <a:rPr lang="es-ES" b="1" i="1" smtClean="0">
+                                <a:latin typeface="Cambria Math" panose="02040503050406030204" pitchFamily="18" charset="0"/>
+                              </a:rPr>
+                              <m:t>𝒋</m:t>
+                            </m:r>
+                          </m:sub>
+                        </m:sSub>
+                      </m:sub>
+                    </m:sSub>
+                  </m:oMath>
+                </a14:m>
+                <a:r>
+                  <a:rPr lang="es-ES" dirty="0"/>
+                  <a:t> and </a:t>
+                </a:r>
+                <a:r>
+                  <a:rPr lang="es-ES" dirty="0" err="1"/>
+                  <a:t>the</a:t>
+                </a:r>
+                <a:r>
+                  <a:rPr lang="es-ES" dirty="0"/>
+                  <a:t> respective response are </a:t>
+                </a:r>
+                <a:r>
+                  <a:rPr lang="es-ES" dirty="0" err="1"/>
+                  <a:t>stored</a:t>
+                </a:r>
+                <a:r>
+                  <a:rPr lang="es-ES" dirty="0"/>
+                  <a:t>.</a:t>
+                </a:r>
+              </a:p>
+              <a:p>
+                <a:pPr marL="685800" lvl="1" indent="0">
+                  <a:buNone/>
+                </a:pPr>
+                <a:endParaRPr lang="es-ES" dirty="0"/>
+              </a:p>
+            </p:txBody>
+          </p:sp>
+        </mc:Choice>
+        <mc:Fallback>
+          <p:sp>
+            <p:nvSpPr>
+              <p:cNvPr id="3" name="Marcador de contenido 2">
+                <a:extLst>
+                  <a:ext uri="{FF2B5EF4-FFF2-40B4-BE49-F238E27FC236}">
+                    <a16:creationId xmlns:a16="http://schemas.microsoft.com/office/drawing/2014/main" id="{F89BA901-1B4F-C4CC-10E3-603EDC15B188}"/>
+                  </a:ext>
+                </a:extLst>
+              </p:cNvPr>
+              <p:cNvSpPr>
+                <a:spLocks noGrp="1" noRot="1" noChangeAspect="1" noMove="1" noResize="1" noEditPoints="1" noAdjustHandles="1" noChangeArrowheads="1" noChangeShapeType="1" noTextEdit="1"/>
+              </p:cNvSpPr>
+              <p:nvPr>
+                <p:ph idx="1"/>
+              </p:nvPr>
+            </p:nvSpPr>
+            <p:spPr>
+              <a:blipFill>
+                <a:blip r:embed="rId2"/>
+                <a:stretch>
+                  <a:fillRect l="-1352" t="-2801" r="-1739"/>
+                </a:stretch>
+              </a:blipFill>
+            </p:spPr>
+            <p:txBody>
+              <a:bodyPr/>
+              <a:lstStyle/>
+              <a:p>
+                <a:r>
+                  <a:rPr lang="es-ES">
+                    <a:noFill/>
+                  </a:rPr>
+                  <a:t> </a:t>
+                </a:r>
+              </a:p>
+            </p:txBody>
+          </p:sp>
+        </mc:Fallback>
+      </mc:AlternateContent>
+      <p:sp>
+        <p:nvSpPr>
+          <p:cNvPr id="4" name="Marcador de pie de página 3">
+            <a:extLst>
+              <a:ext uri="{FF2B5EF4-FFF2-40B4-BE49-F238E27FC236}">
+                <a16:creationId xmlns:a16="http://schemas.microsoft.com/office/drawing/2014/main" id="{38B0C3F3-DF84-ABE6-7262-11AC687E7802}"/>
+              </a:ext>
+            </a:extLst>
+          </p:cNvPr>
+          <p:cNvSpPr>
+            <a:spLocks noGrp="1"/>
+          </p:cNvSpPr>
+          <p:nvPr>
+            <p:ph type="ftr" sz="quarter" idx="11"/>
+          </p:nvPr>
+        </p:nvSpPr>
+        <p:spPr/>
+        <p:txBody>
+          <a:bodyPr/>
+          <a:lstStyle/>
+          <a:p>
+            <a:pPr algn="ctr">
+              <a:lnSpc>
+                <a:spcPct val="150000"/>
+              </a:lnSpc>
+              <a:spcAft>
+                <a:spcPts val="800"/>
+              </a:spcAft>
+            </a:pPr>
+            <a:r>
+              <a:rPr lang="en-US" sz="1800" b="1" kern="100" dirty="0">
+                <a:effectLst/>
+                <a:latin typeface="Times New Roman" panose="02020603050405020304" pitchFamily="18" charset="0"/>
+                <a:ea typeface="Aptos" panose="020B0004020202020204" pitchFamily="34" charset="0"/>
+                <a:cs typeface="Times New Roman" panose="02020603050405020304" pitchFamily="18" charset="0"/>
+              </a:rPr>
+              <a:t>Using sensitivity analysis and visualization techniques to open black box data mining models: a </a:t>
+            </a:r>
+            <a:r>
+              <a:rPr lang="en-US" sz="1800" b="1" kern="100" dirty="0" err="1">
+                <a:effectLst/>
+                <a:latin typeface="Times New Roman" panose="02020603050405020304" pitchFamily="18" charset="0"/>
+                <a:ea typeface="Aptos" panose="020B0004020202020204" pitchFamily="34" charset="0"/>
+                <a:cs typeface="Times New Roman" panose="02020603050405020304" pitchFamily="18" charset="0"/>
+              </a:rPr>
+              <a:t>rminer</a:t>
+            </a:r>
+            <a:r>
+              <a:rPr lang="en-US" sz="1800" b="1" kern="100" dirty="0">
+                <a:effectLst/>
+                <a:latin typeface="Times New Roman" panose="02020603050405020304" pitchFamily="18" charset="0"/>
+                <a:ea typeface="Aptos" panose="020B0004020202020204" pitchFamily="34" charset="0"/>
+                <a:cs typeface="Times New Roman" panose="02020603050405020304" pitchFamily="18" charset="0"/>
+              </a:rPr>
+              <a:t> example</a:t>
+            </a:r>
+            <a:endParaRPr lang="es-ES" sz="1600" kern="100" dirty="0">
+              <a:effectLst/>
+              <a:latin typeface="Times New Roman" panose="02020603050405020304" pitchFamily="18" charset="0"/>
+              <a:ea typeface="Aptos" panose="020B0004020202020204" pitchFamily="34" charset="0"/>
+              <a:cs typeface="Times New Roman" panose="02020603050405020304" pitchFamily="18" charset="0"/>
+            </a:endParaRPr>
+          </a:p>
+        </p:txBody>
+      </p:sp>
+      <p:sp>
+        <p:nvSpPr>
+          <p:cNvPr id="5" name="Marcador de número de diapositiva 4">
+            <a:extLst>
+              <a:ext uri="{FF2B5EF4-FFF2-40B4-BE49-F238E27FC236}">
+                <a16:creationId xmlns:a16="http://schemas.microsoft.com/office/drawing/2014/main" id="{F811842D-C9BE-93E8-1152-B7297C5CF176}"/>
+              </a:ext>
+            </a:extLst>
+          </p:cNvPr>
+          <p:cNvSpPr>
+            <a:spLocks noGrp="1"/>
+          </p:cNvSpPr>
+          <p:nvPr>
+            <p:ph type="sldNum" sz="quarter" idx="12"/>
+          </p:nvPr>
+        </p:nvSpPr>
+        <p:spPr/>
+        <p:txBody>
+          <a:bodyPr/>
+          <a:lstStyle/>
+          <a:p>
+            <a:fld id="{DBFF9636-A71C-488A-89F8-02E08556F10C}" type="slidenum">
+              <a:rPr lang="es-ES" smtClean="0"/>
+              <a:pPr/>
+              <a:t>27</a:t>
+            </a:fld>
+            <a:endParaRPr lang="es-ES" dirty="0"/>
+          </a:p>
+        </p:txBody>
+      </p:sp>
     </p:spTree>
     <p:extLst>
       <p:ext uri="{BB962C8B-B14F-4D97-AF65-F5344CB8AC3E}">

--- a/articulo 1 XAI/Apuntes/Sensitivity analysis/Presentación SA.pptx
+++ b/articulo 1 XAI/Apuntes/Sensitivity analysis/Presentación SA.pptx
@@ -5,7 +5,7 @@
     <p:sldMasterId id="2147483660" r:id="rId1"/>
   </p:sldMasterIdLst>
   <p:notesMasterIdLst>
-    <p:notesMasterId r:id="rId37"/>
+    <p:notesMasterId r:id="rId38"/>
   </p:notesMasterIdLst>
   <p:sldIdLst>
     <p:sldId id="303" r:id="rId2"/>
@@ -35,35 +35,36 @@
     <p:sldId id="356" r:id="rId26"/>
     <p:sldId id="355" r:id="rId27"/>
     <p:sldId id="367" r:id="rId28"/>
-    <p:sldId id="306" r:id="rId29"/>
-    <p:sldId id="317" r:id="rId30"/>
-    <p:sldId id="330" r:id="rId31"/>
-    <p:sldId id="343" r:id="rId32"/>
-    <p:sldId id="331" r:id="rId33"/>
-    <p:sldId id="299" r:id="rId34"/>
-    <p:sldId id="300" r:id="rId35"/>
-    <p:sldId id="308" r:id="rId36"/>
+    <p:sldId id="368" r:id="rId29"/>
+    <p:sldId id="306" r:id="rId30"/>
+    <p:sldId id="317" r:id="rId31"/>
+    <p:sldId id="330" r:id="rId32"/>
+    <p:sldId id="343" r:id="rId33"/>
+    <p:sldId id="331" r:id="rId34"/>
+    <p:sldId id="299" r:id="rId35"/>
+    <p:sldId id="300" r:id="rId36"/>
+    <p:sldId id="308" r:id="rId37"/>
   </p:sldIdLst>
   <p:sldSz cx="18288000" cy="10288588"/>
   <p:notesSz cx="6858000" cy="9144000"/>
   <p:embeddedFontLst>
     <p:embeddedFont>
       <p:font typeface="Cambria Math" panose="02040503050406030204" pitchFamily="18" charset="0"/>
-      <p:regular r:id="rId38"/>
+      <p:regular r:id="rId39"/>
     </p:embeddedFont>
     <p:embeddedFont>
       <p:font typeface="Candara" panose="020E0502030303020204" pitchFamily="34" charset="0"/>
-      <p:regular r:id="rId39"/>
-      <p:bold r:id="rId40"/>
-      <p:italic r:id="rId41"/>
-      <p:boldItalic r:id="rId42"/>
+      <p:regular r:id="rId40"/>
+      <p:bold r:id="rId41"/>
+      <p:italic r:id="rId42"/>
+      <p:boldItalic r:id="rId43"/>
     </p:embeddedFont>
     <p:embeddedFont>
       <p:font typeface="DIN" panose="020B0604020202020204" charset="0"/>
-      <p:regular r:id="rId43"/>
-      <p:bold r:id="rId44"/>
-      <p:italic r:id="rId45"/>
-      <p:boldItalic r:id="rId46"/>
+      <p:regular r:id="rId44"/>
+      <p:bold r:id="rId45"/>
+      <p:italic r:id="rId46"/>
+      <p:boldItalic r:id="rId47"/>
     </p:embeddedFont>
   </p:embeddedFontLst>
   <p:defaultTextStyle>
@@ -179,7 +180,7 @@
 <file path=ppt/revisionInfo.xml><?xml version="1.0" encoding="utf-8"?>
 <p1510:revInfo xmlns:a="http://schemas.openxmlformats.org/drawingml/2006/main" xmlns:r="http://schemas.openxmlformats.org/officeDocument/2006/relationships" xmlns:p1510="http://schemas.microsoft.com/office/powerpoint/2015/10/main">
   <p1510:revLst>
-    <p1510:client id="{30CCF742-B2BE-461F-9F48-7083068267CA}" v="1293" dt="2024-10-15T11:54:51.533"/>
+    <p1510:client id="{30CCF742-B2BE-461F-9F48-7083068267CA}" v="1428" dt="2024-10-18T11:22:56.939"/>
   </p1510:revLst>
 </p1510:revInfo>
 </file>
@@ -297,7 +298,7 @@
   <pc:docChgLst>
     <pc:chgData name="Gonzalez Moyano, Ricardo" userId="5b44e8b1-3a70-41c8-8d8a-36b87a296b66" providerId="ADAL" clId="{30CCF742-B2BE-461F-9F48-7083068267CA}"/>
     <pc:docChg chg="undo custSel addSld delSld modSld sldOrd">
-      <pc:chgData name="Gonzalez Moyano, Ricardo" userId="5b44e8b1-3a70-41c8-8d8a-36b87a296b66" providerId="ADAL" clId="{30CCF742-B2BE-461F-9F48-7083068267CA}" dt="2024-10-15T11:55:29.298" v="4434" actId="5793"/>
+      <pc:chgData name="Gonzalez Moyano, Ricardo" userId="5b44e8b1-3a70-41c8-8d8a-36b87a296b66" providerId="ADAL" clId="{30CCF742-B2BE-461F-9F48-7083068267CA}" dt="2024-10-18T11:23:34.756" v="4716" actId="20577"/>
       <pc:docMkLst>
         <pc:docMk/>
       </pc:docMkLst>
@@ -1294,14 +1295,14 @@
           </ac:spMkLst>
         </pc:spChg>
       </pc:sldChg>
-      <pc:sldChg chg="modSp new">
-        <pc:chgData name="Gonzalez Moyano, Ricardo" userId="5b44e8b1-3a70-41c8-8d8a-36b87a296b66" providerId="ADAL" clId="{30CCF742-B2BE-461F-9F48-7083068267CA}" dt="2024-10-15T11:35:55.738" v="4025"/>
+      <pc:sldChg chg="modSp new mod">
+        <pc:chgData name="Gonzalez Moyano, Ricardo" userId="5b44e8b1-3a70-41c8-8d8a-36b87a296b66" providerId="ADAL" clId="{30CCF742-B2BE-461F-9F48-7083068267CA}" dt="2024-10-18T08:17:09.748" v="4438" actId="20577"/>
         <pc:sldMkLst>
           <pc:docMk/>
           <pc:sldMk cId="602926084" sldId="355"/>
         </pc:sldMkLst>
-        <pc:graphicFrameChg chg="mod">
-          <ac:chgData name="Gonzalez Moyano, Ricardo" userId="5b44e8b1-3a70-41c8-8d8a-36b87a296b66" providerId="ADAL" clId="{30CCF742-B2BE-461F-9F48-7083068267CA}" dt="2024-10-15T11:35:55.738" v="4025"/>
+        <pc:graphicFrameChg chg="mod modGraphic">
+          <ac:chgData name="Gonzalez Moyano, Ricardo" userId="5b44e8b1-3a70-41c8-8d8a-36b87a296b66" providerId="ADAL" clId="{30CCF742-B2BE-461F-9F48-7083068267CA}" dt="2024-10-18T08:17:09.748" v="4438" actId="20577"/>
           <ac:graphicFrameMkLst>
             <pc:docMk/>
             <pc:sldMk cId="602926084" sldId="355"/>
@@ -2378,7 +2379,7 @@
         </pc:graphicFrameChg>
       </pc:sldChg>
       <pc:sldChg chg="addSp delSp modSp add mod ord">
-        <pc:chgData name="Gonzalez Moyano, Ricardo" userId="5b44e8b1-3a70-41c8-8d8a-36b87a296b66" providerId="ADAL" clId="{30CCF742-B2BE-461F-9F48-7083068267CA}" dt="2024-10-01T11:17:53.322" v="3751" actId="1076"/>
+        <pc:chgData name="Gonzalez Moyano, Ricardo" userId="5b44e8b1-3a70-41c8-8d8a-36b87a296b66" providerId="ADAL" clId="{30CCF742-B2BE-461F-9F48-7083068267CA}" dt="2024-10-18T08:31:23.447" v="4439" actId="2165"/>
         <pc:sldMkLst>
           <pc:docMk/>
           <pc:sldMk cId="223763237" sldId="363"/>
@@ -2424,7 +2425,7 @@
           </ac:graphicFrameMkLst>
         </pc:graphicFrameChg>
         <pc:graphicFrameChg chg="add mod modGraphic">
-          <ac:chgData name="Gonzalez Moyano, Ricardo" userId="5b44e8b1-3a70-41c8-8d8a-36b87a296b66" providerId="ADAL" clId="{30CCF742-B2BE-461F-9F48-7083068267CA}" dt="2024-10-01T11:14:07.517" v="3707" actId="20577"/>
+          <ac:chgData name="Gonzalez Moyano, Ricardo" userId="5b44e8b1-3a70-41c8-8d8a-36b87a296b66" providerId="ADAL" clId="{30CCF742-B2BE-461F-9F48-7083068267CA}" dt="2024-10-18T08:31:23.447" v="4439" actId="2165"/>
           <ac:graphicFrameMkLst>
             <pc:docMk/>
             <pc:sldMk cId="223763237" sldId="363"/>
@@ -2472,7 +2473,7 @@
         </pc:spChg>
       </pc:sldChg>
       <pc:sldChg chg="addSp delSp modSp add mod">
-        <pc:chgData name="Gonzalez Moyano, Ricardo" userId="5b44e8b1-3a70-41c8-8d8a-36b87a296b66" providerId="ADAL" clId="{30CCF742-B2BE-461F-9F48-7083068267CA}" dt="2024-10-01T11:18:04.285" v="3752"/>
+        <pc:chgData name="Gonzalez Moyano, Ricardo" userId="5b44e8b1-3a70-41c8-8d8a-36b87a296b66" providerId="ADAL" clId="{30CCF742-B2BE-461F-9F48-7083068267CA}" dt="2024-10-18T08:31:44.606" v="4442" actId="2165"/>
         <pc:sldMkLst>
           <pc:docMk/>
           <pc:sldMk cId="2945297316" sldId="365"/>
@@ -2494,7 +2495,7 @@
           </ac:spMkLst>
         </pc:spChg>
         <pc:graphicFrameChg chg="mod modGraphic">
-          <ac:chgData name="Gonzalez Moyano, Ricardo" userId="5b44e8b1-3a70-41c8-8d8a-36b87a296b66" providerId="ADAL" clId="{30CCF742-B2BE-461F-9F48-7083068267CA}" dt="2024-10-01T11:14:57.861" v="3721" actId="20577"/>
+          <ac:chgData name="Gonzalez Moyano, Ricardo" userId="5b44e8b1-3a70-41c8-8d8a-36b87a296b66" providerId="ADAL" clId="{30CCF742-B2BE-461F-9F48-7083068267CA}" dt="2024-10-18T08:31:44.606" v="4442" actId="2165"/>
           <ac:graphicFrameMkLst>
             <pc:docMk/>
             <pc:sldMk cId="2945297316" sldId="365"/>
@@ -2558,13 +2559,13 @@
         </pc:graphicFrameChg>
       </pc:sldChg>
       <pc:sldChg chg="delSp modSp mod">
-        <pc:chgData name="Gonzalez Moyano, Ricardo" userId="5b44e8b1-3a70-41c8-8d8a-36b87a296b66" providerId="ADAL" clId="{30CCF742-B2BE-461F-9F48-7083068267CA}" dt="2024-10-15T11:55:29.298" v="4434" actId="5793"/>
+        <pc:chgData name="Gonzalez Moyano, Ricardo" userId="5b44e8b1-3a70-41c8-8d8a-36b87a296b66" providerId="ADAL" clId="{30CCF742-B2BE-461F-9F48-7083068267CA}" dt="2024-10-18T11:23:34.756" v="4716" actId="20577"/>
         <pc:sldMkLst>
           <pc:docMk/>
           <pc:sldMk cId="3968785600" sldId="367"/>
         </pc:sldMkLst>
         <pc:spChg chg="mod">
-          <ac:chgData name="Gonzalez Moyano, Ricardo" userId="5b44e8b1-3a70-41c8-8d8a-36b87a296b66" providerId="ADAL" clId="{30CCF742-B2BE-461F-9F48-7083068267CA}" dt="2024-10-15T11:55:29.298" v="4434" actId="5793"/>
+          <ac:chgData name="Gonzalez Moyano, Ricardo" userId="5b44e8b1-3a70-41c8-8d8a-36b87a296b66" providerId="ADAL" clId="{30CCF742-B2BE-461F-9F48-7083068267CA}" dt="2024-10-18T11:23:34.756" v="4716" actId="20577"/>
           <ac:spMkLst>
             <pc:docMk/>
             <pc:sldMk cId="3968785600" sldId="367"/>
@@ -2579,6 +2580,29 @@
             <ac:graphicFrameMk id="6" creationId="{A84E4F4F-5B5D-384B-F76B-BC69EC2FC0C0}"/>
           </ac:graphicFrameMkLst>
         </pc:graphicFrameChg>
+      </pc:sldChg>
+      <pc:sldChg chg="modSp add mod">
+        <pc:chgData name="Gonzalez Moyano, Ricardo" userId="5b44e8b1-3a70-41c8-8d8a-36b87a296b66" providerId="ADAL" clId="{30CCF742-B2BE-461F-9F48-7083068267CA}" dt="2024-10-18T09:01:32.164" v="4587" actId="15"/>
+        <pc:sldMkLst>
+          <pc:docMk/>
+          <pc:sldMk cId="1579089973" sldId="368"/>
+        </pc:sldMkLst>
+        <pc:spChg chg="mod">
+          <ac:chgData name="Gonzalez Moyano, Ricardo" userId="5b44e8b1-3a70-41c8-8d8a-36b87a296b66" providerId="ADAL" clId="{30CCF742-B2BE-461F-9F48-7083068267CA}" dt="2024-10-18T08:56:38.689" v="4460" actId="20577"/>
+          <ac:spMkLst>
+            <pc:docMk/>
+            <pc:sldMk cId="1579089973" sldId="368"/>
+            <ac:spMk id="2" creationId="{EFA3559C-B19D-7748-9F2B-B49DF3937433}"/>
+          </ac:spMkLst>
+        </pc:spChg>
+        <pc:spChg chg="mod">
+          <ac:chgData name="Gonzalez Moyano, Ricardo" userId="5b44e8b1-3a70-41c8-8d8a-36b87a296b66" providerId="ADAL" clId="{30CCF742-B2BE-461F-9F48-7083068267CA}" dt="2024-10-18T09:01:32.164" v="4587" actId="15"/>
+          <ac:spMkLst>
+            <pc:docMk/>
+            <pc:sldMk cId="1579089973" sldId="368"/>
+            <ac:spMk id="3" creationId="{F89BA901-1B4F-C4CC-10E3-603EDC15B188}"/>
+          </ac:spMkLst>
+        </pc:spChg>
       </pc:sldChg>
     </pc:docChg>
   </pc:docChgLst>
@@ -2741,7 +2765,7 @@
           <a:p>
             <a:fld id="{2DB79FB7-5658-4FB3-B98D-B463C580F970}" type="datetimeFigureOut">
               <a:rPr lang="es-ES" smtClean="0"/>
-              <a:t>15/10/2024</a:t>
+              <a:t>18/10/2024</a:t>
             </a:fld>
             <a:endParaRPr lang="es-ES"/>
           </a:p>
@@ -4040,7 +4064,7 @@
           <a:p>
             <a:fld id="{CA6CDE8D-5C8C-4CEB-8086-70F298F6BBD0}" type="slidenum">
               <a:rPr lang="es-ES" smtClean="0"/>
-              <a:t>34</a:t>
+              <a:t>35</a:t>
             </a:fld>
             <a:endParaRPr lang="es-ES"/>
           </a:p>
@@ -22863,8 +22887,8 @@
           </a:prstGeom>
         </p:spPr>
       </p:pic>
-      <mc:AlternateContent xmlns:mc="http://schemas.openxmlformats.org/markup-compatibility/2006" xmlns:a14="http://schemas.microsoft.com/office/drawing/2010/main">
-        <mc:Choice Requires="a14">
+      <mc:AlternateContent xmlns:mc="http://schemas.openxmlformats.org/markup-compatibility/2006">
+        <mc:Choice xmlns:a14="http://schemas.microsoft.com/office/drawing/2010/main" Requires="a14">
           <p:graphicFrame>
             <p:nvGraphicFramePr>
               <p:cNvPr id="9" name="Tabla 8">
@@ -22880,14 +22904,14 @@
               <p:nvPr>
                 <p:extLst>
                   <p:ext uri="{D42A27DB-BD31-4B8C-83A1-F6EECF244321}">
-                    <p14:modId xmlns:p14="http://schemas.microsoft.com/office/powerpoint/2010/main" val="2146451390"/>
+                    <p14:modId xmlns:p14="http://schemas.microsoft.com/office/powerpoint/2010/main" val="164039908"/>
                   </p:ext>
                 </p:extLst>
               </p:nvPr>
             </p:nvGraphicFramePr>
             <p:xfrm>
               <a:off x="831520" y="5144294"/>
-              <a:ext cx="6093705" cy="2918982"/>
+              <a:ext cx="6093705" cy="2342586"/>
             </p:xfrm>
             <a:graphic>
               <a:graphicData uri="http://schemas.openxmlformats.org/drawingml/2006/table">
@@ -22990,59 +23014,6 @@
                     <a:extLst>
                       <a:ext uri="{0D108BD9-81ED-4DB2-BD59-A6C34878D82A}">
                         <a16:rowId xmlns:a16="http://schemas.microsoft.com/office/drawing/2014/main" val="2368775951"/>
-                      </a:ext>
-                    </a:extLst>
-                  </a:tr>
-                  <a:tr h="576396">
-                    <a:tc>
-                      <a:txBody>
-                        <a:bodyPr/>
-                        <a:lstStyle/>
-                        <a:p>
-                          <a:r>
-                            <a:rPr lang="es-ES" dirty="0"/>
-                            <a:t>Mean </a:t>
-                          </a:r>
-                          <a:r>
-                            <a:rPr lang="es-ES" dirty="0" err="1"/>
-                            <a:t>values</a:t>
-                          </a:r>
-                          <a:endParaRPr lang="es-ES" dirty="0"/>
-                        </a:p>
-                      </a:txBody>
-                      <a:tcPr/>
-                    </a:tc>
-                    <a:tc>
-                      <a:txBody>
-                        <a:bodyPr/>
-                        <a:lstStyle/>
-                        <a:p>
-                          <a:pPr algn="ctr"/>
-                          <a:r>
-                            <a:rPr lang="es-ES" dirty="0"/>
-                            <a:t>5.245</a:t>
-                          </a:r>
-                        </a:p>
-                      </a:txBody>
-                      <a:tcPr/>
-                    </a:tc>
-                    <a:tc>
-                      <a:txBody>
-                        <a:bodyPr/>
-                        <a:lstStyle/>
-                        <a:p>
-                          <a:pPr algn="ctr"/>
-                          <a:r>
-                            <a:rPr lang="es-ES" dirty="0"/>
-                            <a:t>4.606</a:t>
-                          </a:r>
-                        </a:p>
-                      </a:txBody>
-                      <a:tcPr/>
-                    </a:tc>
-                    <a:extLst>
-                      <a:ext uri="{0D108BD9-81ED-4DB2-BD59-A6C34878D82A}">
-                        <a16:rowId xmlns:a16="http://schemas.microsoft.com/office/drawing/2014/main" val="935370882"/>
                       </a:ext>
                     </a:extLst>
                   </a:tr>
@@ -23429,7 +23400,7 @@
             </a:graphic>
           </p:graphicFrame>
         </mc:Choice>
-        <mc:Fallback xmlns="">
+        <mc:Fallback>
           <p:graphicFrame>
             <p:nvGraphicFramePr>
               <p:cNvPr id="9" name="Tabla 8">
@@ -23445,14 +23416,14 @@
               <p:nvPr>
                 <p:extLst>
                   <p:ext uri="{D42A27DB-BD31-4B8C-83A1-F6EECF244321}">
-                    <p14:modId xmlns:p14="http://schemas.microsoft.com/office/powerpoint/2010/main" val="2146451390"/>
+                    <p14:modId xmlns:p14="http://schemas.microsoft.com/office/powerpoint/2010/main" val="164039908"/>
                   </p:ext>
                 </p:extLst>
               </p:nvPr>
             </p:nvGraphicFramePr>
             <p:xfrm>
               <a:off x="831520" y="5144294"/>
-              <a:ext cx="6093705" cy="2918982"/>
+              <a:ext cx="6093705" cy="2342586"/>
             </p:xfrm>
             <a:graphic>
               <a:graphicData uri="http://schemas.openxmlformats.org/drawingml/2006/table">
@@ -23506,7 +23477,7 @@
                         <a:blipFill>
                           <a:blip r:embed="rId5"/>
                           <a:stretch>
-                            <a:fillRect l="-100300" t="-1053" r="-100601" b="-417895"/>
+                            <a:fillRect l="-100300" t="-1053" r="-100601" b="-318947"/>
                           </a:stretch>
                         </a:blipFill>
                       </a:tcPr>
@@ -23523,7 +23494,7 @@
                         <a:blipFill>
                           <a:blip r:embed="rId5"/>
                           <a:stretch>
-                            <a:fillRect l="-199701" t="-1053" r="-299" b="-417895"/>
+                            <a:fillRect l="-199701" t="-1053" r="-299" b="-318947"/>
                           </a:stretch>
                         </a:blipFill>
                       </a:tcPr>
@@ -23531,59 +23502,6 @@
                     <a:extLst>
                       <a:ext uri="{0D108BD9-81ED-4DB2-BD59-A6C34878D82A}">
                         <a16:rowId xmlns:a16="http://schemas.microsoft.com/office/drawing/2014/main" val="2368775951"/>
-                      </a:ext>
-                    </a:extLst>
-                  </a:tr>
-                  <a:tr h="576396">
-                    <a:tc>
-                      <a:txBody>
-                        <a:bodyPr/>
-                        <a:lstStyle/>
-                        <a:p>
-                          <a:r>
-                            <a:rPr lang="es-ES" dirty="0"/>
-                            <a:t>Mean </a:t>
-                          </a:r>
-                          <a:r>
-                            <a:rPr lang="es-ES" dirty="0" err="1"/>
-                            <a:t>values</a:t>
-                          </a:r>
-                          <a:endParaRPr lang="es-ES" dirty="0"/>
-                        </a:p>
-                      </a:txBody>
-                      <a:tcPr/>
-                    </a:tc>
-                    <a:tc>
-                      <a:txBody>
-                        <a:bodyPr/>
-                        <a:lstStyle/>
-                        <a:p>
-                          <a:pPr algn="ctr"/>
-                          <a:r>
-                            <a:rPr lang="es-ES" dirty="0"/>
-                            <a:t>5.245</a:t>
-                          </a:r>
-                        </a:p>
-                      </a:txBody>
-                      <a:tcPr/>
-                    </a:tc>
-                    <a:tc>
-                      <a:txBody>
-                        <a:bodyPr/>
-                        <a:lstStyle/>
-                        <a:p>
-                          <a:pPr algn="ctr"/>
-                          <a:r>
-                            <a:rPr lang="es-ES" dirty="0"/>
-                            <a:t>4.606</a:t>
-                          </a:r>
-                        </a:p>
-                      </a:txBody>
-                      <a:tcPr/>
-                    </a:tc>
-                    <a:extLst>
-                      <a:ext uri="{0D108BD9-81ED-4DB2-BD59-A6C34878D82A}">
-                        <a16:rowId xmlns:a16="http://schemas.microsoft.com/office/drawing/2014/main" val="935370882"/>
                       </a:ext>
                     </a:extLst>
                   </a:tr>
@@ -23613,7 +23531,7 @@
                         <a:blipFill>
                           <a:blip r:embed="rId5"/>
                           <a:stretch>
-                            <a:fillRect l="-100300" t="-198958" r="-100601" b="-214583"/>
+                            <a:fillRect l="-100300" t="-98969" r="-100601" b="-212371"/>
                           </a:stretch>
                         </a:blipFill>
                       </a:tcPr>
@@ -23667,7 +23585,7 @@
                         <a:blipFill>
                           <a:blip r:embed="rId5"/>
                           <a:stretch>
-                            <a:fillRect l="-100300" t="-295876" r="-100601" b="-112371"/>
+                            <a:fillRect l="-100300" t="-198969" r="-100601" b="-112371"/>
                           </a:stretch>
                         </a:blipFill>
                       </a:tcPr>
@@ -23721,7 +23639,7 @@
                         <a:blipFill>
                           <a:blip r:embed="rId5"/>
                           <a:stretch>
-                            <a:fillRect l="-100300" t="-395876" r="-100601" b="-12371"/>
+                            <a:fillRect l="-100300" t="-298969" r="-100601" b="-12371"/>
                           </a:stretch>
                         </a:blipFill>
                       </a:tcPr>
@@ -24610,8 +24528,8 @@
           </p:sp>
         </mc:Fallback>
       </mc:AlternateContent>
-      <mc:AlternateContent xmlns:mc="http://schemas.openxmlformats.org/markup-compatibility/2006" xmlns:a14="http://schemas.microsoft.com/office/drawing/2010/main">
-        <mc:Choice Requires="a14">
+      <mc:AlternateContent xmlns:mc="http://schemas.openxmlformats.org/markup-compatibility/2006">
+        <mc:Choice xmlns:a14="http://schemas.microsoft.com/office/drawing/2010/main" Requires="a14">
           <p:graphicFrame>
             <p:nvGraphicFramePr>
               <p:cNvPr id="9" name="Tabla 8">
@@ -24627,14 +24545,14 @@
               <p:nvPr>
                 <p:extLst>
                   <p:ext uri="{D42A27DB-BD31-4B8C-83A1-F6EECF244321}">
-                    <p14:modId xmlns:p14="http://schemas.microsoft.com/office/powerpoint/2010/main" val="3200546135"/>
+                    <p14:modId xmlns:p14="http://schemas.microsoft.com/office/powerpoint/2010/main" val="244448381"/>
                   </p:ext>
                 </p:extLst>
               </p:nvPr>
             </p:nvGraphicFramePr>
             <p:xfrm>
               <a:off x="831520" y="5144294"/>
-              <a:ext cx="6093705" cy="2918982"/>
+              <a:ext cx="6093705" cy="2342586"/>
             </p:xfrm>
             <a:graphic>
               <a:graphicData uri="http://schemas.openxmlformats.org/drawingml/2006/table">
@@ -24737,59 +24655,6 @@
                     <a:extLst>
                       <a:ext uri="{0D108BD9-81ED-4DB2-BD59-A6C34878D82A}">
                         <a16:rowId xmlns:a16="http://schemas.microsoft.com/office/drawing/2014/main" val="2368775951"/>
-                      </a:ext>
-                    </a:extLst>
-                  </a:tr>
-                  <a:tr h="576396">
-                    <a:tc>
-                      <a:txBody>
-                        <a:bodyPr/>
-                        <a:lstStyle/>
-                        <a:p>
-                          <a:r>
-                            <a:rPr lang="es-ES" dirty="0"/>
-                            <a:t>Mean </a:t>
-                          </a:r>
-                          <a:r>
-                            <a:rPr lang="es-ES" dirty="0" err="1"/>
-                            <a:t>values</a:t>
-                          </a:r>
-                          <a:endParaRPr lang="es-ES" dirty="0"/>
-                        </a:p>
-                      </a:txBody>
-                      <a:tcPr/>
-                    </a:tc>
-                    <a:tc>
-                      <a:txBody>
-                        <a:bodyPr/>
-                        <a:lstStyle/>
-                        <a:p>
-                          <a:pPr algn="ctr"/>
-                          <a:r>
-                            <a:rPr lang="es-ES" dirty="0"/>
-                            <a:t>5.245</a:t>
-                          </a:r>
-                        </a:p>
-                      </a:txBody>
-                      <a:tcPr/>
-                    </a:tc>
-                    <a:tc>
-                      <a:txBody>
-                        <a:bodyPr/>
-                        <a:lstStyle/>
-                        <a:p>
-                          <a:pPr algn="ctr"/>
-                          <a:r>
-                            <a:rPr lang="es-ES" dirty="0"/>
-                            <a:t>4.606</a:t>
-                          </a:r>
-                        </a:p>
-                      </a:txBody>
-                      <a:tcPr/>
-                    </a:tc>
-                    <a:extLst>
-                      <a:ext uri="{0D108BD9-81ED-4DB2-BD59-A6C34878D82A}">
-                        <a16:rowId xmlns:a16="http://schemas.microsoft.com/office/drawing/2014/main" val="935370882"/>
                       </a:ext>
                     </a:extLst>
                   </a:tr>
@@ -25208,7 +25073,7 @@
             </a:graphic>
           </p:graphicFrame>
         </mc:Choice>
-        <mc:Fallback xmlns="">
+        <mc:Fallback>
           <p:graphicFrame>
             <p:nvGraphicFramePr>
               <p:cNvPr id="9" name="Tabla 8">
@@ -25224,14 +25089,14 @@
               <p:nvPr>
                 <p:extLst>
                   <p:ext uri="{D42A27DB-BD31-4B8C-83A1-F6EECF244321}">
-                    <p14:modId xmlns:p14="http://schemas.microsoft.com/office/powerpoint/2010/main" val="3200546135"/>
+                    <p14:modId xmlns:p14="http://schemas.microsoft.com/office/powerpoint/2010/main" val="244448381"/>
                   </p:ext>
                 </p:extLst>
               </p:nvPr>
             </p:nvGraphicFramePr>
             <p:xfrm>
               <a:off x="831520" y="5144294"/>
-              <a:ext cx="6093705" cy="2918982"/>
+              <a:ext cx="6093705" cy="2342586"/>
             </p:xfrm>
             <a:graphic>
               <a:graphicData uri="http://schemas.openxmlformats.org/drawingml/2006/table">
@@ -25285,7 +25150,7 @@
                         <a:blipFill>
                           <a:blip r:embed="rId5"/>
                           <a:stretch>
-                            <a:fillRect l="-100300" t="-1053" r="-100601" b="-417895"/>
+                            <a:fillRect l="-100300" t="-1053" r="-100601" b="-318947"/>
                           </a:stretch>
                         </a:blipFill>
                       </a:tcPr>
@@ -25302,7 +25167,7 @@
                         <a:blipFill>
                           <a:blip r:embed="rId5"/>
                           <a:stretch>
-                            <a:fillRect l="-199701" t="-1053" r="-299" b="-417895"/>
+                            <a:fillRect l="-199701" t="-1053" r="-299" b="-318947"/>
                           </a:stretch>
                         </a:blipFill>
                       </a:tcPr>
@@ -25310,59 +25175,6 @@
                     <a:extLst>
                       <a:ext uri="{0D108BD9-81ED-4DB2-BD59-A6C34878D82A}">
                         <a16:rowId xmlns:a16="http://schemas.microsoft.com/office/drawing/2014/main" val="2368775951"/>
-                      </a:ext>
-                    </a:extLst>
-                  </a:tr>
-                  <a:tr h="576396">
-                    <a:tc>
-                      <a:txBody>
-                        <a:bodyPr/>
-                        <a:lstStyle/>
-                        <a:p>
-                          <a:r>
-                            <a:rPr lang="es-ES" dirty="0"/>
-                            <a:t>Mean </a:t>
-                          </a:r>
-                          <a:r>
-                            <a:rPr lang="es-ES" dirty="0" err="1"/>
-                            <a:t>values</a:t>
-                          </a:r>
-                          <a:endParaRPr lang="es-ES" dirty="0"/>
-                        </a:p>
-                      </a:txBody>
-                      <a:tcPr/>
-                    </a:tc>
-                    <a:tc>
-                      <a:txBody>
-                        <a:bodyPr/>
-                        <a:lstStyle/>
-                        <a:p>
-                          <a:pPr algn="ctr"/>
-                          <a:r>
-                            <a:rPr lang="es-ES" dirty="0"/>
-                            <a:t>5.245</a:t>
-                          </a:r>
-                        </a:p>
-                      </a:txBody>
-                      <a:tcPr/>
-                    </a:tc>
-                    <a:tc>
-                      <a:txBody>
-                        <a:bodyPr/>
-                        <a:lstStyle/>
-                        <a:p>
-                          <a:pPr algn="ctr"/>
-                          <a:r>
-                            <a:rPr lang="es-ES" dirty="0"/>
-                            <a:t>4.606</a:t>
-                          </a:r>
-                        </a:p>
-                      </a:txBody>
-                      <a:tcPr/>
-                    </a:tc>
-                    <a:extLst>
-                      <a:ext uri="{0D108BD9-81ED-4DB2-BD59-A6C34878D82A}">
-                        <a16:rowId xmlns:a16="http://schemas.microsoft.com/office/drawing/2014/main" val="935370882"/>
                       </a:ext>
                     </a:extLst>
                   </a:tr>
@@ -25406,7 +25218,7 @@
                         <a:blipFill>
                           <a:blip r:embed="rId5"/>
                           <a:stretch>
-                            <a:fillRect l="-199701" t="-198958" r="-299" b="-214583"/>
+                            <a:fillRect l="-199701" t="-98969" r="-299" b="-212371"/>
                           </a:stretch>
                         </a:blipFill>
                       </a:tcPr>
@@ -25460,7 +25272,7 @@
                         <a:blipFill>
                           <a:blip r:embed="rId5"/>
                           <a:stretch>
-                            <a:fillRect l="-199701" t="-295876" r="-299" b="-112371"/>
+                            <a:fillRect l="-199701" t="-198969" r="-299" b="-112371"/>
                           </a:stretch>
                         </a:blipFill>
                       </a:tcPr>
@@ -25514,7 +25326,7 @@
                         <a:blipFill>
                           <a:blip r:embed="rId5"/>
                           <a:stretch>
-                            <a:fillRect l="-199701" t="-395876" r="-299" b="-12371"/>
+                            <a:fillRect l="-199701" t="-298969" r="-299" b="-12371"/>
                           </a:stretch>
                         </a:blipFill>
                       </a:tcPr>
@@ -32739,7 +32551,7 @@
               <p:nvPr>
                 <p:extLst>
                   <p:ext uri="{D42A27DB-BD31-4B8C-83A1-F6EECF244321}">
-                    <p14:modId xmlns:p14="http://schemas.microsoft.com/office/powerpoint/2010/main" val="2612396123"/>
+                    <p14:modId xmlns:p14="http://schemas.microsoft.com/office/powerpoint/2010/main" val="1355863280"/>
                   </p:ext>
                 </p:extLst>
               </p:nvPr>
@@ -32963,7 +32775,7 @@
                           <a:pPr algn="ctr"/>
                           <a:r>
                             <a:rPr lang="es-ES" dirty="0"/>
-                            <a:t>0.45</a:t>
+                            <a:t>0.47</a:t>
                           </a:r>
                         </a:p>
                       </a:txBody>
@@ -32977,7 +32789,7 @@
                           <a:pPr algn="ctr"/>
                           <a:r>
                             <a:rPr lang="es-ES" dirty="0"/>
-                            <a:t>0.55</a:t>
+                            <a:t>0.53</a:t>
                           </a:r>
                         </a:p>
                       </a:txBody>
@@ -33010,7 +32822,7 @@
               <p:nvPr>
                 <p:extLst>
                   <p:ext uri="{D42A27DB-BD31-4B8C-83A1-F6EECF244321}">
-                    <p14:modId xmlns:p14="http://schemas.microsoft.com/office/powerpoint/2010/main" val="2612396123"/>
+                    <p14:modId xmlns:p14="http://schemas.microsoft.com/office/powerpoint/2010/main" val="1355863280"/>
                   </p:ext>
                 </p:extLst>
               </p:nvPr>
@@ -33172,7 +32984,7 @@
                           <a:pPr algn="ctr"/>
                           <a:r>
                             <a:rPr lang="es-ES" dirty="0"/>
-                            <a:t>0.45</a:t>
+                            <a:t>0.47</a:t>
                           </a:r>
                         </a:p>
                       </a:txBody>
@@ -33186,7 +32998,7 @@
                           <a:pPr algn="ctr"/>
                           <a:r>
                             <a:rPr lang="es-ES" dirty="0"/>
-                            <a:t>0.55</a:t>
+                            <a:t>0.53</a:t>
                           </a:r>
                         </a:p>
                       </a:txBody>
@@ -33650,25 +33462,25 @@
                         <m:sSub>
                           <m:sSubPr>
                             <m:ctrlPr>
-                              <a:rPr lang="es-ES" b="1" i="1" smtClean="0">
+                              <a:rPr lang="es-ES" i="1" smtClean="0">
                                 <a:latin typeface="Cambria Math" panose="02040503050406030204" pitchFamily="18" charset="0"/>
                               </a:rPr>
                             </m:ctrlPr>
                           </m:sSubPr>
                           <m:e>
                             <m:r>
-                              <a:rPr lang="es-ES" b="1" i="1" smtClean="0">
+                              <a:rPr lang="es-ES" b="0" i="1" smtClean="0">
                                 <a:latin typeface="Cambria Math" panose="02040503050406030204" pitchFamily="18" charset="0"/>
                               </a:rPr>
-                              <m:t>𝒂</m:t>
+                              <m:t>𝑎</m:t>
                             </m:r>
                           </m:e>
                           <m:sub>
                             <m:r>
-                              <a:rPr lang="es-ES" b="1" i="1" smtClean="0">
+                              <a:rPr lang="es-ES" b="0" i="1" smtClean="0">
                                 <a:latin typeface="Cambria Math" panose="02040503050406030204" pitchFamily="18" charset="0"/>
                               </a:rPr>
-                              <m:t>𝒋</m:t>
+                              <m:t>𝑗</m:t>
                             </m:r>
                           </m:sub>
                         </m:sSub>
@@ -33698,10 +33510,211 @@
                 </a:r>
               </a:p>
               <a:p>
-                <a:pPr marL="685800" lvl="1" indent="0">
-                  <a:buNone/>
-                </a:pPr>
-                <a:endParaRPr lang="es-ES" dirty="0"/>
+                <a:pPr lvl="1"/>
+                <a:r>
+                  <a:rPr lang="es-ES" dirty="0" err="1"/>
+                  <a:t>This</a:t>
+                </a:r>
+                <a:r>
+                  <a:rPr lang="es-ES" dirty="0"/>
+                  <a:t> </a:t>
+                </a:r>
+                <a:r>
+                  <a:rPr lang="es-ES" dirty="0" err="1"/>
+                  <a:t>procedure</a:t>
+                </a:r>
+                <a:r>
+                  <a:rPr lang="es-ES" dirty="0"/>
+                  <a:t> </a:t>
+                </a:r>
+                <a:r>
+                  <a:rPr lang="es-ES" dirty="0" err="1"/>
+                  <a:t>is</a:t>
+                </a:r>
+                <a:r>
+                  <a:rPr lang="es-ES" dirty="0"/>
+                  <a:t> </a:t>
+                </a:r>
+                <a:r>
+                  <a:rPr lang="es-ES" dirty="0" err="1"/>
+                  <a:t>repeated</a:t>
+                </a:r>
+                <a:r>
+                  <a:rPr lang="es-ES" dirty="0"/>
+                  <a:t> </a:t>
+                </a:r>
+                <a:r>
+                  <a:rPr lang="es-ES" dirty="0" err="1"/>
+                  <a:t>for</a:t>
+                </a:r>
+                <a:r>
+                  <a:rPr lang="es-ES" dirty="0"/>
+                  <a:t> </a:t>
+                </a:r>
+                <a:r>
+                  <a:rPr lang="es-ES" dirty="0" err="1"/>
+                  <a:t>all</a:t>
+                </a:r>
+                <a:r>
+                  <a:rPr lang="es-ES" dirty="0"/>
+                  <a:t> variables.</a:t>
+                </a:r>
+              </a:p>
+              <a:p>
+                <a:r>
+                  <a:rPr lang="es-ES" dirty="0" err="1"/>
+                  <a:t>The</a:t>
+                </a:r>
+                <a:r>
+                  <a:rPr lang="es-ES" dirty="0"/>
+                  <a:t> complexity </a:t>
+                </a:r>
+                <a:r>
+                  <a:rPr lang="es-ES" dirty="0" err="1"/>
+                  <a:t>is</a:t>
+                </a:r>
+                <a:r>
+                  <a:rPr lang="es-ES" dirty="0"/>
+                  <a:t> </a:t>
+                </a:r>
+                <a14:m>
+                  <m:oMath xmlns:m="http://schemas.openxmlformats.org/officeDocument/2006/math">
+                    <m:r>
+                      <a:rPr lang="es-ES" i="1" smtClean="0">
+                        <a:latin typeface="Cambria Math" panose="02040503050406030204" pitchFamily="18" charset="0"/>
+                        <a:ea typeface="Cambria Math" panose="02040503050406030204" pitchFamily="18" charset="0"/>
+                      </a:rPr>
+                      <m:t>𝒪</m:t>
+                    </m:r>
+                    <m:d>
+                      <m:dPr>
+                        <m:ctrlPr>
+                          <a:rPr lang="es-ES" i="1" smtClean="0">
+                            <a:latin typeface="Cambria Math" panose="02040503050406030204" pitchFamily="18" charset="0"/>
+                            <a:ea typeface="Cambria Math" panose="02040503050406030204" pitchFamily="18" charset="0"/>
+                          </a:rPr>
+                        </m:ctrlPr>
+                      </m:dPr>
+                      <m:e>
+                        <m:r>
+                          <a:rPr lang="es-ES" i="1">
+                            <a:latin typeface="Cambria Math" panose="02040503050406030204" pitchFamily="18" charset="0"/>
+                            <a:ea typeface="Cambria Math" panose="02040503050406030204" pitchFamily="18" charset="0"/>
+                          </a:rPr>
+                          <m:t>𝑀</m:t>
+                        </m:r>
+                        <m:r>
+                          <a:rPr lang="es-ES" i="1">
+                            <a:latin typeface="Cambria Math" panose="02040503050406030204" pitchFamily="18" charset="0"/>
+                            <a:ea typeface="Cambria Math" panose="02040503050406030204" pitchFamily="18" charset="0"/>
+                          </a:rPr>
+                          <m:t> </m:t>
+                        </m:r>
+                        <m:r>
+                          <a:rPr lang="es-ES" i="1">
+                            <a:latin typeface="Cambria Math" panose="02040503050406030204" pitchFamily="18" charset="0"/>
+                            <a:ea typeface="Cambria Math" panose="02040503050406030204" pitchFamily="18" charset="0"/>
+                          </a:rPr>
+                          <m:t>𝑥</m:t>
+                        </m:r>
+                        <m:r>
+                          <a:rPr lang="es-ES" i="1">
+                            <a:latin typeface="Cambria Math" panose="02040503050406030204" pitchFamily="18" charset="0"/>
+                            <a:ea typeface="Cambria Math" panose="02040503050406030204" pitchFamily="18" charset="0"/>
+                          </a:rPr>
+                          <m:t> </m:t>
+                        </m:r>
+                        <m:r>
+                          <a:rPr lang="es-ES" i="1">
+                            <a:latin typeface="Cambria Math" panose="02040503050406030204" pitchFamily="18" charset="0"/>
+                            <a:ea typeface="Cambria Math" panose="02040503050406030204" pitchFamily="18" charset="0"/>
+                          </a:rPr>
+                          <m:t>𝐿</m:t>
+                        </m:r>
+                        <m:r>
+                          <a:rPr lang="es-ES" b="0" i="1" smtClean="0">
+                            <a:latin typeface="Cambria Math" panose="02040503050406030204" pitchFamily="18" charset="0"/>
+                            <a:ea typeface="Cambria Math" panose="02040503050406030204" pitchFamily="18" charset="0"/>
+                          </a:rPr>
+                          <m:t> </m:t>
+                        </m:r>
+                        <m:r>
+                          <a:rPr lang="es-ES" b="0" i="1" smtClean="0">
+                            <a:latin typeface="Cambria Math" panose="02040503050406030204" pitchFamily="18" charset="0"/>
+                            <a:ea typeface="Cambria Math" panose="02040503050406030204" pitchFamily="18" charset="0"/>
+                          </a:rPr>
+                          <m:t>𝑥</m:t>
+                        </m:r>
+                        <m:r>
+                          <a:rPr lang="es-ES" b="0" i="1" smtClean="0">
+                            <a:latin typeface="Cambria Math" panose="02040503050406030204" pitchFamily="18" charset="0"/>
+                            <a:ea typeface="Cambria Math" panose="02040503050406030204" pitchFamily="18" charset="0"/>
+                          </a:rPr>
+                          <m:t> </m:t>
+                        </m:r>
+                        <m:sSub>
+                          <m:sSubPr>
+                            <m:ctrlPr>
+                              <a:rPr lang="es-ES" i="1">
+                                <a:latin typeface="Cambria Math" panose="02040503050406030204" pitchFamily="18" charset="0"/>
+                              </a:rPr>
+                            </m:ctrlPr>
+                          </m:sSubPr>
+                          <m:e>
+                            <m:r>
+                              <a:rPr lang="es-ES" i="1">
+                                <a:latin typeface="Cambria Math" panose="02040503050406030204" pitchFamily="18" charset="0"/>
+                              </a:rPr>
+                              <m:t>𝑁</m:t>
+                            </m:r>
+                          </m:e>
+                          <m:sub>
+                            <m:r>
+                              <a:rPr lang="es-ES" i="1">
+                                <a:latin typeface="Cambria Math" panose="02040503050406030204" pitchFamily="18" charset="0"/>
+                              </a:rPr>
+                              <m:t>𝑠</m:t>
+                            </m:r>
+                          </m:sub>
+                        </m:sSub>
+                        <m:r>
+                          <a:rPr lang="es-ES" b="0" i="0" smtClean="0">
+                            <a:latin typeface="Cambria Math" panose="02040503050406030204" pitchFamily="18" charset="0"/>
+                          </a:rPr>
+                          <m:t> </m:t>
+                        </m:r>
+                        <m:r>
+                          <m:rPr>
+                            <m:sty m:val="p"/>
+                          </m:rPr>
+                          <a:rPr lang="es-ES" b="0" i="0" smtClean="0">
+                            <a:latin typeface="Cambria Math" panose="02040503050406030204" pitchFamily="18" charset="0"/>
+                            <a:ea typeface="Cambria Math" panose="02040503050406030204" pitchFamily="18" charset="0"/>
+                          </a:rPr>
+                          <m:t>x</m:t>
+                        </m:r>
+                        <m:r>
+                          <a:rPr lang="es-ES" b="0" i="0" smtClean="0">
+                            <a:latin typeface="Cambria Math" panose="02040503050406030204" pitchFamily="18" charset="0"/>
+                            <a:ea typeface="Cambria Math" panose="02040503050406030204" pitchFamily="18" charset="0"/>
+                          </a:rPr>
+                          <m:t> </m:t>
+                        </m:r>
+                        <m:r>
+                          <a:rPr lang="es-ES" b="0" i="1" smtClean="0">
+                            <a:latin typeface="Cambria Math" panose="02040503050406030204" pitchFamily="18" charset="0"/>
+                            <a:ea typeface="Cambria Math" panose="02040503050406030204" pitchFamily="18" charset="0"/>
+                          </a:rPr>
+                          <m:t>𝑃</m:t>
+                        </m:r>
+                      </m:e>
+                    </m:d>
+                  </m:oMath>
+                </a14:m>
+                <a:r>
+                  <a:rPr lang="es-ES" dirty="0"/>
+                  <a:t>.</a:t>
+                </a:r>
               </a:p>
             </p:txBody>
           </p:sp>
@@ -33727,7 +33740,7 @@
               <a:blipFill>
                 <a:blip r:embed="rId2"/>
                 <a:stretch>
-                  <a:fillRect l="-1352" t="-2801" r="-1739"/>
+                  <a:fillRect l="-1352" t="-2801" r="-1739" b="-3828"/>
                 </a:stretch>
               </a:blipFill>
             </p:spPr>
@@ -33876,6 +33889,381 @@
           <p:cNvPr id="2" name="Título 1">
             <a:extLst>
               <a:ext uri="{FF2B5EF4-FFF2-40B4-BE49-F238E27FC236}">
+                <a16:creationId xmlns:a16="http://schemas.microsoft.com/office/drawing/2014/main" id="{EFA3559C-B19D-7748-9F2B-B49DF3937433}"/>
+              </a:ext>
+            </a:extLst>
+          </p:cNvPr>
+          <p:cNvSpPr>
+            <a:spLocks noGrp="1"/>
+          </p:cNvSpPr>
+          <p:nvPr>
+            <p:ph type="title"/>
+          </p:nvPr>
+        </p:nvSpPr>
+        <p:spPr/>
+        <p:txBody>
+          <a:bodyPr/>
+          <a:lstStyle/>
+          <a:p>
+            <a:r>
+              <a:rPr lang="es-ES" dirty="0"/>
+              <a:t>Monte-Carlo SA (MSA)</a:t>
+            </a:r>
+          </a:p>
+        </p:txBody>
+      </p:sp>
+      <mc:AlternateContent xmlns:mc="http://schemas.openxmlformats.org/markup-compatibility/2006">
+        <mc:Choice xmlns:a14="http://schemas.microsoft.com/office/drawing/2010/main" Requires="a14">
+          <p:sp>
+            <p:nvSpPr>
+              <p:cNvPr id="3" name="Marcador de contenido 2">
+                <a:extLst>
+                  <a:ext uri="{FF2B5EF4-FFF2-40B4-BE49-F238E27FC236}">
+                    <a16:creationId xmlns:a16="http://schemas.microsoft.com/office/drawing/2014/main" id="{F89BA901-1B4F-C4CC-10E3-603EDC15B188}"/>
+                  </a:ext>
+                </a:extLst>
+              </p:cNvPr>
+              <p:cNvSpPr>
+                <a:spLocks noGrp="1"/>
+              </p:cNvSpPr>
+              <p:nvPr>
+                <p:ph idx="1"/>
+              </p:nvPr>
+            </p:nvSpPr>
+            <p:spPr/>
+            <p:txBody>
+              <a:bodyPr>
+                <a:normAutofit/>
+              </a:bodyPr>
+              <a:lstStyle/>
+              <a:p>
+                <a:r>
+                  <a:rPr lang="es-ES" dirty="0"/>
+                  <a:t>Similar </a:t>
+                </a:r>
+                <a:r>
+                  <a:rPr lang="es-ES" dirty="0" err="1"/>
+                  <a:t>to</a:t>
+                </a:r>
+                <a:r>
+                  <a:rPr lang="es-ES" dirty="0"/>
+                  <a:t> DSA </a:t>
+                </a:r>
+                <a:r>
+                  <a:rPr lang="es-ES" dirty="0" err="1"/>
+                  <a:t>but</a:t>
+                </a:r>
+                <a:r>
+                  <a:rPr lang="es-ES" dirty="0"/>
+                  <a:t> </a:t>
+                </a:r>
+                <a14:m>
+                  <m:oMath xmlns:m="http://schemas.openxmlformats.org/officeDocument/2006/math">
+                    <m:sSub>
+                      <m:sSubPr>
+                        <m:ctrlPr>
+                          <a:rPr lang="es-ES" i="1" smtClean="0">
+                            <a:latin typeface="Cambria Math" panose="02040503050406030204" pitchFamily="18" charset="0"/>
+                          </a:rPr>
+                        </m:ctrlPr>
+                      </m:sSubPr>
+                      <m:e>
+                        <m:r>
+                          <a:rPr lang="es-ES" b="0" i="1" smtClean="0">
+                            <a:latin typeface="Cambria Math" panose="02040503050406030204" pitchFamily="18" charset="0"/>
+                          </a:rPr>
+                          <m:t>𝑁</m:t>
+                        </m:r>
+                      </m:e>
+                      <m:sub>
+                        <m:r>
+                          <a:rPr lang="es-ES" b="0" i="1" smtClean="0">
+                            <a:latin typeface="Cambria Math" panose="02040503050406030204" pitchFamily="18" charset="0"/>
+                          </a:rPr>
+                          <m:t>𝑠</m:t>
+                        </m:r>
+                      </m:sub>
+                    </m:sSub>
+                  </m:oMath>
+                </a14:m>
+                <a:r>
+                  <a:rPr lang="es-ES" dirty="0"/>
+                  <a:t> </a:t>
+                </a:r>
+                <a:r>
+                  <a:rPr lang="es-ES" dirty="0" err="1"/>
+                  <a:t>random</a:t>
+                </a:r>
+                <a:r>
+                  <a:rPr lang="es-ES" dirty="0"/>
+                  <a:t> simples are </a:t>
+                </a:r>
+                <a:r>
+                  <a:rPr lang="es-ES" dirty="0" err="1"/>
+                  <a:t>not</a:t>
+                </a:r>
+                <a:r>
+                  <a:rPr lang="es-ES" dirty="0"/>
+                  <a:t> </a:t>
+                </a:r>
+                <a:r>
+                  <a:rPr lang="es-ES" dirty="0" err="1"/>
+                  <a:t>taken</a:t>
+                </a:r>
+                <a:r>
+                  <a:rPr lang="es-ES" dirty="0"/>
+                  <a:t> </a:t>
+                </a:r>
+                <a:r>
+                  <a:rPr lang="es-ES" dirty="0" err="1"/>
+                  <a:t>from</a:t>
+                </a:r>
+                <a:r>
+                  <a:rPr lang="es-ES" dirty="0"/>
+                  <a:t> </a:t>
+                </a:r>
+                <a:r>
+                  <a:rPr lang="es-ES" dirty="0" err="1"/>
+                  <a:t>the</a:t>
+                </a:r>
+                <a:r>
+                  <a:rPr lang="es-ES" dirty="0"/>
+                  <a:t> </a:t>
+                </a:r>
+                <a:r>
+                  <a:rPr lang="es-ES" dirty="0" err="1"/>
+                  <a:t>dataset</a:t>
+                </a:r>
+                <a:r>
+                  <a:rPr lang="es-ES" dirty="0"/>
+                  <a:t>. </a:t>
+                </a:r>
+                <a:r>
+                  <a:rPr lang="es-ES" dirty="0" err="1"/>
+                  <a:t>Instead</a:t>
+                </a:r>
+                <a:r>
+                  <a:rPr lang="es-ES" dirty="0"/>
+                  <a:t>, </a:t>
+                </a:r>
+                <a:r>
+                  <a:rPr lang="es-ES" dirty="0" err="1"/>
+                  <a:t>the</a:t>
+                </a:r>
+                <a:r>
+                  <a:rPr lang="es-ES" dirty="0"/>
+                  <a:t> are </a:t>
+                </a:r>
+                <a:r>
+                  <a:rPr lang="es-ES" dirty="0" err="1"/>
+                  <a:t>built</a:t>
+                </a:r>
+                <a:r>
+                  <a:rPr lang="es-ES" dirty="0"/>
+                  <a:t> </a:t>
+                </a:r>
+                <a:r>
+                  <a:rPr lang="es-ES" dirty="0" err="1"/>
+                  <a:t>from</a:t>
+                </a:r>
+                <a:r>
+                  <a:rPr lang="es-ES" dirty="0"/>
+                  <a:t> a </a:t>
+                </a:r>
+                <a:r>
+                  <a:rPr lang="es-ES" dirty="0" err="1"/>
+                  <a:t>uniform</a:t>
+                </a:r>
+                <a:r>
+                  <a:rPr lang="es-ES" dirty="0"/>
+                  <a:t> </a:t>
+                </a:r>
+                <a:r>
+                  <a:rPr lang="es-ES" dirty="0" err="1"/>
+                  <a:t>distibution</a:t>
+                </a:r>
+                <a:r>
+                  <a:rPr lang="es-ES" dirty="0"/>
+                  <a:t>:</a:t>
+                </a:r>
+              </a:p>
+              <a:p>
+                <a:pPr lvl="1"/>
+                <a:endParaRPr lang="es-ES" dirty="0"/>
+              </a:p>
+            </p:txBody>
+          </p:sp>
+        </mc:Choice>
+        <mc:Fallback>
+          <p:sp>
+            <p:nvSpPr>
+              <p:cNvPr id="3" name="Marcador de contenido 2">
+                <a:extLst>
+                  <a:ext uri="{FF2B5EF4-FFF2-40B4-BE49-F238E27FC236}">
+                    <a16:creationId xmlns:a16="http://schemas.microsoft.com/office/drawing/2014/main" id="{F89BA901-1B4F-C4CC-10E3-603EDC15B188}"/>
+                  </a:ext>
+                </a:extLst>
+              </p:cNvPr>
+              <p:cNvSpPr>
+                <a:spLocks noGrp="1" noRot="1" noChangeAspect="1" noMove="1" noResize="1" noEditPoints="1" noAdjustHandles="1" noChangeArrowheads="1" noChangeShapeType="1" noTextEdit="1"/>
+              </p:cNvSpPr>
+              <p:nvPr>
+                <p:ph idx="1"/>
+              </p:nvPr>
+            </p:nvSpPr>
+            <p:spPr>
+              <a:blipFill>
+                <a:blip r:embed="rId2"/>
+                <a:stretch>
+                  <a:fillRect l="-1352" t="-2894"/>
+                </a:stretch>
+              </a:blipFill>
+            </p:spPr>
+            <p:txBody>
+              <a:bodyPr/>
+              <a:lstStyle/>
+              <a:p>
+                <a:r>
+                  <a:rPr lang="es-ES">
+                    <a:noFill/>
+                  </a:rPr>
+                  <a:t> </a:t>
+                </a:r>
+              </a:p>
+            </p:txBody>
+          </p:sp>
+        </mc:Fallback>
+      </mc:AlternateContent>
+      <p:sp>
+        <p:nvSpPr>
+          <p:cNvPr id="4" name="Marcador de pie de página 3">
+            <a:extLst>
+              <a:ext uri="{FF2B5EF4-FFF2-40B4-BE49-F238E27FC236}">
+                <a16:creationId xmlns:a16="http://schemas.microsoft.com/office/drawing/2014/main" id="{38B0C3F3-DF84-ABE6-7262-11AC687E7802}"/>
+              </a:ext>
+            </a:extLst>
+          </p:cNvPr>
+          <p:cNvSpPr>
+            <a:spLocks noGrp="1"/>
+          </p:cNvSpPr>
+          <p:nvPr>
+            <p:ph type="ftr" sz="quarter" idx="11"/>
+          </p:nvPr>
+        </p:nvSpPr>
+        <p:spPr/>
+        <p:txBody>
+          <a:bodyPr/>
+          <a:lstStyle/>
+          <a:p>
+            <a:pPr algn="ctr">
+              <a:lnSpc>
+                <a:spcPct val="150000"/>
+              </a:lnSpc>
+              <a:spcAft>
+                <a:spcPts val="800"/>
+              </a:spcAft>
+            </a:pPr>
+            <a:r>
+              <a:rPr lang="en-US" sz="1800" b="1" kern="100" dirty="0">
+                <a:effectLst/>
+                <a:latin typeface="Times New Roman" panose="02020603050405020304" pitchFamily="18" charset="0"/>
+                <a:ea typeface="Aptos" panose="020B0004020202020204" pitchFamily="34" charset="0"/>
+                <a:cs typeface="Times New Roman" panose="02020603050405020304" pitchFamily="18" charset="0"/>
+              </a:rPr>
+              <a:t>Using sensitivity analysis and visualization techniques to open black box data mining models: a </a:t>
+            </a:r>
+            <a:r>
+              <a:rPr lang="en-US" sz="1800" b="1" kern="100" dirty="0" err="1">
+                <a:effectLst/>
+                <a:latin typeface="Times New Roman" panose="02020603050405020304" pitchFamily="18" charset="0"/>
+                <a:ea typeface="Aptos" panose="020B0004020202020204" pitchFamily="34" charset="0"/>
+                <a:cs typeface="Times New Roman" panose="02020603050405020304" pitchFamily="18" charset="0"/>
+              </a:rPr>
+              <a:t>rminer</a:t>
+            </a:r>
+            <a:r>
+              <a:rPr lang="en-US" sz="1800" b="1" kern="100" dirty="0">
+                <a:effectLst/>
+                <a:latin typeface="Times New Roman" panose="02020603050405020304" pitchFamily="18" charset="0"/>
+                <a:ea typeface="Aptos" panose="020B0004020202020204" pitchFamily="34" charset="0"/>
+                <a:cs typeface="Times New Roman" panose="02020603050405020304" pitchFamily="18" charset="0"/>
+              </a:rPr>
+              <a:t> example</a:t>
+            </a:r>
+            <a:endParaRPr lang="es-ES" sz="1600" kern="100" dirty="0">
+              <a:effectLst/>
+              <a:latin typeface="Times New Roman" panose="02020603050405020304" pitchFamily="18" charset="0"/>
+              <a:ea typeface="Aptos" panose="020B0004020202020204" pitchFamily="34" charset="0"/>
+              <a:cs typeface="Times New Roman" panose="02020603050405020304" pitchFamily="18" charset="0"/>
+            </a:endParaRPr>
+          </a:p>
+        </p:txBody>
+      </p:sp>
+      <p:sp>
+        <p:nvSpPr>
+          <p:cNvPr id="5" name="Marcador de número de diapositiva 4">
+            <a:extLst>
+              <a:ext uri="{FF2B5EF4-FFF2-40B4-BE49-F238E27FC236}">
+                <a16:creationId xmlns:a16="http://schemas.microsoft.com/office/drawing/2014/main" id="{F811842D-C9BE-93E8-1152-B7297C5CF176}"/>
+              </a:ext>
+            </a:extLst>
+          </p:cNvPr>
+          <p:cNvSpPr>
+            <a:spLocks noGrp="1"/>
+          </p:cNvSpPr>
+          <p:nvPr>
+            <p:ph type="sldNum" sz="quarter" idx="12"/>
+          </p:nvPr>
+        </p:nvSpPr>
+        <p:spPr/>
+        <p:txBody>
+          <a:bodyPr/>
+          <a:lstStyle/>
+          <a:p>
+            <a:fld id="{DBFF9636-A71C-488A-89F8-02E08556F10C}" type="slidenum">
+              <a:rPr lang="es-ES" smtClean="0"/>
+              <a:pPr/>
+              <a:t>28</a:t>
+            </a:fld>
+            <a:endParaRPr lang="es-ES" dirty="0"/>
+          </a:p>
+        </p:txBody>
+      </p:sp>
+    </p:spTree>
+    <p:extLst>
+      <p:ext uri="{BB962C8B-B14F-4D97-AF65-F5344CB8AC3E}">
+        <p14:creationId xmlns:p14="http://schemas.microsoft.com/office/powerpoint/2010/main" val="1579089973"/>
+      </p:ext>
+    </p:extLst>
+  </p:cSld>
+  <p:clrMapOvr>
+    <a:masterClrMapping/>
+  </p:clrMapOvr>
+</p:sld>
+</file>
+
+<file path=ppt/slides/slide29.xml><?xml version="1.0" encoding="utf-8"?>
+<p:sld xmlns:a="http://schemas.openxmlformats.org/drawingml/2006/main" xmlns:r="http://schemas.openxmlformats.org/officeDocument/2006/relationships" xmlns:p="http://schemas.openxmlformats.org/presentationml/2006/main">
+  <p:cSld>
+    <p:spTree>
+      <p:nvGrpSpPr>
+        <p:cNvPr id="1" name=""/>
+        <p:cNvGrpSpPr/>
+        <p:nvPr/>
+      </p:nvGrpSpPr>
+      <p:grpSpPr>
+        <a:xfrm>
+          <a:off x="0" y="0"/>
+          <a:ext cx="0" cy="0"/>
+          <a:chOff x="0" y="0"/>
+          <a:chExt cx="0" cy="0"/>
+        </a:xfrm>
+      </p:grpSpPr>
+      <p:sp>
+        <p:nvSpPr>
+          <p:cNvPr id="2" name="Título 1">
+            <a:extLst>
+              <a:ext uri="{FF2B5EF4-FFF2-40B4-BE49-F238E27FC236}">
                 <a16:creationId xmlns:a16="http://schemas.microsoft.com/office/drawing/2014/main" id="{2F7626E3-0388-9608-3847-B8CEC112678B}"/>
               </a:ext>
             </a:extLst>
@@ -34015,7 +34403,7 @@
             <a:fld id="{DBFF9636-A71C-488A-89F8-02E08556F10C}" type="slidenum">
               <a:rPr lang="es-ES" smtClean="0"/>
               <a:pPr/>
-              <a:t>28</a:t>
+              <a:t>29</a:t>
             </a:fld>
             <a:endParaRPr lang="es-ES" dirty="0"/>
           </a:p>
@@ -34025,276 +34413,6 @@
     <p:extLst>
       <p:ext uri="{BB962C8B-B14F-4D97-AF65-F5344CB8AC3E}">
         <p14:creationId xmlns:p14="http://schemas.microsoft.com/office/powerpoint/2010/main" val="3071165109"/>
-      </p:ext>
-    </p:extLst>
-  </p:cSld>
-  <p:clrMapOvr>
-    <a:masterClrMapping/>
-  </p:clrMapOvr>
-</p:sld>
-</file>
-
-<file path=ppt/slides/slide29.xml><?xml version="1.0" encoding="utf-8"?>
-<p:sld xmlns:a="http://schemas.openxmlformats.org/drawingml/2006/main" xmlns:r="http://schemas.openxmlformats.org/officeDocument/2006/relationships" xmlns:p="http://schemas.openxmlformats.org/presentationml/2006/main">
-  <p:cSld>
-    <p:spTree>
-      <p:nvGrpSpPr>
-        <p:cNvPr id="1" name=""/>
-        <p:cNvGrpSpPr/>
-        <p:nvPr/>
-      </p:nvGrpSpPr>
-      <p:grpSpPr>
-        <a:xfrm>
-          <a:off x="0" y="0"/>
-          <a:ext cx="0" cy="0"/>
-          <a:chOff x="0" y="0"/>
-          <a:chExt cx="0" cy="0"/>
-        </a:xfrm>
-      </p:grpSpPr>
-      <p:sp>
-        <p:nvSpPr>
-          <p:cNvPr id="2" name="Título 1">
-            <a:extLst>
-              <a:ext uri="{FF2B5EF4-FFF2-40B4-BE49-F238E27FC236}">
-                <a16:creationId xmlns:a16="http://schemas.microsoft.com/office/drawing/2014/main" id="{8DA03B8B-503C-2AD5-0C58-C6F2AD684972}"/>
-              </a:ext>
-            </a:extLst>
-          </p:cNvPr>
-          <p:cNvSpPr>
-            <a:spLocks noGrp="1"/>
-          </p:cNvSpPr>
-          <p:nvPr>
-            <p:ph type="title"/>
-          </p:nvPr>
-        </p:nvSpPr>
-        <p:spPr/>
-        <p:txBody>
-          <a:bodyPr/>
-          <a:lstStyle/>
-          <a:p>
-            <a:r>
-              <a:rPr lang="en-US" b="1" dirty="0">
-                <a:latin typeface="Times New Roman" panose="02020603050405020304" pitchFamily="18" charset="0"/>
-                <a:ea typeface="Aptos" panose="020B0004020202020204" pitchFamily="34" charset="0"/>
-              </a:rPr>
-              <a:t>T</a:t>
-            </a:r>
-            <a:r>
-              <a:rPr lang="en-US" sz="6600" b="1" dirty="0">
-                <a:effectLst/>
-                <a:latin typeface="Times New Roman" panose="02020603050405020304" pitchFamily="18" charset="0"/>
-                <a:ea typeface="Aptos" panose="020B0004020202020204" pitchFamily="34" charset="0"/>
-              </a:rPr>
-              <a:t>he efficiency assessment of the Spanish educational sector</a:t>
-            </a:r>
-            <a:endParaRPr lang="en-GB" dirty="0"/>
-          </a:p>
-        </p:txBody>
-      </p:sp>
-      <p:sp>
-        <p:nvSpPr>
-          <p:cNvPr id="4" name="Marcador de pie de página 3">
-            <a:extLst>
-              <a:ext uri="{FF2B5EF4-FFF2-40B4-BE49-F238E27FC236}">
-                <a16:creationId xmlns:a16="http://schemas.microsoft.com/office/drawing/2014/main" id="{87703923-EE12-C293-D06F-AFF34520FABA}"/>
-              </a:ext>
-            </a:extLst>
-          </p:cNvPr>
-          <p:cNvSpPr>
-            <a:spLocks noGrp="1"/>
-          </p:cNvSpPr>
-          <p:nvPr>
-            <p:ph type="ftr" sz="quarter" idx="11"/>
-          </p:nvPr>
-        </p:nvSpPr>
-        <p:spPr/>
-        <p:txBody>
-          <a:bodyPr/>
-          <a:lstStyle/>
-          <a:p>
-            <a:pPr algn="ctr">
-              <a:lnSpc>
-                <a:spcPct val="150000"/>
-              </a:lnSpc>
-              <a:spcAft>
-                <a:spcPts val="800"/>
-              </a:spcAft>
-            </a:pPr>
-            <a:r>
-              <a:rPr lang="en-US" sz="1800" b="1" kern="100" dirty="0">
-                <a:effectLst/>
-                <a:latin typeface="Times New Roman" panose="02020603050405020304" pitchFamily="18" charset="0"/>
-                <a:ea typeface="Aptos" panose="020B0004020202020204" pitchFamily="34" charset="0"/>
-                <a:cs typeface="Times New Roman" panose="02020603050405020304" pitchFamily="18" charset="0"/>
-              </a:rPr>
-              <a:t>A novel approach for efficiency evaluation through the integration of standard Machine Learning classification models and Data Envelopment Analysis</a:t>
-            </a:r>
-            <a:endParaRPr lang="es-ES" sz="1600" kern="100" dirty="0">
-              <a:effectLst/>
-              <a:latin typeface="Times New Roman" panose="02020603050405020304" pitchFamily="18" charset="0"/>
-              <a:ea typeface="Aptos" panose="020B0004020202020204" pitchFamily="34" charset="0"/>
-              <a:cs typeface="Times New Roman" panose="02020603050405020304" pitchFamily="18" charset="0"/>
-            </a:endParaRPr>
-          </a:p>
-        </p:txBody>
-      </p:sp>
-      <p:sp>
-        <p:nvSpPr>
-          <p:cNvPr id="5" name="Marcador de número de diapositiva 4">
-            <a:extLst>
-              <a:ext uri="{FF2B5EF4-FFF2-40B4-BE49-F238E27FC236}">
-                <a16:creationId xmlns:a16="http://schemas.microsoft.com/office/drawing/2014/main" id="{0C3F2C01-39A2-4C46-9D03-67A37C26B66E}"/>
-              </a:ext>
-            </a:extLst>
-          </p:cNvPr>
-          <p:cNvSpPr>
-            <a:spLocks noGrp="1"/>
-          </p:cNvSpPr>
-          <p:nvPr>
-            <p:ph type="sldNum" sz="quarter" idx="12"/>
-          </p:nvPr>
-        </p:nvSpPr>
-        <p:spPr/>
-        <p:txBody>
-          <a:bodyPr/>
-          <a:lstStyle/>
-          <a:p>
-            <a:fld id="{DBFF9636-A71C-488A-89F8-02E08556F10C}" type="slidenum">
-              <a:rPr lang="es-ES" smtClean="0"/>
-              <a:pPr/>
-              <a:t>29</a:t>
-            </a:fld>
-            <a:endParaRPr lang="es-ES" dirty="0"/>
-          </a:p>
-        </p:txBody>
-      </p:sp>
-      <p:sp>
-        <p:nvSpPr>
-          <p:cNvPr id="3" name="Marcador de contenido 2">
-            <a:extLst>
-              <a:ext uri="{FF2B5EF4-FFF2-40B4-BE49-F238E27FC236}">
-                <a16:creationId xmlns:a16="http://schemas.microsoft.com/office/drawing/2014/main" id="{6DFA8D77-6114-5058-4500-99FF53E70859}"/>
-              </a:ext>
-            </a:extLst>
-          </p:cNvPr>
-          <p:cNvSpPr>
-            <a:spLocks noGrp="1"/>
-          </p:cNvSpPr>
-          <p:nvPr>
-            <p:ph idx="1"/>
-          </p:nvPr>
-        </p:nvSpPr>
-        <p:spPr>
-          <a:xfrm>
-            <a:off x="831520" y="3097269"/>
-            <a:ext cx="16595985" cy="5850074"/>
-          </a:xfrm>
-        </p:spPr>
-        <p:txBody>
-          <a:bodyPr>
-            <a:normAutofit/>
-          </a:bodyPr>
-          <a:lstStyle/>
-          <a:p>
-            <a:r>
-              <a:rPr lang="es-ES" dirty="0"/>
-              <a:t>A </a:t>
-            </a:r>
-            <a:r>
-              <a:rPr lang="es-ES" dirty="0" err="1"/>
-              <a:t>dataset</a:t>
-            </a:r>
-            <a:r>
-              <a:rPr lang="es-ES" dirty="0"/>
-              <a:t> </a:t>
-            </a:r>
-            <a:r>
-              <a:rPr lang="es-ES" dirty="0" err="1"/>
-              <a:t>obtained</a:t>
-            </a:r>
-            <a:r>
-              <a:rPr lang="es-ES" dirty="0"/>
-              <a:t> </a:t>
-            </a:r>
-            <a:r>
-              <a:rPr lang="es-ES" dirty="0" err="1"/>
-              <a:t>from</a:t>
-            </a:r>
-            <a:r>
-              <a:rPr lang="es-ES" dirty="0"/>
-              <a:t> </a:t>
-            </a:r>
-            <a:r>
-              <a:rPr lang="es-ES" dirty="0" err="1"/>
-              <a:t>the</a:t>
-            </a:r>
-            <a:r>
-              <a:rPr lang="es-ES" dirty="0"/>
-              <a:t> </a:t>
-            </a:r>
-            <a:r>
-              <a:rPr lang="es-ES" dirty="0" err="1"/>
-              <a:t>Programme</a:t>
-            </a:r>
-            <a:r>
-              <a:rPr lang="es-ES" dirty="0"/>
-              <a:t> </a:t>
-            </a:r>
-            <a:r>
-              <a:rPr lang="es-ES" dirty="0" err="1"/>
-              <a:t>for</a:t>
-            </a:r>
-            <a:r>
-              <a:rPr lang="es-ES" dirty="0"/>
-              <a:t> International </a:t>
-            </a:r>
-            <a:r>
-              <a:rPr lang="es-ES" dirty="0" err="1"/>
-              <a:t>Student</a:t>
-            </a:r>
-            <a:r>
-              <a:rPr lang="es-ES" dirty="0"/>
-              <a:t> </a:t>
-            </a:r>
-            <a:r>
-              <a:rPr lang="es-ES" dirty="0" err="1"/>
-              <a:t>Assessment</a:t>
-            </a:r>
-            <a:r>
-              <a:rPr lang="es-ES" dirty="0"/>
-              <a:t> (PISA).</a:t>
-            </a:r>
-          </a:p>
-          <a:p>
-            <a:r>
-              <a:rPr lang="en-US" dirty="0"/>
-              <a:t>The dataset utilized encompasses data from the year 2018, comprising anonymized records from 999 Spanish schools randomly selected by the OECD.</a:t>
-            </a:r>
-          </a:p>
-          <a:p>
-            <a:r>
-              <a:rPr lang="en-GB" dirty="0"/>
-              <a:t>Input variables: EDUQUAL, ESCS and TSRATIO.</a:t>
-            </a:r>
-          </a:p>
-          <a:p>
-            <a:r>
-              <a:rPr lang="en-GB" dirty="0"/>
-              <a:t>Output variables: PVMATH, PVREAD and PVSCIE.</a:t>
-            </a:r>
-          </a:p>
-          <a:p>
-            <a:r>
-              <a:rPr lang="en-GB" dirty="0"/>
-              <a:t>Contextual variables: REGION and SCHLTYPE.</a:t>
-            </a:r>
-          </a:p>
-        </p:txBody>
-      </p:sp>
-    </p:spTree>
-    <p:extLst>
-      <p:ext uri="{BB962C8B-B14F-4D97-AF65-F5344CB8AC3E}">
-        <p14:creationId xmlns:p14="http://schemas.microsoft.com/office/powerpoint/2010/main" val="842433755"/>
       </p:ext>
     </p:extLst>
   </p:cSld>
@@ -34857,6 +34975,276 @@
               <a:rPr lang="es-ES" smtClean="0"/>
               <a:pPr/>
               <a:t>30</a:t>
+            </a:fld>
+            <a:endParaRPr lang="es-ES" dirty="0"/>
+          </a:p>
+        </p:txBody>
+      </p:sp>
+      <p:sp>
+        <p:nvSpPr>
+          <p:cNvPr id="3" name="Marcador de contenido 2">
+            <a:extLst>
+              <a:ext uri="{FF2B5EF4-FFF2-40B4-BE49-F238E27FC236}">
+                <a16:creationId xmlns:a16="http://schemas.microsoft.com/office/drawing/2014/main" id="{6DFA8D77-6114-5058-4500-99FF53E70859}"/>
+              </a:ext>
+            </a:extLst>
+          </p:cNvPr>
+          <p:cNvSpPr>
+            <a:spLocks noGrp="1"/>
+          </p:cNvSpPr>
+          <p:nvPr>
+            <p:ph idx="1"/>
+          </p:nvPr>
+        </p:nvSpPr>
+        <p:spPr>
+          <a:xfrm>
+            <a:off x="831520" y="3097269"/>
+            <a:ext cx="16595985" cy="5850074"/>
+          </a:xfrm>
+        </p:spPr>
+        <p:txBody>
+          <a:bodyPr>
+            <a:normAutofit/>
+          </a:bodyPr>
+          <a:lstStyle/>
+          <a:p>
+            <a:r>
+              <a:rPr lang="es-ES" dirty="0"/>
+              <a:t>A </a:t>
+            </a:r>
+            <a:r>
+              <a:rPr lang="es-ES" dirty="0" err="1"/>
+              <a:t>dataset</a:t>
+            </a:r>
+            <a:r>
+              <a:rPr lang="es-ES" dirty="0"/>
+              <a:t> </a:t>
+            </a:r>
+            <a:r>
+              <a:rPr lang="es-ES" dirty="0" err="1"/>
+              <a:t>obtained</a:t>
+            </a:r>
+            <a:r>
+              <a:rPr lang="es-ES" dirty="0"/>
+              <a:t> </a:t>
+            </a:r>
+            <a:r>
+              <a:rPr lang="es-ES" dirty="0" err="1"/>
+              <a:t>from</a:t>
+            </a:r>
+            <a:r>
+              <a:rPr lang="es-ES" dirty="0"/>
+              <a:t> </a:t>
+            </a:r>
+            <a:r>
+              <a:rPr lang="es-ES" dirty="0" err="1"/>
+              <a:t>the</a:t>
+            </a:r>
+            <a:r>
+              <a:rPr lang="es-ES" dirty="0"/>
+              <a:t> </a:t>
+            </a:r>
+            <a:r>
+              <a:rPr lang="es-ES" dirty="0" err="1"/>
+              <a:t>Programme</a:t>
+            </a:r>
+            <a:r>
+              <a:rPr lang="es-ES" dirty="0"/>
+              <a:t> </a:t>
+            </a:r>
+            <a:r>
+              <a:rPr lang="es-ES" dirty="0" err="1"/>
+              <a:t>for</a:t>
+            </a:r>
+            <a:r>
+              <a:rPr lang="es-ES" dirty="0"/>
+              <a:t> International </a:t>
+            </a:r>
+            <a:r>
+              <a:rPr lang="es-ES" dirty="0" err="1"/>
+              <a:t>Student</a:t>
+            </a:r>
+            <a:r>
+              <a:rPr lang="es-ES" dirty="0"/>
+              <a:t> </a:t>
+            </a:r>
+            <a:r>
+              <a:rPr lang="es-ES" dirty="0" err="1"/>
+              <a:t>Assessment</a:t>
+            </a:r>
+            <a:r>
+              <a:rPr lang="es-ES" dirty="0"/>
+              <a:t> (PISA).</a:t>
+            </a:r>
+          </a:p>
+          <a:p>
+            <a:r>
+              <a:rPr lang="en-US" dirty="0"/>
+              <a:t>The dataset utilized encompasses data from the year 2018, comprising anonymized records from 999 Spanish schools randomly selected by the OECD.</a:t>
+            </a:r>
+          </a:p>
+          <a:p>
+            <a:r>
+              <a:rPr lang="en-GB" dirty="0"/>
+              <a:t>Input variables: EDUQUAL, ESCS and TSRATIO.</a:t>
+            </a:r>
+          </a:p>
+          <a:p>
+            <a:r>
+              <a:rPr lang="en-GB" dirty="0"/>
+              <a:t>Output variables: PVMATH, PVREAD and PVSCIE.</a:t>
+            </a:r>
+          </a:p>
+          <a:p>
+            <a:r>
+              <a:rPr lang="en-GB" dirty="0"/>
+              <a:t>Contextual variables: REGION and SCHLTYPE.</a:t>
+            </a:r>
+          </a:p>
+        </p:txBody>
+      </p:sp>
+    </p:spTree>
+    <p:extLst>
+      <p:ext uri="{BB962C8B-B14F-4D97-AF65-F5344CB8AC3E}">
+        <p14:creationId xmlns:p14="http://schemas.microsoft.com/office/powerpoint/2010/main" val="842433755"/>
+      </p:ext>
+    </p:extLst>
+  </p:cSld>
+  <p:clrMapOvr>
+    <a:masterClrMapping/>
+  </p:clrMapOvr>
+</p:sld>
+</file>
+
+<file path=ppt/slides/slide31.xml><?xml version="1.0" encoding="utf-8"?>
+<p:sld xmlns:a="http://schemas.openxmlformats.org/drawingml/2006/main" xmlns:r="http://schemas.openxmlformats.org/officeDocument/2006/relationships" xmlns:p="http://schemas.openxmlformats.org/presentationml/2006/main">
+  <p:cSld>
+    <p:spTree>
+      <p:nvGrpSpPr>
+        <p:cNvPr id="1" name=""/>
+        <p:cNvGrpSpPr/>
+        <p:nvPr/>
+      </p:nvGrpSpPr>
+      <p:grpSpPr>
+        <a:xfrm>
+          <a:off x="0" y="0"/>
+          <a:ext cx="0" cy="0"/>
+          <a:chOff x="0" y="0"/>
+          <a:chExt cx="0" cy="0"/>
+        </a:xfrm>
+      </p:grpSpPr>
+      <p:sp>
+        <p:nvSpPr>
+          <p:cNvPr id="2" name="Título 1">
+            <a:extLst>
+              <a:ext uri="{FF2B5EF4-FFF2-40B4-BE49-F238E27FC236}">
+                <a16:creationId xmlns:a16="http://schemas.microsoft.com/office/drawing/2014/main" id="{8DA03B8B-503C-2AD5-0C58-C6F2AD684972}"/>
+              </a:ext>
+            </a:extLst>
+          </p:cNvPr>
+          <p:cNvSpPr>
+            <a:spLocks noGrp="1"/>
+          </p:cNvSpPr>
+          <p:nvPr>
+            <p:ph type="title"/>
+          </p:nvPr>
+        </p:nvSpPr>
+        <p:spPr/>
+        <p:txBody>
+          <a:bodyPr/>
+          <a:lstStyle/>
+          <a:p>
+            <a:r>
+              <a:rPr lang="en-US" b="1" dirty="0">
+                <a:latin typeface="Times New Roman" panose="02020603050405020304" pitchFamily="18" charset="0"/>
+                <a:ea typeface="Aptos" panose="020B0004020202020204" pitchFamily="34" charset="0"/>
+              </a:rPr>
+              <a:t>T</a:t>
+            </a:r>
+            <a:r>
+              <a:rPr lang="en-US" sz="6600" b="1" dirty="0">
+                <a:effectLst/>
+                <a:latin typeface="Times New Roman" panose="02020603050405020304" pitchFamily="18" charset="0"/>
+                <a:ea typeface="Aptos" panose="020B0004020202020204" pitchFamily="34" charset="0"/>
+              </a:rPr>
+              <a:t>he efficiency assessment of the Spanish educational sector</a:t>
+            </a:r>
+            <a:endParaRPr lang="en-GB" dirty="0"/>
+          </a:p>
+        </p:txBody>
+      </p:sp>
+      <p:sp>
+        <p:nvSpPr>
+          <p:cNvPr id="4" name="Marcador de pie de página 3">
+            <a:extLst>
+              <a:ext uri="{FF2B5EF4-FFF2-40B4-BE49-F238E27FC236}">
+                <a16:creationId xmlns:a16="http://schemas.microsoft.com/office/drawing/2014/main" id="{87703923-EE12-C293-D06F-AFF34520FABA}"/>
+              </a:ext>
+            </a:extLst>
+          </p:cNvPr>
+          <p:cNvSpPr>
+            <a:spLocks noGrp="1"/>
+          </p:cNvSpPr>
+          <p:nvPr>
+            <p:ph type="ftr" sz="quarter" idx="11"/>
+          </p:nvPr>
+        </p:nvSpPr>
+        <p:spPr/>
+        <p:txBody>
+          <a:bodyPr/>
+          <a:lstStyle/>
+          <a:p>
+            <a:pPr algn="ctr">
+              <a:lnSpc>
+                <a:spcPct val="150000"/>
+              </a:lnSpc>
+              <a:spcAft>
+                <a:spcPts val="800"/>
+              </a:spcAft>
+            </a:pPr>
+            <a:r>
+              <a:rPr lang="en-US" sz="1800" b="1" kern="100" dirty="0">
+                <a:effectLst/>
+                <a:latin typeface="Times New Roman" panose="02020603050405020304" pitchFamily="18" charset="0"/>
+                <a:ea typeface="Aptos" panose="020B0004020202020204" pitchFamily="34" charset="0"/>
+                <a:cs typeface="Times New Roman" panose="02020603050405020304" pitchFamily="18" charset="0"/>
+              </a:rPr>
+              <a:t>A novel approach for efficiency evaluation through the integration of standard Machine Learning classification models and Data Envelopment Analysis</a:t>
+            </a:r>
+            <a:endParaRPr lang="es-ES" sz="1600" kern="100" dirty="0">
+              <a:effectLst/>
+              <a:latin typeface="Times New Roman" panose="02020603050405020304" pitchFamily="18" charset="0"/>
+              <a:ea typeface="Aptos" panose="020B0004020202020204" pitchFamily="34" charset="0"/>
+              <a:cs typeface="Times New Roman" panose="02020603050405020304" pitchFamily="18" charset="0"/>
+            </a:endParaRPr>
+          </a:p>
+        </p:txBody>
+      </p:sp>
+      <p:sp>
+        <p:nvSpPr>
+          <p:cNvPr id="5" name="Marcador de número de diapositiva 4">
+            <a:extLst>
+              <a:ext uri="{FF2B5EF4-FFF2-40B4-BE49-F238E27FC236}">
+                <a16:creationId xmlns:a16="http://schemas.microsoft.com/office/drawing/2014/main" id="{0C3F2C01-39A2-4C46-9D03-67A37C26B66E}"/>
+              </a:ext>
+            </a:extLst>
+          </p:cNvPr>
+          <p:cNvSpPr>
+            <a:spLocks noGrp="1"/>
+          </p:cNvSpPr>
+          <p:nvPr>
+            <p:ph type="sldNum" sz="quarter" idx="12"/>
+          </p:nvPr>
+        </p:nvSpPr>
+        <p:spPr/>
+        <p:txBody>
+          <a:bodyPr/>
+          <a:lstStyle/>
+          <a:p>
+            <a:fld id="{DBFF9636-A71C-488A-89F8-02E08556F10C}" type="slidenum">
+              <a:rPr lang="es-ES" smtClean="0"/>
+              <a:pPr/>
+              <a:t>31</a:t>
             </a:fld>
             <a:endParaRPr lang="es-ES" dirty="0"/>
           </a:p>
@@ -35355,7 +35743,7 @@
 </p:sld>
 </file>
 
-<file path=ppt/slides/slide31.xml><?xml version="1.0" encoding="utf-8"?>
+<file path=ppt/slides/slide32.xml><?xml version="1.0" encoding="utf-8"?>
 <p:sld xmlns:a="http://schemas.openxmlformats.org/drawingml/2006/main" xmlns:r="http://schemas.openxmlformats.org/officeDocument/2006/relationships" xmlns:p="http://schemas.openxmlformats.org/presentationml/2006/main">
   <p:cSld>
     <p:spTree>
@@ -35483,7 +35871,7 @@
             <a:fld id="{DBFF9636-A71C-488A-89F8-02E08556F10C}" type="slidenum">
               <a:rPr lang="es-ES" smtClean="0"/>
               <a:pPr/>
-              <a:t>31</a:t>
+              <a:t>32</a:t>
             </a:fld>
             <a:endParaRPr lang="es-ES" dirty="0"/>
           </a:p>
@@ -37591,7 +37979,7 @@
 </p:sld>
 </file>
 
-<file path=ppt/slides/slide32.xml><?xml version="1.0" encoding="utf-8"?>
+<file path=ppt/slides/slide33.xml><?xml version="1.0" encoding="utf-8"?>
 <p:sld xmlns:a="http://schemas.openxmlformats.org/drawingml/2006/main" xmlns:r="http://schemas.openxmlformats.org/officeDocument/2006/relationships" xmlns:p="http://schemas.openxmlformats.org/presentationml/2006/main">
   <p:cSld>
     <p:spTree>
@@ -37719,7 +38107,7 @@
             <a:fld id="{DBFF9636-A71C-488A-89F8-02E08556F10C}" type="slidenum">
               <a:rPr lang="es-ES" smtClean="0"/>
               <a:pPr/>
-              <a:t>32</a:t>
+              <a:t>33</a:t>
             </a:fld>
             <a:endParaRPr lang="es-ES" dirty="0"/>
           </a:p>
@@ -38388,7 +38776,7 @@
 </p:sld>
 </file>
 
-<file path=ppt/slides/slide33.xml><?xml version="1.0" encoding="utf-8"?>
+<file path=ppt/slides/slide34.xml><?xml version="1.0" encoding="utf-8"?>
 <p:sld xmlns:a="http://schemas.openxmlformats.org/drawingml/2006/main" xmlns:r="http://schemas.openxmlformats.org/officeDocument/2006/relationships" xmlns:p="http://schemas.openxmlformats.org/presentationml/2006/main">
   <p:cSld>
     <p:spTree>
@@ -38485,7 +38873,7 @@
             <a:fld id="{DBFF9636-A71C-488A-89F8-02E08556F10C}" type="slidenum">
               <a:rPr lang="es-ES" smtClean="0"/>
               <a:pPr/>
-              <a:t>33</a:t>
+              <a:t>34</a:t>
             </a:fld>
             <a:endParaRPr lang="es-ES" dirty="0"/>
           </a:p>
@@ -38556,7 +38944,7 @@
 </p:sld>
 </file>
 
-<file path=ppt/slides/slide34.xml><?xml version="1.0" encoding="utf-8"?>
+<file path=ppt/slides/slide35.xml><?xml version="1.0" encoding="utf-8"?>
 <p:sld xmlns:a="http://schemas.openxmlformats.org/drawingml/2006/main" xmlns:r="http://schemas.openxmlformats.org/officeDocument/2006/relationships" xmlns:p="http://schemas.openxmlformats.org/presentationml/2006/main">
   <p:cSld>
     <p:spTree>
@@ -38625,7 +39013,7 @@
             <a:fld id="{DBFF9636-A71C-488A-89F8-02E08556F10C}" type="slidenum">
               <a:rPr lang="es-ES" smtClean="0"/>
               <a:pPr/>
-              <a:t>34</a:t>
+              <a:t>35</a:t>
             </a:fld>
             <a:endParaRPr lang="es-ES" dirty="0"/>
           </a:p>
@@ -38977,7 +39365,7 @@
 </p:sld>
 </file>
 
-<file path=ppt/slides/slide35.xml><?xml version="1.0" encoding="utf-8"?>
+<file path=ppt/slides/slide36.xml><?xml version="1.0" encoding="utf-8"?>
 <p:sld xmlns:a="http://schemas.openxmlformats.org/drawingml/2006/main" xmlns:r="http://schemas.openxmlformats.org/officeDocument/2006/relationships" xmlns:p="http://schemas.openxmlformats.org/presentationml/2006/main">
   <p:cSld>
     <p:spTree>

--- a/articulo 1 XAI/Apuntes/Sensitivity analysis/Presentación SA.pptx
+++ b/articulo 1 XAI/Apuntes/Sensitivity analysis/Presentación SA.pptx
@@ -5,7 +5,7 @@
     <p:sldMasterId id="2147483660" r:id="rId1"/>
   </p:sldMasterIdLst>
   <p:notesMasterIdLst>
-    <p:notesMasterId r:id="rId42"/>
+    <p:notesMasterId r:id="rId46"/>
   </p:notesMasterIdLst>
   <p:sldIdLst>
     <p:sldId id="303" r:id="rId2"/>
@@ -45,30 +45,34 @@
     <p:sldId id="375" r:id="rId36"/>
     <p:sldId id="376" r:id="rId37"/>
     <p:sldId id="377" r:id="rId38"/>
-    <p:sldId id="299" r:id="rId39"/>
-    <p:sldId id="300" r:id="rId40"/>
-    <p:sldId id="308" r:id="rId41"/>
+    <p:sldId id="378" r:id="rId39"/>
+    <p:sldId id="379" r:id="rId40"/>
+    <p:sldId id="380" r:id="rId41"/>
+    <p:sldId id="382" r:id="rId42"/>
+    <p:sldId id="299" r:id="rId43"/>
+    <p:sldId id="300" r:id="rId44"/>
+    <p:sldId id="308" r:id="rId45"/>
   </p:sldIdLst>
   <p:sldSz cx="18288000" cy="10288588"/>
   <p:notesSz cx="6858000" cy="9144000"/>
   <p:embeddedFontLst>
     <p:embeddedFont>
       <p:font typeface="Cambria Math" panose="02040503050406030204" pitchFamily="18" charset="0"/>
-      <p:regular r:id="rId43"/>
+      <p:regular r:id="rId47"/>
     </p:embeddedFont>
     <p:embeddedFont>
       <p:font typeface="Candara" panose="020E0502030303020204" pitchFamily="34" charset="0"/>
-      <p:regular r:id="rId44"/>
-      <p:bold r:id="rId45"/>
-      <p:italic r:id="rId46"/>
-      <p:boldItalic r:id="rId47"/>
-    </p:embeddedFont>
-    <p:embeddedFont>
-      <p:font typeface="DIN" panose="020B0604020202020204" charset="0"/>
       <p:regular r:id="rId48"/>
       <p:bold r:id="rId49"/>
       <p:italic r:id="rId50"/>
       <p:boldItalic r:id="rId51"/>
+    </p:embeddedFont>
+    <p:embeddedFont>
+      <p:font typeface="DIN" panose="020B0604020202020204" charset="0"/>
+      <p:regular r:id="rId52"/>
+      <p:bold r:id="rId53"/>
+      <p:italic r:id="rId54"/>
+      <p:boldItalic r:id="rId55"/>
     </p:embeddedFont>
   </p:embeddedFontLst>
   <p:defaultTextStyle>
@@ -185,7 +189,7 @@
 <file path=ppt/revisionInfo.xml><?xml version="1.0" encoding="utf-8"?>
 <p1510:revInfo xmlns:a="http://schemas.openxmlformats.org/drawingml/2006/main" xmlns:r="http://schemas.openxmlformats.org/officeDocument/2006/relationships" xmlns:p1510="http://schemas.microsoft.com/office/powerpoint/2015/10/main">
   <p1510:revLst>
-    <p1510:client id="{30CCF742-B2BE-461F-9F48-7083068267CA}" v="1428" dt="2024-10-18T11:22:56.939"/>
+    <p1510:client id="{30CCF742-B2BE-461F-9F48-7083068267CA}" v="2094" dt="2024-10-21T15:43:27.832"/>
   </p1510:revLst>
 </p1510:revInfo>
 </file>
@@ -302,8 +306,8 @@
   </pc:docChgLst>
   <pc:docChgLst>
     <pc:chgData name="Gonzalez Moyano, Ricardo" userId="5b44e8b1-3a70-41c8-8d8a-36b87a296b66" providerId="ADAL" clId="{30CCF742-B2BE-461F-9F48-7083068267CA}"/>
-    <pc:docChg chg="undo custSel addSld delSld modSld sldOrd">
-      <pc:chgData name="Gonzalez Moyano, Ricardo" userId="5b44e8b1-3a70-41c8-8d8a-36b87a296b66" providerId="ADAL" clId="{30CCF742-B2BE-461F-9F48-7083068267CA}" dt="2024-10-18T11:23:34.756" v="4716" actId="20577"/>
+    <pc:docChg chg="undo redo custSel addSld delSld modSld sldOrd">
+      <pc:chgData name="Gonzalez Moyano, Ricardo" userId="5b44e8b1-3a70-41c8-8d8a-36b87a296b66" providerId="ADAL" clId="{30CCF742-B2BE-461F-9F48-7083068267CA}" dt="2024-10-21T15:43:27.832" v="6612"/>
       <pc:docMkLst>
         <pc:docMk/>
       </pc:docMkLst>
@@ -354,11 +358,19 @@
         </pc:spChg>
       </pc:sldChg>
       <pc:sldChg chg="modSp mod">
-        <pc:chgData name="Gonzalez Moyano, Ricardo" userId="5b44e8b1-3a70-41c8-8d8a-36b87a296b66" providerId="ADAL" clId="{30CCF742-B2BE-461F-9F48-7083068267CA}" dt="2024-09-20T11:18:08.445" v="271"/>
+        <pc:chgData name="Gonzalez Moyano, Ricardo" userId="5b44e8b1-3a70-41c8-8d8a-36b87a296b66" providerId="ADAL" clId="{30CCF742-B2BE-461F-9F48-7083068267CA}" dt="2024-10-21T14:40:07.062" v="6517"/>
         <pc:sldMkLst>
           <pc:docMk/>
           <pc:sldMk cId="392837780" sldId="263"/>
         </pc:sldMkLst>
+        <pc:spChg chg="mod">
+          <ac:chgData name="Gonzalez Moyano, Ricardo" userId="5b44e8b1-3a70-41c8-8d8a-36b87a296b66" providerId="ADAL" clId="{30CCF742-B2BE-461F-9F48-7083068267CA}" dt="2024-10-21T14:40:07.062" v="6517"/>
+          <ac:spMkLst>
+            <pc:docMk/>
+            <pc:sldMk cId="392837780" sldId="263"/>
+            <ac:spMk id="3" creationId="{92AD0A21-745E-4A0B-93F3-9909AF99A29B}"/>
+          </ac:spMkLst>
+        </pc:spChg>
         <pc:spChg chg="mod">
           <ac:chgData name="Gonzalez Moyano, Ricardo" userId="5b44e8b1-3a70-41c8-8d8a-36b87a296b66" providerId="ADAL" clId="{30CCF742-B2BE-461F-9F48-7083068267CA}" dt="2024-09-20T11:18:08.445" v="271"/>
           <ac:spMkLst>
@@ -392,6 +404,72 @@
         </pc:spChg>
       </pc:sldChg>
       <pc:sldChg chg="modSp mod">
+        <pc:chgData name="Gonzalez Moyano, Ricardo" userId="5b44e8b1-3a70-41c8-8d8a-36b87a296b66" providerId="ADAL" clId="{30CCF742-B2BE-461F-9F48-7083068267CA}" dt="2024-10-21T14:53:25.388" v="6584"/>
+        <pc:sldMkLst>
+          <pc:docMk/>
+          <pc:sldMk cId="4150142494" sldId="299"/>
+        </pc:sldMkLst>
+        <pc:spChg chg="mod">
+          <ac:chgData name="Gonzalez Moyano, Ricardo" userId="5b44e8b1-3a70-41c8-8d8a-36b87a296b66" providerId="ADAL" clId="{30CCF742-B2BE-461F-9F48-7083068267CA}" dt="2024-10-21T14:53:05.500" v="6583" actId="20577"/>
+          <ac:spMkLst>
+            <pc:docMk/>
+            <pc:sldMk cId="4150142494" sldId="299"/>
+            <ac:spMk id="3" creationId="{0007DEAC-7696-4173-A148-816E4E3A13EC}"/>
+          </ac:spMkLst>
+        </pc:spChg>
+        <pc:spChg chg="mod">
+          <ac:chgData name="Gonzalez Moyano, Ricardo" userId="5b44e8b1-3a70-41c8-8d8a-36b87a296b66" providerId="ADAL" clId="{30CCF742-B2BE-461F-9F48-7083068267CA}" dt="2024-10-21T14:53:25.388" v="6584"/>
+          <ac:spMkLst>
+            <pc:docMk/>
+            <pc:sldMk cId="4150142494" sldId="299"/>
+            <ac:spMk id="8" creationId="{753E6566-2BAD-B1B0-3212-B01DCE02F350}"/>
+          </ac:spMkLst>
+        </pc:spChg>
+      </pc:sldChg>
+      <pc:sldChg chg="modSp mod modCm">
+        <pc:chgData name="Gonzalez Moyano, Ricardo" userId="5b44e8b1-3a70-41c8-8d8a-36b87a296b66" providerId="ADAL" clId="{30CCF742-B2BE-461F-9F48-7083068267CA}" dt="2024-10-21T14:53:36.832" v="6585"/>
+        <pc:sldMkLst>
+          <pc:docMk/>
+          <pc:sldMk cId="1283365971" sldId="300"/>
+        </pc:sldMkLst>
+        <pc:spChg chg="mod">
+          <ac:chgData name="Gonzalez Moyano, Ricardo" userId="5b44e8b1-3a70-41c8-8d8a-36b87a296b66" providerId="ADAL" clId="{30CCF742-B2BE-461F-9F48-7083068267CA}" dt="2024-10-21T14:43:29.612" v="6519" actId="20577"/>
+          <ac:spMkLst>
+            <pc:docMk/>
+            <pc:sldMk cId="1283365971" sldId="300"/>
+            <ac:spMk id="2" creationId="{7F54F64B-6833-45E8-996B-E75CA3ABD804}"/>
+          </ac:spMkLst>
+        </pc:spChg>
+        <pc:spChg chg="mod">
+          <ac:chgData name="Gonzalez Moyano, Ricardo" userId="5b44e8b1-3a70-41c8-8d8a-36b87a296b66" providerId="ADAL" clId="{30CCF742-B2BE-461F-9F48-7083068267CA}" dt="2024-10-21T14:53:36.832" v="6585"/>
+          <ac:spMkLst>
+            <pc:docMk/>
+            <pc:sldMk cId="1283365971" sldId="300"/>
+            <ac:spMk id="3" creationId="{80BBB3D9-5F9C-FC36-9373-4237C172A6CC}"/>
+          </ac:spMkLst>
+        </pc:spChg>
+        <pc:spChg chg="mod">
+          <ac:chgData name="Gonzalez Moyano, Ricardo" userId="5b44e8b1-3a70-41c8-8d8a-36b87a296b66" providerId="ADAL" clId="{30CCF742-B2BE-461F-9F48-7083068267CA}" dt="2024-10-21T14:40:22.124" v="6518" actId="20577"/>
+          <ac:spMkLst>
+            <pc:docMk/>
+            <pc:sldMk cId="1283365971" sldId="300"/>
+            <ac:spMk id="13" creationId="{30D806A7-4CE4-4BDE-8B99-809F5475C089}"/>
+          </ac:spMkLst>
+        </pc:spChg>
+        <pc:extLst>
+          <p:ext xmlns:p="http://schemas.openxmlformats.org/presentationml/2006/main" uri="{D6D511B9-2390-475A-947B-AFAB55BFBCF1}">
+            <pc226:cmChg xmlns:pc226="http://schemas.microsoft.com/office/powerpoint/2022/06/main/command" chg="mod">
+              <pc226:chgData name="Gonzalez Moyano, Ricardo" userId="5b44e8b1-3a70-41c8-8d8a-36b87a296b66" providerId="ADAL" clId="{30CCF742-B2BE-461F-9F48-7083068267CA}" dt="2024-10-21T14:43:29.612" v="6519" actId="20577"/>
+              <pc2:cmMkLst xmlns:pc2="http://schemas.microsoft.com/office/powerpoint/2019/9/main/command">
+                <pc:docMk/>
+                <pc:sldMk cId="1283365971" sldId="300"/>
+                <pc2:cmMk id="{C0F5775A-30F7-47B9-AEE2-D4BD5EA5D74E}"/>
+              </pc2:cmMkLst>
+            </pc226:cmChg>
+          </p:ext>
+        </pc:extLst>
+      </pc:sldChg>
+      <pc:sldChg chg="modSp mod">
         <pc:chgData name="Gonzalez Moyano, Ricardo" userId="5b44e8b1-3a70-41c8-8d8a-36b87a296b66" providerId="ADAL" clId="{30CCF742-B2BE-461F-9F48-7083068267CA}" dt="2024-09-20T11:17:59.444" v="270" actId="6549"/>
         <pc:sldMkLst>
           <pc:docMk/>
@@ -419,6 +497,21 @@
             <pc:docMk/>
             <pc:sldMk cId="988178610" sldId="303"/>
             <ac:spMk id="4" creationId="{348D9ADA-7FA7-468D-857D-E19B2AC411FF}"/>
+          </ac:spMkLst>
+        </pc:spChg>
+      </pc:sldChg>
+      <pc:sldChg chg="modSp mod">
+        <pc:chgData name="Gonzalez Moyano, Ricardo" userId="5b44e8b1-3a70-41c8-8d8a-36b87a296b66" providerId="ADAL" clId="{30CCF742-B2BE-461F-9F48-7083068267CA}" dt="2024-10-21T07:31:25.571" v="4784" actId="313"/>
+        <pc:sldMkLst>
+          <pc:docMk/>
+          <pc:sldMk cId="3071165109" sldId="306"/>
+        </pc:sldMkLst>
+        <pc:spChg chg="mod">
+          <ac:chgData name="Gonzalez Moyano, Ricardo" userId="5b44e8b1-3a70-41c8-8d8a-36b87a296b66" providerId="ADAL" clId="{30CCF742-B2BE-461F-9F48-7083068267CA}" dt="2024-10-21T07:31:25.571" v="4784" actId="313"/>
+          <ac:spMkLst>
+            <pc:docMk/>
+            <pc:sldMk cId="3071165109" sldId="306"/>
+            <ac:spMk id="3" creationId="{36619A00-8555-1F56-5114-7E37288780D1}"/>
           </ac:spMkLst>
         </pc:spChg>
       </pc:sldChg>
@@ -562,7 +655,7 @@
         </pc:sldMkLst>
       </pc:sldChg>
       <pc:sldChg chg="modSp add mod">
-        <pc:chgData name="Gonzalez Moyano, Ricardo" userId="5b44e8b1-3a70-41c8-8d8a-36b87a296b66" providerId="ADAL" clId="{30CCF742-B2BE-461F-9F48-7083068267CA}" dt="2024-09-27T08:32:15.214" v="779" actId="20577"/>
+        <pc:chgData name="Gonzalez Moyano, Ricardo" userId="5b44e8b1-3a70-41c8-8d8a-36b87a296b66" providerId="ADAL" clId="{30CCF742-B2BE-461F-9F48-7083068267CA}" dt="2024-10-21T14:38:28.469" v="6510" actId="13926"/>
         <pc:sldMkLst>
           <pc:docMk/>
           <pc:sldMk cId="613830064" sldId="344"/>
@@ -576,7 +669,7 @@
           </ac:spMkLst>
         </pc:spChg>
         <pc:spChg chg="mod">
-          <ac:chgData name="Gonzalez Moyano, Ricardo" userId="5b44e8b1-3a70-41c8-8d8a-36b87a296b66" providerId="ADAL" clId="{30CCF742-B2BE-461F-9F48-7083068267CA}" dt="2024-09-27T08:32:15.214" v="779" actId="20577"/>
+          <ac:chgData name="Gonzalez Moyano, Ricardo" userId="5b44e8b1-3a70-41c8-8d8a-36b87a296b66" providerId="ADAL" clId="{30CCF742-B2BE-461F-9F48-7083068267CA}" dt="2024-10-21T14:38:28.469" v="6510" actId="13926"/>
           <ac:spMkLst>
             <pc:docMk/>
             <pc:sldMk cId="613830064" sldId="344"/>
@@ -2609,35 +2702,193 @@
           </ac:spMkLst>
         </pc:spChg>
       </pc:sldChg>
+      <pc:sldChg chg="modSp mod">
+        <pc:chgData name="Gonzalez Moyano, Ricardo" userId="5b44e8b1-3a70-41c8-8d8a-36b87a296b66" providerId="ADAL" clId="{30CCF742-B2BE-461F-9F48-7083068267CA}" dt="2024-10-21T13:23:25.946" v="6318" actId="20577"/>
+        <pc:sldMkLst>
+          <pc:docMk/>
+          <pc:sldMk cId="1950722271" sldId="375"/>
+        </pc:sldMkLst>
+        <pc:spChg chg="mod">
+          <ac:chgData name="Gonzalez Moyano, Ricardo" userId="5b44e8b1-3a70-41c8-8d8a-36b87a296b66" providerId="ADAL" clId="{30CCF742-B2BE-461F-9F48-7083068267CA}" dt="2024-10-21T07:31:43.576" v="4807" actId="20577"/>
+          <ac:spMkLst>
+            <pc:docMk/>
+            <pc:sldMk cId="1950722271" sldId="375"/>
+            <ac:spMk id="2" creationId="{EFA3559C-B19D-7748-9F2B-B49DF3937433}"/>
+          </ac:spMkLst>
+        </pc:spChg>
+        <pc:spChg chg="mod">
+          <ac:chgData name="Gonzalez Moyano, Ricardo" userId="5b44e8b1-3a70-41c8-8d8a-36b87a296b66" providerId="ADAL" clId="{30CCF742-B2BE-461F-9F48-7083068267CA}" dt="2024-10-21T13:23:25.946" v="6318" actId="20577"/>
+          <ac:spMkLst>
+            <pc:docMk/>
+            <pc:sldMk cId="1950722271" sldId="375"/>
+            <ac:spMk id="3" creationId="{F89BA901-1B4F-C4CC-10E3-603EDC15B188}"/>
+          </ac:spMkLst>
+        </pc:spChg>
+      </pc:sldChg>
+      <pc:sldChg chg="modSp mod">
+        <pc:chgData name="Gonzalez Moyano, Ricardo" userId="5b44e8b1-3a70-41c8-8d8a-36b87a296b66" providerId="ADAL" clId="{30CCF742-B2BE-461F-9F48-7083068267CA}" dt="2024-10-21T13:12:00.906" v="6315" actId="20577"/>
+        <pc:sldMkLst>
+          <pc:docMk/>
+          <pc:sldMk cId="3042213643" sldId="376"/>
+        </pc:sldMkLst>
+        <pc:spChg chg="mod">
+          <ac:chgData name="Gonzalez Moyano, Ricardo" userId="5b44e8b1-3a70-41c8-8d8a-36b87a296b66" providerId="ADAL" clId="{30CCF742-B2BE-461F-9F48-7083068267CA}" dt="2024-10-21T07:31:50.148" v="4810"/>
+          <ac:spMkLst>
+            <pc:docMk/>
+            <pc:sldMk cId="3042213643" sldId="376"/>
+            <ac:spMk id="2" creationId="{EFA3559C-B19D-7748-9F2B-B49DF3937433}"/>
+          </ac:spMkLst>
+        </pc:spChg>
+        <pc:spChg chg="mod">
+          <ac:chgData name="Gonzalez Moyano, Ricardo" userId="5b44e8b1-3a70-41c8-8d8a-36b87a296b66" providerId="ADAL" clId="{30CCF742-B2BE-461F-9F48-7083068267CA}" dt="2024-10-21T13:12:00.906" v="6315" actId="20577"/>
+          <ac:spMkLst>
+            <pc:docMk/>
+            <pc:sldMk cId="3042213643" sldId="376"/>
+            <ac:spMk id="3" creationId="{F89BA901-1B4F-C4CC-10E3-603EDC15B188}"/>
+          </ac:spMkLst>
+        </pc:spChg>
+      </pc:sldChg>
+      <pc:sldChg chg="modSp mod">
+        <pc:chgData name="Gonzalez Moyano, Ricardo" userId="5b44e8b1-3a70-41c8-8d8a-36b87a296b66" providerId="ADAL" clId="{30CCF742-B2BE-461F-9F48-7083068267CA}" dt="2024-10-21T07:31:55.810" v="4813"/>
+        <pc:sldMkLst>
+          <pc:docMk/>
+          <pc:sldMk cId="2990858183" sldId="377"/>
+        </pc:sldMkLst>
+        <pc:spChg chg="mod">
+          <ac:chgData name="Gonzalez Moyano, Ricardo" userId="5b44e8b1-3a70-41c8-8d8a-36b87a296b66" providerId="ADAL" clId="{30CCF742-B2BE-461F-9F48-7083068267CA}" dt="2024-10-21T07:31:55.810" v="4813"/>
+          <ac:spMkLst>
+            <pc:docMk/>
+            <pc:sldMk cId="2990858183" sldId="377"/>
+            <ac:spMk id="2" creationId="{EFA3559C-B19D-7748-9F2B-B49DF3937433}"/>
+          </ac:spMkLst>
+        </pc:spChg>
+        <pc:spChg chg="mod">
+          <ac:chgData name="Gonzalez Moyano, Ricardo" userId="5b44e8b1-3a70-41c8-8d8a-36b87a296b66" providerId="ADAL" clId="{30CCF742-B2BE-461F-9F48-7083068267CA}" dt="2024-10-21T07:13:01.563" v="4783" actId="20577"/>
+          <ac:spMkLst>
+            <pc:docMk/>
+            <pc:sldMk cId="2990858183" sldId="377"/>
+            <ac:spMk id="3" creationId="{F89BA901-1B4F-C4CC-10E3-603EDC15B188}"/>
+          </ac:spMkLst>
+        </pc:spChg>
+      </pc:sldChg>
+      <pc:sldChg chg="modSp add mod">
+        <pc:chgData name="Gonzalez Moyano, Ricardo" userId="5b44e8b1-3a70-41c8-8d8a-36b87a296b66" providerId="ADAL" clId="{30CCF742-B2BE-461F-9F48-7083068267CA}" dt="2024-10-21T07:39:21.592" v="5247" actId="20577"/>
+        <pc:sldMkLst>
+          <pc:docMk/>
+          <pc:sldMk cId="98482474" sldId="378"/>
+        </pc:sldMkLst>
+        <pc:spChg chg="mod">
+          <ac:chgData name="Gonzalez Moyano, Ricardo" userId="5b44e8b1-3a70-41c8-8d8a-36b87a296b66" providerId="ADAL" clId="{30CCF742-B2BE-461F-9F48-7083068267CA}" dt="2024-10-21T07:32:16.297" v="4856" actId="20577"/>
+          <ac:spMkLst>
+            <pc:docMk/>
+            <pc:sldMk cId="98482474" sldId="378"/>
+            <ac:spMk id="2" creationId="{EFA3559C-B19D-7748-9F2B-B49DF3937433}"/>
+          </ac:spMkLst>
+        </pc:spChg>
+        <pc:spChg chg="mod">
+          <ac:chgData name="Gonzalez Moyano, Ricardo" userId="5b44e8b1-3a70-41c8-8d8a-36b87a296b66" providerId="ADAL" clId="{30CCF742-B2BE-461F-9F48-7083068267CA}" dt="2024-10-21T07:39:21.592" v="5247" actId="20577"/>
+          <ac:spMkLst>
+            <pc:docMk/>
+            <pc:sldMk cId="98482474" sldId="378"/>
+            <ac:spMk id="3" creationId="{F89BA901-1B4F-C4CC-10E3-603EDC15B188}"/>
+          </ac:spMkLst>
+        </pc:spChg>
+      </pc:sldChg>
+      <pc:sldChg chg="modSp add mod">
+        <pc:chgData name="Gonzalez Moyano, Ricardo" userId="5b44e8b1-3a70-41c8-8d8a-36b87a296b66" providerId="ADAL" clId="{30CCF742-B2BE-461F-9F48-7083068267CA}" dt="2024-10-21T13:28:49.365" v="6319"/>
+        <pc:sldMkLst>
+          <pc:docMk/>
+          <pc:sldMk cId="3248278169" sldId="379"/>
+        </pc:sldMkLst>
+        <pc:spChg chg="mod">
+          <ac:chgData name="Gonzalez Moyano, Ricardo" userId="5b44e8b1-3a70-41c8-8d8a-36b87a296b66" providerId="ADAL" clId="{30CCF742-B2BE-461F-9F48-7083068267CA}" dt="2024-10-21T13:28:49.365" v="6319"/>
+          <ac:spMkLst>
+            <pc:docMk/>
+            <pc:sldMk cId="3248278169" sldId="379"/>
+            <ac:spMk id="3" creationId="{F89BA901-1B4F-C4CC-10E3-603EDC15B188}"/>
+          </ac:spMkLst>
+        </pc:spChg>
+      </pc:sldChg>
+      <pc:sldChg chg="addSp delSp modSp add mod">
+        <pc:chgData name="Gonzalez Moyano, Ricardo" userId="5b44e8b1-3a70-41c8-8d8a-36b87a296b66" providerId="ADAL" clId="{30CCF742-B2BE-461F-9F48-7083068267CA}" dt="2024-10-21T09:06:12.426" v="6062" actId="20577"/>
+        <pc:sldMkLst>
+          <pc:docMk/>
+          <pc:sldMk cId="340179106" sldId="380"/>
+        </pc:sldMkLst>
+        <pc:spChg chg="mod">
+          <ac:chgData name="Gonzalez Moyano, Ricardo" userId="5b44e8b1-3a70-41c8-8d8a-36b87a296b66" providerId="ADAL" clId="{30CCF742-B2BE-461F-9F48-7083068267CA}" dt="2024-10-21T08:41:55.894" v="5922"/>
+          <ac:spMkLst>
+            <pc:docMk/>
+            <pc:sldMk cId="340179106" sldId="380"/>
+            <ac:spMk id="3" creationId="{F89BA901-1B4F-C4CC-10E3-603EDC15B188}"/>
+          </ac:spMkLst>
+        </pc:spChg>
+        <pc:spChg chg="add mod">
+          <ac:chgData name="Gonzalez Moyano, Ricardo" userId="5b44e8b1-3a70-41c8-8d8a-36b87a296b66" providerId="ADAL" clId="{30CCF742-B2BE-461F-9F48-7083068267CA}" dt="2024-10-21T09:06:12.426" v="6062" actId="20577"/>
+          <ac:spMkLst>
+            <pc:docMk/>
+            <pc:sldMk cId="340179106" sldId="380"/>
+            <ac:spMk id="9" creationId="{9550EDA4-09C7-18CB-BDB4-61A107ED8D94}"/>
+          </ac:spMkLst>
+        </pc:spChg>
+        <pc:picChg chg="add mod">
+          <ac:chgData name="Gonzalez Moyano, Ricardo" userId="5b44e8b1-3a70-41c8-8d8a-36b87a296b66" providerId="ADAL" clId="{30CCF742-B2BE-461F-9F48-7083068267CA}" dt="2024-10-21T09:04:15.052" v="5973" actId="1076"/>
+          <ac:picMkLst>
+            <pc:docMk/>
+            <pc:sldMk cId="340179106" sldId="380"/>
+            <ac:picMk id="7" creationId="{FD4C34C4-31AE-324D-071B-309C29364546}"/>
+          </ac:picMkLst>
+        </pc:picChg>
+        <pc:picChg chg="add del mod">
+          <ac:chgData name="Gonzalez Moyano, Ricardo" userId="5b44e8b1-3a70-41c8-8d8a-36b87a296b66" providerId="ADAL" clId="{30CCF742-B2BE-461F-9F48-7083068267CA}" dt="2024-10-21T09:04:03.283" v="5970" actId="478"/>
+          <ac:picMkLst>
+            <pc:docMk/>
+            <pc:sldMk cId="340179106" sldId="380"/>
+            <ac:picMk id="11" creationId="{C5D2DE91-9042-4EF0-8191-ACD056F62796}"/>
+          </ac:picMkLst>
+        </pc:picChg>
+      </pc:sldChg>
+      <pc:sldChg chg="add del">
+        <pc:chgData name="Gonzalez Moyano, Ricardo" userId="5b44e8b1-3a70-41c8-8d8a-36b87a296b66" providerId="ADAL" clId="{30CCF742-B2BE-461F-9F48-7083068267CA}" dt="2024-10-21T09:06:07.744" v="6060" actId="47"/>
+        <pc:sldMkLst>
+          <pc:docMk/>
+          <pc:sldMk cId="1895670732" sldId="381"/>
+        </pc:sldMkLst>
+      </pc:sldChg>
+      <pc:sldChg chg="addSp delSp modSp add mod">
+        <pc:chgData name="Gonzalez Moyano, Ricardo" userId="5b44e8b1-3a70-41c8-8d8a-36b87a296b66" providerId="ADAL" clId="{30CCF742-B2BE-461F-9F48-7083068267CA}" dt="2024-10-21T15:43:27.832" v="6612"/>
+        <pc:sldMkLst>
+          <pc:docMk/>
+          <pc:sldMk cId="468742201" sldId="382"/>
+        </pc:sldMkLst>
+        <pc:spChg chg="mod">
+          <ac:chgData name="Gonzalez Moyano, Ricardo" userId="5b44e8b1-3a70-41c8-8d8a-36b87a296b66" providerId="ADAL" clId="{30CCF742-B2BE-461F-9F48-7083068267CA}" dt="2024-10-21T15:42:28.587" v="6604"/>
+          <ac:spMkLst>
+            <pc:docMk/>
+            <pc:sldMk cId="468742201" sldId="382"/>
+            <ac:spMk id="3" creationId="{F89BA901-1B4F-C4CC-10E3-603EDC15B188}"/>
+          </ac:spMkLst>
+        </pc:spChg>
+        <pc:graphicFrameChg chg="add mod modGraphic">
+          <ac:chgData name="Gonzalez Moyano, Ricardo" userId="5b44e8b1-3a70-41c8-8d8a-36b87a296b66" providerId="ADAL" clId="{30CCF742-B2BE-461F-9F48-7083068267CA}" dt="2024-10-21T15:43:27.832" v="6612"/>
+          <ac:graphicFrameMkLst>
+            <pc:docMk/>
+            <pc:sldMk cId="468742201" sldId="382"/>
+            <ac:graphicFrameMk id="6" creationId="{651943C3-2AB4-C40C-B801-A19A57B837F9}"/>
+          </ac:graphicFrameMkLst>
+        </pc:graphicFrameChg>
+        <pc:graphicFrameChg chg="add del mod modGraphic">
+          <ac:chgData name="Gonzalez Moyano, Ricardo" userId="5b44e8b1-3a70-41c8-8d8a-36b87a296b66" providerId="ADAL" clId="{30CCF742-B2BE-461F-9F48-7083068267CA}" dt="2024-10-21T14:47:55.656" v="6581" actId="478"/>
+          <ac:graphicFrameMkLst>
+            <pc:docMk/>
+            <pc:sldMk cId="468742201" sldId="382"/>
+            <ac:graphicFrameMk id="7" creationId="{6EAE87C5-486C-249A-D31A-A134617032A7}"/>
+          </ac:graphicFrameMkLst>
+        </pc:graphicFrameChg>
+      </pc:sldChg>
     </pc:docChg>
   </pc:docChgLst>
 </pc:chgInfo>
-</file>
-
-<file path=ppt/comments/modernComment_12C_4C7E9C53.xml><?xml version="1.0" encoding="utf-8"?>
-<p188:cmLst xmlns:a="http://schemas.openxmlformats.org/drawingml/2006/main" xmlns:r="http://schemas.openxmlformats.org/officeDocument/2006/relationships" xmlns:p188="http://schemas.microsoft.com/office/powerpoint/2018/8/main">
-  <p188:cm id="{C0F5775A-30F7-47B9-AEE2-D4BD5EA5D74E}" authorId="{AD82F804-0467-9EE2-E313-87232B6D2DD5}" created="2024-09-06T16:28:32.172">
-    <ac:txMkLst xmlns:ac="http://schemas.microsoft.com/office/drawing/2013/main/command">
-      <pc:docMk xmlns:pc="http://schemas.microsoft.com/office/powerpoint/2013/main/command"/>
-      <pc:sldMk xmlns:pc="http://schemas.microsoft.com/office/powerpoint/2013/main/command" cId="1283365971" sldId="300"/>
-      <ac:spMk id="13" creationId="{30D806A7-4CE4-4BDE-8B99-809F5475C089}"/>
-      <ac:txMk cp="241" len="23">
-        <ac:context len="294" hash="3381222391"/>
-      </ac:txMk>
-    </ac:txMkLst>
-    <p188:pos x="14866076" y="4051062"/>
-    <p188:txBody>
-      <a:bodyPr/>
-      <a:lstStyle/>
-      <a:p>
-        <a:r>
-          <a:rPr lang="es-ES"/>
-          <a:t>Justamente noto que no has comentado nada de esto. Hay que contar cómo calculamos eficiencia técnica aplicando el concepto de XAI y de método contrafactual porque si no, no tiene sentido el título del artículo.</a:t>
-        </a:r>
-      </a:p>
-    </p188:txBody>
-  </p188:cm>
-</p188:cmLst>
 </file>
 
 <file path=ppt/comments/modernComment_15A_B4390D40.xml><?xml version="1.0" encoding="utf-8"?>
@@ -2703,6 +2954,28 @@
         <a:r>
           <a:rPr lang="es-ES"/>
           <a:t>It can be a disadvantage when addresing nominal variables (non-smothing response changes) or random sample mthods (DSA and MSA).</a:t>
+        </a:r>
+      </a:p>
+    </p188:txBody>
+  </p188:cm>
+</p188:cmLst>
+</file>
+
+<file path=ppt/comments/modernComment_17B_C19CCA99.xml><?xml version="1.0" encoding="utf-8"?>
+<p188:cmLst xmlns:a="http://schemas.openxmlformats.org/drawingml/2006/main" xmlns:r="http://schemas.openxmlformats.org/officeDocument/2006/relationships" xmlns:p188="http://schemas.microsoft.com/office/powerpoint/2018/8/main">
+  <p188:cm id="{F0EFC02E-5775-481B-8AB8-E721FF1C6057}" authorId="{EFD86C24-0563-6C2E-921E-16B6C4D373A7}" created="2024-10-21T09:03:18.022">
+    <ac:deMkLst xmlns:ac="http://schemas.microsoft.com/office/drawing/2013/main/command">
+      <pc:docMk xmlns:pc="http://schemas.microsoft.com/office/powerpoint/2013/main/command"/>
+      <pc:sldMk xmlns:pc="http://schemas.microsoft.com/office/powerpoint/2013/main/command" cId="3248278169" sldId="379"/>
+      <ac:spMk id="3" creationId="{F89BA901-1B4F-C4CC-10E3-603EDC15B188}"/>
+    </ac:deMkLst>
+    <p188:txBody>
+      <a:bodyPr/>
+      <a:lstStyle/>
+      <a:p>
+        <a:r>
+          <a:rPr lang="es-ES"/>
+          <a:t>This phenomenon is less likely to occur in classification.</a:t>
         </a:r>
       </a:p>
     </p188:txBody>
@@ -2792,7 +3065,7 @@
           <a:p>
             <a:fld id="{2DB79FB7-5658-4FB3-B98D-B463C580F970}" type="datetimeFigureOut">
               <a:rPr lang="es-ES" smtClean="0"/>
-              <a:t>20/10/2024</a:t>
+              <a:t>21/10/2024</a:t>
             </a:fld>
             <a:endParaRPr lang="es-ES"/>
           </a:p>
@@ -4091,7 +4364,7 @@
           <a:p>
             <a:fld id="{CA6CDE8D-5C8C-4CEB-8086-70F298F6BBD0}" type="slidenum">
               <a:rPr lang="es-ES" smtClean="0"/>
-              <a:t>39</a:t>
+              <a:t>43</a:t>
             </a:fld>
             <a:endParaRPr lang="es-ES"/>
           </a:p>
@@ -22123,7 +22396,7 @@
         <p:spPr/>
         <p:txBody>
           <a:bodyPr anchor="ctr">
-            <a:normAutofit/>
+            <a:normAutofit lnSpcReduction="10000"/>
           </a:bodyPr>
           <a:lstStyle/>
           <a:p>
@@ -22157,7 +22430,7 @@
             </a:pPr>
             <a:r>
               <a:rPr lang="en-AU" sz="4800" dirty="0"/>
-              <a:t>Methodology</a:t>
+              <a:t>Sensitivity Analysis</a:t>
             </a:r>
           </a:p>
           <a:p>
@@ -22174,7 +22447,24 @@
             </a:pPr>
             <a:r>
               <a:rPr lang="en-AU" sz="4800" dirty="0"/>
-              <a:t>An empirical application</a:t>
+              <a:t>Methods of SA</a:t>
+            </a:r>
+          </a:p>
+          <a:p>
+            <a:pPr>
+              <a:lnSpc>
+                <a:spcPct val="150000"/>
+              </a:lnSpc>
+              <a:spcBef>
+                <a:spcPts val="1200"/>
+              </a:spcBef>
+              <a:spcAft>
+                <a:spcPts val="1200"/>
+              </a:spcAft>
+            </a:pPr>
+            <a:r>
+              <a:rPr lang="en-AU" sz="4800" dirty="0"/>
+              <a:t>Sensitivity measures</a:t>
             </a:r>
           </a:p>
           <a:p>
@@ -33110,8 +33400,8 @@
           </a:p>
         </p:txBody>
       </p:sp>
-      <mc:AlternateContent xmlns:mc="http://schemas.openxmlformats.org/markup-compatibility/2006">
-        <mc:Choice xmlns:a14="http://schemas.microsoft.com/office/drawing/2010/main" Requires="a14">
+      <mc:AlternateContent xmlns:mc="http://schemas.openxmlformats.org/markup-compatibility/2006" xmlns:a14="http://schemas.microsoft.com/office/drawing/2010/main">
+        <mc:Choice Requires="a14">
           <p:sp>
             <p:nvSpPr>
               <p:cNvPr id="3" name="Marcador de contenido 2">
@@ -33754,7 +34044,7 @@
             </p:txBody>
           </p:sp>
         </mc:Choice>
-        <mc:Fallback>
+        <mc:Fallback xmlns="">
           <p:sp>
             <p:nvSpPr>
               <p:cNvPr id="3" name="Marcador de contenido 2">
@@ -33947,8 +34237,8 @@
           </a:p>
         </p:txBody>
       </p:sp>
-      <mc:AlternateContent xmlns:mc="http://schemas.openxmlformats.org/markup-compatibility/2006">
-        <mc:Choice xmlns:a14="http://schemas.microsoft.com/office/drawing/2010/main" Requires="a14">
+      <mc:AlternateContent xmlns:mc="http://schemas.openxmlformats.org/markup-compatibility/2006" xmlns:a14="http://schemas.microsoft.com/office/drawing/2010/main">
+        <mc:Choice Requires="a14">
           <p:sp>
             <p:nvSpPr>
               <p:cNvPr id="3" name="Marcador de contenido 2">
@@ -34451,7 +34741,7 @@
             </p:txBody>
           </p:sp>
         </mc:Choice>
-        <mc:Fallback>
+        <mc:Fallback xmlns="">
           <p:sp>
             <p:nvSpPr>
               <p:cNvPr id="3" name="Marcador de contenido 2">
@@ -34683,8 +34973,8 @@
           </p:spPr>
         </p:pic>
       </p:grpSp>
-      <mc:AlternateContent xmlns:mc="http://schemas.openxmlformats.org/markup-compatibility/2006">
-        <mc:Choice xmlns:a14="http://schemas.microsoft.com/office/drawing/2010/main" Requires="a14">
+      <mc:AlternateContent xmlns:mc="http://schemas.openxmlformats.org/markup-compatibility/2006" xmlns:a14="http://schemas.microsoft.com/office/drawing/2010/main">
+        <mc:Choice Requires="a14">
           <p:sp>
             <p:nvSpPr>
               <p:cNvPr id="13" name="CuadroTexto 12">
@@ -34926,7 +35216,7 @@
             </p:txBody>
           </p:sp>
         </mc:Choice>
-        <mc:Fallback>
+        <mc:Fallback xmlns="">
           <p:sp>
             <p:nvSpPr>
               <p:cNvPr id="13" name="CuadroTexto 12">
@@ -35033,8 +35323,8 @@
           </a:p>
         </p:txBody>
       </p:sp>
-      <mc:AlternateContent xmlns:mc="http://schemas.openxmlformats.org/markup-compatibility/2006">
-        <mc:Choice xmlns:a14="http://schemas.microsoft.com/office/drawing/2010/main" Requires="a14">
+      <mc:AlternateContent xmlns:mc="http://schemas.openxmlformats.org/markup-compatibility/2006" xmlns:a14="http://schemas.microsoft.com/office/drawing/2010/main">
+        <mc:Choice Requires="a14">
           <p:sp>
             <p:nvSpPr>
               <p:cNvPr id="3" name="Marcador de contenido 2">
@@ -35818,7 +36108,7 @@
             </p:txBody>
           </p:sp>
         </mc:Choice>
-        <mc:Fallback>
+        <mc:Fallback xmlns="">
           <p:sp>
             <p:nvSpPr>
               <p:cNvPr id="3" name="Marcador de contenido 2">
@@ -36073,7 +36363,30 @@
                 <a:effectLst/>
                 <a:latin typeface="Arial" panose="020B0604020202020204" pitchFamily="34" charset="0"/>
               </a:rPr>
-              <a:t>, M. J. (2013). Using sensitivity analysis and visualization techniques to open black box data mining models. </a:t>
+              <a:t>, M. J. (2013). </a:t>
+            </a:r>
+            <a:r>
+              <a:rPr lang="en-US" sz="1800" b="0" i="0" dirty="0">
+                <a:solidFill>
+                  <a:srgbClr val="222222"/>
+                </a:solidFill>
+                <a:effectLst/>
+                <a:highlight>
+                  <a:srgbClr val="FFFF00"/>
+                </a:highlight>
+                <a:latin typeface="Arial" panose="020B0604020202020204" pitchFamily="34" charset="0"/>
+              </a:rPr>
+              <a:t>Using sensitivity analysis and visualization techniques to open black box data mining models</a:t>
+            </a:r>
+            <a:r>
+              <a:rPr lang="en-US" sz="1800" b="0" i="0" dirty="0">
+                <a:solidFill>
+                  <a:srgbClr val="222222"/>
+                </a:solidFill>
+                <a:effectLst/>
+                <a:latin typeface="Arial" panose="020B0604020202020204" pitchFamily="34" charset="0"/>
+              </a:rPr>
+              <a:t>. </a:t>
             </a:r>
             <a:r>
               <a:rPr lang="en-US" sz="1800" b="0" i="1" dirty="0">
@@ -36251,6 +36564,173 @@
                 <a:hlinkClick r:id="rId4"/>
               </a:rPr>
               <a:t>https://ieeexplore.ieee.org/abstract/document/1532820</a:t>
+            </a:r>
+            <a:endParaRPr lang="en-US" sz="1800" b="0" i="0" dirty="0">
+              <a:solidFill>
+                <a:srgbClr val="222222"/>
+              </a:solidFill>
+              <a:effectLst/>
+              <a:latin typeface="Arial" panose="020B0604020202020204" pitchFamily="34" charset="0"/>
+            </a:endParaRPr>
+          </a:p>
+          <a:p>
+            <a:pPr>
+              <a:lnSpc>
+                <a:spcPct val="150000"/>
+              </a:lnSpc>
+              <a:spcBef>
+                <a:spcPts val="1200"/>
+              </a:spcBef>
+              <a:spcAft>
+                <a:spcPts val="1200"/>
+              </a:spcAft>
+            </a:pPr>
+            <a:r>
+              <a:rPr lang="en-US" sz="1800" b="0" i="0" dirty="0">
+                <a:solidFill>
+                  <a:srgbClr val="222222"/>
+                </a:solidFill>
+                <a:effectLst/>
+                <a:latin typeface="Arial" panose="020B0604020202020204" pitchFamily="34" charset="0"/>
+              </a:rPr>
+              <a:t>Cortez, P., </a:t>
+            </a:r>
+            <a:r>
+              <a:rPr lang="en-US" sz="1800" b="0" i="0" dirty="0" err="1">
+                <a:solidFill>
+                  <a:srgbClr val="222222"/>
+                </a:solidFill>
+                <a:effectLst/>
+                <a:latin typeface="Arial" panose="020B0604020202020204" pitchFamily="34" charset="0"/>
+              </a:rPr>
+              <a:t>Cerdeira</a:t>
+            </a:r>
+            <a:r>
+              <a:rPr lang="en-US" sz="1800" b="0" i="0" dirty="0">
+                <a:solidFill>
+                  <a:srgbClr val="222222"/>
+                </a:solidFill>
+                <a:effectLst/>
+                <a:latin typeface="Arial" panose="020B0604020202020204" pitchFamily="34" charset="0"/>
+              </a:rPr>
+              <a:t>, A., Almeida, F., Matos, T., &amp; Reis, J. (2009). </a:t>
+            </a:r>
+            <a:r>
+              <a:rPr lang="en-US" sz="1800" b="0" i="0" dirty="0">
+                <a:solidFill>
+                  <a:srgbClr val="222222"/>
+                </a:solidFill>
+                <a:effectLst/>
+                <a:highlight>
+                  <a:srgbClr val="FFFF00"/>
+                </a:highlight>
+                <a:latin typeface="Arial" panose="020B0604020202020204" pitchFamily="34" charset="0"/>
+              </a:rPr>
+              <a:t>Modeling wine preferences by data mining from physicochemical properties</a:t>
+            </a:r>
+            <a:r>
+              <a:rPr lang="en-US" sz="1800" b="0" i="0" dirty="0">
+                <a:solidFill>
+                  <a:srgbClr val="222222"/>
+                </a:solidFill>
+                <a:effectLst/>
+                <a:latin typeface="Arial" panose="020B0604020202020204" pitchFamily="34" charset="0"/>
+              </a:rPr>
+              <a:t>. Decision support systems, 47(4), 547-553. </a:t>
+            </a:r>
+            <a:r>
+              <a:rPr lang="en-US" sz="1800" b="0" i="0" dirty="0">
+                <a:solidFill>
+                  <a:srgbClr val="222222"/>
+                </a:solidFill>
+                <a:effectLst/>
+                <a:latin typeface="Arial" panose="020B0604020202020204" pitchFamily="34" charset="0"/>
+                <a:hlinkClick r:id="rId5"/>
+              </a:rPr>
+              <a:t>https://doi.org/10.1016/j.dss.2009.05.016</a:t>
+            </a:r>
+            <a:endParaRPr lang="en-US" sz="1800" dirty="0">
+              <a:solidFill>
+                <a:srgbClr val="222222"/>
+              </a:solidFill>
+              <a:latin typeface="Arial" panose="020B0604020202020204" pitchFamily="34" charset="0"/>
+            </a:endParaRPr>
+          </a:p>
+          <a:p>
+            <a:pPr>
+              <a:lnSpc>
+                <a:spcPct val="150000"/>
+              </a:lnSpc>
+              <a:spcBef>
+                <a:spcPts val="1200"/>
+              </a:spcBef>
+              <a:spcAft>
+                <a:spcPts val="1200"/>
+              </a:spcAft>
+            </a:pPr>
+            <a:r>
+              <a:rPr lang="en-US" sz="1800" b="0" i="0" dirty="0">
+                <a:solidFill>
+                  <a:srgbClr val="222222"/>
+                </a:solidFill>
+                <a:effectLst/>
+                <a:latin typeface="Arial" panose="020B0604020202020204" pitchFamily="34" charset="0"/>
+              </a:rPr>
+              <a:t>Cortez, P., &amp; </a:t>
+            </a:r>
+            <a:r>
+              <a:rPr lang="en-US" sz="1800" b="0" i="0" dirty="0" err="1">
+                <a:solidFill>
+                  <a:srgbClr val="222222"/>
+                </a:solidFill>
+                <a:effectLst/>
+                <a:latin typeface="Arial" panose="020B0604020202020204" pitchFamily="34" charset="0"/>
+              </a:rPr>
+              <a:t>Embrechts</a:t>
+            </a:r>
+            <a:r>
+              <a:rPr lang="en-US" sz="1800" b="0" i="0" dirty="0">
+                <a:solidFill>
+                  <a:srgbClr val="222222"/>
+                </a:solidFill>
+                <a:effectLst/>
+                <a:latin typeface="Arial" panose="020B0604020202020204" pitchFamily="34" charset="0"/>
+              </a:rPr>
+              <a:t>, M. J. (2011, April). </a:t>
+            </a:r>
+            <a:r>
+              <a:rPr lang="en-US" sz="1800" b="0" i="0" dirty="0">
+                <a:solidFill>
+                  <a:srgbClr val="222222"/>
+                </a:solidFill>
+                <a:effectLst/>
+                <a:highlight>
+                  <a:srgbClr val="FFFF00"/>
+                </a:highlight>
+                <a:latin typeface="Arial" panose="020B0604020202020204" pitchFamily="34" charset="0"/>
+              </a:rPr>
+              <a:t>Opening black box data mining models using sensitivity analysis</a:t>
+            </a:r>
+            <a:r>
+              <a:rPr lang="en-US" sz="1800" b="0" i="0" dirty="0">
+                <a:solidFill>
+                  <a:srgbClr val="222222"/>
+                </a:solidFill>
+                <a:effectLst/>
+                <a:latin typeface="Arial" panose="020B0604020202020204" pitchFamily="34" charset="0"/>
+              </a:rPr>
+              <a:t>. In 2011 IEEE Symposium on Computational Intelligence and Data Mining (CIDM) (pp. 341-348). </a:t>
+            </a:r>
+            <a:r>
+              <a:rPr lang="en-US" sz="1800" b="0" i="0" dirty="0">
+                <a:solidFill>
+                  <a:srgbClr val="222222"/>
+                </a:solidFill>
+                <a:effectLst/>
+                <a:latin typeface="Arial" panose="020B0604020202020204" pitchFamily="34" charset="0"/>
+                <a:hlinkClick r:id="rId6"/>
+              </a:rPr>
+              <a:t>https://ieeexplore.ieee.org/abstract/document/5949423</a:t>
             </a:r>
             <a:endParaRPr lang="en-US" sz="1800" b="0" i="0" dirty="0">
               <a:solidFill>
@@ -36530,8 +37010,8 @@
           </a:p>
         </p:txBody>
       </p:sp>
-      <mc:AlternateContent xmlns:mc="http://schemas.openxmlformats.org/markup-compatibility/2006">
-        <mc:Choice xmlns:a14="http://schemas.microsoft.com/office/drawing/2010/main" Requires="a14">
+      <mc:AlternateContent xmlns:mc="http://schemas.openxmlformats.org/markup-compatibility/2006" xmlns:a14="http://schemas.microsoft.com/office/drawing/2010/main">
+        <mc:Choice Requires="a14">
           <p:graphicFrame>
             <p:nvGraphicFramePr>
               <p:cNvPr id="6" name="Tabla 5">
@@ -37109,7 +37589,7 @@
             </a:graphic>
           </p:graphicFrame>
         </mc:Choice>
-        <mc:Fallback>
+        <mc:Fallback xmlns="">
           <p:graphicFrame>
             <p:nvGraphicFramePr>
               <p:cNvPr id="6" name="Tabla 5">
@@ -37523,8 +38003,8 @@
           </p:graphicFrame>
         </mc:Fallback>
       </mc:AlternateContent>
-      <mc:AlternateContent xmlns:mc="http://schemas.openxmlformats.org/markup-compatibility/2006">
-        <mc:Choice xmlns:a14="http://schemas.microsoft.com/office/drawing/2010/main" Requires="a14">
+      <mc:AlternateContent xmlns:mc="http://schemas.openxmlformats.org/markup-compatibility/2006" xmlns:a14="http://schemas.microsoft.com/office/drawing/2010/main">
+        <mc:Choice Requires="a14">
           <p:sp>
             <p:nvSpPr>
               <p:cNvPr id="7" name="CuadroTexto 6">
@@ -37553,6 +38033,7 @@
               </a:bodyPr>
               <a:lstStyle/>
               <a:p>
+                <a:pPr/>
                 <a14:m>
                   <m:oMathPara xmlns:m="http://schemas.openxmlformats.org/officeDocument/2006/math">
                     <m:oMathParaPr>
@@ -37579,7 +38060,7 @@
             </p:txBody>
           </p:sp>
         </mc:Choice>
-        <mc:Fallback>
+        <mc:Fallback xmlns="">
           <p:sp>
             <p:nvSpPr>
               <p:cNvPr id="7" name="CuadroTexto 6">
@@ -37712,7 +38193,7 @@
               <a:rPr lang="en-US" b="1" dirty="0">
                 <a:latin typeface="Times New Roman" panose="02020603050405020304" pitchFamily="18" charset="0"/>
               </a:rPr>
-              <a:t>Range, gradient, variance and AAD</a:t>
+              <a:t>Measures, discrete attributes and aggregation functions</a:t>
             </a:r>
             <a:endParaRPr lang="en-GB" dirty="0"/>
           </a:p>
@@ -37876,8 +38357,8 @@
           </a:p>
         </p:txBody>
       </p:sp>
-      <mc:AlternateContent xmlns:mc="http://schemas.openxmlformats.org/markup-compatibility/2006">
-        <mc:Choice xmlns:a14="http://schemas.microsoft.com/office/drawing/2010/main" Requires="a14">
+      <mc:AlternateContent xmlns:mc="http://schemas.openxmlformats.org/markup-compatibility/2006" xmlns:a14="http://schemas.microsoft.com/office/drawing/2010/main">
+        <mc:Choice Requires="a14">
           <p:sp>
             <p:nvSpPr>
               <p:cNvPr id="3" name="Marcador de contenido 2">
@@ -38226,7 +38707,7 @@
             </p:txBody>
           </p:sp>
         </mc:Choice>
-        <mc:Fallback>
+        <mc:Fallback xmlns="">
           <p:sp>
             <p:nvSpPr>
               <p:cNvPr id="3" name="Marcador de contenido 2">
@@ -38424,8 +38905,8 @@
           </a:p>
         </p:txBody>
       </p:sp>
-      <mc:AlternateContent xmlns:mc="http://schemas.openxmlformats.org/markup-compatibility/2006">
-        <mc:Choice xmlns:a14="http://schemas.microsoft.com/office/drawing/2010/main" Requires="a14">
+      <mc:AlternateContent xmlns:mc="http://schemas.openxmlformats.org/markup-compatibility/2006" xmlns:a14="http://schemas.microsoft.com/office/drawing/2010/main">
+        <mc:Choice Requires="a14">
           <p:sp>
             <p:nvSpPr>
               <p:cNvPr id="3" name="Marcador de contenido 2">
@@ -38790,7 +39271,7 @@
             </p:txBody>
           </p:sp>
         </mc:Choice>
-        <mc:Fallback>
+        <mc:Fallback xmlns="">
           <p:sp>
             <p:nvSpPr>
               <p:cNvPr id="3" name="Marcador de contenido 2">
@@ -39027,8 +39508,8 @@
           </a:p>
         </p:txBody>
       </p:sp>
-      <mc:AlternateContent xmlns:mc="http://schemas.openxmlformats.org/markup-compatibility/2006">
-        <mc:Choice xmlns:a14="http://schemas.microsoft.com/office/drawing/2010/main" Requires="a14">
+      <mc:AlternateContent xmlns:mc="http://schemas.openxmlformats.org/markup-compatibility/2006" xmlns:a14="http://schemas.microsoft.com/office/drawing/2010/main">
+        <mc:Choice Requires="a14">
           <p:sp>
             <p:nvSpPr>
               <p:cNvPr id="3" name="Marcador de contenido 2">
@@ -39433,7 +39914,7 @@
             </p:txBody>
           </p:sp>
         </mc:Choice>
-        <mc:Fallback>
+        <mc:Fallback xmlns="">
           <p:sp>
             <p:nvSpPr>
               <p:cNvPr id="3" name="Marcador de contenido 2">
@@ -39625,7 +40106,7 @@
                 <a:latin typeface="Times New Roman" panose="02020603050405020304" pitchFamily="18" charset="0"/>
                 <a:ea typeface="Aptos" panose="020B0004020202020204" pitchFamily="34" charset="0"/>
               </a:rPr>
-              <a:t>Sensitivity measures </a:t>
+              <a:t>Sensitivity measures: Discrete attributes </a:t>
             </a:r>
             <a:endParaRPr lang="es-ES" dirty="0"/>
           </a:p>
@@ -39769,7 +40250,7 @@
                 </a:pPr>
                 <a:r>
                   <a:rPr lang="en-US" dirty="0"/>
-                  <a:t>For methods that require a baseline vector (1D-SA and GSA) use the </a:t>
+                  <a:t>For methods that require a baseline vector (1D-SA and GSA), use the </a:t>
                 </a:r>
                 <a:r>
                   <a:rPr lang="en-US" b="1" dirty="0"/>
@@ -39788,7 +40269,7 @@
                 </a:pPr>
                 <a:r>
                   <a:rPr lang="en-US" dirty="0"/>
-                  <a:t>All levels or only the most frequent ones can be used for a variable </a:t>
+                  <a:t>All levels, or only the most frequent ones, can be used for a variable </a:t>
                 </a:r>
                 <a14:m>
                   <m:oMath xmlns:m="http://schemas.openxmlformats.org/officeDocument/2006/math">
@@ -40019,7 +40500,7 @@
                 <a:latin typeface="Times New Roman" panose="02020603050405020304" pitchFamily="18" charset="0"/>
                 <a:ea typeface="Aptos" panose="020B0004020202020204" pitchFamily="34" charset="0"/>
               </a:rPr>
-              <a:t>Sensitivity measures </a:t>
+              <a:t>Sensitivity measures: Discrete attributes </a:t>
             </a:r>
             <a:endParaRPr lang="es-ES" dirty="0"/>
           </a:p>
@@ -40537,7 +41018,43 @@
                 </a:pPr>
                 <a:r>
                   <a:rPr lang="en-US" dirty="0"/>
-                  <a:t>	red </a:t>
+                  <a:t>	</a:t>
+                </a:r>
+                <a14:m>
+                  <m:oMath xmlns:m="http://schemas.openxmlformats.org/officeDocument/2006/math">
+                    <m:sSub>
+                      <m:sSubPr>
+                        <m:ctrlPr>
+                          <a:rPr lang="en-US" i="1" smtClean="0">
+                            <a:latin typeface="Cambria Math" panose="02040503050406030204" pitchFamily="18" charset="0"/>
+                          </a:rPr>
+                        </m:ctrlPr>
+                      </m:sSubPr>
+                      <m:e>
+                        <m:r>
+                          <a:rPr lang="es-ES" b="0" i="1" smtClean="0">
+                            <a:latin typeface="Cambria Math" panose="02040503050406030204" pitchFamily="18" charset="0"/>
+                          </a:rPr>
+                          <m:t>𝑦</m:t>
+                        </m:r>
+                      </m:e>
+                      <m:sub>
+                        <m:r>
+                          <m:rPr>
+                            <m:nor/>
+                          </m:rPr>
+                          <a:rPr lang="es-ES" b="0" i="0" smtClean="0">
+                            <a:latin typeface="Cambria Math" panose="02040503050406030204" pitchFamily="18" charset="0"/>
+                          </a:rPr>
+                          <m:t>red</m:t>
+                        </m:r>
+                      </m:sub>
+                    </m:sSub>
+                  </m:oMath>
+                </a14:m>
+                <a:r>
+                  <a:rPr lang="en-US" dirty="0"/>
+                  <a:t> </a:t>
                 </a:r>
                 <a14:m>
                   <m:oMath xmlns:m="http://schemas.openxmlformats.org/officeDocument/2006/math">
@@ -40552,7 +41069,43 @@
                 </a14:m>
                 <a:r>
                   <a:rPr lang="en-US" dirty="0"/>
-                  <a:t> (1, 0, 0); blue </a:t>
+                  <a:t> (1, 0, 0); </a:t>
+                </a:r>
+                <a14:m>
+                  <m:oMath xmlns:m="http://schemas.openxmlformats.org/officeDocument/2006/math">
+                    <m:sSub>
+                      <m:sSubPr>
+                        <m:ctrlPr>
+                          <a:rPr lang="en-US" i="1">
+                            <a:latin typeface="Cambria Math" panose="02040503050406030204" pitchFamily="18" charset="0"/>
+                          </a:rPr>
+                        </m:ctrlPr>
+                      </m:sSubPr>
+                      <m:e>
+                        <m:r>
+                          <a:rPr lang="es-ES" i="1">
+                            <a:latin typeface="Cambria Math" panose="02040503050406030204" pitchFamily="18" charset="0"/>
+                          </a:rPr>
+                          <m:t>𝑦</m:t>
+                        </m:r>
+                      </m:e>
+                      <m:sub>
+                        <m:r>
+                          <m:rPr>
+                            <m:nor/>
+                          </m:rPr>
+                          <a:rPr lang="es-ES" b="0" i="0" smtClean="0">
+                            <a:latin typeface="Cambria Math" panose="02040503050406030204" pitchFamily="18" charset="0"/>
+                          </a:rPr>
+                          <m:t>blue</m:t>
+                        </m:r>
+                      </m:sub>
+                    </m:sSub>
+                  </m:oMath>
+                </a14:m>
+                <a:r>
+                  <a:rPr lang="en-US" dirty="0"/>
+                  <a:t> </a:t>
                 </a:r>
                 <a14:m>
                   <m:oMath xmlns:m="http://schemas.openxmlformats.org/officeDocument/2006/math">
@@ -40567,7 +41120,43 @@
                 </a14:m>
                 <a:r>
                   <a:rPr lang="en-US" dirty="0"/>
-                  <a:t> (0, 1, 0); yellow </a:t>
+                  <a:t> (0, 1, 0); </a:t>
+                </a:r>
+                <a14:m>
+                  <m:oMath xmlns:m="http://schemas.openxmlformats.org/officeDocument/2006/math">
+                    <m:sSub>
+                      <m:sSubPr>
+                        <m:ctrlPr>
+                          <a:rPr lang="en-US" i="1">
+                            <a:latin typeface="Cambria Math" panose="02040503050406030204" pitchFamily="18" charset="0"/>
+                          </a:rPr>
+                        </m:ctrlPr>
+                      </m:sSubPr>
+                      <m:e>
+                        <m:r>
+                          <a:rPr lang="es-ES" i="1">
+                            <a:latin typeface="Cambria Math" panose="02040503050406030204" pitchFamily="18" charset="0"/>
+                          </a:rPr>
+                          <m:t>𝑦</m:t>
+                        </m:r>
+                      </m:e>
+                      <m:sub>
+                        <m:r>
+                          <m:rPr>
+                            <m:nor/>
+                          </m:rPr>
+                          <a:rPr lang="es-ES" b="0" i="0" smtClean="0">
+                            <a:latin typeface="Cambria Math" panose="02040503050406030204" pitchFamily="18" charset="0"/>
+                          </a:rPr>
+                          <m:t>yellow</m:t>
+                        </m:r>
+                      </m:sub>
+                    </m:sSub>
+                  </m:oMath>
+                </a14:m>
+                <a:r>
+                  <a:rPr lang="en-US" dirty="0"/>
+                  <a:t> </a:t>
                 </a:r>
                 <a14:m>
                   <m:oMath xmlns:m="http://schemas.openxmlformats.org/officeDocument/2006/math">
@@ -40584,6 +41173,14 @@
                   <a:rPr lang="en-US" dirty="0"/>
                   <a:t> (0, 0, 1).</a:t>
                 </a:r>
+              </a:p>
+              <a:p>
+                <a:pPr marL="0" indent="0">
+                  <a:spcAft>
+                    <a:spcPts val="1200"/>
+                  </a:spcAft>
+                  <a:buNone/>
+                </a:pPr>
                 <a:endParaRPr lang="es-ES" dirty="0"/>
               </a:p>
             </p:txBody>
@@ -40781,7 +41378,7 @@
                 <a:latin typeface="Times New Roman" panose="02020603050405020304" pitchFamily="18" charset="0"/>
                 <a:ea typeface="Aptos" panose="020B0004020202020204" pitchFamily="34" charset="0"/>
               </a:rPr>
-              <a:t>Sensitivity measures </a:t>
+              <a:t>Sensitivity measures: Discrete attributes </a:t>
             </a:r>
             <a:endParaRPr lang="es-ES" dirty="0"/>
           </a:p>
@@ -40819,7 +41416,7 @@
                 </a:pPr>
                 <a:r>
                   <a:rPr lang="en-US" dirty="0"/>
-                  <a:t>the sensitivity measures are first computed for each individual class </a:t>
+                  <a:t>The sensitivity measures are first computed for each individual class </a:t>
                 </a:r>
                 <a14:m>
                   <m:oMath xmlns:m="http://schemas.openxmlformats.org/officeDocument/2006/math">
@@ -41239,13 +41836,8 @@
                 </a:r>
                 <a:r>
                   <a:rPr lang="en-US" dirty="0"/>
-                  <a:t> in </a:t>
-                </a:r>
-                <a:r>
-                  <a:rPr lang="en-US"/>
-                  <a:t>the dataset.</a:t>
-                </a:r>
-                <a:endParaRPr lang="en-US" dirty="0"/>
+                  <a:t> in the dataset.</a:t>
+                </a:r>
               </a:p>
               <a:p>
                 <a:pPr marL="0" indent="0">
@@ -41438,6 +42030,3910 @@
           <p:cNvPr id="2" name="Título 1">
             <a:extLst>
               <a:ext uri="{FF2B5EF4-FFF2-40B4-BE49-F238E27FC236}">
+                <a16:creationId xmlns:a16="http://schemas.microsoft.com/office/drawing/2014/main" id="{EFA3559C-B19D-7748-9F2B-B49DF3937433}"/>
+              </a:ext>
+            </a:extLst>
+          </p:cNvPr>
+          <p:cNvSpPr>
+            <a:spLocks noGrp="1"/>
+          </p:cNvSpPr>
+          <p:nvPr>
+            <p:ph type="title"/>
+          </p:nvPr>
+        </p:nvSpPr>
+        <p:spPr/>
+        <p:txBody>
+          <a:bodyPr/>
+          <a:lstStyle/>
+          <a:p>
+            <a:r>
+              <a:rPr lang="en-US" sz="6600" b="1" dirty="0">
+                <a:effectLst/>
+                <a:latin typeface="Times New Roman" panose="02020603050405020304" pitchFamily="18" charset="0"/>
+                <a:ea typeface="Aptos" panose="020B0004020202020204" pitchFamily="34" charset="0"/>
+              </a:rPr>
+              <a:t>Sensitivity measures: Sensitivity response aggregation function </a:t>
+            </a:r>
+            <a:endParaRPr lang="es-ES" dirty="0"/>
+          </a:p>
+        </p:txBody>
+      </p:sp>
+      <mc:AlternateContent xmlns:mc="http://schemas.openxmlformats.org/markup-compatibility/2006">
+        <mc:Choice xmlns:a14="http://schemas.microsoft.com/office/drawing/2010/main" Requires="a14">
+          <p:sp>
+            <p:nvSpPr>
+              <p:cNvPr id="3" name="Marcador de contenido 2">
+                <a:extLst>
+                  <a:ext uri="{FF2B5EF4-FFF2-40B4-BE49-F238E27FC236}">
+                    <a16:creationId xmlns:a16="http://schemas.microsoft.com/office/drawing/2014/main" id="{F89BA901-1B4F-C4CC-10E3-603EDC15B188}"/>
+                  </a:ext>
+                </a:extLst>
+              </p:cNvPr>
+              <p:cNvSpPr>
+                <a:spLocks noGrp="1"/>
+              </p:cNvSpPr>
+              <p:nvPr>
+                <p:ph idx="1"/>
+              </p:nvPr>
+            </p:nvSpPr>
+            <p:spPr/>
+            <p:txBody>
+              <a:bodyPr>
+                <a:normAutofit/>
+              </a:bodyPr>
+              <a:lstStyle/>
+              <a:p>
+                <a:pPr>
+                  <a:spcAft>
+                    <a:spcPts val="1200"/>
+                  </a:spcAft>
+                </a:pPr>
+                <a:r>
+                  <a:rPr lang="es-ES" dirty="0"/>
+                  <a:t>For 1-SA, </a:t>
+                </a:r>
+                <a:r>
+                  <a:rPr lang="es-ES" dirty="0" err="1"/>
+                  <a:t>only</a:t>
+                </a:r>
+                <a:r>
+                  <a:rPr lang="es-ES" dirty="0"/>
+                  <a:t> </a:t>
+                </a:r>
+                <a:r>
+                  <a:rPr lang="es-ES" dirty="0" err="1"/>
+                  <a:t>one</a:t>
+                </a:r>
+                <a:r>
+                  <a:rPr lang="es-ES" dirty="0"/>
+                  <a:t> </a:t>
+                </a:r>
+                <a:r>
+                  <a:rPr lang="es-ES" dirty="0" err="1"/>
+                  <a:t>sensitivity</a:t>
+                </a:r>
+                <a:r>
+                  <a:rPr lang="es-ES" dirty="0"/>
+                  <a:t> </a:t>
+                </a:r>
+                <a:r>
+                  <a:rPr lang="es-ES" dirty="0" err="1"/>
+                  <a:t>value</a:t>
+                </a:r>
+                <a:r>
+                  <a:rPr lang="es-ES" dirty="0"/>
+                  <a:t> </a:t>
+                </a:r>
+                <a:r>
+                  <a:rPr lang="es-ES" dirty="0" err="1"/>
+                  <a:t>for</a:t>
+                </a:r>
+                <a:r>
+                  <a:rPr lang="es-ES" dirty="0"/>
+                  <a:t> a </a:t>
+                </a:r>
+                <a:r>
+                  <a:rPr lang="es-ES" dirty="0" err="1"/>
+                  <a:t>given</a:t>
+                </a:r>
+                <a:r>
+                  <a:rPr lang="es-ES" dirty="0"/>
+                  <a:t> variable </a:t>
+                </a:r>
+                <a:r>
+                  <a:rPr lang="es-ES" dirty="0" err="1"/>
+                  <a:t>level</a:t>
+                </a:r>
+                <a:r>
+                  <a:rPr lang="es-ES" dirty="0"/>
+                  <a:t> </a:t>
+                </a:r>
+                <a14:m>
+                  <m:oMath xmlns:m="http://schemas.openxmlformats.org/officeDocument/2006/math">
+                    <m:d>
+                      <m:dPr>
+                        <m:ctrlPr>
+                          <a:rPr lang="es-ES" i="1" smtClean="0">
+                            <a:latin typeface="Cambria Math" panose="02040503050406030204" pitchFamily="18" charset="0"/>
+                          </a:rPr>
+                        </m:ctrlPr>
+                      </m:dPr>
+                      <m:e>
+                        <m:sSub>
+                          <m:sSubPr>
+                            <m:ctrlPr>
+                              <a:rPr lang="es-ES" i="1" smtClean="0">
+                                <a:latin typeface="Cambria Math" panose="02040503050406030204" pitchFamily="18" charset="0"/>
+                              </a:rPr>
+                            </m:ctrlPr>
+                          </m:sSubPr>
+                          <m:e>
+                            <m:r>
+                              <a:rPr lang="es-ES" b="0" i="1" smtClean="0">
+                                <a:latin typeface="Cambria Math" panose="02040503050406030204" pitchFamily="18" charset="0"/>
+                              </a:rPr>
+                              <m:t>𝑥</m:t>
+                            </m:r>
+                          </m:e>
+                          <m:sub>
+                            <m:sSub>
+                              <m:sSubPr>
+                                <m:ctrlPr>
+                                  <a:rPr lang="es-ES" i="1" smtClean="0">
+                                    <a:latin typeface="Cambria Math" panose="02040503050406030204" pitchFamily="18" charset="0"/>
+                                  </a:rPr>
+                                </m:ctrlPr>
+                              </m:sSubPr>
+                              <m:e>
+                                <m:r>
+                                  <a:rPr lang="es-ES" b="0" i="1" smtClean="0">
+                                    <a:latin typeface="Cambria Math" panose="02040503050406030204" pitchFamily="18" charset="0"/>
+                                  </a:rPr>
+                                  <m:t>𝑎</m:t>
+                                </m:r>
+                              </m:e>
+                              <m:sub>
+                                <m:r>
+                                  <a:rPr lang="es-ES" b="0" i="1" smtClean="0">
+                                    <a:latin typeface="Cambria Math" panose="02040503050406030204" pitchFamily="18" charset="0"/>
+                                  </a:rPr>
+                                  <m:t>𝑗</m:t>
+                                </m:r>
+                              </m:sub>
+                            </m:sSub>
+                          </m:sub>
+                        </m:sSub>
+                      </m:e>
+                    </m:d>
+                  </m:oMath>
+                </a14:m>
+                <a:r>
+                  <a:rPr lang="en-US" dirty="0"/>
+                  <a:t>. The sensibility measure can be directly applied over the sensitivity responses </a:t>
+                </a:r>
+                <a14:m>
+                  <m:oMath xmlns:m="http://schemas.openxmlformats.org/officeDocument/2006/math">
+                    <m:d>
+                      <m:dPr>
+                        <m:ctrlPr>
+                          <a:rPr lang="en-US" i="1" smtClean="0">
+                            <a:latin typeface="Cambria Math" panose="02040503050406030204" pitchFamily="18" charset="0"/>
+                          </a:rPr>
+                        </m:ctrlPr>
+                      </m:dPr>
+                      <m:e>
+                        <m:sSub>
+                          <m:sSubPr>
+                            <m:ctrlPr>
+                              <a:rPr lang="en-US" i="1" smtClean="0">
+                                <a:latin typeface="Cambria Math" panose="02040503050406030204" pitchFamily="18" charset="0"/>
+                              </a:rPr>
+                            </m:ctrlPr>
+                          </m:sSubPr>
+                          <m:e>
+                            <m:acc>
+                              <m:accPr>
+                                <m:chr m:val="̂"/>
+                                <m:ctrlPr>
+                                  <a:rPr lang="en-US" i="1" smtClean="0">
+                                    <a:latin typeface="Cambria Math" panose="02040503050406030204" pitchFamily="18" charset="0"/>
+                                  </a:rPr>
+                                </m:ctrlPr>
+                              </m:accPr>
+                              <m:e>
+                                <m:r>
+                                  <a:rPr lang="es-ES" b="0" i="1" smtClean="0">
+                                    <a:latin typeface="Cambria Math" panose="02040503050406030204" pitchFamily="18" charset="0"/>
+                                  </a:rPr>
+                                  <m:t>𝑦</m:t>
+                                </m:r>
+                              </m:e>
+                            </m:acc>
+                          </m:e>
+                          <m:sub>
+                            <m:sSub>
+                              <m:sSubPr>
+                                <m:ctrlPr>
+                                  <a:rPr lang="en-US" i="1" smtClean="0">
+                                    <a:latin typeface="Cambria Math" panose="02040503050406030204" pitchFamily="18" charset="0"/>
+                                  </a:rPr>
+                                </m:ctrlPr>
+                              </m:sSubPr>
+                              <m:e>
+                                <m:r>
+                                  <a:rPr lang="es-ES" b="0" i="1" smtClean="0">
+                                    <a:latin typeface="Cambria Math" panose="02040503050406030204" pitchFamily="18" charset="0"/>
+                                  </a:rPr>
+                                  <m:t>𝑎</m:t>
+                                </m:r>
+                              </m:e>
+                              <m:sub>
+                                <m:r>
+                                  <a:rPr lang="es-ES" b="0" i="1" smtClean="0">
+                                    <a:latin typeface="Cambria Math" panose="02040503050406030204" pitchFamily="18" charset="0"/>
+                                  </a:rPr>
+                                  <m:t>𝑗</m:t>
+                                </m:r>
+                              </m:sub>
+                            </m:sSub>
+                          </m:sub>
+                        </m:sSub>
+                      </m:e>
+                    </m:d>
+                  </m:oMath>
+                </a14:m>
+                <a:r>
+                  <a:rPr lang="en-US" dirty="0"/>
+                  <a:t>. </a:t>
+                </a:r>
+              </a:p>
+              <a:p>
+                <a:pPr>
+                  <a:spcAft>
+                    <a:spcPts val="1200"/>
+                  </a:spcAft>
+                </a:pPr>
+                <a:endParaRPr lang="en-US" dirty="0"/>
+              </a:p>
+              <a:p>
+                <a:pPr>
+                  <a:spcAft>
+                    <a:spcPts val="1200"/>
+                  </a:spcAft>
+                </a:pPr>
+                <a:r>
+                  <a:rPr lang="en-US" dirty="0"/>
+                  <a:t>The remaining sensitivity methods produce several sensitivity values for each level. </a:t>
+                </a:r>
+              </a:p>
+              <a:p>
+                <a:pPr>
+                  <a:spcAft>
+                    <a:spcPts val="1200"/>
+                  </a:spcAft>
+                </a:pPr>
+                <a:r>
+                  <a:rPr lang="en-US" dirty="0"/>
+                  <a:t>An aggregation function needs to be set prior to the computation of the sensitivity measures.</a:t>
+                </a:r>
+              </a:p>
+              <a:p>
+                <a:pPr marL="0" indent="0">
+                  <a:spcAft>
+                    <a:spcPts val="1200"/>
+                  </a:spcAft>
+                  <a:buNone/>
+                </a:pPr>
+                <a:endParaRPr lang="es-ES" dirty="0"/>
+              </a:p>
+              <a:p>
+                <a:pPr marL="0" indent="0">
+                  <a:spcAft>
+                    <a:spcPts val="1200"/>
+                  </a:spcAft>
+                  <a:buNone/>
+                </a:pPr>
+                <a:endParaRPr lang="es-ES" dirty="0"/>
+              </a:p>
+            </p:txBody>
+          </p:sp>
+        </mc:Choice>
+        <mc:Fallback>
+          <p:sp>
+            <p:nvSpPr>
+              <p:cNvPr id="3" name="Marcador de contenido 2">
+                <a:extLst>
+                  <a:ext uri="{FF2B5EF4-FFF2-40B4-BE49-F238E27FC236}">
+                    <a16:creationId xmlns:a16="http://schemas.microsoft.com/office/drawing/2014/main" id="{F89BA901-1B4F-C4CC-10E3-603EDC15B188}"/>
+                  </a:ext>
+                </a:extLst>
+              </p:cNvPr>
+              <p:cNvSpPr>
+                <a:spLocks noGrp="1" noRot="1" noChangeAspect="1" noMove="1" noResize="1" noEditPoints="1" noAdjustHandles="1" noChangeArrowheads="1" noChangeShapeType="1" noTextEdit="1"/>
+              </p:cNvSpPr>
+              <p:nvPr>
+                <p:ph idx="1"/>
+              </p:nvPr>
+            </p:nvSpPr>
+            <p:spPr>
+              <a:blipFill>
+                <a:blip r:embed="rId2"/>
+                <a:stretch>
+                  <a:fillRect l="-1352" t="-2801" b="-840"/>
+                </a:stretch>
+              </a:blipFill>
+            </p:spPr>
+            <p:txBody>
+              <a:bodyPr/>
+              <a:lstStyle/>
+              <a:p>
+                <a:r>
+                  <a:rPr lang="es-ES">
+                    <a:noFill/>
+                  </a:rPr>
+                  <a:t> </a:t>
+                </a:r>
+              </a:p>
+            </p:txBody>
+          </p:sp>
+        </mc:Fallback>
+      </mc:AlternateContent>
+      <p:sp>
+        <p:nvSpPr>
+          <p:cNvPr id="4" name="Marcador de pie de página 3">
+            <a:extLst>
+              <a:ext uri="{FF2B5EF4-FFF2-40B4-BE49-F238E27FC236}">
+                <a16:creationId xmlns:a16="http://schemas.microsoft.com/office/drawing/2014/main" id="{38B0C3F3-DF84-ABE6-7262-11AC687E7802}"/>
+              </a:ext>
+            </a:extLst>
+          </p:cNvPr>
+          <p:cNvSpPr>
+            <a:spLocks noGrp="1"/>
+          </p:cNvSpPr>
+          <p:nvPr>
+            <p:ph type="ftr" sz="quarter" idx="11"/>
+          </p:nvPr>
+        </p:nvSpPr>
+        <p:spPr/>
+        <p:txBody>
+          <a:bodyPr/>
+          <a:lstStyle/>
+          <a:p>
+            <a:pPr algn="ctr">
+              <a:lnSpc>
+                <a:spcPct val="150000"/>
+              </a:lnSpc>
+              <a:spcAft>
+                <a:spcPts val="800"/>
+              </a:spcAft>
+            </a:pPr>
+            <a:r>
+              <a:rPr lang="en-US" sz="1800" b="1" kern="100" dirty="0">
+                <a:effectLst/>
+                <a:latin typeface="Times New Roman" panose="02020603050405020304" pitchFamily="18" charset="0"/>
+                <a:ea typeface="Aptos" panose="020B0004020202020204" pitchFamily="34" charset="0"/>
+                <a:cs typeface="Times New Roman" panose="02020603050405020304" pitchFamily="18" charset="0"/>
+              </a:rPr>
+              <a:t>Using sensitivity analysis and visualization techniques to open black box data mining models: a </a:t>
+            </a:r>
+            <a:r>
+              <a:rPr lang="en-US" sz="1800" b="1" kern="100" dirty="0" err="1">
+                <a:effectLst/>
+                <a:latin typeface="Times New Roman" panose="02020603050405020304" pitchFamily="18" charset="0"/>
+                <a:ea typeface="Aptos" panose="020B0004020202020204" pitchFamily="34" charset="0"/>
+                <a:cs typeface="Times New Roman" panose="02020603050405020304" pitchFamily="18" charset="0"/>
+              </a:rPr>
+              <a:t>rminer</a:t>
+            </a:r>
+            <a:r>
+              <a:rPr lang="en-US" sz="1800" b="1" kern="100" dirty="0">
+                <a:effectLst/>
+                <a:latin typeface="Times New Roman" panose="02020603050405020304" pitchFamily="18" charset="0"/>
+                <a:ea typeface="Aptos" panose="020B0004020202020204" pitchFamily="34" charset="0"/>
+                <a:cs typeface="Times New Roman" panose="02020603050405020304" pitchFamily="18" charset="0"/>
+              </a:rPr>
+              <a:t> example</a:t>
+            </a:r>
+            <a:endParaRPr lang="es-ES" sz="1600" kern="100" dirty="0">
+              <a:effectLst/>
+              <a:latin typeface="Times New Roman" panose="02020603050405020304" pitchFamily="18" charset="0"/>
+              <a:ea typeface="Aptos" panose="020B0004020202020204" pitchFamily="34" charset="0"/>
+              <a:cs typeface="Times New Roman" panose="02020603050405020304" pitchFamily="18" charset="0"/>
+            </a:endParaRPr>
+          </a:p>
+        </p:txBody>
+      </p:sp>
+      <p:sp>
+        <p:nvSpPr>
+          <p:cNvPr id="5" name="Marcador de número de diapositiva 4">
+            <a:extLst>
+              <a:ext uri="{FF2B5EF4-FFF2-40B4-BE49-F238E27FC236}">
+                <a16:creationId xmlns:a16="http://schemas.microsoft.com/office/drawing/2014/main" id="{F811842D-C9BE-93E8-1152-B7297C5CF176}"/>
+              </a:ext>
+            </a:extLst>
+          </p:cNvPr>
+          <p:cNvSpPr>
+            <a:spLocks noGrp="1"/>
+          </p:cNvSpPr>
+          <p:nvPr>
+            <p:ph type="sldNum" sz="quarter" idx="12"/>
+          </p:nvPr>
+        </p:nvSpPr>
+        <p:spPr/>
+        <p:txBody>
+          <a:bodyPr/>
+          <a:lstStyle/>
+          <a:p>
+            <a:fld id="{DBFF9636-A71C-488A-89F8-02E08556F10C}" type="slidenum">
+              <a:rPr lang="es-ES" smtClean="0"/>
+              <a:pPr/>
+              <a:t>38</a:t>
+            </a:fld>
+            <a:endParaRPr lang="es-ES" dirty="0"/>
+          </a:p>
+        </p:txBody>
+      </p:sp>
+    </p:spTree>
+    <p:extLst>
+      <p:ext uri="{BB962C8B-B14F-4D97-AF65-F5344CB8AC3E}">
+        <p14:creationId xmlns:p14="http://schemas.microsoft.com/office/powerpoint/2010/main" val="98482474"/>
+      </p:ext>
+    </p:extLst>
+  </p:cSld>
+  <p:clrMapOvr>
+    <a:masterClrMapping/>
+  </p:clrMapOvr>
+</p:sld>
+</file>
+
+<file path=ppt/slides/slide39.xml><?xml version="1.0" encoding="utf-8"?>
+<p:sld xmlns:a="http://schemas.openxmlformats.org/drawingml/2006/main" xmlns:r="http://schemas.openxmlformats.org/officeDocument/2006/relationships" xmlns:p="http://schemas.openxmlformats.org/presentationml/2006/main">
+  <p:cSld>
+    <p:spTree>
+      <p:nvGrpSpPr>
+        <p:cNvPr id="1" name=""/>
+        <p:cNvGrpSpPr/>
+        <p:nvPr/>
+      </p:nvGrpSpPr>
+      <p:grpSpPr>
+        <a:xfrm>
+          <a:off x="0" y="0"/>
+          <a:ext cx="0" cy="0"/>
+          <a:chOff x="0" y="0"/>
+          <a:chExt cx="0" cy="0"/>
+        </a:xfrm>
+      </p:grpSpPr>
+      <p:sp>
+        <p:nvSpPr>
+          <p:cNvPr id="2" name="Título 1">
+            <a:extLst>
+              <a:ext uri="{FF2B5EF4-FFF2-40B4-BE49-F238E27FC236}">
+                <a16:creationId xmlns:a16="http://schemas.microsoft.com/office/drawing/2014/main" id="{EFA3559C-B19D-7748-9F2B-B49DF3937433}"/>
+              </a:ext>
+            </a:extLst>
+          </p:cNvPr>
+          <p:cNvSpPr>
+            <a:spLocks noGrp="1"/>
+          </p:cNvSpPr>
+          <p:nvPr>
+            <p:ph type="title"/>
+          </p:nvPr>
+        </p:nvSpPr>
+        <p:spPr/>
+        <p:txBody>
+          <a:bodyPr/>
+          <a:lstStyle/>
+          <a:p>
+            <a:r>
+              <a:rPr lang="en-US" sz="6600" b="1" dirty="0">
+                <a:effectLst/>
+                <a:latin typeface="Times New Roman" panose="02020603050405020304" pitchFamily="18" charset="0"/>
+                <a:ea typeface="Aptos" panose="020B0004020202020204" pitchFamily="34" charset="0"/>
+              </a:rPr>
+              <a:t>Sensitivity measures: Sensitivity response aggregation function </a:t>
+            </a:r>
+            <a:endParaRPr lang="es-ES" dirty="0"/>
+          </a:p>
+        </p:txBody>
+      </p:sp>
+      <mc:AlternateContent xmlns:mc="http://schemas.openxmlformats.org/markup-compatibility/2006">
+        <mc:Choice xmlns:a14="http://schemas.microsoft.com/office/drawing/2010/main" Requires="a14">
+          <p:sp>
+            <p:nvSpPr>
+              <p:cNvPr id="3" name="Marcador de contenido 2">
+                <a:extLst>
+                  <a:ext uri="{FF2B5EF4-FFF2-40B4-BE49-F238E27FC236}">
+                    <a16:creationId xmlns:a16="http://schemas.microsoft.com/office/drawing/2014/main" id="{F89BA901-1B4F-C4CC-10E3-603EDC15B188}"/>
+                  </a:ext>
+                </a:extLst>
+              </p:cNvPr>
+              <p:cNvSpPr>
+                <a:spLocks noGrp="1"/>
+              </p:cNvSpPr>
+              <p:nvPr>
+                <p:ph idx="1"/>
+              </p:nvPr>
+            </p:nvSpPr>
+            <p:spPr/>
+            <p:txBody>
+              <a:bodyPr>
+                <a:normAutofit/>
+              </a:bodyPr>
+              <a:lstStyle/>
+              <a:p>
+                <a:pPr>
+                  <a:spcAft>
+                    <a:spcPts val="1200"/>
+                  </a:spcAft>
+                </a:pPr>
+                <a:r>
+                  <a:rPr lang="es-ES" dirty="0"/>
+                  <a:t>GSA </a:t>
+                </a:r>
+                <a:r>
+                  <a:rPr lang="es-ES" dirty="0" err="1"/>
+                  <a:t>example</a:t>
+                </a:r>
+                <a:r>
+                  <a:rPr lang="es-ES" dirty="0"/>
+                  <a:t>:</a:t>
+                </a:r>
+              </a:p>
+              <a:p>
+                <a:pPr lvl="1">
+                  <a:spcAft>
+                    <a:spcPts val="1200"/>
+                  </a:spcAft>
+                </a:pPr>
+                <a:r>
+                  <a:rPr lang="es-ES" dirty="0" err="1"/>
+                  <a:t>First</a:t>
+                </a:r>
+                <a:r>
+                  <a:rPr lang="es-ES" dirty="0"/>
+                  <a:t>, </a:t>
+                </a:r>
+                <a:r>
+                  <a:rPr lang="es-ES" dirty="0" err="1"/>
+                  <a:t>the</a:t>
+                </a:r>
+                <a:r>
+                  <a:rPr lang="es-ES" dirty="0"/>
+                  <a:t> </a:t>
+                </a:r>
+                <a:r>
+                  <a:rPr lang="es-ES" dirty="0" err="1"/>
+                  <a:t>sensitivity</a:t>
+                </a:r>
+                <a:r>
+                  <a:rPr lang="es-ES" dirty="0"/>
+                  <a:t> responses are </a:t>
+                </a:r>
+                <a:r>
+                  <a:rPr lang="es-ES" dirty="0" err="1"/>
+                  <a:t>averaged</a:t>
+                </a:r>
+                <a:r>
+                  <a:rPr lang="es-ES" dirty="0"/>
+                  <a:t> </a:t>
+                </a:r>
+                <a:r>
+                  <a:rPr lang="es-ES" dirty="0" err="1"/>
+                  <a:t>according</a:t>
+                </a:r>
+                <a:r>
+                  <a:rPr lang="es-ES" dirty="0"/>
+                  <a:t> </a:t>
+                </a:r>
+                <a:r>
+                  <a:rPr lang="es-ES" dirty="0" err="1"/>
+                  <a:t>to</a:t>
+                </a:r>
+                <a:r>
+                  <a:rPr lang="es-ES" dirty="0"/>
+                  <a:t> </a:t>
+                </a:r>
+                <a:r>
+                  <a:rPr lang="es-ES" dirty="0" err="1"/>
+                  <a:t>each</a:t>
+                </a:r>
+                <a:r>
+                  <a:rPr lang="es-ES" dirty="0"/>
+                  <a:t> variable </a:t>
+                </a:r>
+                <a:r>
+                  <a:rPr lang="es-ES" dirty="0" err="1"/>
+                  <a:t>level</a:t>
+                </a:r>
+                <a:r>
+                  <a:rPr lang="es-ES" dirty="0"/>
+                  <a:t>.</a:t>
+                </a:r>
+              </a:p>
+              <a:p>
+                <a:pPr marL="685800" lvl="1" indent="0">
+                  <a:spcAft>
+                    <a:spcPts val="1200"/>
+                  </a:spcAft>
+                  <a:buNone/>
+                </a:pPr>
+                <a:r>
+                  <a:rPr lang="es-ES" dirty="0"/>
+                  <a:t>	</a:t>
+                </a:r>
+                <a:r>
+                  <a:rPr lang="es-ES" dirty="0" err="1"/>
+                  <a:t>Only</a:t>
+                </a:r>
+                <a:r>
+                  <a:rPr lang="es-ES" dirty="0"/>
+                  <a:t> </a:t>
+                </a:r>
+                <a14:m>
+                  <m:oMath xmlns:m="http://schemas.openxmlformats.org/officeDocument/2006/math">
+                    <m:r>
+                      <a:rPr lang="es-ES" b="0" i="1" smtClean="0">
+                        <a:latin typeface="Cambria Math" panose="02040503050406030204" pitchFamily="18" charset="0"/>
+                      </a:rPr>
+                      <m:t>𝑗</m:t>
+                    </m:r>
+                    <m:r>
+                      <a:rPr lang="es-ES" b="0" i="1" smtClean="0">
+                        <a:latin typeface="Cambria Math" panose="02040503050406030204" pitchFamily="18" charset="0"/>
+                        <a:ea typeface="Cambria Math" panose="02040503050406030204" pitchFamily="18" charset="0"/>
+                      </a:rPr>
+                      <m:t>∈</m:t>
+                    </m:r>
+                    <m:d>
+                      <m:dPr>
+                        <m:begChr m:val="{"/>
+                        <m:endChr m:val="}"/>
+                        <m:ctrlPr>
+                          <a:rPr lang="es-ES" b="0" i="1" smtClean="0">
+                            <a:latin typeface="Cambria Math" panose="02040503050406030204" pitchFamily="18" charset="0"/>
+                            <a:ea typeface="Cambria Math" panose="02040503050406030204" pitchFamily="18" charset="0"/>
+                          </a:rPr>
+                        </m:ctrlPr>
+                      </m:dPr>
+                      <m:e>
+                        <m:r>
+                          <a:rPr lang="es-ES" b="0" i="1" smtClean="0">
+                            <a:latin typeface="Cambria Math" panose="02040503050406030204" pitchFamily="18" charset="0"/>
+                            <a:ea typeface="Cambria Math" panose="02040503050406030204" pitchFamily="18" charset="0"/>
+                          </a:rPr>
+                          <m:t>1,…,</m:t>
+                        </m:r>
+                        <m:r>
+                          <a:rPr lang="es-ES" b="0" i="1" smtClean="0">
+                            <a:latin typeface="Cambria Math" panose="02040503050406030204" pitchFamily="18" charset="0"/>
+                            <a:ea typeface="Cambria Math" panose="02040503050406030204" pitchFamily="18" charset="0"/>
+                          </a:rPr>
+                          <m:t>𝐿</m:t>
+                        </m:r>
+                      </m:e>
+                    </m:d>
+                  </m:oMath>
+                </a14:m>
+                <a:r>
+                  <a:rPr lang="en-US" dirty="0"/>
+                  <a:t> </a:t>
+                </a:r>
+                <a:r>
+                  <a:rPr lang="en-US" dirty="0" err="1"/>
+                  <a:t>distinc</a:t>
+                </a:r>
+                <a:r>
+                  <a:rPr lang="en-US" dirty="0"/>
+                  <a:t> </a:t>
+                </a:r>
+                <a14:m>
+                  <m:oMath xmlns:m="http://schemas.openxmlformats.org/officeDocument/2006/math">
+                    <m:sSub>
+                      <m:sSubPr>
+                        <m:ctrlPr>
+                          <a:rPr lang="en-US" i="1" smtClean="0">
+                            <a:latin typeface="Cambria Math" panose="02040503050406030204" pitchFamily="18" charset="0"/>
+                          </a:rPr>
+                        </m:ctrlPr>
+                      </m:sSubPr>
+                      <m:e>
+                        <m:acc>
+                          <m:accPr>
+                            <m:chr m:val="̅"/>
+                            <m:ctrlPr>
+                              <a:rPr lang="en-US" i="1" smtClean="0">
+                                <a:latin typeface="Cambria Math" panose="02040503050406030204" pitchFamily="18" charset="0"/>
+                              </a:rPr>
+                            </m:ctrlPr>
+                          </m:accPr>
+                          <m:e>
+                            <m:acc>
+                              <m:accPr>
+                                <m:chr m:val="̂"/>
+                                <m:ctrlPr>
+                                  <a:rPr lang="en-US" i="1" smtClean="0">
+                                    <a:latin typeface="Cambria Math" panose="02040503050406030204" pitchFamily="18" charset="0"/>
+                                  </a:rPr>
+                                </m:ctrlPr>
+                              </m:accPr>
+                              <m:e>
+                                <m:r>
+                                  <a:rPr lang="es-ES" b="0" i="1" smtClean="0">
+                                    <a:latin typeface="Cambria Math" panose="02040503050406030204" pitchFamily="18" charset="0"/>
+                                  </a:rPr>
+                                  <m:t>𝑦</m:t>
+                                </m:r>
+                              </m:e>
+                            </m:acc>
+                          </m:e>
+                        </m:acc>
+                      </m:e>
+                      <m:sub>
+                        <m:sSub>
+                          <m:sSubPr>
+                            <m:ctrlPr>
+                              <a:rPr lang="en-US" i="1" smtClean="0">
+                                <a:latin typeface="Cambria Math" panose="02040503050406030204" pitchFamily="18" charset="0"/>
+                              </a:rPr>
+                            </m:ctrlPr>
+                          </m:sSubPr>
+                          <m:e>
+                            <m:r>
+                              <a:rPr lang="es-ES" b="0" i="1" smtClean="0">
+                                <a:latin typeface="Cambria Math" panose="02040503050406030204" pitchFamily="18" charset="0"/>
+                              </a:rPr>
+                              <m:t>𝑎</m:t>
+                            </m:r>
+                          </m:e>
+                          <m:sub>
+                            <m:r>
+                              <a:rPr lang="es-ES" b="0" i="1" smtClean="0">
+                                <a:latin typeface="Cambria Math" panose="02040503050406030204" pitchFamily="18" charset="0"/>
+                              </a:rPr>
+                              <m:t>𝑗</m:t>
+                            </m:r>
+                          </m:sub>
+                        </m:sSub>
+                      </m:sub>
+                    </m:sSub>
+                  </m:oMath>
+                </a14:m>
+                <a:r>
+                  <a:rPr lang="en-US" dirty="0"/>
+                  <a:t> values are stored and then feed into the 	importance calculations.</a:t>
+                </a:r>
+              </a:p>
+              <a:p>
+                <a:pPr marL="685800" lvl="1" indent="0">
+                  <a:spcAft>
+                    <a:spcPts val="1200"/>
+                  </a:spcAft>
+                  <a:buNone/>
+                </a:pPr>
+                <a14:m>
+                  <m:oMathPara xmlns:m="http://schemas.openxmlformats.org/officeDocument/2006/math">
+                    <m:oMathParaPr>
+                      <m:jc m:val="centerGroup"/>
+                    </m:oMathParaPr>
+                    <m:oMath xmlns:m="http://schemas.openxmlformats.org/officeDocument/2006/math">
+                      <m:sSub>
+                        <m:sSubPr>
+                          <m:ctrlPr>
+                            <a:rPr lang="en-US" i="1" smtClean="0">
+                              <a:latin typeface="Cambria Math" panose="02040503050406030204" pitchFamily="18" charset="0"/>
+                            </a:rPr>
+                          </m:ctrlPr>
+                        </m:sSubPr>
+                        <m:e>
+                          <m:r>
+                            <a:rPr lang="en-US" i="1">
+                              <a:latin typeface="Cambria Math" panose="02040503050406030204" pitchFamily="18" charset="0"/>
+                              <a:ea typeface="Cambria Math" panose="02040503050406030204" pitchFamily="18" charset="0"/>
+                            </a:rPr>
+                            <m:t>𝜍</m:t>
+                          </m:r>
+                        </m:e>
+                        <m:sub>
+                          <m:r>
+                            <a:rPr lang="es-ES" b="0" i="1" smtClean="0">
+                              <a:latin typeface="Cambria Math" panose="02040503050406030204" pitchFamily="18" charset="0"/>
+                            </a:rPr>
+                            <m:t>𝑎</m:t>
+                          </m:r>
+                        </m:sub>
+                      </m:sSub>
+                      <m:r>
+                        <a:rPr lang="es-ES" b="0" i="1" smtClean="0">
+                          <a:latin typeface="Cambria Math" panose="02040503050406030204" pitchFamily="18" charset="0"/>
+                        </a:rPr>
+                        <m:t>=</m:t>
+                      </m:r>
+                      <m:nary>
+                        <m:naryPr>
+                          <m:chr m:val="∑"/>
+                          <m:ctrlPr>
+                            <a:rPr lang="es-ES" b="0" i="1" smtClean="0">
+                              <a:latin typeface="Cambria Math" panose="02040503050406030204" pitchFamily="18" charset="0"/>
+                            </a:rPr>
+                          </m:ctrlPr>
+                        </m:naryPr>
+                        <m:sub>
+                          <m:r>
+                            <m:rPr>
+                              <m:brk m:alnAt="23"/>
+                            </m:rPr>
+                            <a:rPr lang="es-ES" b="0" i="1" smtClean="0">
+                              <a:latin typeface="Cambria Math" panose="02040503050406030204" pitchFamily="18" charset="0"/>
+                            </a:rPr>
+                            <m:t>𝑗</m:t>
+                          </m:r>
+                          <m:r>
+                            <a:rPr lang="es-ES" b="0" i="1" smtClean="0">
+                              <a:latin typeface="Cambria Math" panose="02040503050406030204" pitchFamily="18" charset="0"/>
+                            </a:rPr>
+                            <m:t>=1</m:t>
+                          </m:r>
+                        </m:sub>
+                        <m:sup>
+                          <m:r>
+                            <a:rPr lang="es-ES" b="0" i="1" smtClean="0">
+                              <a:latin typeface="Cambria Math" panose="02040503050406030204" pitchFamily="18" charset="0"/>
+                            </a:rPr>
+                            <m:t>𝐿</m:t>
+                          </m:r>
+                        </m:sup>
+                        <m:e>
+                          <m:d>
+                            <m:dPr>
+                              <m:begChr m:val="|"/>
+                              <m:endChr m:val="|"/>
+                              <m:ctrlPr>
+                                <a:rPr lang="es-ES" b="0" i="1" smtClean="0">
+                                  <a:latin typeface="Cambria Math" panose="02040503050406030204" pitchFamily="18" charset="0"/>
+                                </a:rPr>
+                              </m:ctrlPr>
+                            </m:dPr>
+                            <m:e>
+                              <m:sSub>
+                                <m:sSubPr>
+                                  <m:ctrlPr>
+                                    <a:rPr lang="en-US" i="1">
+                                      <a:latin typeface="Cambria Math" panose="02040503050406030204" pitchFamily="18" charset="0"/>
+                                    </a:rPr>
+                                  </m:ctrlPr>
+                                </m:sSubPr>
+                                <m:e>
+                                  <m:acc>
+                                    <m:accPr>
+                                      <m:chr m:val="̅"/>
+                                      <m:ctrlPr>
+                                        <a:rPr lang="en-US" i="1">
+                                          <a:latin typeface="Cambria Math" panose="02040503050406030204" pitchFamily="18" charset="0"/>
+                                        </a:rPr>
+                                      </m:ctrlPr>
+                                    </m:accPr>
+                                    <m:e>
+                                      <m:acc>
+                                        <m:accPr>
+                                          <m:chr m:val="̂"/>
+                                          <m:ctrlPr>
+                                            <a:rPr lang="en-US" i="1">
+                                              <a:latin typeface="Cambria Math" panose="02040503050406030204" pitchFamily="18" charset="0"/>
+                                            </a:rPr>
+                                          </m:ctrlPr>
+                                        </m:accPr>
+                                        <m:e>
+                                          <m:r>
+                                            <a:rPr lang="es-ES" i="1">
+                                              <a:latin typeface="Cambria Math" panose="02040503050406030204" pitchFamily="18" charset="0"/>
+                                            </a:rPr>
+                                            <m:t>𝑦</m:t>
+                                          </m:r>
+                                        </m:e>
+                                      </m:acc>
+                                    </m:e>
+                                  </m:acc>
+                                </m:e>
+                                <m:sub>
+                                  <m:sSub>
+                                    <m:sSubPr>
+                                      <m:ctrlPr>
+                                        <a:rPr lang="en-US" i="1">
+                                          <a:latin typeface="Cambria Math" panose="02040503050406030204" pitchFamily="18" charset="0"/>
+                                        </a:rPr>
+                                      </m:ctrlPr>
+                                    </m:sSubPr>
+                                    <m:e>
+                                      <m:r>
+                                        <a:rPr lang="es-ES" i="1">
+                                          <a:latin typeface="Cambria Math" panose="02040503050406030204" pitchFamily="18" charset="0"/>
+                                        </a:rPr>
+                                        <m:t>𝑎</m:t>
+                                      </m:r>
+                                    </m:e>
+                                    <m:sub>
+                                      <m:r>
+                                        <a:rPr lang="es-ES" i="1">
+                                          <a:latin typeface="Cambria Math" panose="02040503050406030204" pitchFamily="18" charset="0"/>
+                                        </a:rPr>
+                                        <m:t>𝑗</m:t>
+                                      </m:r>
+                                    </m:sub>
+                                  </m:sSub>
+                                </m:sub>
+                              </m:sSub>
+                              <m:r>
+                                <a:rPr lang="es-ES" i="1">
+                                  <a:latin typeface="Cambria Math" panose="02040503050406030204" pitchFamily="18" charset="0"/>
+                                </a:rPr>
+                                <m:t>−</m:t>
+                              </m:r>
+                              <m:sSub>
+                                <m:sSubPr>
+                                  <m:ctrlPr>
+                                    <a:rPr lang="es-ES" i="1">
+                                      <a:latin typeface="Cambria Math" panose="02040503050406030204" pitchFamily="18" charset="0"/>
+                                    </a:rPr>
+                                  </m:ctrlPr>
+                                </m:sSubPr>
+                                <m:e>
+                                  <m:acc>
+                                    <m:accPr>
+                                      <m:chr m:val="̃"/>
+                                      <m:ctrlPr>
+                                        <a:rPr lang="es-ES" i="1" smtClean="0">
+                                          <a:latin typeface="Cambria Math" panose="02040503050406030204" pitchFamily="18" charset="0"/>
+                                        </a:rPr>
+                                      </m:ctrlPr>
+                                    </m:accPr>
+                                    <m:e>
+                                      <m:r>
+                                        <a:rPr lang="es-ES" b="0" i="1" smtClean="0">
+                                          <a:latin typeface="Cambria Math" panose="02040503050406030204" pitchFamily="18" charset="0"/>
+                                        </a:rPr>
+                                        <m:t>𝑦</m:t>
+                                      </m:r>
+                                    </m:e>
+                                  </m:acc>
+                                </m:e>
+                                <m:sub>
+                                  <m:r>
+                                    <a:rPr lang="es-ES" b="0" i="1" smtClean="0">
+                                      <a:latin typeface="Cambria Math" panose="02040503050406030204" pitchFamily="18" charset="0"/>
+                                    </a:rPr>
+                                    <m:t>𝑎</m:t>
+                                  </m:r>
+                                </m:sub>
+                              </m:sSub>
+                            </m:e>
+                          </m:d>
+                        </m:e>
+                      </m:nary>
+                      <m:r>
+                        <a:rPr lang="es-ES" b="0" i="1" smtClean="0">
+                          <a:latin typeface="Cambria Math" panose="02040503050406030204" pitchFamily="18" charset="0"/>
+                        </a:rPr>
+                        <m:t>/</m:t>
+                      </m:r>
+                      <m:r>
+                        <a:rPr lang="es-ES" b="0" i="1" smtClean="0">
+                          <a:latin typeface="Cambria Math" panose="02040503050406030204" pitchFamily="18" charset="0"/>
+                        </a:rPr>
+                        <m:t>𝐿</m:t>
+                      </m:r>
+                    </m:oMath>
+                  </m:oMathPara>
+                </a14:m>
+                <a:endParaRPr lang="en-US" dirty="0"/>
+              </a:p>
+              <a:p>
+                <a:pPr marL="1028700" marR="0" lvl="1" indent="-342900" algn="l" defTabSz="1371600" rtl="0" eaLnBrk="1" fontAlgn="auto" latinLnBrk="0" hangingPunct="1">
+                  <a:lnSpc>
+                    <a:spcPct val="90000"/>
+                  </a:lnSpc>
+                  <a:spcBef>
+                    <a:spcPts val="1800"/>
+                  </a:spcBef>
+                  <a:spcAft>
+                    <a:spcPts val="1200"/>
+                  </a:spcAft>
+                  <a:buClr>
+                    <a:srgbClr val="636B6F"/>
+                  </a:buClr>
+                  <a:buSzTx/>
+                  <a:buFont typeface="Arial" panose="020B0604020202020204" pitchFamily="34" charset="0"/>
+                  <a:buChar char="•"/>
+                  <a:tabLst/>
+                  <a:defRPr/>
+                </a:pPr>
+                <a:r>
+                  <a:rPr lang="es-ES" sz="3600" dirty="0" err="1">
+                    <a:latin typeface="DIN" pitchFamily="50" charset="0"/>
+                  </a:rPr>
+                  <a:t>This</a:t>
+                </a:r>
+                <a:r>
+                  <a:rPr lang="es-ES" sz="3600" dirty="0">
+                    <a:latin typeface="DIN" pitchFamily="50" charset="0"/>
+                  </a:rPr>
+                  <a:t> simple </a:t>
+                </a:r>
+                <a:r>
+                  <a:rPr lang="es-ES" sz="3600" dirty="0" err="1">
+                    <a:latin typeface="DIN" pitchFamily="50" charset="0"/>
+                  </a:rPr>
+                  <a:t>aggregation</a:t>
+                </a:r>
+                <a:r>
+                  <a:rPr lang="es-ES" sz="3600" dirty="0">
+                    <a:latin typeface="DIN" pitchFamily="50" charset="0"/>
+                  </a:rPr>
+                  <a:t> </a:t>
+                </a:r>
+                <a:r>
+                  <a:rPr lang="es-ES" sz="3600" dirty="0" err="1">
+                    <a:latin typeface="DIN" pitchFamily="50" charset="0"/>
+                  </a:rPr>
+                  <a:t>function</a:t>
+                </a:r>
+                <a:r>
+                  <a:rPr lang="es-ES" sz="3600" dirty="0">
+                    <a:latin typeface="DIN" pitchFamily="50" charset="0"/>
+                  </a:rPr>
+                  <a:t> can lead </a:t>
+                </a:r>
+                <a:r>
+                  <a:rPr lang="es-ES" sz="3600" dirty="0" err="1">
+                    <a:latin typeface="DIN" pitchFamily="50" charset="0"/>
+                  </a:rPr>
+                  <a:t>to</a:t>
+                </a:r>
+                <a:r>
+                  <a:rPr lang="es-ES" sz="3600" dirty="0">
+                    <a:latin typeface="DIN" pitchFamily="50" charset="0"/>
+                  </a:rPr>
+                  <a:t> </a:t>
+                </a:r>
+                <a:r>
+                  <a:rPr lang="es-ES" sz="3600" dirty="0" err="1">
+                    <a:latin typeface="DIN" pitchFamily="50" charset="0"/>
+                  </a:rPr>
+                  <a:t>loss</a:t>
+                </a:r>
+                <a:r>
+                  <a:rPr lang="es-ES" sz="3600" dirty="0">
+                    <a:latin typeface="DIN" pitchFamily="50" charset="0"/>
+                  </a:rPr>
+                  <a:t> </a:t>
+                </a:r>
+                <a:r>
+                  <a:rPr lang="es-ES" sz="3600" dirty="0" err="1">
+                    <a:latin typeface="DIN" pitchFamily="50" charset="0"/>
+                  </a:rPr>
+                  <a:t>information</a:t>
+                </a:r>
+                <a:r>
+                  <a:rPr lang="es-ES" sz="3600" dirty="0">
+                    <a:latin typeface="DIN" pitchFamily="50" charset="0"/>
+                  </a:rPr>
+                  <a:t>. </a:t>
+                </a:r>
+                <a:endParaRPr lang="es-ES" dirty="0"/>
+              </a:p>
+              <a:p>
+                <a:pPr marL="0" indent="0">
+                  <a:spcAft>
+                    <a:spcPts val="1200"/>
+                  </a:spcAft>
+                  <a:buNone/>
+                </a:pPr>
+                <a:endParaRPr lang="es-ES" dirty="0"/>
+              </a:p>
+            </p:txBody>
+          </p:sp>
+        </mc:Choice>
+        <mc:Fallback>
+          <p:sp>
+            <p:nvSpPr>
+              <p:cNvPr id="3" name="Marcador de contenido 2">
+                <a:extLst>
+                  <a:ext uri="{FF2B5EF4-FFF2-40B4-BE49-F238E27FC236}">
+                    <a16:creationId xmlns:a16="http://schemas.microsoft.com/office/drawing/2014/main" id="{F89BA901-1B4F-C4CC-10E3-603EDC15B188}"/>
+                  </a:ext>
+                </a:extLst>
+              </p:cNvPr>
+              <p:cNvSpPr>
+                <a:spLocks noGrp="1" noRot="1" noChangeAspect="1" noMove="1" noResize="1" noEditPoints="1" noAdjustHandles="1" noChangeArrowheads="1" noChangeShapeType="1" noTextEdit="1"/>
+              </p:cNvSpPr>
+              <p:nvPr>
+                <p:ph idx="1"/>
+              </p:nvPr>
+            </p:nvSpPr>
+            <p:spPr>
+              <a:blipFill>
+                <a:blip r:embed="rId3"/>
+                <a:stretch>
+                  <a:fillRect l="-1352" t="-2801" r="-1430"/>
+                </a:stretch>
+              </a:blipFill>
+            </p:spPr>
+            <p:txBody>
+              <a:bodyPr/>
+              <a:lstStyle/>
+              <a:p>
+                <a:r>
+                  <a:rPr lang="es-ES">
+                    <a:noFill/>
+                  </a:rPr>
+                  <a:t> </a:t>
+                </a:r>
+              </a:p>
+            </p:txBody>
+          </p:sp>
+        </mc:Fallback>
+      </mc:AlternateContent>
+      <p:sp>
+        <p:nvSpPr>
+          <p:cNvPr id="4" name="Marcador de pie de página 3">
+            <a:extLst>
+              <a:ext uri="{FF2B5EF4-FFF2-40B4-BE49-F238E27FC236}">
+                <a16:creationId xmlns:a16="http://schemas.microsoft.com/office/drawing/2014/main" id="{38B0C3F3-DF84-ABE6-7262-11AC687E7802}"/>
+              </a:ext>
+            </a:extLst>
+          </p:cNvPr>
+          <p:cNvSpPr>
+            <a:spLocks noGrp="1"/>
+          </p:cNvSpPr>
+          <p:nvPr>
+            <p:ph type="ftr" sz="quarter" idx="11"/>
+          </p:nvPr>
+        </p:nvSpPr>
+        <p:spPr/>
+        <p:txBody>
+          <a:bodyPr/>
+          <a:lstStyle/>
+          <a:p>
+            <a:pPr algn="ctr">
+              <a:lnSpc>
+                <a:spcPct val="150000"/>
+              </a:lnSpc>
+              <a:spcAft>
+                <a:spcPts val="800"/>
+              </a:spcAft>
+            </a:pPr>
+            <a:r>
+              <a:rPr lang="en-US" sz="1800" b="1" kern="100" dirty="0">
+                <a:effectLst/>
+                <a:latin typeface="Times New Roman" panose="02020603050405020304" pitchFamily="18" charset="0"/>
+                <a:ea typeface="Aptos" panose="020B0004020202020204" pitchFamily="34" charset="0"/>
+                <a:cs typeface="Times New Roman" panose="02020603050405020304" pitchFamily="18" charset="0"/>
+              </a:rPr>
+              <a:t>Using sensitivity analysis and visualization techniques to open black box data mining models: a </a:t>
+            </a:r>
+            <a:r>
+              <a:rPr lang="en-US" sz="1800" b="1" kern="100" dirty="0" err="1">
+                <a:effectLst/>
+                <a:latin typeface="Times New Roman" panose="02020603050405020304" pitchFamily="18" charset="0"/>
+                <a:ea typeface="Aptos" panose="020B0004020202020204" pitchFamily="34" charset="0"/>
+                <a:cs typeface="Times New Roman" panose="02020603050405020304" pitchFamily="18" charset="0"/>
+              </a:rPr>
+              <a:t>rminer</a:t>
+            </a:r>
+            <a:r>
+              <a:rPr lang="en-US" sz="1800" b="1" kern="100" dirty="0">
+                <a:effectLst/>
+                <a:latin typeface="Times New Roman" panose="02020603050405020304" pitchFamily="18" charset="0"/>
+                <a:ea typeface="Aptos" panose="020B0004020202020204" pitchFamily="34" charset="0"/>
+                <a:cs typeface="Times New Roman" panose="02020603050405020304" pitchFamily="18" charset="0"/>
+              </a:rPr>
+              <a:t> example</a:t>
+            </a:r>
+            <a:endParaRPr lang="es-ES" sz="1600" kern="100" dirty="0">
+              <a:effectLst/>
+              <a:latin typeface="Times New Roman" panose="02020603050405020304" pitchFamily="18" charset="0"/>
+              <a:ea typeface="Aptos" panose="020B0004020202020204" pitchFamily="34" charset="0"/>
+              <a:cs typeface="Times New Roman" panose="02020603050405020304" pitchFamily="18" charset="0"/>
+            </a:endParaRPr>
+          </a:p>
+        </p:txBody>
+      </p:sp>
+      <p:sp>
+        <p:nvSpPr>
+          <p:cNvPr id="5" name="Marcador de número de diapositiva 4">
+            <a:extLst>
+              <a:ext uri="{FF2B5EF4-FFF2-40B4-BE49-F238E27FC236}">
+                <a16:creationId xmlns:a16="http://schemas.microsoft.com/office/drawing/2014/main" id="{F811842D-C9BE-93E8-1152-B7297C5CF176}"/>
+              </a:ext>
+            </a:extLst>
+          </p:cNvPr>
+          <p:cNvSpPr>
+            <a:spLocks noGrp="1"/>
+          </p:cNvSpPr>
+          <p:nvPr>
+            <p:ph type="sldNum" sz="quarter" idx="12"/>
+          </p:nvPr>
+        </p:nvSpPr>
+        <p:spPr/>
+        <p:txBody>
+          <a:bodyPr/>
+          <a:lstStyle/>
+          <a:p>
+            <a:fld id="{DBFF9636-A71C-488A-89F8-02E08556F10C}" type="slidenum">
+              <a:rPr lang="es-ES" smtClean="0"/>
+              <a:pPr/>
+              <a:t>39</a:t>
+            </a:fld>
+            <a:endParaRPr lang="es-ES" dirty="0"/>
+          </a:p>
+        </p:txBody>
+      </p:sp>
+    </p:spTree>
+    <p:extLst>
+      <p:ext uri="{BB962C8B-B14F-4D97-AF65-F5344CB8AC3E}">
+        <p14:creationId xmlns:p14="http://schemas.microsoft.com/office/powerpoint/2010/main" val="3248278169"/>
+      </p:ext>
+    </p:extLst>
+  </p:cSld>
+  <p:clrMapOvr>
+    <a:masterClrMapping/>
+  </p:clrMapOvr>
+  <p:extLst>
+    <p:ext uri="{6950BFC3-D8DA-4A85-94F7-54DA5524770B}">
+      <p188:commentRel xmlns:p188="http://schemas.microsoft.com/office/powerpoint/2018/8/main" r:id="rId2"/>
+    </p:ext>
+  </p:extLst>
+</p:sld>
+</file>
+
+<file path=ppt/slides/slide4.xml><?xml version="1.0" encoding="utf-8"?>
+<p:sld xmlns:a="http://schemas.openxmlformats.org/drawingml/2006/main" xmlns:r="http://schemas.openxmlformats.org/officeDocument/2006/relationships" xmlns:p="http://schemas.openxmlformats.org/presentationml/2006/main">
+  <p:cSld>
+    <p:spTree>
+      <p:nvGrpSpPr>
+        <p:cNvPr id="1" name=""/>
+        <p:cNvGrpSpPr/>
+        <p:nvPr/>
+      </p:nvGrpSpPr>
+      <p:grpSpPr>
+        <a:xfrm>
+          <a:off x="0" y="0"/>
+          <a:ext cx="0" cy="0"/>
+          <a:chOff x="0" y="0"/>
+          <a:chExt cx="0" cy="0"/>
+        </a:xfrm>
+      </p:grpSpPr>
+      <p:sp>
+        <p:nvSpPr>
+          <p:cNvPr id="2" name="Título 1">
+            <a:extLst>
+              <a:ext uri="{FF2B5EF4-FFF2-40B4-BE49-F238E27FC236}">
+                <a16:creationId xmlns:a16="http://schemas.microsoft.com/office/drawing/2014/main" id="{0C2E5771-2858-4C53-BC4D-99C854852A21}"/>
+              </a:ext>
+            </a:extLst>
+          </p:cNvPr>
+          <p:cNvSpPr>
+            <a:spLocks noGrp="1"/>
+          </p:cNvSpPr>
+          <p:nvPr>
+            <p:ph type="ctrTitle"/>
+          </p:nvPr>
+        </p:nvSpPr>
+        <p:spPr/>
+        <p:txBody>
+          <a:bodyPr/>
+          <a:lstStyle/>
+          <a:p>
+            <a:r>
+              <a:rPr lang="en-GB" dirty="0"/>
+              <a:t>Introduction</a:t>
+            </a:r>
+          </a:p>
+        </p:txBody>
+      </p:sp>
+      <p:sp>
+        <p:nvSpPr>
+          <p:cNvPr id="3" name="Subtítulo 2">
+            <a:extLst>
+              <a:ext uri="{FF2B5EF4-FFF2-40B4-BE49-F238E27FC236}">
+                <a16:creationId xmlns:a16="http://schemas.microsoft.com/office/drawing/2014/main" id="{53E1ED9C-83A8-46D1-8BC2-EB59C8F9CAC5}"/>
+              </a:ext>
+            </a:extLst>
+          </p:cNvPr>
+          <p:cNvSpPr>
+            <a:spLocks noGrp="1"/>
+          </p:cNvSpPr>
+          <p:nvPr>
+            <p:ph type="subTitle" idx="1"/>
+          </p:nvPr>
+        </p:nvSpPr>
+        <p:spPr/>
+        <p:txBody>
+          <a:bodyPr/>
+          <a:lstStyle/>
+          <a:p>
+            <a:r>
+              <a:rPr lang="en-GB" dirty="0"/>
+              <a:t>Black Box Analysis</a:t>
+            </a:r>
+          </a:p>
+        </p:txBody>
+      </p:sp>
+      <p:sp>
+        <p:nvSpPr>
+          <p:cNvPr id="4" name="Marcador de pie de página 3">
+            <a:extLst>
+              <a:ext uri="{FF2B5EF4-FFF2-40B4-BE49-F238E27FC236}">
+                <a16:creationId xmlns:a16="http://schemas.microsoft.com/office/drawing/2014/main" id="{381B3B6F-FECE-4896-87FA-A8008A98B5FE}"/>
+              </a:ext>
+            </a:extLst>
+          </p:cNvPr>
+          <p:cNvSpPr>
+            <a:spLocks noGrp="1"/>
+          </p:cNvSpPr>
+          <p:nvPr>
+            <p:ph type="ftr" sz="quarter" idx="11"/>
+          </p:nvPr>
+        </p:nvSpPr>
+        <p:spPr/>
+        <p:txBody>
+          <a:bodyPr/>
+          <a:lstStyle/>
+          <a:p>
+            <a:pPr algn="ctr">
+              <a:lnSpc>
+                <a:spcPct val="150000"/>
+              </a:lnSpc>
+              <a:spcAft>
+                <a:spcPts val="800"/>
+              </a:spcAft>
+            </a:pPr>
+            <a:r>
+              <a:rPr lang="en-US" sz="1800" b="1" kern="100" dirty="0">
+                <a:effectLst/>
+                <a:latin typeface="Times New Roman" panose="02020603050405020304" pitchFamily="18" charset="0"/>
+                <a:ea typeface="Aptos" panose="020B0004020202020204" pitchFamily="34" charset="0"/>
+                <a:cs typeface="Times New Roman" panose="02020603050405020304" pitchFamily="18" charset="0"/>
+              </a:rPr>
+              <a:t>Using sensitivity analysis and visualization techniques to open black box data mining models: a </a:t>
+            </a:r>
+            <a:r>
+              <a:rPr lang="en-US" sz="1800" b="1" kern="100" dirty="0" err="1">
+                <a:effectLst/>
+                <a:latin typeface="Times New Roman" panose="02020603050405020304" pitchFamily="18" charset="0"/>
+                <a:ea typeface="Aptos" panose="020B0004020202020204" pitchFamily="34" charset="0"/>
+                <a:cs typeface="Times New Roman" panose="02020603050405020304" pitchFamily="18" charset="0"/>
+              </a:rPr>
+              <a:t>rminer</a:t>
+            </a:r>
+            <a:r>
+              <a:rPr lang="en-US" sz="1800" b="1" kern="100" dirty="0">
+                <a:effectLst/>
+                <a:latin typeface="Times New Roman" panose="02020603050405020304" pitchFamily="18" charset="0"/>
+                <a:ea typeface="Aptos" panose="020B0004020202020204" pitchFamily="34" charset="0"/>
+                <a:cs typeface="Times New Roman" panose="02020603050405020304" pitchFamily="18" charset="0"/>
+              </a:rPr>
+              <a:t> example</a:t>
+            </a:r>
+            <a:endParaRPr lang="es-ES" sz="1600" kern="100" dirty="0">
+              <a:effectLst/>
+              <a:latin typeface="Times New Roman" panose="02020603050405020304" pitchFamily="18" charset="0"/>
+              <a:ea typeface="Aptos" panose="020B0004020202020204" pitchFamily="34" charset="0"/>
+              <a:cs typeface="Times New Roman" panose="02020603050405020304" pitchFamily="18" charset="0"/>
+            </a:endParaRPr>
+          </a:p>
+        </p:txBody>
+      </p:sp>
+      <p:sp>
+        <p:nvSpPr>
+          <p:cNvPr id="5" name="Marcador de número de diapositiva 4">
+            <a:extLst>
+              <a:ext uri="{FF2B5EF4-FFF2-40B4-BE49-F238E27FC236}">
+                <a16:creationId xmlns:a16="http://schemas.microsoft.com/office/drawing/2014/main" id="{0E8AE3DB-0025-48B5-B3B4-DC55498EB70D}"/>
+              </a:ext>
+            </a:extLst>
+          </p:cNvPr>
+          <p:cNvSpPr>
+            <a:spLocks noGrp="1"/>
+          </p:cNvSpPr>
+          <p:nvPr>
+            <p:ph type="sldNum" sz="quarter" idx="12"/>
+          </p:nvPr>
+        </p:nvSpPr>
+        <p:spPr/>
+        <p:txBody>
+          <a:bodyPr/>
+          <a:lstStyle/>
+          <a:p>
+            <a:fld id="{DBFF9636-A71C-488A-89F8-02E08556F10C}" type="slidenum">
+              <a:rPr lang="es-ES" smtClean="0"/>
+              <a:pPr/>
+              <a:t>4</a:t>
+            </a:fld>
+            <a:endParaRPr lang="es-ES" dirty="0"/>
+          </a:p>
+        </p:txBody>
+      </p:sp>
+    </p:spTree>
+    <p:extLst>
+      <p:ext uri="{BB962C8B-B14F-4D97-AF65-F5344CB8AC3E}">
+        <p14:creationId xmlns:p14="http://schemas.microsoft.com/office/powerpoint/2010/main" val="3335459780"/>
+      </p:ext>
+    </p:extLst>
+  </p:cSld>
+  <p:clrMapOvr>
+    <a:masterClrMapping/>
+  </p:clrMapOvr>
+</p:sld>
+</file>
+
+<file path=ppt/slides/slide40.xml><?xml version="1.0" encoding="utf-8"?>
+<p:sld xmlns:a="http://schemas.openxmlformats.org/drawingml/2006/main" xmlns:r="http://schemas.openxmlformats.org/officeDocument/2006/relationships" xmlns:p="http://schemas.openxmlformats.org/presentationml/2006/main">
+  <p:cSld>
+    <p:spTree>
+      <p:nvGrpSpPr>
+        <p:cNvPr id="1" name=""/>
+        <p:cNvGrpSpPr/>
+        <p:nvPr/>
+      </p:nvGrpSpPr>
+      <p:grpSpPr>
+        <a:xfrm>
+          <a:off x="0" y="0"/>
+          <a:ext cx="0" cy="0"/>
+          <a:chOff x="0" y="0"/>
+          <a:chExt cx="0" cy="0"/>
+        </a:xfrm>
+      </p:grpSpPr>
+      <p:sp>
+        <p:nvSpPr>
+          <p:cNvPr id="2" name="Título 1">
+            <a:extLst>
+              <a:ext uri="{FF2B5EF4-FFF2-40B4-BE49-F238E27FC236}">
+                <a16:creationId xmlns:a16="http://schemas.microsoft.com/office/drawing/2014/main" id="{EFA3559C-B19D-7748-9F2B-B49DF3937433}"/>
+              </a:ext>
+            </a:extLst>
+          </p:cNvPr>
+          <p:cNvSpPr>
+            <a:spLocks noGrp="1"/>
+          </p:cNvSpPr>
+          <p:nvPr>
+            <p:ph type="title"/>
+          </p:nvPr>
+        </p:nvSpPr>
+        <p:spPr/>
+        <p:txBody>
+          <a:bodyPr/>
+          <a:lstStyle/>
+          <a:p>
+            <a:r>
+              <a:rPr lang="en-US" sz="6600" b="1" dirty="0">
+                <a:effectLst/>
+                <a:latin typeface="Times New Roman" panose="02020603050405020304" pitchFamily="18" charset="0"/>
+                <a:ea typeface="Aptos" panose="020B0004020202020204" pitchFamily="34" charset="0"/>
+              </a:rPr>
+              <a:t>Sensitivity measures: Sensitivity response aggregation function </a:t>
+            </a:r>
+            <a:endParaRPr lang="es-ES" dirty="0"/>
+          </a:p>
+        </p:txBody>
+      </p:sp>
+      <p:sp>
+        <p:nvSpPr>
+          <p:cNvPr id="3" name="Marcador de contenido 2">
+            <a:extLst>
+              <a:ext uri="{FF2B5EF4-FFF2-40B4-BE49-F238E27FC236}">
+                <a16:creationId xmlns:a16="http://schemas.microsoft.com/office/drawing/2014/main" id="{F89BA901-1B4F-C4CC-10E3-603EDC15B188}"/>
+              </a:ext>
+            </a:extLst>
+          </p:cNvPr>
+          <p:cNvSpPr>
+            <a:spLocks noGrp="1"/>
+          </p:cNvSpPr>
+          <p:nvPr>
+            <p:ph idx="1"/>
+          </p:nvPr>
+        </p:nvSpPr>
+        <p:spPr/>
+        <p:txBody>
+          <a:bodyPr>
+            <a:normAutofit/>
+          </a:bodyPr>
+          <a:lstStyle/>
+          <a:p>
+            <a:pPr marL="685800" lvl="1" indent="0">
+              <a:spcAft>
+                <a:spcPts val="1200"/>
+              </a:spcAft>
+              <a:buNone/>
+            </a:pPr>
+            <a:endParaRPr lang="en-US" dirty="0"/>
+          </a:p>
+          <a:p>
+            <a:pPr marL="0" indent="0">
+              <a:spcAft>
+                <a:spcPts val="1200"/>
+              </a:spcAft>
+              <a:buNone/>
+            </a:pPr>
+            <a:endParaRPr lang="es-ES" dirty="0"/>
+          </a:p>
+          <a:p>
+            <a:pPr marL="0" indent="0">
+              <a:spcAft>
+                <a:spcPts val="1200"/>
+              </a:spcAft>
+              <a:buNone/>
+            </a:pPr>
+            <a:endParaRPr lang="es-ES" dirty="0"/>
+          </a:p>
+        </p:txBody>
+      </p:sp>
+      <p:sp>
+        <p:nvSpPr>
+          <p:cNvPr id="4" name="Marcador de pie de página 3">
+            <a:extLst>
+              <a:ext uri="{FF2B5EF4-FFF2-40B4-BE49-F238E27FC236}">
+                <a16:creationId xmlns:a16="http://schemas.microsoft.com/office/drawing/2014/main" id="{38B0C3F3-DF84-ABE6-7262-11AC687E7802}"/>
+              </a:ext>
+            </a:extLst>
+          </p:cNvPr>
+          <p:cNvSpPr>
+            <a:spLocks noGrp="1"/>
+          </p:cNvSpPr>
+          <p:nvPr>
+            <p:ph type="ftr" sz="quarter" idx="11"/>
+          </p:nvPr>
+        </p:nvSpPr>
+        <p:spPr/>
+        <p:txBody>
+          <a:bodyPr/>
+          <a:lstStyle/>
+          <a:p>
+            <a:pPr algn="ctr">
+              <a:lnSpc>
+                <a:spcPct val="150000"/>
+              </a:lnSpc>
+              <a:spcAft>
+                <a:spcPts val="800"/>
+              </a:spcAft>
+            </a:pPr>
+            <a:r>
+              <a:rPr lang="en-US" sz="1800" b="1" kern="100" dirty="0">
+                <a:effectLst/>
+                <a:latin typeface="Times New Roman" panose="02020603050405020304" pitchFamily="18" charset="0"/>
+                <a:ea typeface="Aptos" panose="020B0004020202020204" pitchFamily="34" charset="0"/>
+                <a:cs typeface="Times New Roman" panose="02020603050405020304" pitchFamily="18" charset="0"/>
+              </a:rPr>
+              <a:t>Using sensitivity analysis and visualization techniques to open black box data mining models: a </a:t>
+            </a:r>
+            <a:r>
+              <a:rPr lang="en-US" sz="1800" b="1" kern="100" dirty="0" err="1">
+                <a:effectLst/>
+                <a:latin typeface="Times New Roman" panose="02020603050405020304" pitchFamily="18" charset="0"/>
+                <a:ea typeface="Aptos" panose="020B0004020202020204" pitchFamily="34" charset="0"/>
+                <a:cs typeface="Times New Roman" panose="02020603050405020304" pitchFamily="18" charset="0"/>
+              </a:rPr>
+              <a:t>rminer</a:t>
+            </a:r>
+            <a:r>
+              <a:rPr lang="en-US" sz="1800" b="1" kern="100" dirty="0">
+                <a:effectLst/>
+                <a:latin typeface="Times New Roman" panose="02020603050405020304" pitchFamily="18" charset="0"/>
+                <a:ea typeface="Aptos" panose="020B0004020202020204" pitchFamily="34" charset="0"/>
+                <a:cs typeface="Times New Roman" panose="02020603050405020304" pitchFamily="18" charset="0"/>
+              </a:rPr>
+              <a:t> example</a:t>
+            </a:r>
+            <a:endParaRPr lang="es-ES" sz="1600" kern="100" dirty="0">
+              <a:effectLst/>
+              <a:latin typeface="Times New Roman" panose="02020603050405020304" pitchFamily="18" charset="0"/>
+              <a:ea typeface="Aptos" panose="020B0004020202020204" pitchFamily="34" charset="0"/>
+              <a:cs typeface="Times New Roman" panose="02020603050405020304" pitchFamily="18" charset="0"/>
+            </a:endParaRPr>
+          </a:p>
+        </p:txBody>
+      </p:sp>
+      <p:sp>
+        <p:nvSpPr>
+          <p:cNvPr id="5" name="Marcador de número de diapositiva 4">
+            <a:extLst>
+              <a:ext uri="{FF2B5EF4-FFF2-40B4-BE49-F238E27FC236}">
+                <a16:creationId xmlns:a16="http://schemas.microsoft.com/office/drawing/2014/main" id="{F811842D-C9BE-93E8-1152-B7297C5CF176}"/>
+              </a:ext>
+            </a:extLst>
+          </p:cNvPr>
+          <p:cNvSpPr>
+            <a:spLocks noGrp="1"/>
+          </p:cNvSpPr>
+          <p:nvPr>
+            <p:ph type="sldNum" sz="quarter" idx="12"/>
+          </p:nvPr>
+        </p:nvSpPr>
+        <p:spPr/>
+        <p:txBody>
+          <a:bodyPr/>
+          <a:lstStyle/>
+          <a:p>
+            <a:fld id="{DBFF9636-A71C-488A-89F8-02E08556F10C}" type="slidenum">
+              <a:rPr lang="es-ES" smtClean="0"/>
+              <a:pPr/>
+              <a:t>40</a:t>
+            </a:fld>
+            <a:endParaRPr lang="es-ES" dirty="0"/>
+          </a:p>
+        </p:txBody>
+      </p:sp>
+      <p:pic>
+        <p:nvPicPr>
+          <p:cNvPr id="7" name="Imagen 6">
+            <a:extLst>
+              <a:ext uri="{FF2B5EF4-FFF2-40B4-BE49-F238E27FC236}">
+                <a16:creationId xmlns:a16="http://schemas.microsoft.com/office/drawing/2014/main" id="{FD4C34C4-31AE-324D-071B-309C29364546}"/>
+              </a:ext>
+            </a:extLst>
+          </p:cNvPr>
+          <p:cNvPicPr>
+            <a:picLocks noChangeAspect="1"/>
+          </p:cNvPicPr>
+          <p:nvPr/>
+        </p:nvPicPr>
+        <p:blipFill>
+          <a:blip r:embed="rId2"/>
+          <a:stretch>
+            <a:fillRect/>
+          </a:stretch>
+        </p:blipFill>
+        <p:spPr>
+          <a:xfrm>
+            <a:off x="6529766" y="4582092"/>
+            <a:ext cx="5228467" cy="2450305"/>
+          </a:xfrm>
+          <a:prstGeom prst="rect">
+            <a:avLst/>
+          </a:prstGeom>
+        </p:spPr>
+      </p:pic>
+      <mc:AlternateContent xmlns:mc="http://schemas.openxmlformats.org/markup-compatibility/2006">
+        <mc:Choice xmlns:a14="http://schemas.microsoft.com/office/drawing/2010/main" Requires="a14">
+          <p:sp>
+            <p:nvSpPr>
+              <p:cNvPr id="9" name="CuadroTexto 8">
+                <a:extLst>
+                  <a:ext uri="{FF2B5EF4-FFF2-40B4-BE49-F238E27FC236}">
+                    <a16:creationId xmlns:a16="http://schemas.microsoft.com/office/drawing/2014/main" id="{9550EDA4-09C7-18CB-BDB4-61A107ED8D94}"/>
+                  </a:ext>
+                </a:extLst>
+              </p:cNvPr>
+              <p:cNvSpPr txBox="1"/>
+              <p:nvPr/>
+            </p:nvSpPr>
+            <p:spPr>
+              <a:xfrm>
+                <a:off x="1257300" y="3002045"/>
+                <a:ext cx="15773400" cy="6135269"/>
+              </a:xfrm>
+              <a:prstGeom prst="rect">
+                <a:avLst/>
+              </a:prstGeom>
+              <a:noFill/>
+            </p:spPr>
+            <p:txBody>
+              <a:bodyPr wrap="square">
+                <a:spAutoFit/>
+              </a:bodyPr>
+              <a:lstStyle/>
+              <a:p>
+                <a:pPr marL="342900" marR="0" lvl="1" indent="-342900" fontAlgn="auto">
+                  <a:lnSpc>
+                    <a:spcPct val="90000"/>
+                  </a:lnSpc>
+                  <a:spcBef>
+                    <a:spcPts val="1500"/>
+                  </a:spcBef>
+                  <a:spcAft>
+                    <a:spcPts val="1200"/>
+                  </a:spcAft>
+                  <a:buClr>
+                    <a:srgbClr val="636B6F"/>
+                  </a:buClr>
+                  <a:buSzTx/>
+                  <a:buFont typeface="Arial" panose="020B0604020202020204" pitchFamily="34" charset="0"/>
+                  <a:buChar char="•"/>
+                  <a:tabLst/>
+                  <a:defRPr/>
+                </a:pPr>
+                <a:r>
+                  <a:rPr lang="es-ES" sz="4200" dirty="0">
+                    <a:latin typeface="DIN" pitchFamily="50" charset="0"/>
+                  </a:rPr>
+                  <a:t>To </a:t>
+                </a:r>
+                <a:r>
+                  <a:rPr lang="es-ES" sz="4200" dirty="0" err="1">
+                    <a:latin typeface="DIN" pitchFamily="50" charset="0"/>
+                  </a:rPr>
+                  <a:t>solve</a:t>
+                </a:r>
+                <a:r>
+                  <a:rPr lang="es-ES" sz="4200" dirty="0">
+                    <a:latin typeface="DIN" pitchFamily="50" charset="0"/>
+                  </a:rPr>
+                  <a:t> </a:t>
+                </a:r>
+                <a:r>
+                  <a:rPr lang="es-ES" sz="4200" dirty="0" err="1">
+                    <a:latin typeface="DIN" pitchFamily="50" charset="0"/>
+                  </a:rPr>
+                  <a:t>this</a:t>
+                </a:r>
+                <a:r>
+                  <a:rPr lang="es-ES" sz="4200" dirty="0">
+                    <a:latin typeface="DIN" pitchFamily="50" charset="0"/>
+                  </a:rPr>
+                  <a:t> </a:t>
+                </a:r>
+                <a:r>
+                  <a:rPr lang="es-ES" sz="4200" dirty="0" err="1">
+                    <a:latin typeface="DIN" pitchFamily="50" charset="0"/>
+                  </a:rPr>
+                  <a:t>problem</a:t>
+                </a:r>
+                <a:r>
+                  <a:rPr lang="es-ES" sz="4200" dirty="0">
+                    <a:latin typeface="DIN" pitchFamily="50" charset="0"/>
+                  </a:rPr>
+                  <a:t>, Cortez et al. (2024) </a:t>
+                </a:r>
+                <a:r>
+                  <a:rPr lang="es-ES" sz="4200" dirty="0" err="1">
+                    <a:latin typeface="DIN" pitchFamily="50" charset="0"/>
+                  </a:rPr>
+                  <a:t>propose</a:t>
+                </a:r>
+                <a:r>
+                  <a:rPr lang="es-ES" sz="4200" dirty="0">
+                    <a:latin typeface="DIN" pitchFamily="50" charset="0"/>
+                  </a:rPr>
+                  <a:t> </a:t>
+                </a:r>
+                <a:r>
+                  <a:rPr lang="es-ES" sz="4200" dirty="0" err="1">
+                    <a:latin typeface="DIN" pitchFamily="50" charset="0"/>
+                  </a:rPr>
+                  <a:t>multi-statistic</a:t>
+                </a:r>
+                <a:r>
+                  <a:rPr lang="es-ES" sz="4200" dirty="0">
+                    <a:latin typeface="DIN" pitchFamily="50" charset="0"/>
+                  </a:rPr>
+                  <a:t> </a:t>
+                </a:r>
+                <a:r>
+                  <a:rPr lang="es-ES" sz="4200" dirty="0" err="1">
+                    <a:latin typeface="DIN" pitchFamily="50" charset="0"/>
+                  </a:rPr>
+                  <a:t>aggregation</a:t>
+                </a:r>
+                <a:r>
+                  <a:rPr lang="es-ES" sz="4200" dirty="0">
+                    <a:latin typeface="DIN" pitchFamily="50" charset="0"/>
+                  </a:rPr>
+                  <a:t> </a:t>
+                </a:r>
+                <a:r>
+                  <a:rPr lang="es-ES" sz="4200" dirty="0" err="1">
+                    <a:latin typeface="DIN" pitchFamily="50" charset="0"/>
+                  </a:rPr>
+                  <a:t>for</a:t>
+                </a:r>
+                <a:r>
+                  <a:rPr lang="es-ES" sz="4200" dirty="0">
+                    <a:latin typeface="DIN" pitchFamily="50" charset="0"/>
+                  </a:rPr>
+                  <a:t> </a:t>
+                </a:r>
+                <a:r>
+                  <a:rPr lang="es-ES" sz="4200" dirty="0" err="1">
+                    <a:latin typeface="DIN" pitchFamily="50" charset="0"/>
+                  </a:rPr>
+                  <a:t>regression</a:t>
+                </a:r>
+                <a:r>
+                  <a:rPr lang="es-ES" sz="4200" dirty="0">
+                    <a:latin typeface="DIN" pitchFamily="50" charset="0"/>
+                  </a:rPr>
+                  <a:t> </a:t>
+                </a:r>
+                <a:r>
+                  <a:rPr lang="es-ES" sz="4200" dirty="0" err="1">
+                    <a:latin typeface="DIN" pitchFamily="50" charset="0"/>
+                  </a:rPr>
+                  <a:t>tasks</a:t>
+                </a:r>
+                <a:r>
+                  <a:rPr lang="es-ES" sz="4200" dirty="0">
+                    <a:latin typeface="DIN" pitchFamily="50" charset="0"/>
+                  </a:rPr>
+                  <a:t>.</a:t>
+                </a:r>
+              </a:p>
+              <a:p>
+                <a:pPr marL="342900" marR="0" lvl="1" indent="-342900" fontAlgn="auto">
+                  <a:lnSpc>
+                    <a:spcPct val="90000"/>
+                  </a:lnSpc>
+                  <a:spcBef>
+                    <a:spcPts val="1500"/>
+                  </a:spcBef>
+                  <a:spcAft>
+                    <a:spcPts val="1200"/>
+                  </a:spcAft>
+                  <a:buClr>
+                    <a:srgbClr val="636B6F"/>
+                  </a:buClr>
+                  <a:buSzTx/>
+                  <a:buFont typeface="Arial" panose="020B0604020202020204" pitchFamily="34" charset="0"/>
+                  <a:buChar char="•"/>
+                  <a:tabLst/>
+                  <a:defRPr/>
+                </a:pPr>
+                <a:endParaRPr lang="es-ES" sz="4200" dirty="0">
+                  <a:latin typeface="DIN" pitchFamily="50" charset="0"/>
+                </a:endParaRPr>
+              </a:p>
+              <a:p>
+                <a:pPr marL="342900" marR="0" lvl="1" indent="-342900" fontAlgn="auto">
+                  <a:lnSpc>
+                    <a:spcPct val="90000"/>
+                  </a:lnSpc>
+                  <a:spcBef>
+                    <a:spcPts val="1500"/>
+                  </a:spcBef>
+                  <a:spcAft>
+                    <a:spcPts val="1200"/>
+                  </a:spcAft>
+                  <a:buClr>
+                    <a:srgbClr val="636B6F"/>
+                  </a:buClr>
+                  <a:buSzTx/>
+                  <a:buFont typeface="Arial" panose="020B0604020202020204" pitchFamily="34" charset="0"/>
+                  <a:buChar char="•"/>
+                  <a:tabLst/>
+                  <a:defRPr/>
+                </a:pPr>
+                <a:endParaRPr lang="es-ES" sz="4200" dirty="0">
+                  <a:latin typeface="DIN" pitchFamily="50" charset="0"/>
+                </a:endParaRPr>
+              </a:p>
+              <a:p>
+                <a:pPr marL="0" marR="0" lvl="1" fontAlgn="auto">
+                  <a:lnSpc>
+                    <a:spcPct val="90000"/>
+                  </a:lnSpc>
+                  <a:spcBef>
+                    <a:spcPts val="1500"/>
+                  </a:spcBef>
+                  <a:spcAft>
+                    <a:spcPts val="1200"/>
+                  </a:spcAft>
+                  <a:buClr>
+                    <a:srgbClr val="636B6F"/>
+                  </a:buClr>
+                  <a:buSzTx/>
+                  <a:tabLst/>
+                  <a:defRPr/>
+                </a:pPr>
+                <a:endParaRPr lang="es-ES" sz="4200" dirty="0">
+                  <a:latin typeface="DIN" pitchFamily="50" charset="0"/>
+                </a:endParaRPr>
+              </a:p>
+              <a:p>
+                <a:pPr marL="342900" marR="0" lvl="1" indent="-342900" fontAlgn="auto">
+                  <a:lnSpc>
+                    <a:spcPct val="90000"/>
+                  </a:lnSpc>
+                  <a:spcBef>
+                    <a:spcPts val="1500"/>
+                  </a:spcBef>
+                  <a:spcAft>
+                    <a:spcPts val="1200"/>
+                  </a:spcAft>
+                  <a:buClr>
+                    <a:srgbClr val="636B6F"/>
+                  </a:buClr>
+                  <a:buSzTx/>
+                  <a:buFont typeface="Arial" panose="020B0604020202020204" pitchFamily="34" charset="0"/>
+                  <a:buChar char="•"/>
+                  <a:tabLst/>
+                  <a:defRPr/>
+                </a:pPr>
+                <a14:m>
+                  <m:oMath xmlns:m="http://schemas.openxmlformats.org/officeDocument/2006/math">
+                    <m:sSub>
+                      <m:sSubPr>
+                        <m:ctrlPr>
+                          <a:rPr lang="es-ES" sz="4200" i="1" smtClean="0">
+                            <a:latin typeface="Cambria Math" panose="02040503050406030204" pitchFamily="18" charset="0"/>
+                          </a:rPr>
+                        </m:ctrlPr>
+                      </m:sSubPr>
+                      <m:e>
+                        <m:r>
+                          <a:rPr lang="en-US" sz="4400" i="1">
+                            <a:latin typeface="Cambria Math" panose="02040503050406030204" pitchFamily="18" charset="0"/>
+                            <a:ea typeface="Cambria Math" panose="02040503050406030204" pitchFamily="18" charset="0"/>
+                          </a:rPr>
+                          <m:t>𝜍</m:t>
+                        </m:r>
+                      </m:e>
+                      <m:sub>
+                        <m:acc>
+                          <m:accPr>
+                            <m:chr m:val="̂"/>
+                            <m:ctrlPr>
+                              <a:rPr lang="es-ES" sz="4200" i="1" smtClean="0">
+                                <a:latin typeface="Cambria Math" panose="02040503050406030204" pitchFamily="18" charset="0"/>
+                              </a:rPr>
+                            </m:ctrlPr>
+                          </m:accPr>
+                          <m:e>
+                            <m:r>
+                              <a:rPr lang="es-ES" sz="4200" b="0" i="1" smtClean="0">
+                                <a:latin typeface="Cambria Math" panose="02040503050406030204" pitchFamily="18" charset="0"/>
+                              </a:rPr>
+                              <m:t>𝑦</m:t>
+                            </m:r>
+                          </m:e>
+                        </m:acc>
+                      </m:sub>
+                    </m:sSub>
+                  </m:oMath>
+                </a14:m>
+                <a:r>
+                  <a:rPr lang="es-ES" sz="4200" dirty="0">
+                    <a:latin typeface="DIN" pitchFamily="50" charset="0"/>
+                  </a:rPr>
+                  <a:t> </a:t>
+                </a:r>
+                <a:r>
+                  <a:rPr lang="es-ES" sz="4200" dirty="0" err="1">
+                    <a:latin typeface="DIN" pitchFamily="50" charset="0"/>
+                  </a:rPr>
+                  <a:t>is</a:t>
+                </a:r>
+                <a:r>
+                  <a:rPr lang="es-ES" sz="4200" dirty="0">
+                    <a:latin typeface="DIN" pitchFamily="50" charset="0"/>
+                  </a:rPr>
+                  <a:t> </a:t>
+                </a:r>
+                <a:r>
+                  <a:rPr lang="es-ES" sz="4200" dirty="0" err="1">
+                    <a:latin typeface="DIN" pitchFamily="50" charset="0"/>
+                  </a:rPr>
+                  <a:t>the</a:t>
+                </a:r>
+                <a:r>
+                  <a:rPr lang="es-ES" sz="4200" dirty="0">
+                    <a:latin typeface="DIN" pitchFamily="50" charset="0"/>
+                  </a:rPr>
+                  <a:t> </a:t>
+                </a:r>
+                <a:r>
+                  <a:rPr lang="es-ES" sz="4200" dirty="0" err="1">
+                    <a:latin typeface="DIN" pitchFamily="50" charset="0"/>
+                  </a:rPr>
+                  <a:t>sensitivity</a:t>
+                </a:r>
+                <a:r>
+                  <a:rPr lang="es-ES" sz="4200" dirty="0">
+                    <a:latin typeface="DIN" pitchFamily="50" charset="0"/>
+                  </a:rPr>
+                  <a:t> </a:t>
+                </a:r>
+                <a:r>
+                  <a:rPr lang="es-ES" sz="4200" dirty="0" err="1">
+                    <a:latin typeface="DIN" pitchFamily="50" charset="0"/>
+                  </a:rPr>
+                  <a:t>measure</a:t>
+                </a:r>
+                <a:r>
+                  <a:rPr lang="es-ES" sz="4200" dirty="0">
+                    <a:latin typeface="DIN" pitchFamily="50" charset="0"/>
+                  </a:rPr>
+                  <a:t> </a:t>
+                </a:r>
+                <a:r>
+                  <a:rPr lang="es-ES" sz="4200" dirty="0" err="1">
+                    <a:latin typeface="DIN" pitchFamily="50" charset="0"/>
+                  </a:rPr>
+                  <a:t>for</a:t>
+                </a:r>
+                <a:r>
+                  <a:rPr lang="es-ES" sz="4200" dirty="0">
+                    <a:latin typeface="DIN" pitchFamily="50" charset="0"/>
+                  </a:rPr>
+                  <a:t> </a:t>
+                </a:r>
+                <a:r>
+                  <a:rPr lang="es-ES" sz="4200" dirty="0" err="1">
+                    <a:latin typeface="DIN" pitchFamily="50" charset="0"/>
+                  </a:rPr>
+                  <a:t>each</a:t>
+                </a:r>
+                <a:r>
+                  <a:rPr lang="es-ES" sz="4200" dirty="0">
+                    <a:latin typeface="DIN" pitchFamily="50" charset="0"/>
+                  </a:rPr>
+                  <a:t> </a:t>
+                </a:r>
+                <a:r>
+                  <a:rPr lang="es-ES" sz="4200" dirty="0" err="1">
+                    <a:latin typeface="DIN" pitchFamily="50" charset="0"/>
+                  </a:rPr>
+                  <a:t>statistic</a:t>
+                </a:r>
+                <a:r>
+                  <a:rPr lang="es-ES" sz="4200" dirty="0">
+                    <a:latin typeface="DIN" pitchFamily="50" charset="0"/>
+                  </a:rPr>
+                  <a:t> (min, </a:t>
+                </a:r>
+                <a:r>
+                  <a:rPr lang="es-ES" sz="4200" dirty="0" err="1">
+                    <a:latin typeface="DIN" pitchFamily="50" charset="0"/>
+                  </a:rPr>
+                  <a:t>avg</a:t>
+                </a:r>
+                <a:r>
+                  <a:rPr lang="es-ES" sz="4200" dirty="0">
+                    <a:latin typeface="DIN" pitchFamily="50" charset="0"/>
+                  </a:rPr>
+                  <a:t> and </a:t>
+                </a:r>
+                <a:r>
+                  <a:rPr lang="es-ES" sz="4200" dirty="0" err="1">
+                    <a:latin typeface="DIN" pitchFamily="50" charset="0"/>
+                  </a:rPr>
+                  <a:t>max</a:t>
+                </a:r>
+                <a:r>
+                  <a:rPr lang="es-ES" sz="4200" dirty="0">
+                    <a:latin typeface="DIN" pitchFamily="50" charset="0"/>
+                  </a:rPr>
+                  <a:t>)</a:t>
+                </a:r>
+              </a:p>
+              <a:p>
+                <a:pPr marL="0" marR="0" lvl="1" fontAlgn="auto">
+                  <a:lnSpc>
+                    <a:spcPct val="90000"/>
+                  </a:lnSpc>
+                  <a:spcBef>
+                    <a:spcPts val="1500"/>
+                  </a:spcBef>
+                  <a:spcAft>
+                    <a:spcPts val="1200"/>
+                  </a:spcAft>
+                  <a:buClr>
+                    <a:srgbClr val="636B6F"/>
+                  </a:buClr>
+                  <a:buSzTx/>
+                  <a:tabLst/>
+                  <a:defRPr/>
+                </a:pPr>
+                <a:endParaRPr lang="es-ES" sz="1400" dirty="0">
+                  <a:latin typeface="DIN" pitchFamily="50" charset="0"/>
+                </a:endParaRPr>
+              </a:p>
+            </p:txBody>
+          </p:sp>
+        </mc:Choice>
+        <mc:Fallback>
+          <p:sp>
+            <p:nvSpPr>
+              <p:cNvPr id="9" name="CuadroTexto 8">
+                <a:extLst>
+                  <a:ext uri="{FF2B5EF4-FFF2-40B4-BE49-F238E27FC236}">
+                    <a16:creationId xmlns:a16="http://schemas.microsoft.com/office/drawing/2014/main" id="{9550EDA4-09C7-18CB-BDB4-61A107ED8D94}"/>
+                  </a:ext>
+                </a:extLst>
+              </p:cNvPr>
+              <p:cNvSpPr txBox="1">
+                <a:spLocks noRot="1" noChangeAspect="1" noMove="1" noResize="1" noEditPoints="1" noAdjustHandles="1" noChangeArrowheads="1" noChangeShapeType="1" noTextEdit="1"/>
+              </p:cNvSpPr>
+              <p:nvPr/>
+            </p:nvSpPr>
+            <p:spPr>
+              <a:xfrm>
+                <a:off x="1257300" y="3002045"/>
+                <a:ext cx="15773400" cy="6135269"/>
+              </a:xfrm>
+              <a:prstGeom prst="rect">
+                <a:avLst/>
+              </a:prstGeom>
+              <a:blipFill>
+                <a:blip r:embed="rId3"/>
+                <a:stretch>
+                  <a:fillRect l="-1352" t="-2979"/>
+                </a:stretch>
+              </a:blipFill>
+            </p:spPr>
+            <p:txBody>
+              <a:bodyPr/>
+              <a:lstStyle/>
+              <a:p>
+                <a:r>
+                  <a:rPr lang="es-ES">
+                    <a:noFill/>
+                  </a:rPr>
+                  <a:t> </a:t>
+                </a:r>
+              </a:p>
+            </p:txBody>
+          </p:sp>
+        </mc:Fallback>
+      </mc:AlternateContent>
+    </p:spTree>
+    <p:extLst>
+      <p:ext uri="{BB962C8B-B14F-4D97-AF65-F5344CB8AC3E}">
+        <p14:creationId xmlns:p14="http://schemas.microsoft.com/office/powerpoint/2010/main" val="340179106"/>
+      </p:ext>
+    </p:extLst>
+  </p:cSld>
+  <p:clrMapOvr>
+    <a:masterClrMapping/>
+  </p:clrMapOvr>
+</p:sld>
+</file>
+
+<file path=ppt/slides/slide41.xml><?xml version="1.0" encoding="utf-8"?>
+<p:sld xmlns:a="http://schemas.openxmlformats.org/drawingml/2006/main" xmlns:r="http://schemas.openxmlformats.org/officeDocument/2006/relationships" xmlns:p="http://schemas.openxmlformats.org/presentationml/2006/main">
+  <p:cSld>
+    <p:spTree>
+      <p:nvGrpSpPr>
+        <p:cNvPr id="1" name=""/>
+        <p:cNvGrpSpPr/>
+        <p:nvPr/>
+      </p:nvGrpSpPr>
+      <p:grpSpPr>
+        <a:xfrm>
+          <a:off x="0" y="0"/>
+          <a:ext cx="0" cy="0"/>
+          <a:chOff x="0" y="0"/>
+          <a:chExt cx="0" cy="0"/>
+        </a:xfrm>
+      </p:grpSpPr>
+      <p:sp>
+        <p:nvSpPr>
+          <p:cNvPr id="2" name="Título 1">
+            <a:extLst>
+              <a:ext uri="{FF2B5EF4-FFF2-40B4-BE49-F238E27FC236}">
+                <a16:creationId xmlns:a16="http://schemas.microsoft.com/office/drawing/2014/main" id="{EFA3559C-B19D-7748-9F2B-B49DF3937433}"/>
+              </a:ext>
+            </a:extLst>
+          </p:cNvPr>
+          <p:cNvSpPr>
+            <a:spLocks noGrp="1"/>
+          </p:cNvSpPr>
+          <p:nvPr>
+            <p:ph type="title"/>
+          </p:nvPr>
+        </p:nvSpPr>
+        <p:spPr/>
+        <p:txBody>
+          <a:bodyPr/>
+          <a:lstStyle/>
+          <a:p>
+            <a:r>
+              <a:rPr lang="en-US" sz="6600" b="1" dirty="0">
+                <a:effectLst/>
+                <a:latin typeface="Times New Roman" panose="02020603050405020304" pitchFamily="18" charset="0"/>
+                <a:ea typeface="Aptos" panose="020B0004020202020204" pitchFamily="34" charset="0"/>
+              </a:rPr>
+              <a:t>Sensitivity measures: Sensitivity response aggregation function </a:t>
+            </a:r>
+            <a:endParaRPr lang="es-ES" dirty="0"/>
+          </a:p>
+        </p:txBody>
+      </p:sp>
+      <mc:AlternateContent xmlns:mc="http://schemas.openxmlformats.org/markup-compatibility/2006">
+        <mc:Choice xmlns:a14="http://schemas.microsoft.com/office/drawing/2010/main" Requires="a14">
+          <p:sp>
+            <p:nvSpPr>
+              <p:cNvPr id="3" name="Marcador de contenido 2">
+                <a:extLst>
+                  <a:ext uri="{FF2B5EF4-FFF2-40B4-BE49-F238E27FC236}">
+                    <a16:creationId xmlns:a16="http://schemas.microsoft.com/office/drawing/2014/main" id="{F89BA901-1B4F-C4CC-10E3-603EDC15B188}"/>
+                  </a:ext>
+                </a:extLst>
+              </p:cNvPr>
+              <p:cNvSpPr>
+                <a:spLocks noGrp="1"/>
+              </p:cNvSpPr>
+              <p:nvPr>
+                <p:ph idx="1"/>
+              </p:nvPr>
+            </p:nvSpPr>
+            <p:spPr/>
+            <p:txBody>
+              <a:bodyPr>
+                <a:normAutofit/>
+              </a:bodyPr>
+              <a:lstStyle/>
+              <a:p>
+                <a:pPr>
+                  <a:spcAft>
+                    <a:spcPts val="1200"/>
+                  </a:spcAft>
+                </a:pPr>
+                <a:r>
+                  <a:rPr lang="es-ES" dirty="0"/>
+                  <a:t>For </a:t>
+                </a:r>
+                <a:r>
+                  <a:rPr lang="es-ES" dirty="0" err="1"/>
+                  <a:t>classification</a:t>
+                </a:r>
+                <a:r>
+                  <a:rPr lang="es-ES" dirty="0"/>
+                  <a:t>, Cortez et al. (2013) </a:t>
+                </a:r>
+                <a:r>
+                  <a:rPr lang="es-ES" dirty="0" err="1"/>
+                  <a:t>propose</a:t>
+                </a:r>
+                <a:r>
+                  <a:rPr lang="es-ES" dirty="0"/>
+                  <a:t> </a:t>
+                </a:r>
+                <a:r>
+                  <a:rPr lang="es-ES" dirty="0" err="1"/>
+                  <a:t>the</a:t>
+                </a:r>
+                <a:r>
+                  <a:rPr lang="es-ES" dirty="0"/>
+                  <a:t> </a:t>
+                </a:r>
+                <a:r>
+                  <a:rPr lang="es-ES" dirty="0" err="1"/>
+                  <a:t>simpler</a:t>
+                </a:r>
+                <a:r>
+                  <a:rPr lang="es-ES" dirty="0"/>
+                  <a:t> </a:t>
+                </a:r>
+                <a:r>
+                  <a:rPr lang="es-ES" dirty="0" err="1"/>
+                  <a:t>average</a:t>
+                </a:r>
+                <a:r>
+                  <a:rPr lang="es-ES" dirty="0"/>
+                  <a:t> </a:t>
+                </a:r>
+                <a:r>
+                  <a:rPr lang="es-ES" dirty="0" err="1"/>
+                  <a:t>aggregation</a:t>
+                </a:r>
+                <a:r>
+                  <a:rPr lang="es-ES" dirty="0"/>
+                  <a:t> </a:t>
+                </a:r>
+                <a:r>
+                  <a:rPr lang="es-ES" dirty="0" err="1"/>
+                  <a:t>method</a:t>
+                </a:r>
+                <a:r>
+                  <a:rPr lang="es-ES" dirty="0"/>
+                  <a:t> </a:t>
+                </a:r>
+                <a:r>
+                  <a:rPr lang="es-ES" dirty="0" err="1"/>
+                  <a:t>over</a:t>
+                </a:r>
+                <a:r>
+                  <a:rPr lang="es-ES" dirty="0"/>
+                  <a:t> </a:t>
+                </a:r>
+                <a:r>
+                  <a:rPr lang="es-ES" dirty="0" err="1"/>
+                  <a:t>the</a:t>
+                </a:r>
+                <a:r>
+                  <a:rPr lang="es-ES" dirty="0"/>
+                  <a:t> </a:t>
+                </a:r>
+                <a:r>
+                  <a:rPr lang="es-ES" dirty="0" err="1"/>
+                  <a:t>sensitivity</a:t>
+                </a:r>
+                <a:r>
+                  <a:rPr lang="es-ES" dirty="0"/>
+                  <a:t> </a:t>
+                </a:r>
+                <a:r>
+                  <a:rPr lang="es-ES" dirty="0" err="1"/>
+                  <a:t>measure</a:t>
+                </a:r>
+                <a:r>
+                  <a:rPr lang="es-ES" dirty="0"/>
+                  <a:t>:</a:t>
+                </a:r>
+              </a:p>
+              <a:p>
+                <a:pPr>
+                  <a:spcAft>
+                    <a:spcPts val="1200"/>
+                  </a:spcAft>
+                </a:pPr>
+                <a:r>
+                  <a:rPr lang="en-US" dirty="0"/>
+                  <a:t>When </a:t>
+                </a:r>
+                <a14:m>
+                  <m:oMath xmlns:m="http://schemas.openxmlformats.org/officeDocument/2006/math">
+                    <m:r>
+                      <a:rPr lang="es-ES" b="0" i="1" smtClean="0">
+                        <a:latin typeface="Cambria Math" panose="02040503050406030204" pitchFamily="18" charset="0"/>
+                      </a:rPr>
+                      <m:t>𝐹</m:t>
+                    </m:r>
+                    <m:r>
+                      <a:rPr lang="es-ES" b="0" i="1" smtClean="0">
+                        <a:latin typeface="Cambria Math" panose="02040503050406030204" pitchFamily="18" charset="0"/>
+                      </a:rPr>
+                      <m:t>&gt;2</m:t>
+                    </m:r>
+                  </m:oMath>
+                </a14:m>
+                <a:r>
+                  <a:rPr lang="en-US" dirty="0"/>
+                  <a:t>, aggregation is also required over </a:t>
+                </a:r>
+                <a14:m>
+                  <m:oMath xmlns:m="http://schemas.openxmlformats.org/officeDocument/2006/math">
+                    <m:sSub>
+                      <m:sSubPr>
+                        <m:ctrlPr>
+                          <a:rPr lang="en-US" i="1" smtClean="0">
+                            <a:latin typeface="Cambria Math" panose="02040503050406030204" pitchFamily="18" charset="0"/>
+                          </a:rPr>
+                        </m:ctrlPr>
+                      </m:sSubPr>
+                      <m:e>
+                        <m:acc>
+                          <m:accPr>
+                            <m:chr m:val="̂"/>
+                            <m:ctrlPr>
+                              <a:rPr lang="en-US" i="1" smtClean="0">
+                                <a:latin typeface="Cambria Math" panose="02040503050406030204" pitchFamily="18" charset="0"/>
+                              </a:rPr>
+                            </m:ctrlPr>
+                          </m:accPr>
+                          <m:e>
+                            <m:r>
+                              <a:rPr lang="es-ES" b="0" i="1" smtClean="0">
+                                <a:latin typeface="Cambria Math" panose="02040503050406030204" pitchFamily="18" charset="0"/>
+                              </a:rPr>
+                              <m:t>𝑦</m:t>
+                            </m:r>
+                          </m:e>
+                        </m:acc>
+                      </m:e>
+                      <m:sub>
+                        <m:d>
+                          <m:dPr>
+                            <m:ctrlPr>
+                              <a:rPr lang="en-US" i="1" smtClean="0">
+                                <a:latin typeface="Cambria Math" panose="02040503050406030204" pitchFamily="18" charset="0"/>
+                              </a:rPr>
+                            </m:ctrlPr>
+                          </m:dPr>
+                          <m:e>
+                            <m:sSub>
+                              <m:sSubPr>
+                                <m:ctrlPr>
+                                  <a:rPr lang="en-US" i="1" smtClean="0">
+                                    <a:latin typeface="Cambria Math" panose="02040503050406030204" pitchFamily="18" charset="0"/>
+                                  </a:rPr>
+                                </m:ctrlPr>
+                              </m:sSubPr>
+                              <m:e>
+                                <m:r>
+                                  <a:rPr lang="es-ES" b="0" i="1" smtClean="0">
+                                    <a:latin typeface="Cambria Math" panose="02040503050406030204" pitchFamily="18" charset="0"/>
+                                  </a:rPr>
+                                  <m:t>𝑎</m:t>
+                                </m:r>
+                              </m:e>
+                              <m:sub>
+                                <m:r>
+                                  <a:rPr lang="es-ES" b="0" i="1" smtClean="0">
+                                    <a:latin typeface="Cambria Math" panose="02040503050406030204" pitchFamily="18" charset="0"/>
+                                  </a:rPr>
+                                  <m:t>𝑖</m:t>
+                                </m:r>
+                              </m:sub>
+                            </m:sSub>
+                            <m:r>
+                              <a:rPr lang="es-ES" b="0" i="1" smtClean="0">
+                                <a:latin typeface="Cambria Math" panose="02040503050406030204" pitchFamily="18" charset="0"/>
+                              </a:rPr>
+                              <m:t>,</m:t>
+                            </m:r>
+                            <m:sSub>
+                              <m:sSubPr>
+                                <m:ctrlPr>
+                                  <a:rPr lang="es-ES" b="0" i="1" smtClean="0">
+                                    <a:latin typeface="Cambria Math" panose="02040503050406030204" pitchFamily="18" charset="0"/>
+                                  </a:rPr>
+                                </m:ctrlPr>
+                              </m:sSubPr>
+                              <m:e>
+                                <m:r>
+                                  <a:rPr lang="es-ES" b="0" i="1" smtClean="0">
+                                    <a:latin typeface="Cambria Math" panose="02040503050406030204" pitchFamily="18" charset="0"/>
+                                  </a:rPr>
+                                  <m:t>𝑏</m:t>
+                                </m:r>
+                              </m:e>
+                              <m:sub>
+                                <m:r>
+                                  <a:rPr lang="es-ES" b="0" i="1" smtClean="0">
+                                    <a:latin typeface="Cambria Math" panose="02040503050406030204" pitchFamily="18" charset="0"/>
+                                  </a:rPr>
+                                  <m:t>𝑗</m:t>
+                                </m:r>
+                              </m:sub>
+                            </m:sSub>
+                          </m:e>
+                        </m:d>
+                      </m:sub>
+                    </m:sSub>
+                  </m:oMath>
+                </a14:m>
+                <a:r>
+                  <a:rPr lang="en-US" dirty="0"/>
+                  <a:t>.</a:t>
+                </a:r>
+              </a:p>
+              <a:p>
+                <a:pPr marL="0" indent="0">
+                  <a:spcAft>
+                    <a:spcPts val="1200"/>
+                  </a:spcAft>
+                  <a:buNone/>
+                </a:pPr>
+                <a14:m>
+                  <m:oMathPara xmlns:m="http://schemas.openxmlformats.org/officeDocument/2006/math">
+                    <m:oMathParaPr>
+                      <m:jc m:val="centerGroup"/>
+                    </m:oMathParaPr>
+                    <m:oMath xmlns:m="http://schemas.openxmlformats.org/officeDocument/2006/math">
+                      <m:sSub>
+                        <m:sSubPr>
+                          <m:ctrlPr>
+                            <a:rPr lang="en-US" i="1" smtClean="0">
+                              <a:latin typeface="Cambria Math" panose="02040503050406030204" pitchFamily="18" charset="0"/>
+                            </a:rPr>
+                          </m:ctrlPr>
+                        </m:sSubPr>
+                        <m:e>
+                          <m:r>
+                            <a:rPr lang="en-US">
+                              <a:latin typeface="Cambria Math" panose="02040503050406030204" pitchFamily="18" charset="0"/>
+                            </a:rPr>
+                            <m:t>𝜍</m:t>
+                          </m:r>
+                        </m:e>
+                        <m:sub>
+                          <m:r>
+                            <a:rPr lang="es-ES" b="0" smtClean="0">
+                              <a:latin typeface="Cambria Math" panose="02040503050406030204" pitchFamily="18" charset="0"/>
+                            </a:rPr>
+                            <m:t>𝑎</m:t>
+                          </m:r>
+                        </m:sub>
+                      </m:sSub>
+                      <m:r>
+                        <a:rPr lang="es-ES" b="0" smtClean="0">
+                          <a:latin typeface="Cambria Math" panose="02040503050406030204" pitchFamily="18" charset="0"/>
+                        </a:rPr>
+                        <m:t>=</m:t>
+                      </m:r>
+                      <m:r>
+                        <a:rPr lang="es-ES" i="1">
+                          <a:latin typeface="Cambria Math" panose="02040503050406030204" pitchFamily="18" charset="0"/>
+                        </a:rPr>
+                        <m:t>𝑓</m:t>
+                      </m:r>
+                      <m:d>
+                        <m:dPr>
+                          <m:ctrlPr>
+                            <a:rPr lang="es-ES" i="1">
+                              <a:latin typeface="Cambria Math" panose="02040503050406030204" pitchFamily="18" charset="0"/>
+                            </a:rPr>
+                          </m:ctrlPr>
+                        </m:dPr>
+                        <m:e>
+                          <m:sSub>
+                            <m:sSubPr>
+                              <m:ctrlPr>
+                                <a:rPr lang="es-ES" i="1">
+                                  <a:latin typeface="Cambria Math" panose="02040503050406030204" pitchFamily="18" charset="0"/>
+                                </a:rPr>
+                              </m:ctrlPr>
+                            </m:sSubPr>
+                            <m:e>
+                              <m:r>
+                                <a:rPr lang="es-ES" i="1">
+                                  <a:latin typeface="Cambria Math" panose="02040503050406030204" pitchFamily="18" charset="0"/>
+                                </a:rPr>
+                                <m:t>𝑐</m:t>
+                              </m:r>
+                            </m:e>
+                            <m:sub>
+                              <m:r>
+                                <a:rPr lang="es-ES" i="1">
+                                  <a:latin typeface="Cambria Math" panose="02040503050406030204" pitchFamily="18" charset="0"/>
+                                </a:rPr>
+                                <m:t>𝑎</m:t>
+                              </m:r>
+                            </m:sub>
+                          </m:sSub>
+                        </m:e>
+                      </m:d>
+                      <m:r>
+                        <a:rPr lang="es-ES" i="1">
+                          <a:latin typeface="Cambria Math" panose="02040503050406030204" pitchFamily="18" charset="0"/>
+                          <a:ea typeface="Cambria Math" panose="02040503050406030204" pitchFamily="18" charset="0"/>
+                        </a:rPr>
+                        <m:t>∙</m:t>
+                      </m:r>
+                      <m:f>
+                        <m:fPr>
+                          <m:type m:val="lin"/>
+                          <m:ctrlPr>
+                            <a:rPr lang="es-ES" b="0" i="1" smtClean="0">
+                              <a:latin typeface="Cambria Math" panose="02040503050406030204" pitchFamily="18" charset="0"/>
+                            </a:rPr>
+                          </m:ctrlPr>
+                        </m:fPr>
+                        <m:num>
+                          <m:nary>
+                            <m:naryPr>
+                              <m:chr m:val="∑"/>
+                              <m:ctrlPr>
+                                <a:rPr lang="es-ES" i="1">
+                                  <a:latin typeface="Cambria Math" panose="02040503050406030204" pitchFamily="18" charset="0"/>
+                                </a:rPr>
+                              </m:ctrlPr>
+                            </m:naryPr>
+                            <m:sub>
+                              <m:r>
+                                <m:rPr>
+                                  <m:brk m:alnAt="23"/>
+                                </m:rPr>
+                                <a:rPr lang="es-ES">
+                                  <a:latin typeface="Cambria Math" panose="02040503050406030204" pitchFamily="18" charset="0"/>
+                                </a:rPr>
+                                <m:t>𝑖</m:t>
+                              </m:r>
+                              <m:r>
+                                <a:rPr lang="es-ES">
+                                  <a:latin typeface="Cambria Math" panose="02040503050406030204" pitchFamily="18" charset="0"/>
+                                </a:rPr>
+                                <m:t>=1</m:t>
+                              </m:r>
+                            </m:sub>
+                            <m:sup>
+                              <m:r>
+                                <a:rPr lang="es-ES">
+                                  <a:latin typeface="Cambria Math" panose="02040503050406030204" pitchFamily="18" charset="0"/>
+                                </a:rPr>
+                                <m:t>𝐿</m:t>
+                              </m:r>
+                            </m:sup>
+                            <m:e>
+                              <m:nary>
+                                <m:naryPr>
+                                  <m:chr m:val="∑"/>
+                                  <m:ctrlPr>
+                                    <a:rPr lang="es-ES" i="1">
+                                      <a:latin typeface="Cambria Math" panose="02040503050406030204" pitchFamily="18" charset="0"/>
+                                    </a:rPr>
+                                  </m:ctrlPr>
+                                </m:naryPr>
+                                <m:sub>
+                                  <m:r>
+                                    <m:rPr>
+                                      <m:brk m:alnAt="23"/>
+                                    </m:rPr>
+                                    <a:rPr lang="es-ES">
+                                      <a:latin typeface="Cambria Math" panose="02040503050406030204" pitchFamily="18" charset="0"/>
+                                    </a:rPr>
+                                    <m:t>𝑗</m:t>
+                                  </m:r>
+                                  <m:r>
+                                    <a:rPr lang="es-ES">
+                                      <a:latin typeface="Cambria Math" panose="02040503050406030204" pitchFamily="18" charset="0"/>
+                                    </a:rPr>
+                                    <m:t>=1</m:t>
+                                  </m:r>
+                                </m:sub>
+                                <m:sup>
+                                  <m:r>
+                                    <a:rPr lang="es-ES">
+                                      <a:latin typeface="Cambria Math" panose="02040503050406030204" pitchFamily="18" charset="0"/>
+                                    </a:rPr>
+                                    <m:t>𝐿</m:t>
+                                  </m:r>
+                                </m:sup>
+                                <m:e>
+                                  <m:d>
+                                    <m:dPr>
+                                      <m:begChr m:val="|"/>
+                                      <m:endChr m:val="|"/>
+                                      <m:ctrlPr>
+                                        <a:rPr lang="es-ES" i="1">
+                                          <a:latin typeface="Cambria Math" panose="02040503050406030204" pitchFamily="18" charset="0"/>
+                                        </a:rPr>
+                                      </m:ctrlPr>
+                                    </m:dPr>
+                                    <m:e>
+                                      <m:sSub>
+                                        <m:sSubPr>
+                                          <m:ctrlPr>
+                                            <a:rPr lang="en-US" i="1">
+                                              <a:latin typeface="Cambria Math" panose="02040503050406030204" pitchFamily="18" charset="0"/>
+                                            </a:rPr>
+                                          </m:ctrlPr>
+                                        </m:sSubPr>
+                                        <m:e>
+                                          <m:acc>
+                                            <m:accPr>
+                                              <m:chr m:val="̂"/>
+                                              <m:ctrlPr>
+                                                <a:rPr lang="en-US" i="1">
+                                                  <a:latin typeface="Cambria Math" panose="02040503050406030204" pitchFamily="18" charset="0"/>
+                                                </a:rPr>
+                                              </m:ctrlPr>
+                                            </m:accPr>
+                                            <m:e>
+                                              <m:r>
+                                                <a:rPr lang="es-ES">
+                                                  <a:latin typeface="Cambria Math" panose="02040503050406030204" pitchFamily="18" charset="0"/>
+                                                </a:rPr>
+                                                <m:t>𝑦</m:t>
+                                              </m:r>
+                                            </m:e>
+                                          </m:acc>
+                                        </m:e>
+                                        <m:sub>
+                                          <m:d>
+                                            <m:dPr>
+                                              <m:ctrlPr>
+                                                <a:rPr lang="es-ES" i="1">
+                                                  <a:latin typeface="Cambria Math" panose="02040503050406030204" pitchFamily="18" charset="0"/>
+                                                </a:rPr>
+                                              </m:ctrlPr>
+                                            </m:dPr>
+                                            <m:e>
+                                              <m:sSub>
+                                                <m:sSubPr>
+                                                  <m:ctrlPr>
+                                                    <a:rPr lang="en-US" i="1">
+                                                      <a:latin typeface="Cambria Math" panose="02040503050406030204" pitchFamily="18" charset="0"/>
+                                                    </a:rPr>
+                                                  </m:ctrlPr>
+                                                </m:sSubPr>
+                                                <m:e>
+                                                  <m:r>
+                                                    <a:rPr lang="es-ES" b="0" smtClean="0">
+                                                      <a:latin typeface="Cambria Math" panose="02040503050406030204" pitchFamily="18" charset="0"/>
+                                                    </a:rPr>
+                                                    <m:t>𝑎</m:t>
+                                                  </m:r>
+                                                </m:e>
+                                                <m:sub>
+                                                  <m:r>
+                                                    <a:rPr lang="es-ES">
+                                                      <a:latin typeface="Cambria Math" panose="02040503050406030204" pitchFamily="18" charset="0"/>
+                                                    </a:rPr>
+                                                    <m:t>𝑖</m:t>
+                                                  </m:r>
+                                                </m:sub>
+                                              </m:sSub>
+                                              <m:r>
+                                                <a:rPr lang="es-ES">
+                                                  <a:latin typeface="Cambria Math" panose="02040503050406030204" pitchFamily="18" charset="0"/>
+                                                </a:rPr>
+                                                <m:t>,</m:t>
+                                              </m:r>
+                                              <m:sSub>
+                                                <m:sSubPr>
+                                                  <m:ctrlPr>
+                                                    <a:rPr lang="en-US" i="1">
+                                                      <a:latin typeface="Cambria Math" panose="02040503050406030204" pitchFamily="18" charset="0"/>
+                                                    </a:rPr>
+                                                  </m:ctrlPr>
+                                                </m:sSubPr>
+                                                <m:e>
+                                                  <m:r>
+                                                    <a:rPr lang="es-ES">
+                                                      <a:latin typeface="Cambria Math" panose="02040503050406030204" pitchFamily="18" charset="0"/>
+                                                    </a:rPr>
+                                                    <m:t>𝑏</m:t>
+                                                  </m:r>
+                                                </m:e>
+                                                <m:sub>
+                                                  <m:r>
+                                                    <a:rPr lang="es-ES">
+                                                      <a:latin typeface="Cambria Math" panose="02040503050406030204" pitchFamily="18" charset="0"/>
+                                                    </a:rPr>
+                                                    <m:t>𝑗</m:t>
+                                                  </m:r>
+                                                </m:sub>
+                                              </m:sSub>
+                                            </m:e>
+                                          </m:d>
+                                        </m:sub>
+                                      </m:sSub>
+                                      <m:r>
+                                        <a:rPr lang="es-ES">
+                                          <a:latin typeface="Cambria Math" panose="02040503050406030204" pitchFamily="18" charset="0"/>
+                                        </a:rPr>
+                                        <m:t>−</m:t>
+                                      </m:r>
+                                      <m:sSub>
+                                        <m:sSubPr>
+                                          <m:ctrlPr>
+                                            <a:rPr lang="es-ES" i="1">
+                                              <a:latin typeface="Cambria Math" panose="02040503050406030204" pitchFamily="18" charset="0"/>
+                                            </a:rPr>
+                                          </m:ctrlPr>
+                                        </m:sSubPr>
+                                        <m:e>
+                                          <m:acc>
+                                            <m:accPr>
+                                              <m:chr m:val="̃"/>
+                                              <m:ctrlPr>
+                                                <a:rPr lang="es-ES" i="1">
+                                                  <a:latin typeface="Cambria Math" panose="02040503050406030204" pitchFamily="18" charset="0"/>
+                                                </a:rPr>
+                                              </m:ctrlPr>
+                                            </m:accPr>
+                                            <m:e>
+                                              <m:r>
+                                                <a:rPr lang="es-ES">
+                                                  <a:latin typeface="Cambria Math" panose="02040503050406030204" pitchFamily="18" charset="0"/>
+                                                </a:rPr>
+                                                <m:t>𝑦</m:t>
+                                              </m:r>
+                                            </m:e>
+                                          </m:acc>
+                                        </m:e>
+                                        <m:sub>
+                                          <m:sSub>
+                                            <m:sSubPr>
+                                              <m:ctrlPr>
+                                                <a:rPr lang="es-ES" i="1" smtClean="0">
+                                                  <a:latin typeface="Cambria Math" panose="02040503050406030204" pitchFamily="18" charset="0"/>
+                                                </a:rPr>
+                                              </m:ctrlPr>
+                                            </m:sSubPr>
+                                            <m:e>
+                                              <m:r>
+                                                <a:rPr lang="es-ES" b="0" smtClean="0">
+                                                  <a:latin typeface="Cambria Math" panose="02040503050406030204" pitchFamily="18" charset="0"/>
+                                                </a:rPr>
+                                                <m:t>𝑎</m:t>
+                                              </m:r>
+                                            </m:e>
+                                            <m:sub>
+                                              <m:r>
+                                                <a:rPr lang="es-ES" b="0" smtClean="0">
+                                                  <a:latin typeface="Cambria Math" panose="02040503050406030204" pitchFamily="18" charset="0"/>
+                                                </a:rPr>
+                                                <m:t>𝑖</m:t>
+                                              </m:r>
+                                            </m:sub>
+                                          </m:sSub>
+                                        </m:sub>
+                                      </m:sSub>
+                                    </m:e>
+                                  </m:d>
+                                </m:e>
+                              </m:nary>
+                            </m:e>
+                          </m:nary>
+                        </m:num>
+                        <m:den>
+                          <m:r>
+                            <a:rPr lang="es-ES" b="0" smtClean="0">
+                              <a:latin typeface="Cambria Math" panose="02040503050406030204" pitchFamily="18" charset="0"/>
+                            </a:rPr>
+                            <m:t>𝐿</m:t>
+                          </m:r>
+                        </m:den>
+                      </m:f>
+                    </m:oMath>
+                  </m:oMathPara>
+                </a14:m>
+                <a:endParaRPr lang="es-ES" dirty="0"/>
+              </a:p>
+              <a:p>
+                <a:pPr marL="0" indent="0">
+                  <a:spcAft>
+                    <a:spcPts val="1200"/>
+                  </a:spcAft>
+                  <a:buNone/>
+                </a:pPr>
+                <a:endParaRPr lang="en-US" dirty="0"/>
+              </a:p>
+              <a:p>
+                <a:pPr marL="0" indent="0">
+                  <a:spcAft>
+                    <a:spcPts val="1200"/>
+                  </a:spcAft>
+                  <a:buNone/>
+                </a:pPr>
+                <a:endParaRPr lang="en-US" dirty="0"/>
+              </a:p>
+              <a:p>
+                <a:pPr marL="0" indent="0">
+                  <a:spcAft>
+                    <a:spcPts val="1200"/>
+                  </a:spcAft>
+                  <a:buNone/>
+                </a:pPr>
+                <a:endParaRPr lang="es-ES" dirty="0"/>
+              </a:p>
+              <a:p>
+                <a:pPr marL="0" indent="0">
+                  <a:spcAft>
+                    <a:spcPts val="1200"/>
+                  </a:spcAft>
+                  <a:buNone/>
+                </a:pPr>
+                <a:endParaRPr lang="es-ES" dirty="0"/>
+              </a:p>
+              <a:p>
+                <a:pPr marL="0" indent="0">
+                  <a:spcAft>
+                    <a:spcPts val="1200"/>
+                  </a:spcAft>
+                  <a:buNone/>
+                </a:pPr>
+                <a:endParaRPr lang="es-ES" dirty="0"/>
+              </a:p>
+            </p:txBody>
+          </p:sp>
+        </mc:Choice>
+        <mc:Fallback>
+          <p:sp>
+            <p:nvSpPr>
+              <p:cNvPr id="3" name="Marcador de contenido 2">
+                <a:extLst>
+                  <a:ext uri="{FF2B5EF4-FFF2-40B4-BE49-F238E27FC236}">
+                    <a16:creationId xmlns:a16="http://schemas.microsoft.com/office/drawing/2014/main" id="{F89BA901-1B4F-C4CC-10E3-603EDC15B188}"/>
+                  </a:ext>
+                </a:extLst>
+              </p:cNvPr>
+              <p:cNvSpPr>
+                <a:spLocks noGrp="1" noRot="1" noChangeAspect="1" noMove="1" noResize="1" noEditPoints="1" noAdjustHandles="1" noChangeArrowheads="1" noChangeShapeType="1" noTextEdit="1"/>
+              </p:cNvSpPr>
+              <p:nvPr>
+                <p:ph idx="1"/>
+              </p:nvPr>
+            </p:nvSpPr>
+            <p:spPr>
+              <a:blipFill>
+                <a:blip r:embed="rId2"/>
+                <a:stretch>
+                  <a:fillRect l="-1352" t="-2801"/>
+                </a:stretch>
+              </a:blipFill>
+            </p:spPr>
+            <p:txBody>
+              <a:bodyPr/>
+              <a:lstStyle/>
+              <a:p>
+                <a:r>
+                  <a:rPr lang="es-ES">
+                    <a:noFill/>
+                  </a:rPr>
+                  <a:t> </a:t>
+                </a:r>
+              </a:p>
+            </p:txBody>
+          </p:sp>
+        </mc:Fallback>
+      </mc:AlternateContent>
+      <p:sp>
+        <p:nvSpPr>
+          <p:cNvPr id="4" name="Marcador de pie de página 3">
+            <a:extLst>
+              <a:ext uri="{FF2B5EF4-FFF2-40B4-BE49-F238E27FC236}">
+                <a16:creationId xmlns:a16="http://schemas.microsoft.com/office/drawing/2014/main" id="{38B0C3F3-DF84-ABE6-7262-11AC687E7802}"/>
+              </a:ext>
+            </a:extLst>
+          </p:cNvPr>
+          <p:cNvSpPr>
+            <a:spLocks noGrp="1"/>
+          </p:cNvSpPr>
+          <p:nvPr>
+            <p:ph type="ftr" sz="quarter" idx="11"/>
+          </p:nvPr>
+        </p:nvSpPr>
+        <p:spPr/>
+        <p:txBody>
+          <a:bodyPr/>
+          <a:lstStyle/>
+          <a:p>
+            <a:pPr algn="ctr">
+              <a:lnSpc>
+                <a:spcPct val="150000"/>
+              </a:lnSpc>
+              <a:spcAft>
+                <a:spcPts val="800"/>
+              </a:spcAft>
+            </a:pPr>
+            <a:r>
+              <a:rPr lang="en-US" sz="1800" b="1" kern="100" dirty="0">
+                <a:effectLst/>
+                <a:latin typeface="Times New Roman" panose="02020603050405020304" pitchFamily="18" charset="0"/>
+                <a:ea typeface="Aptos" panose="020B0004020202020204" pitchFamily="34" charset="0"/>
+                <a:cs typeface="Times New Roman" panose="02020603050405020304" pitchFamily="18" charset="0"/>
+              </a:rPr>
+              <a:t>Using sensitivity analysis and visualization techniques to open black box data mining models: a </a:t>
+            </a:r>
+            <a:r>
+              <a:rPr lang="en-US" sz="1800" b="1" kern="100" dirty="0" err="1">
+                <a:effectLst/>
+                <a:latin typeface="Times New Roman" panose="02020603050405020304" pitchFamily="18" charset="0"/>
+                <a:ea typeface="Aptos" panose="020B0004020202020204" pitchFamily="34" charset="0"/>
+                <a:cs typeface="Times New Roman" panose="02020603050405020304" pitchFamily="18" charset="0"/>
+              </a:rPr>
+              <a:t>rminer</a:t>
+            </a:r>
+            <a:r>
+              <a:rPr lang="en-US" sz="1800" b="1" kern="100" dirty="0">
+                <a:effectLst/>
+                <a:latin typeface="Times New Roman" panose="02020603050405020304" pitchFamily="18" charset="0"/>
+                <a:ea typeface="Aptos" panose="020B0004020202020204" pitchFamily="34" charset="0"/>
+                <a:cs typeface="Times New Roman" panose="02020603050405020304" pitchFamily="18" charset="0"/>
+              </a:rPr>
+              <a:t> example</a:t>
+            </a:r>
+            <a:endParaRPr lang="es-ES" sz="1600" kern="100" dirty="0">
+              <a:effectLst/>
+              <a:latin typeface="Times New Roman" panose="02020603050405020304" pitchFamily="18" charset="0"/>
+              <a:ea typeface="Aptos" panose="020B0004020202020204" pitchFamily="34" charset="0"/>
+              <a:cs typeface="Times New Roman" panose="02020603050405020304" pitchFamily="18" charset="0"/>
+            </a:endParaRPr>
+          </a:p>
+        </p:txBody>
+      </p:sp>
+      <p:sp>
+        <p:nvSpPr>
+          <p:cNvPr id="5" name="Marcador de número de diapositiva 4">
+            <a:extLst>
+              <a:ext uri="{FF2B5EF4-FFF2-40B4-BE49-F238E27FC236}">
+                <a16:creationId xmlns:a16="http://schemas.microsoft.com/office/drawing/2014/main" id="{F811842D-C9BE-93E8-1152-B7297C5CF176}"/>
+              </a:ext>
+            </a:extLst>
+          </p:cNvPr>
+          <p:cNvSpPr>
+            <a:spLocks noGrp="1"/>
+          </p:cNvSpPr>
+          <p:nvPr>
+            <p:ph type="sldNum" sz="quarter" idx="12"/>
+          </p:nvPr>
+        </p:nvSpPr>
+        <p:spPr/>
+        <p:txBody>
+          <a:bodyPr/>
+          <a:lstStyle/>
+          <a:p>
+            <a:fld id="{DBFF9636-A71C-488A-89F8-02E08556F10C}" type="slidenum">
+              <a:rPr lang="es-ES" smtClean="0"/>
+              <a:pPr/>
+              <a:t>41</a:t>
+            </a:fld>
+            <a:endParaRPr lang="es-ES" dirty="0"/>
+          </a:p>
+        </p:txBody>
+      </p:sp>
+      <mc:AlternateContent xmlns:mc="http://schemas.openxmlformats.org/markup-compatibility/2006">
+        <mc:Choice xmlns:a14="http://schemas.microsoft.com/office/drawing/2010/main" Requires="a14">
+          <p:graphicFrame>
+            <p:nvGraphicFramePr>
+              <p:cNvPr id="6" name="Tabla 5">
+                <a:extLst>
+                  <a:ext uri="{FF2B5EF4-FFF2-40B4-BE49-F238E27FC236}">
+                    <a16:creationId xmlns:a16="http://schemas.microsoft.com/office/drawing/2014/main" id="{651943C3-2AB4-C40C-B801-A19A57B837F9}"/>
+                  </a:ext>
+                </a:extLst>
+              </p:cNvPr>
+              <p:cNvGraphicFramePr>
+                <a:graphicFrameLocks noGrp="1"/>
+              </p:cNvGraphicFramePr>
+              <p:nvPr>
+                <p:extLst>
+                  <p:ext uri="{D42A27DB-BD31-4B8C-83A1-F6EECF244321}">
+                    <p14:modId xmlns:p14="http://schemas.microsoft.com/office/powerpoint/2010/main" val="3893415664"/>
+                  </p:ext>
+                </p:extLst>
+              </p:nvPr>
+            </p:nvGraphicFramePr>
+            <p:xfrm>
+              <a:off x="2959100" y="7722394"/>
+              <a:ext cx="12192000" cy="1309180"/>
+            </p:xfrm>
+            <a:graphic>
+              <a:graphicData uri="http://schemas.openxmlformats.org/drawingml/2006/table">
+                <a:tbl>
+                  <a:tblPr firstRow="1" bandRow="1">
+                    <a:tableStyleId>{2D5ABB26-0587-4C30-8999-92F81FD0307C}</a:tableStyleId>
+                  </a:tblPr>
+                  <a:tblGrid>
+                    <a:gridCol w="6096000">
+                      <a:extLst>
+                        <a:ext uri="{9D8B030D-6E8A-4147-A177-3AD203B41FA5}">
+                          <a16:colId xmlns:a16="http://schemas.microsoft.com/office/drawing/2014/main" val="112387607"/>
+                        </a:ext>
+                      </a:extLst>
+                    </a:gridCol>
+                    <a:gridCol w="6096000">
+                      <a:extLst>
+                        <a:ext uri="{9D8B030D-6E8A-4147-A177-3AD203B41FA5}">
+                          <a16:colId xmlns:a16="http://schemas.microsoft.com/office/drawing/2014/main" val="4264648445"/>
+                        </a:ext>
+                      </a:extLst>
+                    </a:gridCol>
+                  </a:tblGrid>
+                  <a:tr h="370840">
+                    <a:tc>
+                      <a:txBody>
+                        <a:bodyPr/>
+                        <a:lstStyle/>
+                        <a:p>
+                          <a14:m>
+                            <m:oMathPara xmlns:m="http://schemas.openxmlformats.org/officeDocument/2006/math">
+                              <m:oMathParaPr>
+                                <m:jc m:val="centerGroup"/>
+                              </m:oMathParaPr>
+                              <m:oMath xmlns:m="http://schemas.openxmlformats.org/officeDocument/2006/math">
+                                <m:sSub>
+                                  <m:sSubPr>
+                                    <m:ctrlPr>
+                                      <a:rPr lang="en-US" smtClean="0"/>
+                                    </m:ctrlPr>
+                                  </m:sSubPr>
+                                  <m:e>
+                                    <m:r>
+                                      <a:rPr lang="en-US"/>
+                                      <m:t>𝜍</m:t>
+                                    </m:r>
+                                  </m:e>
+                                  <m:sub>
+                                    <m:r>
+                                      <a:rPr lang="es-ES" b="0" i="1" smtClean="0">
+                                        <a:latin typeface="Cambria Math" panose="02040503050406030204" pitchFamily="18" charset="0"/>
+                                      </a:rPr>
+                                      <m:t>𝑥</m:t>
+                                    </m:r>
+                                    <m:r>
+                                      <a:rPr lang="es-ES" b="0" i="1" smtClean="0">
+                                        <a:latin typeface="Cambria Math" panose="02040503050406030204" pitchFamily="18" charset="0"/>
+                                      </a:rPr>
+                                      <m:t>1</m:t>
+                                    </m:r>
+                                  </m:sub>
+                                </m:sSub>
+                                <m:r>
+                                  <a:rPr lang="es-ES" b="0" smtClean="0"/>
+                                  <m:t>=</m:t>
+                                </m:r>
+                                <m:r>
+                                  <a:rPr lang="es-ES" i="1" smtClean="0">
+                                    <a:latin typeface="Cambria Math" panose="02040503050406030204" pitchFamily="18" charset="0"/>
+                                  </a:rPr>
+                                  <m:t>𝑓</m:t>
+                                </m:r>
+                                <m:d>
+                                  <m:dPr>
+                                    <m:ctrlPr>
+                                      <a:rPr lang="es-ES" i="1">
+                                        <a:latin typeface="Cambria Math" panose="02040503050406030204" pitchFamily="18" charset="0"/>
+                                      </a:rPr>
+                                    </m:ctrlPr>
+                                  </m:dPr>
+                                  <m:e>
+                                    <m:sSub>
+                                      <m:sSubPr>
+                                        <m:ctrlPr>
+                                          <a:rPr lang="es-ES" i="1">
+                                            <a:latin typeface="Cambria Math" panose="02040503050406030204" pitchFamily="18" charset="0"/>
+                                          </a:rPr>
+                                        </m:ctrlPr>
+                                      </m:sSubPr>
+                                      <m:e>
+                                        <m:r>
+                                          <a:rPr lang="es-ES" i="1">
+                                            <a:latin typeface="Cambria Math" panose="02040503050406030204" pitchFamily="18" charset="0"/>
+                                          </a:rPr>
+                                          <m:t>𝑐</m:t>
+                                        </m:r>
+                                      </m:e>
+                                      <m:sub>
+                                        <m:r>
+                                          <a:rPr lang="es-ES" b="0" i="1" smtClean="0">
+                                            <a:latin typeface="Cambria Math" panose="02040503050406030204" pitchFamily="18" charset="0"/>
+                                          </a:rPr>
+                                          <m:t>𝑥</m:t>
+                                        </m:r>
+                                        <m:r>
+                                          <a:rPr lang="es-ES" b="0" i="1" smtClean="0">
+                                            <a:latin typeface="Cambria Math" panose="02040503050406030204" pitchFamily="18" charset="0"/>
+                                          </a:rPr>
+                                          <m:t>1</m:t>
+                                        </m:r>
+                                      </m:sub>
+                                    </m:sSub>
+                                  </m:e>
+                                </m:d>
+                                <m:r>
+                                  <a:rPr lang="es-ES" i="1">
+                                    <a:latin typeface="Cambria Math" panose="02040503050406030204" pitchFamily="18" charset="0"/>
+                                    <a:ea typeface="Cambria Math" panose="02040503050406030204" pitchFamily="18" charset="0"/>
+                                  </a:rPr>
+                                  <m:t>∙</m:t>
+                                </m:r>
+                                <m:f>
+                                  <m:fPr>
+                                    <m:type m:val="lin"/>
+                                    <m:ctrlPr>
+                                      <a:rPr lang="es-ES" b="0" smtClean="0"/>
+                                    </m:ctrlPr>
+                                  </m:fPr>
+                                  <m:num>
+                                    <m:nary>
+                                      <m:naryPr>
+                                        <m:chr m:val="∑"/>
+                                        <m:ctrlPr>
+                                          <a:rPr lang="es-ES"/>
+                                        </m:ctrlPr>
+                                      </m:naryPr>
+                                      <m:sub>
+                                        <m:r>
+                                          <m:rPr>
+                                            <m:brk m:alnAt="23"/>
+                                          </m:rPr>
+                                          <a:rPr lang="es-ES"/>
+                                          <m:t>𝑖</m:t>
+                                        </m:r>
+                                        <m:r>
+                                          <a:rPr lang="es-ES"/>
+                                          <m:t>=1</m:t>
+                                        </m:r>
+                                      </m:sub>
+                                      <m:sup>
+                                        <m:r>
+                                          <a:rPr lang="es-ES"/>
+                                          <m:t>𝐿</m:t>
+                                        </m:r>
+                                      </m:sup>
+                                      <m:e>
+                                        <m:nary>
+                                          <m:naryPr>
+                                            <m:chr m:val="∑"/>
+                                            <m:ctrlPr>
+                                              <a:rPr lang="es-ES"/>
+                                            </m:ctrlPr>
+                                          </m:naryPr>
+                                          <m:sub>
+                                            <m:r>
+                                              <m:rPr>
+                                                <m:brk m:alnAt="23"/>
+                                              </m:rPr>
+                                              <a:rPr lang="es-ES"/>
+                                              <m:t>𝑗</m:t>
+                                            </m:r>
+                                            <m:r>
+                                              <a:rPr lang="es-ES"/>
+                                              <m:t>=1</m:t>
+                                            </m:r>
+                                          </m:sub>
+                                          <m:sup>
+                                            <m:r>
+                                              <a:rPr lang="es-ES"/>
+                                              <m:t>𝐿</m:t>
+                                            </m:r>
+                                          </m:sup>
+                                          <m:e>
+                                            <m:d>
+                                              <m:dPr>
+                                                <m:begChr m:val="|"/>
+                                                <m:endChr m:val="|"/>
+                                                <m:ctrlPr>
+                                                  <a:rPr lang="es-ES"/>
+                                                </m:ctrlPr>
+                                              </m:dPr>
+                                              <m:e>
+                                                <m:sSub>
+                                                  <m:sSubPr>
+                                                    <m:ctrlPr>
+                                                      <a:rPr lang="en-US"/>
+                                                    </m:ctrlPr>
+                                                  </m:sSubPr>
+                                                  <m:e>
+                                                    <m:acc>
+                                                      <m:accPr>
+                                                        <m:chr m:val="̂"/>
+                                                        <m:ctrlPr>
+                                                          <a:rPr lang="en-US"/>
+                                                        </m:ctrlPr>
+                                                      </m:accPr>
+                                                      <m:e>
+                                                        <m:r>
+                                                          <a:rPr lang="es-ES"/>
+                                                          <m:t>𝑦</m:t>
+                                                        </m:r>
+                                                      </m:e>
+                                                    </m:acc>
+                                                  </m:e>
+                                                  <m:sub>
+                                                    <m:d>
+                                                      <m:dPr>
+                                                        <m:ctrlPr>
+                                                          <a:rPr lang="es-ES"/>
+                                                        </m:ctrlPr>
+                                                      </m:dPr>
+                                                      <m:e>
+                                                        <m:sSub>
+                                                          <m:sSubPr>
+                                                            <m:ctrlPr>
+                                                              <a:rPr lang="en-US"/>
+                                                            </m:ctrlPr>
+                                                          </m:sSubPr>
+                                                          <m:e>
+                                                            <m:r>
+                                                              <a:rPr lang="es-ES" b="0" i="1" smtClean="0">
+                                                                <a:latin typeface="Cambria Math" panose="02040503050406030204" pitchFamily="18" charset="0"/>
+                                                              </a:rPr>
+                                                              <m:t>𝑥</m:t>
+                                                            </m:r>
+                                                            <m:r>
+                                                              <a:rPr lang="es-ES" b="0" i="1" smtClean="0">
+                                                                <a:latin typeface="Cambria Math" panose="02040503050406030204" pitchFamily="18" charset="0"/>
+                                                              </a:rPr>
+                                                              <m:t>1</m:t>
+                                                            </m:r>
+                                                          </m:e>
+                                                          <m:sub>
+                                                            <m:r>
+                                                              <a:rPr lang="es-ES"/>
+                                                              <m:t>𝑖</m:t>
+                                                            </m:r>
+                                                          </m:sub>
+                                                        </m:sSub>
+                                                        <m:r>
+                                                          <a:rPr lang="es-ES"/>
+                                                          <m:t>,</m:t>
+                                                        </m:r>
+                                                        <m:sSub>
+                                                          <m:sSubPr>
+                                                            <m:ctrlPr>
+                                                              <a:rPr lang="en-US"/>
+                                                            </m:ctrlPr>
+                                                          </m:sSubPr>
+                                                          <m:e>
+                                                            <m:r>
+                                                              <a:rPr lang="es-ES" b="0" i="1" smtClean="0">
+                                                                <a:latin typeface="Cambria Math" panose="02040503050406030204" pitchFamily="18" charset="0"/>
+                                                              </a:rPr>
+                                                              <m:t>𝑦</m:t>
+                                                            </m:r>
+                                                          </m:e>
+                                                          <m:sub>
+                                                            <m:r>
+                                                              <a:rPr lang="es-ES"/>
+                                                              <m:t>𝑗</m:t>
+                                                            </m:r>
+                                                          </m:sub>
+                                                        </m:sSub>
+                                                      </m:e>
+                                                    </m:d>
+                                                  </m:sub>
+                                                </m:sSub>
+                                                <m:r>
+                                                  <a:rPr lang="es-ES"/>
+                                                  <m:t>−</m:t>
+                                                </m:r>
+                                                <m:sSub>
+                                                  <m:sSubPr>
+                                                    <m:ctrlPr>
+                                                      <a:rPr lang="es-ES"/>
+                                                    </m:ctrlPr>
+                                                  </m:sSubPr>
+                                                  <m:e>
+                                                    <m:acc>
+                                                      <m:accPr>
+                                                        <m:chr m:val="̃"/>
+                                                        <m:ctrlPr>
+                                                          <a:rPr lang="es-ES"/>
+                                                        </m:ctrlPr>
+                                                      </m:accPr>
+                                                      <m:e>
+                                                        <m:r>
+                                                          <a:rPr lang="es-ES"/>
+                                                          <m:t>𝑦</m:t>
+                                                        </m:r>
+                                                      </m:e>
+                                                    </m:acc>
+                                                  </m:e>
+                                                  <m:sub>
+                                                    <m:sSub>
+                                                      <m:sSubPr>
+                                                        <m:ctrlPr>
+                                                          <a:rPr lang="es-ES" smtClean="0"/>
+                                                        </m:ctrlPr>
+                                                      </m:sSubPr>
+                                                      <m:e>
+                                                        <m:r>
+                                                          <a:rPr lang="es-ES" b="0" i="1" smtClean="0">
+                                                            <a:latin typeface="Cambria Math" panose="02040503050406030204" pitchFamily="18" charset="0"/>
+                                                          </a:rPr>
+                                                          <m:t>𝑥</m:t>
+                                                        </m:r>
+                                                        <m:r>
+                                                          <a:rPr lang="es-ES" b="0" i="1" smtClean="0">
+                                                            <a:latin typeface="Cambria Math" panose="02040503050406030204" pitchFamily="18" charset="0"/>
+                                                          </a:rPr>
+                                                          <m:t>1</m:t>
+                                                        </m:r>
+                                                      </m:e>
+                                                      <m:sub>
+                                                        <m:r>
+                                                          <a:rPr lang="es-ES" b="0" smtClean="0"/>
+                                                          <m:t>𝑖</m:t>
+                                                        </m:r>
+                                                      </m:sub>
+                                                    </m:sSub>
+                                                  </m:sub>
+                                                </m:sSub>
+                                              </m:e>
+                                            </m:d>
+                                          </m:e>
+                                        </m:nary>
+                                      </m:e>
+                                    </m:nary>
+                                  </m:num>
+                                  <m:den>
+                                    <m:r>
+                                      <a:rPr lang="es-ES" b="0" smtClean="0"/>
+                                      <m:t>𝐿</m:t>
+                                    </m:r>
+                                  </m:den>
+                                </m:f>
+                              </m:oMath>
+                            </m:oMathPara>
+                          </a14:m>
+                          <a:endParaRPr lang="es-ES" dirty="0"/>
+                        </a:p>
+                      </a:txBody>
+                      <a:tcPr>
+                        <a:lnR w="12700" cap="flat" cmpd="sng" algn="ctr">
+                          <a:solidFill>
+                            <a:schemeClr val="tx1"/>
+                          </a:solidFill>
+                          <a:prstDash val="solid"/>
+                          <a:round/>
+                          <a:headEnd type="none" w="med" len="med"/>
+                          <a:tailEnd type="none" w="med" len="med"/>
+                        </a:lnR>
+                      </a:tcPr>
+                    </a:tc>
+                    <a:tc>
+                      <a:txBody>
+                        <a:bodyPr/>
+                        <a:lstStyle/>
+                        <a:p>
+                          <a:pPr marL="0" marR="0" lvl="0" indent="0" algn="l" defTabSz="1371600" rtl="0" eaLnBrk="1" fontAlgn="auto" latinLnBrk="0" hangingPunct="1">
+                            <a:lnSpc>
+                              <a:spcPct val="100000"/>
+                            </a:lnSpc>
+                            <a:spcBef>
+                              <a:spcPts val="0"/>
+                            </a:spcBef>
+                            <a:spcAft>
+                              <a:spcPts val="0"/>
+                            </a:spcAft>
+                            <a:buClrTx/>
+                            <a:buSzTx/>
+                            <a:buFontTx/>
+                            <a:buNone/>
+                            <a:tabLst/>
+                            <a:defRPr/>
+                          </a:pPr>
+                          <a14:m>
+                            <m:oMathPara xmlns:m="http://schemas.openxmlformats.org/officeDocument/2006/math">
+                              <m:oMathParaPr>
+                                <m:jc m:val="centerGroup"/>
+                              </m:oMathParaPr>
+                              <m:oMath xmlns:m="http://schemas.openxmlformats.org/officeDocument/2006/math">
+                                <m:sSub>
+                                  <m:sSubPr>
+                                    <m:ctrlPr>
+                                      <a:rPr lang="en-US" smtClean="0"/>
+                                    </m:ctrlPr>
+                                  </m:sSubPr>
+                                  <m:e>
+                                    <m:r>
+                                      <a:rPr lang="en-US"/>
+                                      <m:t>𝜍</m:t>
+                                    </m:r>
+                                  </m:e>
+                                  <m:sub>
+                                    <m:r>
+                                      <a:rPr lang="es-ES" b="0" i="1" smtClean="0">
+                                        <a:latin typeface="Cambria Math" panose="02040503050406030204" pitchFamily="18" charset="0"/>
+                                      </a:rPr>
+                                      <m:t>𝑦</m:t>
+                                    </m:r>
+                                  </m:sub>
+                                </m:sSub>
+                                <m:r>
+                                  <a:rPr lang="es-ES" b="0" smtClean="0"/>
+                                  <m:t>=</m:t>
+                                </m:r>
+                                <m:r>
+                                  <a:rPr lang="es-ES" i="1" smtClean="0">
+                                    <a:latin typeface="Cambria Math" panose="02040503050406030204" pitchFamily="18" charset="0"/>
+                                  </a:rPr>
+                                  <m:t>𝑓</m:t>
+                                </m:r>
+                                <m:d>
+                                  <m:dPr>
+                                    <m:ctrlPr>
+                                      <a:rPr lang="es-ES" i="1">
+                                        <a:latin typeface="Cambria Math" panose="02040503050406030204" pitchFamily="18" charset="0"/>
+                                      </a:rPr>
+                                    </m:ctrlPr>
+                                  </m:dPr>
+                                  <m:e>
+                                    <m:sSub>
+                                      <m:sSubPr>
+                                        <m:ctrlPr>
+                                          <a:rPr lang="es-ES" i="1">
+                                            <a:latin typeface="Cambria Math" panose="02040503050406030204" pitchFamily="18" charset="0"/>
+                                          </a:rPr>
+                                        </m:ctrlPr>
+                                      </m:sSubPr>
+                                      <m:e>
+                                        <m:r>
+                                          <a:rPr lang="es-ES" i="1">
+                                            <a:latin typeface="Cambria Math" panose="02040503050406030204" pitchFamily="18" charset="0"/>
+                                          </a:rPr>
+                                          <m:t>𝑐</m:t>
+                                        </m:r>
+                                      </m:e>
+                                      <m:sub>
+                                        <m:r>
+                                          <a:rPr lang="es-ES" b="0" i="1" smtClean="0">
+                                            <a:latin typeface="Cambria Math" panose="02040503050406030204" pitchFamily="18" charset="0"/>
+                                          </a:rPr>
+                                          <m:t>𝑦</m:t>
+                                        </m:r>
+                                      </m:sub>
+                                    </m:sSub>
+                                  </m:e>
+                                </m:d>
+                                <m:r>
+                                  <a:rPr lang="es-ES" i="1">
+                                    <a:latin typeface="Cambria Math" panose="02040503050406030204" pitchFamily="18" charset="0"/>
+                                    <a:ea typeface="Cambria Math" panose="02040503050406030204" pitchFamily="18" charset="0"/>
+                                  </a:rPr>
+                                  <m:t>∙</m:t>
+                                </m:r>
+                                <m:f>
+                                  <m:fPr>
+                                    <m:type m:val="lin"/>
+                                    <m:ctrlPr>
+                                      <a:rPr lang="es-ES" b="0" smtClean="0"/>
+                                    </m:ctrlPr>
+                                  </m:fPr>
+                                  <m:num>
+                                    <m:nary>
+                                      <m:naryPr>
+                                        <m:chr m:val="∑"/>
+                                        <m:ctrlPr>
+                                          <a:rPr lang="es-ES"/>
+                                        </m:ctrlPr>
+                                      </m:naryPr>
+                                      <m:sub>
+                                        <m:r>
+                                          <m:rPr>
+                                            <m:brk m:alnAt="23"/>
+                                          </m:rPr>
+                                          <a:rPr lang="es-ES"/>
+                                          <m:t>𝑖</m:t>
+                                        </m:r>
+                                        <m:r>
+                                          <a:rPr lang="es-ES"/>
+                                          <m:t>=1</m:t>
+                                        </m:r>
+                                      </m:sub>
+                                      <m:sup>
+                                        <m:r>
+                                          <a:rPr lang="es-ES"/>
+                                          <m:t>𝐿</m:t>
+                                        </m:r>
+                                      </m:sup>
+                                      <m:e>
+                                        <m:nary>
+                                          <m:naryPr>
+                                            <m:chr m:val="∑"/>
+                                            <m:ctrlPr>
+                                              <a:rPr lang="es-ES"/>
+                                            </m:ctrlPr>
+                                          </m:naryPr>
+                                          <m:sub>
+                                            <m:r>
+                                              <m:rPr>
+                                                <m:brk m:alnAt="23"/>
+                                              </m:rPr>
+                                              <a:rPr lang="es-ES"/>
+                                              <m:t>𝑗</m:t>
+                                            </m:r>
+                                            <m:r>
+                                              <a:rPr lang="es-ES"/>
+                                              <m:t>=1</m:t>
+                                            </m:r>
+                                          </m:sub>
+                                          <m:sup>
+                                            <m:r>
+                                              <a:rPr lang="es-ES"/>
+                                              <m:t>𝐿</m:t>
+                                            </m:r>
+                                          </m:sup>
+                                          <m:e>
+                                            <m:d>
+                                              <m:dPr>
+                                                <m:begChr m:val="|"/>
+                                                <m:endChr m:val="|"/>
+                                                <m:ctrlPr>
+                                                  <a:rPr lang="es-ES"/>
+                                                </m:ctrlPr>
+                                              </m:dPr>
+                                              <m:e>
+                                                <m:sSub>
+                                                  <m:sSubPr>
+                                                    <m:ctrlPr>
+                                                      <a:rPr lang="en-US"/>
+                                                    </m:ctrlPr>
+                                                  </m:sSubPr>
+                                                  <m:e>
+                                                    <m:acc>
+                                                      <m:accPr>
+                                                        <m:chr m:val="̂"/>
+                                                        <m:ctrlPr>
+                                                          <a:rPr lang="en-US"/>
+                                                        </m:ctrlPr>
+                                                      </m:accPr>
+                                                      <m:e>
+                                                        <m:r>
+                                                          <a:rPr lang="es-ES"/>
+                                                          <m:t>𝑦</m:t>
+                                                        </m:r>
+                                                      </m:e>
+                                                    </m:acc>
+                                                  </m:e>
+                                                  <m:sub>
+                                                    <m:d>
+                                                      <m:dPr>
+                                                        <m:ctrlPr>
+                                                          <a:rPr lang="es-ES"/>
+                                                        </m:ctrlPr>
+                                                      </m:dPr>
+                                                      <m:e>
+                                                        <m:sSub>
+                                                          <m:sSubPr>
+                                                            <m:ctrlPr>
+                                                              <a:rPr lang="en-US"/>
+                                                            </m:ctrlPr>
+                                                          </m:sSubPr>
+                                                          <m:e>
+                                                            <m:r>
+                                                              <a:rPr lang="es-ES" b="0" i="1" smtClean="0">
+                                                                <a:latin typeface="Cambria Math" panose="02040503050406030204" pitchFamily="18" charset="0"/>
+                                                              </a:rPr>
+                                                              <m:t>𝑥</m:t>
+                                                            </m:r>
+                                                            <m:r>
+                                                              <a:rPr lang="es-ES" b="0" i="1" smtClean="0">
+                                                                <a:latin typeface="Cambria Math" panose="02040503050406030204" pitchFamily="18" charset="0"/>
+                                                              </a:rPr>
+                                                              <m:t>1</m:t>
+                                                            </m:r>
+                                                          </m:e>
+                                                          <m:sub>
+                                                            <m:r>
+                                                              <a:rPr lang="es-ES"/>
+                                                              <m:t>𝑖</m:t>
+                                                            </m:r>
+                                                          </m:sub>
+                                                        </m:sSub>
+                                                        <m:r>
+                                                          <a:rPr lang="es-ES"/>
+                                                          <m:t>,</m:t>
+                                                        </m:r>
+                                                        <m:sSub>
+                                                          <m:sSubPr>
+                                                            <m:ctrlPr>
+                                                              <a:rPr lang="en-US"/>
+                                                            </m:ctrlPr>
+                                                          </m:sSubPr>
+                                                          <m:e>
+                                                            <m:r>
+                                                              <a:rPr lang="es-ES" b="0" i="1" smtClean="0">
+                                                                <a:latin typeface="Cambria Math" panose="02040503050406030204" pitchFamily="18" charset="0"/>
+                                                              </a:rPr>
+                                                              <m:t>𝑦</m:t>
+                                                            </m:r>
+                                                          </m:e>
+                                                          <m:sub>
+                                                            <m:r>
+                                                              <a:rPr lang="es-ES"/>
+                                                              <m:t>𝑗</m:t>
+                                                            </m:r>
+                                                          </m:sub>
+                                                        </m:sSub>
+                                                      </m:e>
+                                                    </m:d>
+                                                  </m:sub>
+                                                </m:sSub>
+                                                <m:r>
+                                                  <a:rPr lang="es-ES"/>
+                                                  <m:t>−</m:t>
+                                                </m:r>
+                                                <m:sSub>
+                                                  <m:sSubPr>
+                                                    <m:ctrlPr>
+                                                      <a:rPr lang="es-ES"/>
+                                                    </m:ctrlPr>
+                                                  </m:sSubPr>
+                                                  <m:e>
+                                                    <m:acc>
+                                                      <m:accPr>
+                                                        <m:chr m:val="̃"/>
+                                                        <m:ctrlPr>
+                                                          <a:rPr lang="es-ES"/>
+                                                        </m:ctrlPr>
+                                                      </m:accPr>
+                                                      <m:e>
+                                                        <m:r>
+                                                          <a:rPr lang="es-ES"/>
+                                                          <m:t>𝑦</m:t>
+                                                        </m:r>
+                                                      </m:e>
+                                                    </m:acc>
+                                                  </m:e>
+                                                  <m:sub>
+                                                    <m:sSub>
+                                                      <m:sSubPr>
+                                                        <m:ctrlPr>
+                                                          <a:rPr lang="es-ES" smtClean="0"/>
+                                                        </m:ctrlPr>
+                                                      </m:sSubPr>
+                                                      <m:e>
+                                                        <m:r>
+                                                          <a:rPr lang="es-ES" b="0" i="1" smtClean="0">
+                                                            <a:latin typeface="Cambria Math" panose="02040503050406030204" pitchFamily="18" charset="0"/>
+                                                          </a:rPr>
+                                                          <m:t>𝑦</m:t>
+                                                        </m:r>
+                                                      </m:e>
+                                                      <m:sub>
+                                                        <m:r>
+                                                          <a:rPr lang="es-ES" b="0" smtClean="0"/>
+                                                          <m:t>𝑖</m:t>
+                                                        </m:r>
+                                                      </m:sub>
+                                                    </m:sSub>
+                                                  </m:sub>
+                                                </m:sSub>
+                                              </m:e>
+                                            </m:d>
+                                          </m:e>
+                                        </m:nary>
+                                      </m:e>
+                                    </m:nary>
+                                  </m:num>
+                                  <m:den>
+                                    <m:r>
+                                      <a:rPr lang="es-ES" b="0" smtClean="0"/>
+                                      <m:t>𝐿</m:t>
+                                    </m:r>
+                                  </m:den>
+                                </m:f>
+                              </m:oMath>
+                            </m:oMathPara>
+                          </a14:m>
+                          <a:endParaRPr lang="es-ES" dirty="0"/>
+                        </a:p>
+                      </a:txBody>
+                      <a:tcPr>
+                        <a:lnL w="12700" cap="flat" cmpd="sng" algn="ctr">
+                          <a:solidFill>
+                            <a:schemeClr val="tx1"/>
+                          </a:solidFill>
+                          <a:prstDash val="solid"/>
+                          <a:round/>
+                          <a:headEnd type="none" w="med" len="med"/>
+                          <a:tailEnd type="none" w="med" len="med"/>
+                        </a:lnL>
+                      </a:tcPr>
+                    </a:tc>
+                    <a:extLst>
+                      <a:ext uri="{0D108BD9-81ED-4DB2-BD59-A6C34878D82A}">
+                        <a16:rowId xmlns:a16="http://schemas.microsoft.com/office/drawing/2014/main" val="2321762667"/>
+                      </a:ext>
+                    </a:extLst>
+                  </a:tr>
+                </a:tbl>
+              </a:graphicData>
+            </a:graphic>
+          </p:graphicFrame>
+        </mc:Choice>
+        <mc:Fallback>
+          <p:graphicFrame>
+            <p:nvGraphicFramePr>
+              <p:cNvPr id="6" name="Tabla 5">
+                <a:extLst>
+                  <a:ext uri="{FF2B5EF4-FFF2-40B4-BE49-F238E27FC236}">
+                    <a16:creationId xmlns:a16="http://schemas.microsoft.com/office/drawing/2014/main" id="{651943C3-2AB4-C40C-B801-A19A57B837F9}"/>
+                  </a:ext>
+                </a:extLst>
+              </p:cNvPr>
+              <p:cNvGraphicFramePr>
+                <a:graphicFrameLocks noGrp="1"/>
+              </p:cNvGraphicFramePr>
+              <p:nvPr>
+                <p:extLst>
+                  <p:ext uri="{D42A27DB-BD31-4B8C-83A1-F6EECF244321}">
+                    <p14:modId xmlns:p14="http://schemas.microsoft.com/office/powerpoint/2010/main" val="3893415664"/>
+                  </p:ext>
+                </p:extLst>
+              </p:nvPr>
+            </p:nvGraphicFramePr>
+            <p:xfrm>
+              <a:off x="2959100" y="7722394"/>
+              <a:ext cx="12192000" cy="1309180"/>
+            </p:xfrm>
+            <a:graphic>
+              <a:graphicData uri="http://schemas.openxmlformats.org/drawingml/2006/table">
+                <a:tbl>
+                  <a:tblPr firstRow="1" bandRow="1">
+                    <a:tableStyleId>{2D5ABB26-0587-4C30-8999-92F81FD0307C}</a:tableStyleId>
+                  </a:tblPr>
+                  <a:tblGrid>
+                    <a:gridCol w="6096000">
+                      <a:extLst>
+                        <a:ext uri="{9D8B030D-6E8A-4147-A177-3AD203B41FA5}">
+                          <a16:colId xmlns:a16="http://schemas.microsoft.com/office/drawing/2014/main" val="112387607"/>
+                        </a:ext>
+                      </a:extLst>
+                    </a:gridCol>
+                    <a:gridCol w="6096000">
+                      <a:extLst>
+                        <a:ext uri="{9D8B030D-6E8A-4147-A177-3AD203B41FA5}">
+                          <a16:colId xmlns:a16="http://schemas.microsoft.com/office/drawing/2014/main" val="4264648445"/>
+                        </a:ext>
+                      </a:extLst>
+                    </a:gridCol>
+                  </a:tblGrid>
+                  <a:tr h="1309180">
+                    <a:tc>
+                      <a:txBody>
+                        <a:bodyPr/>
+                        <a:lstStyle/>
+                        <a:p>
+                          <a:endParaRPr lang="es-ES"/>
+                        </a:p>
+                      </a:txBody>
+                      <a:tcPr>
+                        <a:lnR w="12700" cap="flat" cmpd="sng" algn="ctr">
+                          <a:solidFill>
+                            <a:schemeClr val="tx1"/>
+                          </a:solidFill>
+                          <a:prstDash val="solid"/>
+                          <a:round/>
+                          <a:headEnd type="none" w="med" len="med"/>
+                          <a:tailEnd type="none" w="med" len="med"/>
+                        </a:lnR>
+                        <a:blipFill>
+                          <a:blip r:embed="rId3"/>
+                          <a:stretch>
+                            <a:fillRect r="-99900" b="-463"/>
+                          </a:stretch>
+                        </a:blipFill>
+                      </a:tcPr>
+                    </a:tc>
+                    <a:tc>
+                      <a:txBody>
+                        <a:bodyPr/>
+                        <a:lstStyle/>
+                        <a:p>
+                          <a:endParaRPr lang="es-ES"/>
+                        </a:p>
+                      </a:txBody>
+                      <a:tcPr>
+                        <a:lnL w="12700" cap="flat" cmpd="sng" algn="ctr">
+                          <a:solidFill>
+                            <a:schemeClr val="tx1"/>
+                          </a:solidFill>
+                          <a:prstDash val="solid"/>
+                          <a:round/>
+                          <a:headEnd type="none" w="med" len="med"/>
+                          <a:tailEnd type="none" w="med" len="med"/>
+                        </a:lnL>
+                        <a:blipFill>
+                          <a:blip r:embed="rId3"/>
+                          <a:stretch>
+                            <a:fillRect l="-100100" b="-463"/>
+                          </a:stretch>
+                        </a:blipFill>
+                      </a:tcPr>
+                    </a:tc>
+                    <a:extLst>
+                      <a:ext uri="{0D108BD9-81ED-4DB2-BD59-A6C34878D82A}">
+                        <a16:rowId xmlns:a16="http://schemas.microsoft.com/office/drawing/2014/main" val="2321762667"/>
+                      </a:ext>
+                    </a:extLst>
+                  </a:tr>
+                </a:tbl>
+              </a:graphicData>
+            </a:graphic>
+          </p:graphicFrame>
+        </mc:Fallback>
+      </mc:AlternateContent>
+    </p:spTree>
+    <p:extLst>
+      <p:ext uri="{BB962C8B-B14F-4D97-AF65-F5344CB8AC3E}">
+        <p14:creationId xmlns:p14="http://schemas.microsoft.com/office/powerpoint/2010/main" val="468742201"/>
+      </p:ext>
+    </p:extLst>
+  </p:cSld>
+  <p:clrMapOvr>
+    <a:masterClrMapping/>
+  </p:clrMapOvr>
+</p:sld>
+</file>
+
+<file path=ppt/slides/slide42.xml><?xml version="1.0" encoding="utf-8"?>
+<p:sld xmlns:a="http://schemas.openxmlformats.org/drawingml/2006/main" xmlns:r="http://schemas.openxmlformats.org/officeDocument/2006/relationships" xmlns:p="http://schemas.openxmlformats.org/presentationml/2006/main">
+  <p:cSld>
+    <p:spTree>
+      <p:nvGrpSpPr>
+        <p:cNvPr id="1" name=""/>
+        <p:cNvGrpSpPr/>
+        <p:nvPr/>
+      </p:nvGrpSpPr>
+      <p:grpSpPr>
+        <a:xfrm>
+          <a:off x="0" y="0"/>
+          <a:ext cx="0" cy="0"/>
+          <a:chOff x="0" y="0"/>
+          <a:chExt cx="0" cy="0"/>
+        </a:xfrm>
+      </p:grpSpPr>
+      <p:sp>
+        <p:nvSpPr>
+          <p:cNvPr id="2" name="Título 1">
+            <a:extLst>
+              <a:ext uri="{FF2B5EF4-FFF2-40B4-BE49-F238E27FC236}">
                 <a16:creationId xmlns:a16="http://schemas.microsoft.com/office/drawing/2014/main" id="{7E6F7C6D-E0AF-490E-9E5A-F4C048143A84}"/>
               </a:ext>
             </a:extLst>
@@ -41482,10 +45978,7 @@
           <a:bodyPr/>
           <a:lstStyle/>
           <a:p>
-            <a:r>
-              <a:rPr lang="en-AU" dirty="0"/>
-              <a:t>…and future work</a:t>
-            </a:r>
+            <a:endParaRPr lang="en-AU" dirty="0"/>
           </a:p>
         </p:txBody>
       </p:sp>
@@ -41513,7 +46006,7 @@
             <a:fld id="{DBFF9636-A71C-488A-89F8-02E08556F10C}" type="slidenum">
               <a:rPr lang="es-ES" smtClean="0"/>
               <a:pPr/>
-              <a:t>38</a:t>
+              <a:t>42</a:t>
             </a:fld>
             <a:endParaRPr lang="es-ES" dirty="0"/>
           </a:p>
@@ -41560,7 +46053,25 @@
                 <a:ea typeface="Aptos" panose="020B0004020202020204" pitchFamily="34" charset="0"/>
                 <a:cs typeface="Times New Roman" panose="02020603050405020304" pitchFamily="18" charset="0"/>
               </a:rPr>
-              <a:t>A novel approach for efficiency evaluation through the integration of standard Machine Learning classification models and Data Envelopment Analysis</a:t>
+              <a:t>Using sensitivity analysis and visualization techniques to open black box data mining models: a </a:t>
+            </a:r>
+            <a:r>
+              <a:rPr lang="en-US" sz="1800" b="1" kern="100" dirty="0" err="1">
+                <a:effectLst/>
+                <a:latin typeface="Times New Roman" panose="02020603050405020304" pitchFamily="18" charset="0"/>
+                <a:ea typeface="Aptos" panose="020B0004020202020204" pitchFamily="34" charset="0"/>
+                <a:cs typeface="Times New Roman" panose="02020603050405020304" pitchFamily="18" charset="0"/>
+              </a:rPr>
+              <a:t>rminer</a:t>
+            </a:r>
+            <a:r>
+              <a:rPr lang="en-US" sz="1800" b="1" kern="100" dirty="0">
+                <a:effectLst/>
+                <a:latin typeface="Times New Roman" panose="02020603050405020304" pitchFamily="18" charset="0"/>
+                <a:ea typeface="Aptos" panose="020B0004020202020204" pitchFamily="34" charset="0"/>
+                <a:cs typeface="Times New Roman" panose="02020603050405020304" pitchFamily="18" charset="0"/>
+              </a:rPr>
+              <a:t> example</a:t>
             </a:r>
             <a:endParaRPr lang="es-ES" sz="1600" kern="100" dirty="0">
               <a:effectLst/>
@@ -41584,7 +46095,7 @@
 </p:sld>
 </file>
 
-<file path=ppt/slides/slide39.xml><?xml version="1.0" encoding="utf-8"?>
+<file path=ppt/slides/slide43.xml><?xml version="1.0" encoding="utf-8"?>
 <p:sld xmlns:a="http://schemas.openxmlformats.org/drawingml/2006/main" xmlns:r="http://schemas.openxmlformats.org/officeDocument/2006/relationships" xmlns:p="http://schemas.openxmlformats.org/presentationml/2006/main">
   <p:cSld>
     <p:spTree>
@@ -41624,7 +46135,7 @@
           <a:p>
             <a:r>
               <a:rPr lang="en-AU" dirty="0"/>
-              <a:t>Conclusions and future work</a:t>
+              <a:t>Conclusions</a:t>
             </a:r>
           </a:p>
         </p:txBody>
@@ -41653,7 +46164,7 @@
             <a:fld id="{DBFF9636-A71C-488A-89F8-02E08556F10C}" type="slidenum">
               <a:rPr lang="es-ES" smtClean="0"/>
               <a:pPr/>
-              <a:t>39</a:t>
+              <a:t>43</a:t>
             </a:fld>
             <a:endParaRPr lang="es-ES" dirty="0"/>
           </a:p>
@@ -41871,66 +46382,6 @@
                 <a:srgbClr val="6A7276"/>
               </a:buClr>
             </a:pPr>
-            <a:r>
-              <a:rPr lang="en-GB" dirty="0"/>
-              <a:t>Improved Accuracy and Robustness.</a:t>
-            </a:r>
-          </a:p>
-          <a:p>
-            <a:pPr>
-              <a:buClr>
-                <a:srgbClr val="6A7276"/>
-              </a:buClr>
-            </a:pPr>
-            <a:r>
-              <a:rPr lang="en-GB" dirty="0"/>
-              <a:t>Enhanced Interpretability.</a:t>
-            </a:r>
-          </a:p>
-          <a:p>
-            <a:pPr>
-              <a:buClr>
-                <a:srgbClr val="6A7276"/>
-              </a:buClr>
-            </a:pPr>
-            <a:r>
-              <a:rPr lang="en-GB" dirty="0"/>
-              <a:t>Flexibility and Customization.</a:t>
-            </a:r>
-          </a:p>
-          <a:p>
-            <a:pPr>
-              <a:buClr>
-                <a:srgbClr val="6A7276"/>
-              </a:buClr>
-            </a:pPr>
-            <a:r>
-              <a:rPr lang="en-US" dirty="0"/>
-              <a:t>Exploration of other machine learning techniques.</a:t>
-            </a:r>
-          </a:p>
-          <a:p>
-            <a:pPr>
-              <a:buClr>
-                <a:srgbClr val="6A7276"/>
-              </a:buClr>
-            </a:pPr>
-            <a:r>
-              <a:rPr lang="en-US" dirty="0"/>
-              <a:t>The application of our integrated ML-DEA model to other domains.</a:t>
-            </a:r>
-            <a:endParaRPr lang="en-GB" dirty="0"/>
-          </a:p>
-          <a:p>
-            <a:pPr>
-              <a:buClr>
-                <a:srgbClr val="6A7276"/>
-              </a:buClr>
-            </a:pPr>
-            <a:r>
-              <a:rPr lang="en-US" dirty="0"/>
-              <a:t>Development of more sophisticated counterfactual methods within the ML-DEA framework. </a:t>
-            </a:r>
             <a:endParaRPr lang="en-GB" dirty="0"/>
           </a:p>
         </p:txBody>
@@ -41957,144 +46408,6 @@
             <a:ext cx="13031905" cy="547772"/>
           </a:xfrm>
         </p:spPr>
-        <p:txBody>
-          <a:bodyPr/>
-          <a:lstStyle/>
-          <a:p>
-            <a:pPr algn="ctr">
-              <a:lnSpc>
-                <a:spcPct val="150000"/>
-              </a:lnSpc>
-              <a:spcAft>
-                <a:spcPts val="800"/>
-              </a:spcAft>
-            </a:pPr>
-            <a:r>
-              <a:rPr lang="en-US" sz="1800" b="1" kern="100" dirty="0">
-                <a:effectLst/>
-                <a:latin typeface="Times New Roman" panose="02020603050405020304" pitchFamily="18" charset="0"/>
-                <a:ea typeface="Aptos" panose="020B0004020202020204" pitchFamily="34" charset="0"/>
-                <a:cs typeface="Times New Roman" panose="02020603050405020304" pitchFamily="18" charset="0"/>
-              </a:rPr>
-              <a:t>A novel approach for efficiency evaluation through the integration of standard Machine Learning classification models and Data Envelopment Analysis</a:t>
-            </a:r>
-            <a:endParaRPr lang="es-ES" sz="1600" kern="100" dirty="0">
-              <a:effectLst/>
-              <a:latin typeface="Times New Roman" panose="02020603050405020304" pitchFamily="18" charset="0"/>
-              <a:ea typeface="Aptos" panose="020B0004020202020204" pitchFamily="34" charset="0"/>
-              <a:cs typeface="Times New Roman" panose="02020603050405020304" pitchFamily="18" charset="0"/>
-            </a:endParaRPr>
-          </a:p>
-        </p:txBody>
-      </p:sp>
-    </p:spTree>
-    <p:extLst>
-      <p:ext uri="{BB962C8B-B14F-4D97-AF65-F5344CB8AC3E}">
-        <p14:creationId xmlns:p14="http://schemas.microsoft.com/office/powerpoint/2010/main" val="1283365971"/>
-      </p:ext>
-    </p:extLst>
-  </p:cSld>
-  <p:clrMapOvr>
-    <a:masterClrMapping/>
-  </p:clrMapOvr>
-  <p:extLst>
-    <p:ext uri="{6950BFC3-D8DA-4A85-94F7-54DA5524770B}">
-      <p188:commentRel xmlns:p188="http://schemas.microsoft.com/office/powerpoint/2018/8/main" r:id="rId3"/>
-    </p:ext>
-  </p:extLst>
-</p:sld>
-</file>
-
-<file path=ppt/slides/slide4.xml><?xml version="1.0" encoding="utf-8"?>
-<p:sld xmlns:a="http://schemas.openxmlformats.org/drawingml/2006/main" xmlns:r="http://schemas.openxmlformats.org/officeDocument/2006/relationships" xmlns:p="http://schemas.openxmlformats.org/presentationml/2006/main">
-  <p:cSld>
-    <p:spTree>
-      <p:nvGrpSpPr>
-        <p:cNvPr id="1" name=""/>
-        <p:cNvGrpSpPr/>
-        <p:nvPr/>
-      </p:nvGrpSpPr>
-      <p:grpSpPr>
-        <a:xfrm>
-          <a:off x="0" y="0"/>
-          <a:ext cx="0" cy="0"/>
-          <a:chOff x="0" y="0"/>
-          <a:chExt cx="0" cy="0"/>
-        </a:xfrm>
-      </p:grpSpPr>
-      <p:sp>
-        <p:nvSpPr>
-          <p:cNvPr id="2" name="Título 1">
-            <a:extLst>
-              <a:ext uri="{FF2B5EF4-FFF2-40B4-BE49-F238E27FC236}">
-                <a16:creationId xmlns:a16="http://schemas.microsoft.com/office/drawing/2014/main" id="{0C2E5771-2858-4C53-BC4D-99C854852A21}"/>
-              </a:ext>
-            </a:extLst>
-          </p:cNvPr>
-          <p:cNvSpPr>
-            <a:spLocks noGrp="1"/>
-          </p:cNvSpPr>
-          <p:nvPr>
-            <p:ph type="ctrTitle"/>
-          </p:nvPr>
-        </p:nvSpPr>
-        <p:spPr/>
-        <p:txBody>
-          <a:bodyPr/>
-          <a:lstStyle/>
-          <a:p>
-            <a:r>
-              <a:rPr lang="en-GB" dirty="0"/>
-              <a:t>Introduction</a:t>
-            </a:r>
-          </a:p>
-        </p:txBody>
-      </p:sp>
-      <p:sp>
-        <p:nvSpPr>
-          <p:cNvPr id="3" name="Subtítulo 2">
-            <a:extLst>
-              <a:ext uri="{FF2B5EF4-FFF2-40B4-BE49-F238E27FC236}">
-                <a16:creationId xmlns:a16="http://schemas.microsoft.com/office/drawing/2014/main" id="{53E1ED9C-83A8-46D1-8BC2-EB59C8F9CAC5}"/>
-              </a:ext>
-            </a:extLst>
-          </p:cNvPr>
-          <p:cNvSpPr>
-            <a:spLocks noGrp="1"/>
-          </p:cNvSpPr>
-          <p:nvPr>
-            <p:ph type="subTitle" idx="1"/>
-          </p:nvPr>
-        </p:nvSpPr>
-        <p:spPr/>
-        <p:txBody>
-          <a:bodyPr/>
-          <a:lstStyle/>
-          <a:p>
-            <a:r>
-              <a:rPr lang="en-GB" dirty="0"/>
-              <a:t>Black Box Analysis</a:t>
-            </a:r>
-          </a:p>
-        </p:txBody>
-      </p:sp>
-      <p:sp>
-        <p:nvSpPr>
-          <p:cNvPr id="4" name="Marcador de pie de página 3">
-            <a:extLst>
-              <a:ext uri="{FF2B5EF4-FFF2-40B4-BE49-F238E27FC236}">
-                <a16:creationId xmlns:a16="http://schemas.microsoft.com/office/drawing/2014/main" id="{381B3B6F-FECE-4896-87FA-A8008A98B5FE}"/>
-              </a:ext>
-            </a:extLst>
-          </p:cNvPr>
-          <p:cNvSpPr>
-            <a:spLocks noGrp="1"/>
-          </p:cNvSpPr>
-          <p:nvPr>
-            <p:ph type="ftr" sz="quarter" idx="11"/>
-          </p:nvPr>
-        </p:nvSpPr>
-        <p:spPr/>
         <p:txBody>
           <a:bodyPr/>
           <a:lstStyle/>
@@ -42143,40 +46456,10 @@
           </a:p>
         </p:txBody>
       </p:sp>
-      <p:sp>
-        <p:nvSpPr>
-          <p:cNvPr id="5" name="Marcador de número de diapositiva 4">
-            <a:extLst>
-              <a:ext uri="{FF2B5EF4-FFF2-40B4-BE49-F238E27FC236}">
-                <a16:creationId xmlns:a16="http://schemas.microsoft.com/office/drawing/2014/main" id="{0E8AE3DB-0025-48B5-B3B4-DC55498EB70D}"/>
-              </a:ext>
-            </a:extLst>
-          </p:cNvPr>
-          <p:cNvSpPr>
-            <a:spLocks noGrp="1"/>
-          </p:cNvSpPr>
-          <p:nvPr>
-            <p:ph type="sldNum" sz="quarter" idx="12"/>
-          </p:nvPr>
-        </p:nvSpPr>
-        <p:spPr/>
-        <p:txBody>
-          <a:bodyPr/>
-          <a:lstStyle/>
-          <a:p>
-            <a:fld id="{DBFF9636-A71C-488A-89F8-02E08556F10C}" type="slidenum">
-              <a:rPr lang="es-ES" smtClean="0"/>
-              <a:pPr/>
-              <a:t>4</a:t>
-            </a:fld>
-            <a:endParaRPr lang="es-ES" dirty="0"/>
-          </a:p>
-        </p:txBody>
-      </p:sp>
     </p:spTree>
     <p:extLst>
       <p:ext uri="{BB962C8B-B14F-4D97-AF65-F5344CB8AC3E}">
-        <p14:creationId xmlns:p14="http://schemas.microsoft.com/office/powerpoint/2010/main" val="3335459780"/>
+        <p14:creationId xmlns:p14="http://schemas.microsoft.com/office/powerpoint/2010/main" val="1283365971"/>
       </p:ext>
     </p:extLst>
   </p:cSld>
@@ -42186,7 +46469,7 @@
 </p:sld>
 </file>
 
-<file path=ppt/slides/slide40.xml><?xml version="1.0" encoding="utf-8"?>
+<file path=ppt/slides/slide44.xml><?xml version="1.0" encoding="utf-8"?>
 <p:sld xmlns:a="http://schemas.openxmlformats.org/drawingml/2006/main" xmlns:r="http://schemas.openxmlformats.org/officeDocument/2006/relationships" xmlns:p="http://schemas.openxmlformats.org/presentationml/2006/main">
   <p:cSld>
     <p:spTree>

--- a/articulo 1 XAI/Apuntes/Sensitivity analysis/Presentación SA.pptx
+++ b/articulo 1 XAI/Apuntes/Sensitivity analysis/Presentación SA.pptx
@@ -3065,7 +3065,7 @@
           <a:p>
             <a:fld id="{2DB79FB7-5658-4FB3-B98D-B463C580F970}" type="datetimeFigureOut">
               <a:rPr lang="es-ES" smtClean="0"/>
-              <a:t>21/10/2024</a:t>
+              <a:t>22/10/2024</a:t>
             </a:fld>
             <a:endParaRPr lang="es-ES"/>
           </a:p>
@@ -40112,8 +40112,8 @@
           </a:p>
         </p:txBody>
       </p:sp>
-      <mc:AlternateContent xmlns:mc="http://schemas.openxmlformats.org/markup-compatibility/2006">
-        <mc:Choice xmlns:a14="http://schemas.microsoft.com/office/drawing/2010/main" Requires="a14">
+      <mc:AlternateContent xmlns:mc="http://schemas.openxmlformats.org/markup-compatibility/2006" xmlns:a14="http://schemas.microsoft.com/office/drawing/2010/main">
+        <mc:Choice Requires="a14">
           <p:sp>
             <p:nvSpPr>
               <p:cNvPr id="3" name="Marcador de contenido 2">
@@ -40308,7 +40308,7 @@
             </p:txBody>
           </p:sp>
         </mc:Choice>
-        <mc:Fallback>
+        <mc:Fallback xmlns="">
           <p:sp>
             <p:nvSpPr>
               <p:cNvPr id="3" name="Marcador de contenido 2">
@@ -40506,8 +40506,8 @@
           </a:p>
         </p:txBody>
       </p:sp>
-      <mc:AlternateContent xmlns:mc="http://schemas.openxmlformats.org/markup-compatibility/2006">
-        <mc:Choice xmlns:a14="http://schemas.microsoft.com/office/drawing/2010/main" Requires="a14">
+      <mc:AlternateContent xmlns:mc="http://schemas.openxmlformats.org/markup-compatibility/2006" xmlns:a14="http://schemas.microsoft.com/office/drawing/2010/main">
+        <mc:Choice Requires="a14">
           <p:sp>
             <p:nvSpPr>
               <p:cNvPr id="3" name="Marcador de contenido 2">
@@ -41186,7 +41186,7 @@
             </p:txBody>
           </p:sp>
         </mc:Choice>
-        <mc:Fallback>
+        <mc:Fallback xmlns="">
           <p:sp>
             <p:nvSpPr>
               <p:cNvPr id="3" name="Marcador de contenido 2">
@@ -41384,8 +41384,8 @@
           </a:p>
         </p:txBody>
       </p:sp>
-      <mc:AlternateContent xmlns:mc="http://schemas.openxmlformats.org/markup-compatibility/2006">
-        <mc:Choice xmlns:a14="http://schemas.microsoft.com/office/drawing/2010/main" Requires="a14">
+      <mc:AlternateContent xmlns:mc="http://schemas.openxmlformats.org/markup-compatibility/2006" xmlns:a14="http://schemas.microsoft.com/office/drawing/2010/main">
+        <mc:Choice Requires="a14">
           <p:sp>
             <p:nvSpPr>
               <p:cNvPr id="3" name="Marcador de contenido 2">
@@ -41860,7 +41860,7 @@
             </p:txBody>
           </p:sp>
         </mc:Choice>
-        <mc:Fallback>
+        <mc:Fallback xmlns="">
           <p:sp>
             <p:nvSpPr>
               <p:cNvPr id="3" name="Marcador de contenido 2">
@@ -42058,8 +42058,8 @@
           </a:p>
         </p:txBody>
       </p:sp>
-      <mc:AlternateContent xmlns:mc="http://schemas.openxmlformats.org/markup-compatibility/2006">
-        <mc:Choice xmlns:a14="http://schemas.microsoft.com/office/drawing/2010/main" Requires="a14">
+      <mc:AlternateContent xmlns:mc="http://schemas.openxmlformats.org/markup-compatibility/2006" xmlns:a14="http://schemas.microsoft.com/office/drawing/2010/main">
+        <mc:Choice Requires="a14">
           <p:sp>
             <p:nvSpPr>
               <p:cNvPr id="3" name="Marcador de contenido 2">
@@ -42338,7 +42338,7 @@
             </p:txBody>
           </p:sp>
         </mc:Choice>
-        <mc:Fallback>
+        <mc:Fallback xmlns="">
           <p:sp>
             <p:nvSpPr>
               <p:cNvPr id="3" name="Marcador de contenido 2">
@@ -42536,8 +42536,8 @@
           </a:p>
         </p:txBody>
       </p:sp>
-      <mc:AlternateContent xmlns:mc="http://schemas.openxmlformats.org/markup-compatibility/2006">
-        <mc:Choice xmlns:a14="http://schemas.microsoft.com/office/drawing/2010/main" Requires="a14">
+      <mc:AlternateContent xmlns:mc="http://schemas.openxmlformats.org/markup-compatibility/2006" xmlns:a14="http://schemas.microsoft.com/office/drawing/2010/main">
+        <mc:Choice Requires="a14">
           <p:sp>
             <p:nvSpPr>
               <p:cNvPr id="3" name="Marcador de contenido 2">
@@ -43132,7 +43132,7 @@
             </p:txBody>
           </p:sp>
         </mc:Choice>
-        <mc:Fallback>
+        <mc:Fallback xmlns="">
           <p:sp>
             <p:nvSpPr>
               <p:cNvPr id="3" name="Marcador de contenido 2">
@@ -43692,8 +43692,8 @@
           </a:prstGeom>
         </p:spPr>
       </p:pic>
-      <mc:AlternateContent xmlns:mc="http://schemas.openxmlformats.org/markup-compatibility/2006">
-        <mc:Choice xmlns:a14="http://schemas.microsoft.com/office/drawing/2010/main" Requires="a14">
+      <mc:AlternateContent xmlns:mc="http://schemas.openxmlformats.org/markup-compatibility/2006" xmlns:a14="http://schemas.microsoft.com/office/drawing/2010/main">
+        <mc:Choice Requires="a14">
           <p:sp>
             <p:nvSpPr>
               <p:cNvPr id="9" name="CuadroTexto 8">
@@ -44128,7 +44128,7 @@
             </p:txBody>
           </p:sp>
         </mc:Choice>
-        <mc:Fallback>
+        <mc:Fallback xmlns="">
           <p:sp>
             <p:nvSpPr>
               <p:cNvPr id="9" name="CuadroTexto 8">
@@ -44236,8 +44236,8 @@
           </a:p>
         </p:txBody>
       </p:sp>
-      <mc:AlternateContent xmlns:mc="http://schemas.openxmlformats.org/markup-compatibility/2006">
-        <mc:Choice xmlns:a14="http://schemas.microsoft.com/office/drawing/2010/main" Requires="a14">
+      <mc:AlternateContent xmlns:mc="http://schemas.openxmlformats.org/markup-compatibility/2006" xmlns:a14="http://schemas.microsoft.com/office/drawing/2010/main">
+        <mc:Choice Requires="a14">
           <p:sp>
             <p:nvSpPr>
               <p:cNvPr id="3" name="Marcador de contenido 2">
@@ -44909,7 +44909,7 @@
             </p:txBody>
           </p:sp>
         </mc:Choice>
-        <mc:Fallback>
+        <mc:Fallback xmlns="">
           <p:sp>
             <p:nvSpPr>
               <p:cNvPr id="3" name="Marcador de contenido 2">
@@ -45061,14 +45061,14 @@
               <p:nvPr>
                 <p:extLst>
                   <p:ext uri="{D42A27DB-BD31-4B8C-83A1-F6EECF244321}">
-                    <p14:modId xmlns:p14="http://schemas.microsoft.com/office/powerpoint/2010/main" val="3893415664"/>
+                    <p14:modId xmlns:p14="http://schemas.microsoft.com/office/powerpoint/2010/main" val="1705541522"/>
                   </p:ext>
                 </p:extLst>
               </p:nvPr>
             </p:nvGraphicFramePr>
             <p:xfrm>
-              <a:off x="2959100" y="7722394"/>
-              <a:ext cx="12192000" cy="1309180"/>
+              <a:off x="2305210" y="7722394"/>
+              <a:ext cx="12845890" cy="1295019"/>
             </p:xfrm>
             <a:graphic>
               <a:graphicData uri="http://schemas.openxmlformats.org/drawingml/2006/table">
@@ -45077,14 +45077,14 @@
                     <a:tableStyleId>{2D5ABB26-0587-4C30-8999-92F81FD0307C}</a:tableStyleId>
                   </a:tblPr>
                   <a:tblGrid>
-                    <a:gridCol w="6096000">
+                    <a:gridCol w="6422945">
                       <a:extLst>
                         <a:ext uri="{9D8B030D-6E8A-4147-A177-3AD203B41FA5}">
                           <a16:colId xmlns:a16="http://schemas.microsoft.com/office/drawing/2014/main" val="112387607"/>
                         </a:ext>
                       </a:extLst>
                     </a:gridCol>
-                    <a:gridCol w="6096000">
+                    <a:gridCol w="6422945">
                       <a:extLst>
                         <a:ext uri="{9D8B030D-6E8A-4147-A177-3AD203B41FA5}">
                           <a16:colId xmlns:a16="http://schemas.microsoft.com/office/drawing/2014/main" val="4264648445"/>
@@ -45098,6 +45098,7 @@
                         <a:bodyPr/>
                         <a:lstStyle/>
                         <a:p>
+                          <a:pPr/>
                           <a14:m>
                             <m:oMathPara xmlns:m="http://schemas.openxmlformats.org/officeDocument/2006/math">
                               <m:oMathParaPr>
@@ -45107,12 +45108,16 @@
                                 <m:sSub>
                                   <m:sSubPr>
                                     <m:ctrlPr>
-                                      <a:rPr lang="en-US" smtClean="0"/>
+                                      <a:rPr lang="en-US" i="1" smtClean="0">
+                                        <a:latin typeface="Cambria Math" panose="02040503050406030204" pitchFamily="18" charset="0"/>
+                                      </a:rPr>
                                     </m:ctrlPr>
                                   </m:sSubPr>
                                   <m:e>
                                     <m:r>
-                                      <a:rPr lang="en-US"/>
+                                      <a:rPr lang="en-US">
+                                        <a:latin typeface="Cambria Math" panose="02040503050406030204" pitchFamily="18" charset="0"/>
+                                      </a:rPr>
                                       <m:t>𝜍</m:t>
                                     </m:r>
                                   </m:e>
@@ -45132,7 +45137,9 @@
                                   </m:sub>
                                 </m:sSub>
                                 <m:r>
-                                  <a:rPr lang="es-ES" b="0" smtClean="0"/>
+                                  <a:rPr lang="es-ES" b="0" smtClean="0">
+                                    <a:latin typeface="Cambria Math" panose="02040503050406030204" pitchFamily="18" charset="0"/>
+                                  </a:rPr>
                                   <m:t>=</m:t>
                                 </m:r>
                                 <m:r>
@@ -45194,7 +45201,9 @@
                                   <m:fPr>
                                     <m:type m:val="lin"/>
                                     <m:ctrlPr>
-                                      <a:rPr lang="es-ES" b="0" smtClean="0"/>
+                                      <a:rPr lang="es-ES" b="0" i="1" smtClean="0">
+                                        <a:latin typeface="Cambria Math" panose="02040503050406030204" pitchFamily="18" charset="0"/>
+                                      </a:rPr>
                                     </m:ctrlPr>
                                   </m:fPr>
                                   <m:num>
@@ -45202,7 +45211,9 @@
                                       <m:naryPr>
                                         <m:chr m:val="∑"/>
                                         <m:ctrlPr>
-                                          <a:rPr lang="es-ES"/>
+                                          <a:rPr lang="es-ES" i="1">
+                                            <a:latin typeface="Cambria Math" panose="02040503050406030204" pitchFamily="18" charset="0"/>
+                                          </a:rPr>
                                         </m:ctrlPr>
                                       </m:naryPr>
                                       <m:sub>
@@ -45210,17 +45221,23 @@
                                           <m:rPr>
                                             <m:brk m:alnAt="23"/>
                                           </m:rPr>
-                                          <a:rPr lang="es-ES"/>
+                                          <a:rPr lang="es-ES">
+                                            <a:latin typeface="Cambria Math" panose="02040503050406030204" pitchFamily="18" charset="0"/>
+                                          </a:rPr>
                                           <m:t>𝑖</m:t>
                                         </m:r>
                                         <m:r>
-                                          <a:rPr lang="es-ES"/>
+                                          <a:rPr lang="es-ES">
+                                            <a:latin typeface="Cambria Math" panose="02040503050406030204" pitchFamily="18" charset="0"/>
+                                          </a:rPr>
                                           <m:t>=1</m:t>
                                         </m:r>
                                       </m:sub>
                                       <m:sup>
                                         <m:r>
-                                          <a:rPr lang="es-ES"/>
+                                          <a:rPr lang="es-ES">
+                                            <a:latin typeface="Cambria Math" panose="02040503050406030204" pitchFamily="18" charset="0"/>
+                                          </a:rPr>
                                           <m:t>𝐿</m:t>
                                         </m:r>
                                       </m:sup>
@@ -45229,7 +45246,9 @@
                                           <m:naryPr>
                                             <m:chr m:val="∑"/>
                                             <m:ctrlPr>
-                                              <a:rPr lang="es-ES"/>
+                                              <a:rPr lang="es-ES" i="1">
+                                                <a:latin typeface="Cambria Math" panose="02040503050406030204" pitchFamily="18" charset="0"/>
+                                              </a:rPr>
                                             </m:ctrlPr>
                                           </m:naryPr>
                                           <m:sub>
@@ -45237,17 +45256,23 @@
                                               <m:rPr>
                                                 <m:brk m:alnAt="23"/>
                                               </m:rPr>
-                                              <a:rPr lang="es-ES"/>
+                                              <a:rPr lang="es-ES">
+                                                <a:latin typeface="Cambria Math" panose="02040503050406030204" pitchFamily="18" charset="0"/>
+                                              </a:rPr>
                                               <m:t>𝑗</m:t>
                                             </m:r>
                                             <m:r>
-                                              <a:rPr lang="es-ES"/>
+                                              <a:rPr lang="es-ES">
+                                                <a:latin typeface="Cambria Math" panose="02040503050406030204" pitchFamily="18" charset="0"/>
+                                              </a:rPr>
                                               <m:t>=1</m:t>
                                             </m:r>
                                           </m:sub>
                                           <m:sup>
                                             <m:r>
-                                              <a:rPr lang="es-ES"/>
+                                              <a:rPr lang="es-ES">
+                                                <a:latin typeface="Cambria Math" panose="02040503050406030204" pitchFamily="18" charset="0"/>
+                                              </a:rPr>
                                               <m:t>𝐿</m:t>
                                             </m:r>
                                           </m:sup>
@@ -45257,14 +45282,18 @@
                                                 <m:begChr m:val="|"/>
                                                 <m:endChr m:val="|"/>
                                                 <m:ctrlPr>
-                                                  <a:rPr lang="es-ES"/>
+                                                  <a:rPr lang="es-ES" i="1">
+                                                    <a:latin typeface="Cambria Math" panose="02040503050406030204" pitchFamily="18" charset="0"/>
+                                                  </a:rPr>
                                                 </m:ctrlPr>
                                               </m:dPr>
                                               <m:e>
                                                 <m:sSub>
                                                   <m:sSubPr>
                                                     <m:ctrlPr>
-                                                      <a:rPr lang="en-US"/>
+                                                      <a:rPr lang="en-US" i="1">
+                                                        <a:latin typeface="Cambria Math" panose="02040503050406030204" pitchFamily="18" charset="0"/>
+                                                      </a:rPr>
                                                     </m:ctrlPr>
                                                   </m:sSubPr>
                                                   <m:e>
@@ -45272,12 +45301,16 @@
                                                       <m:accPr>
                                                         <m:chr m:val="̂"/>
                                                         <m:ctrlPr>
-                                                          <a:rPr lang="en-US"/>
+                                                          <a:rPr lang="en-US" i="1">
+                                                            <a:latin typeface="Cambria Math" panose="02040503050406030204" pitchFamily="18" charset="0"/>
+                                                          </a:rPr>
                                                         </m:ctrlPr>
                                                       </m:accPr>
                                                       <m:e>
                                                         <m:r>
-                                                          <a:rPr lang="es-ES"/>
+                                                          <a:rPr lang="es-ES">
+                                                            <a:latin typeface="Cambria Math" panose="02040503050406030204" pitchFamily="18" charset="0"/>
+                                                          </a:rPr>
                                                           <m:t>𝑦</m:t>
                                                         </m:r>
                                                       </m:e>
@@ -45287,14 +45320,18 @@
                                                     <m:d>
                                                       <m:dPr>
                                                         <m:ctrlPr>
-                                                          <a:rPr lang="es-ES"/>
+                                                          <a:rPr lang="es-ES" i="1">
+                                                            <a:latin typeface="Cambria Math" panose="02040503050406030204" pitchFamily="18" charset="0"/>
+                                                          </a:rPr>
                                                         </m:ctrlPr>
                                                       </m:dPr>
                                                       <m:e>
                                                         <m:sSub>
                                                           <m:sSubPr>
                                                             <m:ctrlPr>
-                                                              <a:rPr lang="en-US"/>
+                                                              <a:rPr lang="en-US" i="1">
+                                                                <a:latin typeface="Cambria Math" panose="02040503050406030204" pitchFamily="18" charset="0"/>
+                                                              </a:rPr>
                                                             </m:ctrlPr>
                                                           </m:sSubPr>
                                                           <m:e>
@@ -45313,19 +45350,25 @@
                                                           </m:e>
                                                           <m:sub>
                                                             <m:r>
-                                                              <a:rPr lang="es-ES"/>
+                                                              <a:rPr lang="es-ES">
+                                                                <a:latin typeface="Cambria Math" panose="02040503050406030204" pitchFamily="18" charset="0"/>
+                                                              </a:rPr>
                                                               <m:t>𝑖</m:t>
                                                             </m:r>
                                                           </m:sub>
                                                         </m:sSub>
                                                         <m:r>
-                                                          <a:rPr lang="es-ES"/>
+                                                          <a:rPr lang="es-ES">
+                                                            <a:latin typeface="Cambria Math" panose="02040503050406030204" pitchFamily="18" charset="0"/>
+                                                          </a:rPr>
                                                           <m:t>,</m:t>
                                                         </m:r>
                                                         <m:sSub>
                                                           <m:sSubPr>
                                                             <m:ctrlPr>
-                                                              <a:rPr lang="en-US"/>
+                                                              <a:rPr lang="en-US" i="1">
+                                                                <a:latin typeface="Cambria Math" panose="02040503050406030204" pitchFamily="18" charset="0"/>
+                                                              </a:rPr>
                                                             </m:ctrlPr>
                                                           </m:sSubPr>
                                                           <m:e>
@@ -45338,7 +45381,9 @@
                                                           </m:e>
                                                           <m:sub>
                                                             <m:r>
-                                                              <a:rPr lang="es-ES"/>
+                                                              <a:rPr lang="es-ES">
+                                                                <a:latin typeface="Cambria Math" panose="02040503050406030204" pitchFamily="18" charset="0"/>
+                                                              </a:rPr>
                                                               <m:t>𝑗</m:t>
                                                             </m:r>
                                                           </m:sub>
@@ -45348,13 +45393,17 @@
                                                   </m:sub>
                                                 </m:sSub>
                                                 <m:r>
-                                                  <a:rPr lang="es-ES"/>
+                                                  <a:rPr lang="es-ES">
+                                                    <a:latin typeface="Cambria Math" panose="02040503050406030204" pitchFamily="18" charset="0"/>
+                                                  </a:rPr>
                                                   <m:t>−</m:t>
                                                 </m:r>
                                                 <m:sSub>
                                                   <m:sSubPr>
                                                     <m:ctrlPr>
-                                                      <a:rPr lang="es-ES"/>
+                                                      <a:rPr lang="es-ES" i="1">
+                                                        <a:latin typeface="Cambria Math" panose="02040503050406030204" pitchFamily="18" charset="0"/>
+                                                      </a:rPr>
                                                     </m:ctrlPr>
                                                   </m:sSubPr>
                                                   <m:e>
@@ -45362,12 +45411,16 @@
                                                       <m:accPr>
                                                         <m:chr m:val="̃"/>
                                                         <m:ctrlPr>
-                                                          <a:rPr lang="es-ES"/>
+                                                          <a:rPr lang="es-ES" i="1">
+                                                            <a:latin typeface="Cambria Math" panose="02040503050406030204" pitchFamily="18" charset="0"/>
+                                                          </a:rPr>
                                                         </m:ctrlPr>
                                                       </m:accPr>
                                                       <m:e>
                                                         <m:r>
-                                                          <a:rPr lang="es-ES"/>
+                                                          <a:rPr lang="es-ES">
+                                                            <a:latin typeface="Cambria Math" panose="02040503050406030204" pitchFamily="18" charset="0"/>
+                                                          </a:rPr>
                                                           <m:t>𝑦</m:t>
                                                         </m:r>
                                                       </m:e>
@@ -45377,7 +45430,9 @@
                                                     <m:sSub>
                                                       <m:sSubPr>
                                                         <m:ctrlPr>
-                                                          <a:rPr lang="es-ES" smtClean="0"/>
+                                                          <a:rPr lang="es-ES" i="1" smtClean="0">
+                                                            <a:latin typeface="Cambria Math" panose="02040503050406030204" pitchFamily="18" charset="0"/>
+                                                          </a:rPr>
                                                         </m:ctrlPr>
                                                       </m:sSubPr>
                                                       <m:e>
@@ -45396,7 +45451,9 @@
                                                       </m:e>
                                                       <m:sub>
                                                         <m:r>
-                                                          <a:rPr lang="es-ES" b="0" smtClean="0"/>
+                                                          <a:rPr lang="es-ES" b="0" smtClean="0">
+                                                            <a:latin typeface="Cambria Math" panose="02040503050406030204" pitchFamily="18" charset="0"/>
+                                                          </a:rPr>
                                                           <m:t>𝑖</m:t>
                                                         </m:r>
                                                       </m:sub>
@@ -45412,7 +45469,9 @@
                                   </m:num>
                                   <m:den>
                                     <m:r>
-                                      <a:rPr lang="es-ES" b="0" smtClean="0"/>
+                                      <a:rPr lang="es-ES" b="0" smtClean="0">
+                                        <a:latin typeface="Cambria Math" panose="02040503050406030204" pitchFamily="18" charset="0"/>
+                                      </a:rPr>
                                       <m:t>𝐿</m:t>
                                     </m:r>
                                   </m:den>
@@ -45466,12 +45525,16 @@
                                 <m:sSub>
                                   <m:sSubPr>
                                     <m:ctrlPr>
-                                      <a:rPr lang="en-US" smtClean="0"/>
+                                      <a:rPr lang="en-US" i="1" smtClean="0">
+                                        <a:latin typeface="Cambria Math" panose="02040503050406030204" pitchFamily="18" charset="0"/>
+                                      </a:rPr>
                                     </m:ctrlPr>
                                   </m:sSubPr>
                                   <m:e>
                                     <m:r>
-                                      <a:rPr lang="en-US"/>
+                                      <a:rPr lang="en-US">
+                                        <a:latin typeface="Cambria Math" panose="02040503050406030204" pitchFamily="18" charset="0"/>
+                                      </a:rPr>
                                       <m:t>𝜍</m:t>
                                     </m:r>
                                   </m:e>
@@ -45485,7 +45548,9 @@
                                   </m:sub>
                                 </m:sSub>
                                 <m:r>
-                                  <a:rPr lang="es-ES" b="0" smtClean="0"/>
+                                  <a:rPr lang="es-ES" b="0" smtClean="0">
+                                    <a:latin typeface="Cambria Math" panose="02040503050406030204" pitchFamily="18" charset="0"/>
+                                  </a:rPr>
                                   <m:t>=</m:t>
                                 </m:r>
                                 <m:r>
@@ -45541,7 +45606,9 @@
                                   <m:fPr>
                                     <m:type m:val="lin"/>
                                     <m:ctrlPr>
-                                      <a:rPr lang="es-ES" b="0" smtClean="0"/>
+                                      <a:rPr lang="es-ES" b="0" i="1" smtClean="0">
+                                        <a:latin typeface="Cambria Math" panose="02040503050406030204" pitchFamily="18" charset="0"/>
+                                      </a:rPr>
                                     </m:ctrlPr>
                                   </m:fPr>
                                   <m:num>
@@ -45549,7 +45616,9 @@
                                       <m:naryPr>
                                         <m:chr m:val="∑"/>
                                         <m:ctrlPr>
-                                          <a:rPr lang="es-ES"/>
+                                          <a:rPr lang="es-ES" i="1">
+                                            <a:latin typeface="Cambria Math" panose="02040503050406030204" pitchFamily="18" charset="0"/>
+                                          </a:rPr>
                                         </m:ctrlPr>
                                       </m:naryPr>
                                       <m:sub>
@@ -45557,17 +45626,23 @@
                                           <m:rPr>
                                             <m:brk m:alnAt="23"/>
                                           </m:rPr>
-                                          <a:rPr lang="es-ES"/>
+                                          <a:rPr lang="es-ES">
+                                            <a:latin typeface="Cambria Math" panose="02040503050406030204" pitchFamily="18" charset="0"/>
+                                          </a:rPr>
                                           <m:t>𝑖</m:t>
                                         </m:r>
                                         <m:r>
-                                          <a:rPr lang="es-ES"/>
+                                          <a:rPr lang="es-ES">
+                                            <a:latin typeface="Cambria Math" panose="02040503050406030204" pitchFamily="18" charset="0"/>
+                                          </a:rPr>
                                           <m:t>=1</m:t>
                                         </m:r>
                                       </m:sub>
                                       <m:sup>
                                         <m:r>
-                                          <a:rPr lang="es-ES"/>
+                                          <a:rPr lang="es-ES">
+                                            <a:latin typeface="Cambria Math" panose="02040503050406030204" pitchFamily="18" charset="0"/>
+                                          </a:rPr>
                                           <m:t>𝐿</m:t>
                                         </m:r>
                                       </m:sup>
@@ -45576,7 +45651,9 @@
                                           <m:naryPr>
                                             <m:chr m:val="∑"/>
                                             <m:ctrlPr>
-                                              <a:rPr lang="es-ES"/>
+                                              <a:rPr lang="es-ES" i="1">
+                                                <a:latin typeface="Cambria Math" panose="02040503050406030204" pitchFamily="18" charset="0"/>
+                                              </a:rPr>
                                             </m:ctrlPr>
                                           </m:naryPr>
                                           <m:sub>
@@ -45584,17 +45661,23 @@
                                               <m:rPr>
                                                 <m:brk m:alnAt="23"/>
                                               </m:rPr>
-                                              <a:rPr lang="es-ES"/>
+                                              <a:rPr lang="es-ES">
+                                                <a:latin typeface="Cambria Math" panose="02040503050406030204" pitchFamily="18" charset="0"/>
+                                              </a:rPr>
                                               <m:t>𝑗</m:t>
                                             </m:r>
                                             <m:r>
-                                              <a:rPr lang="es-ES"/>
+                                              <a:rPr lang="es-ES">
+                                                <a:latin typeface="Cambria Math" panose="02040503050406030204" pitchFamily="18" charset="0"/>
+                                              </a:rPr>
                                               <m:t>=1</m:t>
                                             </m:r>
                                           </m:sub>
                                           <m:sup>
                                             <m:r>
-                                              <a:rPr lang="es-ES"/>
+                                              <a:rPr lang="es-ES">
+                                                <a:latin typeface="Cambria Math" panose="02040503050406030204" pitchFamily="18" charset="0"/>
+                                              </a:rPr>
                                               <m:t>𝐿</m:t>
                                             </m:r>
                                           </m:sup>
@@ -45604,14 +45687,18 @@
                                                 <m:begChr m:val="|"/>
                                                 <m:endChr m:val="|"/>
                                                 <m:ctrlPr>
-                                                  <a:rPr lang="es-ES"/>
+                                                  <a:rPr lang="es-ES" i="1">
+                                                    <a:latin typeface="Cambria Math" panose="02040503050406030204" pitchFamily="18" charset="0"/>
+                                                  </a:rPr>
                                                 </m:ctrlPr>
                                               </m:dPr>
                                               <m:e>
                                                 <m:sSub>
                                                   <m:sSubPr>
                                                     <m:ctrlPr>
-                                                      <a:rPr lang="en-US"/>
+                                                      <a:rPr lang="en-US" i="1">
+                                                        <a:latin typeface="Cambria Math" panose="02040503050406030204" pitchFamily="18" charset="0"/>
+                                                      </a:rPr>
                                                     </m:ctrlPr>
                                                   </m:sSubPr>
                                                   <m:e>
@@ -45619,12 +45706,16 @@
                                                       <m:accPr>
                                                         <m:chr m:val="̂"/>
                                                         <m:ctrlPr>
-                                                          <a:rPr lang="en-US"/>
+                                                          <a:rPr lang="en-US" i="1">
+                                                            <a:latin typeface="Cambria Math" panose="02040503050406030204" pitchFamily="18" charset="0"/>
+                                                          </a:rPr>
                                                         </m:ctrlPr>
                                                       </m:accPr>
                                                       <m:e>
                                                         <m:r>
-                                                          <a:rPr lang="es-ES"/>
+                                                          <a:rPr lang="es-ES">
+                                                            <a:latin typeface="Cambria Math" panose="02040503050406030204" pitchFamily="18" charset="0"/>
+                                                          </a:rPr>
                                                           <m:t>𝑦</m:t>
                                                         </m:r>
                                                       </m:e>
@@ -45634,14 +45725,18 @@
                                                     <m:d>
                                                       <m:dPr>
                                                         <m:ctrlPr>
-                                                          <a:rPr lang="es-ES"/>
+                                                          <a:rPr lang="es-ES" i="1">
+                                                            <a:latin typeface="Cambria Math" panose="02040503050406030204" pitchFamily="18" charset="0"/>
+                                                          </a:rPr>
                                                         </m:ctrlPr>
                                                       </m:dPr>
                                                       <m:e>
                                                         <m:sSub>
                                                           <m:sSubPr>
                                                             <m:ctrlPr>
-                                                              <a:rPr lang="en-US"/>
+                                                              <a:rPr lang="en-US" i="1">
+                                                                <a:latin typeface="Cambria Math" panose="02040503050406030204" pitchFamily="18" charset="0"/>
+                                                              </a:rPr>
                                                             </m:ctrlPr>
                                                           </m:sSubPr>
                                                           <m:e>
@@ -45660,19 +45755,25 @@
                                                           </m:e>
                                                           <m:sub>
                                                             <m:r>
-                                                              <a:rPr lang="es-ES"/>
+                                                              <a:rPr lang="es-ES">
+                                                                <a:latin typeface="Cambria Math" panose="02040503050406030204" pitchFamily="18" charset="0"/>
+                                                              </a:rPr>
                                                               <m:t>𝑖</m:t>
                                                             </m:r>
                                                           </m:sub>
                                                         </m:sSub>
                                                         <m:r>
-                                                          <a:rPr lang="es-ES"/>
+                                                          <a:rPr lang="es-ES">
+                                                            <a:latin typeface="Cambria Math" panose="02040503050406030204" pitchFamily="18" charset="0"/>
+                                                          </a:rPr>
                                                           <m:t>,</m:t>
                                                         </m:r>
                                                         <m:sSub>
                                                           <m:sSubPr>
                                                             <m:ctrlPr>
-                                                              <a:rPr lang="en-US"/>
+                                                              <a:rPr lang="en-US" i="1">
+                                                                <a:latin typeface="Cambria Math" panose="02040503050406030204" pitchFamily="18" charset="0"/>
+                                                              </a:rPr>
                                                             </m:ctrlPr>
                                                           </m:sSubPr>
                                                           <m:e>
@@ -45685,7 +45786,9 @@
                                                           </m:e>
                                                           <m:sub>
                                                             <m:r>
-                                                              <a:rPr lang="es-ES"/>
+                                                              <a:rPr lang="es-ES">
+                                                                <a:latin typeface="Cambria Math" panose="02040503050406030204" pitchFamily="18" charset="0"/>
+                                                              </a:rPr>
                                                               <m:t>𝑗</m:t>
                                                             </m:r>
                                                           </m:sub>
@@ -45695,13 +45798,17 @@
                                                   </m:sub>
                                                 </m:sSub>
                                                 <m:r>
-                                                  <a:rPr lang="es-ES"/>
+                                                  <a:rPr lang="es-ES">
+                                                    <a:latin typeface="Cambria Math" panose="02040503050406030204" pitchFamily="18" charset="0"/>
+                                                  </a:rPr>
                                                   <m:t>−</m:t>
                                                 </m:r>
                                                 <m:sSub>
                                                   <m:sSubPr>
                                                     <m:ctrlPr>
-                                                      <a:rPr lang="es-ES"/>
+                                                      <a:rPr lang="es-ES" i="1">
+                                                        <a:latin typeface="Cambria Math" panose="02040503050406030204" pitchFamily="18" charset="0"/>
+                                                      </a:rPr>
                                                     </m:ctrlPr>
                                                   </m:sSubPr>
                                                   <m:e>
@@ -45709,12 +45816,16 @@
                                                       <m:accPr>
                                                         <m:chr m:val="̃"/>
                                                         <m:ctrlPr>
-                                                          <a:rPr lang="es-ES"/>
+                                                          <a:rPr lang="es-ES" i="1">
+                                                            <a:latin typeface="Cambria Math" panose="02040503050406030204" pitchFamily="18" charset="0"/>
+                                                          </a:rPr>
                                                         </m:ctrlPr>
                                                       </m:accPr>
                                                       <m:e>
                                                         <m:r>
-                                                          <a:rPr lang="es-ES"/>
+                                                          <a:rPr lang="es-ES">
+                                                            <a:latin typeface="Cambria Math" panose="02040503050406030204" pitchFamily="18" charset="0"/>
+                                                          </a:rPr>
                                                           <m:t>𝑦</m:t>
                                                         </m:r>
                                                       </m:e>
@@ -45724,7 +45835,9 @@
                                                     <m:sSub>
                                                       <m:sSubPr>
                                                         <m:ctrlPr>
-                                                          <a:rPr lang="es-ES" smtClean="0"/>
+                                                          <a:rPr lang="es-ES" i="1" smtClean="0">
+                                                            <a:latin typeface="Cambria Math" panose="02040503050406030204" pitchFamily="18" charset="0"/>
+                                                          </a:rPr>
                                                         </m:ctrlPr>
                                                       </m:sSubPr>
                                                       <m:e>
@@ -45737,7 +45850,9 @@
                                                       </m:e>
                                                       <m:sub>
                                                         <m:r>
-                                                          <a:rPr lang="es-ES" b="0" smtClean="0"/>
+                                                          <a:rPr lang="es-ES" b="0" smtClean="0">
+                                                            <a:latin typeface="Cambria Math" panose="02040503050406030204" pitchFamily="18" charset="0"/>
+                                                          </a:rPr>
                                                           <m:t>𝑖</m:t>
                                                         </m:r>
                                                       </m:sub>
@@ -45753,7 +45868,9 @@
                                   </m:num>
                                   <m:den>
                                     <m:r>
-                                      <a:rPr lang="es-ES" b="0" smtClean="0"/>
+                                      <a:rPr lang="es-ES" b="0" smtClean="0">
+                                        <a:latin typeface="Cambria Math" panose="02040503050406030204" pitchFamily="18" charset="0"/>
+                                      </a:rPr>
                                       <m:t>𝐿</m:t>
                                     </m:r>
                                   </m:den>
@@ -45803,14 +45920,14 @@
               <p:nvPr>
                 <p:extLst>
                   <p:ext uri="{D42A27DB-BD31-4B8C-83A1-F6EECF244321}">
-                    <p14:modId xmlns:p14="http://schemas.microsoft.com/office/powerpoint/2010/main" val="3893415664"/>
+                    <p14:modId xmlns:p14="http://schemas.microsoft.com/office/powerpoint/2010/main" val="1705541522"/>
                   </p:ext>
                 </p:extLst>
               </p:nvPr>
             </p:nvGraphicFramePr>
             <p:xfrm>
-              <a:off x="2959100" y="7722394"/>
-              <a:ext cx="12192000" cy="1309180"/>
+              <a:off x="2305210" y="7722394"/>
+              <a:ext cx="12845890" cy="1295019"/>
             </p:xfrm>
             <a:graphic>
               <a:graphicData uri="http://schemas.openxmlformats.org/drawingml/2006/table">
@@ -45819,14 +45936,14 @@
                     <a:tableStyleId>{2D5ABB26-0587-4C30-8999-92F81FD0307C}</a:tableStyleId>
                   </a:tblPr>
                   <a:tblGrid>
-                    <a:gridCol w="6096000">
+                    <a:gridCol w="6422945">
                       <a:extLst>
                         <a:ext uri="{9D8B030D-6E8A-4147-A177-3AD203B41FA5}">
                           <a16:colId xmlns:a16="http://schemas.microsoft.com/office/drawing/2014/main" val="112387607"/>
                         </a:ext>
                       </a:extLst>
                     </a:gridCol>
-                    <a:gridCol w="6096000">
+                    <a:gridCol w="6422945">
                       <a:extLst>
                         <a:ext uri="{9D8B030D-6E8A-4147-A177-3AD203B41FA5}">
                           <a16:colId xmlns:a16="http://schemas.microsoft.com/office/drawing/2014/main" val="4264648445"/>
@@ -45834,7 +45951,7 @@
                       </a:extLst>
                     </a:gridCol>
                   </a:tblGrid>
-                  <a:tr h="1309180">
+                  <a:tr h="1295019">
                     <a:tc>
                       <a:txBody>
                         <a:bodyPr/>
@@ -45856,7 +45973,7 @@
                         <a:blipFill>
                           <a:blip r:embed="rId3"/>
                           <a:stretch>
-                            <a:fillRect r="-99900" b="-463"/>
+                            <a:fillRect r="-100000" b="-467"/>
                           </a:stretch>
                         </a:blipFill>
                       </a:tcPr>
@@ -45882,7 +45999,7 @@
                         <a:blipFill>
                           <a:blip r:embed="rId3"/>
                           <a:stretch>
-                            <a:fillRect l="-100100" b="-463"/>
+                            <a:fillRect l="-100000" b="-467"/>
                           </a:stretch>
                         </a:blipFill>
                       </a:tcPr>
